--- a/soutenances/planification/soutenance_planification.pptx
+++ b/soutenances/planification/soutenance_planification.pptx
@@ -5,7 +5,7 @@
     <p:sldMasterId id="2147483684" r:id="rId1"/>
   </p:sldMasterIdLst>
   <p:notesMasterIdLst>
-    <p:notesMasterId r:id="rId12"/>
+    <p:notesMasterId r:id="rId25"/>
   </p:notesMasterIdLst>
   <p:sldIdLst>
     <p:sldId id="256" r:id="rId2"/>
@@ -17,7 +17,20 @@
     <p:sldId id="264" r:id="rId8"/>
     <p:sldId id="261" r:id="rId9"/>
     <p:sldId id="266" r:id="rId10"/>
-    <p:sldId id="260" r:id="rId11"/>
+    <p:sldId id="267" r:id="rId11"/>
+    <p:sldId id="268" r:id="rId12"/>
+    <p:sldId id="269" r:id="rId13"/>
+    <p:sldId id="270" r:id="rId14"/>
+    <p:sldId id="271" r:id="rId15"/>
+    <p:sldId id="272" r:id="rId16"/>
+    <p:sldId id="273" r:id="rId17"/>
+    <p:sldId id="276" r:id="rId18"/>
+    <p:sldId id="275" r:id="rId19"/>
+    <p:sldId id="274" r:id="rId20"/>
+    <p:sldId id="277" r:id="rId21"/>
+    <p:sldId id="278" r:id="rId22"/>
+    <p:sldId id="279" r:id="rId23"/>
+    <p:sldId id="280" r:id="rId24"/>
   </p:sldIdLst>
   <p:sldSz cx="9144000" cy="6858000" type="screen4x3"/>
   <p:notesSz cx="6858000" cy="9144000"/>
@@ -201,6 +214,7 @@
           <a:p>
             <a:fld id="{870840C3-A359-44A7-AB98-329BE5E6CEFD}" type="datetimeFigureOut">
               <a:rPr lang="fr-FR" smtClean="0"/>
+              <a:pPr/>
               <a:t>16/12/2014</a:t>
             </a:fld>
             <a:endParaRPr lang="fr-FR"/>
@@ -362,6 +376,7 @@
           <a:p>
             <a:fld id="{40484E77-AB6C-4413-9E0F-BEF59DCF287A}" type="slidenum">
               <a:rPr lang="fr-FR" smtClean="0"/>
+              <a:pPr/>
               <a:t>‹N°›</a:t>
             </a:fld>
             <a:endParaRPr lang="fr-FR"/>
@@ -541,6 +556,7 @@
           <a:p>
             <a:fld id="{40484E77-AB6C-4413-9E0F-BEF59DCF287A}" type="slidenum">
               <a:rPr lang="fr-FR" smtClean="0"/>
+              <a:pPr/>
               <a:t>5</a:t>
             </a:fld>
             <a:endParaRPr lang="fr-FR"/>
@@ -630,6 +646,7 @@
           <a:p>
             <a:fld id="{40484E77-AB6C-4413-9E0F-BEF59DCF287A}" type="slidenum">
               <a:rPr lang="fr-FR" smtClean="0"/>
+              <a:pPr/>
               <a:t>6</a:t>
             </a:fld>
             <a:endParaRPr lang="fr-FR"/>
@@ -733,7 +750,7 @@
             <a:blip r:embed="rId2" cstate="print">
               <a:extLst>
                 <a:ext uri="{28A0092B-C50C-407E-A947-70E740481C1C}">
-                  <a14:useLocalDpi xmlns:a14="http://schemas.microsoft.com/office/drawing/2010/main" xmlns="" val="0"/>
+                  <a14:useLocalDpi xmlns="" xmlns:a14="http://schemas.microsoft.com/office/drawing/2010/main" val="0"/>
                 </a:ext>
               </a:extLst>
             </a:blip>
@@ -751,7 +768,7 @@
             <a:noFill/>
             <a:extLst>
               <a:ext uri="{909E8E84-426E-40DD-AFC4-6F175D3DCCD1}">
-                <a14:hiddenFill xmlns:a14="http://schemas.microsoft.com/office/drawing/2010/main" xmlns="">
+                <a14:hiddenFill xmlns="" xmlns:a14="http://schemas.microsoft.com/office/drawing/2010/main">
                   <a:solidFill>
                     <a:srgbClr val="FFFFFF"/>
                   </a:solidFill>
@@ -772,7 +789,7 @@
             <a:blip r:embed="rId3" cstate="print">
               <a:extLst>
                 <a:ext uri="{28A0092B-C50C-407E-A947-70E740481C1C}">
-                  <a14:useLocalDpi xmlns:a14="http://schemas.microsoft.com/office/drawing/2010/main" xmlns="" val="0"/>
+                  <a14:useLocalDpi xmlns="" xmlns:a14="http://schemas.microsoft.com/office/drawing/2010/main" val="0"/>
                 </a:ext>
               </a:extLst>
             </a:blip>
@@ -792,7 +809,7 @@
             <a:noFill/>
             <a:extLst>
               <a:ext uri="{909E8E84-426E-40DD-AFC4-6F175D3DCCD1}">
-                <a14:hiddenFill xmlns:a14="http://schemas.microsoft.com/office/drawing/2010/main" xmlns="">
+                <a14:hiddenFill xmlns="" xmlns:a14="http://schemas.microsoft.com/office/drawing/2010/main">
                   <a:solidFill>
                     <a:srgbClr val="FFFFFF"/>
                   </a:solidFill>
@@ -1841,7 +1858,7 @@
     </p:spTree>
     <p:extLst>
       <p:ext uri="{BB962C8B-B14F-4D97-AF65-F5344CB8AC3E}">
-        <p14:creationId xmlns:p14="http://schemas.microsoft.com/office/powerpoint/2010/main" xmlns="" val="2155599893"/>
+        <p14:creationId xmlns="" xmlns:p14="http://schemas.microsoft.com/office/powerpoint/2010/main" val="2155599893"/>
       </p:ext>
     </p:extLst>
   </p:cSld>
@@ -1998,7 +2015,7 @@
     </p:spTree>
     <p:extLst>
       <p:ext uri="{BB962C8B-B14F-4D97-AF65-F5344CB8AC3E}">
-        <p14:creationId xmlns:p14="http://schemas.microsoft.com/office/powerpoint/2010/main" xmlns="" val="2625538701"/>
+        <p14:creationId xmlns="" xmlns:p14="http://schemas.microsoft.com/office/powerpoint/2010/main" val="2625538701"/>
       </p:ext>
     </p:extLst>
   </p:cSld>
@@ -2225,7 +2242,7 @@
     </p:spTree>
     <p:extLst>
       <p:ext uri="{BB962C8B-B14F-4D97-AF65-F5344CB8AC3E}">
-        <p14:creationId xmlns:p14="http://schemas.microsoft.com/office/powerpoint/2010/main" xmlns="" val="1505370761"/>
+        <p14:creationId xmlns="" xmlns:p14="http://schemas.microsoft.com/office/powerpoint/2010/main" val="1505370761"/>
       </p:ext>
     </p:extLst>
   </p:cSld>
@@ -2470,7 +2487,7 @@
     </p:spTree>
     <p:extLst>
       <p:ext uri="{BB962C8B-B14F-4D97-AF65-F5344CB8AC3E}">
-        <p14:creationId xmlns:p14="http://schemas.microsoft.com/office/powerpoint/2010/main" xmlns="" val="1601618539"/>
+        <p14:creationId xmlns="" xmlns:p14="http://schemas.microsoft.com/office/powerpoint/2010/main" val="1601618539"/>
       </p:ext>
     </p:extLst>
   </p:cSld>
@@ -2853,7 +2870,7 @@
     </p:spTree>
     <p:extLst>
       <p:ext uri="{BB962C8B-B14F-4D97-AF65-F5344CB8AC3E}">
-        <p14:creationId xmlns:p14="http://schemas.microsoft.com/office/powerpoint/2010/main" xmlns="" val="171255179"/>
+        <p14:creationId xmlns="" xmlns:p14="http://schemas.microsoft.com/office/powerpoint/2010/main" val="171255179"/>
       </p:ext>
     </p:extLst>
   </p:cSld>
@@ -2954,7 +2971,7 @@
     </p:spTree>
     <p:extLst>
       <p:ext uri="{BB962C8B-B14F-4D97-AF65-F5344CB8AC3E}">
-        <p14:creationId xmlns:p14="http://schemas.microsoft.com/office/powerpoint/2010/main" xmlns="" val="4241946124"/>
+        <p14:creationId xmlns="" xmlns:p14="http://schemas.microsoft.com/office/powerpoint/2010/main" val="4241946124"/>
       </p:ext>
     </p:extLst>
   </p:cSld>
@@ -2991,7 +3008,7 @@
     </p:spTree>
     <p:extLst>
       <p:ext uri="{BB962C8B-B14F-4D97-AF65-F5344CB8AC3E}">
-        <p14:creationId xmlns:p14="http://schemas.microsoft.com/office/powerpoint/2010/main" xmlns="" val="3843733788"/>
+        <p14:creationId xmlns="" xmlns:p14="http://schemas.microsoft.com/office/powerpoint/2010/main" val="3843733788"/>
       </p:ext>
     </p:extLst>
   </p:cSld>
@@ -3286,7 +3303,7 @@
     </p:spTree>
     <p:extLst>
       <p:ext uri="{BB962C8B-B14F-4D97-AF65-F5344CB8AC3E}">
-        <p14:creationId xmlns:p14="http://schemas.microsoft.com/office/powerpoint/2010/main" xmlns="" val="680884878"/>
+        <p14:creationId xmlns="" xmlns:p14="http://schemas.microsoft.com/office/powerpoint/2010/main" val="680884878"/>
       </p:ext>
     </p:extLst>
   </p:cSld>
@@ -4529,7 +4546,7 @@
           <a:blip r:embed="rId11" cstate="print">
             <a:extLst>
               <a:ext uri="{28A0092B-C50C-407E-A947-70E740481C1C}">
-                <a14:useLocalDpi xmlns:a14="http://schemas.microsoft.com/office/drawing/2010/main" xmlns="" val="0"/>
+                <a14:useLocalDpi xmlns="" xmlns:a14="http://schemas.microsoft.com/office/drawing/2010/main" val="0"/>
               </a:ext>
             </a:extLst>
           </a:blip>
@@ -4547,7 +4564,7 @@
           <a:noFill/>
           <a:extLst>
             <a:ext uri="{909E8E84-426E-40DD-AFC4-6F175D3DCCD1}">
-              <a14:hiddenFill xmlns:a14="http://schemas.microsoft.com/office/drawing/2010/main" xmlns="">
+              <a14:hiddenFill xmlns="" xmlns:a14="http://schemas.microsoft.com/office/drawing/2010/main">
                 <a:solidFill>
                   <a:srgbClr val="FFFFFF"/>
                 </a:solidFill>
@@ -4568,7 +4585,7 @@
           <a:blip r:embed="rId12" cstate="print">
             <a:extLst>
               <a:ext uri="{28A0092B-C50C-407E-A947-70E740481C1C}">
-                <a14:useLocalDpi xmlns:a14="http://schemas.microsoft.com/office/drawing/2010/main" xmlns="" val="0"/>
+                <a14:useLocalDpi xmlns="" xmlns:a14="http://schemas.microsoft.com/office/drawing/2010/main" val="0"/>
               </a:ext>
             </a:extLst>
           </a:blip>
@@ -4588,7 +4605,7 @@
           <a:noFill/>
           <a:extLst>
             <a:ext uri="{909E8E84-426E-40DD-AFC4-6F175D3DCCD1}">
-              <a14:hiddenFill xmlns:a14="http://schemas.microsoft.com/office/drawing/2010/main" xmlns="">
+              <a14:hiddenFill xmlns="" xmlns:a14="http://schemas.microsoft.com/office/drawing/2010/main">
                 <a:solidFill>
                   <a:srgbClr val="FFFFFF"/>
                 </a:solidFill>
@@ -4746,7 +4763,7 @@
             <a:lum bright="70000" contrast="-70000"/>
             <a:extLst>
               <a:ext uri="{28A0092B-C50C-407E-A947-70E740481C1C}">
-                <a14:useLocalDpi xmlns:a14="http://schemas.microsoft.com/office/drawing/2010/main" xmlns="" val="0"/>
+                <a14:useLocalDpi xmlns="" xmlns:a14="http://schemas.microsoft.com/office/drawing/2010/main" val="0"/>
               </a:ext>
             </a:extLst>
           </a:blip>
@@ -4767,7 +4784,7 @@
     </p:spTree>
     <p:extLst>
       <p:ext uri="{BB962C8B-B14F-4D97-AF65-F5344CB8AC3E}">
-        <p14:creationId xmlns:p14="http://schemas.microsoft.com/office/powerpoint/2010/main" xmlns="" val="3080300347"/>
+        <p14:creationId xmlns="" xmlns:p14="http://schemas.microsoft.com/office/powerpoint/2010/main" val="3080300347"/>
       </p:ext>
     </p:extLst>
   </p:cSld>
@@ -5094,17 +5111,7 @@
                   </a:schemeClr>
                 </a:solidFill>
               </a:rPr>
-              <a:t>Soutenance de </a:t>
-            </a:r>
-            <a:r>
-              <a:rPr lang="fr-FR" cap="small" smtClean="0">
-                <a:solidFill>
-                  <a:schemeClr val="tx1">
-                    <a:lumMod val="50000"/>
-                  </a:schemeClr>
-                </a:solidFill>
-              </a:rPr>
-              <a:t>planification</a:t>
+              <a:t>Soutenance de planification</a:t>
             </a:r>
             <a:endParaRPr lang="fr-FR" cap="small">
               <a:solidFill>
@@ -5124,7 +5131,7 @@
         </p:nvSpPr>
         <p:spPr>
           <a:xfrm>
-            <a:off x="6372200" y="1988840"/>
+            <a:off x="6300192" y="332656"/>
             <a:ext cx="2448272" cy="369332"/>
           </a:xfrm>
           <a:prstGeom prst="rect">
@@ -5142,18 +5149,14 @@
             <a:r>
               <a:rPr lang="fr-FR" b="1" smtClean="0">
                 <a:solidFill>
-                  <a:schemeClr val="tx1">
-                    <a:lumMod val="50000"/>
-                  </a:schemeClr>
+                  <a:schemeClr val="accent5"/>
                 </a:solidFill>
               </a:rPr>
               <a:t>Encadrants</a:t>
             </a:r>
             <a:endParaRPr lang="fr-FR" b="1">
               <a:solidFill>
-                <a:schemeClr val="tx1">
-                  <a:lumMod val="50000"/>
-                </a:schemeClr>
+                <a:schemeClr val="accent5"/>
               </a:solidFill>
             </a:endParaRPr>
           </a:p>
@@ -5167,7 +5170,7 @@
         </p:nvSpPr>
         <p:spPr>
           <a:xfrm>
-            <a:off x="6300192" y="2420888"/>
+            <a:off x="6228184" y="764704"/>
             <a:ext cx="2520280" cy="646331"/>
           </a:xfrm>
           <a:prstGeom prst="rect">
@@ -5190,17 +5193,7 @@
                   </a:schemeClr>
                 </a:solidFill>
               </a:rPr>
-              <a:t>Gildas </a:t>
-            </a:r>
-            <a:r>
-              <a:rPr lang="fr-FR" smtClean="0">
-                <a:solidFill>
-                  <a:schemeClr val="tx1">
-                    <a:lumMod val="50000"/>
-                  </a:schemeClr>
-                </a:solidFill>
-              </a:rPr>
-              <a:t>AVOINE</a:t>
+              <a:t>Gildas AVOINE</a:t>
             </a:r>
           </a:p>
           <a:p>
@@ -5233,7 +5226,7 @@
         </p:nvSpPr>
         <p:spPr>
           <a:xfrm>
-            <a:off x="6516216" y="4077072"/>
+            <a:off x="6300192" y="4077072"/>
             <a:ext cx="2448272" cy="369332"/>
           </a:xfrm>
           <a:prstGeom prst="rect">
@@ -5251,18 +5244,14 @@
             <a:r>
               <a:rPr lang="fr-FR" b="1" smtClean="0">
                 <a:solidFill>
-                  <a:schemeClr val="tx1">
-                    <a:lumMod val="50000"/>
-                  </a:schemeClr>
+                  <a:schemeClr val="accent5"/>
                 </a:solidFill>
               </a:rPr>
               <a:t>Étudiants</a:t>
             </a:r>
             <a:endParaRPr lang="fr-FR" b="1">
               <a:solidFill>
-                <a:schemeClr val="tx1">
-                  <a:lumMod val="50000"/>
-                </a:schemeClr>
+                <a:schemeClr val="accent5"/>
               </a:solidFill>
             </a:endParaRPr>
           </a:p>
@@ -5276,7 +5265,7 @@
         </p:nvSpPr>
         <p:spPr>
           <a:xfrm>
-            <a:off x="6516216" y="4509120"/>
+            <a:off x="6300192" y="4509120"/>
             <a:ext cx="2448272" cy="1754326"/>
           </a:xfrm>
           <a:prstGeom prst="rect">
@@ -5384,8 +5373,8 @@
         </p:nvSpPr>
         <p:spPr>
           <a:xfrm>
-            <a:off x="251520" y="3140968"/>
-            <a:ext cx="3672408" cy="830997"/>
+            <a:off x="0" y="2060848"/>
+            <a:ext cx="4716016" cy="1620763"/>
           </a:xfrm>
           <a:prstGeom prst="rect">
             <a:avLst/>
@@ -5399,70 +5388,62 @@
           <a:lstStyle/>
           <a:p>
             <a:r>
-              <a:rPr lang="fr-FR" sz="2400" smtClean="0">
+              <a:rPr lang="fr-FR" sz="2500" cap="small" smtClean="0">
                 <a:solidFill>
                   <a:schemeClr val="tx1">
                     <a:lumMod val="50000"/>
                   </a:schemeClr>
                 </a:solidFill>
               </a:rPr>
-              <a:t>Logiciel d’analyse </a:t>
-            </a:r>
-          </a:p>
-          <a:p>
-            <a:r>
-              <a:rPr lang="fr-FR" sz="2400" smtClean="0">
+              <a:t>Est-il difficile </a:t>
+            </a:r>
+          </a:p>
+          <a:p>
+            <a:r>
+              <a:rPr lang="fr-FR" sz="2500" cap="small" smtClean="0">
                 <a:solidFill>
                   <a:schemeClr val="tx1">
                     <a:lumMod val="50000"/>
                   </a:schemeClr>
                 </a:solidFill>
               </a:rPr>
-              <a:t>de sécurité</a:t>
-            </a:r>
-            <a:endParaRPr lang="fr-FR" sz="2400">
-              <a:solidFill>
-                <a:schemeClr val="tx1">
-                  <a:lumMod val="50000"/>
-                </a:schemeClr>
-              </a:solidFill>
-            </a:endParaRPr>
-          </a:p>
-        </p:txBody>
-      </p:sp>
-      <p:sp>
-        <p:nvSpPr>
-          <p:cNvPr id="10" name="ZoneTexte 9"/>
-          <p:cNvSpPr txBox="1"/>
-          <p:nvPr/>
-        </p:nvSpPr>
-        <p:spPr>
-          <a:xfrm>
-            <a:off x="179512" y="2204864"/>
-            <a:ext cx="4104456" cy="923330"/>
-          </a:xfrm>
-          <a:prstGeom prst="rect">
-            <a:avLst/>
-          </a:prstGeom>
-          <a:noFill/>
-        </p:spPr>
-        <p:txBody>
-          <a:bodyPr wrap="square" rtlCol="0">
-            <a:spAutoFit/>
-          </a:bodyPr>
-          <a:lstStyle/>
-          <a:p>
-            <a:r>
-              <a:rPr lang="fr-FR" sz="5400" b="1" cap="small" smtClean="0">
+              <a:t>de paralyser les</a:t>
+            </a:r>
+          </a:p>
+          <a:p>
+            <a:r>
+              <a:rPr lang="fr-FR" sz="2500" cap="small" smtClean="0">
                 <a:solidFill>
                   <a:schemeClr val="tx1">
                     <a:lumMod val="50000"/>
                   </a:schemeClr>
                 </a:solidFill>
               </a:rPr>
-              <a:t>Glasir</a:t>
-            </a:r>
-            <a:endParaRPr lang="fr-FR" sz="5400" b="1" cap="small">
+              <a:t>transports en commun </a:t>
+            </a:r>
+          </a:p>
+          <a:p>
+            <a:r>
+              <a:rPr lang="fr-FR" sz="2500" cap="small" smtClean="0">
+                <a:solidFill>
+                  <a:schemeClr val="tx1">
+                    <a:lumMod val="50000"/>
+                  </a:schemeClr>
+                </a:solidFill>
+              </a:rPr>
+              <a:t>à </a:t>
+            </a:r>
+            <a:r>
+              <a:rPr lang="fr-FR" sz="2500" cap="small" smtClean="0">
+                <a:solidFill>
+                  <a:schemeClr val="tx1">
+                    <a:lumMod val="50000"/>
+                  </a:schemeClr>
+                </a:solidFill>
+              </a:rPr>
+              <a:t>Rennes ?</a:t>
+            </a:r>
+            <a:endParaRPr lang="fr-FR" sz="2500" cap="small">
               <a:solidFill>
                 <a:schemeClr val="tx1">
                   <a:lumMod val="50000"/>
@@ -5522,7 +5503,7 @@
             <a:pPr algn="ctr"/>
             <a:r>
               <a:rPr lang="fr-FR" smtClean="0"/>
-              <a:t>Planification</a:t>
+              <a:t>Contexte</a:t>
             </a:r>
             <a:endParaRPr lang="fr-FR"/>
           </a:p>
@@ -5543,7 +5524,915 @@
           <a:bodyPr/>
           <a:lstStyle/>
           <a:p>
+            <a:pPr algn="ctr"/>
+            <a:r>
+              <a:rPr lang="fr-FR" sz="2800" smtClean="0"/>
+              <a:t>Éléments d’entrée</a:t>
+            </a:r>
+            <a:endParaRPr lang="fr-FR" sz="2800" smtClean="0"/>
+          </a:p>
+          <a:p>
+            <a:pPr algn="ctr"/>
             <a:endParaRPr lang="fr-FR"/>
+          </a:p>
+          <a:p>
+            <a:r>
+              <a:rPr lang="fr-FR" smtClean="0"/>
+              <a:t>ADTool</a:t>
+            </a:r>
+            <a:endParaRPr lang="fr-FR"/>
+          </a:p>
+        </p:txBody>
+      </p:sp>
+    </p:spTree>
+  </p:cSld>
+  <p:clrMapOvr>
+    <a:masterClrMapping/>
+  </p:clrMapOvr>
+  <p:timing>
+    <p:tnLst>
+      <p:par>
+        <p:cTn id="1" dur="indefinite" restart="never" nodeType="tmRoot"/>
+      </p:par>
+    </p:tnLst>
+  </p:timing>
+</p:sld>
+</file>
+
+<file path=ppt/slides/slide11.xml><?xml version="1.0" encoding="utf-8"?>
+<p:sld xmlns:a="http://schemas.openxmlformats.org/drawingml/2006/main" xmlns:r="http://schemas.openxmlformats.org/officeDocument/2006/relationships" xmlns:p="http://schemas.openxmlformats.org/presentationml/2006/main">
+  <p:cSld>
+    <p:spTree>
+      <p:nvGrpSpPr>
+        <p:cNvPr id="1" name=""/>
+        <p:cNvGrpSpPr/>
+        <p:nvPr/>
+      </p:nvGrpSpPr>
+      <p:grpSpPr>
+        <a:xfrm>
+          <a:off x="0" y="0"/>
+          <a:ext cx="0" cy="0"/>
+          <a:chOff x="0" y="0"/>
+          <a:chExt cx="0" cy="0"/>
+        </a:xfrm>
+      </p:grpSpPr>
+      <p:sp>
+        <p:nvSpPr>
+          <p:cNvPr id="2" name="Titre 1"/>
+          <p:cNvSpPr>
+            <a:spLocks noGrp="1"/>
+          </p:cNvSpPr>
+          <p:nvPr>
+            <p:ph type="title"/>
+          </p:nvPr>
+        </p:nvSpPr>
+        <p:spPr/>
+        <p:txBody>
+          <a:bodyPr/>
+          <a:lstStyle/>
+          <a:p>
+            <a:pPr algn="ctr"/>
+            <a:r>
+              <a:rPr lang="fr-FR" smtClean="0"/>
+              <a:t>Contexte</a:t>
+            </a:r>
+            <a:endParaRPr lang="fr-FR"/>
+          </a:p>
+        </p:txBody>
+      </p:sp>
+      <p:sp>
+        <p:nvSpPr>
+          <p:cNvPr id="3" name="Espace réservé du contenu 2"/>
+          <p:cNvSpPr>
+            <a:spLocks noGrp="1"/>
+          </p:cNvSpPr>
+          <p:nvPr>
+            <p:ph idx="1"/>
+          </p:nvPr>
+        </p:nvSpPr>
+        <p:spPr/>
+        <p:txBody>
+          <a:bodyPr/>
+          <a:lstStyle/>
+          <a:p>
+            <a:pPr algn="ctr"/>
+            <a:r>
+              <a:rPr lang="fr-FR" sz="2800" smtClean="0"/>
+              <a:t>Périmètre de qualification</a:t>
+            </a:r>
+          </a:p>
+          <a:p>
+            <a:pPr algn="ctr"/>
+            <a:endParaRPr lang="fr-FR"/>
+          </a:p>
+          <a:p>
+            <a:r>
+              <a:rPr lang="fr-FR" smtClean="0"/>
+              <a:t>Windows</a:t>
+            </a:r>
+            <a:endParaRPr lang="fr-FR"/>
+          </a:p>
+        </p:txBody>
+      </p:sp>
+    </p:spTree>
+  </p:cSld>
+  <p:clrMapOvr>
+    <a:masterClrMapping/>
+  </p:clrMapOvr>
+  <p:timing>
+    <p:tnLst>
+      <p:par>
+        <p:cTn id="1" dur="indefinite" restart="never" nodeType="tmRoot"/>
+      </p:par>
+    </p:tnLst>
+  </p:timing>
+</p:sld>
+</file>
+
+<file path=ppt/slides/slide12.xml><?xml version="1.0" encoding="utf-8"?>
+<p:sld xmlns:a="http://schemas.openxmlformats.org/drawingml/2006/main" xmlns:r="http://schemas.openxmlformats.org/officeDocument/2006/relationships" xmlns:p="http://schemas.openxmlformats.org/presentationml/2006/main">
+  <p:cSld>
+    <p:spTree>
+      <p:nvGrpSpPr>
+        <p:cNvPr id="1" name=""/>
+        <p:cNvGrpSpPr/>
+        <p:nvPr/>
+      </p:nvGrpSpPr>
+      <p:grpSpPr>
+        <a:xfrm>
+          <a:off x="0" y="0"/>
+          <a:ext cx="0" cy="0"/>
+          <a:chOff x="0" y="0"/>
+          <a:chExt cx="0" cy="0"/>
+        </a:xfrm>
+      </p:grpSpPr>
+      <p:sp>
+        <p:nvSpPr>
+          <p:cNvPr id="2" name="Titre 1"/>
+          <p:cNvSpPr>
+            <a:spLocks noGrp="1"/>
+          </p:cNvSpPr>
+          <p:nvPr>
+            <p:ph type="title"/>
+          </p:nvPr>
+        </p:nvSpPr>
+        <p:spPr/>
+        <p:txBody>
+          <a:bodyPr/>
+          <a:lstStyle/>
+          <a:p>
+            <a:pPr algn="ctr"/>
+            <a:r>
+              <a:rPr lang="fr-FR" smtClean="0"/>
+              <a:t>Contexte</a:t>
+            </a:r>
+            <a:endParaRPr lang="fr-FR"/>
+          </a:p>
+        </p:txBody>
+      </p:sp>
+      <p:sp>
+        <p:nvSpPr>
+          <p:cNvPr id="3" name="Espace réservé du contenu 2"/>
+          <p:cNvSpPr>
+            <a:spLocks noGrp="1"/>
+          </p:cNvSpPr>
+          <p:nvPr>
+            <p:ph idx="1"/>
+          </p:nvPr>
+        </p:nvSpPr>
+        <p:spPr/>
+        <p:txBody>
+          <a:bodyPr/>
+          <a:lstStyle/>
+          <a:p>
+            <a:pPr algn="ctr"/>
+            <a:r>
+              <a:rPr lang="fr-FR" sz="2800" smtClean="0"/>
+              <a:t>Calendrier</a:t>
+            </a:r>
+          </a:p>
+          <a:p>
+            <a:pPr algn="ctr"/>
+            <a:endParaRPr lang="fr-FR"/>
+          </a:p>
+          <a:p>
+            <a:r>
+              <a:rPr lang="fr-FR" smtClean="0"/>
+              <a:t>Rapport de conception </a:t>
+            </a:r>
+            <a:r>
+              <a:rPr lang="fr-FR"/>
+              <a:t>: </a:t>
+            </a:r>
+            <a:endParaRPr lang="fr-FR"/>
+          </a:p>
+          <a:p>
+            <a:r>
+              <a:rPr lang="fr-FR" smtClean="0"/>
+              <a:t>Rapport de j’sais plus quoi : </a:t>
+            </a:r>
+            <a:endParaRPr lang="fr-FR"/>
+          </a:p>
+          <a:p>
+            <a:r>
+              <a:rPr lang="fr-FR"/>
+              <a:t>Livraison : </a:t>
+            </a:r>
+            <a:r>
+              <a:rPr lang="fr-FR"/>
+              <a:t>28 </a:t>
+            </a:r>
+            <a:r>
+              <a:rPr lang="fr-FR" smtClean="0"/>
+              <a:t>mai</a:t>
+            </a:r>
+          </a:p>
+          <a:p>
+            <a:endParaRPr lang="fr-FR"/>
+          </a:p>
+          <a:p>
+            <a:r>
+              <a:rPr lang="fr-FR" smtClean="0"/>
+              <a:t>Semaines bloquées</a:t>
+            </a:r>
+            <a:endParaRPr lang="fr-FR"/>
+          </a:p>
+          <a:p>
+            <a:r>
+              <a:rPr lang="fr-FR"/>
+              <a:t>16/12 ; 20/05 </a:t>
+            </a:r>
+            <a:r>
+              <a:rPr lang="fr-FR"/>
+              <a:t>; </a:t>
+            </a:r>
+            <a:r>
+              <a:rPr lang="fr-FR" smtClean="0"/>
+              <a:t>26/05</a:t>
+            </a:r>
+          </a:p>
+          <a:p>
+            <a:endParaRPr lang="fr-FR"/>
+          </a:p>
+          <a:p>
+            <a:r>
+              <a:rPr lang="fr-FR" smtClean="0"/>
+              <a:t>Vacances</a:t>
+            </a:r>
+            <a:endParaRPr lang="fr-FR"/>
+          </a:p>
+          <a:p>
+            <a:r>
+              <a:rPr lang="fr-FR"/>
+              <a:t>du 22/12/2013 au 17/01/2014</a:t>
+            </a:r>
+          </a:p>
+          <a:p>
+            <a:r>
+              <a:rPr lang="fr-FR"/>
+              <a:t>du 27/04/2014 au 16/05/2014.</a:t>
+            </a:r>
+          </a:p>
+        </p:txBody>
+      </p:sp>
+    </p:spTree>
+  </p:cSld>
+  <p:clrMapOvr>
+    <a:masterClrMapping/>
+  </p:clrMapOvr>
+  <p:timing>
+    <p:tnLst>
+      <p:par>
+        <p:cTn id="1" dur="indefinite" restart="never" nodeType="tmRoot"/>
+      </p:par>
+    </p:tnLst>
+  </p:timing>
+</p:sld>
+</file>
+
+<file path=ppt/slides/slide13.xml><?xml version="1.0" encoding="utf-8"?>
+<p:sld xmlns:a="http://schemas.openxmlformats.org/drawingml/2006/main" xmlns:r="http://schemas.openxmlformats.org/officeDocument/2006/relationships" xmlns:p="http://schemas.openxmlformats.org/presentationml/2006/main">
+  <p:cSld>
+    <p:spTree>
+      <p:nvGrpSpPr>
+        <p:cNvPr id="1" name=""/>
+        <p:cNvGrpSpPr/>
+        <p:nvPr/>
+      </p:nvGrpSpPr>
+      <p:grpSpPr>
+        <a:xfrm>
+          <a:off x="0" y="0"/>
+          <a:ext cx="0" cy="0"/>
+          <a:chOff x="0" y="0"/>
+          <a:chExt cx="0" cy="0"/>
+        </a:xfrm>
+      </p:grpSpPr>
+      <p:sp>
+        <p:nvSpPr>
+          <p:cNvPr id="2" name="Titre 1"/>
+          <p:cNvSpPr>
+            <a:spLocks noGrp="1"/>
+          </p:cNvSpPr>
+          <p:nvPr>
+            <p:ph type="title"/>
+          </p:nvPr>
+        </p:nvSpPr>
+        <p:spPr/>
+        <p:txBody>
+          <a:bodyPr/>
+          <a:lstStyle/>
+          <a:p>
+            <a:endParaRPr lang="fr-FR"/>
+          </a:p>
+        </p:txBody>
+      </p:sp>
+      <p:sp>
+        <p:nvSpPr>
+          <p:cNvPr id="3" name="Espace réservé du contenu 2"/>
+          <p:cNvSpPr>
+            <a:spLocks noGrp="1"/>
+          </p:cNvSpPr>
+          <p:nvPr>
+            <p:ph idx="1"/>
+          </p:nvPr>
+        </p:nvSpPr>
+        <p:spPr>
+          <a:xfrm>
+            <a:off x="457200" y="2780928"/>
+            <a:ext cx="8229600" cy="3528392"/>
+          </a:xfrm>
+        </p:spPr>
+        <p:txBody>
+          <a:bodyPr>
+            <a:noAutofit/>
+          </a:bodyPr>
+          <a:lstStyle/>
+          <a:p>
+            <a:pPr algn="ctr"/>
+            <a:r>
+              <a:rPr lang="fr-FR" sz="5400" smtClean="0"/>
+              <a:t>Organisation</a:t>
+            </a:r>
+            <a:endParaRPr lang="fr-FR" sz="5400"/>
+          </a:p>
+        </p:txBody>
+      </p:sp>
+    </p:spTree>
+  </p:cSld>
+  <p:clrMapOvr>
+    <a:masterClrMapping/>
+  </p:clrMapOvr>
+</p:sld>
+</file>
+
+<file path=ppt/slides/slide14.xml><?xml version="1.0" encoding="utf-8"?>
+<p:sld xmlns:a="http://schemas.openxmlformats.org/drawingml/2006/main" xmlns:r="http://schemas.openxmlformats.org/officeDocument/2006/relationships" xmlns:p="http://schemas.openxmlformats.org/presentationml/2006/main">
+  <p:cSld>
+    <p:spTree>
+      <p:nvGrpSpPr>
+        <p:cNvPr id="1" name=""/>
+        <p:cNvGrpSpPr/>
+        <p:nvPr/>
+      </p:nvGrpSpPr>
+      <p:grpSpPr>
+        <a:xfrm>
+          <a:off x="0" y="0"/>
+          <a:ext cx="0" cy="0"/>
+          <a:chOff x="0" y="0"/>
+          <a:chExt cx="0" cy="0"/>
+        </a:xfrm>
+      </p:grpSpPr>
+      <p:sp>
+        <p:nvSpPr>
+          <p:cNvPr id="2" name="Titre 1"/>
+          <p:cNvSpPr>
+            <a:spLocks noGrp="1"/>
+          </p:cNvSpPr>
+          <p:nvPr>
+            <p:ph type="title"/>
+          </p:nvPr>
+        </p:nvSpPr>
+        <p:spPr/>
+        <p:txBody>
+          <a:bodyPr/>
+          <a:lstStyle/>
+          <a:p>
+            <a:pPr algn="ctr"/>
+            <a:r>
+              <a:rPr lang="fr-FR" smtClean="0"/>
+              <a:t>Organisation</a:t>
+            </a:r>
+            <a:endParaRPr lang="fr-FR"/>
+          </a:p>
+        </p:txBody>
+      </p:sp>
+      <p:sp>
+        <p:nvSpPr>
+          <p:cNvPr id="3" name="Espace réservé du contenu 2"/>
+          <p:cNvSpPr>
+            <a:spLocks noGrp="1"/>
+          </p:cNvSpPr>
+          <p:nvPr>
+            <p:ph idx="1"/>
+          </p:nvPr>
+        </p:nvSpPr>
+        <p:spPr/>
+        <p:txBody>
+          <a:bodyPr/>
+          <a:lstStyle/>
+          <a:p>
+            <a:pPr algn="ctr"/>
+            <a:r>
+              <a:rPr lang="fr-FR" sz="2800" smtClean="0"/>
+              <a:t>Méthode SCRUM</a:t>
+            </a:r>
+          </a:p>
+          <a:p>
+            <a:pPr algn="ctr"/>
+            <a:endParaRPr lang="fr-FR"/>
+          </a:p>
+          <a:p>
+            <a:r>
+              <a:rPr lang="fr-FR" smtClean="0"/>
+              <a:t>Blablabla</a:t>
+            </a:r>
+            <a:endParaRPr lang="fr-FR"/>
+          </a:p>
+        </p:txBody>
+      </p:sp>
+    </p:spTree>
+  </p:cSld>
+  <p:clrMapOvr>
+    <a:masterClrMapping/>
+  </p:clrMapOvr>
+  <p:timing>
+    <p:tnLst>
+      <p:par>
+        <p:cTn id="1" dur="indefinite" restart="never" nodeType="tmRoot"/>
+      </p:par>
+    </p:tnLst>
+  </p:timing>
+</p:sld>
+</file>
+
+<file path=ppt/slides/slide15.xml><?xml version="1.0" encoding="utf-8"?>
+<p:sld xmlns:a="http://schemas.openxmlformats.org/drawingml/2006/main" xmlns:r="http://schemas.openxmlformats.org/officeDocument/2006/relationships" xmlns:p="http://schemas.openxmlformats.org/presentationml/2006/main">
+  <p:cSld>
+    <p:spTree>
+      <p:nvGrpSpPr>
+        <p:cNvPr id="1" name=""/>
+        <p:cNvGrpSpPr/>
+        <p:nvPr/>
+      </p:nvGrpSpPr>
+      <p:grpSpPr>
+        <a:xfrm>
+          <a:off x="0" y="0"/>
+          <a:ext cx="0" cy="0"/>
+          <a:chOff x="0" y="0"/>
+          <a:chExt cx="0" cy="0"/>
+        </a:xfrm>
+      </p:grpSpPr>
+      <p:sp>
+        <p:nvSpPr>
+          <p:cNvPr id="2" name="Titre 1"/>
+          <p:cNvSpPr>
+            <a:spLocks noGrp="1"/>
+          </p:cNvSpPr>
+          <p:nvPr>
+            <p:ph type="title"/>
+          </p:nvPr>
+        </p:nvSpPr>
+        <p:spPr/>
+        <p:txBody>
+          <a:bodyPr/>
+          <a:lstStyle/>
+          <a:p>
+            <a:pPr algn="ctr"/>
+            <a:r>
+              <a:rPr lang="fr-FR" smtClean="0"/>
+              <a:t>Organisation</a:t>
+            </a:r>
+            <a:endParaRPr lang="fr-FR"/>
+          </a:p>
+        </p:txBody>
+      </p:sp>
+      <p:sp>
+        <p:nvSpPr>
+          <p:cNvPr id="3" name="Espace réservé du contenu 2"/>
+          <p:cNvSpPr>
+            <a:spLocks noGrp="1"/>
+          </p:cNvSpPr>
+          <p:nvPr>
+            <p:ph idx="1"/>
+          </p:nvPr>
+        </p:nvSpPr>
+        <p:spPr/>
+        <p:txBody>
+          <a:bodyPr/>
+          <a:lstStyle/>
+          <a:p>
+            <a:pPr algn="ctr"/>
+            <a:r>
+              <a:rPr lang="fr-FR" sz="2800" smtClean="0"/>
+              <a:t>Répartition des rôles</a:t>
+            </a:r>
+          </a:p>
+          <a:p>
+            <a:pPr algn="ctr"/>
+            <a:endParaRPr lang="fr-FR"/>
+          </a:p>
+          <a:p>
+            <a:pPr algn="ctr"/>
+            <a:r>
+              <a:rPr lang="fr-FR" smtClean="0"/>
+              <a:t>ADTool			Algorithmie			Glasir</a:t>
+            </a:r>
+            <a:endParaRPr lang="fr-FR"/>
+          </a:p>
+        </p:txBody>
+      </p:sp>
+    </p:spTree>
+  </p:cSld>
+  <p:clrMapOvr>
+    <a:masterClrMapping/>
+  </p:clrMapOvr>
+  <p:timing>
+    <p:tnLst>
+      <p:par>
+        <p:cTn id="1" dur="indefinite" restart="never" nodeType="tmRoot"/>
+      </p:par>
+    </p:tnLst>
+  </p:timing>
+</p:sld>
+</file>
+
+<file path=ppt/slides/slide16.xml><?xml version="1.0" encoding="utf-8"?>
+<p:sld xmlns:a="http://schemas.openxmlformats.org/drawingml/2006/main" xmlns:r="http://schemas.openxmlformats.org/officeDocument/2006/relationships" xmlns:p="http://schemas.openxmlformats.org/presentationml/2006/main">
+  <p:cSld>
+    <p:spTree>
+      <p:nvGrpSpPr>
+        <p:cNvPr id="1" name=""/>
+        <p:cNvGrpSpPr/>
+        <p:nvPr/>
+      </p:nvGrpSpPr>
+      <p:grpSpPr>
+        <a:xfrm>
+          <a:off x="0" y="0"/>
+          <a:ext cx="0" cy="0"/>
+          <a:chOff x="0" y="0"/>
+          <a:chExt cx="0" cy="0"/>
+        </a:xfrm>
+      </p:grpSpPr>
+      <p:sp>
+        <p:nvSpPr>
+          <p:cNvPr id="2" name="Titre 1"/>
+          <p:cNvSpPr>
+            <a:spLocks noGrp="1"/>
+          </p:cNvSpPr>
+          <p:nvPr>
+            <p:ph type="title"/>
+          </p:nvPr>
+        </p:nvSpPr>
+        <p:spPr/>
+        <p:txBody>
+          <a:bodyPr/>
+          <a:lstStyle/>
+          <a:p>
+            <a:pPr algn="ctr"/>
+            <a:r>
+              <a:rPr lang="fr-FR" smtClean="0"/>
+              <a:t>Organisation</a:t>
+            </a:r>
+            <a:endParaRPr lang="fr-FR"/>
+          </a:p>
+        </p:txBody>
+      </p:sp>
+      <p:sp>
+        <p:nvSpPr>
+          <p:cNvPr id="3" name="Espace réservé du contenu 2"/>
+          <p:cNvSpPr>
+            <a:spLocks noGrp="1"/>
+          </p:cNvSpPr>
+          <p:nvPr>
+            <p:ph idx="1"/>
+          </p:nvPr>
+        </p:nvSpPr>
+        <p:spPr/>
+        <p:txBody>
+          <a:bodyPr/>
+          <a:lstStyle/>
+          <a:p>
+            <a:pPr algn="ctr"/>
+            <a:r>
+              <a:rPr lang="fr-FR" sz="2800" smtClean="0"/>
+              <a:t>Cycle de qualification</a:t>
+            </a:r>
+            <a:endParaRPr lang="fr-FR" smtClean="0"/>
+          </a:p>
+          <a:p>
+            <a:endParaRPr lang="fr-FR" smtClean="0"/>
+          </a:p>
+          <a:p>
+            <a:r>
+              <a:rPr lang="fr-FR" smtClean="0"/>
+              <a:t>Fo testé et fair la dokumentassion o fur et a mesur urh urh</a:t>
+            </a:r>
+          </a:p>
+          <a:p>
+            <a:r>
+              <a:rPr lang="fr-FR" smtClean="0"/>
+              <a:t>Herp derp</a:t>
+            </a:r>
+            <a:endParaRPr lang="fr-FR"/>
+          </a:p>
+          <a:p>
+            <a:endParaRPr lang="fr-FR" sz="2800" smtClean="0"/>
+          </a:p>
+        </p:txBody>
+      </p:sp>
+    </p:spTree>
+  </p:cSld>
+  <p:clrMapOvr>
+    <a:masterClrMapping/>
+  </p:clrMapOvr>
+  <p:timing>
+    <p:tnLst>
+      <p:par>
+        <p:cTn id="1" dur="indefinite" restart="never" nodeType="tmRoot"/>
+      </p:par>
+    </p:tnLst>
+  </p:timing>
+</p:sld>
+</file>
+
+<file path=ppt/slides/slide17.xml><?xml version="1.0" encoding="utf-8"?>
+<p:sld xmlns:a="http://schemas.openxmlformats.org/drawingml/2006/main" xmlns:r="http://schemas.openxmlformats.org/officeDocument/2006/relationships" xmlns:p="http://schemas.openxmlformats.org/presentationml/2006/main">
+  <p:cSld>
+    <p:spTree>
+      <p:nvGrpSpPr>
+        <p:cNvPr id="1" name=""/>
+        <p:cNvGrpSpPr/>
+        <p:nvPr/>
+      </p:nvGrpSpPr>
+      <p:grpSpPr>
+        <a:xfrm>
+          <a:off x="0" y="0"/>
+          <a:ext cx="0" cy="0"/>
+          <a:chOff x="0" y="0"/>
+          <a:chExt cx="0" cy="0"/>
+        </a:xfrm>
+      </p:grpSpPr>
+      <p:sp>
+        <p:nvSpPr>
+          <p:cNvPr id="2" name="Titre 1"/>
+          <p:cNvSpPr>
+            <a:spLocks noGrp="1"/>
+          </p:cNvSpPr>
+          <p:nvPr>
+            <p:ph type="title"/>
+          </p:nvPr>
+        </p:nvSpPr>
+        <p:spPr/>
+        <p:txBody>
+          <a:bodyPr/>
+          <a:lstStyle/>
+          <a:p>
+            <a:pPr algn="ctr"/>
+            <a:r>
+              <a:rPr lang="fr-FR" smtClean="0"/>
+              <a:t>Organisation</a:t>
+            </a:r>
+            <a:endParaRPr lang="fr-FR"/>
+          </a:p>
+        </p:txBody>
+      </p:sp>
+      <p:sp>
+        <p:nvSpPr>
+          <p:cNvPr id="3" name="Espace réservé du contenu 2"/>
+          <p:cNvSpPr>
+            <a:spLocks noGrp="1"/>
+          </p:cNvSpPr>
+          <p:nvPr>
+            <p:ph idx="1"/>
+          </p:nvPr>
+        </p:nvSpPr>
+        <p:spPr/>
+        <p:txBody>
+          <a:bodyPr/>
+          <a:lstStyle/>
+          <a:p>
+            <a:pPr algn="ctr"/>
+            <a:r>
+              <a:rPr lang="fr-FR" sz="2800" smtClean="0"/>
+              <a:t>Pilotage du projet</a:t>
+            </a:r>
+            <a:endParaRPr lang="fr-FR" smtClean="0"/>
+          </a:p>
+          <a:p>
+            <a:endParaRPr lang="fr-FR" smtClean="0"/>
+          </a:p>
+          <a:p>
+            <a:r>
+              <a:rPr lang="fr-FR" smtClean="0"/>
+              <a:t>Pilotage par les délais</a:t>
+            </a:r>
+          </a:p>
+          <a:p>
+            <a:r>
+              <a:rPr lang="fr-FR" smtClean="0"/>
+              <a:t>Pilotage par le fait que certaines tâches doivent être faites avant d’autres</a:t>
+            </a:r>
+            <a:endParaRPr lang="fr-FR"/>
+          </a:p>
+          <a:p>
+            <a:endParaRPr lang="fr-FR" sz="2800" smtClean="0"/>
+          </a:p>
+        </p:txBody>
+      </p:sp>
+    </p:spTree>
+  </p:cSld>
+  <p:clrMapOvr>
+    <a:masterClrMapping/>
+  </p:clrMapOvr>
+  <p:timing>
+    <p:tnLst>
+      <p:par>
+        <p:cTn id="1" dur="indefinite" restart="never" nodeType="tmRoot"/>
+      </p:par>
+    </p:tnLst>
+  </p:timing>
+</p:sld>
+</file>
+
+<file path=ppt/slides/slide18.xml><?xml version="1.0" encoding="utf-8"?>
+<p:sld xmlns:a="http://schemas.openxmlformats.org/drawingml/2006/main" xmlns:r="http://schemas.openxmlformats.org/officeDocument/2006/relationships" xmlns:p="http://schemas.openxmlformats.org/presentationml/2006/main">
+  <p:cSld>
+    <p:spTree>
+      <p:nvGrpSpPr>
+        <p:cNvPr id="1" name=""/>
+        <p:cNvGrpSpPr/>
+        <p:nvPr/>
+      </p:nvGrpSpPr>
+      <p:grpSpPr>
+        <a:xfrm>
+          <a:off x="0" y="0"/>
+          <a:ext cx="0" cy="0"/>
+          <a:chOff x="0" y="0"/>
+          <a:chExt cx="0" cy="0"/>
+        </a:xfrm>
+      </p:grpSpPr>
+      <p:sp>
+        <p:nvSpPr>
+          <p:cNvPr id="2" name="Titre 1"/>
+          <p:cNvSpPr>
+            <a:spLocks noGrp="1"/>
+          </p:cNvSpPr>
+          <p:nvPr>
+            <p:ph type="title"/>
+          </p:nvPr>
+        </p:nvSpPr>
+        <p:spPr/>
+        <p:txBody>
+          <a:bodyPr/>
+          <a:lstStyle/>
+          <a:p>
+            <a:endParaRPr lang="fr-FR"/>
+          </a:p>
+        </p:txBody>
+      </p:sp>
+      <p:sp>
+        <p:nvSpPr>
+          <p:cNvPr id="3" name="Espace réservé du contenu 2"/>
+          <p:cNvSpPr>
+            <a:spLocks noGrp="1"/>
+          </p:cNvSpPr>
+          <p:nvPr>
+            <p:ph idx="1"/>
+          </p:nvPr>
+        </p:nvSpPr>
+        <p:spPr>
+          <a:xfrm>
+            <a:off x="457200" y="2780928"/>
+            <a:ext cx="8229600" cy="3528392"/>
+          </a:xfrm>
+        </p:spPr>
+        <p:txBody>
+          <a:bodyPr>
+            <a:noAutofit/>
+          </a:bodyPr>
+          <a:lstStyle/>
+          <a:p>
+            <a:pPr algn="ctr"/>
+            <a:r>
+              <a:rPr lang="fr-FR" sz="5400" smtClean="0"/>
+              <a:t>Planification</a:t>
+            </a:r>
+            <a:endParaRPr lang="fr-FR" sz="5400"/>
+          </a:p>
+        </p:txBody>
+      </p:sp>
+    </p:spTree>
+  </p:cSld>
+  <p:clrMapOvr>
+    <a:masterClrMapping/>
+  </p:clrMapOvr>
+</p:sld>
+</file>
+
+<file path=ppt/slides/slide19.xml><?xml version="1.0" encoding="utf-8"?>
+<p:sld xmlns:a="http://schemas.openxmlformats.org/drawingml/2006/main" xmlns:r="http://schemas.openxmlformats.org/officeDocument/2006/relationships" xmlns:p="http://schemas.openxmlformats.org/presentationml/2006/main">
+  <p:cSld>
+    <p:spTree>
+      <p:nvGrpSpPr>
+        <p:cNvPr id="1" name=""/>
+        <p:cNvGrpSpPr/>
+        <p:nvPr/>
+      </p:nvGrpSpPr>
+      <p:grpSpPr>
+        <a:xfrm>
+          <a:off x="0" y="0"/>
+          <a:ext cx="0" cy="0"/>
+          <a:chOff x="0" y="0"/>
+          <a:chExt cx="0" cy="0"/>
+        </a:xfrm>
+      </p:grpSpPr>
+      <p:sp>
+        <p:nvSpPr>
+          <p:cNvPr id="2" name="Titre 1"/>
+          <p:cNvSpPr>
+            <a:spLocks noGrp="1"/>
+          </p:cNvSpPr>
+          <p:nvPr>
+            <p:ph type="title"/>
+          </p:nvPr>
+        </p:nvSpPr>
+        <p:spPr/>
+        <p:txBody>
+          <a:bodyPr/>
+          <a:lstStyle/>
+          <a:p>
+            <a:pPr algn="ctr"/>
+            <a:r>
+              <a:rPr lang="fr-FR" smtClean="0"/>
+              <a:t>Planification</a:t>
+            </a:r>
+            <a:endParaRPr lang="fr-FR"/>
+          </a:p>
+        </p:txBody>
+      </p:sp>
+      <p:sp>
+        <p:nvSpPr>
+          <p:cNvPr id="3" name="Espace réservé du contenu 2"/>
+          <p:cNvSpPr>
+            <a:spLocks noGrp="1"/>
+          </p:cNvSpPr>
+          <p:nvPr>
+            <p:ph idx="1"/>
+          </p:nvPr>
+        </p:nvSpPr>
+        <p:spPr/>
+        <p:txBody>
+          <a:bodyPr/>
+          <a:lstStyle/>
+          <a:p>
+            <a:pPr algn="ctr"/>
+            <a:r>
+              <a:rPr lang="fr-FR" sz="2800" smtClean="0"/>
+              <a:t>Méthode d’estimation</a:t>
+            </a:r>
+            <a:endParaRPr lang="fr-FR" smtClean="0"/>
+          </a:p>
+          <a:p>
+            <a:endParaRPr lang="fr-FR" smtClean="0"/>
+          </a:p>
+          <a:p>
+            <a:r>
+              <a:rPr lang="fr-FR" smtClean="0"/>
+              <a:t>Analogique </a:t>
+            </a:r>
+            <a:r>
+              <a:rPr lang="fr-FR" smtClean="0">
+                <a:sym typeface="Wingdings" pitchFamily="2" charset="2"/>
+              </a:rPr>
+              <a:t> comparaison experience vécues (projet poo)</a:t>
+            </a:r>
+            <a:endParaRPr lang="fr-FR" smtClean="0"/>
+          </a:p>
+          <a:p>
+            <a:r>
+              <a:rPr lang="fr-FR" smtClean="0"/>
+              <a:t>Expertise </a:t>
+            </a:r>
+            <a:r>
+              <a:rPr lang="fr-FR" smtClean="0">
+                <a:sym typeface="Wingdings" pitchFamily="2" charset="2"/>
+              </a:rPr>
+              <a:t> jugement à partir de nos stages</a:t>
+            </a:r>
+            <a:endParaRPr lang="fr-FR"/>
+          </a:p>
+          <a:p>
+            <a:endParaRPr lang="fr-FR" sz="2800" smtClean="0"/>
           </a:p>
         </p:txBody>
       </p:sp>
@@ -5695,7 +6584,15 @@
             </a:pPr>
             <a:r>
               <a:rPr lang="fr-FR" smtClean="0"/>
-              <a:t>Elements d’entrée</a:t>
+              <a:t>É</a:t>
+            </a:r>
+            <a:r>
+              <a:rPr lang="fr-FR" smtClean="0"/>
+              <a:t>lements </a:t>
+            </a:r>
+            <a:r>
+              <a:rPr lang="fr-FR" smtClean="0"/>
+              <a:t>d’entrée</a:t>
             </a:r>
           </a:p>
           <a:p>
@@ -5737,6 +6634,7 @@
               <a:rPr lang="fr-FR" smtClean="0"/>
               <a:t>Méthode</a:t>
             </a:r>
+            <a:endParaRPr lang="fr-FR" smtClean="0"/>
           </a:p>
           <a:p>
             <a:pPr lvl="1">
@@ -5755,8 +6653,19 @@
             </a:pPr>
             <a:r>
               <a:rPr lang="fr-FR" smtClean="0"/>
-              <a:t>Pilotage</a:t>
-            </a:r>
+              <a:t>Cycle de qualification</a:t>
+            </a:r>
+          </a:p>
+          <a:p>
+            <a:pPr lvl="1">
+              <a:buFontTx/>
+              <a:buChar char="-"/>
+            </a:pPr>
+            <a:r>
+              <a:rPr lang="fr-FR" smtClean="0"/>
+              <a:t>Pilotage du projet</a:t>
+            </a:r>
+            <a:endParaRPr lang="fr-FR" smtClean="0"/>
           </a:p>
           <a:p>
             <a:pPr>
@@ -5808,6 +6717,401 @@
   <p:clrMapOvr>
     <a:masterClrMapping/>
   </p:clrMapOvr>
+</p:sld>
+</file>
+
+<file path=ppt/slides/slide20.xml><?xml version="1.0" encoding="utf-8"?>
+<p:sld xmlns:a="http://schemas.openxmlformats.org/drawingml/2006/main" xmlns:r="http://schemas.openxmlformats.org/officeDocument/2006/relationships" xmlns:p="http://schemas.openxmlformats.org/presentationml/2006/main">
+  <p:cSld>
+    <p:spTree>
+      <p:nvGrpSpPr>
+        <p:cNvPr id="1" name=""/>
+        <p:cNvGrpSpPr/>
+        <p:nvPr/>
+      </p:nvGrpSpPr>
+      <p:grpSpPr>
+        <a:xfrm>
+          <a:off x="0" y="0"/>
+          <a:ext cx="0" cy="0"/>
+          <a:chOff x="0" y="0"/>
+          <a:chExt cx="0" cy="0"/>
+        </a:xfrm>
+      </p:grpSpPr>
+      <p:sp>
+        <p:nvSpPr>
+          <p:cNvPr id="2" name="Titre 1"/>
+          <p:cNvSpPr>
+            <a:spLocks noGrp="1"/>
+          </p:cNvSpPr>
+          <p:nvPr>
+            <p:ph type="title"/>
+          </p:nvPr>
+        </p:nvSpPr>
+        <p:spPr/>
+        <p:txBody>
+          <a:bodyPr/>
+          <a:lstStyle/>
+          <a:p>
+            <a:pPr algn="ctr"/>
+            <a:r>
+              <a:rPr lang="fr-FR" smtClean="0"/>
+              <a:t>Planification</a:t>
+            </a:r>
+            <a:endParaRPr lang="fr-FR"/>
+          </a:p>
+        </p:txBody>
+      </p:sp>
+      <p:sp>
+        <p:nvSpPr>
+          <p:cNvPr id="3" name="Espace réservé du contenu 2"/>
+          <p:cNvSpPr>
+            <a:spLocks noGrp="1"/>
+          </p:cNvSpPr>
+          <p:nvPr>
+            <p:ph idx="1"/>
+          </p:nvPr>
+        </p:nvSpPr>
+        <p:spPr/>
+        <p:txBody>
+          <a:bodyPr/>
+          <a:lstStyle/>
+          <a:p>
+            <a:pPr algn="ctr"/>
+            <a:r>
+              <a:rPr lang="fr-FR" sz="2800" smtClean="0"/>
+              <a:t>Planning</a:t>
+            </a:r>
+            <a:endParaRPr lang="fr-FR" smtClean="0"/>
+          </a:p>
+          <a:p>
+            <a:endParaRPr lang="fr-FR" smtClean="0"/>
+          </a:p>
+          <a:p>
+            <a:r>
+              <a:rPr lang="fr-FR" smtClean="0"/>
+              <a:t>Vue d’ensemble</a:t>
+            </a:r>
+          </a:p>
+          <a:p>
+            <a:endParaRPr lang="fr-FR"/>
+          </a:p>
+          <a:p>
+            <a:pPr algn="ctr"/>
+            <a:r>
+              <a:rPr lang="fr-FR" smtClean="0"/>
+              <a:t>Bô schéma</a:t>
+            </a:r>
+            <a:endParaRPr lang="fr-FR"/>
+          </a:p>
+          <a:p>
+            <a:endParaRPr lang="fr-FR" sz="2800" smtClean="0"/>
+          </a:p>
+        </p:txBody>
+      </p:sp>
+    </p:spTree>
+  </p:cSld>
+  <p:clrMapOvr>
+    <a:masterClrMapping/>
+  </p:clrMapOvr>
+  <p:timing>
+    <p:tnLst>
+      <p:par>
+        <p:cTn id="1" dur="indefinite" restart="never" nodeType="tmRoot"/>
+      </p:par>
+    </p:tnLst>
+  </p:timing>
+</p:sld>
+</file>
+
+<file path=ppt/slides/slide21.xml><?xml version="1.0" encoding="utf-8"?>
+<p:sld xmlns:a="http://schemas.openxmlformats.org/drawingml/2006/main" xmlns:r="http://schemas.openxmlformats.org/officeDocument/2006/relationships" xmlns:p="http://schemas.openxmlformats.org/presentationml/2006/main">
+  <p:cSld>
+    <p:spTree>
+      <p:nvGrpSpPr>
+        <p:cNvPr id="1" name=""/>
+        <p:cNvGrpSpPr/>
+        <p:nvPr/>
+      </p:nvGrpSpPr>
+      <p:grpSpPr>
+        <a:xfrm>
+          <a:off x="0" y="0"/>
+          <a:ext cx="0" cy="0"/>
+          <a:chOff x="0" y="0"/>
+          <a:chExt cx="0" cy="0"/>
+        </a:xfrm>
+      </p:grpSpPr>
+      <p:sp>
+        <p:nvSpPr>
+          <p:cNvPr id="2" name="Titre 1"/>
+          <p:cNvSpPr>
+            <a:spLocks noGrp="1"/>
+          </p:cNvSpPr>
+          <p:nvPr>
+            <p:ph type="title"/>
+          </p:nvPr>
+        </p:nvSpPr>
+        <p:spPr/>
+        <p:txBody>
+          <a:bodyPr/>
+          <a:lstStyle/>
+          <a:p>
+            <a:pPr algn="ctr"/>
+            <a:r>
+              <a:rPr lang="fr-FR" smtClean="0"/>
+              <a:t>Planification</a:t>
+            </a:r>
+            <a:endParaRPr lang="fr-FR"/>
+          </a:p>
+        </p:txBody>
+      </p:sp>
+      <p:sp>
+        <p:nvSpPr>
+          <p:cNvPr id="3" name="Espace réservé du contenu 2"/>
+          <p:cNvSpPr>
+            <a:spLocks noGrp="1"/>
+          </p:cNvSpPr>
+          <p:nvPr>
+            <p:ph idx="1"/>
+          </p:nvPr>
+        </p:nvSpPr>
+        <p:spPr/>
+        <p:txBody>
+          <a:bodyPr/>
+          <a:lstStyle/>
+          <a:p>
+            <a:pPr algn="ctr"/>
+            <a:r>
+              <a:rPr lang="fr-FR" sz="2800" smtClean="0"/>
+              <a:t>Planning MS Project</a:t>
+            </a:r>
+            <a:endParaRPr lang="fr-FR" smtClean="0"/>
+          </a:p>
+          <a:p>
+            <a:endParaRPr lang="fr-FR" smtClean="0"/>
+          </a:p>
+          <a:p>
+            <a:endParaRPr lang="fr-FR" smtClean="0"/>
+          </a:p>
+          <a:p>
+            <a:endParaRPr lang="fr-FR"/>
+          </a:p>
+          <a:p>
+            <a:pPr algn="ctr"/>
+            <a:r>
+              <a:rPr lang="fr-FR" smtClean="0"/>
+              <a:t>Bô schéma qui lèche les boules</a:t>
+            </a:r>
+            <a:endParaRPr lang="fr-FR"/>
+          </a:p>
+          <a:p>
+            <a:endParaRPr lang="fr-FR" sz="2800" smtClean="0"/>
+          </a:p>
+        </p:txBody>
+      </p:sp>
+    </p:spTree>
+  </p:cSld>
+  <p:clrMapOvr>
+    <a:masterClrMapping/>
+  </p:clrMapOvr>
+  <p:timing>
+    <p:tnLst>
+      <p:par>
+        <p:cTn id="1" dur="indefinite" restart="never" nodeType="tmRoot"/>
+      </p:par>
+    </p:tnLst>
+  </p:timing>
+</p:sld>
+</file>
+
+<file path=ppt/slides/slide22.xml><?xml version="1.0" encoding="utf-8"?>
+<p:sld xmlns:a="http://schemas.openxmlformats.org/drawingml/2006/main" xmlns:r="http://schemas.openxmlformats.org/officeDocument/2006/relationships" xmlns:p="http://schemas.openxmlformats.org/presentationml/2006/main">
+  <p:cSld>
+    <p:spTree>
+      <p:nvGrpSpPr>
+        <p:cNvPr id="1" name=""/>
+        <p:cNvGrpSpPr/>
+        <p:nvPr/>
+      </p:nvGrpSpPr>
+      <p:grpSpPr>
+        <a:xfrm>
+          <a:off x="0" y="0"/>
+          <a:ext cx="0" cy="0"/>
+          <a:chOff x="0" y="0"/>
+          <a:chExt cx="0" cy="0"/>
+        </a:xfrm>
+      </p:grpSpPr>
+      <p:sp>
+        <p:nvSpPr>
+          <p:cNvPr id="2" name="Titre 1"/>
+          <p:cNvSpPr>
+            <a:spLocks noGrp="1"/>
+          </p:cNvSpPr>
+          <p:nvPr>
+            <p:ph type="title"/>
+          </p:nvPr>
+        </p:nvSpPr>
+        <p:spPr/>
+        <p:txBody>
+          <a:bodyPr/>
+          <a:lstStyle/>
+          <a:p>
+            <a:pPr algn="ctr"/>
+            <a:endParaRPr lang="fr-FR"/>
+          </a:p>
+        </p:txBody>
+      </p:sp>
+      <p:sp>
+        <p:nvSpPr>
+          <p:cNvPr id="3" name="Espace réservé du contenu 2"/>
+          <p:cNvSpPr>
+            <a:spLocks noGrp="1"/>
+          </p:cNvSpPr>
+          <p:nvPr>
+            <p:ph idx="1"/>
+          </p:nvPr>
+        </p:nvSpPr>
+        <p:spPr/>
+        <p:txBody>
+          <a:bodyPr/>
+          <a:lstStyle/>
+          <a:p>
+            <a:pPr algn="ctr"/>
+            <a:r>
+              <a:rPr lang="fr-FR" sz="2800" smtClean="0"/>
+              <a:t>Conclusion</a:t>
+            </a:r>
+            <a:endParaRPr lang="fr-FR" smtClean="0"/>
+          </a:p>
+          <a:p>
+            <a:endParaRPr lang="fr-FR" smtClean="0"/>
+          </a:p>
+          <a:p>
+            <a:endParaRPr lang="fr-FR" smtClean="0"/>
+          </a:p>
+          <a:p>
+            <a:endParaRPr lang="fr-FR"/>
+          </a:p>
+          <a:p>
+            <a:pPr algn="ctr"/>
+            <a:r>
+              <a:rPr lang="fr-FR" smtClean="0"/>
+              <a:t>On a bien léché tes boules</a:t>
+            </a:r>
+            <a:endParaRPr lang="fr-FR"/>
+          </a:p>
+          <a:p>
+            <a:endParaRPr lang="fr-FR" sz="2800" smtClean="0"/>
+          </a:p>
+        </p:txBody>
+      </p:sp>
+    </p:spTree>
+  </p:cSld>
+  <p:clrMapOvr>
+    <a:masterClrMapping/>
+  </p:clrMapOvr>
+  <p:timing>
+    <p:tnLst>
+      <p:par>
+        <p:cTn id="1" dur="indefinite" restart="never" nodeType="tmRoot"/>
+      </p:par>
+    </p:tnLst>
+  </p:timing>
+</p:sld>
+</file>
+
+<file path=ppt/slides/slide23.xml><?xml version="1.0" encoding="utf-8"?>
+<p:sld xmlns:a="http://schemas.openxmlformats.org/drawingml/2006/main" xmlns:r="http://schemas.openxmlformats.org/officeDocument/2006/relationships" xmlns:p="http://schemas.openxmlformats.org/presentationml/2006/main">
+  <p:cSld>
+    <p:spTree>
+      <p:nvGrpSpPr>
+        <p:cNvPr id="1" name=""/>
+        <p:cNvGrpSpPr/>
+        <p:nvPr/>
+      </p:nvGrpSpPr>
+      <p:grpSpPr>
+        <a:xfrm>
+          <a:off x="0" y="0"/>
+          <a:ext cx="0" cy="0"/>
+          <a:chOff x="0" y="0"/>
+          <a:chExt cx="0" cy="0"/>
+        </a:xfrm>
+      </p:grpSpPr>
+      <p:sp>
+        <p:nvSpPr>
+          <p:cNvPr id="2" name="Titre 1"/>
+          <p:cNvSpPr>
+            <a:spLocks noGrp="1"/>
+          </p:cNvSpPr>
+          <p:nvPr>
+            <p:ph type="title"/>
+          </p:nvPr>
+        </p:nvSpPr>
+        <p:spPr/>
+        <p:txBody>
+          <a:bodyPr/>
+          <a:lstStyle/>
+          <a:p>
+            <a:pPr algn="ctr"/>
+            <a:endParaRPr lang="fr-FR"/>
+          </a:p>
+        </p:txBody>
+      </p:sp>
+      <p:sp>
+        <p:nvSpPr>
+          <p:cNvPr id="3" name="Espace réservé du contenu 2"/>
+          <p:cNvSpPr>
+            <a:spLocks noGrp="1"/>
+          </p:cNvSpPr>
+          <p:nvPr>
+            <p:ph idx="1"/>
+          </p:nvPr>
+        </p:nvSpPr>
+        <p:spPr/>
+        <p:txBody>
+          <a:bodyPr/>
+          <a:lstStyle/>
+          <a:p>
+            <a:pPr algn="ctr"/>
+            <a:endParaRPr lang="fr-FR" sz="2800" smtClean="0"/>
+          </a:p>
+          <a:p>
+            <a:pPr algn="ctr"/>
+            <a:endParaRPr lang="fr-FR" sz="2800"/>
+          </a:p>
+          <a:p>
+            <a:pPr algn="ctr"/>
+            <a:r>
+              <a:rPr lang="fr-FR" sz="2800" smtClean="0"/>
+              <a:t>Merci de ton attention enculé</a:t>
+            </a:r>
+            <a:endParaRPr lang="fr-FR" smtClean="0"/>
+          </a:p>
+          <a:p>
+            <a:endParaRPr lang="fr-FR" smtClean="0"/>
+          </a:p>
+          <a:p>
+            <a:endParaRPr lang="fr-FR" smtClean="0"/>
+          </a:p>
+          <a:p>
+            <a:endParaRPr lang="fr-FR"/>
+          </a:p>
+          <a:p>
+            <a:endParaRPr lang="fr-FR" sz="2800" smtClean="0"/>
+          </a:p>
+        </p:txBody>
+      </p:sp>
+    </p:spTree>
+  </p:cSld>
+  <p:clrMapOvr>
+    <a:masterClrMapping/>
+  </p:clrMapOvr>
+  <p:timing>
+    <p:tnLst>
+      <p:par>
+        <p:cTn id="1" dur="indefinite" restart="never" nodeType="tmRoot"/>
+      </p:par>
+    </p:tnLst>
+  </p:timing>
 </p:sld>
 </file>
 
@@ -6347,7 +7651,7 @@
           <a:p>
             <a:pPr algn="ctr"/>
             <a:r>
-              <a:rPr lang="fr-FR" smtClean="0"/>
+              <a:rPr lang="fr-FR" sz="2800" smtClean="0"/>
               <a:t>Acteurs</a:t>
             </a:r>
           </a:p>
@@ -6358,14 +7662,88 @@
           <a:p>
             <a:r>
               <a:rPr lang="fr-FR" smtClean="0"/>
-              <a:t>Trois développeurs</a:t>
-            </a:r>
-          </a:p>
-          <a:p>
-            <a:r>
-              <a:rPr lang="fr-FR" smtClean="0"/>
-              <a:t>Deux encadrants</a:t>
-            </a:r>
+              <a:t>	Trois développeurs</a:t>
+            </a:r>
+          </a:p>
+          <a:p>
+            <a:r>
+              <a:rPr lang="fr-FR"/>
+              <a:t>	</a:t>
+            </a:r>
+            <a:r>
+              <a:rPr lang="fr-FR" smtClean="0"/>
+              <a:t>	Pierre-Marie </a:t>
+            </a:r>
+            <a:r>
+              <a:rPr lang="fr-FR" cap="small" smtClean="0"/>
+              <a:t>Airiau</a:t>
+            </a:r>
+          </a:p>
+          <a:p>
+            <a:r>
+              <a:rPr lang="fr-FR"/>
+              <a:t>	</a:t>
+            </a:r>
+            <a:r>
+              <a:rPr lang="fr-FR" smtClean="0"/>
+              <a:t>	Valentin </a:t>
+            </a:r>
+            <a:r>
+              <a:rPr lang="fr-FR" cap="small" smtClean="0"/>
+              <a:t>Esmieu</a:t>
+            </a:r>
+          </a:p>
+          <a:p>
+            <a:r>
+              <a:rPr lang="fr-FR"/>
+              <a:t>	</a:t>
+            </a:r>
+            <a:r>
+              <a:rPr lang="fr-FR" smtClean="0"/>
+              <a:t>	Maud </a:t>
+            </a:r>
+            <a:r>
+              <a:rPr lang="fr-FR" cap="small" smtClean="0"/>
+              <a:t>Leray</a:t>
+            </a:r>
+          </a:p>
+          <a:p>
+            <a:endParaRPr lang="fr-FR" smtClean="0"/>
+          </a:p>
+          <a:p>
+            <a:r>
+              <a:rPr lang="fr-FR" smtClean="0"/>
+              <a:t>	Deux encadrants</a:t>
+            </a:r>
+          </a:p>
+          <a:p>
+            <a:r>
+              <a:rPr lang="fr-FR"/>
+              <a:t>	</a:t>
+            </a:r>
+            <a:r>
+              <a:rPr lang="fr-FR" smtClean="0"/>
+              <a:t>	Gildas </a:t>
+            </a:r>
+            <a:r>
+              <a:rPr lang="fr-FR" cap="small" smtClean="0"/>
+              <a:t>Avoine</a:t>
+            </a:r>
+          </a:p>
+          <a:p>
+            <a:r>
+              <a:rPr lang="fr-FR"/>
+              <a:t>	</a:t>
+            </a:r>
+            <a:r>
+              <a:rPr lang="fr-FR" smtClean="0"/>
+              <a:t>	Barbara </a:t>
+            </a:r>
+            <a:r>
+              <a:rPr lang="fr-FR" cap="small" smtClean="0"/>
+              <a:t>Kordy</a:t>
+            </a:r>
+            <a:endParaRPr lang="fr-FR" cap="small" smtClean="0"/>
           </a:p>
         </p:txBody>
       </p:sp>
@@ -6442,7 +7820,7 @@
           <a:p>
             <a:pPr algn="ctr"/>
             <a:r>
-              <a:rPr lang="fr-FR" smtClean="0"/>
+              <a:rPr lang="fr-FR" sz="2800" smtClean="0"/>
               <a:t>Périmètre fonctionnel</a:t>
             </a:r>
           </a:p>
@@ -6454,6 +7832,55 @@
             <a:r>
               <a:rPr lang="fr-FR" smtClean="0"/>
               <a:t>Logiciel destiné </a:t>
+            </a:r>
+            <a:r>
+              <a:rPr lang="fr-FR" smtClean="0"/>
+              <a:t>aux experts en sécurité</a:t>
+            </a:r>
+          </a:p>
+          <a:p>
+            <a:endParaRPr lang="fr-FR"/>
+          </a:p>
+          <a:p>
+            <a:r>
+              <a:rPr lang="fr-FR" smtClean="0"/>
+              <a:t>Le </a:t>
+            </a:r>
+            <a:r>
+              <a:rPr lang="fr-FR"/>
+              <a:t>projet pourra </a:t>
+            </a:r>
+            <a:r>
+              <a:rPr lang="fr-FR"/>
+              <a:t>se </a:t>
+            </a:r>
+            <a:r>
+              <a:rPr lang="fr-FR" smtClean="0"/>
+              <a:t>poursuivre l’année </a:t>
+            </a:r>
+            <a:r>
+              <a:rPr lang="fr-FR"/>
+              <a:t>prochaine :</a:t>
+            </a:r>
+          </a:p>
+          <a:p>
+            <a:r>
+              <a:rPr lang="fr-FR" smtClean="0"/>
+              <a:t>	Documentation </a:t>
+            </a:r>
+            <a:r>
+              <a:rPr lang="fr-FR"/>
+              <a:t>technique</a:t>
+            </a:r>
+          </a:p>
+          <a:p>
+            <a:r>
+              <a:rPr lang="fr-FR" smtClean="0"/>
+              <a:t>	Tests </a:t>
+            </a:r>
+            <a:r>
+              <a:rPr lang="fr-FR"/>
+              <a:t>unitaires</a:t>
             </a:r>
           </a:p>
         </p:txBody>

--- a/soutenances/planification/soutenance_planification.pptx
+++ b/soutenances/planification/soutenance_planification.pptx
@@ -1,45 +1,428 @@
 
 <file path=ppt/presentation.xml><?xml version="1.0" encoding="utf-8"?>
-<p:presentation xmlns:a="http://schemas.openxmlformats.org/drawingml/2006/main" xmlns:p="http://schemas.openxmlformats.org/presentationml/2006/main" xmlns:r="http://schemas.openxmlformats.org/officeDocument/2006/relationships">
+<p:presentation xmlns:a="http://schemas.openxmlformats.org/drawingml/2006/main" xmlns:r="http://schemas.openxmlformats.org/officeDocument/2006/relationships" xmlns:p="http://schemas.openxmlformats.org/presentationml/2006/main">
   <p:sldMasterIdLst>
-    <p:sldMasterId id="2147483648" r:id="rId2"/>
-    <p:sldMasterId id="2147483661" r:id="rId3"/>
+    <p:sldMasterId id="2147483648" r:id="rId1"/>
+    <p:sldMasterId id="2147483661" r:id="rId2"/>
   </p:sldMasterIdLst>
   <p:notesMasterIdLst>
-    <p:notesMasterId r:id="rId4"/>
+    <p:notesMasterId r:id="rId26"/>
   </p:notesMasterIdLst>
   <p:sldIdLst>
-    <p:sldId id="256" r:id="rId5"/>
-    <p:sldId id="257" r:id="rId6"/>
-    <p:sldId id="258" r:id="rId7"/>
-    <p:sldId id="259" r:id="rId8"/>
-    <p:sldId id="260" r:id="rId9"/>
-    <p:sldId id="261" r:id="rId10"/>
-    <p:sldId id="262" r:id="rId11"/>
-    <p:sldId id="263" r:id="rId12"/>
-    <p:sldId id="264" r:id="rId13"/>
-    <p:sldId id="265" r:id="rId14"/>
-    <p:sldId id="266" r:id="rId15"/>
-    <p:sldId id="267" r:id="rId16"/>
-    <p:sldId id="268" r:id="rId17"/>
-    <p:sldId id="269" r:id="rId18"/>
-    <p:sldId id="270" r:id="rId19"/>
-    <p:sldId id="271" r:id="rId20"/>
-    <p:sldId id="272" r:id="rId21"/>
-    <p:sldId id="273" r:id="rId22"/>
-    <p:sldId id="274" r:id="rId23"/>
-    <p:sldId id="275" r:id="rId24"/>
-    <p:sldId id="276" r:id="rId25"/>
-    <p:sldId id="277" r:id="rId26"/>
-    <p:sldId id="278" r:id="rId27"/>
+    <p:sldId id="256" r:id="rId3"/>
+    <p:sldId id="257" r:id="rId4"/>
+    <p:sldId id="258" r:id="rId5"/>
+    <p:sldId id="259" r:id="rId6"/>
+    <p:sldId id="260" r:id="rId7"/>
+    <p:sldId id="261" r:id="rId8"/>
+    <p:sldId id="262" r:id="rId9"/>
+    <p:sldId id="263" r:id="rId10"/>
+    <p:sldId id="264" r:id="rId11"/>
+    <p:sldId id="265" r:id="rId12"/>
+    <p:sldId id="266" r:id="rId13"/>
+    <p:sldId id="267" r:id="rId14"/>
+    <p:sldId id="268" r:id="rId15"/>
+    <p:sldId id="269" r:id="rId16"/>
+    <p:sldId id="270" r:id="rId17"/>
+    <p:sldId id="271" r:id="rId18"/>
+    <p:sldId id="272" r:id="rId19"/>
+    <p:sldId id="273" r:id="rId20"/>
+    <p:sldId id="274" r:id="rId21"/>
+    <p:sldId id="275" r:id="rId22"/>
+    <p:sldId id="276" r:id="rId23"/>
+    <p:sldId id="277" r:id="rId24"/>
+    <p:sldId id="278" r:id="rId25"/>
   </p:sldIdLst>
-  <p:sldSz cx="9144000" cy="6858000"/>
+  <p:sldSz cx="9144000" cy="6858000" type="screen4x3"/>
   <p:notesSz cx="6858000" cy="9144000"/>
+  <p:defaultTextStyle>
+    <a:defPPr>
+      <a:defRPr lang="fr-FR"/>
+    </a:defPPr>
+    <a:lvl1pPr marL="0" algn="l" defTabSz="914400" rtl="0" eaLnBrk="1" latinLnBrk="0" hangingPunct="1">
+      <a:defRPr sz="1800" kern="1200">
+        <a:solidFill>
+          <a:schemeClr val="tx1"/>
+        </a:solidFill>
+        <a:latin typeface="+mn-lt"/>
+        <a:ea typeface="+mn-ea"/>
+        <a:cs typeface="+mn-cs"/>
+      </a:defRPr>
+    </a:lvl1pPr>
+    <a:lvl2pPr marL="457200" algn="l" defTabSz="914400" rtl="0" eaLnBrk="1" latinLnBrk="0" hangingPunct="1">
+      <a:defRPr sz="1800" kern="1200">
+        <a:solidFill>
+          <a:schemeClr val="tx1"/>
+        </a:solidFill>
+        <a:latin typeface="+mn-lt"/>
+        <a:ea typeface="+mn-ea"/>
+        <a:cs typeface="+mn-cs"/>
+      </a:defRPr>
+    </a:lvl2pPr>
+    <a:lvl3pPr marL="914400" algn="l" defTabSz="914400" rtl="0" eaLnBrk="1" latinLnBrk="0" hangingPunct="1">
+      <a:defRPr sz="1800" kern="1200">
+        <a:solidFill>
+          <a:schemeClr val="tx1"/>
+        </a:solidFill>
+        <a:latin typeface="+mn-lt"/>
+        <a:ea typeface="+mn-ea"/>
+        <a:cs typeface="+mn-cs"/>
+      </a:defRPr>
+    </a:lvl3pPr>
+    <a:lvl4pPr marL="1371600" algn="l" defTabSz="914400" rtl="0" eaLnBrk="1" latinLnBrk="0" hangingPunct="1">
+      <a:defRPr sz="1800" kern="1200">
+        <a:solidFill>
+          <a:schemeClr val="tx1"/>
+        </a:solidFill>
+        <a:latin typeface="+mn-lt"/>
+        <a:ea typeface="+mn-ea"/>
+        <a:cs typeface="+mn-cs"/>
+      </a:defRPr>
+    </a:lvl4pPr>
+    <a:lvl5pPr marL="1828800" algn="l" defTabSz="914400" rtl="0" eaLnBrk="1" latinLnBrk="0" hangingPunct="1">
+      <a:defRPr sz="1800" kern="1200">
+        <a:solidFill>
+          <a:schemeClr val="tx1"/>
+        </a:solidFill>
+        <a:latin typeface="+mn-lt"/>
+        <a:ea typeface="+mn-ea"/>
+        <a:cs typeface="+mn-cs"/>
+      </a:defRPr>
+    </a:lvl5pPr>
+    <a:lvl6pPr marL="2286000" algn="l" defTabSz="914400" rtl="0" eaLnBrk="1" latinLnBrk="0" hangingPunct="1">
+      <a:defRPr sz="1800" kern="1200">
+        <a:solidFill>
+          <a:schemeClr val="tx1"/>
+        </a:solidFill>
+        <a:latin typeface="+mn-lt"/>
+        <a:ea typeface="+mn-ea"/>
+        <a:cs typeface="+mn-cs"/>
+      </a:defRPr>
+    </a:lvl6pPr>
+    <a:lvl7pPr marL="2743200" algn="l" defTabSz="914400" rtl="0" eaLnBrk="1" latinLnBrk="0" hangingPunct="1">
+      <a:defRPr sz="1800" kern="1200">
+        <a:solidFill>
+          <a:schemeClr val="tx1"/>
+        </a:solidFill>
+        <a:latin typeface="+mn-lt"/>
+        <a:ea typeface="+mn-ea"/>
+        <a:cs typeface="+mn-cs"/>
+      </a:defRPr>
+    </a:lvl7pPr>
+    <a:lvl8pPr marL="3200400" algn="l" defTabSz="914400" rtl="0" eaLnBrk="1" latinLnBrk="0" hangingPunct="1">
+      <a:defRPr sz="1800" kern="1200">
+        <a:solidFill>
+          <a:schemeClr val="tx1"/>
+        </a:solidFill>
+        <a:latin typeface="+mn-lt"/>
+        <a:ea typeface="+mn-ea"/>
+        <a:cs typeface="+mn-cs"/>
+      </a:defRPr>
+    </a:lvl8pPr>
+    <a:lvl9pPr marL="3657600" algn="l" defTabSz="914400" rtl="0" eaLnBrk="1" latinLnBrk="0" hangingPunct="1">
+      <a:defRPr sz="1800" kern="1200">
+        <a:solidFill>
+          <a:schemeClr val="tx1"/>
+        </a:solidFill>
+        <a:latin typeface="+mn-lt"/>
+        <a:ea typeface="+mn-ea"/>
+        <a:cs typeface="+mn-cs"/>
+      </a:defRPr>
+    </a:lvl9pPr>
+  </p:defaultTextStyle>
 </p:presentation>
 </file>
 
 <file path=ppt/notesMasters/notesMaster1.xml><?xml version="1.0" encoding="utf-8"?>
-<p:notesMaster xmlns:a="http://schemas.openxmlformats.org/drawingml/2006/main" xmlns:p="http://schemas.openxmlformats.org/presentationml/2006/main" xmlns:r="http://schemas.openxmlformats.org/officeDocument/2006/relationships">
+<p:notesMaster xmlns:a="http://schemas.openxmlformats.org/drawingml/2006/main" xmlns:r="http://schemas.openxmlformats.org/officeDocument/2006/relationships" xmlns:p="http://schemas.openxmlformats.org/presentationml/2006/main">
+  <p:cSld>
+    <p:bg>
+      <p:bgRef idx="1001">
+        <a:schemeClr val="bg1"/>
+      </p:bgRef>
+    </p:bg>
+    <p:spTree>
+      <p:nvGrpSpPr>
+        <p:cNvPr id="1" name=""/>
+        <p:cNvGrpSpPr/>
+        <p:nvPr/>
+      </p:nvGrpSpPr>
+      <p:grpSpPr>
+        <a:xfrm>
+          <a:off x="0" y="0"/>
+          <a:ext cx="0" cy="0"/>
+          <a:chOff x="0" y="0"/>
+          <a:chExt cx="0" cy="0"/>
+        </a:xfrm>
+      </p:grpSpPr>
+      <p:sp>
+        <p:nvSpPr>
+          <p:cNvPr id="97" name="PlaceHolder 1"/>
+          <p:cNvSpPr>
+            <a:spLocks noGrp="1"/>
+          </p:cNvSpPr>
+          <p:nvPr>
+            <p:ph type="body"/>
+          </p:nvPr>
+        </p:nvSpPr>
+        <p:spPr>
+          <a:xfrm>
+            <a:off x="756000" y="5078520"/>
+            <a:ext cx="6047640" cy="4811040"/>
+          </a:xfrm>
+          <a:prstGeom prst="rect">
+            <a:avLst/>
+          </a:prstGeom>
+        </p:spPr>
+        <p:txBody>
+          <a:bodyPr lIns="0" tIns="0" rIns="0" bIns="0"/>
+          <a:lstStyle/>
+          <a:p>
+            <a:r>
+              <a:rPr lang="fr-FR" sz="2000">
+                <a:latin typeface="Arial"/>
+              </a:rPr>
+              <a:t>Cliquez pour modifier le format des notes</a:t>
+            </a:r>
+            <a:endParaRPr/>
+          </a:p>
+        </p:txBody>
+      </p:sp>
+      <p:sp>
+        <p:nvSpPr>
+          <p:cNvPr id="98" name="PlaceHolder 2"/>
+          <p:cNvSpPr>
+            <a:spLocks noGrp="1"/>
+          </p:cNvSpPr>
+          <p:nvPr>
+            <p:ph type="hdr"/>
+          </p:nvPr>
+        </p:nvSpPr>
+        <p:spPr>
+          <a:xfrm>
+            <a:off x="0" y="0"/>
+            <a:ext cx="3280680" cy="534240"/>
+          </a:xfrm>
+          <a:prstGeom prst="rect">
+            <a:avLst/>
+          </a:prstGeom>
+        </p:spPr>
+        <p:txBody>
+          <a:bodyPr lIns="0" tIns="0" rIns="0" bIns="0"/>
+          <a:lstStyle/>
+          <a:p>
+            <a:r>
+              <a:rPr lang="fr-FR" sz="1400">
+                <a:latin typeface="Times New Roman"/>
+              </a:rPr>
+              <a:t>&lt;en-tête&gt;</a:t>
+            </a:r>
+            <a:endParaRPr/>
+          </a:p>
+        </p:txBody>
+      </p:sp>
+      <p:sp>
+        <p:nvSpPr>
+          <p:cNvPr id="99" name="PlaceHolder 3"/>
+          <p:cNvSpPr>
+            <a:spLocks noGrp="1"/>
+          </p:cNvSpPr>
+          <p:nvPr>
+            <p:ph type="dt"/>
+          </p:nvPr>
+        </p:nvSpPr>
+        <p:spPr>
+          <a:xfrm>
+            <a:off x="4278960" y="0"/>
+            <a:ext cx="3280680" cy="534240"/>
+          </a:xfrm>
+          <a:prstGeom prst="rect">
+            <a:avLst/>
+          </a:prstGeom>
+        </p:spPr>
+        <p:txBody>
+          <a:bodyPr lIns="0" tIns="0" rIns="0" bIns="0"/>
+          <a:lstStyle/>
+          <a:p>
+            <a:pPr algn="r"/>
+            <a:r>
+              <a:rPr lang="fr-FR" sz="1400">
+                <a:latin typeface="Times New Roman"/>
+              </a:rPr>
+              <a:t>&lt;date/heure&gt;</a:t>
+            </a:r>
+            <a:endParaRPr/>
+          </a:p>
+        </p:txBody>
+      </p:sp>
+      <p:sp>
+        <p:nvSpPr>
+          <p:cNvPr id="100" name="PlaceHolder 4"/>
+          <p:cNvSpPr>
+            <a:spLocks noGrp="1"/>
+          </p:cNvSpPr>
+          <p:nvPr>
+            <p:ph type="ftr"/>
+          </p:nvPr>
+        </p:nvSpPr>
+        <p:spPr>
+          <a:xfrm>
+            <a:off x="0" y="10157400"/>
+            <a:ext cx="3280680" cy="534240"/>
+          </a:xfrm>
+          <a:prstGeom prst="rect">
+            <a:avLst/>
+          </a:prstGeom>
+        </p:spPr>
+        <p:txBody>
+          <a:bodyPr lIns="0" tIns="0" rIns="0" bIns="0" anchor="b"/>
+          <a:lstStyle/>
+          <a:p>
+            <a:r>
+              <a:rPr lang="fr-FR" sz="1400">
+                <a:latin typeface="Times New Roman"/>
+              </a:rPr>
+              <a:t>&lt;pied de page&gt;</a:t>
+            </a:r>
+            <a:endParaRPr/>
+          </a:p>
+        </p:txBody>
+      </p:sp>
+      <p:sp>
+        <p:nvSpPr>
+          <p:cNvPr id="101" name="PlaceHolder 5"/>
+          <p:cNvSpPr>
+            <a:spLocks noGrp="1"/>
+          </p:cNvSpPr>
+          <p:nvPr>
+            <p:ph type="sldNum"/>
+          </p:nvPr>
+        </p:nvSpPr>
+        <p:spPr>
+          <a:xfrm>
+            <a:off x="4278960" y="10157400"/>
+            <a:ext cx="3280680" cy="534240"/>
+          </a:xfrm>
+          <a:prstGeom prst="rect">
+            <a:avLst/>
+          </a:prstGeom>
+        </p:spPr>
+        <p:txBody>
+          <a:bodyPr lIns="0" tIns="0" rIns="0" bIns="0" anchor="b"/>
+          <a:lstStyle/>
+          <a:p>
+            <a:pPr algn="r"/>
+            <a:fld id="{DAE4472E-6CE6-45D8-A535-0399A0614DAA}" type="slidenum">
+              <a:rPr lang="fr-FR" sz="1400">
+                <a:latin typeface="Times New Roman"/>
+              </a:rPr>
+              <a:pPr algn="r"/>
+              <a:t>‹N°›</a:t>
+            </a:fld>
+            <a:endParaRPr/>
+          </a:p>
+        </p:txBody>
+      </p:sp>
+    </p:spTree>
+  </p:cSld>
+  <p:clrMap bg1="lt1" tx1="dk1" bg2="lt2" tx2="dk2" accent1="accent1" accent2="accent2" accent3="accent3" accent4="accent4" accent5="accent5" accent6="accent6" hlink="hlink" folHlink="folHlink"/>
+  <p:notesStyle>
+    <a:lvl1pPr marL="0" algn="l" defTabSz="914400" rtl="0" eaLnBrk="1" latinLnBrk="0" hangingPunct="1">
+      <a:defRPr sz="1200" kern="1200">
+        <a:solidFill>
+          <a:schemeClr val="tx1"/>
+        </a:solidFill>
+        <a:latin typeface="+mn-lt"/>
+        <a:ea typeface="+mn-ea"/>
+        <a:cs typeface="+mn-cs"/>
+      </a:defRPr>
+    </a:lvl1pPr>
+    <a:lvl2pPr marL="457200" algn="l" defTabSz="914400" rtl="0" eaLnBrk="1" latinLnBrk="0" hangingPunct="1">
+      <a:defRPr sz="1200" kern="1200">
+        <a:solidFill>
+          <a:schemeClr val="tx1"/>
+        </a:solidFill>
+        <a:latin typeface="+mn-lt"/>
+        <a:ea typeface="+mn-ea"/>
+        <a:cs typeface="+mn-cs"/>
+      </a:defRPr>
+    </a:lvl2pPr>
+    <a:lvl3pPr marL="914400" algn="l" defTabSz="914400" rtl="0" eaLnBrk="1" latinLnBrk="0" hangingPunct="1">
+      <a:defRPr sz="1200" kern="1200">
+        <a:solidFill>
+          <a:schemeClr val="tx1"/>
+        </a:solidFill>
+        <a:latin typeface="+mn-lt"/>
+        <a:ea typeface="+mn-ea"/>
+        <a:cs typeface="+mn-cs"/>
+      </a:defRPr>
+    </a:lvl3pPr>
+    <a:lvl4pPr marL="1371600" algn="l" defTabSz="914400" rtl="0" eaLnBrk="1" latinLnBrk="0" hangingPunct="1">
+      <a:defRPr sz="1200" kern="1200">
+        <a:solidFill>
+          <a:schemeClr val="tx1"/>
+        </a:solidFill>
+        <a:latin typeface="+mn-lt"/>
+        <a:ea typeface="+mn-ea"/>
+        <a:cs typeface="+mn-cs"/>
+      </a:defRPr>
+    </a:lvl4pPr>
+    <a:lvl5pPr marL="1828800" algn="l" defTabSz="914400" rtl="0" eaLnBrk="1" latinLnBrk="0" hangingPunct="1">
+      <a:defRPr sz="1200" kern="1200">
+        <a:solidFill>
+          <a:schemeClr val="tx1"/>
+        </a:solidFill>
+        <a:latin typeface="+mn-lt"/>
+        <a:ea typeface="+mn-ea"/>
+        <a:cs typeface="+mn-cs"/>
+      </a:defRPr>
+    </a:lvl5pPr>
+    <a:lvl6pPr marL="2286000" algn="l" defTabSz="914400" rtl="0" eaLnBrk="1" latinLnBrk="0" hangingPunct="1">
+      <a:defRPr sz="1200" kern="1200">
+        <a:solidFill>
+          <a:schemeClr val="tx1"/>
+        </a:solidFill>
+        <a:latin typeface="+mn-lt"/>
+        <a:ea typeface="+mn-ea"/>
+        <a:cs typeface="+mn-cs"/>
+      </a:defRPr>
+    </a:lvl6pPr>
+    <a:lvl7pPr marL="2743200" algn="l" defTabSz="914400" rtl="0" eaLnBrk="1" latinLnBrk="0" hangingPunct="1">
+      <a:defRPr sz="1200" kern="1200">
+        <a:solidFill>
+          <a:schemeClr val="tx1"/>
+        </a:solidFill>
+        <a:latin typeface="+mn-lt"/>
+        <a:ea typeface="+mn-ea"/>
+        <a:cs typeface="+mn-cs"/>
+      </a:defRPr>
+    </a:lvl7pPr>
+    <a:lvl8pPr marL="3200400" algn="l" defTabSz="914400" rtl="0" eaLnBrk="1" latinLnBrk="0" hangingPunct="1">
+      <a:defRPr sz="1200" kern="1200">
+        <a:solidFill>
+          <a:schemeClr val="tx1"/>
+        </a:solidFill>
+        <a:latin typeface="+mn-lt"/>
+        <a:ea typeface="+mn-ea"/>
+        <a:cs typeface="+mn-cs"/>
+      </a:defRPr>
+    </a:lvl8pPr>
+    <a:lvl9pPr marL="3657600" algn="l" defTabSz="914400" rtl="0" eaLnBrk="1" latinLnBrk="0" hangingPunct="1">
+      <a:defRPr sz="1200" kern="1200">
+        <a:solidFill>
+          <a:schemeClr val="tx1"/>
+        </a:solidFill>
+        <a:latin typeface="+mn-lt"/>
+        <a:ea typeface="+mn-ea"/>
+        <a:cs typeface="+mn-cs"/>
+      </a:defRPr>
+    </a:lvl9pPr>
+  </p:notesStyle>
+</p:notesMaster>
+</file>
+
+<file path=ppt/notesSlides/notesSlide1.xml><?xml version="1.0" encoding="utf-8"?>
+<p:notes xmlns:a="http://schemas.openxmlformats.org/drawingml/2006/main" xmlns:r="http://schemas.openxmlformats.org/officeDocument/2006/relationships" xmlns:p="http://schemas.openxmlformats.org/presentationml/2006/main">
   <p:cSld>
     <p:spTree>
       <p:nvGrpSpPr>
@@ -57,7 +440,7 @@
       </p:grpSpPr>
       <p:sp>
         <p:nvSpPr>
-          <p:cNvPr id="97" name="PlaceHolder 1"/>
+          <p:cNvPr id="156" name="PlaceHolder 1"/>
           <p:cNvSpPr>
             <a:spLocks noGrp="1"/>
           </p:cNvSpPr>
@@ -67,151 +450,69 @@
         </p:nvSpPr>
         <p:spPr>
           <a:xfrm>
-            <a:off x="756000" y="5078520"/>
-            <a:ext cx="6047640" cy="4811040"/>
-          </a:xfrm>
-          <a:prstGeom prst="rect">
-            <a:avLst/>
-          </a:prstGeom>
-        </p:spPr>
-        <p:txBody>
-          <a:bodyPr lIns="0" rIns="0" tIns="0" bIns="0"/>
-          <a:p>
-            <a:r>
-              <a:rPr lang="fr-FR" sz="2000">
-                <a:latin typeface="Arial"/>
-              </a:rPr>
-              <a:t>Cliquez pour modifier le format des notes</a:t>
-            </a:r>
-            <a:endParaRPr/>
-          </a:p>
-        </p:txBody>
-      </p:sp>
-      <p:sp>
-        <p:nvSpPr>
-          <p:cNvPr id="98" name="PlaceHolder 2"/>
-          <p:cNvSpPr>
-            <a:spLocks noGrp="1"/>
-          </p:cNvSpPr>
-          <p:nvPr>
-            <p:ph type="hdr"/>
-          </p:nvPr>
-        </p:nvSpPr>
-        <p:spPr>
-          <a:xfrm>
-            <a:off x="0" y="0"/>
-            <a:ext cx="3280680" cy="534240"/>
-          </a:xfrm>
-          <a:prstGeom prst="rect">
-            <a:avLst/>
-          </a:prstGeom>
-        </p:spPr>
-        <p:txBody>
-          <a:bodyPr lIns="0" rIns="0" tIns="0" bIns="0"/>
-          <a:p>
-            <a:r>
-              <a:rPr lang="fr-FR" sz="1400">
-                <a:latin typeface="Times New Roman"/>
-              </a:rPr>
-              <a:t>&lt;en-tête&gt;</a:t>
-            </a:r>
-            <a:endParaRPr/>
-          </a:p>
-        </p:txBody>
-      </p:sp>
-      <p:sp>
-        <p:nvSpPr>
-          <p:cNvPr id="99" name="PlaceHolder 3"/>
-          <p:cNvSpPr>
-            <a:spLocks noGrp="1"/>
-          </p:cNvSpPr>
-          <p:nvPr>
-            <p:ph type="dt"/>
-          </p:nvPr>
-        </p:nvSpPr>
-        <p:spPr>
-          <a:xfrm>
-            <a:off x="4278960" y="0"/>
-            <a:ext cx="3280680" cy="534240"/>
-          </a:xfrm>
-          <a:prstGeom prst="rect">
-            <a:avLst/>
-          </a:prstGeom>
-        </p:spPr>
-        <p:txBody>
-          <a:bodyPr lIns="0" rIns="0" tIns="0" bIns="0"/>
-          <a:p>
-            <a:pPr algn="r"/>
-            <a:r>
-              <a:rPr lang="fr-FR" sz="1400">
-                <a:latin typeface="Times New Roman"/>
-              </a:rPr>
-              <a:t>&lt;date/heure&gt;</a:t>
-            </a:r>
-            <a:endParaRPr/>
-          </a:p>
-        </p:txBody>
-      </p:sp>
-      <p:sp>
-        <p:nvSpPr>
-          <p:cNvPr id="100" name="PlaceHolder 4"/>
-          <p:cNvSpPr>
-            <a:spLocks noGrp="1"/>
-          </p:cNvSpPr>
-          <p:nvPr>
-            <p:ph type="ftr"/>
-          </p:nvPr>
-        </p:nvSpPr>
-        <p:spPr>
-          <a:xfrm>
-            <a:off x="0" y="10157400"/>
-            <a:ext cx="3280680" cy="534240"/>
-          </a:xfrm>
-          <a:prstGeom prst="rect">
-            <a:avLst/>
-          </a:prstGeom>
-        </p:spPr>
-        <p:txBody>
-          <a:bodyPr lIns="0" rIns="0" tIns="0" bIns="0" anchor="b"/>
-          <a:p>
-            <a:r>
-              <a:rPr lang="fr-FR" sz="1400">
-                <a:latin typeface="Times New Roman"/>
-              </a:rPr>
-              <a:t>&lt;pied de page&gt;</a:t>
-            </a:r>
-            <a:endParaRPr/>
-          </a:p>
-        </p:txBody>
-      </p:sp>
-      <p:sp>
-        <p:nvSpPr>
-          <p:cNvPr id="101" name="PlaceHolder 5"/>
-          <p:cNvSpPr>
-            <a:spLocks noGrp="1"/>
-          </p:cNvSpPr>
-          <p:nvPr>
-            <p:ph type="sldNum"/>
-          </p:nvPr>
-        </p:nvSpPr>
-        <p:spPr>
-          <a:xfrm>
-            <a:off x="4278960" y="10157400"/>
-            <a:ext cx="3280680" cy="534240"/>
-          </a:xfrm>
-          <a:prstGeom prst="rect">
-            <a:avLst/>
-          </a:prstGeom>
-        </p:spPr>
-        <p:txBody>
-          <a:bodyPr lIns="0" rIns="0" tIns="0" bIns="0" anchor="b"/>
-          <a:p>
-            <a:pPr algn="r"/>
-            <a:fld id="{DAE4472E-6CE6-45D8-A535-0399A0614DAA}" type="slidenum">
-              <a:rPr lang="fr-FR" sz="1400">
-                <a:latin typeface="Times New Roman"/>
-              </a:rPr>
-              <a:t>&lt;numéro&gt;</a:t>
+            <a:off x="685800" y="4343400"/>
+            <a:ext cx="5486040" cy="4114440"/>
+          </a:xfrm>
+          <a:prstGeom prst="rect">
+            <a:avLst/>
+          </a:prstGeom>
+        </p:spPr>
+        <p:txBody>
+          <a:bodyPr/>
+          <a:lstStyle/>
+          <a:p>
+            <a:r>
+              <a:rPr lang="fr-FR" sz="2000" strike="noStrike">
+                <a:latin typeface="Arial"/>
+              </a:rPr>
+              <a:t>Formalisme que nous ne développerons pas</a:t>
+            </a:r>
+            <a:endParaRPr/>
+          </a:p>
+        </p:txBody>
+      </p:sp>
+      <p:sp>
+        <p:nvSpPr>
+          <p:cNvPr id="157" name="TextShape 2"/>
+          <p:cNvSpPr txBox="1"/>
+          <p:nvPr/>
+        </p:nvSpPr>
+        <p:spPr>
+          <a:xfrm>
+            <a:off x="3884760" y="8685360"/>
+            <a:ext cx="2971440" cy="456840"/>
+          </a:xfrm>
+          <a:prstGeom prst="rect">
+            <a:avLst/>
+          </a:prstGeom>
+          <a:noFill/>
+          <a:ln>
+            <a:noFill/>
+          </a:ln>
+        </p:spPr>
+        <p:txBody>
+          <a:bodyPr anchor="b"/>
+          <a:lstStyle/>
+          <a:p>
+            <a:pPr algn="r">
+              <a:lnSpc>
+                <a:spcPct val="100000"/>
+              </a:lnSpc>
+            </a:pPr>
+            <a:fld id="{E0BDB075-CA7F-4AE9-8CC0-06B8D878903B}" type="slidenum">
+              <a:rPr lang="fr-FR" sz="1200" strike="noStrike">
+                <a:solidFill>
+                  <a:srgbClr val="000000"/>
+                </a:solidFill>
+                <a:latin typeface="+mn-lt"/>
+                <a:ea typeface="+mn-ea"/>
+              </a:rPr>
+              <a:pPr algn="r">
+                <a:lnSpc>
+                  <a:spcPct val="100000"/>
+                </a:lnSpc>
+              </a:pPr>
+              <a:t>5</a:t>
             </a:fld>
             <a:endParaRPr/>
           </a:p>
@@ -219,12 +520,14 @@
       </p:sp>
     </p:spTree>
   </p:cSld>
-  <p:clrMap bg1="lt1" bg2="lt2" tx1="dk1" tx2="dk2" accent1="accent1" accent2="accent2" accent3="accent3" accent4="accent4" accent5="accent5" accent6="accent6" hlink="hlink" folHlink="folHlink"/>
-</p:notesMaster>
+  <p:clrMapOvr>
+    <a:masterClrMapping/>
+  </p:clrMapOvr>
+</p:notes>
 </file>
 
-<file path=ppt/notesSlides/notesSlide5.xml><?xml version="1.0" encoding="utf-8"?>
-<p:notes xmlns:a="http://schemas.openxmlformats.org/drawingml/2006/main" xmlns:p="http://schemas.openxmlformats.org/presentationml/2006/main" xmlns:r="http://schemas.openxmlformats.org/officeDocument/2006/relationships">
+<file path=ppt/notesSlides/notesSlide2.xml><?xml version="1.0" encoding="utf-8"?>
+<p:notes xmlns:a="http://schemas.openxmlformats.org/drawingml/2006/main" xmlns:r="http://schemas.openxmlformats.org/officeDocument/2006/relationships" xmlns:p="http://schemas.openxmlformats.org/presentationml/2006/main">
   <p:cSld>
     <p:spTree>
       <p:nvGrpSpPr>
@@ -242,101 +545,6 @@
       </p:grpSpPr>
       <p:sp>
         <p:nvSpPr>
-          <p:cNvPr id="156" name="PlaceHolder 1"/>
-          <p:cNvSpPr>
-            <a:spLocks noGrp="1"/>
-          </p:cNvSpPr>
-          <p:nvPr>
-            <p:ph type="body"/>
-          </p:nvPr>
-        </p:nvSpPr>
-        <p:spPr>
-          <a:xfrm>
-            <a:off x="685800" y="4343400"/>
-            <a:ext cx="5486040" cy="4114440"/>
-          </a:xfrm>
-          <a:prstGeom prst="rect">
-            <a:avLst/>
-          </a:prstGeom>
-        </p:spPr>
-        <p:txBody>
-          <a:bodyPr/>
-          <a:p>
-            <a:r>
-              <a:rPr lang="fr-FR" sz="2000" strike="noStrike">
-                <a:latin typeface="Arial"/>
-              </a:rPr>
-              <a:t>Formalisme que nous ne développerons pas</a:t>
-            </a:r>
-            <a:endParaRPr/>
-          </a:p>
-        </p:txBody>
-      </p:sp>
-      <p:sp>
-        <p:nvSpPr>
-          <p:cNvPr id="157" name="TextShape 2"/>
-          <p:cNvSpPr txBox="1"/>
-          <p:nvPr/>
-        </p:nvSpPr>
-        <p:spPr>
-          <a:xfrm>
-            <a:off x="3884760" y="8685360"/>
-            <a:ext cx="2971440" cy="456840"/>
-          </a:xfrm>
-          <a:prstGeom prst="rect">
-            <a:avLst/>
-          </a:prstGeom>
-          <a:noFill/>
-          <a:ln>
-            <a:noFill/>
-          </a:ln>
-        </p:spPr>
-        <p:txBody>
-          <a:bodyPr anchor="b"/>
-          <a:p>
-            <a:pPr algn="r">
-              <a:lnSpc>
-                <a:spcPct val="100000"/>
-              </a:lnSpc>
-            </a:pPr>
-            <a:fld id="{E0BDB075-CA7F-4AE9-8CC0-06B8D878903B}" type="slidenum">
-              <a:rPr lang="fr-FR" sz="1200" strike="noStrike">
-                <a:solidFill>
-                  <a:srgbClr val="000000"/>
-                </a:solidFill>
-                <a:latin typeface="+mn-lt"/>
-                <a:ea typeface="+mn-ea"/>
-              </a:rPr>
-              <a:t>&lt;numéro&gt;</a:t>
-            </a:fld>
-            <a:endParaRPr/>
-          </a:p>
-        </p:txBody>
-      </p:sp>
-    </p:spTree>
-  </p:cSld>
-</p:notes>
-</file>
-
-<file path=ppt/notesSlides/notesSlide6.xml><?xml version="1.0" encoding="utf-8"?>
-<p:notes xmlns:a="http://schemas.openxmlformats.org/drawingml/2006/main" xmlns:p="http://schemas.openxmlformats.org/presentationml/2006/main" xmlns:r="http://schemas.openxmlformats.org/officeDocument/2006/relationships">
-  <p:cSld>
-    <p:spTree>
-      <p:nvGrpSpPr>
-        <p:cNvPr id="1" name=""/>
-        <p:cNvGrpSpPr/>
-        <p:nvPr/>
-      </p:nvGrpSpPr>
-      <p:grpSpPr>
-        <a:xfrm>
-          <a:off x="0" y="0"/>
-          <a:ext cx="0" cy="0"/>
-          <a:chOff x="0" y="0"/>
-          <a:chExt cx="0" cy="0"/>
-        </a:xfrm>
-      </p:grpSpPr>
-      <p:sp>
-        <p:nvSpPr>
           <p:cNvPr id="158" name="PlaceHolder 1"/>
           <p:cNvSpPr>
             <a:spLocks noGrp="1"/>
@@ -356,6 +564,7 @@
         </p:spPr>
         <p:txBody>
           <a:bodyPr/>
+          <a:lstStyle/>
           <a:p>
             <a:r>
               <a:rPr lang="fr-FR" sz="2000" strike="noStrike">
@@ -388,6 +597,7 @@
         </p:spPr>
         <p:txBody>
           <a:bodyPr anchor="b"/>
+          <a:lstStyle/>
           <a:p>
             <a:pPr algn="r">
               <a:lnSpc>
@@ -402,7 +612,12 @@
                 <a:latin typeface="+mn-lt"/>
                 <a:ea typeface="+mn-ea"/>
               </a:rPr>
-              <a:t>&lt;numéro&gt;</a:t>
+              <a:pPr algn="r">
+                <a:lnSpc>
+                  <a:spcPct val="100000"/>
+                </a:lnSpc>
+              </a:pPr>
+              <a:t>6</a:t>
             </a:fld>
             <a:endParaRPr/>
           </a:p>
@@ -410,11 +625,14 @@
       </p:sp>
     </p:spTree>
   </p:cSld>
+  <p:clrMapOvr>
+    <a:masterClrMapping/>
+  </p:clrMapOvr>
 </p:notes>
 </file>
 
 <file path=ppt/slideLayouts/slideLayout1.xml><?xml version="1.0" encoding="utf-8"?>
-<p:sldLayout xmlns:a="http://schemas.openxmlformats.org/drawingml/2006/main" xmlns:p="http://schemas.openxmlformats.org/presentationml/2006/main" xmlns:r="http://schemas.openxmlformats.org/officeDocument/2006/relationships" type="blank" preserve="1">
+<p:sldLayout xmlns:a="http://schemas.openxmlformats.org/drawingml/2006/main" xmlns:r="http://schemas.openxmlformats.org/officeDocument/2006/relationships" xmlns:p="http://schemas.openxmlformats.org/presentationml/2006/main" type="blank" preserve="1">
   <p:cSld name="Blank Slide">
     <p:spTree>
       <p:nvGrpSpPr>
@@ -432,11 +650,14 @@
       </p:grpSpPr>
     </p:spTree>
   </p:cSld>
+  <p:clrMapOvr>
+    <a:masterClrMapping/>
+  </p:clrMapOvr>
 </p:sldLayout>
 </file>
 
 <file path=ppt/slideLayouts/slideLayout10.xml><?xml version="1.0" encoding="utf-8"?>
-<p:sldLayout xmlns:a="http://schemas.openxmlformats.org/drawingml/2006/main" xmlns:p="http://schemas.openxmlformats.org/presentationml/2006/main" xmlns:r="http://schemas.openxmlformats.org/officeDocument/2006/relationships" type="objOverTx" preserve="1">
+<p:sldLayout xmlns:a="http://schemas.openxmlformats.org/drawingml/2006/main" xmlns:r="http://schemas.openxmlformats.org/officeDocument/2006/relationships" xmlns:p="http://schemas.openxmlformats.org/presentationml/2006/main" type="objOverTx" preserve="1">
   <p:cSld name="Title, Content over Content">
     <p:spTree>
       <p:nvGrpSpPr>
@@ -472,7 +693,8 @@
           </a:prstGeom>
         </p:spPr>
         <p:txBody>
-          <a:bodyPr lIns="0" rIns="0" tIns="0" bIns="0" anchor="ctr"/>
+          <a:bodyPr lIns="0" tIns="0" rIns="0" bIns="0" anchor="ctr"/>
+          <a:lstStyle/>
           <a:p>
             <a:endParaRPr/>
           </a:p>
@@ -498,7 +720,8 @@
           </a:prstGeom>
         </p:spPr>
         <p:txBody>
-          <a:bodyPr lIns="0" rIns="0" tIns="0" bIns="0"/>
+          <a:bodyPr lIns="0" tIns="0" rIns="0" bIns="0"/>
+          <a:lstStyle/>
           <a:p>
             <a:endParaRPr/>
           </a:p>
@@ -524,7 +747,8 @@
           </a:prstGeom>
         </p:spPr>
         <p:txBody>
-          <a:bodyPr lIns="0" rIns="0" tIns="0" bIns="0"/>
+          <a:bodyPr lIns="0" tIns="0" rIns="0" bIns="0"/>
+          <a:lstStyle/>
           <a:p>
             <a:endParaRPr/>
           </a:p>
@@ -532,11 +756,14 @@
       </p:sp>
     </p:spTree>
   </p:cSld>
+  <p:clrMapOvr>
+    <a:masterClrMapping/>
+  </p:clrMapOvr>
 </p:sldLayout>
 </file>
 
 <file path=ppt/slideLayouts/slideLayout11.xml><?xml version="1.0" encoding="utf-8"?>
-<p:sldLayout xmlns:a="http://schemas.openxmlformats.org/drawingml/2006/main" xmlns:p="http://schemas.openxmlformats.org/presentationml/2006/main" xmlns:r="http://schemas.openxmlformats.org/officeDocument/2006/relationships" type="fourObj" preserve="1">
+<p:sldLayout xmlns:a="http://schemas.openxmlformats.org/drawingml/2006/main" xmlns:r="http://schemas.openxmlformats.org/officeDocument/2006/relationships" xmlns:p="http://schemas.openxmlformats.org/presentationml/2006/main" type="fourObj" preserve="1">
   <p:cSld name="Title, 4 Content">
     <p:spTree>
       <p:nvGrpSpPr>
@@ -572,7 +799,8 @@
           </a:prstGeom>
         </p:spPr>
         <p:txBody>
-          <a:bodyPr lIns="0" rIns="0" tIns="0" bIns="0" anchor="ctr"/>
+          <a:bodyPr lIns="0" tIns="0" rIns="0" bIns="0" anchor="ctr"/>
+          <a:lstStyle/>
           <a:p>
             <a:endParaRPr/>
           </a:p>
@@ -598,7 +826,8 @@
           </a:prstGeom>
         </p:spPr>
         <p:txBody>
-          <a:bodyPr lIns="0" rIns="0" tIns="0" bIns="0"/>
+          <a:bodyPr lIns="0" tIns="0" rIns="0" bIns="0"/>
+          <a:lstStyle/>
           <a:p>
             <a:endParaRPr/>
           </a:p>
@@ -624,7 +853,8 @@
           </a:prstGeom>
         </p:spPr>
         <p:txBody>
-          <a:bodyPr lIns="0" rIns="0" tIns="0" bIns="0"/>
+          <a:bodyPr lIns="0" tIns="0" rIns="0" bIns="0"/>
+          <a:lstStyle/>
           <a:p>
             <a:endParaRPr/>
           </a:p>
@@ -650,7 +880,8 @@
           </a:prstGeom>
         </p:spPr>
         <p:txBody>
-          <a:bodyPr lIns="0" rIns="0" tIns="0" bIns="0"/>
+          <a:bodyPr lIns="0" tIns="0" rIns="0" bIns="0"/>
+          <a:lstStyle/>
           <a:p>
             <a:endParaRPr/>
           </a:p>
@@ -676,7 +907,8 @@
           </a:prstGeom>
         </p:spPr>
         <p:txBody>
-          <a:bodyPr lIns="0" rIns="0" tIns="0" bIns="0"/>
+          <a:bodyPr lIns="0" tIns="0" rIns="0" bIns="0"/>
+          <a:lstStyle/>
           <a:p>
             <a:endParaRPr/>
           </a:p>
@@ -684,11 +916,14 @@
       </p:sp>
     </p:spTree>
   </p:cSld>
+  <p:clrMapOvr>
+    <a:masterClrMapping/>
+  </p:clrMapOvr>
 </p:sldLayout>
 </file>
 
 <file path=ppt/slideLayouts/slideLayout12.xml><?xml version="1.0" encoding="utf-8"?>
-<p:sldLayout xmlns:a="http://schemas.openxmlformats.org/drawingml/2006/main" xmlns:p="http://schemas.openxmlformats.org/presentationml/2006/main" xmlns:r="http://schemas.openxmlformats.org/officeDocument/2006/relationships" type="blank" preserve="1">
+<p:sldLayout xmlns:a="http://schemas.openxmlformats.org/drawingml/2006/main" xmlns:r="http://schemas.openxmlformats.org/officeDocument/2006/relationships" xmlns:p="http://schemas.openxmlformats.org/presentationml/2006/main" type="blank" preserve="1">
   <p:cSld name="Title, 6 Content">
     <p:spTree>
       <p:nvGrpSpPr>
@@ -724,7 +959,8 @@
           </a:prstGeom>
         </p:spPr>
         <p:txBody>
-          <a:bodyPr lIns="0" rIns="0" tIns="0" bIns="0" anchor="ctr"/>
+          <a:bodyPr lIns="0" tIns="0" rIns="0" bIns="0" anchor="ctr"/>
+          <a:lstStyle/>
           <a:p>
             <a:endParaRPr/>
           </a:p>
@@ -750,7 +986,8 @@
           </a:prstGeom>
         </p:spPr>
         <p:txBody>
-          <a:bodyPr lIns="0" rIns="0" tIns="0" bIns="0"/>
+          <a:bodyPr lIns="0" tIns="0" rIns="0" bIns="0"/>
+          <a:lstStyle/>
           <a:p>
             <a:endParaRPr/>
           </a:p>
@@ -776,7 +1013,8 @@
           </a:prstGeom>
         </p:spPr>
         <p:txBody>
-          <a:bodyPr lIns="0" rIns="0" tIns="0" bIns="0"/>
+          <a:bodyPr lIns="0" tIns="0" rIns="0" bIns="0"/>
+          <a:lstStyle/>
           <a:p>
             <a:endParaRPr/>
           </a:p>
@@ -784,12 +1022,12 @@
       </p:sp>
       <p:pic>
         <p:nvPicPr>
-          <p:cNvPr id="49" name="" descr=""/>
+          <p:cNvPr id="49" name="Image 48"/>
           <p:cNvPicPr/>
           <p:nvPr/>
         </p:nvPicPr>
         <p:blipFill>
-          <a:blip r:embed="rId2"/>
+          <a:blip r:embed="rId2" cstate="print"/>
           <a:stretch/>
         </p:blipFill>
         <p:spPr>
@@ -807,12 +1045,12 @@
       </p:pic>
       <p:pic>
         <p:nvPicPr>
-          <p:cNvPr id="50" name="" descr=""/>
+          <p:cNvPr id="50" name="Image 49"/>
           <p:cNvPicPr/>
           <p:nvPr/>
         </p:nvPicPr>
         <p:blipFill>
-          <a:blip r:embed="rId3"/>
+          <a:blip r:embed="rId2" cstate="print"/>
           <a:stretch/>
         </p:blipFill>
         <p:spPr>
@@ -830,11 +1068,14 @@
       </p:pic>
     </p:spTree>
   </p:cSld>
+  <p:clrMapOvr>
+    <a:masterClrMapping/>
+  </p:clrMapOvr>
 </p:sldLayout>
 </file>
 
 <file path=ppt/slideLayouts/slideLayout13.xml><?xml version="1.0" encoding="utf-8"?>
-<p:sldLayout xmlns:a="http://schemas.openxmlformats.org/drawingml/2006/main" xmlns:p="http://schemas.openxmlformats.org/presentationml/2006/main" xmlns:r="http://schemas.openxmlformats.org/officeDocument/2006/relationships" type="blank" preserve="1">
+<p:sldLayout xmlns:a="http://schemas.openxmlformats.org/drawingml/2006/main" xmlns:r="http://schemas.openxmlformats.org/officeDocument/2006/relationships" xmlns:p="http://schemas.openxmlformats.org/presentationml/2006/main" type="blank" preserve="1">
   <p:cSld name="Blank Slide">
     <p:spTree>
       <p:nvGrpSpPr>
@@ -852,11 +1093,14 @@
       </p:grpSpPr>
     </p:spTree>
   </p:cSld>
+  <p:clrMapOvr>
+    <a:masterClrMapping/>
+  </p:clrMapOvr>
 </p:sldLayout>
 </file>
 
 <file path=ppt/slideLayouts/slideLayout14.xml><?xml version="1.0" encoding="utf-8"?>
-<p:sldLayout xmlns:a="http://schemas.openxmlformats.org/drawingml/2006/main" xmlns:p="http://schemas.openxmlformats.org/presentationml/2006/main" xmlns:r="http://schemas.openxmlformats.org/officeDocument/2006/relationships" type="tx" preserve="1">
+<p:sldLayout xmlns:a="http://schemas.openxmlformats.org/drawingml/2006/main" xmlns:r="http://schemas.openxmlformats.org/officeDocument/2006/relationships" xmlns:p="http://schemas.openxmlformats.org/presentationml/2006/main" type="tx" preserve="1">
   <p:cSld name="Title Slide">
     <p:spTree>
       <p:nvGrpSpPr>
@@ -892,7 +1136,8 @@
           </a:prstGeom>
         </p:spPr>
         <p:txBody>
-          <a:bodyPr lIns="0" rIns="0" tIns="0" bIns="0" anchor="ctr"/>
+          <a:bodyPr lIns="0" tIns="0" rIns="0" bIns="0" anchor="ctr"/>
+          <a:lstStyle/>
           <a:p>
             <a:endParaRPr/>
           </a:p>
@@ -918,7 +1163,8 @@
           </a:prstGeom>
         </p:spPr>
         <p:txBody>
-          <a:bodyPr lIns="0" rIns="0" tIns="0" bIns="0" anchor="ctr"/>
+          <a:bodyPr lIns="0" tIns="0" rIns="0" bIns="0" anchor="ctr"/>
+          <a:lstStyle/>
           <a:p>
             <a:pPr algn="ctr"/>
             <a:endParaRPr/>
@@ -927,11 +1173,14 @@
       </p:sp>
     </p:spTree>
   </p:cSld>
+  <p:clrMapOvr>
+    <a:masterClrMapping/>
+  </p:clrMapOvr>
 </p:sldLayout>
 </file>
 
 <file path=ppt/slideLayouts/slideLayout15.xml><?xml version="1.0" encoding="utf-8"?>
-<p:sldLayout xmlns:a="http://schemas.openxmlformats.org/drawingml/2006/main" xmlns:p="http://schemas.openxmlformats.org/presentationml/2006/main" xmlns:r="http://schemas.openxmlformats.org/officeDocument/2006/relationships" type="obj" preserve="1">
+<p:sldLayout xmlns:a="http://schemas.openxmlformats.org/drawingml/2006/main" xmlns:r="http://schemas.openxmlformats.org/officeDocument/2006/relationships" xmlns:p="http://schemas.openxmlformats.org/presentationml/2006/main" type="obj" preserve="1">
   <p:cSld name="Title, Content">
     <p:spTree>
       <p:nvGrpSpPr>
@@ -967,7 +1216,8 @@
           </a:prstGeom>
         </p:spPr>
         <p:txBody>
-          <a:bodyPr lIns="0" rIns="0" tIns="0" bIns="0" anchor="ctr"/>
+          <a:bodyPr lIns="0" tIns="0" rIns="0" bIns="0" anchor="ctr"/>
+          <a:lstStyle/>
           <a:p>
             <a:endParaRPr/>
           </a:p>
@@ -993,7 +1243,8 @@
           </a:prstGeom>
         </p:spPr>
         <p:txBody>
-          <a:bodyPr lIns="0" rIns="0" tIns="0" bIns="0"/>
+          <a:bodyPr lIns="0" tIns="0" rIns="0" bIns="0"/>
+          <a:lstStyle/>
           <a:p>
             <a:endParaRPr/>
           </a:p>
@@ -1001,11 +1252,14 @@
       </p:sp>
     </p:spTree>
   </p:cSld>
+  <p:clrMapOvr>
+    <a:masterClrMapping/>
+  </p:clrMapOvr>
 </p:sldLayout>
 </file>
 
 <file path=ppt/slideLayouts/slideLayout16.xml><?xml version="1.0" encoding="utf-8"?>
-<p:sldLayout xmlns:a="http://schemas.openxmlformats.org/drawingml/2006/main" xmlns:p="http://schemas.openxmlformats.org/presentationml/2006/main" xmlns:r="http://schemas.openxmlformats.org/officeDocument/2006/relationships" type="twoObj" preserve="1">
+<p:sldLayout xmlns:a="http://schemas.openxmlformats.org/drawingml/2006/main" xmlns:r="http://schemas.openxmlformats.org/officeDocument/2006/relationships" xmlns:p="http://schemas.openxmlformats.org/presentationml/2006/main" type="twoObj" preserve="1">
   <p:cSld name="Title, 2 Content">
     <p:spTree>
       <p:nvGrpSpPr>
@@ -1041,7 +1295,8 @@
           </a:prstGeom>
         </p:spPr>
         <p:txBody>
-          <a:bodyPr lIns="0" rIns="0" tIns="0" bIns="0" anchor="ctr"/>
+          <a:bodyPr lIns="0" tIns="0" rIns="0" bIns="0" anchor="ctr"/>
+          <a:lstStyle/>
           <a:p>
             <a:endParaRPr/>
           </a:p>
@@ -1067,7 +1322,8 @@
           </a:prstGeom>
         </p:spPr>
         <p:txBody>
-          <a:bodyPr lIns="0" rIns="0" tIns="0" bIns="0"/>
+          <a:bodyPr lIns="0" tIns="0" rIns="0" bIns="0"/>
+          <a:lstStyle/>
           <a:p>
             <a:endParaRPr/>
           </a:p>
@@ -1093,7 +1349,8 @@
           </a:prstGeom>
         </p:spPr>
         <p:txBody>
-          <a:bodyPr lIns="0" rIns="0" tIns="0" bIns="0"/>
+          <a:bodyPr lIns="0" tIns="0" rIns="0" bIns="0"/>
+          <a:lstStyle/>
           <a:p>
             <a:endParaRPr/>
           </a:p>
@@ -1101,11 +1358,14 @@
       </p:sp>
     </p:spTree>
   </p:cSld>
+  <p:clrMapOvr>
+    <a:masterClrMapping/>
+  </p:clrMapOvr>
 </p:sldLayout>
 </file>
 
 <file path=ppt/slideLayouts/slideLayout17.xml><?xml version="1.0" encoding="utf-8"?>
-<p:sldLayout xmlns:a="http://schemas.openxmlformats.org/drawingml/2006/main" xmlns:p="http://schemas.openxmlformats.org/presentationml/2006/main" xmlns:r="http://schemas.openxmlformats.org/officeDocument/2006/relationships" type="titleOnly" preserve="1">
+<p:sldLayout xmlns:a="http://schemas.openxmlformats.org/drawingml/2006/main" xmlns:r="http://schemas.openxmlformats.org/officeDocument/2006/relationships" xmlns:p="http://schemas.openxmlformats.org/presentationml/2006/main" type="titleOnly" preserve="1">
   <p:cSld name="Title Only">
     <p:spTree>
       <p:nvGrpSpPr>
@@ -1141,7 +1401,8 @@
           </a:prstGeom>
         </p:spPr>
         <p:txBody>
-          <a:bodyPr lIns="0" rIns="0" tIns="0" bIns="0" anchor="ctr"/>
+          <a:bodyPr lIns="0" tIns="0" rIns="0" bIns="0" anchor="ctr"/>
+          <a:lstStyle/>
           <a:p>
             <a:endParaRPr/>
           </a:p>
@@ -1149,11 +1410,14 @@
       </p:sp>
     </p:spTree>
   </p:cSld>
+  <p:clrMapOvr>
+    <a:masterClrMapping/>
+  </p:clrMapOvr>
 </p:sldLayout>
 </file>
 
 <file path=ppt/slideLayouts/slideLayout18.xml><?xml version="1.0" encoding="utf-8"?>
-<p:sldLayout xmlns:a="http://schemas.openxmlformats.org/drawingml/2006/main" xmlns:p="http://schemas.openxmlformats.org/presentationml/2006/main" xmlns:r="http://schemas.openxmlformats.org/officeDocument/2006/relationships" type="objOnly" preserve="1">
+<p:sldLayout xmlns:a="http://schemas.openxmlformats.org/drawingml/2006/main" xmlns:r="http://schemas.openxmlformats.org/officeDocument/2006/relationships" xmlns:p="http://schemas.openxmlformats.org/presentationml/2006/main" type="objOnly" preserve="1">
   <p:cSld name="Centered Text">
     <p:spTree>
       <p:nvGrpSpPr>
@@ -1189,7 +1453,8 @@
           </a:prstGeom>
         </p:spPr>
         <p:txBody>
-          <a:bodyPr lIns="0" rIns="0" tIns="0" bIns="0" anchor="ctr"/>
+          <a:bodyPr lIns="0" tIns="0" rIns="0" bIns="0" anchor="ctr"/>
+          <a:lstStyle/>
           <a:p>
             <a:pPr algn="ctr"/>
             <a:endParaRPr/>
@@ -1198,11 +1463,14 @@
       </p:sp>
     </p:spTree>
   </p:cSld>
+  <p:clrMapOvr>
+    <a:masterClrMapping/>
+  </p:clrMapOvr>
 </p:sldLayout>
 </file>
 
 <file path=ppt/slideLayouts/slideLayout19.xml><?xml version="1.0" encoding="utf-8"?>
-<p:sldLayout xmlns:a="http://schemas.openxmlformats.org/drawingml/2006/main" xmlns:p="http://schemas.openxmlformats.org/presentationml/2006/main" xmlns:r="http://schemas.openxmlformats.org/officeDocument/2006/relationships" type="twoObjAndObj" preserve="1">
+<p:sldLayout xmlns:a="http://schemas.openxmlformats.org/drawingml/2006/main" xmlns:r="http://schemas.openxmlformats.org/officeDocument/2006/relationships" xmlns:p="http://schemas.openxmlformats.org/presentationml/2006/main" type="twoObjAndObj" preserve="1">
   <p:cSld name="Title, 2 Content and Content">
     <p:spTree>
       <p:nvGrpSpPr>
@@ -1238,7 +1506,8 @@
           </a:prstGeom>
         </p:spPr>
         <p:txBody>
-          <a:bodyPr lIns="0" rIns="0" tIns="0" bIns="0" anchor="ctr"/>
+          <a:bodyPr lIns="0" tIns="0" rIns="0" bIns="0" anchor="ctr"/>
+          <a:lstStyle/>
           <a:p>
             <a:endParaRPr/>
           </a:p>
@@ -1264,7 +1533,8 @@
           </a:prstGeom>
         </p:spPr>
         <p:txBody>
-          <a:bodyPr lIns="0" rIns="0" tIns="0" bIns="0"/>
+          <a:bodyPr lIns="0" tIns="0" rIns="0" bIns="0"/>
+          <a:lstStyle/>
           <a:p>
             <a:endParaRPr/>
           </a:p>
@@ -1290,7 +1560,8 @@
           </a:prstGeom>
         </p:spPr>
         <p:txBody>
-          <a:bodyPr lIns="0" rIns="0" tIns="0" bIns="0"/>
+          <a:bodyPr lIns="0" tIns="0" rIns="0" bIns="0"/>
+          <a:lstStyle/>
           <a:p>
             <a:endParaRPr/>
           </a:p>
@@ -1316,7 +1587,8 @@
           </a:prstGeom>
         </p:spPr>
         <p:txBody>
-          <a:bodyPr lIns="0" rIns="0" tIns="0" bIns="0"/>
+          <a:bodyPr lIns="0" tIns="0" rIns="0" bIns="0"/>
+          <a:lstStyle/>
           <a:p>
             <a:endParaRPr/>
           </a:p>
@@ -1324,11 +1596,14 @@
       </p:sp>
     </p:spTree>
   </p:cSld>
+  <p:clrMapOvr>
+    <a:masterClrMapping/>
+  </p:clrMapOvr>
 </p:sldLayout>
 </file>
 
 <file path=ppt/slideLayouts/slideLayout2.xml><?xml version="1.0" encoding="utf-8"?>
-<p:sldLayout xmlns:a="http://schemas.openxmlformats.org/drawingml/2006/main" xmlns:p="http://schemas.openxmlformats.org/presentationml/2006/main" xmlns:r="http://schemas.openxmlformats.org/officeDocument/2006/relationships" type="tx" preserve="1">
+<p:sldLayout xmlns:a="http://schemas.openxmlformats.org/drawingml/2006/main" xmlns:r="http://schemas.openxmlformats.org/officeDocument/2006/relationships" xmlns:p="http://schemas.openxmlformats.org/presentationml/2006/main" type="tx" preserve="1">
   <p:cSld name="Title Slide">
     <p:spTree>
       <p:nvGrpSpPr>
@@ -1364,7 +1639,8 @@
           </a:prstGeom>
         </p:spPr>
         <p:txBody>
-          <a:bodyPr lIns="0" rIns="0" tIns="0" bIns="0" anchor="ctr"/>
+          <a:bodyPr lIns="0" tIns="0" rIns="0" bIns="0" anchor="ctr"/>
+          <a:lstStyle/>
           <a:p>
             <a:endParaRPr/>
           </a:p>
@@ -1390,7 +1666,8 @@
           </a:prstGeom>
         </p:spPr>
         <p:txBody>
-          <a:bodyPr lIns="0" rIns="0" tIns="0" bIns="0" anchor="ctr"/>
+          <a:bodyPr lIns="0" tIns="0" rIns="0" bIns="0" anchor="ctr"/>
+          <a:lstStyle/>
           <a:p>
             <a:pPr algn="ctr"/>
             <a:endParaRPr/>
@@ -1399,11 +1676,14 @@
       </p:sp>
     </p:spTree>
   </p:cSld>
+  <p:clrMapOvr>
+    <a:masterClrMapping/>
+  </p:clrMapOvr>
 </p:sldLayout>
 </file>
 
 <file path=ppt/slideLayouts/slideLayout20.xml><?xml version="1.0" encoding="utf-8"?>
-<p:sldLayout xmlns:a="http://schemas.openxmlformats.org/drawingml/2006/main" xmlns:p="http://schemas.openxmlformats.org/presentationml/2006/main" xmlns:r="http://schemas.openxmlformats.org/officeDocument/2006/relationships" type="objAndTwoObj" preserve="1">
+<p:sldLayout xmlns:a="http://schemas.openxmlformats.org/drawingml/2006/main" xmlns:r="http://schemas.openxmlformats.org/officeDocument/2006/relationships" xmlns:p="http://schemas.openxmlformats.org/presentationml/2006/main" type="objAndTwoObj" preserve="1">
   <p:cSld name="Title Content and 2 Content">
     <p:spTree>
       <p:nvGrpSpPr>
@@ -1439,7 +1719,8 @@
           </a:prstGeom>
         </p:spPr>
         <p:txBody>
-          <a:bodyPr lIns="0" rIns="0" tIns="0" bIns="0" anchor="ctr"/>
+          <a:bodyPr lIns="0" tIns="0" rIns="0" bIns="0" anchor="ctr"/>
+          <a:lstStyle/>
           <a:p>
             <a:endParaRPr/>
           </a:p>
@@ -1465,7 +1746,8 @@
           </a:prstGeom>
         </p:spPr>
         <p:txBody>
-          <a:bodyPr lIns="0" rIns="0" tIns="0" bIns="0"/>
+          <a:bodyPr lIns="0" tIns="0" rIns="0" bIns="0"/>
+          <a:lstStyle/>
           <a:p>
             <a:endParaRPr/>
           </a:p>
@@ -1491,7 +1773,8 @@
           </a:prstGeom>
         </p:spPr>
         <p:txBody>
-          <a:bodyPr lIns="0" rIns="0" tIns="0" bIns="0"/>
+          <a:bodyPr lIns="0" tIns="0" rIns="0" bIns="0"/>
+          <a:lstStyle/>
           <a:p>
             <a:endParaRPr/>
           </a:p>
@@ -1517,7 +1800,8 @@
           </a:prstGeom>
         </p:spPr>
         <p:txBody>
-          <a:bodyPr lIns="0" rIns="0" tIns="0" bIns="0"/>
+          <a:bodyPr lIns="0" tIns="0" rIns="0" bIns="0"/>
+          <a:lstStyle/>
           <a:p>
             <a:endParaRPr/>
           </a:p>
@@ -1525,11 +1809,14 @@
       </p:sp>
     </p:spTree>
   </p:cSld>
+  <p:clrMapOvr>
+    <a:masterClrMapping/>
+  </p:clrMapOvr>
 </p:sldLayout>
 </file>
 
 <file path=ppt/slideLayouts/slideLayout21.xml><?xml version="1.0" encoding="utf-8"?>
-<p:sldLayout xmlns:a="http://schemas.openxmlformats.org/drawingml/2006/main" xmlns:p="http://schemas.openxmlformats.org/presentationml/2006/main" xmlns:r="http://schemas.openxmlformats.org/officeDocument/2006/relationships" type="twoObjOverTx" preserve="1">
+<p:sldLayout xmlns:a="http://schemas.openxmlformats.org/drawingml/2006/main" xmlns:r="http://schemas.openxmlformats.org/officeDocument/2006/relationships" xmlns:p="http://schemas.openxmlformats.org/presentationml/2006/main" type="twoObjOverTx" preserve="1">
   <p:cSld name="Title, 2 Content over Content">
     <p:spTree>
       <p:nvGrpSpPr>
@@ -1565,7 +1852,8 @@
           </a:prstGeom>
         </p:spPr>
         <p:txBody>
-          <a:bodyPr lIns="0" rIns="0" tIns="0" bIns="0" anchor="ctr"/>
+          <a:bodyPr lIns="0" tIns="0" rIns="0" bIns="0" anchor="ctr"/>
+          <a:lstStyle/>
           <a:p>
             <a:endParaRPr/>
           </a:p>
@@ -1591,7 +1879,8 @@
           </a:prstGeom>
         </p:spPr>
         <p:txBody>
-          <a:bodyPr lIns="0" rIns="0" tIns="0" bIns="0"/>
+          <a:bodyPr lIns="0" tIns="0" rIns="0" bIns="0"/>
+          <a:lstStyle/>
           <a:p>
             <a:endParaRPr/>
           </a:p>
@@ -1617,7 +1906,8 @@
           </a:prstGeom>
         </p:spPr>
         <p:txBody>
-          <a:bodyPr lIns="0" rIns="0" tIns="0" bIns="0"/>
+          <a:bodyPr lIns="0" tIns="0" rIns="0" bIns="0"/>
+          <a:lstStyle/>
           <a:p>
             <a:endParaRPr/>
           </a:p>
@@ -1643,7 +1933,8 @@
           </a:prstGeom>
         </p:spPr>
         <p:txBody>
-          <a:bodyPr lIns="0" rIns="0" tIns="0" bIns="0"/>
+          <a:bodyPr lIns="0" tIns="0" rIns="0" bIns="0"/>
+          <a:lstStyle/>
           <a:p>
             <a:endParaRPr/>
           </a:p>
@@ -1651,11 +1942,14 @@
       </p:sp>
     </p:spTree>
   </p:cSld>
+  <p:clrMapOvr>
+    <a:masterClrMapping/>
+  </p:clrMapOvr>
 </p:sldLayout>
 </file>
 
 <file path=ppt/slideLayouts/slideLayout22.xml><?xml version="1.0" encoding="utf-8"?>
-<p:sldLayout xmlns:a="http://schemas.openxmlformats.org/drawingml/2006/main" xmlns:p="http://schemas.openxmlformats.org/presentationml/2006/main" xmlns:r="http://schemas.openxmlformats.org/officeDocument/2006/relationships" type="objOverTx" preserve="1">
+<p:sldLayout xmlns:a="http://schemas.openxmlformats.org/drawingml/2006/main" xmlns:r="http://schemas.openxmlformats.org/officeDocument/2006/relationships" xmlns:p="http://schemas.openxmlformats.org/presentationml/2006/main" type="objOverTx" preserve="1">
   <p:cSld name="Title, Content over Content">
     <p:spTree>
       <p:nvGrpSpPr>
@@ -1691,7 +1985,8 @@
           </a:prstGeom>
         </p:spPr>
         <p:txBody>
-          <a:bodyPr lIns="0" rIns="0" tIns="0" bIns="0" anchor="ctr"/>
+          <a:bodyPr lIns="0" tIns="0" rIns="0" bIns="0" anchor="ctr"/>
+          <a:lstStyle/>
           <a:p>
             <a:endParaRPr/>
           </a:p>
@@ -1717,7 +2012,8 @@
           </a:prstGeom>
         </p:spPr>
         <p:txBody>
-          <a:bodyPr lIns="0" rIns="0" tIns="0" bIns="0"/>
+          <a:bodyPr lIns="0" tIns="0" rIns="0" bIns="0"/>
+          <a:lstStyle/>
           <a:p>
             <a:endParaRPr/>
           </a:p>
@@ -1743,7 +2039,8 @@
           </a:prstGeom>
         </p:spPr>
         <p:txBody>
-          <a:bodyPr lIns="0" rIns="0" tIns="0" bIns="0"/>
+          <a:bodyPr lIns="0" tIns="0" rIns="0" bIns="0"/>
+          <a:lstStyle/>
           <a:p>
             <a:endParaRPr/>
           </a:p>
@@ -1751,11 +2048,14 @@
       </p:sp>
     </p:spTree>
   </p:cSld>
+  <p:clrMapOvr>
+    <a:masterClrMapping/>
+  </p:clrMapOvr>
 </p:sldLayout>
 </file>
 
 <file path=ppt/slideLayouts/slideLayout23.xml><?xml version="1.0" encoding="utf-8"?>
-<p:sldLayout xmlns:a="http://schemas.openxmlformats.org/drawingml/2006/main" xmlns:p="http://schemas.openxmlformats.org/presentationml/2006/main" xmlns:r="http://schemas.openxmlformats.org/officeDocument/2006/relationships" type="fourObj" preserve="1">
+<p:sldLayout xmlns:a="http://schemas.openxmlformats.org/drawingml/2006/main" xmlns:r="http://schemas.openxmlformats.org/officeDocument/2006/relationships" xmlns:p="http://schemas.openxmlformats.org/presentationml/2006/main" type="fourObj" preserve="1">
   <p:cSld name="Title, 4 Content">
     <p:spTree>
       <p:nvGrpSpPr>
@@ -1791,7 +2091,8 @@
           </a:prstGeom>
         </p:spPr>
         <p:txBody>
-          <a:bodyPr lIns="0" rIns="0" tIns="0" bIns="0" anchor="ctr"/>
+          <a:bodyPr lIns="0" tIns="0" rIns="0" bIns="0" anchor="ctr"/>
+          <a:lstStyle/>
           <a:p>
             <a:endParaRPr/>
           </a:p>
@@ -1817,7 +2118,8 @@
           </a:prstGeom>
         </p:spPr>
         <p:txBody>
-          <a:bodyPr lIns="0" rIns="0" tIns="0" bIns="0"/>
+          <a:bodyPr lIns="0" tIns="0" rIns="0" bIns="0"/>
+          <a:lstStyle/>
           <a:p>
             <a:endParaRPr/>
           </a:p>
@@ -1843,7 +2145,8 @@
           </a:prstGeom>
         </p:spPr>
         <p:txBody>
-          <a:bodyPr lIns="0" rIns="0" tIns="0" bIns="0"/>
+          <a:bodyPr lIns="0" tIns="0" rIns="0" bIns="0"/>
+          <a:lstStyle/>
           <a:p>
             <a:endParaRPr/>
           </a:p>
@@ -1869,7 +2172,8 @@
           </a:prstGeom>
         </p:spPr>
         <p:txBody>
-          <a:bodyPr lIns="0" rIns="0" tIns="0" bIns="0"/>
+          <a:bodyPr lIns="0" tIns="0" rIns="0" bIns="0"/>
+          <a:lstStyle/>
           <a:p>
             <a:endParaRPr/>
           </a:p>
@@ -1895,7 +2199,8 @@
           </a:prstGeom>
         </p:spPr>
         <p:txBody>
-          <a:bodyPr lIns="0" rIns="0" tIns="0" bIns="0"/>
+          <a:bodyPr lIns="0" tIns="0" rIns="0" bIns="0"/>
+          <a:lstStyle/>
           <a:p>
             <a:endParaRPr/>
           </a:p>
@@ -1903,11 +2208,14 @@
       </p:sp>
     </p:spTree>
   </p:cSld>
+  <p:clrMapOvr>
+    <a:masterClrMapping/>
+  </p:clrMapOvr>
 </p:sldLayout>
 </file>
 
 <file path=ppt/slideLayouts/slideLayout24.xml><?xml version="1.0" encoding="utf-8"?>
-<p:sldLayout xmlns:a="http://schemas.openxmlformats.org/drawingml/2006/main" xmlns:p="http://schemas.openxmlformats.org/presentationml/2006/main" xmlns:r="http://schemas.openxmlformats.org/officeDocument/2006/relationships" type="blank" preserve="1">
+<p:sldLayout xmlns:a="http://schemas.openxmlformats.org/drawingml/2006/main" xmlns:r="http://schemas.openxmlformats.org/officeDocument/2006/relationships" xmlns:p="http://schemas.openxmlformats.org/presentationml/2006/main" type="blank" preserve="1">
   <p:cSld name="Title, 6 Content">
     <p:spTree>
       <p:nvGrpSpPr>
@@ -1943,7 +2251,8 @@
           </a:prstGeom>
         </p:spPr>
         <p:txBody>
-          <a:bodyPr lIns="0" rIns="0" tIns="0" bIns="0" anchor="ctr"/>
+          <a:bodyPr lIns="0" tIns="0" rIns="0" bIns="0" anchor="ctr"/>
+          <a:lstStyle/>
           <a:p>
             <a:endParaRPr/>
           </a:p>
@@ -1969,7 +2278,8 @@
           </a:prstGeom>
         </p:spPr>
         <p:txBody>
-          <a:bodyPr lIns="0" rIns="0" tIns="0" bIns="0"/>
+          <a:bodyPr lIns="0" tIns="0" rIns="0" bIns="0"/>
+          <a:lstStyle/>
           <a:p>
             <a:endParaRPr/>
           </a:p>
@@ -1995,7 +2305,8 @@
           </a:prstGeom>
         </p:spPr>
         <p:txBody>
-          <a:bodyPr lIns="0" rIns="0" tIns="0" bIns="0"/>
+          <a:bodyPr lIns="0" tIns="0" rIns="0" bIns="0"/>
+          <a:lstStyle/>
           <a:p>
             <a:endParaRPr/>
           </a:p>
@@ -2003,12 +2314,12 @@
       </p:sp>
       <p:pic>
         <p:nvPicPr>
-          <p:cNvPr id="95" name="" descr=""/>
+          <p:cNvPr id="95" name="Image 94"/>
           <p:cNvPicPr/>
           <p:nvPr/>
         </p:nvPicPr>
         <p:blipFill>
-          <a:blip r:embed="rId2"/>
+          <a:blip r:embed="rId2" cstate="print"/>
           <a:stretch/>
         </p:blipFill>
         <p:spPr>
@@ -2026,12 +2337,12 @@
       </p:pic>
       <p:pic>
         <p:nvPicPr>
-          <p:cNvPr id="96" name="" descr=""/>
+          <p:cNvPr id="96" name="Image 95"/>
           <p:cNvPicPr/>
           <p:nvPr/>
         </p:nvPicPr>
         <p:blipFill>
-          <a:blip r:embed="rId3"/>
+          <a:blip r:embed="rId2" cstate="print"/>
           <a:stretch/>
         </p:blipFill>
         <p:spPr>
@@ -2049,11 +2360,14 @@
       </p:pic>
     </p:spTree>
   </p:cSld>
+  <p:clrMapOvr>
+    <a:masterClrMapping/>
+  </p:clrMapOvr>
 </p:sldLayout>
 </file>
 
 <file path=ppt/slideLayouts/slideLayout3.xml><?xml version="1.0" encoding="utf-8"?>
-<p:sldLayout xmlns:a="http://schemas.openxmlformats.org/drawingml/2006/main" xmlns:p="http://schemas.openxmlformats.org/presentationml/2006/main" xmlns:r="http://schemas.openxmlformats.org/officeDocument/2006/relationships" type="obj" preserve="1">
+<p:sldLayout xmlns:a="http://schemas.openxmlformats.org/drawingml/2006/main" xmlns:r="http://schemas.openxmlformats.org/officeDocument/2006/relationships" xmlns:p="http://schemas.openxmlformats.org/presentationml/2006/main" type="obj" preserve="1">
   <p:cSld name="Title, Content">
     <p:spTree>
       <p:nvGrpSpPr>
@@ -2089,7 +2403,8 @@
           </a:prstGeom>
         </p:spPr>
         <p:txBody>
-          <a:bodyPr lIns="0" rIns="0" tIns="0" bIns="0" anchor="ctr"/>
+          <a:bodyPr lIns="0" tIns="0" rIns="0" bIns="0" anchor="ctr"/>
+          <a:lstStyle/>
           <a:p>
             <a:endParaRPr/>
           </a:p>
@@ -2115,7 +2430,8 @@
           </a:prstGeom>
         </p:spPr>
         <p:txBody>
-          <a:bodyPr lIns="0" rIns="0" tIns="0" bIns="0"/>
+          <a:bodyPr lIns="0" tIns="0" rIns="0" bIns="0"/>
+          <a:lstStyle/>
           <a:p>
             <a:endParaRPr/>
           </a:p>
@@ -2123,11 +2439,14 @@
       </p:sp>
     </p:spTree>
   </p:cSld>
+  <p:clrMapOvr>
+    <a:masterClrMapping/>
+  </p:clrMapOvr>
 </p:sldLayout>
 </file>
 
 <file path=ppt/slideLayouts/slideLayout4.xml><?xml version="1.0" encoding="utf-8"?>
-<p:sldLayout xmlns:a="http://schemas.openxmlformats.org/drawingml/2006/main" xmlns:p="http://schemas.openxmlformats.org/presentationml/2006/main" xmlns:r="http://schemas.openxmlformats.org/officeDocument/2006/relationships" type="twoObj" preserve="1">
+<p:sldLayout xmlns:a="http://schemas.openxmlformats.org/drawingml/2006/main" xmlns:r="http://schemas.openxmlformats.org/officeDocument/2006/relationships" xmlns:p="http://schemas.openxmlformats.org/presentationml/2006/main" type="twoObj" preserve="1">
   <p:cSld name="Title, 2 Content">
     <p:spTree>
       <p:nvGrpSpPr>
@@ -2163,7 +2482,8 @@
           </a:prstGeom>
         </p:spPr>
         <p:txBody>
-          <a:bodyPr lIns="0" rIns="0" tIns="0" bIns="0" anchor="ctr"/>
+          <a:bodyPr lIns="0" tIns="0" rIns="0" bIns="0" anchor="ctr"/>
+          <a:lstStyle/>
           <a:p>
             <a:endParaRPr/>
           </a:p>
@@ -2189,7 +2509,8 @@
           </a:prstGeom>
         </p:spPr>
         <p:txBody>
-          <a:bodyPr lIns="0" rIns="0" tIns="0" bIns="0"/>
+          <a:bodyPr lIns="0" tIns="0" rIns="0" bIns="0"/>
+          <a:lstStyle/>
           <a:p>
             <a:endParaRPr/>
           </a:p>
@@ -2215,7 +2536,8 @@
           </a:prstGeom>
         </p:spPr>
         <p:txBody>
-          <a:bodyPr lIns="0" rIns="0" tIns="0" bIns="0"/>
+          <a:bodyPr lIns="0" tIns="0" rIns="0" bIns="0"/>
+          <a:lstStyle/>
           <a:p>
             <a:endParaRPr/>
           </a:p>
@@ -2223,11 +2545,14 @@
       </p:sp>
     </p:spTree>
   </p:cSld>
+  <p:clrMapOvr>
+    <a:masterClrMapping/>
+  </p:clrMapOvr>
 </p:sldLayout>
 </file>
 
 <file path=ppt/slideLayouts/slideLayout5.xml><?xml version="1.0" encoding="utf-8"?>
-<p:sldLayout xmlns:a="http://schemas.openxmlformats.org/drawingml/2006/main" xmlns:p="http://schemas.openxmlformats.org/presentationml/2006/main" xmlns:r="http://schemas.openxmlformats.org/officeDocument/2006/relationships" type="titleOnly" preserve="1">
+<p:sldLayout xmlns:a="http://schemas.openxmlformats.org/drawingml/2006/main" xmlns:r="http://schemas.openxmlformats.org/officeDocument/2006/relationships" xmlns:p="http://schemas.openxmlformats.org/presentationml/2006/main" type="titleOnly" preserve="1">
   <p:cSld name="Title Only">
     <p:spTree>
       <p:nvGrpSpPr>
@@ -2263,7 +2588,8 @@
           </a:prstGeom>
         </p:spPr>
         <p:txBody>
-          <a:bodyPr lIns="0" rIns="0" tIns="0" bIns="0" anchor="ctr"/>
+          <a:bodyPr lIns="0" tIns="0" rIns="0" bIns="0" anchor="ctr"/>
+          <a:lstStyle/>
           <a:p>
             <a:endParaRPr/>
           </a:p>
@@ -2271,11 +2597,14 @@
       </p:sp>
     </p:spTree>
   </p:cSld>
+  <p:clrMapOvr>
+    <a:masterClrMapping/>
+  </p:clrMapOvr>
 </p:sldLayout>
 </file>
 
 <file path=ppt/slideLayouts/slideLayout6.xml><?xml version="1.0" encoding="utf-8"?>
-<p:sldLayout xmlns:a="http://schemas.openxmlformats.org/drawingml/2006/main" xmlns:p="http://schemas.openxmlformats.org/presentationml/2006/main" xmlns:r="http://schemas.openxmlformats.org/officeDocument/2006/relationships" type="objOnly" preserve="1">
+<p:sldLayout xmlns:a="http://schemas.openxmlformats.org/drawingml/2006/main" xmlns:r="http://schemas.openxmlformats.org/officeDocument/2006/relationships" xmlns:p="http://schemas.openxmlformats.org/presentationml/2006/main" type="objOnly" preserve="1">
   <p:cSld name="Centered Text">
     <p:spTree>
       <p:nvGrpSpPr>
@@ -2311,7 +2640,8 @@
           </a:prstGeom>
         </p:spPr>
         <p:txBody>
-          <a:bodyPr lIns="0" rIns="0" tIns="0" bIns="0" anchor="ctr"/>
+          <a:bodyPr lIns="0" tIns="0" rIns="0" bIns="0" anchor="ctr"/>
+          <a:lstStyle/>
           <a:p>
             <a:pPr algn="ctr"/>
             <a:endParaRPr/>
@@ -2320,11 +2650,14 @@
       </p:sp>
     </p:spTree>
   </p:cSld>
+  <p:clrMapOvr>
+    <a:masterClrMapping/>
+  </p:clrMapOvr>
 </p:sldLayout>
 </file>
 
 <file path=ppt/slideLayouts/slideLayout7.xml><?xml version="1.0" encoding="utf-8"?>
-<p:sldLayout xmlns:a="http://schemas.openxmlformats.org/drawingml/2006/main" xmlns:p="http://schemas.openxmlformats.org/presentationml/2006/main" xmlns:r="http://schemas.openxmlformats.org/officeDocument/2006/relationships" type="twoObjAndObj" preserve="1">
+<p:sldLayout xmlns:a="http://schemas.openxmlformats.org/drawingml/2006/main" xmlns:r="http://schemas.openxmlformats.org/officeDocument/2006/relationships" xmlns:p="http://schemas.openxmlformats.org/presentationml/2006/main" type="twoObjAndObj" preserve="1">
   <p:cSld name="Title, 2 Content and Content">
     <p:spTree>
       <p:nvGrpSpPr>
@@ -2360,7 +2693,8 @@
           </a:prstGeom>
         </p:spPr>
         <p:txBody>
-          <a:bodyPr lIns="0" rIns="0" tIns="0" bIns="0" anchor="ctr"/>
+          <a:bodyPr lIns="0" tIns="0" rIns="0" bIns="0" anchor="ctr"/>
+          <a:lstStyle/>
           <a:p>
             <a:endParaRPr/>
           </a:p>
@@ -2386,7 +2720,8 @@
           </a:prstGeom>
         </p:spPr>
         <p:txBody>
-          <a:bodyPr lIns="0" rIns="0" tIns="0" bIns="0"/>
+          <a:bodyPr lIns="0" tIns="0" rIns="0" bIns="0"/>
+          <a:lstStyle/>
           <a:p>
             <a:endParaRPr/>
           </a:p>
@@ -2412,7 +2747,8 @@
           </a:prstGeom>
         </p:spPr>
         <p:txBody>
-          <a:bodyPr lIns="0" rIns="0" tIns="0" bIns="0"/>
+          <a:bodyPr lIns="0" tIns="0" rIns="0" bIns="0"/>
+          <a:lstStyle/>
           <a:p>
             <a:endParaRPr/>
           </a:p>
@@ -2438,7 +2774,8 @@
           </a:prstGeom>
         </p:spPr>
         <p:txBody>
-          <a:bodyPr lIns="0" rIns="0" tIns="0" bIns="0"/>
+          <a:bodyPr lIns="0" tIns="0" rIns="0" bIns="0"/>
+          <a:lstStyle/>
           <a:p>
             <a:endParaRPr/>
           </a:p>
@@ -2446,11 +2783,14 @@
       </p:sp>
     </p:spTree>
   </p:cSld>
+  <p:clrMapOvr>
+    <a:masterClrMapping/>
+  </p:clrMapOvr>
 </p:sldLayout>
 </file>
 
 <file path=ppt/slideLayouts/slideLayout8.xml><?xml version="1.0" encoding="utf-8"?>
-<p:sldLayout xmlns:a="http://schemas.openxmlformats.org/drawingml/2006/main" xmlns:p="http://schemas.openxmlformats.org/presentationml/2006/main" xmlns:r="http://schemas.openxmlformats.org/officeDocument/2006/relationships" type="objAndTwoObj" preserve="1">
+<p:sldLayout xmlns:a="http://schemas.openxmlformats.org/drawingml/2006/main" xmlns:r="http://schemas.openxmlformats.org/officeDocument/2006/relationships" xmlns:p="http://schemas.openxmlformats.org/presentationml/2006/main" type="objAndTwoObj" preserve="1">
   <p:cSld name="Title Content and 2 Content">
     <p:spTree>
       <p:nvGrpSpPr>
@@ -2486,7 +2826,8 @@
           </a:prstGeom>
         </p:spPr>
         <p:txBody>
-          <a:bodyPr lIns="0" rIns="0" tIns="0" bIns="0" anchor="ctr"/>
+          <a:bodyPr lIns="0" tIns="0" rIns="0" bIns="0" anchor="ctr"/>
+          <a:lstStyle/>
           <a:p>
             <a:endParaRPr/>
           </a:p>
@@ -2512,7 +2853,8 @@
           </a:prstGeom>
         </p:spPr>
         <p:txBody>
-          <a:bodyPr lIns="0" rIns="0" tIns="0" bIns="0"/>
+          <a:bodyPr lIns="0" tIns="0" rIns="0" bIns="0"/>
+          <a:lstStyle/>
           <a:p>
             <a:endParaRPr/>
           </a:p>
@@ -2538,7 +2880,8 @@
           </a:prstGeom>
         </p:spPr>
         <p:txBody>
-          <a:bodyPr lIns="0" rIns="0" tIns="0" bIns="0"/>
+          <a:bodyPr lIns="0" tIns="0" rIns="0" bIns="0"/>
+          <a:lstStyle/>
           <a:p>
             <a:endParaRPr/>
           </a:p>
@@ -2564,7 +2907,8 @@
           </a:prstGeom>
         </p:spPr>
         <p:txBody>
-          <a:bodyPr lIns="0" rIns="0" tIns="0" bIns="0"/>
+          <a:bodyPr lIns="0" tIns="0" rIns="0" bIns="0"/>
+          <a:lstStyle/>
           <a:p>
             <a:endParaRPr/>
           </a:p>
@@ -2572,11 +2916,14 @@
       </p:sp>
     </p:spTree>
   </p:cSld>
+  <p:clrMapOvr>
+    <a:masterClrMapping/>
+  </p:clrMapOvr>
 </p:sldLayout>
 </file>
 
 <file path=ppt/slideLayouts/slideLayout9.xml><?xml version="1.0" encoding="utf-8"?>
-<p:sldLayout xmlns:a="http://schemas.openxmlformats.org/drawingml/2006/main" xmlns:p="http://schemas.openxmlformats.org/presentationml/2006/main" xmlns:r="http://schemas.openxmlformats.org/officeDocument/2006/relationships" type="twoObjOverTx" preserve="1">
+<p:sldLayout xmlns:a="http://schemas.openxmlformats.org/drawingml/2006/main" xmlns:r="http://schemas.openxmlformats.org/officeDocument/2006/relationships" xmlns:p="http://schemas.openxmlformats.org/presentationml/2006/main" type="twoObjOverTx" preserve="1">
   <p:cSld name="Title, 2 Content over Content">
     <p:spTree>
       <p:nvGrpSpPr>
@@ -2612,7 +2959,8 @@
           </a:prstGeom>
         </p:spPr>
         <p:txBody>
-          <a:bodyPr lIns="0" rIns="0" tIns="0" bIns="0" anchor="ctr"/>
+          <a:bodyPr lIns="0" tIns="0" rIns="0" bIns="0" anchor="ctr"/>
+          <a:lstStyle/>
           <a:p>
             <a:endParaRPr/>
           </a:p>
@@ -2638,7 +2986,8 @@
           </a:prstGeom>
         </p:spPr>
         <p:txBody>
-          <a:bodyPr lIns="0" rIns="0" tIns="0" bIns="0"/>
+          <a:bodyPr lIns="0" tIns="0" rIns="0" bIns="0"/>
+          <a:lstStyle/>
           <a:p>
             <a:endParaRPr/>
           </a:p>
@@ -2664,7 +3013,8 @@
           </a:prstGeom>
         </p:spPr>
         <p:txBody>
-          <a:bodyPr lIns="0" rIns="0" tIns="0" bIns="0"/>
+          <a:bodyPr lIns="0" tIns="0" rIns="0" bIns="0"/>
+          <a:lstStyle/>
           <a:p>
             <a:endParaRPr/>
           </a:p>
@@ -2690,7 +3040,8 @@
           </a:prstGeom>
         </p:spPr>
         <p:txBody>
-          <a:bodyPr lIns="0" rIns="0" tIns="0" bIns="0"/>
+          <a:bodyPr lIns="0" tIns="0" rIns="0" bIns="0"/>
+          <a:lstStyle/>
           <a:p>
             <a:endParaRPr/>
           </a:p>
@@ -2698,17 +3049,21 @@
       </p:sp>
     </p:spTree>
   </p:cSld>
+  <p:clrMapOvr>
+    <a:masterClrMapping/>
+  </p:clrMapOvr>
 </p:sldLayout>
 </file>
 
 <file path=ppt/slideMasters/slideMaster1.xml><?xml version="1.0" encoding="utf-8"?>
-<p:sldMaster xmlns:a="http://schemas.openxmlformats.org/drawingml/2006/main" xmlns:p="http://schemas.openxmlformats.org/presentationml/2006/main" xmlns:r="http://schemas.openxmlformats.org/officeDocument/2006/relationships">
+<p:sldMaster xmlns:a="http://schemas.openxmlformats.org/drawingml/2006/main" xmlns:r="http://schemas.openxmlformats.org/officeDocument/2006/relationships" xmlns:p="http://schemas.openxmlformats.org/presentationml/2006/main">
   <p:cSld>
     <p:bg>
       <p:bgPr>
         <a:solidFill>
-          <a:srgbClr val="ffffff"/>
+          <a:srgbClr val="FFFFFF"/>
         </a:solidFill>
+        <a:effectLst/>
       </p:bgPr>
     </p:bg>
     <p:spTree>
@@ -2727,7 +3082,7 @@
       </p:grpSpPr>
       <p:sp>
         <p:nvSpPr>
-          <p:cNvPr id="0" name="CustomShape 1"/>
+          <p:cNvPr id="17" name="CustomShape 1"/>
           <p:cNvSpPr/>
           <p:nvPr/>
         </p:nvSpPr>
@@ -2740,6 +3095,7 @@
             <a:avLst/>
             <a:gdLst/>
             <a:ahLst/>
+            <a:cxnLst/>
             <a:rect l="0" t="0" r="r" b="b"/>
             <a:pathLst>
               <a:path w="2167065" h="4187833">
@@ -2794,7 +3150,8 @@
           <a:fontRef idx="minor"/>
         </p:style>
         <p:txBody>
-          <a:bodyPr lIns="90000" rIns="90000" tIns="45000" bIns="45000" anchor="ctr"/>
+          <a:bodyPr lIns="90000" tIns="45000" rIns="90000" bIns="45000" anchor="ctr"/>
+          <a:lstStyle/>
           <a:p>
             <a:pPr algn="ctr">
               <a:lnSpc>
@@ -2804,7 +3161,7 @@
             <a:r>
               <a:rPr lang="fr-FR" strike="noStrike">
                 <a:solidFill>
-                  <a:srgbClr val="ffffff"/>
+                  <a:srgbClr val="FFFFFF"/>
                 </a:solidFill>
                 <a:latin typeface="Arial"/>
               </a:rPr>
@@ -2816,7 +3173,7 @@
       </p:sp>
       <p:sp>
         <p:nvSpPr>
-          <p:cNvPr id="1" name="CustomShape 2"/>
+          <p:cNvPr id="18" name="CustomShape 2"/>
           <p:cNvSpPr/>
           <p:nvPr/>
         </p:nvSpPr>
@@ -2829,6 +3186,7 @@
             <a:avLst/>
             <a:gdLst/>
             <a:ahLst/>
+            <a:cxnLst/>
             <a:rect l="0" t="0" r="r" b="b"/>
             <a:pathLst>
               <a:path w="2933998" h="4404898">
@@ -2865,7 +3223,7 @@
                 </a:schemeClr>
               </a:gs>
               <a:gs pos="91000">
-                <a:srgbClr val="004d6f">
+                <a:srgbClr val="004D6F">
                   <a:alpha val="63000"/>
                 </a:srgbClr>
               </a:gs>
@@ -2891,7 +3249,8 @@
           <a:fontRef idx="minor"/>
         </p:style>
         <p:txBody>
-          <a:bodyPr lIns="90000" rIns="90000" tIns="45000" bIns="45000" anchor="ctr"/>
+          <a:bodyPr lIns="90000" tIns="45000" rIns="90000" bIns="45000" anchor="ctr"/>
+          <a:lstStyle/>
           <a:p>
             <a:pPr algn="ctr">
               <a:lnSpc>
@@ -2901,7 +3260,7 @@
             <a:r>
               <a:rPr lang="fr-FR" strike="noStrike">
                 <a:solidFill>
-                  <a:srgbClr val="ffffff"/>
+                  <a:srgbClr val="FFFFFF"/>
                 </a:solidFill>
                 <a:latin typeface="Arial"/>
               </a:rPr>
@@ -2935,7 +3294,7 @@
                 </a:schemeClr>
               </a:gs>
               <a:gs pos="81000">
-                <a:srgbClr val="004d6f">
+                <a:srgbClr val="004D6F">
                   <a:alpha val="48000"/>
                 </a:srgbClr>
               </a:gs>
@@ -2961,7 +3320,8 @@
           <a:fontRef idx="minor"/>
         </p:style>
         <p:txBody>
-          <a:bodyPr lIns="90000" rIns="90000" tIns="45000" bIns="45000" anchor="ctr"/>
+          <a:bodyPr lIns="90000" tIns="45000" rIns="90000" bIns="45000" anchor="ctr"/>
+          <a:lstStyle/>
           <a:p>
             <a:pPr algn="ctr">
               <a:lnSpc>
@@ -2971,7 +3331,7 @@
             <a:r>
               <a:rPr lang="fr-FR" strike="noStrike">
                 <a:solidFill>
-                  <a:srgbClr val="ffffff"/>
+                  <a:srgbClr val="FFFFFF"/>
                 </a:solidFill>
                 <a:latin typeface="Arial"/>
               </a:rPr>
@@ -2983,13 +3343,13 @@
       </p:sp>
       <p:pic>
         <p:nvPicPr>
-          <p:cNvPr id="3" name="Picture 4" descr=""/>
+          <p:cNvPr id="3" name="Picture 4"/>
           <p:cNvPicPr/>
           <p:nvPr/>
         </p:nvPicPr>
         <p:blipFill>
-          <a:blip r:embed="rId2"/>
-          <a:srcRect l="0" t="0" r="0" b="42600"/>
+          <a:blip r:embed="rId14" cstate="print"/>
+          <a:srcRect b="42600"/>
           <a:stretch/>
         </p:blipFill>
         <p:spPr>
@@ -3007,12 +3367,12 @@
       </p:pic>
       <p:pic>
         <p:nvPicPr>
-          <p:cNvPr id="4" name="Picture 2" descr=""/>
+          <p:cNvPr id="4" name="Picture 2"/>
           <p:cNvPicPr/>
           <p:nvPr/>
         </p:nvPicPr>
         <p:blipFill>
-          <a:blip r:embed="rId3"/>
+          <a:blip r:embed="rId15" cstate="print"/>
           <a:stretch/>
         </p:blipFill>
         <p:spPr>
@@ -3048,13 +3408,20 @@
           </a:ln>
         </p:spPr>
         <p:style>
-          <a:lnRef idx="0"/>
-          <a:fillRef idx="0"/>
-          <a:effectRef idx="0"/>
+          <a:lnRef idx="0">
+            <a:scrgbClr r="0" g="0" b="0"/>
+          </a:lnRef>
+          <a:fillRef idx="0">
+            <a:scrgbClr r="0" g="0" b="0"/>
+          </a:fillRef>
+          <a:effectRef idx="0">
+            <a:scrgbClr r="0" g="0" b="0"/>
+          </a:effectRef>
           <a:fontRef idx="minor"/>
         </p:style>
         <p:txBody>
-          <a:bodyPr lIns="90000" rIns="90000" tIns="45000" bIns="45000"/>
+          <a:bodyPr lIns="90000" tIns="45000" rIns="90000" bIns="45000"/>
+          <a:lstStyle/>
           <a:p>
             <a:pPr>
               <a:lnSpc>
@@ -3062,13 +3429,18 @@
               </a:lnSpc>
             </a:pPr>
             <a:fld id="{3DF29F9C-519F-4368-BE0B-0201C9EC7B0F}" type="slidenum">
-              <a:rPr b="1" lang="fr-FR" sz="1100" strike="noStrike">
-                <a:solidFill>
-                  <a:srgbClr val="ffffff"/>
-                </a:solidFill>
-                <a:latin typeface="Arial"/>
-              </a:rPr>
-              <a:t>&lt;numéro&gt;</a:t>
+              <a:rPr lang="fr-FR" sz="1100" b="1" strike="noStrike">
+                <a:solidFill>
+                  <a:srgbClr val="FFFFFF"/>
+                </a:solidFill>
+                <a:latin typeface="Arial"/>
+              </a:rPr>
+              <a:pPr>
+                <a:lnSpc>
+                  <a:spcPct val="100000"/>
+                </a:lnSpc>
+              </a:pPr>
+              <a:t>‹N°›</a:t>
             </a:fld>
             <a:endParaRPr/>
           </a:p>
@@ -3076,12 +3448,12 @@
       </p:sp>
       <p:pic>
         <p:nvPicPr>
-          <p:cNvPr id="6" name="Image 12" descr=""/>
+          <p:cNvPr id="6" name="Image 12"/>
           <p:cNvPicPr/>
           <p:nvPr/>
         </p:nvPicPr>
         <p:blipFill>
-          <a:blip r:embed="rId4"/>
+          <a:blip r:embed="rId16" cstate="print"/>
           <a:stretch/>
         </p:blipFill>
         <p:spPr>
@@ -3135,13 +3507,13 @@
       </p:sp>
       <p:pic>
         <p:nvPicPr>
-          <p:cNvPr id="8" name="Picture 4" descr=""/>
+          <p:cNvPr id="8" name="Picture 4"/>
           <p:cNvPicPr/>
           <p:nvPr/>
         </p:nvPicPr>
         <p:blipFill>
-          <a:blip r:embed="rId5"/>
-          <a:srcRect l="0" t="0" r="0" b="42600"/>
+          <a:blip r:embed="rId14" cstate="print"/>
+          <a:srcRect b="42600"/>
           <a:stretch/>
         </p:blipFill>
         <p:spPr>
@@ -3159,12 +3531,12 @@
       </p:pic>
       <p:pic>
         <p:nvPicPr>
-          <p:cNvPr id="9" name="Picture 2" descr=""/>
+          <p:cNvPr id="9" name="Picture 2"/>
           <p:cNvPicPr/>
           <p:nvPr/>
         </p:nvPicPr>
         <p:blipFill>
-          <a:blip r:embed="rId6"/>
+          <a:blip r:embed="rId15" cstate="print"/>
           <a:stretch/>
         </p:blipFill>
         <p:spPr>
@@ -3201,6 +3573,7 @@
         </p:spPr>
         <p:txBody>
           <a:bodyPr anchor="ctr"/>
+          <a:lstStyle/>
           <a:p>
             <a:pPr>
               <a:lnSpc>
@@ -3208,9 +3581,9 @@
               </a:lnSpc>
             </a:pPr>
             <a:r>
-              <a:rPr b="1" lang="fr-FR" sz="3200" strike="noStrike">
-                <a:solidFill>
-                  <a:srgbClr val="4f4d50"/>
+              <a:rPr lang="fr-FR" sz="3200" b="1" strike="noStrike">
+                <a:solidFill>
+                  <a:srgbClr val="4F4D50"/>
                 </a:solidFill>
                 <a:latin typeface="Arial"/>
               </a:rPr>
@@ -3244,7 +3617,7 @@
                 </a:schemeClr>
               </a:gs>
               <a:gs pos="91000">
-                <a:srgbClr val="004d6f">
+                <a:srgbClr val="004D6F">
                   <a:alpha val="73000"/>
                 </a:srgbClr>
               </a:gs>
@@ -3270,7 +3643,8 @@
           <a:fontRef idx="minor"/>
         </p:style>
         <p:txBody>
-          <a:bodyPr lIns="90000" rIns="90000" tIns="45000" bIns="45000" anchor="ctr"/>
+          <a:bodyPr lIns="90000" tIns="45000" rIns="90000" bIns="45000" anchor="ctr"/>
+          <a:lstStyle/>
           <a:p>
             <a:pPr algn="ctr">
               <a:lnSpc>
@@ -3280,7 +3654,7 @@
             <a:r>
               <a:rPr lang="fr-FR" strike="noStrike">
                 <a:solidFill>
-                  <a:srgbClr val="ffffff"/>
+                  <a:srgbClr val="FFFFFF"/>
                 </a:solidFill>
                 <a:latin typeface="Arial"/>
               </a:rPr>
@@ -3314,7 +3688,7 @@
                 </a:schemeClr>
               </a:gs>
               <a:gs pos="91000">
-                <a:srgbClr val="004d6f">
+                <a:srgbClr val="004D6F">
                   <a:alpha val="83000"/>
                 </a:srgbClr>
               </a:gs>
@@ -3355,6 +3729,7 @@
             <a:avLst/>
             <a:gdLst/>
             <a:ahLst/>
+            <a:cxnLst/>
             <a:rect l="0" t="0" r="r" b="b"/>
             <a:pathLst>
               <a:path w="3919584" h="5593664">
@@ -3391,7 +3766,7 @@
                 <a:schemeClr val="bg1"/>
               </a:gs>
               <a:gs pos="91000">
-                <a:srgbClr val="004d6f">
+                <a:srgbClr val="004D6F">
                   <a:alpha val="90000"/>
                 </a:srgbClr>
               </a:gs>
@@ -3417,7 +3792,8 @@
           <a:fontRef idx="minor"/>
         </p:style>
         <p:txBody>
-          <a:bodyPr lIns="90000" rIns="90000" tIns="45000" bIns="45000" anchor="ctr"/>
+          <a:bodyPr lIns="90000" tIns="45000" rIns="90000" bIns="45000" anchor="ctr"/>
+          <a:lstStyle/>
           <a:p>
             <a:pPr algn="ctr">
               <a:lnSpc>
@@ -3427,7 +3803,7 @@
             <a:r>
               <a:rPr lang="fr-FR" strike="noStrike">
                 <a:solidFill>
-                  <a:srgbClr val="ffffff"/>
+                  <a:srgbClr val="FFFFFF"/>
                 </a:solidFill>
                 <a:latin typeface="Arial"/>
               </a:rPr>
@@ -3452,6 +3828,7 @@
             <a:avLst/>
             <a:gdLst/>
             <a:ahLst/>
+            <a:cxnLst/>
             <a:rect l="0" t="0" r="r" b="b"/>
             <a:pathLst>
               <a:path w="2933998" h="4404898">
@@ -3488,7 +3865,7 @@
                 </a:schemeClr>
               </a:gs>
               <a:gs pos="91000">
-                <a:srgbClr val="004d6f">
+                <a:srgbClr val="004D6F">
                   <a:alpha val="86000"/>
                 </a:srgbClr>
               </a:gs>
@@ -3514,7 +3891,8 @@
           <a:fontRef idx="minor"/>
         </p:style>
         <p:txBody>
-          <a:bodyPr lIns="90000" rIns="90000" tIns="45000" bIns="45000" anchor="ctr"/>
+          <a:bodyPr lIns="90000" tIns="45000" rIns="90000" bIns="45000" anchor="ctr"/>
+          <a:lstStyle/>
           <a:p>
             <a:pPr algn="ctr">
               <a:lnSpc>
@@ -3524,7 +3902,7 @@
             <a:r>
               <a:rPr lang="fr-FR" strike="noStrike">
                 <a:solidFill>
-                  <a:srgbClr val="ffffff"/>
+                  <a:srgbClr val="FFFFFF"/>
                 </a:solidFill>
                 <a:latin typeface="Arial"/>
               </a:rPr>
@@ -3558,7 +3936,7 @@
                 </a:schemeClr>
               </a:gs>
               <a:gs pos="81000">
-                <a:srgbClr val="004d6f">
+                <a:srgbClr val="004D6F">
                   <a:alpha val="79000"/>
                 </a:srgbClr>
               </a:gs>
@@ -3584,7 +3962,8 @@
           <a:fontRef idx="minor"/>
         </p:style>
         <p:txBody>
-          <a:bodyPr lIns="90000" rIns="90000" tIns="45000" bIns="45000" anchor="ctr"/>
+          <a:bodyPr lIns="90000" tIns="45000" rIns="90000" bIns="45000" anchor="ctr"/>
+          <a:lstStyle/>
           <a:p>
             <a:pPr algn="ctr">
               <a:lnSpc>
@@ -3594,7 +3973,7 @@
             <a:r>
               <a:rPr lang="fr-FR" strike="noStrike">
                 <a:solidFill>
-                  <a:srgbClr val="ffffff"/>
+                  <a:srgbClr val="FFFFFF"/>
                 </a:solidFill>
                 <a:latin typeface="Arial"/>
               </a:rPr>
@@ -3624,7 +4003,8 @@
           </a:prstGeom>
         </p:spPr>
         <p:txBody>
-          <a:bodyPr lIns="0" rIns="0" tIns="0" bIns="0"/>
+          <a:bodyPr lIns="0" tIns="0" rIns="0" bIns="0"/>
+          <a:lstStyle/>
           <a:p>
             <a:pPr>
               <a:buSzPct val="45000"/>
@@ -3632,7 +4012,7 @@
               <a:buChar char=""/>
             </a:pPr>
             <a:r>
-              <a:rPr b="1" lang="fr-FR" sz="2000">
+              <a:rPr lang="fr-FR" sz="2000" b="1">
                 <a:latin typeface="Arial"/>
               </a:rPr>
               <a:t>Cliquez pour éditer le format du plan de texte</a:t>
@@ -3727,32 +4107,38 @@
       </p:sp>
     </p:spTree>
   </p:cSld>
-  <p:clrMap bg1="lt1" bg2="lt2" tx1="dk1" tx2="dk2" accent1="accent1" accent2="accent2" accent3="accent3" accent4="accent4" accent5="accent5" accent6="accent6" hlink="hlink" folHlink="folHlink"/>
+  <p:clrMap bg1="lt1" tx1="dk1" bg2="lt2" tx2="dk2" accent1="accent1" accent2="accent2" accent3="accent3" accent4="accent4" accent5="accent5" accent6="accent6" hlink="hlink" folHlink="folHlink"/>
   <p:sldLayoutIdLst>
-    <p:sldLayoutId id="2147483649" r:id="rId7"/>
-    <p:sldLayoutId id="2147483650" r:id="rId8"/>
-    <p:sldLayoutId id="2147483651" r:id="rId9"/>
-    <p:sldLayoutId id="2147483652" r:id="rId10"/>
-    <p:sldLayoutId id="2147483653" r:id="rId11"/>
-    <p:sldLayoutId id="2147483654" r:id="rId12"/>
-    <p:sldLayoutId id="2147483655" r:id="rId13"/>
-    <p:sldLayoutId id="2147483656" r:id="rId14"/>
-    <p:sldLayoutId id="2147483657" r:id="rId15"/>
-    <p:sldLayoutId id="2147483658" r:id="rId16"/>
-    <p:sldLayoutId id="2147483659" r:id="rId17"/>
-    <p:sldLayoutId id="2147483660" r:id="rId18"/>
+    <p:sldLayoutId id="2147483649" r:id="rId1"/>
+    <p:sldLayoutId id="2147483650" r:id="rId2"/>
+    <p:sldLayoutId id="2147483651" r:id="rId3"/>
+    <p:sldLayoutId id="2147483652" r:id="rId4"/>
+    <p:sldLayoutId id="2147483653" r:id="rId5"/>
+    <p:sldLayoutId id="2147483654" r:id="rId6"/>
+    <p:sldLayoutId id="2147483655" r:id="rId7"/>
+    <p:sldLayoutId id="2147483656" r:id="rId8"/>
+    <p:sldLayoutId id="2147483657" r:id="rId9"/>
+    <p:sldLayoutId id="2147483658" r:id="rId10"/>
+    <p:sldLayoutId id="2147483659" r:id="rId11"/>
+    <p:sldLayoutId id="2147483660" r:id="rId12"/>
   </p:sldLayoutIdLst>
+  <p:txStyles>
+    <p:titleStyle/>
+    <p:bodyStyle/>
+    <p:otherStyle/>
+  </p:txStyles>
 </p:sldMaster>
 </file>
 
 <file path=ppt/slideMasters/slideMaster2.xml><?xml version="1.0" encoding="utf-8"?>
-<p:sldMaster xmlns:a="http://schemas.openxmlformats.org/drawingml/2006/main" xmlns:p="http://schemas.openxmlformats.org/presentationml/2006/main" xmlns:r="http://schemas.openxmlformats.org/officeDocument/2006/relationships">
+<p:sldMaster xmlns:a="http://schemas.openxmlformats.org/drawingml/2006/main" xmlns:r="http://schemas.openxmlformats.org/officeDocument/2006/relationships" xmlns:p="http://schemas.openxmlformats.org/presentationml/2006/main">
   <p:cSld>
     <p:bg>
       <p:bgPr>
         <a:solidFill>
-          <a:srgbClr val="ffffff"/>
+          <a:srgbClr val="FFFFFF"/>
         </a:solidFill>
+        <a:effectLst/>
       </p:bgPr>
     </p:bg>
     <p:spTree>
@@ -3784,6 +4170,7 @@
             <a:avLst/>
             <a:gdLst/>
             <a:ahLst/>
+            <a:cxnLst/>
             <a:rect l="0" t="0" r="r" b="b"/>
             <a:pathLst>
               <a:path w="2167065" h="4187833">
@@ -3838,7 +4225,8 @@
           <a:fontRef idx="minor"/>
         </p:style>
         <p:txBody>
-          <a:bodyPr lIns="90000" rIns="90000" tIns="45000" bIns="45000" anchor="ctr"/>
+          <a:bodyPr lIns="90000" tIns="45000" rIns="90000" bIns="45000" anchor="ctr"/>
+          <a:lstStyle/>
           <a:p>
             <a:pPr algn="ctr">
               <a:lnSpc>
@@ -3848,7 +4236,7 @@
             <a:r>
               <a:rPr lang="fr-FR" strike="noStrike">
                 <a:solidFill>
-                  <a:srgbClr val="ffffff"/>
+                  <a:srgbClr val="FFFFFF"/>
                 </a:solidFill>
                 <a:latin typeface="Arial"/>
               </a:rPr>
@@ -3873,6 +4261,7 @@
             <a:avLst/>
             <a:gdLst/>
             <a:ahLst/>
+            <a:cxnLst/>
             <a:rect l="0" t="0" r="r" b="b"/>
             <a:pathLst>
               <a:path w="2933998" h="4404898">
@@ -3909,7 +4298,7 @@
                 </a:schemeClr>
               </a:gs>
               <a:gs pos="91000">
-                <a:srgbClr val="004d6f">
+                <a:srgbClr val="004D6F">
                   <a:alpha val="63000"/>
                 </a:srgbClr>
               </a:gs>
@@ -3935,7 +4324,8 @@
           <a:fontRef idx="minor"/>
         </p:style>
         <p:txBody>
-          <a:bodyPr lIns="90000" rIns="90000" tIns="45000" bIns="45000" anchor="ctr"/>
+          <a:bodyPr lIns="90000" tIns="45000" rIns="90000" bIns="45000" anchor="ctr"/>
+          <a:lstStyle/>
           <a:p>
             <a:pPr algn="ctr">
               <a:lnSpc>
@@ -3945,7 +4335,7 @@
             <a:r>
               <a:rPr lang="fr-FR" strike="noStrike">
                 <a:solidFill>
-                  <a:srgbClr val="ffffff"/>
+                  <a:srgbClr val="FFFFFF"/>
                 </a:solidFill>
                 <a:latin typeface="Arial"/>
               </a:rPr>
@@ -3979,7 +4369,7 @@
                 </a:schemeClr>
               </a:gs>
               <a:gs pos="81000">
-                <a:srgbClr val="004d6f">
+                <a:srgbClr val="004D6F">
                   <a:alpha val="48000"/>
                 </a:srgbClr>
               </a:gs>
@@ -4005,7 +4395,8 @@
           <a:fontRef idx="minor"/>
         </p:style>
         <p:txBody>
-          <a:bodyPr lIns="90000" rIns="90000" tIns="45000" bIns="45000" anchor="ctr"/>
+          <a:bodyPr lIns="90000" tIns="45000" rIns="90000" bIns="45000" anchor="ctr"/>
+          <a:lstStyle/>
           <a:p>
             <a:pPr algn="ctr">
               <a:lnSpc>
@@ -4015,7 +4406,7 @@
             <a:r>
               <a:rPr lang="fr-FR" strike="noStrike">
                 <a:solidFill>
-                  <a:srgbClr val="ffffff"/>
+                  <a:srgbClr val="FFFFFF"/>
                 </a:solidFill>
                 <a:latin typeface="Arial"/>
               </a:rPr>
@@ -4027,13 +4418,13 @@
       </p:sp>
       <p:pic>
         <p:nvPicPr>
-          <p:cNvPr id="54" name="Picture 4" descr=""/>
+          <p:cNvPr id="54" name="Picture 4"/>
           <p:cNvPicPr/>
           <p:nvPr/>
         </p:nvPicPr>
         <p:blipFill>
-          <a:blip r:embed="rId2"/>
-          <a:srcRect l="0" t="0" r="0" b="42600"/>
+          <a:blip r:embed="rId14" cstate="print"/>
+          <a:srcRect b="42600"/>
           <a:stretch/>
         </p:blipFill>
         <p:spPr>
@@ -4051,12 +4442,12 @@
       </p:pic>
       <p:pic>
         <p:nvPicPr>
-          <p:cNvPr id="55" name="Picture 2" descr=""/>
+          <p:cNvPr id="55" name="Picture 2"/>
           <p:cNvPicPr/>
           <p:nvPr/>
         </p:nvPicPr>
         <p:blipFill>
-          <a:blip r:embed="rId3"/>
+          <a:blip r:embed="rId15" cstate="print"/>
           <a:stretch/>
         </p:blipFill>
         <p:spPr>
@@ -4092,13 +4483,20 @@
           </a:ln>
         </p:spPr>
         <p:style>
-          <a:lnRef idx="0"/>
-          <a:fillRef idx="0"/>
-          <a:effectRef idx="0"/>
+          <a:lnRef idx="0">
+            <a:scrgbClr r="0" g="0" b="0"/>
+          </a:lnRef>
+          <a:fillRef idx="0">
+            <a:scrgbClr r="0" g="0" b="0"/>
+          </a:fillRef>
+          <a:effectRef idx="0">
+            <a:scrgbClr r="0" g="0" b="0"/>
+          </a:effectRef>
           <a:fontRef idx="minor"/>
         </p:style>
         <p:txBody>
-          <a:bodyPr lIns="90000" rIns="90000" tIns="45000" bIns="45000"/>
+          <a:bodyPr lIns="90000" tIns="45000" rIns="90000" bIns="45000"/>
+          <a:lstStyle/>
           <a:p>
             <a:pPr>
               <a:lnSpc>
@@ -4106,13 +4504,18 @@
               </a:lnSpc>
             </a:pPr>
             <a:fld id="{932A3C77-2919-46C6-8B72-3F395C2D26B5}" type="slidenum">
-              <a:rPr b="1" lang="fr-FR" sz="1100" strike="noStrike">
-                <a:solidFill>
-                  <a:srgbClr val="ffffff"/>
-                </a:solidFill>
-                <a:latin typeface="Arial"/>
-              </a:rPr>
-              <a:t>&lt;numéro&gt;</a:t>
+              <a:rPr lang="fr-FR" sz="1100" b="1" strike="noStrike">
+                <a:solidFill>
+                  <a:srgbClr val="FFFFFF"/>
+                </a:solidFill>
+                <a:latin typeface="Arial"/>
+              </a:rPr>
+              <a:pPr>
+                <a:lnSpc>
+                  <a:spcPct val="100000"/>
+                </a:lnSpc>
+              </a:pPr>
+              <a:t>‹N°›</a:t>
             </a:fld>
             <a:endParaRPr/>
           </a:p>
@@ -4120,12 +4523,12 @@
       </p:sp>
       <p:pic>
         <p:nvPicPr>
-          <p:cNvPr id="57" name="Image 12" descr=""/>
+          <p:cNvPr id="57" name="Image 12"/>
           <p:cNvPicPr/>
           <p:nvPr/>
         </p:nvPicPr>
         <p:blipFill>
-          <a:blip r:embed="rId4"/>
+          <a:blip r:embed="rId16" cstate="print"/>
           <a:stretch/>
         </p:blipFill>
         <p:spPr>
@@ -4162,6 +4565,7 @@
         </p:spPr>
         <p:txBody>
           <a:bodyPr anchor="ctr"/>
+          <a:lstStyle/>
           <a:p>
             <a:pPr>
               <a:lnSpc>
@@ -4169,9 +4573,9 @@
               </a:lnSpc>
             </a:pPr>
             <a:r>
-              <a:rPr b="1" lang="fr-FR" sz="1600" strike="noStrike">
-                <a:solidFill>
-                  <a:srgbClr val="4f4d50"/>
+              <a:rPr lang="fr-FR" sz="1600" b="1" strike="noStrike">
+                <a:solidFill>
+                  <a:srgbClr val="4F4D50"/>
                 </a:solidFill>
                 <a:latin typeface="Arial"/>
               </a:rPr>
@@ -4202,6 +4606,7 @@
         </p:spPr>
         <p:txBody>
           <a:bodyPr/>
+          <a:lstStyle/>
           <a:p>
             <a:pPr>
               <a:buSzPct val="45000"/>
@@ -4209,9 +4614,9 @@
               <a:buChar char=""/>
             </a:pPr>
             <a:r>
-              <a:rPr b="1" lang="fr-FR" sz="2000" strike="noStrike">
-                <a:solidFill>
-                  <a:srgbClr val="004d6f"/>
+              <a:rPr lang="fr-FR" sz="2000" b="1" strike="noStrike">
+                <a:solidFill>
+                  <a:srgbClr val="004D6F"/>
                 </a:solidFill>
                 <a:latin typeface="Arial"/>
               </a:rPr>
@@ -4226,9 +4631,9 @@
               <a:buChar char=""/>
             </a:pPr>
             <a:r>
-              <a:rPr b="1" lang="fr-FR" sz="2000" strike="noStrike">
-                <a:solidFill>
-                  <a:srgbClr val="004d6f"/>
+              <a:rPr lang="fr-FR" sz="2000" b="1" strike="noStrike">
+                <a:solidFill>
+                  <a:srgbClr val="004D6F"/>
                 </a:solidFill>
                 <a:latin typeface="Arial"/>
               </a:rPr>
@@ -4243,9 +4648,9 @@
               <a:buChar char=""/>
             </a:pPr>
             <a:r>
-              <a:rPr b="1" lang="fr-FR" sz="2000" strike="noStrike">
-                <a:solidFill>
-                  <a:srgbClr val="004d6f"/>
+              <a:rPr lang="fr-FR" sz="2000" b="1" strike="noStrike">
+                <a:solidFill>
+                  <a:srgbClr val="004D6F"/>
                 </a:solidFill>
                 <a:latin typeface="Arial"/>
               </a:rPr>
@@ -4260,9 +4665,9 @@
               <a:buChar char=""/>
             </a:pPr>
             <a:r>
-              <a:rPr b="1" lang="fr-FR" sz="2000" strike="noStrike">
-                <a:solidFill>
-                  <a:srgbClr val="004d6f"/>
+              <a:rPr lang="fr-FR" sz="2000" b="1" strike="noStrike">
+                <a:solidFill>
+                  <a:srgbClr val="004D6F"/>
                 </a:solidFill>
                 <a:latin typeface="Arial"/>
               </a:rPr>
@@ -4277,9 +4682,9 @@
               <a:buChar char=""/>
             </a:pPr>
             <a:r>
-              <a:rPr b="1" lang="fr-FR" sz="2000" strike="noStrike">
-                <a:solidFill>
-                  <a:srgbClr val="004d6f"/>
+              <a:rPr lang="fr-FR" sz="2000" b="1" strike="noStrike">
+                <a:solidFill>
+                  <a:srgbClr val="004D6F"/>
                 </a:solidFill>
                 <a:latin typeface="Arial"/>
               </a:rPr>
@@ -4294,9 +4699,9 @@
               <a:buChar char=""/>
             </a:pPr>
             <a:r>
-              <a:rPr b="1" lang="fr-FR" sz="2000" strike="noStrike">
-                <a:solidFill>
-                  <a:srgbClr val="004d6f"/>
+              <a:rPr lang="fr-FR" sz="2000" b="1" strike="noStrike">
+                <a:solidFill>
+                  <a:srgbClr val="004D6F"/>
                 </a:solidFill>
                 <a:latin typeface="Arial"/>
               </a:rPr>
@@ -4311,9 +4716,9 @@
               </a:lnSpc>
             </a:pPr>
             <a:r>
-              <a:rPr b="1" lang="fr-FR" sz="2000" strike="noStrike">
-                <a:solidFill>
-                  <a:srgbClr val="004d6f"/>
+              <a:rPr lang="fr-FR" sz="2000" b="1" strike="noStrike">
+                <a:solidFill>
+                  <a:srgbClr val="004D6F"/>
                 </a:solidFill>
                 <a:latin typeface="Arial"/>
               </a:rPr>
@@ -4330,9 +4735,9 @@
               <a:buChar char="–"/>
             </a:pPr>
             <a:r>
-              <a:rPr b="1" lang="fr-FR" sz="1500" strike="noStrike">
-                <a:solidFill>
-                  <a:srgbClr val="4f4d50"/>
+              <a:rPr lang="fr-FR" sz="1500" b="1" strike="noStrike">
+                <a:solidFill>
+                  <a:srgbClr val="4F4D50"/>
                 </a:solidFill>
                 <a:latin typeface="Arial"/>
               </a:rPr>
@@ -4351,7 +4756,7 @@
             <a:r>
               <a:rPr lang="fr-FR" sz="1200" strike="noStrike">
                 <a:solidFill>
-                  <a:srgbClr val="4f4d50"/>
+                  <a:srgbClr val="4F4D50"/>
                 </a:solidFill>
                 <a:latin typeface="Arial"/>
               </a:rPr>
@@ -4370,7 +4775,7 @@
             <a:r>
               <a:rPr lang="fr-FR" sz="2000" strike="noStrike">
                 <a:solidFill>
-                  <a:srgbClr val="5f5e5e"/>
+                  <a:srgbClr val="5F5E5E"/>
                 </a:solidFill>
                 <a:latin typeface="Arial"/>
               </a:rPr>
@@ -4389,7 +4794,7 @@
             <a:r>
               <a:rPr lang="fr-FR" sz="2000" strike="noStrike">
                 <a:solidFill>
-                  <a:srgbClr val="5f5e5e"/>
+                  <a:srgbClr val="5F5E5E"/>
                 </a:solidFill>
                 <a:latin typeface="Arial"/>
               </a:rPr>
@@ -4419,7 +4824,8 @@
           </a:prstGeom>
         </p:spPr>
         <p:txBody>
-          <a:bodyPr lIns="90000" rIns="90000" tIns="45000" bIns="45000"/>
+          <a:bodyPr lIns="90000" tIns="45000" rIns="90000" bIns="45000"/>
+          <a:lstStyle/>
           <a:p>
             <a:pPr>
               <a:lnSpc>
@@ -4429,7 +4835,7 @@
             <a:r>
               <a:rPr lang="fr-FR" strike="noStrike">
                 <a:solidFill>
-                  <a:srgbClr val="5f5e5e"/>
+                  <a:srgbClr val="5F5E5E"/>
                 </a:solidFill>
                 <a:latin typeface="Arial"/>
               </a:rPr>
@@ -4459,7 +4865,8 @@
           </a:prstGeom>
         </p:spPr>
         <p:txBody>
-          <a:bodyPr lIns="90000" rIns="90000" tIns="45000" bIns="45000"/>
+          <a:bodyPr lIns="90000" tIns="45000" rIns="90000" bIns="45000"/>
+          <a:lstStyle/>
           <a:p>
             <a:endParaRPr/>
           </a:p>
@@ -4485,7 +4892,8 @@
           </a:prstGeom>
         </p:spPr>
         <p:txBody>
-          <a:bodyPr lIns="90000" rIns="90000" tIns="45000" bIns="45000"/>
+          <a:bodyPr lIns="90000" tIns="45000" rIns="90000" bIns="45000"/>
+          <a:lstStyle/>
           <a:p>
             <a:pPr>
               <a:lnSpc>
@@ -4495,11 +4903,16 @@
             <a:fld id="{81B1078E-269A-43AC-96E9-29F895AF8007}" type="slidenum">
               <a:rPr lang="fr-FR" strike="noStrike">
                 <a:solidFill>
-                  <a:srgbClr val="5f5e5e"/>
-                </a:solidFill>
-                <a:latin typeface="Arial"/>
-              </a:rPr>
-              <a:t>&lt;numéro&gt;</a:t>
+                  <a:srgbClr val="5F5E5E"/>
+                </a:solidFill>
+                <a:latin typeface="Arial"/>
+              </a:rPr>
+              <a:pPr>
+                <a:lnSpc>
+                  <a:spcPct val="100000"/>
+                </a:lnSpc>
+              </a:pPr>
+              <a:t>‹N°›</a:t>
             </a:fld>
             <a:endParaRPr/>
           </a:p>
@@ -4507,26 +4920,31 @@
       </p:sp>
     </p:spTree>
   </p:cSld>
-  <p:clrMap bg1="lt1" bg2="lt2" tx1="dk1" tx2="dk2" accent1="accent1" accent2="accent2" accent3="accent3" accent4="accent4" accent5="accent5" accent6="accent6" hlink="hlink" folHlink="folHlink"/>
+  <p:clrMap bg1="lt1" tx1="dk1" bg2="lt2" tx2="dk2" accent1="accent1" accent2="accent2" accent3="accent3" accent4="accent4" accent5="accent5" accent6="accent6" hlink="hlink" folHlink="folHlink"/>
   <p:sldLayoutIdLst>
-    <p:sldLayoutId id="2147483662" r:id="rId5"/>
-    <p:sldLayoutId id="2147483663" r:id="rId6"/>
-    <p:sldLayoutId id="2147483664" r:id="rId7"/>
-    <p:sldLayoutId id="2147483665" r:id="rId8"/>
-    <p:sldLayoutId id="2147483666" r:id="rId9"/>
-    <p:sldLayoutId id="2147483667" r:id="rId10"/>
-    <p:sldLayoutId id="2147483668" r:id="rId11"/>
-    <p:sldLayoutId id="2147483669" r:id="rId12"/>
-    <p:sldLayoutId id="2147483670" r:id="rId13"/>
-    <p:sldLayoutId id="2147483671" r:id="rId14"/>
-    <p:sldLayoutId id="2147483672" r:id="rId15"/>
-    <p:sldLayoutId id="2147483673" r:id="rId16"/>
+    <p:sldLayoutId id="2147483662" r:id="rId1"/>
+    <p:sldLayoutId id="2147483663" r:id="rId2"/>
+    <p:sldLayoutId id="2147483664" r:id="rId3"/>
+    <p:sldLayoutId id="2147483665" r:id="rId4"/>
+    <p:sldLayoutId id="2147483666" r:id="rId5"/>
+    <p:sldLayoutId id="2147483667" r:id="rId6"/>
+    <p:sldLayoutId id="2147483668" r:id="rId7"/>
+    <p:sldLayoutId id="2147483669" r:id="rId8"/>
+    <p:sldLayoutId id="2147483670" r:id="rId9"/>
+    <p:sldLayoutId id="2147483671" r:id="rId10"/>
+    <p:sldLayoutId id="2147483672" r:id="rId11"/>
+    <p:sldLayoutId id="2147483673" r:id="rId12"/>
   </p:sldLayoutIdLst>
+  <p:txStyles>
+    <p:titleStyle/>
+    <p:bodyStyle/>
+    <p:otherStyle/>
+  </p:txStyles>
 </p:sldMaster>
 </file>
 
 <file path=ppt/slides/slide1.xml><?xml version="1.0" encoding="utf-8"?>
-<p:sld xmlns:a="http://schemas.openxmlformats.org/drawingml/2006/main" xmlns:p="http://schemas.openxmlformats.org/presentationml/2006/main" xmlns:r="http://schemas.openxmlformats.org/officeDocument/2006/relationships">
+<p:sld xmlns:a="http://schemas.openxmlformats.org/drawingml/2006/main" xmlns:r="http://schemas.openxmlformats.org/officeDocument/2006/relationships" xmlns:p="http://schemas.openxmlformats.org/presentationml/2006/main">
   <p:cSld>
     <p:spTree>
       <p:nvGrpSpPr>
@@ -4563,6 +4981,7 @@
         </p:spPr>
         <p:txBody>
           <a:bodyPr/>
+          <a:lstStyle/>
           <a:p>
             <a:pPr>
               <a:lnSpc>
@@ -4572,7 +4991,7 @@
             <a:r>
               <a:rPr lang="fr-FR" sz="2000" strike="noStrike">
                 <a:solidFill>
-                  <a:srgbClr val="2f2f2f"/>
+                  <a:srgbClr val="2F2F2F"/>
                 </a:solidFill>
                 <a:latin typeface="Arial"/>
               </a:rPr>
@@ -4602,13 +5021,20 @@
           </a:ln>
         </p:spPr>
         <p:style>
-          <a:lnRef idx="0"/>
-          <a:fillRef idx="0"/>
-          <a:effectRef idx="0"/>
+          <a:lnRef idx="0">
+            <a:scrgbClr r="0" g="0" b="0"/>
+          </a:lnRef>
+          <a:fillRef idx="0">
+            <a:scrgbClr r="0" g="0" b="0"/>
+          </a:fillRef>
+          <a:effectRef idx="0">
+            <a:scrgbClr r="0" g="0" b="0"/>
+          </a:effectRef>
           <a:fontRef idx="minor"/>
         </p:style>
         <p:txBody>
-          <a:bodyPr lIns="90000" rIns="90000" tIns="45000" bIns="45000"/>
+          <a:bodyPr lIns="90000" tIns="45000" rIns="90000" bIns="45000"/>
+          <a:lstStyle/>
           <a:p>
             <a:pPr algn="r">
               <a:lnSpc>
@@ -4616,9 +5042,9 @@
               </a:lnSpc>
             </a:pPr>
             <a:r>
-              <a:rPr b="1" lang="fr-FR" strike="noStrike">
-                <a:solidFill>
-                  <a:srgbClr val="e52713"/>
+              <a:rPr lang="fr-FR" b="1" strike="noStrike">
+                <a:solidFill>
+                  <a:srgbClr val="E52713"/>
                 </a:solidFill>
                 <a:latin typeface="Arial"/>
               </a:rPr>
@@ -4648,13 +5074,20 @@
           </a:ln>
         </p:spPr>
         <p:style>
-          <a:lnRef idx="0"/>
-          <a:fillRef idx="0"/>
-          <a:effectRef idx="0"/>
+          <a:lnRef idx="0">
+            <a:scrgbClr r="0" g="0" b="0"/>
+          </a:lnRef>
+          <a:fillRef idx="0">
+            <a:scrgbClr r="0" g="0" b="0"/>
+          </a:fillRef>
+          <a:effectRef idx="0">
+            <a:scrgbClr r="0" g="0" b="0"/>
+          </a:effectRef>
           <a:fontRef idx="minor"/>
         </p:style>
         <p:txBody>
-          <a:bodyPr lIns="90000" rIns="90000" tIns="45000" bIns="45000"/>
+          <a:bodyPr lIns="90000" tIns="45000" rIns="90000" bIns="45000"/>
+          <a:lstStyle/>
           <a:p>
             <a:pPr algn="r">
               <a:lnSpc>
@@ -4664,7 +5097,7 @@
             <a:r>
               <a:rPr lang="fr-FR" strike="noStrike">
                 <a:solidFill>
-                  <a:srgbClr val="2f2f2f"/>
+                  <a:srgbClr val="2F2F2F"/>
                 </a:solidFill>
                 <a:latin typeface="Arial"/>
               </a:rPr>
@@ -4681,7 +5114,7 @@
             <a:r>
               <a:rPr lang="fr-FR" strike="noStrike">
                 <a:solidFill>
-                  <a:srgbClr val="2f2f2f"/>
+                  <a:srgbClr val="2F2F2F"/>
                 </a:solidFill>
                 <a:latin typeface="Arial"/>
               </a:rPr>
@@ -4711,13 +5144,20 @@
           </a:ln>
         </p:spPr>
         <p:style>
-          <a:lnRef idx="0"/>
-          <a:fillRef idx="0"/>
-          <a:effectRef idx="0"/>
+          <a:lnRef idx="0">
+            <a:scrgbClr r="0" g="0" b="0"/>
+          </a:lnRef>
+          <a:fillRef idx="0">
+            <a:scrgbClr r="0" g="0" b="0"/>
+          </a:fillRef>
+          <a:effectRef idx="0">
+            <a:scrgbClr r="0" g="0" b="0"/>
+          </a:effectRef>
           <a:fontRef idx="minor"/>
         </p:style>
         <p:txBody>
-          <a:bodyPr lIns="90000" rIns="90000" tIns="45000" bIns="45000"/>
+          <a:bodyPr lIns="90000" tIns="45000" rIns="90000" bIns="45000"/>
+          <a:lstStyle/>
           <a:p>
             <a:pPr algn="r">
               <a:lnSpc>
@@ -4725,9 +5165,9 @@
               </a:lnSpc>
             </a:pPr>
             <a:r>
-              <a:rPr b="1" lang="fr-FR" strike="noStrike">
-                <a:solidFill>
-                  <a:srgbClr val="e52713"/>
+              <a:rPr lang="fr-FR" b="1" strike="noStrike">
+                <a:solidFill>
+                  <a:srgbClr val="E52713"/>
                 </a:solidFill>
                 <a:latin typeface="Arial"/>
               </a:rPr>
@@ -4757,13 +5197,20 @@
           </a:ln>
         </p:spPr>
         <p:style>
-          <a:lnRef idx="0"/>
-          <a:fillRef idx="0"/>
-          <a:effectRef idx="0"/>
+          <a:lnRef idx="0">
+            <a:scrgbClr r="0" g="0" b="0"/>
+          </a:lnRef>
+          <a:fillRef idx="0">
+            <a:scrgbClr r="0" g="0" b="0"/>
+          </a:fillRef>
+          <a:effectRef idx="0">
+            <a:scrgbClr r="0" g="0" b="0"/>
+          </a:effectRef>
           <a:fontRef idx="minor"/>
         </p:style>
         <p:txBody>
-          <a:bodyPr lIns="90000" rIns="90000" tIns="45000" bIns="45000"/>
+          <a:bodyPr lIns="90000" tIns="45000" rIns="90000" bIns="45000"/>
+          <a:lstStyle/>
           <a:p>
             <a:pPr algn="r">
               <a:lnSpc>
@@ -4773,7 +5220,7 @@
             <a:r>
               <a:rPr lang="fr-FR" strike="noStrike">
                 <a:solidFill>
-                  <a:srgbClr val="2f2f2f"/>
+                  <a:srgbClr val="2F2F2F"/>
                 </a:solidFill>
                 <a:latin typeface="Arial"/>
               </a:rPr>
@@ -4790,7 +5237,7 @@
             <a:r>
               <a:rPr lang="fr-FR" strike="noStrike">
                 <a:solidFill>
-                  <a:srgbClr val="2f2f2f"/>
+                  <a:srgbClr val="2F2F2F"/>
                 </a:solidFill>
                 <a:latin typeface="Arial"/>
               </a:rPr>
@@ -4807,7 +5254,7 @@
             <a:r>
               <a:rPr lang="fr-FR" strike="noStrike">
                 <a:solidFill>
-                  <a:srgbClr val="2f2f2f"/>
+                  <a:srgbClr val="2F2F2F"/>
                 </a:solidFill>
                 <a:latin typeface="Arial"/>
               </a:rPr>
@@ -4824,7 +5271,7 @@
             <a:r>
               <a:rPr lang="fr-FR" strike="noStrike">
                 <a:solidFill>
-                  <a:srgbClr val="2f2f2f"/>
+                  <a:srgbClr val="2F2F2F"/>
                 </a:solidFill>
                 <a:latin typeface="Arial"/>
               </a:rPr>
@@ -4841,7 +5288,7 @@
             <a:r>
               <a:rPr lang="fr-FR" strike="noStrike">
                 <a:solidFill>
-                  <a:srgbClr val="2f2f2f"/>
+                  <a:srgbClr val="2F2F2F"/>
                 </a:solidFill>
                 <a:latin typeface="Arial"/>
               </a:rPr>
@@ -4858,7 +5305,7 @@
             <a:r>
               <a:rPr lang="fr-FR" strike="noStrike">
                 <a:solidFill>
-                  <a:srgbClr val="2f2f2f"/>
+                  <a:srgbClr val="2F2F2F"/>
                 </a:solidFill>
                 <a:latin typeface="Arial"/>
               </a:rPr>
@@ -4888,13 +5335,20 @@
           </a:ln>
         </p:spPr>
         <p:style>
-          <a:lnRef idx="0"/>
-          <a:fillRef idx="0"/>
-          <a:effectRef idx="0"/>
+          <a:lnRef idx="0">
+            <a:scrgbClr r="0" g="0" b="0"/>
+          </a:lnRef>
+          <a:fillRef idx="0">
+            <a:scrgbClr r="0" g="0" b="0"/>
+          </a:fillRef>
+          <a:effectRef idx="0">
+            <a:scrgbClr r="0" g="0" b="0"/>
+          </a:effectRef>
           <a:fontRef idx="minor"/>
         </p:style>
         <p:txBody>
-          <a:bodyPr lIns="90000" rIns="90000" tIns="45000" bIns="45000"/>
+          <a:bodyPr lIns="90000" tIns="45000" rIns="90000" bIns="45000"/>
+          <a:lstStyle/>
           <a:p>
             <a:pPr>
               <a:lnSpc>
@@ -4904,7 +5358,7 @@
             <a:r>
               <a:rPr lang="fr-FR" sz="2500" strike="noStrike">
                 <a:solidFill>
-                  <a:srgbClr val="2f2f2f"/>
+                  <a:srgbClr val="2F2F2F"/>
                 </a:solidFill>
                 <a:latin typeface="Arial"/>
               </a:rPr>
@@ -4921,7 +5375,7 @@
             <a:r>
               <a:rPr lang="fr-FR" sz="2500" strike="noStrike">
                 <a:solidFill>
-                  <a:srgbClr val="2f2f2f"/>
+                  <a:srgbClr val="2F2F2F"/>
                 </a:solidFill>
                 <a:latin typeface="Arial"/>
               </a:rPr>
@@ -4938,7 +5392,7 @@
             <a:r>
               <a:rPr lang="fr-FR" sz="2500" strike="noStrike">
                 <a:solidFill>
-                  <a:srgbClr val="2f2f2f"/>
+                  <a:srgbClr val="2F2F2F"/>
                 </a:solidFill>
                 <a:latin typeface="Arial"/>
               </a:rPr>
@@ -4955,7 +5409,7 @@
             <a:r>
               <a:rPr lang="fr-FR" sz="2500" strike="noStrike">
                 <a:solidFill>
-                  <a:srgbClr val="2f2f2f"/>
+                  <a:srgbClr val="2F2F2F"/>
                 </a:solidFill>
                 <a:latin typeface="Arial"/>
               </a:rPr>
@@ -4967,6 +5421,9 @@
       </p:sp>
     </p:spTree>
   </p:cSld>
+  <p:clrMapOvr>
+    <a:masterClrMapping/>
+  </p:clrMapOvr>
   <p:timing>
     <p:tnLst>
       <p:par>
@@ -4975,14 +5432,14 @@
             <p:seq>
               <p:cTn id="2" nodeType="mainSeq"/>
               <p:prevCondLst>
-                <p:cond delay="0" evt="onPrev">
+                <p:cond evt="onPrev" delay="0">
                   <p:tgtEl>
                     <p:sldTgt/>
                   </p:tgtEl>
                 </p:cond>
               </p:prevCondLst>
               <p:nextCondLst>
-                <p:cond delay="0" evt="onNext">
+                <p:cond evt="onNext" delay="0">
                   <p:tgtEl>
                     <p:sldTgt/>
                   </p:tgtEl>
@@ -4998,7 +5455,7 @@
 </file>
 
 <file path=ppt/slides/slide10.xml><?xml version="1.0" encoding="utf-8"?>
-<p:sld xmlns:a="http://schemas.openxmlformats.org/drawingml/2006/main" xmlns:p="http://schemas.openxmlformats.org/presentationml/2006/main" xmlns:r="http://schemas.openxmlformats.org/officeDocument/2006/relationships">
+<p:sld xmlns:a="http://schemas.openxmlformats.org/drawingml/2006/main" xmlns:r="http://schemas.openxmlformats.org/officeDocument/2006/relationships" xmlns:p="http://schemas.openxmlformats.org/presentationml/2006/main">
   <p:cSld>
     <p:spTree>
       <p:nvGrpSpPr>
@@ -5035,6 +5492,7 @@
         </p:spPr>
         <p:txBody>
           <a:bodyPr anchor="ctr"/>
+          <a:lstStyle/>
           <a:p>
             <a:pPr algn="ctr">
               <a:lnSpc>
@@ -5042,9 +5500,9 @@
               </a:lnSpc>
             </a:pPr>
             <a:r>
-              <a:rPr b="1" lang="fr-FR" sz="1600" strike="noStrike">
-                <a:solidFill>
-                  <a:srgbClr val="4f4d50"/>
+              <a:rPr lang="fr-FR" sz="1600" b="1" strike="noStrike">
+                <a:solidFill>
+                  <a:srgbClr val="4F4D50"/>
                 </a:solidFill>
                 <a:latin typeface="Arial"/>
               </a:rPr>
@@ -5075,6 +5533,7 @@
         </p:spPr>
         <p:txBody>
           <a:bodyPr/>
+          <a:lstStyle/>
           <a:p>
             <a:pPr algn="ctr">
               <a:lnSpc>
@@ -5082,9 +5541,9 @@
               </a:lnSpc>
             </a:pPr>
             <a:r>
-              <a:rPr b="1" lang="fr-FR" sz="2800" strike="noStrike">
-                <a:solidFill>
-                  <a:srgbClr val="004d6f"/>
+              <a:rPr lang="fr-FR" sz="2800" b="1" strike="noStrike">
+                <a:solidFill>
+                  <a:srgbClr val="004D6F"/>
                 </a:solidFill>
                 <a:latin typeface="Arial"/>
               </a:rPr>
@@ -5107,9 +5566,9 @@
               </a:lnSpc>
             </a:pPr>
             <a:r>
-              <a:rPr b="1" lang="fr-FR" sz="2000" strike="noStrike">
-                <a:solidFill>
-                  <a:srgbClr val="004d6f"/>
+              <a:rPr lang="fr-FR" sz="2000" b="1" strike="noStrike">
+                <a:solidFill>
+                  <a:srgbClr val="004D6F"/>
                 </a:solidFill>
                 <a:latin typeface="Arial"/>
               </a:rPr>
@@ -5121,11 +5580,14 @@
       </p:sp>
     </p:spTree>
   </p:cSld>
+  <p:clrMapOvr>
+    <a:masterClrMapping/>
+  </p:clrMapOvr>
 </p:sld>
 </file>
 
 <file path=ppt/slides/slide11.xml><?xml version="1.0" encoding="utf-8"?>
-<p:sld xmlns:a="http://schemas.openxmlformats.org/drawingml/2006/main" xmlns:p="http://schemas.openxmlformats.org/presentationml/2006/main" xmlns:r="http://schemas.openxmlformats.org/officeDocument/2006/relationships">
+<p:sld xmlns:a="http://schemas.openxmlformats.org/drawingml/2006/main" xmlns:r="http://schemas.openxmlformats.org/officeDocument/2006/relationships" xmlns:p="http://schemas.openxmlformats.org/presentationml/2006/main">
   <p:cSld>
     <p:spTree>
       <p:nvGrpSpPr>
@@ -5162,6 +5624,7 @@
         </p:spPr>
         <p:txBody>
           <a:bodyPr anchor="ctr"/>
+          <a:lstStyle/>
           <a:p>
             <a:pPr algn="ctr">
               <a:lnSpc>
@@ -5169,9 +5632,9 @@
               </a:lnSpc>
             </a:pPr>
             <a:r>
-              <a:rPr b="1" lang="fr-FR" sz="1600" strike="noStrike">
-                <a:solidFill>
-                  <a:srgbClr val="4f4d50"/>
+              <a:rPr lang="fr-FR" sz="1600" b="1" strike="noStrike">
+                <a:solidFill>
+                  <a:srgbClr val="4F4D50"/>
                 </a:solidFill>
                 <a:latin typeface="Arial"/>
               </a:rPr>
@@ -5202,6 +5665,7 @@
         </p:spPr>
         <p:txBody>
           <a:bodyPr/>
+          <a:lstStyle/>
           <a:p>
             <a:pPr algn="ctr">
               <a:lnSpc>
@@ -5209,9 +5673,9 @@
               </a:lnSpc>
             </a:pPr>
             <a:r>
-              <a:rPr b="1" lang="fr-FR" sz="2800" strike="noStrike">
-                <a:solidFill>
-                  <a:srgbClr val="004d6f"/>
+              <a:rPr lang="fr-FR" sz="2800" b="1" strike="noStrike">
+                <a:solidFill>
+                  <a:srgbClr val="004D6F"/>
                 </a:solidFill>
                 <a:latin typeface="Arial"/>
               </a:rPr>
@@ -5234,9 +5698,9 @@
               </a:lnSpc>
             </a:pPr>
             <a:r>
-              <a:rPr b="1" lang="fr-FR" sz="2000" strike="noStrike">
-                <a:solidFill>
-                  <a:srgbClr val="004d6f"/>
+              <a:rPr lang="fr-FR" sz="2000" b="1" strike="noStrike">
+                <a:solidFill>
+                  <a:srgbClr val="004D6F"/>
                 </a:solidFill>
                 <a:latin typeface="Arial"/>
               </a:rPr>
@@ -5248,11 +5712,14 @@
       </p:sp>
     </p:spTree>
   </p:cSld>
+  <p:clrMapOvr>
+    <a:masterClrMapping/>
+  </p:clrMapOvr>
 </p:sld>
 </file>
 
 <file path=ppt/slides/slide12.xml><?xml version="1.0" encoding="utf-8"?>
-<p:sld xmlns:a="http://schemas.openxmlformats.org/drawingml/2006/main" xmlns:p="http://schemas.openxmlformats.org/presentationml/2006/main" xmlns:r="http://schemas.openxmlformats.org/officeDocument/2006/relationships">
+<p:sld xmlns:a="http://schemas.openxmlformats.org/drawingml/2006/main" xmlns:r="http://schemas.openxmlformats.org/officeDocument/2006/relationships" xmlns:p="http://schemas.openxmlformats.org/presentationml/2006/main">
   <p:cSld>
     <p:spTree>
       <p:nvGrpSpPr>
@@ -5289,6 +5756,7 @@
         </p:spPr>
         <p:txBody>
           <a:bodyPr anchor="ctr"/>
+          <a:lstStyle/>
           <a:p>
             <a:pPr algn="ctr">
               <a:lnSpc>
@@ -5296,9 +5764,9 @@
               </a:lnSpc>
             </a:pPr>
             <a:r>
-              <a:rPr b="1" lang="fr-FR" sz="1600" strike="noStrike">
-                <a:solidFill>
-                  <a:srgbClr val="4f4d50"/>
+              <a:rPr lang="fr-FR" sz="1600" b="1" strike="noStrike">
+                <a:solidFill>
+                  <a:srgbClr val="4F4D50"/>
                 </a:solidFill>
                 <a:latin typeface="Arial"/>
               </a:rPr>
@@ -5329,6 +5797,7 @@
         </p:spPr>
         <p:txBody>
           <a:bodyPr/>
+          <a:lstStyle/>
           <a:p>
             <a:pPr algn="ctr">
               <a:lnSpc>
@@ -5336,15 +5805,15 @@
               </a:lnSpc>
             </a:pPr>
             <a:r>
-              <a:rPr b="1" lang="fr-FR" sz="2800" strike="noStrike">
-                <a:solidFill>
-                  <a:srgbClr val="004d6f"/>
+              <a:rPr lang="fr-FR" sz="2800" b="1" strike="noStrike" dirty="0">
+                <a:solidFill>
+                  <a:srgbClr val="004D6F"/>
                 </a:solidFill>
                 <a:latin typeface="Arial"/>
               </a:rPr>
               <a:t>Calendrier</a:t>
             </a:r>
-            <a:endParaRPr/>
+            <a:endParaRPr dirty="0"/>
           </a:p>
           <a:p>
             <a:pPr algn="ctr">
@@ -5352,7 +5821,7 @@
                 <a:spcPct val="100000"/>
               </a:lnSpc>
             </a:pPr>
-            <a:endParaRPr/>
+            <a:endParaRPr dirty="0"/>
           </a:p>
           <a:p>
             <a:pPr>
@@ -5361,15 +5830,15 @@
               </a:lnSpc>
             </a:pPr>
             <a:r>
-              <a:rPr b="1" lang="fr-FR" sz="2000" strike="noStrike">
-                <a:solidFill>
-                  <a:srgbClr val="004d6f"/>
+              <a:rPr lang="fr-FR" sz="2000" b="1" strike="noStrike" dirty="0">
+                <a:solidFill>
+                  <a:srgbClr val="004D6F"/>
                 </a:solidFill>
                 <a:latin typeface="Arial"/>
               </a:rPr>
               <a:t>Rapport de conception : </a:t>
             </a:r>
-            <a:endParaRPr/>
+            <a:endParaRPr dirty="0"/>
           </a:p>
           <a:p>
             <a:pPr>
@@ -5378,15 +5847,42 @@
               </a:lnSpc>
             </a:pPr>
             <a:r>
-              <a:rPr b="1" lang="fr-FR" sz="2000" strike="noStrike">
-                <a:solidFill>
-                  <a:srgbClr val="004d6f"/>
-                </a:solidFill>
-                <a:latin typeface="Arial"/>
-              </a:rPr>
-              <a:t>Rapport de j’sais plus quoi : </a:t>
-            </a:r>
-            <a:endParaRPr/>
+              <a:rPr lang="fr-FR" sz="2000" b="1" strike="noStrike">
+                <a:solidFill>
+                  <a:srgbClr val="004D6F"/>
+                </a:solidFill>
+                <a:latin typeface="Arial"/>
+              </a:rPr>
+              <a:t>Rapport </a:t>
+            </a:r>
+            <a:r>
+              <a:rPr lang="fr-FR" sz="2000" b="1" smtClean="0">
+                <a:solidFill>
+                  <a:srgbClr val="004D6F"/>
+                </a:solidFill>
+                <a:latin typeface="Arial"/>
+              </a:rPr>
+              <a:t>final</a:t>
+            </a:r>
+            <a:r>
+              <a:rPr lang="fr-FR" sz="2000" b="1" strike="noStrike" smtClean="0">
+                <a:solidFill>
+                  <a:srgbClr val="004D6F"/>
+                </a:solidFill>
+                <a:latin typeface="Arial"/>
+              </a:rPr>
+              <a:t> </a:t>
+            </a:r>
+            <a:r>
+              <a:rPr lang="fr-FR" sz="2000" b="1" strike="noStrike" dirty="0">
+                <a:solidFill>
+                  <a:srgbClr val="004D6F"/>
+                </a:solidFill>
+                <a:latin typeface="Arial"/>
+              </a:rPr>
+              <a:t>: </a:t>
+            </a:r>
+            <a:endParaRPr dirty="0"/>
           </a:p>
           <a:p>
             <a:pPr>
@@ -5395,15 +5891,15 @@
               </a:lnSpc>
             </a:pPr>
             <a:r>
-              <a:rPr b="1" lang="fr-FR" sz="2000" strike="noStrike">
-                <a:solidFill>
-                  <a:srgbClr val="004d6f"/>
+              <a:rPr lang="fr-FR" sz="2000" b="1" strike="noStrike" dirty="0">
+                <a:solidFill>
+                  <a:srgbClr val="004D6F"/>
                 </a:solidFill>
                 <a:latin typeface="Arial"/>
               </a:rPr>
               <a:t>Livraison : 28 mai</a:t>
             </a:r>
-            <a:endParaRPr/>
+            <a:endParaRPr dirty="0"/>
           </a:p>
           <a:p>
             <a:pPr>
@@ -5411,7 +5907,7 @@
                 <a:spcPct val="100000"/>
               </a:lnSpc>
             </a:pPr>
-            <a:endParaRPr/>
+            <a:endParaRPr dirty="0"/>
           </a:p>
           <a:p>
             <a:pPr>
@@ -5420,15 +5916,15 @@
               </a:lnSpc>
             </a:pPr>
             <a:r>
-              <a:rPr b="1" lang="fr-FR" sz="2000" strike="noStrike">
-                <a:solidFill>
-                  <a:srgbClr val="004d6f"/>
+              <a:rPr lang="fr-FR" sz="2000" b="1" strike="noStrike" dirty="0">
+                <a:solidFill>
+                  <a:srgbClr val="004D6F"/>
                 </a:solidFill>
                 <a:latin typeface="Arial"/>
               </a:rPr>
               <a:t>Semaines bloquées</a:t>
             </a:r>
-            <a:endParaRPr/>
+            <a:endParaRPr dirty="0"/>
           </a:p>
           <a:p>
             <a:pPr>
@@ -5437,15 +5933,15 @@
               </a:lnSpc>
             </a:pPr>
             <a:r>
-              <a:rPr b="1" lang="fr-FR" sz="2000" strike="noStrike">
-                <a:solidFill>
-                  <a:srgbClr val="004d6f"/>
+              <a:rPr lang="fr-FR" sz="2000" b="1" strike="noStrike" dirty="0">
+                <a:solidFill>
+                  <a:srgbClr val="004D6F"/>
                 </a:solidFill>
                 <a:latin typeface="Arial"/>
               </a:rPr>
               <a:t>16/12 ; 20/05 ; 26/05</a:t>
             </a:r>
-            <a:endParaRPr/>
+            <a:endParaRPr dirty="0"/>
           </a:p>
           <a:p>
             <a:pPr>
@@ -5453,7 +5949,7 @@
                 <a:spcPct val="100000"/>
               </a:lnSpc>
             </a:pPr>
-            <a:endParaRPr/>
+            <a:endParaRPr dirty="0"/>
           </a:p>
           <a:p>
             <a:pPr>
@@ -5462,15 +5958,15 @@
               </a:lnSpc>
             </a:pPr>
             <a:r>
-              <a:rPr b="1" lang="fr-FR" sz="2000" strike="noStrike">
-                <a:solidFill>
-                  <a:srgbClr val="004d6f"/>
+              <a:rPr lang="fr-FR" sz="2000" b="1" strike="noStrike" dirty="0">
+                <a:solidFill>
+                  <a:srgbClr val="004D6F"/>
                 </a:solidFill>
                 <a:latin typeface="Arial"/>
               </a:rPr>
               <a:t>Vacances</a:t>
             </a:r>
-            <a:endParaRPr/>
+            <a:endParaRPr dirty="0"/>
           </a:p>
           <a:p>
             <a:pPr>
@@ -5479,15 +5975,15 @@
               </a:lnSpc>
             </a:pPr>
             <a:r>
-              <a:rPr b="1" lang="fr-FR" sz="2000" strike="noStrike">
-                <a:solidFill>
-                  <a:srgbClr val="004d6f"/>
+              <a:rPr lang="fr-FR" sz="2000" b="1" strike="noStrike" dirty="0">
+                <a:solidFill>
+                  <a:srgbClr val="004D6F"/>
                 </a:solidFill>
                 <a:latin typeface="Arial"/>
               </a:rPr>
               <a:t>du 22/12/2013 au 17/01/2014</a:t>
             </a:r>
-            <a:endParaRPr/>
+            <a:endParaRPr dirty="0"/>
           </a:p>
           <a:p>
             <a:pPr>
@@ -5496,25 +5992,28 @@
               </a:lnSpc>
             </a:pPr>
             <a:r>
-              <a:rPr b="1" lang="fr-FR" sz="2000" strike="noStrike">
-                <a:solidFill>
-                  <a:srgbClr val="004d6f"/>
+              <a:rPr lang="fr-FR" sz="2000" b="1" strike="noStrike" dirty="0">
+                <a:solidFill>
+                  <a:srgbClr val="004D6F"/>
                 </a:solidFill>
                 <a:latin typeface="Arial"/>
               </a:rPr>
               <a:t>du 27/04/2014 au 16/05/2014.</a:t>
             </a:r>
-            <a:endParaRPr/>
+            <a:endParaRPr dirty="0"/>
           </a:p>
         </p:txBody>
       </p:sp>
     </p:spTree>
   </p:cSld>
+  <p:clrMapOvr>
+    <a:masterClrMapping/>
+  </p:clrMapOvr>
 </p:sld>
 </file>
 
 <file path=ppt/slides/slide13.xml><?xml version="1.0" encoding="utf-8"?>
-<p:sld xmlns:a="http://schemas.openxmlformats.org/drawingml/2006/main" xmlns:p="http://schemas.openxmlformats.org/presentationml/2006/main" xmlns:r="http://schemas.openxmlformats.org/officeDocument/2006/relationships">
+<p:sld xmlns:a="http://schemas.openxmlformats.org/drawingml/2006/main" xmlns:r="http://schemas.openxmlformats.org/officeDocument/2006/relationships" xmlns:p="http://schemas.openxmlformats.org/presentationml/2006/main">
   <p:cSld>
     <p:spTree>
       <p:nvGrpSpPr>
@@ -5551,6 +6050,7 @@
         </p:spPr>
         <p:txBody>
           <a:bodyPr anchor="ctr"/>
+          <a:lstStyle/>
           <a:p>
             <a:endParaRPr/>
           </a:p>
@@ -5577,6 +6077,7 @@
         </p:spPr>
         <p:txBody>
           <a:bodyPr/>
+          <a:lstStyle/>
           <a:p>
             <a:pPr algn="ctr">
               <a:lnSpc>
@@ -5584,9 +6085,9 @@
               </a:lnSpc>
             </a:pPr>
             <a:r>
-              <a:rPr b="1" lang="fr-FR" sz="5400" strike="noStrike">
-                <a:solidFill>
-                  <a:srgbClr val="004d6f"/>
+              <a:rPr lang="fr-FR" sz="5400" b="1" strike="noStrike">
+                <a:solidFill>
+                  <a:srgbClr val="004D6F"/>
                 </a:solidFill>
                 <a:latin typeface="Arial"/>
               </a:rPr>
@@ -5598,11 +6099,14 @@
       </p:sp>
     </p:spTree>
   </p:cSld>
+  <p:clrMapOvr>
+    <a:masterClrMapping/>
+  </p:clrMapOvr>
 </p:sld>
 </file>
 
 <file path=ppt/slides/slide14.xml><?xml version="1.0" encoding="utf-8"?>
-<p:sld xmlns:a="http://schemas.openxmlformats.org/drawingml/2006/main" xmlns:p="http://schemas.openxmlformats.org/presentationml/2006/main" xmlns:r="http://schemas.openxmlformats.org/officeDocument/2006/relationships">
+<p:sld xmlns:a="http://schemas.openxmlformats.org/drawingml/2006/main" xmlns:r="http://schemas.openxmlformats.org/officeDocument/2006/relationships" xmlns:p="http://schemas.openxmlformats.org/presentationml/2006/main">
   <p:cSld>
     <p:spTree>
       <p:nvGrpSpPr>
@@ -5639,6 +6143,7 @@
         </p:spPr>
         <p:txBody>
           <a:bodyPr anchor="ctr"/>
+          <a:lstStyle/>
           <a:p>
             <a:pPr algn="ctr">
               <a:lnSpc>
@@ -5646,9 +6151,9 @@
               </a:lnSpc>
             </a:pPr>
             <a:r>
-              <a:rPr b="1" lang="fr-FR" sz="1600" strike="noStrike">
-                <a:solidFill>
-                  <a:srgbClr val="4f4d50"/>
+              <a:rPr lang="fr-FR" sz="1600" b="1" strike="noStrike">
+                <a:solidFill>
+                  <a:srgbClr val="4F4D50"/>
                 </a:solidFill>
                 <a:latin typeface="Arial"/>
               </a:rPr>
@@ -5679,6 +6184,7 @@
         </p:spPr>
         <p:txBody>
           <a:bodyPr/>
+          <a:lstStyle/>
           <a:p>
             <a:pPr algn="ctr">
               <a:lnSpc>
@@ -5686,9 +6192,9 @@
               </a:lnSpc>
             </a:pPr>
             <a:r>
-              <a:rPr b="1" lang="fr-FR" sz="2800" strike="noStrike">
-                <a:solidFill>
-                  <a:srgbClr val="004d6f"/>
+              <a:rPr lang="fr-FR" sz="2800" b="1" strike="noStrike">
+                <a:solidFill>
+                  <a:srgbClr val="004D6F"/>
                 </a:solidFill>
                 <a:latin typeface="Arial"/>
               </a:rPr>
@@ -5711,9 +6217,9 @@
               </a:lnSpc>
             </a:pPr>
             <a:r>
-              <a:rPr b="1" lang="fr-FR" sz="2000" strike="noStrike">
-                <a:solidFill>
-                  <a:srgbClr val="004d6f"/>
+              <a:rPr lang="fr-FR" sz="2000" b="1" strike="noStrike">
+                <a:solidFill>
+                  <a:srgbClr val="004D6F"/>
                 </a:solidFill>
                 <a:latin typeface="Arial"/>
               </a:rPr>
@@ -5725,11 +6231,14 @@
       </p:sp>
     </p:spTree>
   </p:cSld>
+  <p:clrMapOvr>
+    <a:masterClrMapping/>
+  </p:clrMapOvr>
 </p:sld>
 </file>
 
 <file path=ppt/slides/slide15.xml><?xml version="1.0" encoding="utf-8"?>
-<p:sld xmlns:a="http://schemas.openxmlformats.org/drawingml/2006/main" xmlns:p="http://schemas.openxmlformats.org/presentationml/2006/main" xmlns:r="http://schemas.openxmlformats.org/officeDocument/2006/relationships">
+<p:sld xmlns:a="http://schemas.openxmlformats.org/drawingml/2006/main" xmlns:r="http://schemas.openxmlformats.org/officeDocument/2006/relationships" xmlns:p="http://schemas.openxmlformats.org/presentationml/2006/main">
   <p:cSld>
     <p:spTree>
       <p:nvGrpSpPr>
@@ -5766,6 +6275,7 @@
         </p:spPr>
         <p:txBody>
           <a:bodyPr anchor="ctr"/>
+          <a:lstStyle/>
           <a:p>
             <a:pPr algn="ctr">
               <a:lnSpc>
@@ -5773,9 +6283,9 @@
               </a:lnSpc>
             </a:pPr>
             <a:r>
-              <a:rPr b="1" lang="fr-FR" sz="1600" strike="noStrike">
-                <a:solidFill>
-                  <a:srgbClr val="4f4d50"/>
+              <a:rPr lang="fr-FR" sz="1600" b="1" strike="noStrike">
+                <a:solidFill>
+                  <a:srgbClr val="4F4D50"/>
                 </a:solidFill>
                 <a:latin typeface="Arial"/>
               </a:rPr>
@@ -5806,6 +6316,7 @@
         </p:spPr>
         <p:txBody>
           <a:bodyPr/>
+          <a:lstStyle/>
           <a:p>
             <a:pPr algn="ctr">
               <a:lnSpc>
@@ -5813,9 +6324,9 @@
               </a:lnSpc>
             </a:pPr>
             <a:r>
-              <a:rPr b="1" lang="fr-FR" sz="2800" strike="noStrike">
-                <a:solidFill>
-                  <a:srgbClr val="004d6f"/>
+              <a:rPr lang="fr-FR" sz="2800" b="1" strike="noStrike">
+                <a:solidFill>
+                  <a:srgbClr val="004D6F"/>
                 </a:solidFill>
                 <a:latin typeface="Arial"/>
               </a:rPr>
@@ -5838,85 +6349,13 @@
               </a:lnSpc>
             </a:pPr>
             <a:r>
-              <a:rPr b="1" lang="fr-FR" sz="2000" strike="noStrike">
-                <a:solidFill>
-                  <a:srgbClr val="004d6f"/>
-                </a:solidFill>
-                <a:latin typeface="Arial"/>
-              </a:rPr>
-              <a:t>ADTool</a:t>
-            </a:r>
-            <a:r>
-              <a:rPr b="1" lang="fr-FR" sz="2000" strike="noStrike">
-                <a:solidFill>
-                  <a:srgbClr val="004d6f"/>
-                </a:solidFill>
-                <a:latin typeface="Arial"/>
-              </a:rPr>
-              <a:t>	</a:t>
-            </a:r>
-            <a:r>
-              <a:rPr b="1" lang="fr-FR" sz="2000" strike="noStrike">
-                <a:solidFill>
-                  <a:srgbClr val="004d6f"/>
-                </a:solidFill>
-                <a:latin typeface="Arial"/>
-              </a:rPr>
-              <a:t>	</a:t>
-            </a:r>
-            <a:r>
-              <a:rPr b="1" lang="fr-FR" sz="2000" strike="noStrike">
-                <a:solidFill>
-                  <a:srgbClr val="004d6f"/>
-                </a:solidFill>
-                <a:latin typeface="Arial"/>
-              </a:rPr>
-              <a:t>	</a:t>
-            </a:r>
-            <a:r>
-              <a:rPr b="1" lang="fr-FR" sz="2000" strike="noStrike">
-                <a:solidFill>
-                  <a:srgbClr val="004d6f"/>
-                </a:solidFill>
-                <a:latin typeface="Arial"/>
-              </a:rPr>
-              <a:t>Algorithmie</a:t>
-            </a:r>
-            <a:r>
-              <a:rPr b="1" lang="fr-FR" sz="2000" strike="noStrike">
-                <a:solidFill>
-                  <a:srgbClr val="004d6f"/>
-                </a:solidFill>
-                <a:latin typeface="Arial"/>
-              </a:rPr>
-              <a:t>	</a:t>
-            </a:r>
-            <a:r>
-              <a:rPr b="1" lang="fr-FR" sz="2000" strike="noStrike">
-                <a:solidFill>
-                  <a:srgbClr val="004d6f"/>
-                </a:solidFill>
-                <a:latin typeface="Arial"/>
-              </a:rPr>
-              <a:t>	</a:t>
-            </a:r>
-            <a:r>
-              <a:rPr b="1" lang="fr-FR" sz="2000" strike="noStrike">
-                <a:solidFill>
-                  <a:srgbClr val="004d6f"/>
-                </a:solidFill>
-                <a:latin typeface="Arial"/>
-              </a:rPr>
-              <a:t>	</a:t>
-            </a:r>
-            <a:r>
-              <a:rPr b="1" lang="fr-FR" sz="2000" strike="noStrike">
-                <a:solidFill>
-                  <a:srgbClr val="004d6f"/>
-                </a:solidFill>
-                <a:latin typeface="Arial"/>
-              </a:rPr>
-              <a:t>Glasir</a:t>
+              <a:rPr lang="fr-FR" sz="2000" b="1" strike="noStrike">
+                <a:solidFill>
+                  <a:srgbClr val="004D6F"/>
+                </a:solidFill>
+                <a:latin typeface="Arial"/>
+              </a:rPr>
+              <a:t>ADTool			Algorithmie			Glasir</a:t>
             </a:r>
             <a:endParaRPr/>
           </a:p>
@@ -5924,11 +6363,14 @@
       </p:sp>
     </p:spTree>
   </p:cSld>
+  <p:clrMapOvr>
+    <a:masterClrMapping/>
+  </p:clrMapOvr>
 </p:sld>
 </file>
 
 <file path=ppt/slides/slide16.xml><?xml version="1.0" encoding="utf-8"?>
-<p:sld xmlns:a="http://schemas.openxmlformats.org/drawingml/2006/main" xmlns:p="http://schemas.openxmlformats.org/presentationml/2006/main" xmlns:r="http://schemas.openxmlformats.org/officeDocument/2006/relationships">
+<p:sld xmlns:a="http://schemas.openxmlformats.org/drawingml/2006/main" xmlns:r="http://schemas.openxmlformats.org/officeDocument/2006/relationships" xmlns:p="http://schemas.openxmlformats.org/presentationml/2006/main">
   <p:cSld>
     <p:spTree>
       <p:nvGrpSpPr>
@@ -5965,6 +6407,7 @@
         </p:spPr>
         <p:txBody>
           <a:bodyPr anchor="ctr"/>
+          <a:lstStyle/>
           <a:p>
             <a:pPr algn="ctr">
               <a:lnSpc>
@@ -5972,9 +6415,9 @@
               </a:lnSpc>
             </a:pPr>
             <a:r>
-              <a:rPr b="1" lang="fr-FR" sz="1600" strike="noStrike">
-                <a:solidFill>
-                  <a:srgbClr val="4f4d50"/>
+              <a:rPr lang="fr-FR" sz="1600" b="1" strike="noStrike">
+                <a:solidFill>
+                  <a:srgbClr val="4F4D50"/>
                 </a:solidFill>
                 <a:latin typeface="Arial"/>
               </a:rPr>
@@ -6005,6 +6448,7 @@
         </p:spPr>
         <p:txBody>
           <a:bodyPr/>
+          <a:lstStyle/>
           <a:p>
             <a:pPr algn="ctr">
               <a:lnSpc>
@@ -6012,9 +6456,9 @@
               </a:lnSpc>
             </a:pPr>
             <a:r>
-              <a:rPr b="1" lang="fr-FR" sz="2800" strike="noStrike">
-                <a:solidFill>
-                  <a:srgbClr val="004d6f"/>
+              <a:rPr lang="fr-FR" sz="2800" b="1" strike="noStrike">
+                <a:solidFill>
+                  <a:srgbClr val="004D6F"/>
                 </a:solidFill>
                 <a:latin typeface="Arial"/>
               </a:rPr>
@@ -6037,9 +6481,9 @@
               </a:lnSpc>
             </a:pPr>
             <a:r>
-              <a:rPr b="1" lang="fr-FR" sz="2000" strike="noStrike">
-                <a:solidFill>
-                  <a:srgbClr val="004d6f"/>
+              <a:rPr lang="fr-FR" sz="2000" b="1" strike="noStrike">
+                <a:solidFill>
+                  <a:srgbClr val="004D6F"/>
                 </a:solidFill>
                 <a:latin typeface="Arial"/>
               </a:rPr>
@@ -6054,9 +6498,9 @@
               </a:lnSpc>
             </a:pPr>
             <a:r>
-              <a:rPr b="1" lang="fr-FR" sz="2000" strike="noStrike">
-                <a:solidFill>
-                  <a:srgbClr val="004d6f"/>
+              <a:rPr lang="fr-FR" sz="2000" b="1" strike="noStrike">
+                <a:solidFill>
+                  <a:srgbClr val="004D6F"/>
                 </a:solidFill>
                 <a:latin typeface="Arial"/>
               </a:rPr>
@@ -6076,11 +6520,14 @@
       </p:sp>
     </p:spTree>
   </p:cSld>
+  <p:clrMapOvr>
+    <a:masterClrMapping/>
+  </p:clrMapOvr>
 </p:sld>
 </file>
 
 <file path=ppt/slides/slide17.xml><?xml version="1.0" encoding="utf-8"?>
-<p:sld xmlns:a="http://schemas.openxmlformats.org/drawingml/2006/main" xmlns:p="http://schemas.openxmlformats.org/presentationml/2006/main" xmlns:r="http://schemas.openxmlformats.org/officeDocument/2006/relationships">
+<p:sld xmlns:a="http://schemas.openxmlformats.org/drawingml/2006/main" xmlns:r="http://schemas.openxmlformats.org/officeDocument/2006/relationships" xmlns:p="http://schemas.openxmlformats.org/presentationml/2006/main">
   <p:cSld>
     <p:spTree>
       <p:nvGrpSpPr>
@@ -6117,6 +6564,7 @@
         </p:spPr>
         <p:txBody>
           <a:bodyPr anchor="ctr"/>
+          <a:lstStyle/>
           <a:p>
             <a:pPr algn="ctr">
               <a:lnSpc>
@@ -6124,9 +6572,9 @@
               </a:lnSpc>
             </a:pPr>
             <a:r>
-              <a:rPr b="1" lang="fr-FR" sz="1600" strike="noStrike">
-                <a:solidFill>
-                  <a:srgbClr val="4f4d50"/>
+              <a:rPr lang="fr-FR" sz="1600" b="1" strike="noStrike">
+                <a:solidFill>
+                  <a:srgbClr val="4F4D50"/>
                 </a:solidFill>
                 <a:latin typeface="Arial"/>
               </a:rPr>
@@ -6157,6 +6605,7 @@
         </p:spPr>
         <p:txBody>
           <a:bodyPr/>
+          <a:lstStyle/>
           <a:p>
             <a:pPr algn="ctr">
               <a:lnSpc>
@@ -6164,9 +6613,9 @@
               </a:lnSpc>
             </a:pPr>
             <a:r>
-              <a:rPr b="1" lang="fr-FR" sz="2800" strike="noStrike">
-                <a:solidFill>
-                  <a:srgbClr val="004d6f"/>
+              <a:rPr lang="fr-FR" sz="2800" b="1" strike="noStrike">
+                <a:solidFill>
+                  <a:srgbClr val="004D6F"/>
                 </a:solidFill>
                 <a:latin typeface="Arial"/>
               </a:rPr>
@@ -6189,9 +6638,9 @@
               </a:lnSpc>
             </a:pPr>
             <a:r>
-              <a:rPr b="1" lang="fr-FR" sz="2000" strike="noStrike">
-                <a:solidFill>
-                  <a:srgbClr val="004d6f"/>
+              <a:rPr lang="fr-FR" sz="2000" b="1" strike="noStrike">
+                <a:solidFill>
+                  <a:srgbClr val="004D6F"/>
                 </a:solidFill>
                 <a:latin typeface="Arial"/>
               </a:rPr>
@@ -6206,9 +6655,9 @@
               </a:lnSpc>
             </a:pPr>
             <a:r>
-              <a:rPr b="1" lang="fr-FR" sz="2000" strike="noStrike">
-                <a:solidFill>
-                  <a:srgbClr val="004d6f"/>
+              <a:rPr lang="fr-FR" sz="2000" b="1" strike="noStrike">
+                <a:solidFill>
+                  <a:srgbClr val="004D6F"/>
                 </a:solidFill>
                 <a:latin typeface="Arial"/>
               </a:rPr>
@@ -6228,11 +6677,14 @@
       </p:sp>
     </p:spTree>
   </p:cSld>
+  <p:clrMapOvr>
+    <a:masterClrMapping/>
+  </p:clrMapOvr>
 </p:sld>
 </file>
 
 <file path=ppt/slides/slide18.xml><?xml version="1.0" encoding="utf-8"?>
-<p:sld xmlns:a="http://schemas.openxmlformats.org/drawingml/2006/main" xmlns:p="http://schemas.openxmlformats.org/presentationml/2006/main" xmlns:r="http://schemas.openxmlformats.org/officeDocument/2006/relationships">
+<p:sld xmlns:a="http://schemas.openxmlformats.org/drawingml/2006/main" xmlns:r="http://schemas.openxmlformats.org/officeDocument/2006/relationships" xmlns:p="http://schemas.openxmlformats.org/presentationml/2006/main">
   <p:cSld>
     <p:spTree>
       <p:nvGrpSpPr>
@@ -6269,6 +6721,7 @@
         </p:spPr>
         <p:txBody>
           <a:bodyPr anchor="ctr"/>
+          <a:lstStyle/>
           <a:p>
             <a:endParaRPr/>
           </a:p>
@@ -6295,6 +6748,7 @@
         </p:spPr>
         <p:txBody>
           <a:bodyPr/>
+          <a:lstStyle/>
           <a:p>
             <a:pPr algn="ctr">
               <a:lnSpc>
@@ -6302,9 +6756,9 @@
               </a:lnSpc>
             </a:pPr>
             <a:r>
-              <a:rPr b="1" lang="fr-FR" sz="5400" strike="noStrike">
-                <a:solidFill>
-                  <a:srgbClr val="004d6f"/>
+              <a:rPr lang="fr-FR" sz="5400" b="1" strike="noStrike">
+                <a:solidFill>
+                  <a:srgbClr val="004D6F"/>
                 </a:solidFill>
                 <a:latin typeface="Arial"/>
               </a:rPr>
@@ -6316,11 +6770,14 @@
       </p:sp>
     </p:spTree>
   </p:cSld>
+  <p:clrMapOvr>
+    <a:masterClrMapping/>
+  </p:clrMapOvr>
 </p:sld>
 </file>
 
 <file path=ppt/slides/slide19.xml><?xml version="1.0" encoding="utf-8"?>
-<p:sld xmlns:a="http://schemas.openxmlformats.org/drawingml/2006/main" xmlns:p="http://schemas.openxmlformats.org/presentationml/2006/main" xmlns:r="http://schemas.openxmlformats.org/officeDocument/2006/relationships">
+<p:sld xmlns:a="http://schemas.openxmlformats.org/drawingml/2006/main" xmlns:r="http://schemas.openxmlformats.org/officeDocument/2006/relationships" xmlns:p="http://schemas.openxmlformats.org/presentationml/2006/main">
   <p:cSld>
     <p:spTree>
       <p:nvGrpSpPr>
@@ -6357,6 +6814,7 @@
         </p:spPr>
         <p:txBody>
           <a:bodyPr anchor="ctr"/>
+          <a:lstStyle/>
           <a:p>
             <a:pPr algn="ctr">
               <a:lnSpc>
@@ -6364,9 +6822,9 @@
               </a:lnSpc>
             </a:pPr>
             <a:r>
-              <a:rPr b="1" lang="fr-FR" sz="1600" strike="noStrike">
-                <a:solidFill>
-                  <a:srgbClr val="4f4d50"/>
+              <a:rPr lang="fr-FR" sz="1600" b="1" strike="noStrike">
+                <a:solidFill>
+                  <a:srgbClr val="4F4D50"/>
                 </a:solidFill>
                 <a:latin typeface="Arial"/>
               </a:rPr>
@@ -6397,6 +6855,7 @@
         </p:spPr>
         <p:txBody>
           <a:bodyPr/>
+          <a:lstStyle/>
           <a:p>
             <a:pPr algn="ctr">
               <a:lnSpc>
@@ -6404,9 +6863,9 @@
               </a:lnSpc>
             </a:pPr>
             <a:r>
-              <a:rPr b="1" lang="fr-FR" sz="2800" strike="noStrike">
-                <a:solidFill>
-                  <a:srgbClr val="004d6f"/>
+              <a:rPr lang="fr-FR" sz="2800" b="1" strike="noStrike">
+                <a:solidFill>
+                  <a:srgbClr val="004D6F"/>
                 </a:solidFill>
                 <a:latin typeface="Arial"/>
               </a:rPr>
@@ -6429,27 +6888,27 @@
               </a:lnSpc>
             </a:pPr>
             <a:r>
-              <a:rPr b="1" lang="fr-FR" sz="2000" strike="noStrike">
-                <a:solidFill>
-                  <a:srgbClr val="004d6f"/>
+              <a:rPr lang="fr-FR" sz="2000" b="1" strike="noStrike">
+                <a:solidFill>
+                  <a:srgbClr val="004D6F"/>
                 </a:solidFill>
                 <a:latin typeface="Arial"/>
               </a:rPr>
               <a:t>Analogique </a:t>
             </a:r>
             <a:r>
-              <a:rPr b="1" lang="fr-FR" sz="2000" strike="noStrike">
-                <a:solidFill>
-                  <a:srgbClr val="004d6f"/>
+              <a:rPr lang="fr-FR" sz="2000" b="1" strike="noStrike">
+                <a:solidFill>
+                  <a:srgbClr val="004D6F"/>
                 </a:solidFill>
                 <a:latin typeface="Wingdings"/>
               </a:rPr>
               <a:t></a:t>
             </a:r>
             <a:r>
-              <a:rPr b="1" lang="fr-FR" sz="2000" strike="noStrike">
-                <a:solidFill>
-                  <a:srgbClr val="004d6f"/>
+              <a:rPr lang="fr-FR" sz="2000" b="1" strike="noStrike">
+                <a:solidFill>
+                  <a:srgbClr val="004D6F"/>
                 </a:solidFill>
                 <a:latin typeface="Arial"/>
               </a:rPr>
@@ -6464,27 +6923,27 @@
               </a:lnSpc>
             </a:pPr>
             <a:r>
-              <a:rPr b="1" lang="fr-FR" sz="2000" strike="noStrike">
-                <a:solidFill>
-                  <a:srgbClr val="004d6f"/>
+              <a:rPr lang="fr-FR" sz="2000" b="1" strike="noStrike">
+                <a:solidFill>
+                  <a:srgbClr val="004D6F"/>
                 </a:solidFill>
                 <a:latin typeface="Arial"/>
               </a:rPr>
               <a:t>Expertise </a:t>
             </a:r>
             <a:r>
-              <a:rPr b="1" lang="fr-FR" sz="2000" strike="noStrike">
-                <a:solidFill>
-                  <a:srgbClr val="004d6f"/>
+              <a:rPr lang="fr-FR" sz="2000" b="1" strike="noStrike">
+                <a:solidFill>
+                  <a:srgbClr val="004D6F"/>
                 </a:solidFill>
                 <a:latin typeface="Wingdings"/>
               </a:rPr>
               <a:t></a:t>
             </a:r>
             <a:r>
-              <a:rPr b="1" lang="fr-FR" sz="2000" strike="noStrike">
-                <a:solidFill>
-                  <a:srgbClr val="004d6f"/>
+              <a:rPr lang="fr-FR" sz="2000" b="1" strike="noStrike">
+                <a:solidFill>
+                  <a:srgbClr val="004D6F"/>
                 </a:solidFill>
                 <a:latin typeface="Arial"/>
               </a:rPr>
@@ -6504,11 +6963,14 @@
       </p:sp>
     </p:spTree>
   </p:cSld>
+  <p:clrMapOvr>
+    <a:masterClrMapping/>
+  </p:clrMapOvr>
 </p:sld>
 </file>
 
 <file path=ppt/slides/slide2.xml><?xml version="1.0" encoding="utf-8"?>
-<p:sld xmlns:a="http://schemas.openxmlformats.org/drawingml/2006/main" xmlns:p="http://schemas.openxmlformats.org/presentationml/2006/main" xmlns:r="http://schemas.openxmlformats.org/officeDocument/2006/relationships">
+<p:sld xmlns:a="http://schemas.openxmlformats.org/drawingml/2006/main" xmlns:r="http://schemas.openxmlformats.org/officeDocument/2006/relationships" xmlns:p="http://schemas.openxmlformats.org/presentationml/2006/main">
   <p:cSld>
     <p:spTree>
       <p:nvGrpSpPr>
@@ -6545,6 +7007,7 @@
         </p:spPr>
         <p:txBody>
           <a:bodyPr anchor="ctr"/>
+          <a:lstStyle/>
           <a:p>
             <a:endParaRPr/>
           </a:p>
@@ -6571,6 +7034,7 @@
         </p:spPr>
         <p:txBody>
           <a:bodyPr/>
+          <a:lstStyle/>
           <a:p>
             <a:pPr>
               <a:lnSpc>
@@ -6580,9 +7044,9 @@
               <a:buChar char="-"/>
             </a:pPr>
             <a:r>
-              <a:rPr b="1" lang="fr-FR" sz="2000" strike="noStrike">
-                <a:solidFill>
-                  <a:srgbClr val="004d6f"/>
+              <a:rPr lang="fr-FR" sz="2000" b="1" strike="noStrike">
+                <a:solidFill>
+                  <a:srgbClr val="004D6F"/>
                 </a:solidFill>
                 <a:latin typeface="Arial"/>
               </a:rPr>
@@ -6599,9 +7063,9 @@
               <a:buChar char="-"/>
             </a:pPr>
             <a:r>
-              <a:rPr b="1" lang="fr-FR" sz="1500" strike="noStrike">
-                <a:solidFill>
-                  <a:srgbClr val="4f4d50"/>
+              <a:rPr lang="fr-FR" sz="1500" b="1" strike="noStrike">
+                <a:solidFill>
+                  <a:srgbClr val="4F4D50"/>
                 </a:solidFill>
                 <a:latin typeface="Arial"/>
               </a:rPr>
@@ -6618,9 +7082,9 @@
               <a:buChar char="-"/>
             </a:pPr>
             <a:r>
-              <a:rPr b="1" lang="fr-FR" sz="1500" strike="noStrike">
-                <a:solidFill>
-                  <a:srgbClr val="4f4d50"/>
+              <a:rPr lang="fr-FR" sz="1500" b="1" strike="noStrike">
+                <a:solidFill>
+                  <a:srgbClr val="4F4D50"/>
                 </a:solidFill>
                 <a:latin typeface="Arial"/>
               </a:rPr>
@@ -6637,9 +7101,9 @@
               <a:buChar char="-"/>
             </a:pPr>
             <a:r>
-              <a:rPr b="1" lang="fr-FR" sz="1500" strike="noStrike">
-                <a:solidFill>
-                  <a:srgbClr val="4f4d50"/>
+              <a:rPr lang="fr-FR" sz="1500" b="1" strike="noStrike">
+                <a:solidFill>
+                  <a:srgbClr val="4F4D50"/>
                 </a:solidFill>
                 <a:latin typeface="Arial"/>
               </a:rPr>
@@ -6656,22 +7120,13 @@
               <a:buChar char="-"/>
             </a:pPr>
             <a:r>
-              <a:rPr b="1" lang="fr-FR" sz="2000" strike="noStrike">
-                <a:solidFill>
-                  <a:srgbClr val="004d6f"/>
-                </a:solidFill>
-                <a:latin typeface="Arial"/>
-              </a:rPr>
-              <a:t> </a:t>
-            </a:r>
-            <a:r>
-              <a:rPr b="1" lang="fr-FR" sz="2000" strike="noStrike">
-                <a:solidFill>
-                  <a:srgbClr val="004d6f"/>
-                </a:solidFill>
-                <a:latin typeface="Arial"/>
-              </a:rPr>
-              <a:t>Contexte</a:t>
+              <a:rPr lang="fr-FR" sz="2000" b="1" strike="noStrike">
+                <a:solidFill>
+                  <a:srgbClr val="004D6F"/>
+                </a:solidFill>
+                <a:latin typeface="Arial"/>
+              </a:rPr>
+              <a:t> Contexte</a:t>
             </a:r>
             <a:endParaRPr/>
           </a:p>
@@ -6684,9 +7139,9 @@
               <a:buChar char="-"/>
             </a:pPr>
             <a:r>
-              <a:rPr b="1" lang="fr-FR" sz="1500" strike="noStrike">
-                <a:solidFill>
-                  <a:srgbClr val="4f4d50"/>
+              <a:rPr lang="fr-FR" sz="1500" b="1" strike="noStrike">
+                <a:solidFill>
+                  <a:srgbClr val="4F4D50"/>
                 </a:solidFill>
                 <a:latin typeface="Arial"/>
               </a:rPr>
@@ -6703,9 +7158,9 @@
               <a:buChar char="-"/>
             </a:pPr>
             <a:r>
-              <a:rPr b="1" lang="fr-FR" sz="1500" strike="noStrike">
-                <a:solidFill>
-                  <a:srgbClr val="4f4d50"/>
+              <a:rPr lang="fr-FR" sz="1500" b="1" strike="noStrike">
+                <a:solidFill>
+                  <a:srgbClr val="4F4D50"/>
                 </a:solidFill>
                 <a:latin typeface="Arial"/>
               </a:rPr>
@@ -6722,9 +7177,9 @@
               <a:buChar char="-"/>
             </a:pPr>
             <a:r>
-              <a:rPr b="1" lang="fr-FR" sz="1500" strike="noStrike">
-                <a:solidFill>
-                  <a:srgbClr val="4f4d50"/>
+              <a:rPr lang="fr-FR" sz="1500" b="1" strike="noStrike">
+                <a:solidFill>
+                  <a:srgbClr val="4F4D50"/>
                 </a:solidFill>
                 <a:latin typeface="Arial"/>
               </a:rPr>
@@ -6741,9 +7196,9 @@
               <a:buChar char="-"/>
             </a:pPr>
             <a:r>
-              <a:rPr b="1" lang="fr-FR" sz="1500" strike="noStrike">
-                <a:solidFill>
-                  <a:srgbClr val="4f4d50"/>
+              <a:rPr lang="fr-FR" sz="1500" b="1" strike="noStrike">
+                <a:solidFill>
+                  <a:srgbClr val="4F4D50"/>
                 </a:solidFill>
                 <a:latin typeface="Arial"/>
               </a:rPr>
@@ -6760,9 +7215,9 @@
               <a:buChar char="-"/>
             </a:pPr>
             <a:r>
-              <a:rPr b="1" lang="fr-FR" sz="1500" strike="noStrike">
-                <a:solidFill>
-                  <a:srgbClr val="4f4d50"/>
+              <a:rPr lang="fr-FR" sz="1500" b="1" strike="noStrike">
+                <a:solidFill>
+                  <a:srgbClr val="4F4D50"/>
                 </a:solidFill>
                 <a:latin typeface="Arial"/>
               </a:rPr>
@@ -6779,9 +7234,9 @@
               <a:buChar char="-"/>
             </a:pPr>
             <a:r>
-              <a:rPr b="1" lang="fr-FR" sz="2000" strike="noStrike">
-                <a:solidFill>
-                  <a:srgbClr val="004d6f"/>
+              <a:rPr lang="fr-FR" sz="2000" b="1" strike="noStrike">
+                <a:solidFill>
+                  <a:srgbClr val="004D6F"/>
                 </a:solidFill>
                 <a:latin typeface="Arial"/>
               </a:rPr>
@@ -6798,9 +7253,9 @@
               <a:buChar char="-"/>
             </a:pPr>
             <a:r>
-              <a:rPr b="1" lang="fr-FR" sz="1500" strike="noStrike">
-                <a:solidFill>
-                  <a:srgbClr val="4f4d50"/>
+              <a:rPr lang="fr-FR" sz="1500" b="1" strike="noStrike">
+                <a:solidFill>
+                  <a:srgbClr val="4F4D50"/>
                 </a:solidFill>
                 <a:latin typeface="Arial"/>
               </a:rPr>
@@ -6817,9 +7272,9 @@
               <a:buChar char="-"/>
             </a:pPr>
             <a:r>
-              <a:rPr b="1" lang="fr-FR" sz="1500" strike="noStrike">
-                <a:solidFill>
-                  <a:srgbClr val="4f4d50"/>
+              <a:rPr lang="fr-FR" sz="1500" b="1" strike="noStrike">
+                <a:solidFill>
+                  <a:srgbClr val="4F4D50"/>
                 </a:solidFill>
                 <a:latin typeface="Arial"/>
               </a:rPr>
@@ -6836,9 +7291,9 @@
               <a:buChar char="-"/>
             </a:pPr>
             <a:r>
-              <a:rPr b="1" lang="fr-FR" sz="1500" strike="noStrike">
-                <a:solidFill>
-                  <a:srgbClr val="4f4d50"/>
+              <a:rPr lang="fr-FR" sz="1500" b="1" strike="noStrike">
+                <a:solidFill>
+                  <a:srgbClr val="4F4D50"/>
                 </a:solidFill>
                 <a:latin typeface="Arial"/>
               </a:rPr>
@@ -6855,9 +7310,9 @@
               <a:buChar char="-"/>
             </a:pPr>
             <a:r>
-              <a:rPr b="1" lang="fr-FR" sz="1500" strike="noStrike">
-                <a:solidFill>
-                  <a:srgbClr val="4f4d50"/>
+              <a:rPr lang="fr-FR" sz="1500" b="1" strike="noStrike">
+                <a:solidFill>
+                  <a:srgbClr val="4F4D50"/>
                 </a:solidFill>
                 <a:latin typeface="Arial"/>
               </a:rPr>
@@ -6874,9 +7329,9 @@
               <a:buChar char="-"/>
             </a:pPr>
             <a:r>
-              <a:rPr b="1" lang="fr-FR" sz="2000" strike="noStrike">
-                <a:solidFill>
-                  <a:srgbClr val="004d6f"/>
+              <a:rPr lang="fr-FR" sz="2000" b="1" strike="noStrike">
+                <a:solidFill>
+                  <a:srgbClr val="004D6F"/>
                 </a:solidFill>
                 <a:latin typeface="Arial"/>
               </a:rPr>
@@ -6893,9 +7348,9 @@
               <a:buChar char="-"/>
             </a:pPr>
             <a:r>
-              <a:rPr b="1" lang="fr-FR" sz="1500" strike="noStrike">
-                <a:solidFill>
-                  <a:srgbClr val="4f4d50"/>
+              <a:rPr lang="fr-FR" sz="1500" b="1" strike="noStrike">
+                <a:solidFill>
+                  <a:srgbClr val="4F4D50"/>
                 </a:solidFill>
                 <a:latin typeface="Arial"/>
               </a:rPr>
@@ -6912,9 +7367,9 @@
               <a:buChar char="-"/>
             </a:pPr>
             <a:r>
-              <a:rPr b="1" lang="fr-FR" sz="1500" strike="noStrike">
-                <a:solidFill>
-                  <a:srgbClr val="4f4d50"/>
+              <a:rPr lang="fr-FR" sz="1500" b="1" strike="noStrike">
+                <a:solidFill>
+                  <a:srgbClr val="4F4D50"/>
                 </a:solidFill>
                 <a:latin typeface="Arial"/>
               </a:rPr>
@@ -6931,9 +7386,9 @@
               <a:buChar char="-"/>
             </a:pPr>
             <a:r>
-              <a:rPr b="1" lang="fr-FR" sz="1500" strike="noStrike">
-                <a:solidFill>
-                  <a:srgbClr val="4f4d50"/>
+              <a:rPr lang="fr-FR" sz="1500" b="1" strike="noStrike">
+                <a:solidFill>
+                  <a:srgbClr val="4F4D50"/>
                 </a:solidFill>
                 <a:latin typeface="Arial"/>
               </a:rPr>
@@ -6953,22 +7408,25 @@
       </p:sp>
     </p:spTree>
   </p:cSld>
+  <p:clrMapOvr>
+    <a:masterClrMapping/>
+  </p:clrMapOvr>
   <p:timing>
     <p:tnLst>
       <p:par>
-        <p:cTn id="3" dur="indefinite" restart="never" nodeType="tmRoot">
+        <p:cTn id="1" dur="indefinite" restart="never" nodeType="tmRoot">
           <p:childTnLst>
             <p:seq>
-              <p:cTn id="4" nodeType="mainSeq"/>
+              <p:cTn id="2" nodeType="mainSeq"/>
               <p:prevCondLst>
-                <p:cond delay="0" evt="onPrev">
+                <p:cond evt="onPrev" delay="0">
                   <p:tgtEl>
                     <p:sldTgt/>
                   </p:tgtEl>
                 </p:cond>
               </p:prevCondLst>
               <p:nextCondLst>
-                <p:cond delay="0" evt="onNext">
+                <p:cond evt="onNext" delay="0">
                   <p:tgtEl>
                     <p:sldTgt/>
                   </p:tgtEl>
@@ -6984,7 +7442,7 @@
 </file>
 
 <file path=ppt/slides/slide20.xml><?xml version="1.0" encoding="utf-8"?>
-<p:sld xmlns:a="http://schemas.openxmlformats.org/drawingml/2006/main" xmlns:p="http://schemas.openxmlformats.org/presentationml/2006/main" xmlns:r="http://schemas.openxmlformats.org/officeDocument/2006/relationships">
+<p:sld xmlns:a="http://schemas.openxmlformats.org/drawingml/2006/main" xmlns:r="http://schemas.openxmlformats.org/officeDocument/2006/relationships" xmlns:p="http://schemas.openxmlformats.org/presentationml/2006/main">
   <p:cSld>
     <p:spTree>
       <p:nvGrpSpPr>
@@ -7021,6 +7479,7 @@
         </p:spPr>
         <p:txBody>
           <a:bodyPr anchor="ctr"/>
+          <a:lstStyle/>
           <a:p>
             <a:pPr algn="ctr">
               <a:lnSpc>
@@ -7028,9 +7487,9 @@
               </a:lnSpc>
             </a:pPr>
             <a:r>
-              <a:rPr b="1" lang="fr-FR" sz="1600" strike="noStrike">
-                <a:solidFill>
-                  <a:srgbClr val="4f4d50"/>
+              <a:rPr lang="fr-FR" sz="1600" b="1" strike="noStrike">
+                <a:solidFill>
+                  <a:srgbClr val="4F4D50"/>
                 </a:solidFill>
                 <a:latin typeface="Arial"/>
               </a:rPr>
@@ -7061,6 +7520,7 @@
         </p:spPr>
         <p:txBody>
           <a:bodyPr/>
+          <a:lstStyle/>
           <a:p>
             <a:pPr algn="ctr">
               <a:lnSpc>
@@ -7068,9 +7528,9 @@
               </a:lnSpc>
             </a:pPr>
             <a:r>
-              <a:rPr b="1" lang="fr-FR" sz="2800" strike="noStrike">
-                <a:solidFill>
-                  <a:srgbClr val="004d6f"/>
+              <a:rPr lang="fr-FR" sz="2800" b="1" strike="noStrike">
+                <a:solidFill>
+                  <a:srgbClr val="004D6F"/>
                 </a:solidFill>
                 <a:latin typeface="Arial"/>
               </a:rPr>
@@ -7093,9 +7553,9 @@
               </a:lnSpc>
             </a:pPr>
             <a:r>
-              <a:rPr b="1" lang="fr-FR" sz="2000" strike="noStrike">
-                <a:solidFill>
-                  <a:srgbClr val="004d6f"/>
+              <a:rPr lang="fr-FR" sz="2000" b="1" strike="noStrike">
+                <a:solidFill>
+                  <a:srgbClr val="004D6F"/>
                 </a:solidFill>
                 <a:latin typeface="Arial"/>
               </a:rPr>
@@ -7118,9 +7578,9 @@
               </a:lnSpc>
             </a:pPr>
             <a:r>
-              <a:rPr b="1" lang="fr-FR" sz="2000" strike="noStrike">
-                <a:solidFill>
-                  <a:srgbClr val="004d6f"/>
+              <a:rPr lang="fr-FR" sz="2000" b="1" strike="noStrike">
+                <a:solidFill>
+                  <a:srgbClr val="004D6F"/>
                 </a:solidFill>
                 <a:latin typeface="Arial"/>
               </a:rPr>
@@ -7140,11 +7600,14 @@
       </p:sp>
     </p:spTree>
   </p:cSld>
+  <p:clrMapOvr>
+    <a:masterClrMapping/>
+  </p:clrMapOvr>
 </p:sld>
 </file>
 
 <file path=ppt/slides/slide21.xml><?xml version="1.0" encoding="utf-8"?>
-<p:sld xmlns:a="http://schemas.openxmlformats.org/drawingml/2006/main" xmlns:p="http://schemas.openxmlformats.org/presentationml/2006/main" xmlns:r="http://schemas.openxmlformats.org/officeDocument/2006/relationships">
+<p:sld xmlns:a="http://schemas.openxmlformats.org/drawingml/2006/main" xmlns:r="http://schemas.openxmlformats.org/officeDocument/2006/relationships" xmlns:p="http://schemas.openxmlformats.org/presentationml/2006/main">
   <p:cSld>
     <p:spTree>
       <p:nvGrpSpPr>
@@ -7181,6 +7644,7 @@
         </p:spPr>
         <p:txBody>
           <a:bodyPr anchor="ctr"/>
+          <a:lstStyle/>
           <a:p>
             <a:pPr algn="ctr">
               <a:lnSpc>
@@ -7188,9 +7652,9 @@
               </a:lnSpc>
             </a:pPr>
             <a:r>
-              <a:rPr b="1" lang="fr-FR" sz="1600" strike="noStrike">
-                <a:solidFill>
-                  <a:srgbClr val="4f4d50"/>
+              <a:rPr lang="fr-FR" sz="1600" b="1" strike="noStrike">
+                <a:solidFill>
+                  <a:srgbClr val="4F4D50"/>
                 </a:solidFill>
                 <a:latin typeface="Arial"/>
               </a:rPr>
@@ -7221,6 +7685,7 @@
         </p:spPr>
         <p:txBody>
           <a:bodyPr/>
+          <a:lstStyle/>
           <a:p>
             <a:pPr algn="ctr">
               <a:lnSpc>
@@ -7228,9 +7693,9 @@
               </a:lnSpc>
             </a:pPr>
             <a:r>
-              <a:rPr b="1" lang="fr-FR" sz="2800" strike="noStrike">
-                <a:solidFill>
-                  <a:srgbClr val="004d6f"/>
+              <a:rPr lang="fr-FR" sz="2800" b="1" strike="noStrike">
+                <a:solidFill>
+                  <a:srgbClr val="004D6F"/>
                 </a:solidFill>
                 <a:latin typeface="Arial"/>
               </a:rPr>
@@ -7269,9 +7734,9 @@
               </a:lnSpc>
             </a:pPr>
             <a:r>
-              <a:rPr b="1" lang="fr-FR" sz="2000" strike="noStrike">
-                <a:solidFill>
-                  <a:srgbClr val="004d6f"/>
+              <a:rPr lang="fr-FR" sz="2000" b="1" strike="noStrike">
+                <a:solidFill>
+                  <a:srgbClr val="004D6F"/>
                 </a:solidFill>
                 <a:latin typeface="Arial"/>
               </a:rPr>
@@ -7291,11 +7756,14 @@
       </p:sp>
     </p:spTree>
   </p:cSld>
+  <p:clrMapOvr>
+    <a:masterClrMapping/>
+  </p:clrMapOvr>
 </p:sld>
 </file>
 
 <file path=ppt/slides/slide22.xml><?xml version="1.0" encoding="utf-8"?>
-<p:sld xmlns:a="http://schemas.openxmlformats.org/drawingml/2006/main" xmlns:p="http://schemas.openxmlformats.org/presentationml/2006/main" xmlns:r="http://schemas.openxmlformats.org/officeDocument/2006/relationships">
+<p:sld xmlns:a="http://schemas.openxmlformats.org/drawingml/2006/main" xmlns:r="http://schemas.openxmlformats.org/officeDocument/2006/relationships" xmlns:p="http://schemas.openxmlformats.org/presentationml/2006/main">
   <p:cSld>
     <p:spTree>
       <p:nvGrpSpPr>
@@ -7332,6 +7800,7 @@
         </p:spPr>
         <p:txBody>
           <a:bodyPr anchor="ctr"/>
+          <a:lstStyle/>
           <a:p>
             <a:endParaRPr/>
           </a:p>
@@ -7358,6 +7827,7 @@
         </p:spPr>
         <p:txBody>
           <a:bodyPr/>
+          <a:lstStyle/>
           <a:p>
             <a:pPr algn="ctr">
               <a:lnSpc>
@@ -7365,9 +7835,9 @@
               </a:lnSpc>
             </a:pPr>
             <a:r>
-              <a:rPr b="1" lang="fr-FR" sz="2800" strike="noStrike">
-                <a:solidFill>
-                  <a:srgbClr val="004d6f"/>
+              <a:rPr lang="fr-FR" sz="2800" b="1" strike="noStrike">
+                <a:solidFill>
+                  <a:srgbClr val="004D6F"/>
                 </a:solidFill>
                 <a:latin typeface="Arial"/>
               </a:rPr>
@@ -7406,9 +7876,9 @@
               </a:lnSpc>
             </a:pPr>
             <a:r>
-              <a:rPr b="1" lang="fr-FR" sz="2000" strike="noStrike">
-                <a:solidFill>
-                  <a:srgbClr val="004d6f"/>
+              <a:rPr lang="fr-FR" sz="2000" b="1" strike="noStrike">
+                <a:solidFill>
+                  <a:srgbClr val="004D6F"/>
                 </a:solidFill>
                 <a:latin typeface="Arial"/>
               </a:rPr>
@@ -7428,11 +7898,14 @@
       </p:sp>
     </p:spTree>
   </p:cSld>
+  <p:clrMapOvr>
+    <a:masterClrMapping/>
+  </p:clrMapOvr>
 </p:sld>
 </file>
 
 <file path=ppt/slides/slide23.xml><?xml version="1.0" encoding="utf-8"?>
-<p:sld xmlns:a="http://schemas.openxmlformats.org/drawingml/2006/main" xmlns:p="http://schemas.openxmlformats.org/presentationml/2006/main" xmlns:r="http://schemas.openxmlformats.org/officeDocument/2006/relationships">
+<p:sld xmlns:a="http://schemas.openxmlformats.org/drawingml/2006/main" xmlns:r="http://schemas.openxmlformats.org/officeDocument/2006/relationships" xmlns:p="http://schemas.openxmlformats.org/presentationml/2006/main">
   <p:cSld>
     <p:spTree>
       <p:nvGrpSpPr>
@@ -7469,6 +7942,7 @@
         </p:spPr>
         <p:txBody>
           <a:bodyPr anchor="ctr"/>
+          <a:lstStyle/>
           <a:p>
             <a:endParaRPr/>
           </a:p>
@@ -7495,6 +7969,7 @@
         </p:spPr>
         <p:txBody>
           <a:bodyPr/>
+          <a:lstStyle/>
           <a:p>
             <a:pPr algn="ctr">
               <a:lnSpc>
@@ -7518,9 +7993,9 @@
               </a:lnSpc>
             </a:pPr>
             <a:r>
-              <a:rPr b="1" lang="fr-FR" sz="2800" strike="noStrike">
-                <a:solidFill>
-                  <a:srgbClr val="004d6f"/>
+              <a:rPr lang="fr-FR" sz="2800" b="1" strike="noStrike">
+                <a:solidFill>
+                  <a:srgbClr val="004D6F"/>
                 </a:solidFill>
                 <a:latin typeface="Arial"/>
               </a:rPr>
@@ -7564,11 +8039,14 @@
       </p:sp>
     </p:spTree>
   </p:cSld>
+  <p:clrMapOvr>
+    <a:masterClrMapping/>
+  </p:clrMapOvr>
 </p:sld>
 </file>
 
 <file path=ppt/slides/slide3.xml><?xml version="1.0" encoding="utf-8"?>
-<p:sld xmlns:a="http://schemas.openxmlformats.org/drawingml/2006/main" xmlns:p="http://schemas.openxmlformats.org/presentationml/2006/main" xmlns:r="http://schemas.openxmlformats.org/officeDocument/2006/relationships">
+<p:sld xmlns:a="http://schemas.openxmlformats.org/drawingml/2006/main" xmlns:r="http://schemas.openxmlformats.org/officeDocument/2006/relationships" xmlns:p="http://schemas.openxmlformats.org/presentationml/2006/main">
   <p:cSld>
     <p:spTree>
       <p:nvGrpSpPr>
@@ -7605,6 +8083,7 @@
         </p:spPr>
         <p:txBody>
           <a:bodyPr anchor="ctr"/>
+          <a:lstStyle/>
           <a:p>
             <a:endParaRPr/>
           </a:p>
@@ -7631,6 +8110,7 @@
         </p:spPr>
         <p:txBody>
           <a:bodyPr/>
+          <a:lstStyle/>
           <a:p>
             <a:pPr algn="ctr">
               <a:lnSpc>
@@ -7638,9 +8118,9 @@
               </a:lnSpc>
             </a:pPr>
             <a:r>
-              <a:rPr b="1" lang="fr-FR" sz="5400" strike="noStrike">
-                <a:solidFill>
-                  <a:srgbClr val="004d6f"/>
+              <a:rPr lang="fr-FR" sz="5400" b="1" strike="noStrike">
+                <a:solidFill>
+                  <a:srgbClr val="004D6F"/>
                 </a:solidFill>
                 <a:latin typeface="Arial"/>
               </a:rPr>
@@ -7652,12 +8132,12 @@
       </p:sp>
       <p:pic>
         <p:nvPicPr>
-          <p:cNvPr id="112" name="" descr=""/>
+          <p:cNvPr id="112" name="Image 111"/>
           <p:cNvPicPr/>
           <p:nvPr/>
         </p:nvPicPr>
         <p:blipFill>
-          <a:blip r:embed="rId1"/>
+          <a:blip r:embed="rId2" cstate="print"/>
           <a:stretch/>
         </p:blipFill>
         <p:spPr>
@@ -7675,22 +8155,25 @@
       </p:pic>
     </p:spTree>
   </p:cSld>
+  <p:clrMapOvr>
+    <a:masterClrMapping/>
+  </p:clrMapOvr>
   <p:timing>
     <p:tnLst>
       <p:par>
-        <p:cTn id="5" dur="indefinite" restart="never" nodeType="tmRoot">
+        <p:cTn id="1" dur="indefinite" restart="never" nodeType="tmRoot">
           <p:childTnLst>
             <p:seq>
-              <p:cTn id="6" nodeType="mainSeq"/>
+              <p:cTn id="2" nodeType="mainSeq"/>
               <p:prevCondLst>
-                <p:cond delay="0" evt="onPrev">
+                <p:cond evt="onPrev" delay="0">
                   <p:tgtEl>
                     <p:sldTgt/>
                   </p:tgtEl>
                 </p:cond>
               </p:prevCondLst>
               <p:nextCondLst>
-                <p:cond delay="0" evt="onNext">
+                <p:cond evt="onNext" delay="0">
                   <p:tgtEl>
                     <p:sldTgt/>
                   </p:tgtEl>
@@ -7706,7 +8189,7 @@
 </file>
 
 <file path=ppt/slides/slide4.xml><?xml version="1.0" encoding="utf-8"?>
-<p:sld xmlns:a="http://schemas.openxmlformats.org/drawingml/2006/main" xmlns:p="http://schemas.openxmlformats.org/presentationml/2006/main" xmlns:r="http://schemas.openxmlformats.org/officeDocument/2006/relationships">
+<p:sld xmlns:a="http://schemas.openxmlformats.org/drawingml/2006/main" xmlns:r="http://schemas.openxmlformats.org/officeDocument/2006/relationships" xmlns:p="http://schemas.openxmlformats.org/presentationml/2006/main">
   <p:cSld>
     <p:spTree>
       <p:nvGrpSpPr>
@@ -7743,6 +8226,7 @@
         </p:spPr>
         <p:txBody>
           <a:bodyPr anchor="ctr"/>
+          <a:lstStyle/>
           <a:p>
             <a:pPr algn="ctr">
               <a:lnSpc>
@@ -7750,9 +8234,9 @@
               </a:lnSpc>
             </a:pPr>
             <a:r>
-              <a:rPr b="1" lang="fr-FR" sz="1600" strike="noStrike">
-                <a:solidFill>
-                  <a:srgbClr val="4f4d50"/>
+              <a:rPr lang="fr-FR" sz="1600" b="1" strike="noStrike">
+                <a:solidFill>
+                  <a:srgbClr val="4F4D50"/>
                 </a:solidFill>
                 <a:latin typeface="Arial"/>
               </a:rPr>
@@ -7764,12 +8248,12 @@
       </p:sp>
       <p:pic>
         <p:nvPicPr>
-          <p:cNvPr id="114" name="Espace réservé du contenu 3" descr=""/>
+          <p:cNvPr id="114" name="Espace réservé du contenu 3"/>
           <p:cNvPicPr/>
           <p:nvPr/>
         </p:nvPicPr>
         <p:blipFill>
-          <a:blip r:embed="rId1"/>
+          <a:blip r:embed="rId2" cstate="print"/>
           <a:stretch/>
         </p:blipFill>
         <p:spPr>
@@ -7787,22 +8271,25 @@
       </p:pic>
     </p:spTree>
   </p:cSld>
+  <p:clrMapOvr>
+    <a:masterClrMapping/>
+  </p:clrMapOvr>
   <p:timing>
     <p:tnLst>
       <p:par>
-        <p:cTn id="7" dur="indefinite" restart="never" nodeType="tmRoot">
+        <p:cTn id="1" dur="indefinite" restart="never" nodeType="tmRoot">
           <p:childTnLst>
             <p:seq>
-              <p:cTn id="8" nodeType="mainSeq"/>
+              <p:cTn id="2" nodeType="mainSeq"/>
               <p:prevCondLst>
-                <p:cond delay="0" evt="onPrev">
+                <p:cond evt="onPrev" delay="0">
                   <p:tgtEl>
                     <p:sldTgt/>
                   </p:tgtEl>
                 </p:cond>
               </p:prevCondLst>
               <p:nextCondLst>
-                <p:cond delay="0" evt="onNext">
+                <p:cond evt="onNext" delay="0">
                   <p:tgtEl>
                     <p:sldTgt/>
                   </p:tgtEl>
@@ -7818,7 +8305,7 @@
 </file>
 
 <file path=ppt/slides/slide5.xml><?xml version="1.0" encoding="utf-8"?>
-<p:sld xmlns:a="http://schemas.openxmlformats.org/drawingml/2006/main" xmlns:p="http://schemas.openxmlformats.org/presentationml/2006/main" xmlns:r="http://schemas.openxmlformats.org/officeDocument/2006/relationships">
+<p:sld xmlns:a="http://schemas.openxmlformats.org/drawingml/2006/main" xmlns:r="http://schemas.openxmlformats.org/officeDocument/2006/relationships" xmlns:p="http://schemas.openxmlformats.org/presentationml/2006/main">
   <p:cSld>
     <p:spTree>
       <p:nvGrpSpPr>
@@ -7855,6 +8342,7 @@
         </p:spPr>
         <p:txBody>
           <a:bodyPr anchor="ctr"/>
+          <a:lstStyle/>
           <a:p>
             <a:pPr algn="ctr">
               <a:lnSpc>
@@ -7862,9 +8350,9 @@
               </a:lnSpc>
             </a:pPr>
             <a:r>
-              <a:rPr b="1" lang="fr-FR" sz="1600" strike="noStrike">
-                <a:solidFill>
-                  <a:srgbClr val="4f4d50"/>
+              <a:rPr lang="fr-FR" sz="1600" b="1" strike="noStrike">
+                <a:solidFill>
+                  <a:srgbClr val="4F4D50"/>
                 </a:solidFill>
                 <a:latin typeface="Arial"/>
               </a:rPr>
@@ -7876,12 +8364,12 @@
       </p:sp>
       <p:pic>
         <p:nvPicPr>
-          <p:cNvPr id="116" name="Espace réservé du contenu 3" descr=""/>
+          <p:cNvPr id="116" name="Espace réservé du contenu 3"/>
           <p:cNvPicPr/>
           <p:nvPr/>
         </p:nvPicPr>
         <p:blipFill>
-          <a:blip r:embed="rId1"/>
+          <a:blip r:embed="rId3" cstate="print"/>
           <a:stretch/>
         </p:blipFill>
         <p:spPr>
@@ -7917,13 +8405,20 @@
           </a:ln>
         </p:spPr>
         <p:style>
-          <a:lnRef idx="0"/>
-          <a:fillRef idx="0"/>
-          <a:effectRef idx="0"/>
+          <a:lnRef idx="0">
+            <a:scrgbClr r="0" g="0" b="0"/>
+          </a:lnRef>
+          <a:fillRef idx="0">
+            <a:scrgbClr r="0" g="0" b="0"/>
+          </a:fillRef>
+          <a:effectRef idx="0">
+            <a:scrgbClr r="0" g="0" b="0"/>
+          </a:effectRef>
           <a:fontRef idx="minor"/>
         </p:style>
         <p:txBody>
-          <a:bodyPr lIns="90000" rIns="90000" tIns="45000" bIns="45000"/>
+          <a:bodyPr lIns="90000" tIns="45000" rIns="90000" bIns="45000"/>
+          <a:lstStyle/>
           <a:p>
             <a:pPr algn="ctr">
               <a:lnSpc>
@@ -7933,7 +8428,7 @@
             <a:r>
               <a:rPr lang="fr-FR" strike="noStrike">
                 <a:solidFill>
-                  <a:srgbClr val="2f2f2f"/>
+                  <a:srgbClr val="2F2F2F"/>
                 </a:solidFill>
                 <a:latin typeface="Arial"/>
               </a:rPr>
@@ -7945,22 +8440,25 @@
       </p:sp>
     </p:spTree>
   </p:cSld>
+  <p:clrMapOvr>
+    <a:masterClrMapping/>
+  </p:clrMapOvr>
   <p:timing>
     <p:tnLst>
       <p:par>
-        <p:cTn id="9" dur="indefinite" restart="never" nodeType="tmRoot">
+        <p:cTn id="1" dur="indefinite" restart="never" nodeType="tmRoot">
           <p:childTnLst>
             <p:seq>
-              <p:cTn id="10" nodeType="mainSeq"/>
+              <p:cTn id="2" nodeType="mainSeq"/>
               <p:prevCondLst>
-                <p:cond delay="0" evt="onPrev">
+                <p:cond evt="onPrev" delay="0">
                   <p:tgtEl>
                     <p:sldTgt/>
                   </p:tgtEl>
                 </p:cond>
               </p:prevCondLst>
               <p:nextCondLst>
-                <p:cond delay="0" evt="onNext">
+                <p:cond evt="onNext" delay="0">
                   <p:tgtEl>
                     <p:sldTgt/>
                   </p:tgtEl>
@@ -7976,7 +8474,7 @@
 </file>
 
 <file path=ppt/slides/slide6.xml><?xml version="1.0" encoding="utf-8"?>
-<p:sld xmlns:a="http://schemas.openxmlformats.org/drawingml/2006/main" xmlns:p="http://schemas.openxmlformats.org/presentationml/2006/main" xmlns:r="http://schemas.openxmlformats.org/officeDocument/2006/relationships">
+<p:sld xmlns:a="http://schemas.openxmlformats.org/drawingml/2006/main" xmlns:r="http://schemas.openxmlformats.org/officeDocument/2006/relationships" xmlns:p="http://schemas.openxmlformats.org/presentationml/2006/main">
   <p:cSld>
     <p:spTree>
       <p:nvGrpSpPr>
@@ -8013,6 +8511,7 @@
         </p:spPr>
         <p:txBody>
           <a:bodyPr anchor="ctr"/>
+          <a:lstStyle/>
           <a:p>
             <a:pPr algn="ctr">
               <a:lnSpc>
@@ -8020,9 +8519,9 @@
               </a:lnSpc>
             </a:pPr>
             <a:r>
-              <a:rPr b="1" lang="fr-FR" sz="1600" strike="noStrike">
-                <a:solidFill>
-                  <a:srgbClr val="4f4d50"/>
+              <a:rPr lang="fr-FR" sz="1600" b="1" strike="noStrike">
+                <a:solidFill>
+                  <a:srgbClr val="4F4D50"/>
                 </a:solidFill>
                 <a:latin typeface="Arial"/>
               </a:rPr>
@@ -8053,6 +8552,7 @@
         </p:spPr>
         <p:txBody>
           <a:bodyPr/>
+          <a:lstStyle/>
           <a:p>
             <a:endParaRPr/>
           </a:p>
@@ -8060,12 +8560,12 @@
       </p:sp>
       <p:pic>
         <p:nvPicPr>
-          <p:cNvPr id="120" name="Picture 3" descr=""/>
+          <p:cNvPr id="120" name="Picture 3"/>
           <p:cNvPicPr/>
           <p:nvPr/>
         </p:nvPicPr>
         <p:blipFill>
-          <a:blip r:embed="rId1"/>
+          <a:blip r:embed="rId3" cstate="print"/>
           <a:stretch/>
         </p:blipFill>
         <p:spPr>
@@ -8083,12 +8583,12 @@
       </p:pic>
       <p:pic>
         <p:nvPicPr>
-          <p:cNvPr id="121" name="Picture 4" descr=""/>
+          <p:cNvPr id="121" name="Picture 4"/>
           <p:cNvPicPr/>
           <p:nvPr/>
         </p:nvPicPr>
         <p:blipFill>
-          <a:blip r:embed="rId2"/>
+          <a:blip r:embed="rId4" cstate="print"/>
           <a:stretch/>
         </p:blipFill>
         <p:spPr>
@@ -8106,11 +8606,14 @@
       </p:pic>
     </p:spTree>
   </p:cSld>
+  <p:clrMapOvr>
+    <a:masterClrMapping/>
+  </p:clrMapOvr>
 </p:sld>
 </file>
 
 <file path=ppt/slides/slide7.xml><?xml version="1.0" encoding="utf-8"?>
-<p:sld xmlns:a="http://schemas.openxmlformats.org/drawingml/2006/main" xmlns:p="http://schemas.openxmlformats.org/presentationml/2006/main" xmlns:r="http://schemas.openxmlformats.org/officeDocument/2006/relationships">
+<p:sld xmlns:a="http://schemas.openxmlformats.org/drawingml/2006/main" xmlns:r="http://schemas.openxmlformats.org/officeDocument/2006/relationships" xmlns:p="http://schemas.openxmlformats.org/presentationml/2006/main">
   <p:cSld>
     <p:spTree>
       <p:nvGrpSpPr>
@@ -8147,6 +8650,7 @@
         </p:spPr>
         <p:txBody>
           <a:bodyPr anchor="ctr"/>
+          <a:lstStyle/>
           <a:p>
             <a:endParaRPr/>
           </a:p>
@@ -8173,6 +8677,7 @@
         </p:spPr>
         <p:txBody>
           <a:bodyPr/>
+          <a:lstStyle/>
           <a:p>
             <a:pPr algn="ctr">
               <a:lnSpc>
@@ -8180,9 +8685,9 @@
               </a:lnSpc>
             </a:pPr>
             <a:r>
-              <a:rPr b="1" lang="fr-FR" sz="5400" strike="noStrike">
-                <a:solidFill>
-                  <a:srgbClr val="004d6f"/>
+              <a:rPr lang="fr-FR" sz="5400" b="1" strike="noStrike">
+                <a:solidFill>
+                  <a:srgbClr val="004D6F"/>
                 </a:solidFill>
                 <a:latin typeface="Arial"/>
               </a:rPr>
@@ -8194,11 +8699,14 @@
       </p:sp>
     </p:spTree>
   </p:cSld>
+  <p:clrMapOvr>
+    <a:masterClrMapping/>
+  </p:clrMapOvr>
 </p:sld>
 </file>
 
 <file path=ppt/slides/slide8.xml><?xml version="1.0" encoding="utf-8"?>
-<p:sld xmlns:a="http://schemas.openxmlformats.org/drawingml/2006/main" xmlns:p="http://schemas.openxmlformats.org/presentationml/2006/main" xmlns:r="http://schemas.openxmlformats.org/officeDocument/2006/relationships">
+<p:sld xmlns:a="http://schemas.openxmlformats.org/drawingml/2006/main" xmlns:r="http://schemas.openxmlformats.org/officeDocument/2006/relationships" xmlns:p="http://schemas.openxmlformats.org/presentationml/2006/main">
   <p:cSld>
     <p:spTree>
       <p:nvGrpSpPr>
@@ -8235,6 +8743,7 @@
         </p:spPr>
         <p:txBody>
           <a:bodyPr anchor="ctr"/>
+          <a:lstStyle/>
           <a:p>
             <a:pPr algn="ctr">
               <a:lnSpc>
@@ -8242,9 +8751,9 @@
               </a:lnSpc>
             </a:pPr>
             <a:r>
-              <a:rPr b="1" lang="fr-FR" sz="1600" strike="noStrike">
-                <a:solidFill>
-                  <a:srgbClr val="4f4d50"/>
+              <a:rPr lang="fr-FR" sz="1600" b="1" strike="noStrike">
+                <a:solidFill>
+                  <a:srgbClr val="4F4D50"/>
                 </a:solidFill>
                 <a:latin typeface="Arial"/>
               </a:rPr>
@@ -8275,6 +8784,7 @@
         </p:spPr>
         <p:txBody>
           <a:bodyPr/>
+          <a:lstStyle/>
           <a:p>
             <a:pPr algn="ctr">
               <a:lnSpc>
@@ -8282,9 +8792,9 @@
               </a:lnSpc>
             </a:pPr>
             <a:r>
-              <a:rPr b="1" lang="fr-FR" sz="2800" strike="noStrike">
-                <a:solidFill>
-                  <a:srgbClr val="004d6f"/>
+              <a:rPr lang="fr-FR" sz="2800" b="1" strike="noStrike">
+                <a:solidFill>
+                  <a:srgbClr val="004D6F"/>
                 </a:solidFill>
                 <a:latin typeface="Arial"/>
               </a:rPr>
@@ -8307,22 +8817,13 @@
               </a:lnSpc>
             </a:pPr>
             <a:r>
-              <a:rPr b="1" lang="fr-FR" sz="2000" strike="noStrike">
-                <a:solidFill>
-                  <a:srgbClr val="004d6f"/>
-                </a:solidFill>
-                <a:latin typeface="Arial"/>
-              </a:rPr>
-              <a:t>	</a:t>
-            </a:r>
-            <a:r>
-              <a:rPr b="1" lang="fr-FR" sz="2000" strike="noStrike">
-                <a:solidFill>
-                  <a:srgbClr val="004d6f"/>
-                </a:solidFill>
-                <a:latin typeface="Arial"/>
-              </a:rPr>
-              <a:t>Trois développeurs</a:t>
+              <a:rPr lang="fr-FR" sz="2000" b="1" strike="noStrike">
+                <a:solidFill>
+                  <a:srgbClr val="004D6F"/>
+                </a:solidFill>
+                <a:latin typeface="Arial"/>
+              </a:rPr>
+              <a:t>	Trois développeurs</a:t>
             </a:r>
             <a:endParaRPr/>
           </a:p>
@@ -8333,40 +8834,13 @@
               </a:lnSpc>
             </a:pPr>
             <a:r>
-              <a:rPr b="1" lang="fr-FR" sz="2000" strike="noStrike">
-                <a:solidFill>
-                  <a:srgbClr val="004d6f"/>
-                </a:solidFill>
-                <a:latin typeface="Arial"/>
-              </a:rPr>
-              <a:t>	</a:t>
-            </a:r>
-            <a:r>
-              <a:rPr b="1" lang="fr-FR" sz="2000" strike="noStrike">
-                <a:solidFill>
-                  <a:srgbClr val="004d6f"/>
-                </a:solidFill>
-                <a:latin typeface="Arial"/>
-              </a:rPr>
-              <a:t>	</a:t>
-            </a:r>
-            <a:r>
-              <a:rPr b="1" lang="fr-FR" sz="2000" strike="noStrike">
-                <a:solidFill>
-                  <a:srgbClr val="004d6f"/>
-                </a:solidFill>
-                <a:latin typeface="Arial"/>
-              </a:rPr>
-              <a:t>Pierre-Marie </a:t>
-            </a:r>
-            <a:r>
-              <a:rPr b="1" lang="fr-FR" sz="2000" strike="noStrike">
-                <a:solidFill>
-                  <a:srgbClr val="004d6f"/>
-                </a:solidFill>
-                <a:latin typeface="Arial"/>
-              </a:rPr>
-              <a:t>Airiau</a:t>
+              <a:rPr lang="fr-FR" sz="2000" b="1" strike="noStrike">
+                <a:solidFill>
+                  <a:srgbClr val="004D6F"/>
+                </a:solidFill>
+                <a:latin typeface="Arial"/>
+              </a:rPr>
+              <a:t>		Pierre-Marie Airiau</a:t>
             </a:r>
             <a:endParaRPr/>
           </a:p>
@@ -8377,40 +8851,13 @@
               </a:lnSpc>
             </a:pPr>
             <a:r>
-              <a:rPr b="1" lang="fr-FR" sz="2000" strike="noStrike">
-                <a:solidFill>
-                  <a:srgbClr val="004d6f"/>
-                </a:solidFill>
-                <a:latin typeface="Arial"/>
-              </a:rPr>
-              <a:t>	</a:t>
-            </a:r>
-            <a:r>
-              <a:rPr b="1" lang="fr-FR" sz="2000" strike="noStrike">
-                <a:solidFill>
-                  <a:srgbClr val="004d6f"/>
-                </a:solidFill>
-                <a:latin typeface="Arial"/>
-              </a:rPr>
-              <a:t>	</a:t>
-            </a:r>
-            <a:r>
-              <a:rPr b="1" lang="fr-FR" sz="2000" strike="noStrike">
-                <a:solidFill>
-                  <a:srgbClr val="004d6f"/>
-                </a:solidFill>
-                <a:latin typeface="Arial"/>
-              </a:rPr>
-              <a:t>Valentin </a:t>
-            </a:r>
-            <a:r>
-              <a:rPr b="1" lang="fr-FR" sz="2000" strike="noStrike">
-                <a:solidFill>
-                  <a:srgbClr val="004d6f"/>
-                </a:solidFill>
-                <a:latin typeface="Arial"/>
-              </a:rPr>
-              <a:t>Esmieu</a:t>
+              <a:rPr lang="fr-FR" sz="2000" b="1" strike="noStrike">
+                <a:solidFill>
+                  <a:srgbClr val="004D6F"/>
+                </a:solidFill>
+                <a:latin typeface="Arial"/>
+              </a:rPr>
+              <a:t>		Valentin Esmieu</a:t>
             </a:r>
             <a:endParaRPr/>
           </a:p>
@@ -8421,40 +8868,13 @@
               </a:lnSpc>
             </a:pPr>
             <a:r>
-              <a:rPr b="1" lang="fr-FR" sz="2000" strike="noStrike">
-                <a:solidFill>
-                  <a:srgbClr val="004d6f"/>
-                </a:solidFill>
-                <a:latin typeface="Arial"/>
-              </a:rPr>
-              <a:t>	</a:t>
-            </a:r>
-            <a:r>
-              <a:rPr b="1" lang="fr-FR" sz="2000" strike="noStrike">
-                <a:solidFill>
-                  <a:srgbClr val="004d6f"/>
-                </a:solidFill>
-                <a:latin typeface="Arial"/>
-              </a:rPr>
-              <a:t>	</a:t>
-            </a:r>
-            <a:r>
-              <a:rPr b="1" lang="fr-FR" sz="2000" strike="noStrike">
-                <a:solidFill>
-                  <a:srgbClr val="004d6f"/>
-                </a:solidFill>
-                <a:latin typeface="Arial"/>
-              </a:rPr>
-              <a:t>Maud </a:t>
-            </a:r>
-            <a:r>
-              <a:rPr b="1" lang="fr-FR" sz="2000" strike="noStrike">
-                <a:solidFill>
-                  <a:srgbClr val="004d6f"/>
-                </a:solidFill>
-                <a:latin typeface="Arial"/>
-              </a:rPr>
-              <a:t>Leray</a:t>
+              <a:rPr lang="fr-FR" sz="2000" b="1" strike="noStrike">
+                <a:solidFill>
+                  <a:srgbClr val="004D6F"/>
+                </a:solidFill>
+                <a:latin typeface="Arial"/>
+              </a:rPr>
+              <a:t>		Maud Leray</a:t>
             </a:r>
             <a:endParaRPr/>
           </a:p>
@@ -8473,22 +8893,13 @@
               </a:lnSpc>
             </a:pPr>
             <a:r>
-              <a:rPr b="1" lang="fr-FR" sz="2000" strike="noStrike">
-                <a:solidFill>
-                  <a:srgbClr val="004d6f"/>
-                </a:solidFill>
-                <a:latin typeface="Arial"/>
-              </a:rPr>
-              <a:t>	</a:t>
-            </a:r>
-            <a:r>
-              <a:rPr b="1" lang="fr-FR" sz="2000" strike="noStrike">
-                <a:solidFill>
-                  <a:srgbClr val="004d6f"/>
-                </a:solidFill>
-                <a:latin typeface="Arial"/>
-              </a:rPr>
-              <a:t>Deux encadrants</a:t>
+              <a:rPr lang="fr-FR" sz="2000" b="1" strike="noStrike">
+                <a:solidFill>
+                  <a:srgbClr val="004D6F"/>
+                </a:solidFill>
+                <a:latin typeface="Arial"/>
+              </a:rPr>
+              <a:t>	Deux encadrants</a:t>
             </a:r>
             <a:endParaRPr/>
           </a:p>
@@ -8499,40 +8910,13 @@
               </a:lnSpc>
             </a:pPr>
             <a:r>
-              <a:rPr b="1" lang="fr-FR" sz="2000" strike="noStrike">
-                <a:solidFill>
-                  <a:srgbClr val="004d6f"/>
-                </a:solidFill>
-                <a:latin typeface="Arial"/>
-              </a:rPr>
-              <a:t>	</a:t>
-            </a:r>
-            <a:r>
-              <a:rPr b="1" lang="fr-FR" sz="2000" strike="noStrike">
-                <a:solidFill>
-                  <a:srgbClr val="004d6f"/>
-                </a:solidFill>
-                <a:latin typeface="Arial"/>
-              </a:rPr>
-              <a:t>	</a:t>
-            </a:r>
-            <a:r>
-              <a:rPr b="1" lang="fr-FR" sz="2000" strike="noStrike">
-                <a:solidFill>
-                  <a:srgbClr val="004d6f"/>
-                </a:solidFill>
-                <a:latin typeface="Arial"/>
-              </a:rPr>
-              <a:t>Gildas </a:t>
-            </a:r>
-            <a:r>
-              <a:rPr b="1" lang="fr-FR" sz="2000" strike="noStrike">
-                <a:solidFill>
-                  <a:srgbClr val="004d6f"/>
-                </a:solidFill>
-                <a:latin typeface="Arial"/>
-              </a:rPr>
-              <a:t>Avoine</a:t>
+              <a:rPr lang="fr-FR" sz="2000" b="1" strike="noStrike">
+                <a:solidFill>
+                  <a:srgbClr val="004D6F"/>
+                </a:solidFill>
+                <a:latin typeface="Arial"/>
+              </a:rPr>
+              <a:t>		Gildas Avoine</a:t>
             </a:r>
             <a:endParaRPr/>
           </a:p>
@@ -8543,40 +8927,13 @@
               </a:lnSpc>
             </a:pPr>
             <a:r>
-              <a:rPr b="1" lang="fr-FR" sz="2000" strike="noStrike">
-                <a:solidFill>
-                  <a:srgbClr val="004d6f"/>
-                </a:solidFill>
-                <a:latin typeface="Arial"/>
-              </a:rPr>
-              <a:t>	</a:t>
-            </a:r>
-            <a:r>
-              <a:rPr b="1" lang="fr-FR" sz="2000" strike="noStrike">
-                <a:solidFill>
-                  <a:srgbClr val="004d6f"/>
-                </a:solidFill>
-                <a:latin typeface="Arial"/>
-              </a:rPr>
-              <a:t>	</a:t>
-            </a:r>
-            <a:r>
-              <a:rPr b="1" lang="fr-FR" sz="2000" strike="noStrike">
-                <a:solidFill>
-                  <a:srgbClr val="004d6f"/>
-                </a:solidFill>
-                <a:latin typeface="Arial"/>
-              </a:rPr>
-              <a:t>Barbara </a:t>
-            </a:r>
-            <a:r>
-              <a:rPr b="1" lang="fr-FR" sz="2000" strike="noStrike">
-                <a:solidFill>
-                  <a:srgbClr val="004d6f"/>
-                </a:solidFill>
-                <a:latin typeface="Arial"/>
-              </a:rPr>
-              <a:t>Kordy</a:t>
+              <a:rPr lang="fr-FR" sz="2000" b="1" strike="noStrike">
+                <a:solidFill>
+                  <a:srgbClr val="004D6F"/>
+                </a:solidFill>
+                <a:latin typeface="Arial"/>
+              </a:rPr>
+              <a:t>		Barbara Kordy</a:t>
             </a:r>
             <a:endParaRPr/>
           </a:p>
@@ -8584,11 +8941,14 @@
       </p:sp>
     </p:spTree>
   </p:cSld>
+  <p:clrMapOvr>
+    <a:masterClrMapping/>
+  </p:clrMapOvr>
 </p:sld>
 </file>
 
 <file path=ppt/slides/slide9.xml><?xml version="1.0" encoding="utf-8"?>
-<p:sld xmlns:a="http://schemas.openxmlformats.org/drawingml/2006/main" xmlns:p="http://schemas.openxmlformats.org/presentationml/2006/main" xmlns:r="http://schemas.openxmlformats.org/officeDocument/2006/relationships">
+<p:sld xmlns:a="http://schemas.openxmlformats.org/drawingml/2006/main" xmlns:r="http://schemas.openxmlformats.org/officeDocument/2006/relationships" xmlns:p="http://schemas.openxmlformats.org/presentationml/2006/main">
   <p:cSld>
     <p:spTree>
       <p:nvGrpSpPr>
@@ -8625,6 +8985,7 @@
         </p:spPr>
         <p:txBody>
           <a:bodyPr anchor="ctr"/>
+          <a:lstStyle/>
           <a:p>
             <a:pPr algn="ctr">
               <a:lnSpc>
@@ -8632,9 +8993,9 @@
               </a:lnSpc>
             </a:pPr>
             <a:r>
-              <a:rPr b="1" lang="fr-FR" sz="1600" strike="noStrike">
-                <a:solidFill>
-                  <a:srgbClr val="4f4d50"/>
+              <a:rPr lang="fr-FR" sz="1600" b="1" strike="noStrike">
+                <a:solidFill>
+                  <a:srgbClr val="4F4D50"/>
                 </a:solidFill>
                 <a:latin typeface="Arial"/>
               </a:rPr>
@@ -8665,6 +9026,7 @@
         </p:spPr>
         <p:txBody>
           <a:bodyPr/>
+          <a:lstStyle/>
           <a:p>
             <a:pPr algn="ctr">
               <a:lnSpc>
@@ -8672,9 +9034,9 @@
               </a:lnSpc>
             </a:pPr>
             <a:r>
-              <a:rPr b="1" lang="fr-FR" sz="2800" strike="noStrike">
-                <a:solidFill>
-                  <a:srgbClr val="004d6f"/>
+              <a:rPr lang="fr-FR" sz="2800" b="1" strike="noStrike">
+                <a:solidFill>
+                  <a:srgbClr val="004D6F"/>
                 </a:solidFill>
                 <a:latin typeface="Arial"/>
               </a:rPr>
@@ -8697,9 +9059,9 @@
               </a:lnSpc>
             </a:pPr>
             <a:r>
-              <a:rPr b="1" lang="fr-FR" sz="2000" strike="noStrike">
-                <a:solidFill>
-                  <a:srgbClr val="004d6f"/>
+              <a:rPr lang="fr-FR" sz="2000" b="1" strike="noStrike">
+                <a:solidFill>
+                  <a:srgbClr val="004D6F"/>
                 </a:solidFill>
                 <a:latin typeface="Arial"/>
               </a:rPr>
@@ -8722,9 +9084,9 @@
               </a:lnSpc>
             </a:pPr>
             <a:r>
-              <a:rPr b="1" lang="fr-FR" sz="2000" strike="noStrike">
-                <a:solidFill>
-                  <a:srgbClr val="004d6f"/>
+              <a:rPr lang="fr-FR" sz="2000" b="1" strike="noStrike">
+                <a:solidFill>
+                  <a:srgbClr val="004D6F"/>
                 </a:solidFill>
                 <a:latin typeface="Arial"/>
               </a:rPr>
@@ -8739,22 +9101,13 @@
               </a:lnSpc>
             </a:pPr>
             <a:r>
-              <a:rPr b="1" lang="fr-FR" sz="2000" strike="noStrike">
-                <a:solidFill>
-                  <a:srgbClr val="004d6f"/>
-                </a:solidFill>
-                <a:latin typeface="Arial"/>
-              </a:rPr>
-              <a:t>	</a:t>
-            </a:r>
-            <a:r>
-              <a:rPr b="1" lang="fr-FR" sz="2000" strike="noStrike">
-                <a:solidFill>
-                  <a:srgbClr val="004d6f"/>
-                </a:solidFill>
-                <a:latin typeface="Arial"/>
-              </a:rPr>
-              <a:t>Documentation technique</a:t>
+              <a:rPr lang="fr-FR" sz="2000" b="1" strike="noStrike">
+                <a:solidFill>
+                  <a:srgbClr val="004D6F"/>
+                </a:solidFill>
+                <a:latin typeface="Arial"/>
+              </a:rPr>
+              <a:t>	Documentation technique</a:t>
             </a:r>
             <a:endParaRPr/>
           </a:p>
@@ -8765,22 +9118,13 @@
               </a:lnSpc>
             </a:pPr>
             <a:r>
-              <a:rPr b="1" lang="fr-FR" sz="2000" strike="noStrike">
-                <a:solidFill>
-                  <a:srgbClr val="004d6f"/>
-                </a:solidFill>
-                <a:latin typeface="Arial"/>
-              </a:rPr>
-              <a:t>	</a:t>
-            </a:r>
-            <a:r>
-              <a:rPr b="1" lang="fr-FR" sz="2000" strike="noStrike">
-                <a:solidFill>
-                  <a:srgbClr val="004d6f"/>
-                </a:solidFill>
-                <a:latin typeface="Arial"/>
-              </a:rPr>
-              <a:t>Tests unitaires</a:t>
+              <a:rPr lang="fr-FR" sz="2000" b="1" strike="noStrike">
+                <a:solidFill>
+                  <a:srgbClr val="004D6F"/>
+                </a:solidFill>
+                <a:latin typeface="Arial"/>
+              </a:rPr>
+              <a:t>	Tests unitaires</a:t>
             </a:r>
             <a:endParaRPr/>
           </a:p>
@@ -8788,6 +9132,9 @@
       </p:sp>
     </p:spTree>
   </p:cSld>
+  <p:clrMapOvr>
+    <a:masterClrMapping/>
+  </p:clrMapOvr>
 </p:sld>
 </file>
 
@@ -9011,6 +9358,8 @@
       </a:bgFillStyleLst>
     </a:fmtScheme>
   </a:themeElements>
+  <a:objectDefaults/>
+  <a:extraClrSchemeLst/>
 </a:theme>
 </file>
 
@@ -9234,6 +9583,8 @@
       </a:bgFillStyleLst>
     </a:fmtScheme>
   </a:themeElements>
+  <a:objectDefaults/>
+  <a:extraClrSchemeLst/>
 </a:theme>
 </file>
 
@@ -9457,5 +9808,7 @@
       </a:bgFillStyleLst>
     </a:fmtScheme>
   </a:themeElements>
+  <a:objectDefaults/>
+  <a:extraClrSchemeLst/>
 </a:theme>
 </file>
--- a/soutenances/planification/soutenance_planification.pptx
+++ b/soutenances/planification/soutenance_planification.pptx
@@ -11,7 +11,7 @@
   <p:sldIdLst>
     <p:sldId id="256" r:id="rId3"/>
     <p:sldId id="257" r:id="rId4"/>
-    <p:sldId id="258" r:id="rId5"/>
+    <p:sldId id="279" r:id="rId5"/>
     <p:sldId id="259" r:id="rId6"/>
     <p:sldId id="260" r:id="rId7"/>
     <p:sldId id="261" r:id="rId8"/>
@@ -440,81 +440,75 @@
       </p:grpSpPr>
       <p:sp>
         <p:nvSpPr>
-          <p:cNvPr id="156" name="PlaceHolder 1"/>
+          <p:cNvPr id="2" name="Espace réservé de l'image des diapositives 1"/>
+          <p:cNvSpPr>
+            <a:spLocks noGrp="1" noRot="1" noChangeAspect="1"/>
+          </p:cNvSpPr>
+          <p:nvPr>
+            <p:ph type="sldImg"/>
+          </p:nvPr>
+        </p:nvSpPr>
+        <p:spPr>
+          <a:xfrm>
+            <a:off x="1143000" y="685800"/>
+            <a:ext cx="4572000" cy="3429000"/>
+          </a:xfrm>
+          <a:prstGeom prst="rect">
+            <a:avLst/>
+          </a:prstGeom>
+          <a:noFill/>
+          <a:ln w="12700">
+            <a:solidFill>
+              <a:prstClr val="black"/>
+            </a:solidFill>
+          </a:ln>
+        </p:spPr>
+      </p:sp>
+      <p:sp>
+        <p:nvSpPr>
+          <p:cNvPr id="3" name="Espace réservé des commentaires 2"/>
           <p:cNvSpPr>
             <a:spLocks noGrp="1"/>
           </p:cNvSpPr>
           <p:nvPr>
-            <p:ph type="body"/>
+            <p:ph type="body" idx="1"/>
           </p:nvPr>
         </p:nvSpPr>
-        <p:spPr>
-          <a:xfrm>
-            <a:off x="685800" y="4343400"/>
-            <a:ext cx="5486040" cy="4114440"/>
-          </a:xfrm>
-          <a:prstGeom prst="rect">
-            <a:avLst/>
-          </a:prstGeom>
-        </p:spPr>
+        <p:spPr/>
+        <p:txBody>
+          <a:bodyPr>
+            <a:normAutofit/>
+          </a:bodyPr>
+          <a:lstStyle/>
+          <a:p>
+            <a:endParaRPr lang="fr-FR"/>
+          </a:p>
+        </p:txBody>
+      </p:sp>
+      <p:sp>
+        <p:nvSpPr>
+          <p:cNvPr id="4" name="Espace réservé du numéro de diapositive 3"/>
+          <p:cNvSpPr>
+            <a:spLocks noGrp="1"/>
+          </p:cNvSpPr>
+          <p:nvPr>
+            <p:ph type="sldNum" idx="10"/>
+          </p:nvPr>
+        </p:nvSpPr>
+        <p:spPr/>
         <p:txBody>
           <a:bodyPr/>
           <a:lstStyle/>
           <a:p>
-            <a:r>
-              <a:rPr lang="fr-FR" sz="2000" strike="noStrike">
-                <a:latin typeface="Arial"/>
-              </a:rPr>
-              <a:t>Formalisme que nous ne développerons pas</a:t>
-            </a:r>
-            <a:endParaRPr/>
-          </a:p>
-        </p:txBody>
-      </p:sp>
-      <p:sp>
-        <p:nvSpPr>
-          <p:cNvPr id="157" name="TextShape 2"/>
-          <p:cNvSpPr txBox="1"/>
-          <p:nvPr/>
-        </p:nvSpPr>
-        <p:spPr>
-          <a:xfrm>
-            <a:off x="3884760" y="8685360"/>
-            <a:ext cx="2971440" cy="456840"/>
-          </a:xfrm>
-          <a:prstGeom prst="rect">
-            <a:avLst/>
-          </a:prstGeom>
-          <a:noFill/>
-          <a:ln>
-            <a:noFill/>
-          </a:ln>
-        </p:spPr>
-        <p:txBody>
-          <a:bodyPr anchor="b"/>
-          <a:lstStyle/>
-          <a:p>
-            <a:pPr algn="r">
-              <a:lnSpc>
-                <a:spcPct val="100000"/>
-              </a:lnSpc>
-            </a:pPr>
-            <a:fld id="{E0BDB075-CA7F-4AE9-8CC0-06B8D878903B}" type="slidenum">
-              <a:rPr lang="fr-FR" sz="1200" strike="noStrike">
-                <a:solidFill>
-                  <a:srgbClr val="000000"/>
-                </a:solidFill>
-                <a:latin typeface="+mn-lt"/>
-                <a:ea typeface="+mn-ea"/>
-              </a:rPr>
-              <a:pPr algn="r">
-                <a:lnSpc>
-                  <a:spcPct val="100000"/>
-                </a:lnSpc>
-              </a:pPr>
-              <a:t>5</a:t>
+            <a:pPr algn="r"/>
+            <a:fld id="{DAE4472E-6CE6-45D8-A535-0399A0614DAA}" type="slidenum">
+              <a:rPr lang="fr-FR" sz="1400" smtClean="0">
+                <a:latin typeface="Times New Roman"/>
+              </a:rPr>
+              <a:pPr algn="r"/>
+              <a:t>1</a:t>
             </a:fld>
-            <a:endParaRPr/>
+            <a:endParaRPr lang="fr-FR"/>
           </a:p>
         </p:txBody>
       </p:sp>
@@ -527,6 +521,111 @@
 </file>
 
 <file path=ppt/notesSlides/notesSlide2.xml><?xml version="1.0" encoding="utf-8"?>
+<p:notes xmlns:a="http://schemas.openxmlformats.org/drawingml/2006/main" xmlns:r="http://schemas.openxmlformats.org/officeDocument/2006/relationships" xmlns:p="http://schemas.openxmlformats.org/presentationml/2006/main">
+  <p:cSld>
+    <p:spTree>
+      <p:nvGrpSpPr>
+        <p:cNvPr id="1" name=""/>
+        <p:cNvGrpSpPr/>
+        <p:nvPr/>
+      </p:nvGrpSpPr>
+      <p:grpSpPr>
+        <a:xfrm>
+          <a:off x="0" y="0"/>
+          <a:ext cx="0" cy="0"/>
+          <a:chOff x="0" y="0"/>
+          <a:chExt cx="0" cy="0"/>
+        </a:xfrm>
+      </p:grpSpPr>
+      <p:sp>
+        <p:nvSpPr>
+          <p:cNvPr id="156" name="PlaceHolder 1"/>
+          <p:cNvSpPr>
+            <a:spLocks noGrp="1"/>
+          </p:cNvSpPr>
+          <p:nvPr>
+            <p:ph type="body"/>
+          </p:nvPr>
+        </p:nvSpPr>
+        <p:spPr>
+          <a:xfrm>
+            <a:off x="685800" y="4343400"/>
+            <a:ext cx="5486040" cy="4114440"/>
+          </a:xfrm>
+          <a:prstGeom prst="rect">
+            <a:avLst/>
+          </a:prstGeom>
+        </p:spPr>
+        <p:txBody>
+          <a:bodyPr/>
+          <a:lstStyle/>
+          <a:p>
+            <a:r>
+              <a:rPr lang="fr-FR" sz="2000" strike="noStrike">
+                <a:latin typeface="Arial"/>
+              </a:rPr>
+              <a:t>Formalisme que nous ne développerons pas</a:t>
+            </a:r>
+            <a:endParaRPr/>
+          </a:p>
+        </p:txBody>
+      </p:sp>
+      <p:sp>
+        <p:nvSpPr>
+          <p:cNvPr id="157" name="TextShape 2"/>
+          <p:cNvSpPr txBox="1"/>
+          <p:nvPr/>
+        </p:nvSpPr>
+        <p:spPr>
+          <a:xfrm>
+            <a:off x="3884760" y="8685360"/>
+            <a:ext cx="2971440" cy="456840"/>
+          </a:xfrm>
+          <a:prstGeom prst="rect">
+            <a:avLst/>
+          </a:prstGeom>
+          <a:noFill/>
+          <a:ln>
+            <a:noFill/>
+          </a:ln>
+        </p:spPr>
+        <p:txBody>
+          <a:bodyPr anchor="b"/>
+          <a:lstStyle/>
+          <a:p>
+            <a:pPr algn="r">
+              <a:lnSpc>
+                <a:spcPct val="100000"/>
+              </a:lnSpc>
+            </a:pPr>
+            <a:fld id="{E0BDB075-CA7F-4AE9-8CC0-06B8D878903B}" type="slidenum">
+              <a:rPr lang="fr-FR" sz="1200" strike="noStrike">
+                <a:solidFill>
+                  <a:srgbClr val="000000"/>
+                </a:solidFill>
+                <a:latin typeface="+mn-lt"/>
+                <a:ea typeface="+mn-ea"/>
+              </a:rPr>
+              <a:pPr algn="r">
+                <a:lnSpc>
+                  <a:spcPct val="100000"/>
+                </a:lnSpc>
+              </a:pPr>
+              <a:t>5</a:t>
+            </a:fld>
+            <a:endParaRPr/>
+          </a:p>
+        </p:txBody>
+      </p:sp>
+    </p:spTree>
+  </p:cSld>
+  <p:clrMapOvr>
+    <a:masterClrMapping/>
+  </p:clrMapOvr>
+</p:notes>
+</file>
+
+<file path=ppt/notesSlides/notesSlide3.xml><?xml version="1.0" encoding="utf-8"?>
 <p:notes xmlns:a="http://schemas.openxmlformats.org/drawingml/2006/main" xmlns:r="http://schemas.openxmlformats.org/officeDocument/2006/relationships" xmlns:p="http://schemas.openxmlformats.org/presentationml/2006/main">
   <p:cSld>
     <p:spTree>
@@ -4989,7 +5088,7 @@
               </a:lnSpc>
             </a:pPr>
             <a:r>
-              <a:rPr lang="fr-FR" sz="2000" strike="noStrike">
+              <a:rPr lang="fr-FR" sz="2000" strike="noStrike" cap="small">
                 <a:solidFill>
                   <a:srgbClr val="2F2F2F"/>
                 </a:solidFill>
@@ -4997,7 +5096,7 @@
               </a:rPr>
               <a:t>Soutenance de planification</a:t>
             </a:r>
-            <a:endParaRPr/>
+            <a:endParaRPr cap="small"/>
           </a:p>
         </p:txBody>
       </p:sp>
@@ -5044,13 +5143,17 @@
             <a:r>
               <a:rPr lang="fr-FR" b="1" strike="noStrike">
                 <a:solidFill>
-                  <a:srgbClr val="E52713"/>
+                  <a:schemeClr val="bg1"/>
                 </a:solidFill>
                 <a:latin typeface="Arial"/>
               </a:rPr>
               <a:t>Encadrants</a:t>
             </a:r>
-            <a:endParaRPr/>
+            <a:endParaRPr>
+              <a:solidFill>
+                <a:schemeClr val="bg1"/>
+              </a:solidFill>
+            </a:endParaRPr>
           </a:p>
         </p:txBody>
       </p:sp>
@@ -5096,9 +5199,6 @@
             </a:pPr>
             <a:r>
               <a:rPr lang="fr-FR" strike="noStrike">
-                <a:solidFill>
-                  <a:srgbClr val="2F2F2F"/>
-                </a:solidFill>
                 <a:latin typeface="Arial"/>
               </a:rPr>
               <a:t>Gildas AVOINE</a:t>
@@ -5113,9 +5213,6 @@
             </a:pPr>
             <a:r>
               <a:rPr lang="fr-FR" strike="noStrike">
-                <a:solidFill>
-                  <a:srgbClr val="2F2F2F"/>
-                </a:solidFill>
                 <a:latin typeface="Arial"/>
               </a:rPr>
               <a:t>Barbara KORDY</a:t>
@@ -5323,8 +5420,8 @@
         </p:nvSpPr>
         <p:spPr>
           <a:xfrm>
-            <a:off x="0" y="2061000"/>
-            <a:ext cx="4715640" cy="1613880"/>
+            <a:off x="0" y="1628800"/>
+            <a:ext cx="4715640" cy="2880320"/>
           </a:xfrm>
           <a:prstGeom prst="rect">
             <a:avLst/>
@@ -5356,15 +5453,11 @@
               </a:lnSpc>
             </a:pPr>
             <a:r>
-              <a:rPr lang="fr-FR" sz="2500" strike="noStrike">
-                <a:solidFill>
-                  <a:srgbClr val="2F2F2F"/>
-                </a:solidFill>
-                <a:latin typeface="Arial"/>
-              </a:rPr>
-              <a:t>Est-il difficile </a:t>
-            </a:r>
-            <a:endParaRPr/>
+              <a:rPr lang="fr-FR" sz="2800" b="1" strike="noStrike" cap="small" smtClean="0">
+                <a:latin typeface="+mj-lt"/>
+              </a:rPr>
+              <a:t>Est-il</a:t>
+            </a:r>
           </a:p>
           <a:p>
             <a:pPr>
@@ -5373,15 +5466,11 @@
               </a:lnSpc>
             </a:pPr>
             <a:r>
-              <a:rPr lang="fr-FR" sz="2500" strike="noStrike">
-                <a:solidFill>
-                  <a:srgbClr val="2F2F2F"/>
-                </a:solidFill>
-                <a:latin typeface="Arial"/>
-              </a:rPr>
-              <a:t>de paralyser les</a:t>
-            </a:r>
-            <a:endParaRPr/>
+              <a:rPr lang="fr-FR" sz="2800" b="1" strike="noStrike" cap="small" smtClean="0">
+                <a:latin typeface="+mj-lt"/>
+              </a:rPr>
+              <a:t>difficile de</a:t>
+            </a:r>
           </a:p>
           <a:p>
             <a:pPr>
@@ -5390,15 +5479,20 @@
               </a:lnSpc>
             </a:pPr>
             <a:r>
-              <a:rPr lang="fr-FR" sz="2500" strike="noStrike">
-                <a:solidFill>
-                  <a:srgbClr val="2F2F2F"/>
-                </a:solidFill>
-                <a:latin typeface="Arial"/>
-              </a:rPr>
-              <a:t>transports en commun </a:t>
-            </a:r>
-            <a:endParaRPr/>
+              <a:rPr lang="fr-FR" sz="2800" b="1" strike="noStrike" cap="small" smtClean="0">
+                <a:latin typeface="+mj-lt"/>
+              </a:rPr>
+              <a:t>paralyser </a:t>
+            </a:r>
+            <a:r>
+              <a:rPr lang="fr-FR" sz="2800" b="1" strike="noStrike" cap="small">
+                <a:latin typeface="+mj-lt"/>
+              </a:rPr>
+              <a:t>les</a:t>
+            </a:r>
+            <a:endParaRPr sz="2800" b="1" cap="small">
+              <a:latin typeface="+mj-lt"/>
+            </a:endParaRPr>
           </a:p>
           <a:p>
             <a:pPr>
@@ -5407,15 +5501,49 @@
               </a:lnSpc>
             </a:pPr>
             <a:r>
-              <a:rPr lang="fr-FR" sz="2500" strike="noStrike">
-                <a:solidFill>
-                  <a:srgbClr val="2F2F2F"/>
-                </a:solidFill>
-                <a:latin typeface="Arial"/>
-              </a:rPr>
-              <a:t>à Rennes ?</a:t>
-            </a:r>
-            <a:endParaRPr/>
+              <a:rPr lang="fr-FR" sz="2800" b="1" strike="noStrike" cap="small">
+                <a:latin typeface="+mj-lt"/>
+              </a:rPr>
+              <a:t>transports en </a:t>
+            </a:r>
+            <a:endParaRPr lang="fr-FR" sz="2800" b="1" strike="noStrike" cap="small" smtClean="0">
+              <a:latin typeface="+mj-lt"/>
+            </a:endParaRPr>
+          </a:p>
+          <a:p>
+            <a:pPr>
+              <a:lnSpc>
+                <a:spcPct val="100000"/>
+              </a:lnSpc>
+            </a:pPr>
+            <a:r>
+              <a:rPr lang="fr-FR" sz="2800" b="1" strike="noStrike" cap="small" smtClean="0">
+                <a:latin typeface="+mj-lt"/>
+              </a:rPr>
+              <a:t>commun de</a:t>
+            </a:r>
+          </a:p>
+          <a:p>
+            <a:pPr>
+              <a:lnSpc>
+                <a:spcPct val="100000"/>
+              </a:lnSpc>
+            </a:pPr>
+            <a:r>
+              <a:rPr lang="fr-FR" sz="2800" b="1" strike="noStrike" cap="small" smtClean="0">
+                <a:latin typeface="+mj-lt"/>
+              </a:rPr>
+              <a:t>Rennes </a:t>
+            </a:r>
+            <a:r>
+              <a:rPr lang="fr-FR" sz="2800" b="1" strike="noStrike" cap="small">
+                <a:latin typeface="+mj-lt"/>
+              </a:rPr>
+              <a:t>?</a:t>
+            </a:r>
+            <a:endParaRPr sz="2800" b="1" cap="small">
+              <a:latin typeface="+mj-lt"/>
+            </a:endParaRPr>
           </a:p>
         </p:txBody>
       </p:sp>
@@ -5559,25 +5687,32 @@
             </a:pPr>
             <a:endParaRPr/>
           </a:p>
-          <a:p>
-            <a:pPr>
-              <a:lnSpc>
-                <a:spcPct val="100000"/>
-              </a:lnSpc>
-            </a:pPr>
-            <a:r>
-              <a:rPr lang="fr-FR" sz="2000" b="1" strike="noStrike">
-                <a:solidFill>
-                  <a:srgbClr val="004D6F"/>
-                </a:solidFill>
-                <a:latin typeface="Arial"/>
-              </a:rPr>
-              <a:t>ADTool</a:t>
-            </a:r>
-            <a:endParaRPr/>
-          </a:p>
-        </p:txBody>
-      </p:sp>
+        </p:txBody>
+      </p:sp>
+      <p:pic>
+        <p:nvPicPr>
+          <p:cNvPr id="4" name="Image 3" descr="ADTool.png"/>
+          <p:cNvPicPr>
+            <a:picLocks noChangeAspect="1"/>
+          </p:cNvPicPr>
+          <p:nvPr/>
+        </p:nvPicPr>
+        <p:blipFill>
+          <a:blip r:embed="rId2" cstate="print"/>
+          <a:stretch>
+            <a:fillRect/>
+          </a:stretch>
+        </p:blipFill>
+        <p:spPr>
+          <a:xfrm>
+            <a:off x="2555776" y="2276872"/>
+            <a:ext cx="4401681" cy="2507935"/>
+          </a:xfrm>
+          <a:prstGeom prst="rect">
+            <a:avLst/>
+          </a:prstGeom>
+        </p:spPr>
+      </p:pic>
     </p:spTree>
   </p:cSld>
   <p:clrMapOvr>
@@ -5691,25 +5826,32 @@
             </a:pPr>
             <a:endParaRPr/>
           </a:p>
-          <a:p>
-            <a:pPr>
-              <a:lnSpc>
-                <a:spcPct val="100000"/>
-              </a:lnSpc>
-            </a:pPr>
-            <a:r>
-              <a:rPr lang="fr-FR" sz="2000" b="1" strike="noStrike">
-                <a:solidFill>
-                  <a:srgbClr val="004D6F"/>
-                </a:solidFill>
-                <a:latin typeface="Arial"/>
-              </a:rPr>
-              <a:t>Windows</a:t>
-            </a:r>
-            <a:endParaRPr/>
-          </a:p>
-        </p:txBody>
-      </p:sp>
+        </p:txBody>
+      </p:sp>
+      <p:pic>
+        <p:nvPicPr>
+          <p:cNvPr id="4" name="Image 3" descr="Windows_logo.png"/>
+          <p:cNvPicPr>
+            <a:picLocks noChangeAspect="1"/>
+          </p:cNvPicPr>
+          <p:nvPr/>
+        </p:nvPicPr>
+        <p:blipFill>
+          <a:blip r:embed="rId2" cstate="print"/>
+          <a:stretch>
+            <a:fillRect/>
+          </a:stretch>
+        </p:blipFill>
+        <p:spPr>
+          <a:xfrm>
+            <a:off x="3275856" y="2348880"/>
+            <a:ext cx="2559536" cy="2559536"/>
+          </a:xfrm>
+          <a:prstGeom prst="rect">
+            <a:avLst/>
+          </a:prstGeom>
+        </p:spPr>
+      </p:pic>
     </p:spTree>
   </p:cSld>
   <p:clrMapOvr>
@@ -5891,13 +6033,47 @@
               </a:lnSpc>
             </a:pPr>
             <a:r>
+              <a:rPr lang="fr-FR" sz="2000" b="1" strike="noStrike">
+                <a:solidFill>
+                  <a:srgbClr val="004D6F"/>
+                </a:solidFill>
+                <a:latin typeface="Arial"/>
+              </a:rPr>
+              <a:t>Livraison </a:t>
+            </a:r>
+            <a:r>
+              <a:rPr lang="fr-FR" sz="2000" b="1" strike="noStrike" smtClean="0">
+                <a:solidFill>
+                  <a:srgbClr val="004D6F"/>
+                </a:solidFill>
+                <a:latin typeface="Arial"/>
+              </a:rPr>
+              <a:t>:</a:t>
+            </a:r>
+            <a:endParaRPr dirty="0"/>
+          </a:p>
+          <a:p>
+            <a:pPr>
+              <a:lnSpc>
+                <a:spcPct val="100000"/>
+              </a:lnSpc>
+            </a:pPr>
+            <a:endParaRPr dirty="0"/>
+          </a:p>
+          <a:p>
+            <a:pPr>
+              <a:lnSpc>
+                <a:spcPct val="100000"/>
+              </a:lnSpc>
+            </a:pPr>
+            <a:r>
               <a:rPr lang="fr-FR" sz="2000" b="1" strike="noStrike" dirty="0">
                 <a:solidFill>
                   <a:srgbClr val="004D6F"/>
                 </a:solidFill>
                 <a:latin typeface="Arial"/>
               </a:rPr>
-              <a:t>Livraison : 28 mai</a:t>
+              <a:t>Semaines bloquées</a:t>
             </a:r>
             <a:endParaRPr dirty="0"/>
           </a:p>
@@ -5907,6 +6083,14 @@
                 <a:spcPct val="100000"/>
               </a:lnSpc>
             </a:pPr>
+            <a:endParaRPr lang="fr-FR" smtClean="0"/>
+          </a:p>
+          <a:p>
+            <a:pPr>
+              <a:lnSpc>
+                <a:spcPct val="100000"/>
+              </a:lnSpc>
+            </a:pPr>
             <a:endParaRPr dirty="0"/>
           </a:p>
           <a:p>
@@ -5916,89 +6100,13 @@
               </a:lnSpc>
             </a:pPr>
             <a:r>
-              <a:rPr lang="fr-FR" sz="2000" b="1" strike="noStrike" dirty="0">
+              <a:rPr lang="fr-FR" sz="2000" b="1" strike="noStrike" smtClean="0">
                 <a:solidFill>
                   <a:srgbClr val="004D6F"/>
                 </a:solidFill>
                 <a:latin typeface="Arial"/>
               </a:rPr>
-              <a:t>Semaines bloquées</a:t>
-            </a:r>
-            <a:endParaRPr dirty="0"/>
-          </a:p>
-          <a:p>
-            <a:pPr>
-              <a:lnSpc>
-                <a:spcPct val="100000"/>
-              </a:lnSpc>
-            </a:pPr>
-            <a:r>
-              <a:rPr lang="fr-FR" sz="2000" b="1" strike="noStrike" dirty="0">
-                <a:solidFill>
-                  <a:srgbClr val="004D6F"/>
-                </a:solidFill>
-                <a:latin typeface="Arial"/>
-              </a:rPr>
-              <a:t>16/12 ; 20/05 ; 26/05</a:t>
-            </a:r>
-            <a:endParaRPr dirty="0"/>
-          </a:p>
-          <a:p>
-            <a:pPr>
-              <a:lnSpc>
-                <a:spcPct val="100000"/>
-              </a:lnSpc>
-            </a:pPr>
-            <a:endParaRPr dirty="0"/>
-          </a:p>
-          <a:p>
-            <a:pPr>
-              <a:lnSpc>
-                <a:spcPct val="100000"/>
-              </a:lnSpc>
-            </a:pPr>
-            <a:r>
-              <a:rPr lang="fr-FR" sz="2000" b="1" strike="noStrike" dirty="0">
-                <a:solidFill>
-                  <a:srgbClr val="004D6F"/>
-                </a:solidFill>
-                <a:latin typeface="Arial"/>
-              </a:rPr>
               <a:t>Vacances</a:t>
-            </a:r>
-            <a:endParaRPr dirty="0"/>
-          </a:p>
-          <a:p>
-            <a:pPr>
-              <a:lnSpc>
-                <a:spcPct val="100000"/>
-              </a:lnSpc>
-            </a:pPr>
-            <a:r>
-              <a:rPr lang="fr-FR" sz="2000" b="1" strike="noStrike" dirty="0">
-                <a:solidFill>
-                  <a:srgbClr val="004D6F"/>
-                </a:solidFill>
-                <a:latin typeface="Arial"/>
-              </a:rPr>
-              <a:t>du 22/12/2013 au 17/01/2014</a:t>
-            </a:r>
-            <a:endParaRPr dirty="0"/>
-          </a:p>
-          <a:p>
-            <a:pPr>
-              <a:lnSpc>
-                <a:spcPct val="100000"/>
-              </a:lnSpc>
-            </a:pPr>
-            <a:r>
-              <a:rPr lang="fr-FR" sz="2000" b="1" strike="noStrike" dirty="0">
-                <a:solidFill>
-                  <a:srgbClr val="004D6F"/>
-                </a:solidFill>
-                <a:latin typeface="Arial"/>
-              </a:rPr>
-              <a:t>du 27/04/2014 au 16/05/2014.</a:t>
             </a:r>
             <a:endParaRPr dirty="0"/>
           </a:p>
@@ -7948,95 +8056,30 @@
           </a:p>
         </p:txBody>
       </p:sp>
-      <p:sp>
-        <p:nvSpPr>
-          <p:cNvPr id="155" name="TextShape 2"/>
-          <p:cNvSpPr txBox="1"/>
+      <p:pic>
+        <p:nvPicPr>
+          <p:cNvPr id="5" name="Image 4" descr="thanks.jpg"/>
+          <p:cNvPicPr>
+            <a:picLocks noChangeAspect="1"/>
+          </p:cNvPicPr>
           <p:nvPr/>
-        </p:nvSpPr>
-        <p:spPr>
-          <a:xfrm>
-            <a:off x="457200" y="980640"/>
-            <a:ext cx="8229240" cy="5328360"/>
-          </a:xfrm>
-          <a:prstGeom prst="rect">
-            <a:avLst/>
-          </a:prstGeom>
-          <a:noFill/>
-          <a:ln>
-            <a:noFill/>
-          </a:ln>
-        </p:spPr>
-        <p:txBody>
-          <a:bodyPr/>
-          <a:lstStyle/>
-          <a:p>
-            <a:pPr algn="ctr">
-              <a:lnSpc>
-                <a:spcPct val="100000"/>
-              </a:lnSpc>
-            </a:pPr>
-            <a:endParaRPr/>
-          </a:p>
-          <a:p>
-            <a:pPr algn="ctr">
-              <a:lnSpc>
-                <a:spcPct val="100000"/>
-              </a:lnSpc>
-            </a:pPr>
-            <a:endParaRPr/>
-          </a:p>
-          <a:p>
-            <a:pPr algn="ctr">
-              <a:lnSpc>
-                <a:spcPct val="100000"/>
-              </a:lnSpc>
-            </a:pPr>
-            <a:r>
-              <a:rPr lang="fr-FR" sz="2800" b="1" strike="noStrike">
-                <a:solidFill>
-                  <a:srgbClr val="004D6F"/>
-                </a:solidFill>
-                <a:latin typeface="Arial"/>
-              </a:rPr>
-              <a:t>Merci de ton attention enculé</a:t>
-            </a:r>
-            <a:endParaRPr/>
-          </a:p>
-          <a:p>
-            <a:pPr>
-              <a:lnSpc>
-                <a:spcPct val="100000"/>
-              </a:lnSpc>
-            </a:pPr>
-            <a:endParaRPr/>
-          </a:p>
-          <a:p>
-            <a:pPr>
-              <a:lnSpc>
-                <a:spcPct val="100000"/>
-              </a:lnSpc>
-            </a:pPr>
-            <a:endParaRPr/>
-          </a:p>
-          <a:p>
-            <a:pPr>
-              <a:lnSpc>
-                <a:spcPct val="100000"/>
-              </a:lnSpc>
-            </a:pPr>
-            <a:endParaRPr/>
-          </a:p>
-          <a:p>
-            <a:pPr>
-              <a:lnSpc>
-                <a:spcPct val="100000"/>
-              </a:lnSpc>
-            </a:pPr>
-            <a:endParaRPr/>
-          </a:p>
-        </p:txBody>
-      </p:sp>
+        </p:nvPicPr>
+        <p:blipFill>
+          <a:blip r:embed="rId2" cstate="print"/>
+          <a:stretch>
+            <a:fillRect/>
+          </a:stretch>
+        </p:blipFill>
+        <p:spPr>
+          <a:xfrm>
+            <a:off x="2644140" y="1478280"/>
+            <a:ext cx="3855720" cy="3901440"/>
+          </a:xfrm>
+          <a:prstGeom prst="rect">
+            <a:avLst/>
+          </a:prstGeom>
+        </p:spPr>
+      </p:pic>
     </p:spTree>
   </p:cSld>
   <p:clrMapOvr>
@@ -8064,7 +8107,7 @@
       </p:grpSpPr>
       <p:sp>
         <p:nvSpPr>
-          <p:cNvPr id="110" name="TextShape 1"/>
+          <p:cNvPr id="122" name="TextShape 1"/>
           <p:cNvSpPr txBox="1"/>
           <p:nvPr/>
         </p:nvSpPr>
@@ -8091,13 +8134,13 @@
       </p:sp>
       <p:sp>
         <p:nvSpPr>
-          <p:cNvPr id="111" name="TextShape 2"/>
+          <p:cNvPr id="123" name="TextShape 2"/>
           <p:cNvSpPr txBox="1"/>
           <p:nvPr/>
         </p:nvSpPr>
         <p:spPr>
           <a:xfrm>
-            <a:off x="482760" y="1800000"/>
+            <a:off x="457200" y="2781000"/>
             <a:ext cx="8229240" cy="3528000"/>
           </a:xfrm>
           <a:prstGeom prst="rect">
@@ -8118,73 +8161,23 @@
               </a:lnSpc>
             </a:pPr>
             <a:r>
-              <a:rPr lang="fr-FR" sz="5400" b="1" strike="noStrike">
+              <a:rPr lang="fr-FR" sz="5400" b="1" strike="noStrike" smtClean="0">
                 <a:solidFill>
                   <a:srgbClr val="004D6F"/>
                 </a:solidFill>
                 <a:latin typeface="Arial"/>
               </a:rPr>
-              <a:t>Besoins</a:t>
-            </a:r>
-            <a:endParaRPr/>
-          </a:p>
-        </p:txBody>
-      </p:sp>
-      <p:pic>
-        <p:nvPicPr>
-          <p:cNvPr id="112" name="Image 111"/>
-          <p:cNvPicPr/>
-          <p:nvPr/>
-        </p:nvPicPr>
-        <p:blipFill>
-          <a:blip r:embed="rId2" cstate="print"/>
-          <a:stretch/>
-        </p:blipFill>
-        <p:spPr>
-          <a:xfrm>
-            <a:off x="3341160" y="3197160"/>
-            <a:ext cx="2418840" cy="2418840"/>
-          </a:xfrm>
-          <a:prstGeom prst="rect">
-            <a:avLst/>
-          </a:prstGeom>
-          <a:ln>
-            <a:noFill/>
-          </a:ln>
-        </p:spPr>
-      </p:pic>
+              <a:t>Besoin</a:t>
+            </a:r>
+            <a:endParaRPr/>
+          </a:p>
+        </p:txBody>
+      </p:sp>
     </p:spTree>
   </p:cSld>
   <p:clrMapOvr>
     <a:masterClrMapping/>
   </p:clrMapOvr>
-  <p:timing>
-    <p:tnLst>
-      <p:par>
-        <p:cTn id="1" dur="indefinite" restart="never" nodeType="tmRoot">
-          <p:childTnLst>
-            <p:seq>
-              <p:cTn id="2" nodeType="mainSeq"/>
-              <p:prevCondLst>
-                <p:cond evt="onPrev" delay="0">
-                  <p:tgtEl>
-                    <p:sldTgt/>
-                  </p:tgtEl>
-                </p:cond>
-              </p:prevCondLst>
-              <p:nextCondLst>
-                <p:cond evt="onNext" delay="0">
-                  <p:tgtEl>
-                    <p:sldTgt/>
-                  </p:tgtEl>
-                </p:cond>
-              </p:nextCondLst>
-            </p:seq>
-          </p:childTnLst>
-        </p:cTn>
-      </p:par>
-    </p:tnLst>
-  </p:timing>
 </p:sld>
 </file>
 
@@ -9366,42 +9359,42 @@
 <file path=ppt/theme/theme2.xml><?xml version="1.0" encoding="utf-8"?>
 <a:theme xmlns:a="http://schemas.openxmlformats.org/drawingml/2006/main" name="Office Theme">
   <a:themeElements>
-    <a:clrScheme name="Office">
+    <a:clrScheme name="Personnalisé 1">
       <a:dk1>
         <a:sysClr val="windowText" lastClr="000000"/>
       </a:dk1>
       <a:lt1>
-        <a:sysClr val="window" lastClr="FFFFFF"/>
+        <a:srgbClr val="FFFFFF"/>
       </a:lt1>
       <a:dk2>
-        <a:srgbClr val="1F497D"/>
+        <a:srgbClr val="69676D"/>
       </a:dk2>
       <a:lt2>
-        <a:srgbClr val="EEECE1"/>
+        <a:srgbClr val="C9C2D1"/>
       </a:lt2>
       <a:accent1>
-        <a:srgbClr val="4F81BD"/>
+        <a:srgbClr val="C1CEEB"/>
       </a:accent1>
       <a:accent2>
-        <a:srgbClr val="C0504D"/>
+        <a:srgbClr val="9CB084"/>
       </a:accent2>
       <a:accent3>
-        <a:srgbClr val="9BBB59"/>
+        <a:srgbClr val="6BB1C9"/>
       </a:accent3>
       <a:accent4>
-        <a:srgbClr val="8064A2"/>
+        <a:srgbClr val="6585CF"/>
       </a:accent4>
       <a:accent5>
-        <a:srgbClr val="4BACC6"/>
+        <a:srgbClr val="7E6BC9"/>
       </a:accent5>
       <a:accent6>
-        <a:srgbClr val="F79646"/>
+        <a:srgbClr val="A379BB"/>
       </a:accent6>
       <a:hlink>
-        <a:srgbClr val="0000FF"/>
+        <a:srgbClr val="410082"/>
       </a:hlink>
       <a:folHlink>
-        <a:srgbClr val="800080"/>
+        <a:srgbClr val="932968"/>
       </a:folHlink>
     </a:clrScheme>
     <a:fontScheme name="Office">

--- a/soutenances/planification/soutenance_planification.pptx
+++ b/soutenances/planification/soutenance_planification.pptx
@@ -10,11 +10,11 @@
   </p:notesMasterIdLst>
   <p:sldIdLst>
     <p:sldId id="256" r:id="rId3"/>
-    <p:sldId id="257" r:id="rId4"/>
-    <p:sldId id="279" r:id="rId5"/>
-    <p:sldId id="259" r:id="rId6"/>
-    <p:sldId id="260" r:id="rId7"/>
-    <p:sldId id="261" r:id="rId8"/>
+    <p:sldId id="279" r:id="rId4"/>
+    <p:sldId id="259" r:id="rId5"/>
+    <p:sldId id="260" r:id="rId6"/>
+    <p:sldId id="261" r:id="rId7"/>
+    <p:sldId id="257" r:id="rId8"/>
     <p:sldId id="262" r:id="rId9"/>
     <p:sldId id="263" r:id="rId10"/>
     <p:sldId id="264" r:id="rId11"/>
@@ -30,7 +30,7 @@
     <p:sldId id="274" r:id="rId21"/>
     <p:sldId id="275" r:id="rId22"/>
     <p:sldId id="276" r:id="rId23"/>
-    <p:sldId id="277" r:id="rId24"/>
+    <p:sldId id="280" r:id="rId24"/>
     <p:sldId id="278" r:id="rId25"/>
   </p:sldIdLst>
   <p:sldSz cx="9144000" cy="6858000" type="screen4x3"/>
@@ -130,6 +130,77 @@
       </a:defRPr>
     </a:lvl9pPr>
   </p:defaultTextStyle>
+  <p:extLst>
+    <p:ext uri="{521415D9-36F7-43E2-AB2F-B90AF26B5E84}">
+      <p14:sectionLst xmlns:p14="http://schemas.microsoft.com/office/powerpoint/2010/main">
+        <p14:section name="Cover" id="{015DB8C2-DE27-4FCA-BBB1-6936715B0C16}">
+          <p14:sldIdLst>
+            <p14:sldId id="256"/>
+          </p14:sldIdLst>
+        </p14:section>
+        <p14:section name="Introduction" id="{B598EAC9-FA4D-4E10-929B-D4C554B3C359}">
+          <p14:sldIdLst>
+            <p14:sldId id="279"/>
+            <p14:sldId id="259"/>
+            <p14:sldId id="260"/>
+            <p14:sldId id="261"/>
+          </p14:sldIdLst>
+        </p14:section>
+        <p14:section name="Toc" id="{60CC510A-E19D-4ABE-9629-1CDBE655D2E5}">
+          <p14:sldIdLst>
+            <p14:sldId id="257"/>
+          </p14:sldIdLst>
+        </p14:section>
+        <p14:section name="Contexte" id="{FEAB5E87-4907-4D03-BFFE-39524D80B640}">
+          <p14:sldIdLst>
+            <p14:sldId id="262"/>
+            <p14:sldId id="263"/>
+            <p14:sldId id="264"/>
+            <p14:sldId id="265"/>
+            <p14:sldId id="266"/>
+            <p14:sldId id="267"/>
+          </p14:sldIdLst>
+        </p14:section>
+        <p14:section name="Organisation" id="{3ABD3875-8B87-4FDF-A9B4-EFD28839E5A4}">
+          <p14:sldIdLst>
+            <p14:sldId id="268"/>
+            <p14:sldId id="269"/>
+            <p14:sldId id="270"/>
+            <p14:sldId id="271"/>
+            <p14:sldId id="272"/>
+          </p14:sldIdLst>
+        </p14:section>
+        <p14:section name="Planification" id="{73121752-BC93-4514-8183-1665C405BBFA}">
+          <p14:sldIdLst>
+            <p14:sldId id="273"/>
+            <p14:sldId id="274"/>
+            <p14:sldId id="275"/>
+            <p14:sldId id="276"/>
+          </p14:sldIdLst>
+        </p14:section>
+        <p14:section name="Conclusion" id="{95F929F9-33FA-4194-804C-D20D221B27E6}">
+          <p14:sldIdLst>
+            <p14:sldId id="280"/>
+            <p14:sldId id="278"/>
+          </p14:sldIdLst>
+        </p14:section>
+      </p14:sectionLst>
+    </p:ext>
+    <p:ext uri="{EFAFB233-063F-42B5-8137-9DF3F51BA10A}">
+      <p15:sldGuideLst xmlns:p15="http://schemas.microsoft.com/office/powerpoint/2012/main">
+        <p15:guide id="1" orient="horz" pos="2160">
+          <p15:clr>
+            <a:srgbClr val="A4A3A4"/>
+          </p15:clr>
+        </p15:guide>
+        <p15:guide id="2" pos="2880">
+          <p15:clr>
+            <a:srgbClr val="A4A3A4"/>
+          </p15:clr>
+        </p15:guide>
+      </p15:sldGuideLst>
+    </p:ext>
+  </p:extLst>
 </p:presentation>
 </file>
 
@@ -317,13 +388,18 @@
                 <a:latin typeface="Times New Roman"/>
               </a:rPr>
               <a:pPr algn="r"/>
-              <a:t>‹N°›</a:t>
+              <a:t>‹#›</a:t>
             </a:fld>
             <a:endParaRPr/>
           </a:p>
         </p:txBody>
       </p:sp>
     </p:spTree>
+    <p:extLst>
+      <p:ext uri="{BB962C8B-B14F-4D97-AF65-F5344CB8AC3E}">
+        <p14:creationId xmlns:p14="http://schemas.microsoft.com/office/powerpoint/2010/main" val="1273415570"/>
+      </p:ext>
+    </p:extLst>
   </p:cSld>
   <p:clrMap bg1="lt1" tx1="dk1" bg2="lt2" tx2="dk2" accent1="accent1" accent2="accent2" accent3="accent3" accent4="accent4" accent5="accent5" accent6="accent6" hlink="hlink" folHlink="folHlink"/>
   <p:notesStyle>
@@ -513,6 +589,11 @@
         </p:txBody>
       </p:sp>
     </p:spTree>
+    <p:extLst>
+      <p:ext uri="{BB962C8B-B14F-4D97-AF65-F5344CB8AC3E}">
+        <p14:creationId xmlns:p14="http://schemas.microsoft.com/office/powerpoint/2010/main" val="2970785675"/>
+      </p:ext>
+    </p:extLst>
   </p:cSld>
   <p:clrMapOvr>
     <a:masterClrMapping/>
@@ -539,85 +620,82 @@
       </p:grpSpPr>
       <p:sp>
         <p:nvSpPr>
-          <p:cNvPr id="156" name="PlaceHolder 1"/>
+          <p:cNvPr id="2" name="Slide Image Placeholder 1"/>
+          <p:cNvSpPr>
+            <a:spLocks noGrp="1" noRot="1" noChangeAspect="1"/>
+          </p:cNvSpPr>
+          <p:nvPr>
+            <p:ph type="sldImg"/>
+          </p:nvPr>
+        </p:nvSpPr>
+        <p:spPr>
+          <a:xfrm>
+            <a:off x="1371600" y="1143000"/>
+            <a:ext cx="4114800" cy="3086100"/>
+          </a:xfrm>
+          <a:prstGeom prst="rect">
+            <a:avLst/>
+          </a:prstGeom>
+          <a:noFill/>
+          <a:ln w="12700">
+            <a:solidFill>
+              <a:prstClr val="black"/>
+            </a:solidFill>
+          </a:ln>
+        </p:spPr>
+      </p:sp>
+      <p:sp>
+        <p:nvSpPr>
+          <p:cNvPr id="3" name="Notes Placeholder 2"/>
           <p:cNvSpPr>
             <a:spLocks noGrp="1"/>
           </p:cNvSpPr>
           <p:nvPr>
-            <p:ph type="body"/>
+            <p:ph type="body" idx="1"/>
           </p:nvPr>
         </p:nvSpPr>
-        <p:spPr>
-          <a:xfrm>
-            <a:off x="685800" y="4343400"/>
-            <a:ext cx="5486040" cy="4114440"/>
-          </a:xfrm>
-          <a:prstGeom prst="rect">
-            <a:avLst/>
-          </a:prstGeom>
-        </p:spPr>
+        <p:spPr/>
         <p:txBody>
           <a:bodyPr/>
           <a:lstStyle/>
           <a:p>
-            <a:r>
-              <a:rPr lang="fr-FR" sz="2000" strike="noStrike">
-                <a:latin typeface="Arial"/>
-              </a:rPr>
-              <a:t>Formalisme que nous ne développerons pas</a:t>
-            </a:r>
-            <a:endParaRPr/>
-          </a:p>
-        </p:txBody>
-      </p:sp>
-      <p:sp>
-        <p:nvSpPr>
-          <p:cNvPr id="157" name="TextShape 2"/>
-          <p:cNvSpPr txBox="1"/>
-          <p:nvPr/>
-        </p:nvSpPr>
-        <p:spPr>
-          <a:xfrm>
-            <a:off x="3884760" y="8685360"/>
-            <a:ext cx="2971440" cy="456840"/>
-          </a:xfrm>
-          <a:prstGeom prst="rect">
-            <a:avLst/>
-          </a:prstGeom>
-          <a:noFill/>
-          <a:ln>
-            <a:noFill/>
-          </a:ln>
-        </p:spPr>
-        <p:txBody>
-          <a:bodyPr anchor="b"/>
-          <a:lstStyle/>
-          <a:p>
-            <a:pPr algn="r">
-              <a:lnSpc>
-                <a:spcPct val="100000"/>
-              </a:lnSpc>
-            </a:pPr>
-            <a:fld id="{E0BDB075-CA7F-4AE9-8CC0-06B8D878903B}" type="slidenum">
-              <a:rPr lang="fr-FR" sz="1200" strike="noStrike">
-                <a:solidFill>
-                  <a:srgbClr val="000000"/>
-                </a:solidFill>
-                <a:latin typeface="+mn-lt"/>
-                <a:ea typeface="+mn-ea"/>
-              </a:rPr>
-              <a:pPr algn="r">
-                <a:lnSpc>
-                  <a:spcPct val="100000"/>
-                </a:lnSpc>
-              </a:pPr>
-              <a:t>5</a:t>
+            <a:endParaRPr lang="fr-FR" dirty="0"/>
+          </a:p>
+        </p:txBody>
+      </p:sp>
+      <p:sp>
+        <p:nvSpPr>
+          <p:cNvPr id="4" name="Slide Number Placeholder 3"/>
+          <p:cNvSpPr>
+            <a:spLocks noGrp="1"/>
+          </p:cNvSpPr>
+          <p:nvPr>
+            <p:ph type="sldNum" idx="10"/>
+          </p:nvPr>
+        </p:nvSpPr>
+        <p:spPr/>
+        <p:txBody>
+          <a:bodyPr/>
+          <a:lstStyle/>
+          <a:p>
+            <a:pPr algn="r"/>
+            <a:fld id="{DAE4472E-6CE6-45D8-A535-0399A0614DAA}" type="slidenum">
+              <a:rPr lang="fr-FR" sz="1400" smtClean="0">
+                <a:latin typeface="Times New Roman"/>
+              </a:rPr>
+              <a:pPr algn="r"/>
+              <a:t>2</a:t>
             </a:fld>
-            <a:endParaRPr/>
+            <a:endParaRPr lang="fr-FR"/>
           </a:p>
         </p:txBody>
       </p:sp>
     </p:spTree>
+    <p:extLst>
+      <p:ext uri="{BB962C8B-B14F-4D97-AF65-F5344CB8AC3E}">
+        <p14:creationId xmlns:p14="http://schemas.microsoft.com/office/powerpoint/2010/main" val="1387414404"/>
+      </p:ext>
+    </p:extLst>
   </p:cSld>
   <p:clrMapOvr>
     <a:masterClrMapping/>
@@ -644,6 +722,116 @@
       </p:grpSpPr>
       <p:sp>
         <p:nvSpPr>
+          <p:cNvPr id="156" name="PlaceHolder 1"/>
+          <p:cNvSpPr>
+            <a:spLocks noGrp="1"/>
+          </p:cNvSpPr>
+          <p:nvPr>
+            <p:ph type="body"/>
+          </p:nvPr>
+        </p:nvSpPr>
+        <p:spPr>
+          <a:xfrm>
+            <a:off x="685800" y="4343400"/>
+            <a:ext cx="5486040" cy="4114440"/>
+          </a:xfrm>
+          <a:prstGeom prst="rect">
+            <a:avLst/>
+          </a:prstGeom>
+        </p:spPr>
+        <p:txBody>
+          <a:bodyPr/>
+          <a:lstStyle/>
+          <a:p>
+            <a:r>
+              <a:rPr lang="fr-FR" sz="2000" strike="noStrike">
+                <a:latin typeface="Arial"/>
+              </a:rPr>
+              <a:t>Formalisme que nous ne développerons pas</a:t>
+            </a:r>
+            <a:endParaRPr/>
+          </a:p>
+        </p:txBody>
+      </p:sp>
+      <p:sp>
+        <p:nvSpPr>
+          <p:cNvPr id="157" name="TextShape 2"/>
+          <p:cNvSpPr txBox="1"/>
+          <p:nvPr/>
+        </p:nvSpPr>
+        <p:spPr>
+          <a:xfrm>
+            <a:off x="3884760" y="8685360"/>
+            <a:ext cx="2971440" cy="456840"/>
+          </a:xfrm>
+          <a:prstGeom prst="rect">
+            <a:avLst/>
+          </a:prstGeom>
+          <a:noFill/>
+          <a:ln>
+            <a:noFill/>
+          </a:ln>
+        </p:spPr>
+        <p:txBody>
+          <a:bodyPr anchor="b"/>
+          <a:lstStyle/>
+          <a:p>
+            <a:pPr algn="r">
+              <a:lnSpc>
+                <a:spcPct val="100000"/>
+              </a:lnSpc>
+            </a:pPr>
+            <a:fld id="{E0BDB075-CA7F-4AE9-8CC0-06B8D878903B}" type="slidenum">
+              <a:rPr lang="fr-FR" sz="1200" strike="noStrike">
+                <a:solidFill>
+                  <a:srgbClr val="000000"/>
+                </a:solidFill>
+                <a:latin typeface="+mn-lt"/>
+                <a:ea typeface="+mn-ea"/>
+              </a:rPr>
+              <a:pPr algn="r">
+                <a:lnSpc>
+                  <a:spcPct val="100000"/>
+                </a:lnSpc>
+              </a:pPr>
+              <a:t>4</a:t>
+            </a:fld>
+            <a:endParaRPr/>
+          </a:p>
+        </p:txBody>
+      </p:sp>
+    </p:spTree>
+    <p:extLst>
+      <p:ext uri="{BB962C8B-B14F-4D97-AF65-F5344CB8AC3E}">
+        <p14:creationId xmlns:p14="http://schemas.microsoft.com/office/powerpoint/2010/main" val="1327807792"/>
+      </p:ext>
+    </p:extLst>
+  </p:cSld>
+  <p:clrMapOvr>
+    <a:masterClrMapping/>
+  </p:clrMapOvr>
+</p:notes>
+</file>
+
+<file path=ppt/notesSlides/notesSlide4.xml><?xml version="1.0" encoding="utf-8"?>
+<p:notes xmlns:a="http://schemas.openxmlformats.org/drawingml/2006/main" xmlns:r="http://schemas.openxmlformats.org/officeDocument/2006/relationships" xmlns:p="http://schemas.openxmlformats.org/presentationml/2006/main">
+  <p:cSld>
+    <p:spTree>
+      <p:nvGrpSpPr>
+        <p:cNvPr id="1" name=""/>
+        <p:cNvGrpSpPr/>
+        <p:nvPr/>
+      </p:nvGrpSpPr>
+      <p:grpSpPr>
+        <a:xfrm>
+          <a:off x="0" y="0"/>
+          <a:ext cx="0" cy="0"/>
+          <a:chOff x="0" y="0"/>
+          <a:chExt cx="0" cy="0"/>
+        </a:xfrm>
+      </p:grpSpPr>
+      <p:sp>
+        <p:nvSpPr>
           <p:cNvPr id="158" name="PlaceHolder 1"/>
           <p:cNvSpPr>
             <a:spLocks noGrp="1"/>
@@ -716,13 +904,18 @@
                   <a:spcPct val="100000"/>
                 </a:lnSpc>
               </a:pPr>
-              <a:t>6</a:t>
+              <a:t>5</a:t>
             </a:fld>
             <a:endParaRPr/>
           </a:p>
         </p:txBody>
       </p:sp>
     </p:spTree>
+    <p:extLst>
+      <p:ext uri="{BB962C8B-B14F-4D97-AF65-F5344CB8AC3E}">
+        <p14:creationId xmlns:p14="http://schemas.microsoft.com/office/powerpoint/2010/main" val="1893070811"/>
+      </p:ext>
+    </p:extLst>
   </p:cSld>
   <p:clrMapOvr>
     <a:masterClrMapping/>
@@ -752,6 +945,18 @@
   <p:clrMapOvr>
     <a:masterClrMapping/>
   </p:clrMapOvr>
+  <mc:AlternateContent xmlns:mc="http://schemas.openxmlformats.org/markup-compatibility/2006">
+    <mc:Choice xmlns:p14="http://schemas.microsoft.com/office/powerpoint/2010/main" Requires="p14">
+      <p:transition p14:dur="250">
+        <p:pull/>
+      </p:transition>
+    </mc:Choice>
+    <mc:Fallback>
+      <p:transition>
+        <p:pull/>
+      </p:transition>
+    </mc:Fallback>
+  </mc:AlternateContent>
 </p:sldLayout>
 </file>
 
@@ -858,6 +1063,18 @@
   <p:clrMapOvr>
     <a:masterClrMapping/>
   </p:clrMapOvr>
+  <mc:AlternateContent xmlns:mc="http://schemas.openxmlformats.org/markup-compatibility/2006">
+    <mc:Choice xmlns:p14="http://schemas.microsoft.com/office/powerpoint/2010/main" Requires="p14">
+      <p:transition p14:dur="250">
+        <p:pull/>
+      </p:transition>
+    </mc:Choice>
+    <mc:Fallback>
+      <p:transition>
+        <p:pull/>
+      </p:transition>
+    </mc:Fallback>
+  </mc:AlternateContent>
 </p:sldLayout>
 </file>
 
@@ -1018,6 +1235,18 @@
   <p:clrMapOvr>
     <a:masterClrMapping/>
   </p:clrMapOvr>
+  <mc:AlternateContent xmlns:mc="http://schemas.openxmlformats.org/markup-compatibility/2006">
+    <mc:Choice xmlns:p14="http://schemas.microsoft.com/office/powerpoint/2010/main" Requires="p14">
+      <p:transition p14:dur="250">
+        <p:pull/>
+      </p:transition>
+    </mc:Choice>
+    <mc:Fallback>
+      <p:transition>
+        <p:pull/>
+      </p:transition>
+    </mc:Fallback>
+  </mc:AlternateContent>
 </p:sldLayout>
 </file>
 
@@ -1170,6 +1399,18 @@
   <p:clrMapOvr>
     <a:masterClrMapping/>
   </p:clrMapOvr>
+  <mc:AlternateContent xmlns:mc="http://schemas.openxmlformats.org/markup-compatibility/2006">
+    <mc:Choice xmlns:p14="http://schemas.microsoft.com/office/powerpoint/2010/main" Requires="p14">
+      <p:transition p14:dur="250">
+        <p:pull/>
+      </p:transition>
+    </mc:Choice>
+    <mc:Fallback>
+      <p:transition>
+        <p:pull/>
+      </p:transition>
+    </mc:Fallback>
+  </mc:AlternateContent>
 </p:sldLayout>
 </file>
 
@@ -1195,6 +1436,18 @@
   <p:clrMapOvr>
     <a:masterClrMapping/>
   </p:clrMapOvr>
+  <mc:AlternateContent xmlns:mc="http://schemas.openxmlformats.org/markup-compatibility/2006">
+    <mc:Choice xmlns:p14="http://schemas.microsoft.com/office/powerpoint/2010/main" Requires="p14">
+      <p:transition p14:dur="250">
+        <p:pull/>
+      </p:transition>
+    </mc:Choice>
+    <mc:Fallback>
+      <p:transition>
+        <p:pull/>
+      </p:transition>
+    </mc:Fallback>
+  </mc:AlternateContent>
 </p:sldLayout>
 </file>
 
@@ -1275,6 +1528,18 @@
   <p:clrMapOvr>
     <a:masterClrMapping/>
   </p:clrMapOvr>
+  <mc:AlternateContent xmlns:mc="http://schemas.openxmlformats.org/markup-compatibility/2006">
+    <mc:Choice xmlns:p14="http://schemas.microsoft.com/office/powerpoint/2010/main" Requires="p14">
+      <p:transition p14:dur="250">
+        <p:pull/>
+      </p:transition>
+    </mc:Choice>
+    <mc:Fallback>
+      <p:transition>
+        <p:pull/>
+      </p:transition>
+    </mc:Fallback>
+  </mc:AlternateContent>
 </p:sldLayout>
 </file>
 
@@ -1354,6 +1619,18 @@
   <p:clrMapOvr>
     <a:masterClrMapping/>
   </p:clrMapOvr>
+  <mc:AlternateContent xmlns:mc="http://schemas.openxmlformats.org/markup-compatibility/2006">
+    <mc:Choice xmlns:p14="http://schemas.microsoft.com/office/powerpoint/2010/main" Requires="p14">
+      <p:transition p14:dur="250">
+        <p:pull/>
+      </p:transition>
+    </mc:Choice>
+    <mc:Fallback>
+      <p:transition>
+        <p:pull/>
+      </p:transition>
+    </mc:Fallback>
+  </mc:AlternateContent>
 </p:sldLayout>
 </file>
 
@@ -1460,6 +1737,18 @@
   <p:clrMapOvr>
     <a:masterClrMapping/>
   </p:clrMapOvr>
+  <mc:AlternateContent xmlns:mc="http://schemas.openxmlformats.org/markup-compatibility/2006">
+    <mc:Choice xmlns:p14="http://schemas.microsoft.com/office/powerpoint/2010/main" Requires="p14">
+      <p:transition p14:dur="250">
+        <p:pull/>
+      </p:transition>
+    </mc:Choice>
+    <mc:Fallback>
+      <p:transition>
+        <p:pull/>
+      </p:transition>
+    </mc:Fallback>
+  </mc:AlternateContent>
 </p:sldLayout>
 </file>
 
@@ -1512,6 +1801,18 @@
   <p:clrMapOvr>
     <a:masterClrMapping/>
   </p:clrMapOvr>
+  <mc:AlternateContent xmlns:mc="http://schemas.openxmlformats.org/markup-compatibility/2006">
+    <mc:Choice xmlns:p14="http://schemas.microsoft.com/office/powerpoint/2010/main" Requires="p14">
+      <p:transition p14:dur="250">
+        <p:pull/>
+      </p:transition>
+    </mc:Choice>
+    <mc:Fallback>
+      <p:transition>
+        <p:pull/>
+      </p:transition>
+    </mc:Fallback>
+  </mc:AlternateContent>
 </p:sldLayout>
 </file>
 
@@ -1565,6 +1866,18 @@
   <p:clrMapOvr>
     <a:masterClrMapping/>
   </p:clrMapOvr>
+  <mc:AlternateContent xmlns:mc="http://schemas.openxmlformats.org/markup-compatibility/2006">
+    <mc:Choice xmlns:p14="http://schemas.microsoft.com/office/powerpoint/2010/main" Requires="p14">
+      <p:transition p14:dur="250">
+        <p:pull/>
+      </p:transition>
+    </mc:Choice>
+    <mc:Fallback>
+      <p:transition>
+        <p:pull/>
+      </p:transition>
+    </mc:Fallback>
+  </mc:AlternateContent>
 </p:sldLayout>
 </file>
 
@@ -1698,6 +2011,18 @@
   <p:clrMapOvr>
     <a:masterClrMapping/>
   </p:clrMapOvr>
+  <mc:AlternateContent xmlns:mc="http://schemas.openxmlformats.org/markup-compatibility/2006">
+    <mc:Choice xmlns:p14="http://schemas.microsoft.com/office/powerpoint/2010/main" Requires="p14">
+      <p:transition p14:dur="250">
+        <p:pull/>
+      </p:transition>
+    </mc:Choice>
+    <mc:Fallback>
+      <p:transition>
+        <p:pull/>
+      </p:transition>
+    </mc:Fallback>
+  </mc:AlternateContent>
 </p:sldLayout>
 </file>
 
@@ -1778,6 +2103,18 @@
   <p:clrMapOvr>
     <a:masterClrMapping/>
   </p:clrMapOvr>
+  <mc:AlternateContent xmlns:mc="http://schemas.openxmlformats.org/markup-compatibility/2006">
+    <mc:Choice xmlns:p14="http://schemas.microsoft.com/office/powerpoint/2010/main" Requires="p14">
+      <p:transition p14:dur="250">
+        <p:pull/>
+      </p:transition>
+    </mc:Choice>
+    <mc:Fallback>
+      <p:transition>
+        <p:pull/>
+      </p:transition>
+    </mc:Fallback>
+  </mc:AlternateContent>
 </p:sldLayout>
 </file>
 
@@ -1911,6 +2248,18 @@
   <p:clrMapOvr>
     <a:masterClrMapping/>
   </p:clrMapOvr>
+  <mc:AlternateContent xmlns:mc="http://schemas.openxmlformats.org/markup-compatibility/2006">
+    <mc:Choice xmlns:p14="http://schemas.microsoft.com/office/powerpoint/2010/main" Requires="p14">
+      <p:transition p14:dur="250">
+        <p:pull/>
+      </p:transition>
+    </mc:Choice>
+    <mc:Fallback>
+      <p:transition>
+        <p:pull/>
+      </p:transition>
+    </mc:Fallback>
+  </mc:AlternateContent>
 </p:sldLayout>
 </file>
 
@@ -2044,6 +2393,18 @@
   <p:clrMapOvr>
     <a:masterClrMapping/>
   </p:clrMapOvr>
+  <mc:AlternateContent xmlns:mc="http://schemas.openxmlformats.org/markup-compatibility/2006">
+    <mc:Choice xmlns:p14="http://schemas.microsoft.com/office/powerpoint/2010/main" Requires="p14">
+      <p:transition p14:dur="250">
+        <p:pull/>
+      </p:transition>
+    </mc:Choice>
+    <mc:Fallback>
+      <p:transition>
+        <p:pull/>
+      </p:transition>
+    </mc:Fallback>
+  </mc:AlternateContent>
 </p:sldLayout>
 </file>
 
@@ -2150,6 +2511,18 @@
   <p:clrMapOvr>
     <a:masterClrMapping/>
   </p:clrMapOvr>
+  <mc:AlternateContent xmlns:mc="http://schemas.openxmlformats.org/markup-compatibility/2006">
+    <mc:Choice xmlns:p14="http://schemas.microsoft.com/office/powerpoint/2010/main" Requires="p14">
+      <p:transition p14:dur="250">
+        <p:pull/>
+      </p:transition>
+    </mc:Choice>
+    <mc:Fallback>
+      <p:transition>
+        <p:pull/>
+      </p:transition>
+    </mc:Fallback>
+  </mc:AlternateContent>
 </p:sldLayout>
 </file>
 
@@ -2310,6 +2683,18 @@
   <p:clrMapOvr>
     <a:masterClrMapping/>
   </p:clrMapOvr>
+  <mc:AlternateContent xmlns:mc="http://schemas.openxmlformats.org/markup-compatibility/2006">
+    <mc:Choice xmlns:p14="http://schemas.microsoft.com/office/powerpoint/2010/main" Requires="p14">
+      <p:transition p14:dur="250">
+        <p:pull/>
+      </p:transition>
+    </mc:Choice>
+    <mc:Fallback>
+      <p:transition>
+        <p:pull/>
+      </p:transition>
+    </mc:Fallback>
+  </mc:AlternateContent>
 </p:sldLayout>
 </file>
 
@@ -2462,6 +2847,18 @@
   <p:clrMapOvr>
     <a:masterClrMapping/>
   </p:clrMapOvr>
+  <mc:AlternateContent xmlns:mc="http://schemas.openxmlformats.org/markup-compatibility/2006">
+    <mc:Choice xmlns:p14="http://schemas.microsoft.com/office/powerpoint/2010/main" Requires="p14">
+      <p:transition p14:dur="250">
+        <p:pull/>
+      </p:transition>
+    </mc:Choice>
+    <mc:Fallback>
+      <p:transition>
+        <p:pull/>
+      </p:transition>
+    </mc:Fallback>
+  </mc:AlternateContent>
 </p:sldLayout>
 </file>
 
@@ -2541,6 +2938,18 @@
   <p:clrMapOvr>
     <a:masterClrMapping/>
   </p:clrMapOvr>
+  <mc:AlternateContent xmlns:mc="http://schemas.openxmlformats.org/markup-compatibility/2006">
+    <mc:Choice xmlns:p14="http://schemas.microsoft.com/office/powerpoint/2010/main" Requires="p14">
+      <p:transition p14:dur="250">
+        <p:pull/>
+      </p:transition>
+    </mc:Choice>
+    <mc:Fallback>
+      <p:transition>
+        <p:pull/>
+      </p:transition>
+    </mc:Fallback>
+  </mc:AlternateContent>
 </p:sldLayout>
 </file>
 
@@ -2647,6 +3056,18 @@
   <p:clrMapOvr>
     <a:masterClrMapping/>
   </p:clrMapOvr>
+  <mc:AlternateContent xmlns:mc="http://schemas.openxmlformats.org/markup-compatibility/2006">
+    <mc:Choice xmlns:p14="http://schemas.microsoft.com/office/powerpoint/2010/main" Requires="p14">
+      <p:transition p14:dur="250">
+        <p:pull/>
+      </p:transition>
+    </mc:Choice>
+    <mc:Fallback>
+      <p:transition>
+        <p:pull/>
+      </p:transition>
+    </mc:Fallback>
+  </mc:AlternateContent>
 </p:sldLayout>
 </file>
 
@@ -2699,6 +3120,18 @@
   <p:clrMapOvr>
     <a:masterClrMapping/>
   </p:clrMapOvr>
+  <mc:AlternateContent xmlns:mc="http://schemas.openxmlformats.org/markup-compatibility/2006">
+    <mc:Choice xmlns:p14="http://schemas.microsoft.com/office/powerpoint/2010/main" Requires="p14">
+      <p:transition p14:dur="250">
+        <p:pull/>
+      </p:transition>
+    </mc:Choice>
+    <mc:Fallback>
+      <p:transition>
+        <p:pull/>
+      </p:transition>
+    </mc:Fallback>
+  </mc:AlternateContent>
 </p:sldLayout>
 </file>
 
@@ -2752,6 +3185,18 @@
   <p:clrMapOvr>
     <a:masterClrMapping/>
   </p:clrMapOvr>
+  <mc:AlternateContent xmlns:mc="http://schemas.openxmlformats.org/markup-compatibility/2006">
+    <mc:Choice xmlns:p14="http://schemas.microsoft.com/office/powerpoint/2010/main" Requires="p14">
+      <p:transition p14:dur="250">
+        <p:pull/>
+      </p:transition>
+    </mc:Choice>
+    <mc:Fallback>
+      <p:transition>
+        <p:pull/>
+      </p:transition>
+    </mc:Fallback>
+  </mc:AlternateContent>
 </p:sldLayout>
 </file>
 
@@ -2885,6 +3330,18 @@
   <p:clrMapOvr>
     <a:masterClrMapping/>
   </p:clrMapOvr>
+  <mc:AlternateContent xmlns:mc="http://schemas.openxmlformats.org/markup-compatibility/2006">
+    <mc:Choice xmlns:p14="http://schemas.microsoft.com/office/powerpoint/2010/main" Requires="p14">
+      <p:transition p14:dur="250">
+        <p:pull/>
+      </p:transition>
+    </mc:Choice>
+    <mc:Fallback>
+      <p:transition>
+        <p:pull/>
+      </p:transition>
+    </mc:Fallback>
+  </mc:AlternateContent>
 </p:sldLayout>
 </file>
 
@@ -3018,6 +3475,18 @@
   <p:clrMapOvr>
     <a:masterClrMapping/>
   </p:clrMapOvr>
+  <mc:AlternateContent xmlns:mc="http://schemas.openxmlformats.org/markup-compatibility/2006">
+    <mc:Choice xmlns:p14="http://schemas.microsoft.com/office/powerpoint/2010/main" Requires="p14">
+      <p:transition p14:dur="250">
+        <p:pull/>
+      </p:transition>
+    </mc:Choice>
+    <mc:Fallback>
+      <p:transition>
+        <p:pull/>
+      </p:transition>
+    </mc:Fallback>
+  </mc:AlternateContent>
 </p:sldLayout>
 </file>
 
@@ -3151,6 +3620,18 @@
   <p:clrMapOvr>
     <a:masterClrMapping/>
   </p:clrMapOvr>
+  <mc:AlternateContent xmlns:mc="http://schemas.openxmlformats.org/markup-compatibility/2006">
+    <mc:Choice xmlns:p14="http://schemas.microsoft.com/office/powerpoint/2010/main" Requires="p14">
+      <p:transition p14:dur="250">
+        <p:pull/>
+      </p:transition>
+    </mc:Choice>
+    <mc:Fallback>
+      <p:transition>
+        <p:pull/>
+      </p:transition>
+    </mc:Fallback>
+  </mc:AlternateContent>
 </p:sldLayout>
 </file>
 
@@ -3539,7 +4020,7 @@
                   <a:spcPct val="100000"/>
                 </a:lnSpc>
               </a:pPr>
-              <a:t>‹N°›</a:t>
+              <a:t>‹#›</a:t>
             </a:fld>
             <a:endParaRPr/>
           </a:p>
@@ -4221,6 +4702,18 @@
     <p:sldLayoutId id="2147483659" r:id="rId11"/>
     <p:sldLayoutId id="2147483660" r:id="rId12"/>
   </p:sldLayoutIdLst>
+  <mc:AlternateContent xmlns:mc="http://schemas.openxmlformats.org/markup-compatibility/2006">
+    <mc:Choice xmlns:p14="http://schemas.microsoft.com/office/powerpoint/2010/main" Requires="p14">
+      <p:transition p14:dur="250">
+        <p:pull/>
+      </p:transition>
+    </mc:Choice>
+    <mc:Fallback>
+      <p:transition>
+        <p:pull/>
+      </p:transition>
+    </mc:Fallback>
+  </mc:AlternateContent>
   <p:txStyles>
     <p:titleStyle/>
     <p:bodyStyle/>
@@ -4614,7 +5107,7 @@
                   <a:spcPct val="100000"/>
                 </a:lnSpc>
               </a:pPr>
-              <a:t>‹N°›</a:t>
+              <a:t>‹#›</a:t>
             </a:fld>
             <a:endParaRPr/>
           </a:p>
@@ -5011,7 +5504,7 @@
                   <a:spcPct val="100000"/>
                 </a:lnSpc>
               </a:pPr>
-              <a:t>‹N°›</a:t>
+              <a:t>‹#›</a:t>
             </a:fld>
             <a:endParaRPr/>
           </a:p>
@@ -5034,6 +5527,18 @@
     <p:sldLayoutId id="2147483672" r:id="rId11"/>
     <p:sldLayoutId id="2147483673" r:id="rId12"/>
   </p:sldLayoutIdLst>
+  <mc:AlternateContent xmlns:mc="http://schemas.openxmlformats.org/markup-compatibility/2006">
+    <mc:Choice xmlns:p14="http://schemas.microsoft.com/office/powerpoint/2010/main" Requires="p14">
+      <p:transition p14:dur="250">
+        <p:pull/>
+      </p:transition>
+    </mc:Choice>
+    <mc:Fallback>
+      <p:transition>
+        <p:pull/>
+      </p:transition>
+    </mc:Fallback>
+  </mc:AlternateContent>
   <p:txStyles>
     <p:titleStyle/>
     <p:bodyStyle/>
@@ -5552,6 +6057,18 @@
   <p:clrMapOvr>
     <a:masterClrMapping/>
   </p:clrMapOvr>
+  <mc:AlternateContent xmlns:mc="http://schemas.openxmlformats.org/markup-compatibility/2006">
+    <mc:Choice xmlns:p14="http://schemas.microsoft.com/office/powerpoint/2010/main" Requires="p14">
+      <p:transition p14:dur="250">
+        <p:pull/>
+      </p:transition>
+    </mc:Choice>
+    <mc:Fallback>
+      <p:transition>
+        <p:pull/>
+      </p:transition>
+    </mc:Fallback>
+  </mc:AlternateContent>
   <p:timing>
     <p:tnLst>
       <p:par>
@@ -5718,6 +6235,25 @@
   <p:clrMapOvr>
     <a:masterClrMapping/>
   </p:clrMapOvr>
+  <mc:AlternateContent xmlns:mc="http://schemas.openxmlformats.org/markup-compatibility/2006">
+    <mc:Choice xmlns:p14="http://schemas.microsoft.com/office/powerpoint/2010/main" Requires="p14">
+      <p:transition p14:dur="250">
+        <p:pull/>
+      </p:transition>
+    </mc:Choice>
+    <mc:Fallback>
+      <p:transition>
+        <p:pull/>
+      </p:transition>
+    </mc:Fallback>
+  </mc:AlternateContent>
+  <p:timing>
+    <p:tnLst>
+      <p:par>
+        <p:cTn id="1" dur="indefinite" restart="never" nodeType="tmRoot"/>
+      </p:par>
+    </p:tnLst>
+  </p:timing>
 </p:sld>
 </file>
 
@@ -5857,6 +6393,25 @@
   <p:clrMapOvr>
     <a:masterClrMapping/>
   </p:clrMapOvr>
+  <mc:AlternateContent xmlns:mc="http://schemas.openxmlformats.org/markup-compatibility/2006">
+    <mc:Choice xmlns:p14="http://schemas.microsoft.com/office/powerpoint/2010/main" Requires="p14">
+      <p:transition p14:dur="250">
+        <p:pull/>
+      </p:transition>
+    </mc:Choice>
+    <mc:Fallback>
+      <p:transition>
+        <p:pull/>
+      </p:transition>
+    </mc:Fallback>
+  </mc:AlternateContent>
+  <p:timing>
+    <p:tnLst>
+      <p:par>
+        <p:cTn id="1" dur="indefinite" restart="never" nodeType="tmRoot"/>
+      </p:par>
+    </p:tnLst>
+  </p:timing>
 </p:sld>
 </file>
 
@@ -5989,7 +6544,7 @@
               </a:lnSpc>
             </a:pPr>
             <a:r>
-              <a:rPr lang="fr-FR" sz="2000" b="1" strike="noStrike">
+              <a:rPr lang="fr-FR" sz="2000" b="1" strike="noStrike" dirty="0">
                 <a:solidFill>
                   <a:srgbClr val="004D6F"/>
                 </a:solidFill>
@@ -5998,7 +6553,7 @@
               <a:t>Rapport </a:t>
             </a:r>
             <a:r>
-              <a:rPr lang="fr-FR" sz="2000" b="1" smtClean="0">
+              <a:rPr lang="fr-FR" sz="2000" b="1" dirty="0" smtClean="0">
                 <a:solidFill>
                   <a:srgbClr val="004D6F"/>
                 </a:solidFill>
@@ -6007,7 +6562,7 @@
               <a:t>final</a:t>
             </a:r>
             <a:r>
-              <a:rPr lang="fr-FR" sz="2000" b="1" strike="noStrike" smtClean="0">
+              <a:rPr lang="fr-FR" sz="2000" b="1" strike="noStrike" dirty="0" smtClean="0">
                 <a:solidFill>
                   <a:srgbClr val="004D6F"/>
                 </a:solidFill>
@@ -6033,7 +6588,7 @@
               </a:lnSpc>
             </a:pPr>
             <a:r>
-              <a:rPr lang="fr-FR" sz="2000" b="1" strike="noStrike">
+              <a:rPr lang="fr-FR" sz="2000" b="1" strike="noStrike" dirty="0">
                 <a:solidFill>
                   <a:srgbClr val="004D6F"/>
                 </a:solidFill>
@@ -6042,7 +6597,7 @@
               <a:t>Livraison </a:t>
             </a:r>
             <a:r>
-              <a:rPr lang="fr-FR" sz="2000" b="1" strike="noStrike" smtClean="0">
+              <a:rPr lang="fr-FR" sz="2000" b="1" strike="noStrike" dirty="0" smtClean="0">
                 <a:solidFill>
                   <a:srgbClr val="004D6F"/>
                 </a:solidFill>
@@ -6073,7 +6628,16 @@
                 </a:solidFill>
                 <a:latin typeface="Arial"/>
               </a:rPr>
-              <a:t>Semaines bloquées</a:t>
+              <a:t>Semaines </a:t>
+            </a:r>
+            <a:r>
+              <a:rPr lang="fr-FR" sz="2000" b="1" strike="noStrike" dirty="0" smtClean="0">
+                <a:solidFill>
+                  <a:srgbClr val="004D6F"/>
+                </a:solidFill>
+                <a:latin typeface="Arial"/>
+              </a:rPr>
+              <a:t>bloquées :</a:t>
             </a:r>
             <a:endParaRPr dirty="0"/>
           </a:p>
@@ -6083,7 +6647,7 @@
                 <a:spcPct val="100000"/>
               </a:lnSpc>
             </a:pPr>
-            <a:endParaRPr lang="fr-FR" smtClean="0"/>
+            <a:endParaRPr lang="fr-FR" dirty="0" smtClean="0"/>
           </a:p>
           <a:p>
             <a:pPr>
@@ -6100,13 +6664,13 @@
               </a:lnSpc>
             </a:pPr>
             <a:r>
-              <a:rPr lang="fr-FR" sz="2000" b="1" strike="noStrike" smtClean="0">
+              <a:rPr lang="fr-FR" sz="2000" b="1" strike="noStrike" dirty="0" smtClean="0">
                 <a:solidFill>
                   <a:srgbClr val="004D6F"/>
                 </a:solidFill>
                 <a:latin typeface="Arial"/>
               </a:rPr>
-              <a:t>Vacances</a:t>
+              <a:t>Vacances :</a:t>
             </a:r>
             <a:endParaRPr dirty="0"/>
           </a:p>
@@ -6117,6 +6681,25 @@
   <p:clrMapOvr>
     <a:masterClrMapping/>
   </p:clrMapOvr>
+  <mc:AlternateContent xmlns:mc="http://schemas.openxmlformats.org/markup-compatibility/2006">
+    <mc:Choice xmlns:p14="http://schemas.microsoft.com/office/powerpoint/2010/main" Requires="p14">
+      <p:transition p14:dur="250">
+        <p:pull/>
+      </p:transition>
+    </mc:Choice>
+    <mc:Fallback>
+      <p:transition>
+        <p:pull/>
+      </p:transition>
+    </mc:Fallback>
+  </mc:AlternateContent>
+  <p:timing>
+    <p:tnLst>
+      <p:par>
+        <p:cTn id="1" dur="indefinite" restart="never" nodeType="tmRoot"/>
+      </p:par>
+    </p:tnLst>
+  </p:timing>
 </p:sld>
 </file>
 
@@ -6210,6 +6793,25 @@
   <p:clrMapOvr>
     <a:masterClrMapping/>
   </p:clrMapOvr>
+  <mc:AlternateContent xmlns:mc="http://schemas.openxmlformats.org/markup-compatibility/2006">
+    <mc:Choice xmlns:p14="http://schemas.microsoft.com/office/powerpoint/2010/main" Requires="p14">
+      <p:transition spd="slow" p14:dur="1500">
+        <p14:vortex dir="r"/>
+      </p:transition>
+    </mc:Choice>
+    <mc:Fallback>
+      <p:transition spd="slow">
+        <p:fade/>
+      </p:transition>
+    </mc:Fallback>
+  </mc:AlternateContent>
+  <p:timing>
+    <p:tnLst>
+      <p:par>
+        <p:cTn id="1" dur="indefinite" restart="never" nodeType="tmRoot"/>
+      </p:par>
+    </p:tnLst>
+  </p:timing>
 </p:sld>
 </file>
 
@@ -6300,7 +6902,7 @@
               </a:lnSpc>
             </a:pPr>
             <a:r>
-              <a:rPr lang="fr-FR" sz="2800" b="1" strike="noStrike">
+              <a:rPr lang="fr-FR" sz="2800" b="1" strike="noStrike" dirty="0">
                 <a:solidFill>
                   <a:srgbClr val="004D6F"/>
                 </a:solidFill>
@@ -6308,7 +6910,7 @@
               </a:rPr>
               <a:t>Méthode SCRUM</a:t>
             </a:r>
-            <a:endParaRPr/>
+            <a:endParaRPr dirty="0"/>
           </a:p>
           <a:p>
             <a:pPr algn="ctr">
@@ -6316,7 +6918,7 @@
                 <a:spcPct val="100000"/>
               </a:lnSpc>
             </a:pPr>
-            <a:endParaRPr/>
+            <a:endParaRPr dirty="0"/>
           </a:p>
           <a:p>
             <a:pPr>
@@ -6324,16 +6926,7 @@
                 <a:spcPct val="100000"/>
               </a:lnSpc>
             </a:pPr>
-            <a:r>
-              <a:rPr lang="fr-FR" sz="2000" b="1" strike="noStrike">
-                <a:solidFill>
-                  <a:srgbClr val="004D6F"/>
-                </a:solidFill>
-                <a:latin typeface="Arial"/>
-              </a:rPr>
-              <a:t>Blablabla</a:t>
-            </a:r>
-            <a:endParaRPr/>
+            <a:endParaRPr dirty="0"/>
           </a:p>
         </p:txBody>
       </p:sp>
@@ -6342,6 +6935,25 @@
   <p:clrMapOvr>
     <a:masterClrMapping/>
   </p:clrMapOvr>
+  <mc:AlternateContent xmlns:mc="http://schemas.openxmlformats.org/markup-compatibility/2006">
+    <mc:Choice xmlns:p14="http://schemas.microsoft.com/office/powerpoint/2010/main" Requires="p14">
+      <p:transition p14:dur="250">
+        <p:pull/>
+      </p:transition>
+    </mc:Choice>
+    <mc:Fallback>
+      <p:transition>
+        <p:pull/>
+      </p:transition>
+    </mc:Fallback>
+  </mc:AlternateContent>
+  <p:timing>
+    <p:tnLst>
+      <p:par>
+        <p:cTn id="1" dur="indefinite" restart="never" nodeType="tmRoot"/>
+      </p:par>
+    </p:tnLst>
+  </p:timing>
 </p:sld>
 </file>
 
@@ -6370,7 +6982,7 @@
         </p:nvSpPr>
         <p:spPr>
           <a:xfrm>
-            <a:off x="1763640" y="92160"/>
+            <a:off x="1763688" y="92160"/>
             <a:ext cx="6460560" cy="571320"/>
           </a:xfrm>
           <a:prstGeom prst="rect">
@@ -6411,8 +7023,8 @@
         </p:nvSpPr>
         <p:spPr>
           <a:xfrm>
-            <a:off x="457200" y="980640"/>
-            <a:ext cx="8229240" cy="5328360"/>
+            <a:off x="435045" y="671352"/>
+            <a:ext cx="8229240" cy="706151"/>
           </a:xfrm>
           <a:prstGeom prst="rect">
             <a:avLst/>
@@ -6432,40 +7044,204 @@
               </a:lnSpc>
             </a:pPr>
             <a:r>
-              <a:rPr lang="fr-FR" sz="2800" b="1" strike="noStrike">
+              <a:rPr lang="fr-FR" sz="2800" b="1" strike="noStrike" dirty="0">
                 <a:solidFill>
                   <a:srgbClr val="004D6F"/>
                 </a:solidFill>
                 <a:latin typeface="Arial"/>
               </a:rPr>
-              <a:t>Répartition des rôles</a:t>
-            </a:r>
-            <a:endParaRPr/>
-          </a:p>
-          <a:p>
-            <a:pPr algn="ctr">
-              <a:lnSpc>
-                <a:spcPct val="100000"/>
-              </a:lnSpc>
-            </a:pPr>
-            <a:endParaRPr/>
-          </a:p>
-          <a:p>
-            <a:pPr algn="ctr">
-              <a:lnSpc>
-                <a:spcPct val="100000"/>
-              </a:lnSpc>
-            </a:pPr>
-            <a:r>
-              <a:rPr lang="fr-FR" sz="2000" b="1" strike="noStrike">
+              <a:t>Répartition des </a:t>
+            </a:r>
+            <a:r>
+              <a:rPr lang="fr-FR" sz="2800" b="1" strike="noStrike" dirty="0" smtClean="0">
                 <a:solidFill>
                   <a:srgbClr val="004D6F"/>
                 </a:solidFill>
                 <a:latin typeface="Arial"/>
               </a:rPr>
-              <a:t>ADTool			Algorithmie			Glasir</a:t>
-            </a:r>
-            <a:endParaRPr/>
+              <a:t>rôles</a:t>
+            </a:r>
+            <a:endParaRPr dirty="0"/>
+          </a:p>
+        </p:txBody>
+      </p:sp>
+      <p:pic>
+        <p:nvPicPr>
+          <p:cNvPr id="2" name="Picture 1"/>
+          <p:cNvPicPr>
+            <a:picLocks noChangeAspect="1"/>
+          </p:cNvPicPr>
+          <p:nvPr/>
+        </p:nvPicPr>
+        <p:blipFill>
+          <a:blip r:embed="rId2" cstate="print">
+            <a:extLst>
+              <a:ext uri="{28A0092B-C50C-407E-A947-70E740481C1C}">
+                <a14:useLocalDpi xmlns:a14="http://schemas.microsoft.com/office/drawing/2010/main" val="0"/>
+              </a:ext>
+            </a:extLst>
+          </a:blip>
+          <a:stretch>
+            <a:fillRect/>
+          </a:stretch>
+        </p:blipFill>
+        <p:spPr>
+          <a:xfrm>
+            <a:off x="457200" y="2996952"/>
+            <a:ext cx="2148108" cy="2276872"/>
+          </a:xfrm>
+          <a:prstGeom prst="rect">
+            <a:avLst/>
+          </a:prstGeom>
+        </p:spPr>
+      </p:pic>
+      <p:pic>
+        <p:nvPicPr>
+          <p:cNvPr id="3" name="Picture 2"/>
+          <p:cNvPicPr>
+            <a:picLocks noChangeAspect="1"/>
+          </p:cNvPicPr>
+          <p:nvPr/>
+        </p:nvPicPr>
+        <p:blipFill>
+          <a:blip r:embed="rId3" cstate="print">
+            <a:extLst>
+              <a:ext uri="{28A0092B-C50C-407E-A947-70E740481C1C}">
+                <a14:useLocalDpi xmlns:a14="http://schemas.microsoft.com/office/drawing/2010/main" val="0"/>
+              </a:ext>
+            </a:extLst>
+          </a:blip>
+          <a:stretch>
+            <a:fillRect/>
+          </a:stretch>
+        </p:blipFill>
+        <p:spPr>
+          <a:xfrm>
+            <a:off x="3347864" y="2636912"/>
+            <a:ext cx="2458667" cy="2801357"/>
+          </a:xfrm>
+          <a:prstGeom prst="rect">
+            <a:avLst/>
+          </a:prstGeom>
+        </p:spPr>
+      </p:pic>
+      <p:pic>
+        <p:nvPicPr>
+          <p:cNvPr id="4" name="Picture 3"/>
+          <p:cNvPicPr>
+            <a:picLocks noChangeAspect="1"/>
+          </p:cNvPicPr>
+          <p:nvPr/>
+        </p:nvPicPr>
+        <p:blipFill>
+          <a:blip r:embed="rId4">
+            <a:extLst>
+              <a:ext uri="{28A0092B-C50C-407E-A947-70E740481C1C}">
+                <a14:useLocalDpi xmlns:a14="http://schemas.microsoft.com/office/drawing/2010/main" val="0"/>
+              </a:ext>
+            </a:extLst>
+          </a:blip>
+          <a:stretch>
+            <a:fillRect/>
+          </a:stretch>
+        </p:blipFill>
+        <p:spPr>
+          <a:xfrm>
+            <a:off x="6660232" y="2787189"/>
+            <a:ext cx="1847850" cy="2466975"/>
+          </a:xfrm>
+          <a:prstGeom prst="rect">
+            <a:avLst/>
+          </a:prstGeom>
+        </p:spPr>
+      </p:pic>
+      <p:sp>
+        <p:nvSpPr>
+          <p:cNvPr id="5" name="TextBox 4"/>
+          <p:cNvSpPr txBox="1"/>
+          <p:nvPr/>
+        </p:nvSpPr>
+        <p:spPr>
+          <a:xfrm>
+            <a:off x="971600" y="1913597"/>
+            <a:ext cx="928524" cy="369332"/>
+          </a:xfrm>
+          <a:prstGeom prst="rect">
+            <a:avLst/>
+          </a:prstGeom>
+          <a:noFill/>
+        </p:spPr>
+        <p:txBody>
+          <a:bodyPr wrap="none" rtlCol="0">
+            <a:spAutoFit/>
+          </a:bodyPr>
+          <a:lstStyle/>
+          <a:p>
+            <a:r>
+              <a:rPr lang="en-US" dirty="0" err="1" smtClean="0"/>
+              <a:t>ADTool</a:t>
+            </a:r>
+            <a:endParaRPr lang="fr-FR" dirty="0"/>
+          </a:p>
+        </p:txBody>
+      </p:sp>
+      <p:sp>
+        <p:nvSpPr>
+          <p:cNvPr id="6" name="TextBox 5"/>
+          <p:cNvSpPr txBox="1"/>
+          <p:nvPr/>
+        </p:nvSpPr>
+        <p:spPr>
+          <a:xfrm>
+            <a:off x="6948264" y="1913597"/>
+            <a:ext cx="1082348" cy="369332"/>
+          </a:xfrm>
+          <a:prstGeom prst="rect">
+            <a:avLst/>
+          </a:prstGeom>
+          <a:noFill/>
+        </p:spPr>
+        <p:txBody>
+          <a:bodyPr wrap="none" rtlCol="0">
+            <a:spAutoFit/>
+          </a:bodyPr>
+          <a:lstStyle/>
+          <a:p>
+            <a:r>
+              <a:rPr lang="en-US" dirty="0" smtClean="0"/>
+              <a:t>Interface</a:t>
+            </a:r>
+            <a:endParaRPr lang="fr-FR" dirty="0"/>
+          </a:p>
+        </p:txBody>
+      </p:sp>
+      <p:sp>
+        <p:nvSpPr>
+          <p:cNvPr id="7" name="TextBox 6"/>
+          <p:cNvSpPr txBox="1"/>
+          <p:nvPr/>
+        </p:nvSpPr>
+        <p:spPr>
+          <a:xfrm>
+            <a:off x="3848191" y="1913597"/>
+            <a:ext cx="1402948" cy="369332"/>
+          </a:xfrm>
+          <a:prstGeom prst="rect">
+            <a:avLst/>
+          </a:prstGeom>
+          <a:noFill/>
+        </p:spPr>
+        <p:txBody>
+          <a:bodyPr wrap="none" rtlCol="0">
+            <a:spAutoFit/>
+          </a:bodyPr>
+          <a:lstStyle/>
+          <a:p>
+            <a:r>
+              <a:rPr lang="en-US" dirty="0" err="1" smtClean="0"/>
+              <a:t>Algorithmes</a:t>
+            </a:r>
+            <a:endParaRPr lang="fr-FR" dirty="0"/>
           </a:p>
         </p:txBody>
       </p:sp>
@@ -6474,6 +7250,545 @@
   <p:clrMapOvr>
     <a:masterClrMapping/>
   </p:clrMapOvr>
+  <mc:AlternateContent xmlns:mc="http://schemas.openxmlformats.org/markup-compatibility/2006">
+    <mc:Choice xmlns:p14="http://schemas.microsoft.com/office/powerpoint/2010/main" Requires="p14">
+      <p:transition p14:dur="250">
+        <p:pull/>
+      </p:transition>
+    </mc:Choice>
+    <mc:Fallback>
+      <p:transition>
+        <p:pull/>
+      </p:transition>
+    </mc:Fallback>
+  </mc:AlternateContent>
+  <p:timing>
+    <p:tnLst>
+      <p:par>
+        <p:cTn id="1" dur="indefinite" restart="never" nodeType="tmRoot">
+          <p:childTnLst>
+            <p:seq concurrent="1" nextAc="seek">
+              <p:cTn id="2" dur="indefinite" nodeType="mainSeq">
+                <p:childTnLst>
+                  <p:par>
+                    <p:cTn id="3" fill="hold">
+                      <p:stCondLst>
+                        <p:cond delay="indefinite"/>
+                      </p:stCondLst>
+                      <p:childTnLst>
+                        <p:par>
+                          <p:cTn id="4" fill="hold">
+                            <p:stCondLst>
+                              <p:cond delay="0"/>
+                            </p:stCondLst>
+                            <p:childTnLst>
+                              <p:par>
+                                <p:cTn id="5" presetID="2" presetClass="entr" presetSubtype="4" fill="hold" nodeType="clickEffect">
+                                  <p:stCondLst>
+                                    <p:cond delay="0"/>
+                                  </p:stCondLst>
+                                  <p:childTnLst>
+                                    <p:set>
+                                      <p:cBhvr>
+                                        <p:cTn id="6" dur="1" fill="hold">
+                                          <p:stCondLst>
+                                            <p:cond delay="0"/>
+                                          </p:stCondLst>
+                                        </p:cTn>
+                                        <p:tgtEl>
+                                          <p:spTgt spid="2"/>
+                                        </p:tgtEl>
+                                        <p:attrNameLst>
+                                          <p:attrName>style.visibility</p:attrName>
+                                        </p:attrNameLst>
+                                      </p:cBhvr>
+                                      <p:to>
+                                        <p:strVal val="visible"/>
+                                      </p:to>
+                                    </p:set>
+                                    <p:anim calcmode="lin" valueType="num">
+                                      <p:cBhvr additive="base">
+                                        <p:cTn id="7" dur="500" fill="hold"/>
+                                        <p:tgtEl>
+                                          <p:spTgt spid="2"/>
+                                        </p:tgtEl>
+                                        <p:attrNameLst>
+                                          <p:attrName>ppt_x</p:attrName>
+                                        </p:attrNameLst>
+                                      </p:cBhvr>
+                                      <p:tavLst>
+                                        <p:tav tm="0">
+                                          <p:val>
+                                            <p:strVal val="#ppt_x"/>
+                                          </p:val>
+                                        </p:tav>
+                                        <p:tav tm="100000">
+                                          <p:val>
+                                            <p:strVal val="#ppt_x"/>
+                                          </p:val>
+                                        </p:tav>
+                                      </p:tavLst>
+                                    </p:anim>
+                                    <p:anim calcmode="lin" valueType="num">
+                                      <p:cBhvr additive="base">
+                                        <p:cTn id="8" dur="500" fill="hold"/>
+                                        <p:tgtEl>
+                                          <p:spTgt spid="2"/>
+                                        </p:tgtEl>
+                                        <p:attrNameLst>
+                                          <p:attrName>ppt_y</p:attrName>
+                                        </p:attrNameLst>
+                                      </p:cBhvr>
+                                      <p:tavLst>
+                                        <p:tav tm="0">
+                                          <p:val>
+                                            <p:strVal val="1+#ppt_h/2"/>
+                                          </p:val>
+                                        </p:tav>
+                                        <p:tav tm="100000">
+                                          <p:val>
+                                            <p:strVal val="#ppt_y"/>
+                                          </p:val>
+                                        </p:tav>
+                                      </p:tavLst>
+                                    </p:anim>
+                                  </p:childTnLst>
+                                </p:cTn>
+                              </p:par>
+                              <p:par>
+                                <p:cTn id="9" presetID="2" presetClass="entr" presetSubtype="4" fill="hold" grpId="0" nodeType="withEffect">
+                                  <p:stCondLst>
+                                    <p:cond delay="0"/>
+                                  </p:stCondLst>
+                                  <p:childTnLst>
+                                    <p:set>
+                                      <p:cBhvr>
+                                        <p:cTn id="10" dur="1" fill="hold">
+                                          <p:stCondLst>
+                                            <p:cond delay="0"/>
+                                          </p:stCondLst>
+                                        </p:cTn>
+                                        <p:tgtEl>
+                                          <p:spTgt spid="5"/>
+                                        </p:tgtEl>
+                                        <p:attrNameLst>
+                                          <p:attrName>style.visibility</p:attrName>
+                                        </p:attrNameLst>
+                                      </p:cBhvr>
+                                      <p:to>
+                                        <p:strVal val="visible"/>
+                                      </p:to>
+                                    </p:set>
+                                    <p:anim calcmode="lin" valueType="num">
+                                      <p:cBhvr additive="base">
+                                        <p:cTn id="11" dur="500" fill="hold"/>
+                                        <p:tgtEl>
+                                          <p:spTgt spid="5"/>
+                                        </p:tgtEl>
+                                        <p:attrNameLst>
+                                          <p:attrName>ppt_x</p:attrName>
+                                        </p:attrNameLst>
+                                      </p:cBhvr>
+                                      <p:tavLst>
+                                        <p:tav tm="0">
+                                          <p:val>
+                                            <p:strVal val="#ppt_x"/>
+                                          </p:val>
+                                        </p:tav>
+                                        <p:tav tm="100000">
+                                          <p:val>
+                                            <p:strVal val="#ppt_x"/>
+                                          </p:val>
+                                        </p:tav>
+                                      </p:tavLst>
+                                    </p:anim>
+                                    <p:anim calcmode="lin" valueType="num">
+                                      <p:cBhvr additive="base">
+                                        <p:cTn id="12" dur="500" fill="hold"/>
+                                        <p:tgtEl>
+                                          <p:spTgt spid="5"/>
+                                        </p:tgtEl>
+                                        <p:attrNameLst>
+                                          <p:attrName>ppt_y</p:attrName>
+                                        </p:attrNameLst>
+                                      </p:cBhvr>
+                                      <p:tavLst>
+                                        <p:tav tm="0">
+                                          <p:val>
+                                            <p:strVal val="1+#ppt_h/2"/>
+                                          </p:val>
+                                        </p:tav>
+                                        <p:tav tm="100000">
+                                          <p:val>
+                                            <p:strVal val="#ppt_y"/>
+                                          </p:val>
+                                        </p:tav>
+                                      </p:tavLst>
+                                    </p:anim>
+                                  </p:childTnLst>
+                                </p:cTn>
+                              </p:par>
+                            </p:childTnLst>
+                          </p:cTn>
+                        </p:par>
+                      </p:childTnLst>
+                    </p:cTn>
+                  </p:par>
+                  <p:par>
+                    <p:cTn id="13" fill="hold">
+                      <p:stCondLst>
+                        <p:cond delay="indefinite"/>
+                      </p:stCondLst>
+                      <p:childTnLst>
+                        <p:par>
+                          <p:cTn id="14" fill="hold">
+                            <p:stCondLst>
+                              <p:cond delay="0"/>
+                            </p:stCondLst>
+                            <p:childTnLst>
+                              <p:par>
+                                <p:cTn id="15" presetID="2" presetClass="entr" presetSubtype="4" fill="hold" nodeType="clickEffect">
+                                  <p:stCondLst>
+                                    <p:cond delay="0"/>
+                                  </p:stCondLst>
+                                  <p:childTnLst>
+                                    <p:set>
+                                      <p:cBhvr>
+                                        <p:cTn id="16" dur="1" fill="hold">
+                                          <p:stCondLst>
+                                            <p:cond delay="0"/>
+                                          </p:stCondLst>
+                                        </p:cTn>
+                                        <p:tgtEl>
+                                          <p:spTgt spid="3"/>
+                                        </p:tgtEl>
+                                        <p:attrNameLst>
+                                          <p:attrName>style.visibility</p:attrName>
+                                        </p:attrNameLst>
+                                      </p:cBhvr>
+                                      <p:to>
+                                        <p:strVal val="visible"/>
+                                      </p:to>
+                                    </p:set>
+                                    <p:anim calcmode="lin" valueType="num">
+                                      <p:cBhvr additive="base">
+                                        <p:cTn id="17" dur="500" fill="hold"/>
+                                        <p:tgtEl>
+                                          <p:spTgt spid="3"/>
+                                        </p:tgtEl>
+                                        <p:attrNameLst>
+                                          <p:attrName>ppt_x</p:attrName>
+                                        </p:attrNameLst>
+                                      </p:cBhvr>
+                                      <p:tavLst>
+                                        <p:tav tm="0">
+                                          <p:val>
+                                            <p:strVal val="#ppt_x"/>
+                                          </p:val>
+                                        </p:tav>
+                                        <p:tav tm="100000">
+                                          <p:val>
+                                            <p:strVal val="#ppt_x"/>
+                                          </p:val>
+                                        </p:tav>
+                                      </p:tavLst>
+                                    </p:anim>
+                                    <p:anim calcmode="lin" valueType="num">
+                                      <p:cBhvr additive="base">
+                                        <p:cTn id="18" dur="500" fill="hold"/>
+                                        <p:tgtEl>
+                                          <p:spTgt spid="3"/>
+                                        </p:tgtEl>
+                                        <p:attrNameLst>
+                                          <p:attrName>ppt_y</p:attrName>
+                                        </p:attrNameLst>
+                                      </p:cBhvr>
+                                      <p:tavLst>
+                                        <p:tav tm="0">
+                                          <p:val>
+                                            <p:strVal val="1+#ppt_h/2"/>
+                                          </p:val>
+                                        </p:tav>
+                                        <p:tav tm="100000">
+                                          <p:val>
+                                            <p:strVal val="#ppt_y"/>
+                                          </p:val>
+                                        </p:tav>
+                                      </p:tavLst>
+                                    </p:anim>
+                                  </p:childTnLst>
+                                </p:cTn>
+                              </p:par>
+                              <p:par>
+                                <p:cTn id="19" presetID="2" presetClass="entr" presetSubtype="4" fill="hold" grpId="0" nodeType="withEffect">
+                                  <p:stCondLst>
+                                    <p:cond delay="0"/>
+                                  </p:stCondLst>
+                                  <p:childTnLst>
+                                    <p:set>
+                                      <p:cBhvr>
+                                        <p:cTn id="20" dur="1" fill="hold">
+                                          <p:stCondLst>
+                                            <p:cond delay="0"/>
+                                          </p:stCondLst>
+                                        </p:cTn>
+                                        <p:tgtEl>
+                                          <p:spTgt spid="7"/>
+                                        </p:tgtEl>
+                                        <p:attrNameLst>
+                                          <p:attrName>style.visibility</p:attrName>
+                                        </p:attrNameLst>
+                                      </p:cBhvr>
+                                      <p:to>
+                                        <p:strVal val="visible"/>
+                                      </p:to>
+                                    </p:set>
+                                    <p:anim calcmode="lin" valueType="num">
+                                      <p:cBhvr additive="base">
+                                        <p:cTn id="21" dur="500" fill="hold"/>
+                                        <p:tgtEl>
+                                          <p:spTgt spid="7"/>
+                                        </p:tgtEl>
+                                        <p:attrNameLst>
+                                          <p:attrName>ppt_x</p:attrName>
+                                        </p:attrNameLst>
+                                      </p:cBhvr>
+                                      <p:tavLst>
+                                        <p:tav tm="0">
+                                          <p:val>
+                                            <p:strVal val="#ppt_x"/>
+                                          </p:val>
+                                        </p:tav>
+                                        <p:tav tm="100000">
+                                          <p:val>
+                                            <p:strVal val="#ppt_x"/>
+                                          </p:val>
+                                        </p:tav>
+                                      </p:tavLst>
+                                    </p:anim>
+                                    <p:anim calcmode="lin" valueType="num">
+                                      <p:cBhvr additive="base">
+                                        <p:cTn id="22" dur="500" fill="hold"/>
+                                        <p:tgtEl>
+                                          <p:spTgt spid="7"/>
+                                        </p:tgtEl>
+                                        <p:attrNameLst>
+                                          <p:attrName>ppt_y</p:attrName>
+                                        </p:attrNameLst>
+                                      </p:cBhvr>
+                                      <p:tavLst>
+                                        <p:tav tm="0">
+                                          <p:val>
+                                            <p:strVal val="1+#ppt_h/2"/>
+                                          </p:val>
+                                        </p:tav>
+                                        <p:tav tm="100000">
+                                          <p:val>
+                                            <p:strVal val="#ppt_y"/>
+                                          </p:val>
+                                        </p:tav>
+                                      </p:tavLst>
+                                    </p:anim>
+                                  </p:childTnLst>
+                                </p:cTn>
+                              </p:par>
+                            </p:childTnLst>
+                          </p:cTn>
+                        </p:par>
+                      </p:childTnLst>
+                    </p:cTn>
+                  </p:par>
+                  <p:par>
+                    <p:cTn id="23" fill="hold">
+                      <p:stCondLst>
+                        <p:cond delay="indefinite"/>
+                      </p:stCondLst>
+                      <p:childTnLst>
+                        <p:par>
+                          <p:cTn id="24" fill="hold">
+                            <p:stCondLst>
+                              <p:cond delay="0"/>
+                            </p:stCondLst>
+                            <p:childTnLst>
+                              <p:par>
+                                <p:cTn id="25" presetID="2" presetClass="entr" presetSubtype="4" fill="hold" nodeType="clickEffect">
+                                  <p:stCondLst>
+                                    <p:cond delay="0"/>
+                                  </p:stCondLst>
+                                  <p:childTnLst>
+                                    <p:set>
+                                      <p:cBhvr>
+                                        <p:cTn id="26" dur="1" fill="hold">
+                                          <p:stCondLst>
+                                            <p:cond delay="0"/>
+                                          </p:stCondLst>
+                                        </p:cTn>
+                                        <p:tgtEl>
+                                          <p:spTgt spid="4"/>
+                                        </p:tgtEl>
+                                        <p:attrNameLst>
+                                          <p:attrName>style.visibility</p:attrName>
+                                        </p:attrNameLst>
+                                      </p:cBhvr>
+                                      <p:to>
+                                        <p:strVal val="visible"/>
+                                      </p:to>
+                                    </p:set>
+                                    <p:anim calcmode="lin" valueType="num">
+                                      <p:cBhvr additive="base">
+                                        <p:cTn id="27" dur="500" fill="hold"/>
+                                        <p:tgtEl>
+                                          <p:spTgt spid="4"/>
+                                        </p:tgtEl>
+                                        <p:attrNameLst>
+                                          <p:attrName>ppt_x</p:attrName>
+                                        </p:attrNameLst>
+                                      </p:cBhvr>
+                                      <p:tavLst>
+                                        <p:tav tm="0">
+                                          <p:val>
+                                            <p:strVal val="#ppt_x"/>
+                                          </p:val>
+                                        </p:tav>
+                                        <p:tav tm="100000">
+                                          <p:val>
+                                            <p:strVal val="#ppt_x"/>
+                                          </p:val>
+                                        </p:tav>
+                                      </p:tavLst>
+                                    </p:anim>
+                                    <p:anim calcmode="lin" valueType="num">
+                                      <p:cBhvr additive="base">
+                                        <p:cTn id="28" dur="500" fill="hold"/>
+                                        <p:tgtEl>
+                                          <p:spTgt spid="4"/>
+                                        </p:tgtEl>
+                                        <p:attrNameLst>
+                                          <p:attrName>ppt_y</p:attrName>
+                                        </p:attrNameLst>
+                                      </p:cBhvr>
+                                      <p:tavLst>
+                                        <p:tav tm="0">
+                                          <p:val>
+                                            <p:strVal val="1+#ppt_h/2"/>
+                                          </p:val>
+                                        </p:tav>
+                                        <p:tav tm="100000">
+                                          <p:val>
+                                            <p:strVal val="#ppt_y"/>
+                                          </p:val>
+                                        </p:tav>
+                                      </p:tavLst>
+                                    </p:anim>
+                                  </p:childTnLst>
+                                </p:cTn>
+                              </p:par>
+                              <p:par>
+                                <p:cTn id="29" presetID="2" presetClass="entr" presetSubtype="4" fill="hold" grpId="0" nodeType="withEffect">
+                                  <p:stCondLst>
+                                    <p:cond delay="0"/>
+                                  </p:stCondLst>
+                                  <p:childTnLst>
+                                    <p:set>
+                                      <p:cBhvr>
+                                        <p:cTn id="30" dur="1" fill="hold">
+                                          <p:stCondLst>
+                                            <p:cond delay="0"/>
+                                          </p:stCondLst>
+                                        </p:cTn>
+                                        <p:tgtEl>
+                                          <p:spTgt spid="6"/>
+                                        </p:tgtEl>
+                                        <p:attrNameLst>
+                                          <p:attrName>style.visibility</p:attrName>
+                                        </p:attrNameLst>
+                                      </p:cBhvr>
+                                      <p:to>
+                                        <p:strVal val="visible"/>
+                                      </p:to>
+                                    </p:set>
+                                    <p:anim calcmode="lin" valueType="num">
+                                      <p:cBhvr additive="base">
+                                        <p:cTn id="31" dur="500" fill="hold"/>
+                                        <p:tgtEl>
+                                          <p:spTgt spid="6"/>
+                                        </p:tgtEl>
+                                        <p:attrNameLst>
+                                          <p:attrName>ppt_x</p:attrName>
+                                        </p:attrNameLst>
+                                      </p:cBhvr>
+                                      <p:tavLst>
+                                        <p:tav tm="0">
+                                          <p:val>
+                                            <p:strVal val="#ppt_x"/>
+                                          </p:val>
+                                        </p:tav>
+                                        <p:tav tm="100000">
+                                          <p:val>
+                                            <p:strVal val="#ppt_x"/>
+                                          </p:val>
+                                        </p:tav>
+                                      </p:tavLst>
+                                    </p:anim>
+                                    <p:anim calcmode="lin" valueType="num">
+                                      <p:cBhvr additive="base">
+                                        <p:cTn id="32" dur="500" fill="hold"/>
+                                        <p:tgtEl>
+                                          <p:spTgt spid="6"/>
+                                        </p:tgtEl>
+                                        <p:attrNameLst>
+                                          <p:attrName>ppt_y</p:attrName>
+                                        </p:attrNameLst>
+                                      </p:cBhvr>
+                                      <p:tavLst>
+                                        <p:tav tm="0">
+                                          <p:val>
+                                            <p:strVal val="1+#ppt_h/2"/>
+                                          </p:val>
+                                        </p:tav>
+                                        <p:tav tm="100000">
+                                          <p:val>
+                                            <p:strVal val="#ppt_y"/>
+                                          </p:val>
+                                        </p:tav>
+                                      </p:tavLst>
+                                    </p:anim>
+                                  </p:childTnLst>
+                                </p:cTn>
+                              </p:par>
+                            </p:childTnLst>
+                          </p:cTn>
+                        </p:par>
+                      </p:childTnLst>
+                    </p:cTn>
+                  </p:par>
+                </p:childTnLst>
+              </p:cTn>
+              <p:prevCondLst>
+                <p:cond evt="onPrev" delay="0">
+                  <p:tgtEl>
+                    <p:sldTgt/>
+                  </p:tgtEl>
+                </p:cond>
+              </p:prevCondLst>
+              <p:nextCondLst>
+                <p:cond evt="onNext" delay="0">
+                  <p:tgtEl>
+                    <p:sldTgt/>
+                  </p:tgtEl>
+                </p:cond>
+              </p:nextCondLst>
+            </p:seq>
+          </p:childTnLst>
+        </p:cTn>
+      </p:par>
+    </p:tnLst>
+    <p:bldLst>
+      <p:bldP spid="5" grpId="0"/>
+      <p:bldP spid="6" grpId="0"/>
+      <p:bldP spid="7" grpId="0"/>
+    </p:bldLst>
+  </p:timing>
 </p:sld>
 </file>
 
@@ -6544,7 +7859,7 @@
         <p:spPr>
           <a:xfrm>
             <a:off x="457200" y="980640"/>
-            <a:ext cx="8229240" cy="5328360"/>
+            <a:ext cx="8229240" cy="3888520"/>
           </a:xfrm>
           <a:prstGeom prst="rect">
             <a:avLst/>
@@ -6564,7 +7879,7 @@
               </a:lnSpc>
             </a:pPr>
             <a:r>
-              <a:rPr lang="fr-FR" sz="2800" b="1" strike="noStrike">
+              <a:rPr lang="fr-FR" sz="2800" b="1" strike="noStrike" dirty="0">
                 <a:solidFill>
                   <a:srgbClr val="004D6F"/>
                 </a:solidFill>
@@ -6572,7 +7887,7 @@
               </a:rPr>
               <a:t>Cycle de qualification</a:t>
             </a:r>
-            <a:endParaRPr/>
+            <a:endParaRPr dirty="0"/>
           </a:p>
           <a:p>
             <a:pPr>
@@ -6580,7 +7895,7 @@
                 <a:spcPct val="100000"/>
               </a:lnSpc>
             </a:pPr>
-            <a:endParaRPr/>
+            <a:endParaRPr lang="fr-FR" dirty="0" smtClean="0"/>
           </a:p>
           <a:p>
             <a:pPr>
@@ -6588,16 +7903,7 @@
                 <a:spcPct val="100000"/>
               </a:lnSpc>
             </a:pPr>
-            <a:r>
-              <a:rPr lang="fr-FR" sz="2000" b="1" strike="noStrike">
-                <a:solidFill>
-                  <a:srgbClr val="004D6F"/>
-                </a:solidFill>
-                <a:latin typeface="Arial"/>
-              </a:rPr>
-              <a:t>Fo testé et fair la dokumentassion o fur et a mesur urh urh</a:t>
-            </a:r>
-            <a:endParaRPr/>
+            <a:endParaRPr lang="fr-FR" dirty="0"/>
           </a:p>
           <a:p>
             <a:pPr>
@@ -6605,32 +7911,94 @@
                 <a:spcPct val="100000"/>
               </a:lnSpc>
             </a:pPr>
-            <a:r>
-              <a:rPr lang="fr-FR" sz="2000" b="1" strike="noStrike">
-                <a:solidFill>
-                  <a:srgbClr val="004D6F"/>
-                </a:solidFill>
-                <a:latin typeface="Arial"/>
-              </a:rPr>
-              <a:t>Herp derp</a:t>
-            </a:r>
-            <a:endParaRPr/>
-          </a:p>
-          <a:p>
-            <a:pPr>
-              <a:lnSpc>
-                <a:spcPct val="100000"/>
-              </a:lnSpc>
-            </a:pPr>
-            <a:endParaRPr/>
-          </a:p>
-        </p:txBody>
-      </p:sp>
+            <a:endParaRPr dirty="0"/>
+          </a:p>
+        </p:txBody>
+      </p:sp>
+      <p:pic>
+        <p:nvPicPr>
+          <p:cNvPr id="3" name="Picture 2"/>
+          <p:cNvPicPr>
+            <a:picLocks noChangeAspect="1"/>
+          </p:cNvPicPr>
+          <p:nvPr/>
+        </p:nvPicPr>
+        <p:blipFill>
+          <a:blip r:embed="rId2">
+            <a:extLst>
+              <a:ext uri="{28A0092B-C50C-407E-A947-70E740481C1C}">
+                <a14:useLocalDpi xmlns:a14="http://schemas.microsoft.com/office/drawing/2010/main" val="0"/>
+              </a:ext>
+            </a:extLst>
+          </a:blip>
+          <a:stretch>
+            <a:fillRect/>
+          </a:stretch>
+        </p:blipFill>
+        <p:spPr>
+          <a:xfrm>
+            <a:off x="971600" y="2780928"/>
+            <a:ext cx="2666283" cy="1955709"/>
+          </a:xfrm>
+          <a:prstGeom prst="rect">
+            <a:avLst/>
+          </a:prstGeom>
+        </p:spPr>
+      </p:pic>
+      <p:pic>
+        <p:nvPicPr>
+          <p:cNvPr id="5" name="Picture 4"/>
+          <p:cNvPicPr>
+            <a:picLocks noChangeAspect="1"/>
+          </p:cNvPicPr>
+          <p:nvPr/>
+        </p:nvPicPr>
+        <p:blipFill>
+          <a:blip r:embed="rId3">
+            <a:extLst>
+              <a:ext uri="{28A0092B-C50C-407E-A947-70E740481C1C}">
+                <a14:useLocalDpi xmlns:a14="http://schemas.microsoft.com/office/drawing/2010/main" val="0"/>
+              </a:ext>
+            </a:extLst>
+          </a:blip>
+          <a:stretch>
+            <a:fillRect/>
+          </a:stretch>
+        </p:blipFill>
+        <p:spPr>
+          <a:xfrm>
+            <a:off x="5020297" y="2301218"/>
+            <a:ext cx="2857500" cy="2857500"/>
+          </a:xfrm>
+          <a:prstGeom prst="rect">
+            <a:avLst/>
+          </a:prstGeom>
+        </p:spPr>
+      </p:pic>
     </p:spTree>
   </p:cSld>
   <p:clrMapOvr>
     <a:masterClrMapping/>
   </p:clrMapOvr>
+  <mc:AlternateContent xmlns:mc="http://schemas.openxmlformats.org/markup-compatibility/2006">
+    <mc:Choice xmlns:p14="http://schemas.microsoft.com/office/powerpoint/2010/main" Requires="p14">
+      <p:transition p14:dur="250">
+        <p:pull/>
+      </p:transition>
+    </mc:Choice>
+    <mc:Fallback>
+      <p:transition>
+        <p:pull/>
+      </p:transition>
+    </mc:Fallback>
+  </mc:AlternateContent>
+  <p:timing>
+    <p:tnLst>
+      <p:par>
+        <p:cTn id="1" dur="indefinite" restart="never" nodeType="tmRoot"/>
+      </p:par>
+    </p:tnLst>
+  </p:timing>
 </p:sld>
 </file>
 
@@ -6783,11 +8151,60 @@
           </a:p>
         </p:txBody>
       </p:sp>
+      <p:pic>
+        <p:nvPicPr>
+          <p:cNvPr id="3" name="Picture 2"/>
+          <p:cNvPicPr>
+            <a:picLocks noChangeAspect="1"/>
+          </p:cNvPicPr>
+          <p:nvPr/>
+        </p:nvPicPr>
+        <p:blipFill>
+          <a:blip r:embed="rId2">
+            <a:extLst>
+              <a:ext uri="{28A0092B-C50C-407E-A947-70E740481C1C}">
+                <a14:useLocalDpi xmlns:a14="http://schemas.microsoft.com/office/drawing/2010/main" val="0"/>
+              </a:ext>
+            </a:extLst>
+          </a:blip>
+          <a:stretch>
+            <a:fillRect/>
+          </a:stretch>
+        </p:blipFill>
+        <p:spPr>
+          <a:xfrm>
+            <a:off x="2646458" y="2564904"/>
+            <a:ext cx="3850723" cy="3850723"/>
+          </a:xfrm>
+          <a:prstGeom prst="rect">
+            <a:avLst/>
+          </a:prstGeom>
+        </p:spPr>
+      </p:pic>
     </p:spTree>
   </p:cSld>
   <p:clrMapOvr>
     <a:masterClrMapping/>
   </p:clrMapOvr>
+  <mc:AlternateContent xmlns:mc="http://schemas.openxmlformats.org/markup-compatibility/2006">
+    <mc:Choice xmlns:p14="http://schemas.microsoft.com/office/powerpoint/2010/main" Requires="p14">
+      <p:transition p14:dur="250">
+        <p:pull/>
+      </p:transition>
+    </mc:Choice>
+    <mc:Fallback>
+      <p:transition>
+        <p:pull/>
+      </p:transition>
+    </mc:Fallback>
+  </mc:AlternateContent>
+  <p:timing>
+    <p:tnLst>
+      <p:par>
+        <p:cTn id="1" dur="indefinite" restart="never" nodeType="tmRoot"/>
+      </p:par>
+    </p:tnLst>
+  </p:timing>
 </p:sld>
 </file>
 
@@ -6881,6 +8298,25 @@
   <p:clrMapOvr>
     <a:masterClrMapping/>
   </p:clrMapOvr>
+  <mc:AlternateContent xmlns:mc="http://schemas.openxmlformats.org/markup-compatibility/2006">
+    <mc:Choice xmlns:p14="http://schemas.microsoft.com/office/powerpoint/2010/main" Requires="p14">
+      <p:transition spd="slow" p14:dur="1500">
+        <p14:vortex dir="r"/>
+      </p:transition>
+    </mc:Choice>
+    <mc:Fallback>
+      <p:transition spd="slow">
+        <p:fade/>
+      </p:transition>
+    </mc:Fallback>
+  </mc:AlternateContent>
+  <p:timing>
+    <p:tnLst>
+      <p:par>
+        <p:cTn id="1" dur="indefinite" restart="never" nodeType="tmRoot"/>
+      </p:par>
+    </p:tnLst>
+  </p:timing>
 </p:sld>
 </file>
 
@@ -6951,7 +8387,7 @@
         <p:spPr>
           <a:xfrm>
             <a:off x="457200" y="980640"/>
-            <a:ext cx="8229240" cy="5328360"/>
+            <a:ext cx="8229240" cy="936192"/>
           </a:xfrm>
           <a:prstGeom prst="rect">
             <a:avLst/>
@@ -6971,7 +8407,7 @@
               </a:lnSpc>
             </a:pPr>
             <a:r>
-              <a:rPr lang="fr-FR" sz="2800" b="1" strike="noStrike">
+              <a:rPr lang="fr-FR" sz="2800" b="1" strike="noStrike" dirty="0" smtClean="0">
                 <a:solidFill>
                   <a:srgbClr val="004D6F"/>
                 </a:solidFill>
@@ -6979,7 +8415,7 @@
               </a:rPr>
               <a:t>Méthode d’estimation</a:t>
             </a:r>
-            <a:endParaRPr/>
+            <a:endParaRPr dirty="0" smtClean="0"/>
           </a:p>
           <a:p>
             <a:pPr>
@@ -6987,7 +8423,7 @@
                 <a:spcPct val="100000"/>
               </a:lnSpc>
             </a:pPr>
-            <a:endParaRPr/>
+            <a:endParaRPr dirty="0" smtClean="0"/>
           </a:p>
           <a:p>
             <a:pPr>
@@ -6995,77 +8431,102 @@
                 <a:spcPct val="100000"/>
               </a:lnSpc>
             </a:pPr>
-            <a:r>
-              <a:rPr lang="fr-FR" sz="2000" b="1" strike="noStrike">
-                <a:solidFill>
-                  <a:srgbClr val="004D6F"/>
-                </a:solidFill>
-                <a:latin typeface="Arial"/>
-              </a:rPr>
-              <a:t>Analogique </a:t>
-            </a:r>
-            <a:r>
-              <a:rPr lang="fr-FR" sz="2000" b="1" strike="noStrike">
-                <a:solidFill>
-                  <a:srgbClr val="004D6F"/>
-                </a:solidFill>
-                <a:latin typeface="Wingdings"/>
-              </a:rPr>
-              <a:t></a:t>
-            </a:r>
-            <a:r>
-              <a:rPr lang="fr-FR" sz="2000" b="1" strike="noStrike">
-                <a:solidFill>
-                  <a:srgbClr val="004D6F"/>
-                </a:solidFill>
-                <a:latin typeface="Arial"/>
-              </a:rPr>
-              <a:t> comparaison experience vécues (projet poo)</a:t>
-            </a:r>
-            <a:endParaRPr/>
-          </a:p>
-          <a:p>
-            <a:pPr>
-              <a:lnSpc>
-                <a:spcPct val="100000"/>
-              </a:lnSpc>
-            </a:pPr>
-            <a:r>
-              <a:rPr lang="fr-FR" sz="2000" b="1" strike="noStrike">
-                <a:solidFill>
-                  <a:srgbClr val="004D6F"/>
-                </a:solidFill>
-                <a:latin typeface="Arial"/>
-              </a:rPr>
-              <a:t>Expertise </a:t>
-            </a:r>
-            <a:r>
-              <a:rPr lang="fr-FR" sz="2000" b="1" strike="noStrike">
-                <a:solidFill>
-                  <a:srgbClr val="004D6F"/>
-                </a:solidFill>
-                <a:latin typeface="Wingdings"/>
-              </a:rPr>
-              <a:t></a:t>
-            </a:r>
-            <a:r>
-              <a:rPr lang="fr-FR" sz="2000" b="1" strike="noStrike">
-                <a:solidFill>
-                  <a:srgbClr val="004D6F"/>
-                </a:solidFill>
-                <a:latin typeface="Arial"/>
-              </a:rPr>
-              <a:t> jugement à partir de nos stages</a:t>
-            </a:r>
-            <a:endParaRPr/>
-          </a:p>
-          <a:p>
-            <a:pPr>
-              <a:lnSpc>
-                <a:spcPct val="100000"/>
-              </a:lnSpc>
-            </a:pPr>
-            <a:endParaRPr/>
+            <a:endParaRPr lang="fr-FR" sz="2000" b="1" strike="noStrike" dirty="0" smtClean="0">
+              <a:solidFill>
+                <a:srgbClr val="004D6F"/>
+              </a:solidFill>
+              <a:latin typeface="Arial"/>
+            </a:endParaRPr>
+          </a:p>
+        </p:txBody>
+      </p:sp>
+      <p:pic>
+        <p:nvPicPr>
+          <p:cNvPr id="2" name="Picture 1"/>
+          <p:cNvPicPr>
+            <a:picLocks noChangeAspect="1"/>
+          </p:cNvPicPr>
+          <p:nvPr/>
+        </p:nvPicPr>
+        <p:blipFill>
+          <a:blip r:embed="rId2">
+            <a:extLst>
+              <a:ext uri="{28A0092B-C50C-407E-A947-70E740481C1C}">
+                <a14:useLocalDpi xmlns:a14="http://schemas.microsoft.com/office/drawing/2010/main" val="0"/>
+              </a:ext>
+            </a:extLst>
+          </a:blip>
+          <a:stretch>
+            <a:fillRect/>
+          </a:stretch>
+        </p:blipFill>
+        <p:spPr>
+          <a:xfrm>
+            <a:off x="3138486" y="3037602"/>
+            <a:ext cx="2866667" cy="3838095"/>
+          </a:xfrm>
+          <a:prstGeom prst="rect">
+            <a:avLst/>
+          </a:prstGeom>
+        </p:spPr>
+      </p:pic>
+      <p:sp>
+        <p:nvSpPr>
+          <p:cNvPr id="3" name="TextBox 2"/>
+          <p:cNvSpPr txBox="1"/>
+          <p:nvPr/>
+        </p:nvSpPr>
+        <p:spPr>
+          <a:xfrm>
+            <a:off x="971600" y="2852936"/>
+            <a:ext cx="1338828" cy="369332"/>
+          </a:xfrm>
+          <a:prstGeom prst="rect">
+            <a:avLst/>
+          </a:prstGeom>
+          <a:noFill/>
+        </p:spPr>
+        <p:txBody>
+          <a:bodyPr wrap="none" rtlCol="0">
+            <a:spAutoFit/>
+          </a:bodyPr>
+          <a:lstStyle/>
+          <a:p>
+            <a:r>
+              <a:rPr lang="en-US" dirty="0" err="1" smtClean="0"/>
+              <a:t>Analogique</a:t>
+            </a:r>
+            <a:endParaRPr lang="fr-FR" dirty="0"/>
+          </a:p>
+        </p:txBody>
+      </p:sp>
+      <p:sp>
+        <p:nvSpPr>
+          <p:cNvPr id="6" name="TextBox 5"/>
+          <p:cNvSpPr txBox="1"/>
+          <p:nvPr/>
+        </p:nvSpPr>
+        <p:spPr>
+          <a:xfrm>
+            <a:off x="6833211" y="2852936"/>
+            <a:ext cx="1146468" cy="369332"/>
+          </a:xfrm>
+          <a:prstGeom prst="rect">
+            <a:avLst/>
+          </a:prstGeom>
+          <a:noFill/>
+        </p:spPr>
+        <p:txBody>
+          <a:bodyPr wrap="none" rtlCol="0">
+            <a:spAutoFit/>
+          </a:bodyPr>
+          <a:lstStyle/>
+          <a:p>
+            <a:r>
+              <a:rPr lang="en-US" dirty="0" smtClean="0"/>
+              <a:t>Expertise</a:t>
+            </a:r>
+            <a:endParaRPr lang="fr-FR" dirty="0"/>
           </a:p>
         </p:txBody>
       </p:sp>
@@ -7074,6 +8535,326 @@
   <p:clrMapOvr>
     <a:masterClrMapping/>
   </p:clrMapOvr>
+  <mc:AlternateContent xmlns:mc="http://schemas.openxmlformats.org/markup-compatibility/2006">
+    <mc:Choice xmlns:p14="http://schemas.microsoft.com/office/powerpoint/2010/main" Requires="p14">
+      <p:transition p14:dur="250">
+        <p:pull/>
+      </p:transition>
+    </mc:Choice>
+    <mc:Fallback>
+      <p:transition>
+        <p:pull/>
+      </p:transition>
+    </mc:Fallback>
+  </mc:AlternateContent>
+  <p:timing>
+    <p:tnLst>
+      <p:par>
+        <p:cTn id="1" dur="indefinite" restart="never" nodeType="tmRoot">
+          <p:childTnLst>
+            <p:seq concurrent="1" nextAc="seek">
+              <p:cTn id="2" dur="indefinite" nodeType="mainSeq">
+                <p:childTnLst>
+                  <p:par>
+                    <p:cTn id="3" fill="hold">
+                      <p:stCondLst>
+                        <p:cond delay="indefinite"/>
+                        <p:cond evt="onBegin" delay="0">
+                          <p:tn val="2"/>
+                        </p:cond>
+                      </p:stCondLst>
+                      <p:childTnLst>
+                        <p:par>
+                          <p:cTn id="4" fill="hold">
+                            <p:stCondLst>
+                              <p:cond delay="0"/>
+                            </p:stCondLst>
+                            <p:childTnLst>
+                              <p:par>
+                                <p:cTn id="5" presetID="53" presetClass="entr" presetSubtype="16" fill="hold" grpId="0" nodeType="afterEffect">
+                                  <p:stCondLst>
+                                    <p:cond delay="0"/>
+                                  </p:stCondLst>
+                                  <p:childTnLst>
+                                    <p:set>
+                                      <p:cBhvr>
+                                        <p:cTn id="6" dur="1" fill="hold">
+                                          <p:stCondLst>
+                                            <p:cond delay="0"/>
+                                          </p:stCondLst>
+                                        </p:cTn>
+                                        <p:tgtEl>
+                                          <p:spTgt spid="3"/>
+                                        </p:tgtEl>
+                                        <p:attrNameLst>
+                                          <p:attrName>style.visibility</p:attrName>
+                                        </p:attrNameLst>
+                                      </p:cBhvr>
+                                      <p:to>
+                                        <p:strVal val="visible"/>
+                                      </p:to>
+                                    </p:set>
+                                    <p:anim calcmode="lin" valueType="num">
+                                      <p:cBhvr>
+                                        <p:cTn id="7" dur="1000" fill="hold"/>
+                                        <p:tgtEl>
+                                          <p:spTgt spid="3"/>
+                                        </p:tgtEl>
+                                        <p:attrNameLst>
+                                          <p:attrName>ppt_w</p:attrName>
+                                        </p:attrNameLst>
+                                      </p:cBhvr>
+                                      <p:tavLst>
+                                        <p:tav tm="0">
+                                          <p:val>
+                                            <p:fltVal val="0"/>
+                                          </p:val>
+                                        </p:tav>
+                                        <p:tav tm="100000">
+                                          <p:val>
+                                            <p:strVal val="#ppt_w"/>
+                                          </p:val>
+                                        </p:tav>
+                                      </p:tavLst>
+                                    </p:anim>
+                                    <p:anim calcmode="lin" valueType="num">
+                                      <p:cBhvr>
+                                        <p:cTn id="8" dur="1000" fill="hold"/>
+                                        <p:tgtEl>
+                                          <p:spTgt spid="3"/>
+                                        </p:tgtEl>
+                                        <p:attrNameLst>
+                                          <p:attrName>ppt_h</p:attrName>
+                                        </p:attrNameLst>
+                                      </p:cBhvr>
+                                      <p:tavLst>
+                                        <p:tav tm="0">
+                                          <p:val>
+                                            <p:fltVal val="0"/>
+                                          </p:val>
+                                        </p:tav>
+                                        <p:tav tm="100000">
+                                          <p:val>
+                                            <p:strVal val="#ppt_h"/>
+                                          </p:val>
+                                        </p:tav>
+                                      </p:tavLst>
+                                    </p:anim>
+                                    <p:animEffect transition="in" filter="fade">
+                                      <p:cBhvr>
+                                        <p:cTn id="9" dur="1000"/>
+                                        <p:tgtEl>
+                                          <p:spTgt spid="3"/>
+                                        </p:tgtEl>
+                                      </p:cBhvr>
+                                    </p:animEffect>
+                                  </p:childTnLst>
+                                </p:cTn>
+                              </p:par>
+                            </p:childTnLst>
+                          </p:cTn>
+                        </p:par>
+                        <p:par>
+                          <p:cTn id="10" fill="hold">
+                            <p:stCondLst>
+                              <p:cond delay="1000"/>
+                            </p:stCondLst>
+                            <p:childTnLst>
+                              <p:par>
+                                <p:cTn id="11" presetID="53" presetClass="entr" presetSubtype="16" fill="hold" grpId="0" nodeType="afterEffect">
+                                  <p:stCondLst>
+                                    <p:cond delay="0"/>
+                                  </p:stCondLst>
+                                  <p:childTnLst>
+                                    <p:set>
+                                      <p:cBhvr>
+                                        <p:cTn id="12" dur="1" fill="hold">
+                                          <p:stCondLst>
+                                            <p:cond delay="0"/>
+                                          </p:stCondLst>
+                                        </p:cTn>
+                                        <p:tgtEl>
+                                          <p:spTgt spid="6"/>
+                                        </p:tgtEl>
+                                        <p:attrNameLst>
+                                          <p:attrName>style.visibility</p:attrName>
+                                        </p:attrNameLst>
+                                      </p:cBhvr>
+                                      <p:to>
+                                        <p:strVal val="visible"/>
+                                      </p:to>
+                                    </p:set>
+                                    <p:anim calcmode="lin" valueType="num">
+                                      <p:cBhvr>
+                                        <p:cTn id="13" dur="1000" fill="hold"/>
+                                        <p:tgtEl>
+                                          <p:spTgt spid="6"/>
+                                        </p:tgtEl>
+                                        <p:attrNameLst>
+                                          <p:attrName>ppt_w</p:attrName>
+                                        </p:attrNameLst>
+                                      </p:cBhvr>
+                                      <p:tavLst>
+                                        <p:tav tm="0">
+                                          <p:val>
+                                            <p:fltVal val="0"/>
+                                          </p:val>
+                                        </p:tav>
+                                        <p:tav tm="100000">
+                                          <p:val>
+                                            <p:strVal val="#ppt_w"/>
+                                          </p:val>
+                                        </p:tav>
+                                      </p:tavLst>
+                                    </p:anim>
+                                    <p:anim calcmode="lin" valueType="num">
+                                      <p:cBhvr>
+                                        <p:cTn id="14" dur="1000" fill="hold"/>
+                                        <p:tgtEl>
+                                          <p:spTgt spid="6"/>
+                                        </p:tgtEl>
+                                        <p:attrNameLst>
+                                          <p:attrName>ppt_h</p:attrName>
+                                        </p:attrNameLst>
+                                      </p:cBhvr>
+                                      <p:tavLst>
+                                        <p:tav tm="0">
+                                          <p:val>
+                                            <p:fltVal val="0"/>
+                                          </p:val>
+                                        </p:tav>
+                                        <p:tav tm="100000">
+                                          <p:val>
+                                            <p:strVal val="#ppt_h"/>
+                                          </p:val>
+                                        </p:tav>
+                                      </p:tavLst>
+                                    </p:anim>
+                                    <p:animEffect transition="in" filter="fade">
+                                      <p:cBhvr>
+                                        <p:cTn id="15" dur="1000"/>
+                                        <p:tgtEl>
+                                          <p:spTgt spid="6"/>
+                                        </p:tgtEl>
+                                      </p:cBhvr>
+                                    </p:animEffect>
+                                  </p:childTnLst>
+                                </p:cTn>
+                              </p:par>
+                            </p:childTnLst>
+                          </p:cTn>
+                        </p:par>
+                        <p:par>
+                          <p:cTn id="16" fill="hold">
+                            <p:stCondLst>
+                              <p:cond delay="2000"/>
+                            </p:stCondLst>
+                            <p:childTnLst>
+                              <p:par>
+                                <p:cTn id="17" presetID="2" presetClass="entr" presetSubtype="4" fill="hold" nodeType="afterEffect">
+                                  <p:stCondLst>
+                                    <p:cond delay="2000"/>
+                                  </p:stCondLst>
+                                  <p:childTnLst>
+                                    <p:set>
+                                      <p:cBhvr>
+                                        <p:cTn id="18" dur="1" fill="hold">
+                                          <p:stCondLst>
+                                            <p:cond delay="0"/>
+                                          </p:stCondLst>
+                                        </p:cTn>
+                                        <p:tgtEl>
+                                          <p:spTgt spid="2"/>
+                                        </p:tgtEl>
+                                        <p:attrNameLst>
+                                          <p:attrName>style.visibility</p:attrName>
+                                        </p:attrNameLst>
+                                      </p:cBhvr>
+                                      <p:to>
+                                        <p:strVal val="visible"/>
+                                      </p:to>
+                                    </p:set>
+                                    <p:anim calcmode="lin" valueType="num">
+                                      <p:cBhvr additive="base">
+                                        <p:cTn id="19" dur="10000" fill="hold"/>
+                                        <p:tgtEl>
+                                          <p:spTgt spid="2"/>
+                                        </p:tgtEl>
+                                        <p:attrNameLst>
+                                          <p:attrName>ppt_x</p:attrName>
+                                        </p:attrNameLst>
+                                      </p:cBhvr>
+                                      <p:tavLst>
+                                        <p:tav tm="0">
+                                          <p:val>
+                                            <p:strVal val="#ppt_x"/>
+                                          </p:val>
+                                        </p:tav>
+                                        <p:tav tm="100000">
+                                          <p:val>
+                                            <p:strVal val="#ppt_x"/>
+                                          </p:val>
+                                        </p:tav>
+                                      </p:tavLst>
+                                    </p:anim>
+                                    <p:anim calcmode="lin" valueType="num">
+                                      <p:cBhvr additive="base">
+                                        <p:cTn id="20" dur="10000" fill="hold"/>
+                                        <p:tgtEl>
+                                          <p:spTgt spid="2"/>
+                                        </p:tgtEl>
+                                        <p:attrNameLst>
+                                          <p:attrName>ppt_y</p:attrName>
+                                        </p:attrNameLst>
+                                      </p:cBhvr>
+                                      <p:tavLst>
+                                        <p:tav tm="0">
+                                          <p:val>
+                                            <p:strVal val="1+#ppt_h/2"/>
+                                          </p:val>
+                                        </p:tav>
+                                        <p:tav tm="100000">
+                                          <p:val>
+                                            <p:strVal val="#ppt_y"/>
+                                          </p:val>
+                                        </p:tav>
+                                      </p:tavLst>
+                                    </p:anim>
+                                  </p:childTnLst>
+                                </p:cTn>
+                              </p:par>
+                            </p:childTnLst>
+                          </p:cTn>
+                        </p:par>
+                      </p:childTnLst>
+                    </p:cTn>
+                  </p:par>
+                </p:childTnLst>
+              </p:cTn>
+              <p:prevCondLst>
+                <p:cond evt="onPrev" delay="0">
+                  <p:tgtEl>
+                    <p:sldTgt/>
+                  </p:tgtEl>
+                </p:cond>
+              </p:prevCondLst>
+              <p:nextCondLst>
+                <p:cond evt="onNext" delay="0">
+                  <p:tgtEl>
+                    <p:sldTgt/>
+                  </p:tgtEl>
+                </p:cond>
+              </p:nextCondLst>
+            </p:seq>
+          </p:childTnLst>
+        </p:cTn>
+      </p:par>
+    </p:tnLst>
+    <p:bldLst>
+      <p:bldP spid="3" grpId="0"/>
+      <p:bldP spid="6" grpId="0"/>
+    </p:bldLst>
+  </p:timing>
 </p:sld>
 </file>
 
@@ -7096,7 +8877,7 @@
       </p:grpSpPr>
       <p:sp>
         <p:nvSpPr>
-          <p:cNvPr id="108" name="TextShape 1"/>
+          <p:cNvPr id="122" name="TextShape 1"/>
           <p:cNvSpPr txBox="1"/>
           <p:nvPr/>
         </p:nvSpPr>
@@ -7123,14 +8904,14 @@
       </p:sp>
       <p:sp>
         <p:nvSpPr>
-          <p:cNvPr id="109" name="TextShape 2"/>
+          <p:cNvPr id="123" name="TextShape 2"/>
           <p:cNvSpPr txBox="1"/>
           <p:nvPr/>
         </p:nvSpPr>
         <p:spPr>
           <a:xfrm>
-            <a:off x="457200" y="980640"/>
-            <a:ext cx="8229240" cy="5328360"/>
+            <a:off x="457200" y="2781000"/>
+            <a:ext cx="8229240" cy="3528000"/>
           </a:xfrm>
           <a:prstGeom prst="rect">
             <a:avLst/>
@@ -7144,373 +8925,21 @@
           <a:bodyPr/>
           <a:lstStyle/>
           <a:p>
-            <a:pPr>
-              <a:lnSpc>
-                <a:spcPct val="100000"/>
-              </a:lnSpc>
-              <a:buFont typeface="StarSymbol"/>
-              <a:buChar char="-"/>
-            </a:pPr>
-            <a:r>
-              <a:rPr lang="fr-FR" sz="2000" b="1" strike="noStrike">
+            <a:pPr algn="ctr">
+              <a:lnSpc>
+                <a:spcPct val="100000"/>
+              </a:lnSpc>
+            </a:pPr>
+            <a:r>
+              <a:rPr lang="fr-FR" sz="5400" b="1" strike="noStrike" dirty="0" smtClean="0">
                 <a:solidFill>
                   <a:srgbClr val="004D6F"/>
                 </a:solidFill>
                 <a:latin typeface="Arial"/>
               </a:rPr>
-              <a:t>Besoin</a:t>
-            </a:r>
-            <a:endParaRPr/>
-          </a:p>
-          <a:p>
-            <a:pPr lvl="1">
-              <a:lnSpc>
-                <a:spcPct val="100000"/>
-              </a:lnSpc>
-              <a:buFont typeface="Arial"/>
-              <a:buChar char="-"/>
-            </a:pPr>
-            <a:r>
-              <a:rPr lang="fr-FR" sz="1500" b="1" strike="noStrike">
-                <a:solidFill>
-                  <a:srgbClr val="4F4D50"/>
-                </a:solidFill>
-                <a:latin typeface="Arial"/>
-              </a:rPr>
-              <a:t>Le STAR</a:t>
-            </a:r>
-            <a:endParaRPr/>
-          </a:p>
-          <a:p>
-            <a:pPr lvl="1">
-              <a:lnSpc>
-                <a:spcPct val="100000"/>
-              </a:lnSpc>
-              <a:buFont typeface="Arial"/>
-              <a:buChar char="-"/>
-            </a:pPr>
-            <a:r>
-              <a:rPr lang="fr-FR" sz="1500" b="1" strike="noStrike">
-                <a:solidFill>
-                  <a:srgbClr val="4F4D50"/>
-                </a:solidFill>
-                <a:latin typeface="Arial"/>
-              </a:rPr>
-              <a:t>Les ADTrees</a:t>
-            </a:r>
-            <a:endParaRPr/>
-          </a:p>
-          <a:p>
-            <a:pPr lvl="1">
-              <a:lnSpc>
-                <a:spcPct val="100000"/>
-              </a:lnSpc>
-              <a:buFont typeface="Arial"/>
-              <a:buChar char="-"/>
-            </a:pPr>
-            <a:r>
-              <a:rPr lang="fr-FR" sz="1500" b="1" strike="noStrike">
-                <a:solidFill>
-                  <a:srgbClr val="4F4D50"/>
-                </a:solidFill>
-                <a:latin typeface="Arial"/>
-              </a:rPr>
-              <a:t>ADTool</a:t>
-            </a:r>
-            <a:endParaRPr/>
-          </a:p>
-          <a:p>
-            <a:pPr>
-              <a:lnSpc>
-                <a:spcPct val="100000"/>
-              </a:lnSpc>
-              <a:buFont typeface="StarSymbol"/>
-              <a:buChar char="-"/>
-            </a:pPr>
-            <a:r>
-              <a:rPr lang="fr-FR" sz="2000" b="1" strike="noStrike">
-                <a:solidFill>
-                  <a:srgbClr val="004D6F"/>
-                </a:solidFill>
-                <a:latin typeface="Arial"/>
-              </a:rPr>
-              <a:t> Contexte</a:t>
-            </a:r>
-            <a:endParaRPr/>
-          </a:p>
-          <a:p>
-            <a:pPr lvl="1">
-              <a:lnSpc>
-                <a:spcPct val="100000"/>
-              </a:lnSpc>
-              <a:buFont typeface="Arial"/>
-              <a:buChar char="-"/>
-            </a:pPr>
-            <a:r>
-              <a:rPr lang="fr-FR" sz="1500" b="1" strike="noStrike">
-                <a:solidFill>
-                  <a:srgbClr val="4F4D50"/>
-                </a:solidFill>
-                <a:latin typeface="Arial"/>
-              </a:rPr>
-              <a:t>Acteurs</a:t>
-            </a:r>
-            <a:endParaRPr/>
-          </a:p>
-          <a:p>
-            <a:pPr lvl="1">
-              <a:lnSpc>
-                <a:spcPct val="100000"/>
-              </a:lnSpc>
-              <a:buFont typeface="Arial"/>
-              <a:buChar char="-"/>
-            </a:pPr>
-            <a:r>
-              <a:rPr lang="fr-FR" sz="1500" b="1" strike="noStrike">
-                <a:solidFill>
-                  <a:srgbClr val="4F4D50"/>
-                </a:solidFill>
-                <a:latin typeface="Arial"/>
-              </a:rPr>
-              <a:t>Périmètre fonctionnel</a:t>
-            </a:r>
-            <a:endParaRPr/>
-          </a:p>
-          <a:p>
-            <a:pPr lvl="1">
-              <a:lnSpc>
-                <a:spcPct val="100000"/>
-              </a:lnSpc>
-              <a:buFont typeface="Arial"/>
-              <a:buChar char="-"/>
-            </a:pPr>
-            <a:r>
-              <a:rPr lang="fr-FR" sz="1500" b="1" strike="noStrike">
-                <a:solidFill>
-                  <a:srgbClr val="4F4D50"/>
-                </a:solidFill>
-                <a:latin typeface="Arial"/>
-              </a:rPr>
-              <a:t>Élements d’entrée</a:t>
-            </a:r>
-            <a:endParaRPr/>
-          </a:p>
-          <a:p>
-            <a:pPr lvl="1">
-              <a:lnSpc>
-                <a:spcPct val="100000"/>
-              </a:lnSpc>
-              <a:buFont typeface="Arial"/>
-              <a:buChar char="-"/>
-            </a:pPr>
-            <a:r>
-              <a:rPr lang="fr-FR" sz="1500" b="1" strike="noStrike">
-                <a:solidFill>
-                  <a:srgbClr val="4F4D50"/>
-                </a:solidFill>
-                <a:latin typeface="Arial"/>
-              </a:rPr>
-              <a:t>Périmètre de qualification</a:t>
-            </a:r>
-            <a:endParaRPr/>
-          </a:p>
-          <a:p>
-            <a:pPr lvl="1">
-              <a:lnSpc>
-                <a:spcPct val="100000"/>
-              </a:lnSpc>
-              <a:buFont typeface="Arial"/>
-              <a:buChar char="-"/>
-            </a:pPr>
-            <a:r>
-              <a:rPr lang="fr-FR" sz="1500" b="1" strike="noStrike">
-                <a:solidFill>
-                  <a:srgbClr val="4F4D50"/>
-                </a:solidFill>
-                <a:latin typeface="Arial"/>
-              </a:rPr>
-              <a:t>Calendrier</a:t>
-            </a:r>
-            <a:endParaRPr/>
-          </a:p>
-          <a:p>
-            <a:pPr>
-              <a:lnSpc>
-                <a:spcPct val="100000"/>
-              </a:lnSpc>
-              <a:buFont typeface="StarSymbol"/>
-              <a:buChar char="-"/>
-            </a:pPr>
-            <a:r>
-              <a:rPr lang="fr-FR" sz="2000" b="1" strike="noStrike">
-                <a:solidFill>
-                  <a:srgbClr val="004D6F"/>
-                </a:solidFill>
-                <a:latin typeface="Arial"/>
-              </a:rPr>
-              <a:t>Organisation</a:t>
-            </a:r>
-            <a:endParaRPr/>
-          </a:p>
-          <a:p>
-            <a:pPr lvl="1">
-              <a:lnSpc>
-                <a:spcPct val="100000"/>
-              </a:lnSpc>
-              <a:buFont typeface="Arial"/>
-              <a:buChar char="-"/>
-            </a:pPr>
-            <a:r>
-              <a:rPr lang="fr-FR" sz="1500" b="1" strike="noStrike">
-                <a:solidFill>
-                  <a:srgbClr val="4F4D50"/>
-                </a:solidFill>
-                <a:latin typeface="Arial"/>
-              </a:rPr>
-              <a:t>Méthode</a:t>
-            </a:r>
-            <a:endParaRPr/>
-          </a:p>
-          <a:p>
-            <a:pPr lvl="1">
-              <a:lnSpc>
-                <a:spcPct val="100000"/>
-              </a:lnSpc>
-              <a:buFont typeface="Arial"/>
-              <a:buChar char="-"/>
-            </a:pPr>
-            <a:r>
-              <a:rPr lang="fr-FR" sz="1500" b="1" strike="noStrike">
-                <a:solidFill>
-                  <a:srgbClr val="4F4D50"/>
-                </a:solidFill>
-                <a:latin typeface="Arial"/>
-              </a:rPr>
-              <a:t>Répartition</a:t>
-            </a:r>
-            <a:endParaRPr/>
-          </a:p>
-          <a:p>
-            <a:pPr lvl="1">
-              <a:lnSpc>
-                <a:spcPct val="100000"/>
-              </a:lnSpc>
-              <a:buFont typeface="Arial"/>
-              <a:buChar char="-"/>
-            </a:pPr>
-            <a:r>
-              <a:rPr lang="fr-FR" sz="1500" b="1" strike="noStrike">
-                <a:solidFill>
-                  <a:srgbClr val="4F4D50"/>
-                </a:solidFill>
-                <a:latin typeface="Arial"/>
-              </a:rPr>
-              <a:t>Cycle de qualification</a:t>
-            </a:r>
-            <a:endParaRPr/>
-          </a:p>
-          <a:p>
-            <a:pPr lvl="1">
-              <a:lnSpc>
-                <a:spcPct val="100000"/>
-              </a:lnSpc>
-              <a:buFont typeface="Arial"/>
-              <a:buChar char="-"/>
-            </a:pPr>
-            <a:r>
-              <a:rPr lang="fr-FR" sz="1500" b="1" strike="noStrike">
-                <a:solidFill>
-                  <a:srgbClr val="4F4D50"/>
-                </a:solidFill>
-                <a:latin typeface="Arial"/>
-              </a:rPr>
-              <a:t>Pilotage du projet</a:t>
-            </a:r>
-            <a:endParaRPr/>
-          </a:p>
-          <a:p>
-            <a:pPr>
-              <a:lnSpc>
-                <a:spcPct val="100000"/>
-              </a:lnSpc>
-              <a:buFont typeface="StarSymbol"/>
-              <a:buChar char="-"/>
-            </a:pPr>
-            <a:r>
-              <a:rPr lang="fr-FR" sz="2000" b="1" strike="noStrike">
-                <a:solidFill>
-                  <a:srgbClr val="004D6F"/>
-                </a:solidFill>
-                <a:latin typeface="Arial"/>
-              </a:rPr>
-              <a:t>Planification</a:t>
-            </a:r>
-            <a:endParaRPr/>
-          </a:p>
-          <a:p>
-            <a:pPr lvl="1">
-              <a:lnSpc>
-                <a:spcPct val="100000"/>
-              </a:lnSpc>
-              <a:buFont typeface="Arial"/>
-              <a:buChar char="-"/>
-            </a:pPr>
-            <a:r>
-              <a:rPr lang="fr-FR" sz="1500" b="1" strike="noStrike">
-                <a:solidFill>
-                  <a:srgbClr val="4F4D50"/>
-                </a:solidFill>
-                <a:latin typeface="Arial"/>
-              </a:rPr>
-              <a:t>Méthode d’estimation</a:t>
-            </a:r>
-            <a:endParaRPr/>
-          </a:p>
-          <a:p>
-            <a:pPr lvl="1">
-              <a:lnSpc>
-                <a:spcPct val="100000"/>
-              </a:lnSpc>
-              <a:buFont typeface="Arial"/>
-              <a:buChar char="-"/>
-            </a:pPr>
-            <a:r>
-              <a:rPr lang="fr-FR" sz="1500" b="1" strike="noStrike">
-                <a:solidFill>
-                  <a:srgbClr val="4F4D50"/>
-                </a:solidFill>
-                <a:latin typeface="Arial"/>
-              </a:rPr>
-              <a:t>Planning</a:t>
-            </a:r>
-            <a:endParaRPr/>
-          </a:p>
-          <a:p>
-            <a:pPr lvl="1">
-              <a:lnSpc>
-                <a:spcPct val="100000"/>
-              </a:lnSpc>
-              <a:buFont typeface="Arial"/>
-              <a:buChar char="-"/>
-            </a:pPr>
-            <a:r>
-              <a:rPr lang="fr-FR" sz="1500" b="1" strike="noStrike">
-                <a:solidFill>
-                  <a:srgbClr val="4F4D50"/>
-                </a:solidFill>
-                <a:latin typeface="Arial"/>
-              </a:rPr>
-              <a:t>MSProject</a:t>
-            </a:r>
-            <a:endParaRPr/>
-          </a:p>
-          <a:p>
-            <a:pPr>
-              <a:lnSpc>
-                <a:spcPct val="100000"/>
-              </a:lnSpc>
-            </a:pPr>
-            <a:endParaRPr/>
+              <a:t>Introduction</a:t>
+            </a:r>
+            <a:endParaRPr dirty="0"/>
           </a:p>
         </p:txBody>
       </p:sp>
@@ -7519,6 +8948,794 @@
   <p:clrMapOvr>
     <a:masterClrMapping/>
   </p:clrMapOvr>
+  <mc:AlternateContent xmlns:mc="http://schemas.openxmlformats.org/markup-compatibility/2006">
+    <mc:Choice xmlns:p14="http://schemas.microsoft.com/office/powerpoint/2010/main" Requires="p14">
+      <p:transition spd="slow" p14:dur="1500">
+        <p14:vortex dir="r"/>
+      </p:transition>
+    </mc:Choice>
+    <mc:Fallback>
+      <p:transition spd="slow">
+        <p:fade/>
+      </p:transition>
+    </mc:Fallback>
+  </mc:AlternateContent>
+  <p:timing>
+    <p:tnLst>
+      <p:par>
+        <p:cTn id="1" dur="indefinite" restart="never" nodeType="tmRoot"/>
+      </p:par>
+    </p:tnLst>
+  </p:timing>
+</p:sld>
+</file>
+
+<file path=ppt/slides/slide20.xml><?xml version="1.0" encoding="utf-8"?>
+<p:sld xmlns:a="http://schemas.openxmlformats.org/drawingml/2006/main" xmlns:r="http://schemas.openxmlformats.org/officeDocument/2006/relationships" xmlns:p="http://schemas.openxmlformats.org/presentationml/2006/main">
+  <p:cSld>
+    <p:spTree>
+      <p:nvGrpSpPr>
+        <p:cNvPr id="1" name=""/>
+        <p:cNvGrpSpPr/>
+        <p:nvPr/>
+      </p:nvGrpSpPr>
+      <p:grpSpPr>
+        <a:xfrm>
+          <a:off x="0" y="0"/>
+          <a:ext cx="0" cy="0"/>
+          <a:chOff x="0" y="0"/>
+          <a:chExt cx="0" cy="0"/>
+        </a:xfrm>
+      </p:grpSpPr>
+      <p:sp>
+        <p:nvSpPr>
+          <p:cNvPr id="148" name="TextShape 1"/>
+          <p:cNvSpPr txBox="1"/>
+          <p:nvPr/>
+        </p:nvSpPr>
+        <p:spPr>
+          <a:xfrm>
+            <a:off x="1763640" y="92160"/>
+            <a:ext cx="6460560" cy="571320"/>
+          </a:xfrm>
+          <a:prstGeom prst="rect">
+            <a:avLst/>
+          </a:prstGeom>
+          <a:noFill/>
+          <a:ln>
+            <a:noFill/>
+          </a:ln>
+        </p:spPr>
+        <p:txBody>
+          <a:bodyPr anchor="ctr"/>
+          <a:lstStyle/>
+          <a:p>
+            <a:pPr algn="ctr">
+              <a:lnSpc>
+                <a:spcPct val="100000"/>
+              </a:lnSpc>
+            </a:pPr>
+            <a:r>
+              <a:rPr lang="fr-FR" sz="1600" b="1" strike="noStrike">
+                <a:solidFill>
+                  <a:srgbClr val="4F4D50"/>
+                </a:solidFill>
+                <a:latin typeface="Arial"/>
+              </a:rPr>
+              <a:t>Planification</a:t>
+            </a:r>
+            <a:endParaRPr/>
+          </a:p>
+        </p:txBody>
+      </p:sp>
+      <p:sp>
+        <p:nvSpPr>
+          <p:cNvPr id="149" name="TextShape 2"/>
+          <p:cNvSpPr txBox="1"/>
+          <p:nvPr/>
+        </p:nvSpPr>
+        <p:spPr>
+          <a:xfrm>
+            <a:off x="457200" y="980640"/>
+            <a:ext cx="8229240" cy="5328360"/>
+          </a:xfrm>
+          <a:prstGeom prst="rect">
+            <a:avLst/>
+          </a:prstGeom>
+          <a:noFill/>
+          <a:ln>
+            <a:noFill/>
+          </a:ln>
+        </p:spPr>
+        <p:txBody>
+          <a:bodyPr/>
+          <a:lstStyle/>
+          <a:p>
+            <a:pPr algn="ctr">
+              <a:lnSpc>
+                <a:spcPct val="100000"/>
+              </a:lnSpc>
+            </a:pPr>
+            <a:r>
+              <a:rPr lang="fr-FR" sz="2800" b="1" strike="noStrike">
+                <a:solidFill>
+                  <a:srgbClr val="004D6F"/>
+                </a:solidFill>
+                <a:latin typeface="Arial"/>
+              </a:rPr>
+              <a:t>Planning</a:t>
+            </a:r>
+            <a:endParaRPr/>
+          </a:p>
+          <a:p>
+            <a:pPr>
+              <a:lnSpc>
+                <a:spcPct val="100000"/>
+              </a:lnSpc>
+            </a:pPr>
+            <a:endParaRPr/>
+          </a:p>
+          <a:p>
+            <a:pPr>
+              <a:lnSpc>
+                <a:spcPct val="100000"/>
+              </a:lnSpc>
+            </a:pPr>
+            <a:r>
+              <a:rPr lang="fr-FR" sz="2000" b="1" strike="noStrike">
+                <a:solidFill>
+                  <a:srgbClr val="004D6F"/>
+                </a:solidFill>
+                <a:latin typeface="Arial"/>
+              </a:rPr>
+              <a:t>Vue d’ensemble</a:t>
+            </a:r>
+            <a:endParaRPr/>
+          </a:p>
+          <a:p>
+            <a:pPr>
+              <a:lnSpc>
+                <a:spcPct val="100000"/>
+              </a:lnSpc>
+            </a:pPr>
+            <a:endParaRPr/>
+          </a:p>
+          <a:p>
+            <a:pPr algn="ctr">
+              <a:lnSpc>
+                <a:spcPct val="100000"/>
+              </a:lnSpc>
+            </a:pPr>
+            <a:r>
+              <a:rPr lang="fr-FR" sz="2000" b="1" strike="noStrike">
+                <a:solidFill>
+                  <a:srgbClr val="004D6F"/>
+                </a:solidFill>
+                <a:latin typeface="Arial"/>
+              </a:rPr>
+              <a:t>Bô schéma</a:t>
+            </a:r>
+            <a:endParaRPr/>
+          </a:p>
+          <a:p>
+            <a:pPr>
+              <a:lnSpc>
+                <a:spcPct val="100000"/>
+              </a:lnSpc>
+            </a:pPr>
+            <a:endParaRPr/>
+          </a:p>
+        </p:txBody>
+      </p:sp>
+    </p:spTree>
+  </p:cSld>
+  <p:clrMapOvr>
+    <a:masterClrMapping/>
+  </p:clrMapOvr>
+  <mc:AlternateContent xmlns:mc="http://schemas.openxmlformats.org/markup-compatibility/2006">
+    <mc:Choice xmlns:p14="http://schemas.microsoft.com/office/powerpoint/2010/main" Requires="p14">
+      <p:transition p14:dur="250">
+        <p:pull/>
+      </p:transition>
+    </mc:Choice>
+    <mc:Fallback>
+      <p:transition>
+        <p:pull/>
+      </p:transition>
+    </mc:Fallback>
+  </mc:AlternateContent>
+  <p:timing>
+    <p:tnLst>
+      <p:par>
+        <p:cTn id="1" dur="indefinite" restart="never" nodeType="tmRoot"/>
+      </p:par>
+    </p:tnLst>
+  </p:timing>
+</p:sld>
+</file>
+
+<file path=ppt/slides/slide21.xml><?xml version="1.0" encoding="utf-8"?>
+<p:sld xmlns:a="http://schemas.openxmlformats.org/drawingml/2006/main" xmlns:r="http://schemas.openxmlformats.org/officeDocument/2006/relationships" xmlns:p="http://schemas.openxmlformats.org/presentationml/2006/main">
+  <p:cSld>
+    <p:spTree>
+      <p:nvGrpSpPr>
+        <p:cNvPr id="1" name=""/>
+        <p:cNvGrpSpPr/>
+        <p:nvPr/>
+      </p:nvGrpSpPr>
+      <p:grpSpPr>
+        <a:xfrm>
+          <a:off x="0" y="0"/>
+          <a:ext cx="0" cy="0"/>
+          <a:chOff x="0" y="0"/>
+          <a:chExt cx="0" cy="0"/>
+        </a:xfrm>
+      </p:grpSpPr>
+      <p:sp>
+        <p:nvSpPr>
+          <p:cNvPr id="150" name="TextShape 1"/>
+          <p:cNvSpPr txBox="1"/>
+          <p:nvPr/>
+        </p:nvSpPr>
+        <p:spPr>
+          <a:xfrm>
+            <a:off x="1763640" y="92160"/>
+            <a:ext cx="6460560" cy="571320"/>
+          </a:xfrm>
+          <a:prstGeom prst="rect">
+            <a:avLst/>
+          </a:prstGeom>
+          <a:noFill/>
+          <a:ln>
+            <a:noFill/>
+          </a:ln>
+        </p:spPr>
+        <p:txBody>
+          <a:bodyPr anchor="ctr"/>
+          <a:lstStyle/>
+          <a:p>
+            <a:pPr algn="ctr">
+              <a:lnSpc>
+                <a:spcPct val="100000"/>
+              </a:lnSpc>
+            </a:pPr>
+            <a:r>
+              <a:rPr lang="fr-FR" sz="1600" b="1" strike="noStrike">
+                <a:solidFill>
+                  <a:srgbClr val="4F4D50"/>
+                </a:solidFill>
+                <a:latin typeface="Arial"/>
+              </a:rPr>
+              <a:t>Planification</a:t>
+            </a:r>
+            <a:endParaRPr/>
+          </a:p>
+        </p:txBody>
+      </p:sp>
+      <p:sp>
+        <p:nvSpPr>
+          <p:cNvPr id="151" name="TextShape 2"/>
+          <p:cNvSpPr txBox="1"/>
+          <p:nvPr/>
+        </p:nvSpPr>
+        <p:spPr>
+          <a:xfrm>
+            <a:off x="457200" y="980640"/>
+            <a:ext cx="8229240" cy="5328360"/>
+          </a:xfrm>
+          <a:prstGeom prst="rect">
+            <a:avLst/>
+          </a:prstGeom>
+          <a:noFill/>
+          <a:ln>
+            <a:noFill/>
+          </a:ln>
+        </p:spPr>
+        <p:txBody>
+          <a:bodyPr/>
+          <a:lstStyle/>
+          <a:p>
+            <a:pPr algn="ctr">
+              <a:lnSpc>
+                <a:spcPct val="100000"/>
+              </a:lnSpc>
+            </a:pPr>
+            <a:r>
+              <a:rPr lang="fr-FR" sz="2800" b="1" strike="noStrike">
+                <a:solidFill>
+                  <a:srgbClr val="004D6F"/>
+                </a:solidFill>
+                <a:latin typeface="Arial"/>
+              </a:rPr>
+              <a:t>Planning MS Project</a:t>
+            </a:r>
+            <a:endParaRPr/>
+          </a:p>
+          <a:p>
+            <a:pPr>
+              <a:lnSpc>
+                <a:spcPct val="100000"/>
+              </a:lnSpc>
+            </a:pPr>
+            <a:endParaRPr/>
+          </a:p>
+          <a:p>
+            <a:pPr>
+              <a:lnSpc>
+                <a:spcPct val="100000"/>
+              </a:lnSpc>
+            </a:pPr>
+            <a:endParaRPr/>
+          </a:p>
+          <a:p>
+            <a:pPr>
+              <a:lnSpc>
+                <a:spcPct val="100000"/>
+              </a:lnSpc>
+            </a:pPr>
+            <a:endParaRPr/>
+          </a:p>
+          <a:p>
+            <a:pPr algn="ctr">
+              <a:lnSpc>
+                <a:spcPct val="100000"/>
+              </a:lnSpc>
+            </a:pPr>
+            <a:r>
+              <a:rPr lang="fr-FR" sz="2000" b="1" strike="noStrike">
+                <a:solidFill>
+                  <a:srgbClr val="004D6F"/>
+                </a:solidFill>
+                <a:latin typeface="Arial"/>
+              </a:rPr>
+              <a:t>Bô schéma qui lèche les boules</a:t>
+            </a:r>
+            <a:endParaRPr/>
+          </a:p>
+          <a:p>
+            <a:pPr>
+              <a:lnSpc>
+                <a:spcPct val="100000"/>
+              </a:lnSpc>
+            </a:pPr>
+            <a:endParaRPr/>
+          </a:p>
+        </p:txBody>
+      </p:sp>
+      <p:pic>
+        <p:nvPicPr>
+          <p:cNvPr id="2" name="Picture 1"/>
+          <p:cNvPicPr>
+            <a:picLocks noChangeAspect="1"/>
+          </p:cNvPicPr>
+          <p:nvPr/>
+        </p:nvPicPr>
+        <p:blipFill>
+          <a:blip r:embed="rId2">
+            <a:extLst>
+              <a:ext uri="{28A0092B-C50C-407E-A947-70E740481C1C}">
+                <a14:useLocalDpi xmlns:a14="http://schemas.microsoft.com/office/drawing/2010/main" val="0"/>
+              </a:ext>
+            </a:extLst>
+          </a:blip>
+          <a:stretch>
+            <a:fillRect/>
+          </a:stretch>
+        </p:blipFill>
+        <p:spPr>
+          <a:xfrm>
+            <a:off x="0" y="1614038"/>
+            <a:ext cx="9144000" cy="3629923"/>
+          </a:xfrm>
+          <a:prstGeom prst="rect">
+            <a:avLst/>
+          </a:prstGeom>
+        </p:spPr>
+      </p:pic>
+    </p:spTree>
+  </p:cSld>
+  <p:clrMapOvr>
+    <a:masterClrMapping/>
+  </p:clrMapOvr>
+  <mc:AlternateContent xmlns:mc="http://schemas.openxmlformats.org/markup-compatibility/2006">
+    <mc:Choice xmlns:p14="http://schemas.microsoft.com/office/powerpoint/2010/main" Requires="p14">
+      <p:transition p14:dur="250">
+        <p:pull/>
+      </p:transition>
+    </mc:Choice>
+    <mc:Fallback>
+      <p:transition>
+        <p:pull/>
+      </p:transition>
+    </mc:Fallback>
+  </mc:AlternateContent>
+  <p:timing>
+    <p:tnLst>
+      <p:par>
+        <p:cTn id="1" dur="indefinite" restart="never" nodeType="tmRoot"/>
+      </p:par>
+    </p:tnLst>
+  </p:timing>
+</p:sld>
+</file>
+
+<file path=ppt/slides/slide22.xml><?xml version="1.0" encoding="utf-8"?>
+<p:sld xmlns:a="http://schemas.openxmlformats.org/drawingml/2006/main" xmlns:r="http://schemas.openxmlformats.org/officeDocument/2006/relationships" xmlns:p="http://schemas.openxmlformats.org/presentationml/2006/main">
+  <p:cSld>
+    <p:spTree>
+      <p:nvGrpSpPr>
+        <p:cNvPr id="1" name=""/>
+        <p:cNvGrpSpPr/>
+        <p:nvPr/>
+      </p:nvGrpSpPr>
+      <p:grpSpPr>
+        <a:xfrm>
+          <a:off x="0" y="0"/>
+          <a:ext cx="0" cy="0"/>
+          <a:chOff x="0" y="0"/>
+          <a:chExt cx="0" cy="0"/>
+        </a:xfrm>
+      </p:grpSpPr>
+      <p:sp>
+        <p:nvSpPr>
+          <p:cNvPr id="134" name="TextShape 1"/>
+          <p:cNvSpPr txBox="1"/>
+          <p:nvPr/>
+        </p:nvSpPr>
+        <p:spPr>
+          <a:xfrm>
+            <a:off x="1763640" y="92160"/>
+            <a:ext cx="6460560" cy="571320"/>
+          </a:xfrm>
+          <a:prstGeom prst="rect">
+            <a:avLst/>
+          </a:prstGeom>
+          <a:noFill/>
+          <a:ln>
+            <a:noFill/>
+          </a:ln>
+        </p:spPr>
+        <p:txBody>
+          <a:bodyPr anchor="ctr"/>
+          <a:lstStyle/>
+          <a:p>
+            <a:endParaRPr/>
+          </a:p>
+        </p:txBody>
+      </p:sp>
+      <p:sp>
+        <p:nvSpPr>
+          <p:cNvPr id="135" name="TextShape 2"/>
+          <p:cNvSpPr txBox="1"/>
+          <p:nvPr/>
+        </p:nvSpPr>
+        <p:spPr>
+          <a:xfrm>
+            <a:off x="457200" y="2781000"/>
+            <a:ext cx="8229240" cy="3528000"/>
+          </a:xfrm>
+          <a:prstGeom prst="rect">
+            <a:avLst/>
+          </a:prstGeom>
+          <a:noFill/>
+          <a:ln>
+            <a:noFill/>
+          </a:ln>
+        </p:spPr>
+        <p:txBody>
+          <a:bodyPr/>
+          <a:lstStyle/>
+          <a:p>
+            <a:pPr algn="ctr">
+              <a:lnSpc>
+                <a:spcPct val="100000"/>
+              </a:lnSpc>
+            </a:pPr>
+            <a:r>
+              <a:rPr lang="fr-FR" sz="5400" b="1" strike="noStrike" dirty="0" smtClean="0">
+                <a:solidFill>
+                  <a:srgbClr val="004D6F"/>
+                </a:solidFill>
+                <a:latin typeface="Arial"/>
+              </a:rPr>
+              <a:t>Conclusion</a:t>
+            </a:r>
+            <a:endParaRPr dirty="0"/>
+          </a:p>
+        </p:txBody>
+      </p:sp>
+    </p:spTree>
+    <p:extLst>
+      <p:ext uri="{BB962C8B-B14F-4D97-AF65-F5344CB8AC3E}">
+        <p14:creationId xmlns:p14="http://schemas.microsoft.com/office/powerpoint/2010/main" val="1585855229"/>
+      </p:ext>
+    </p:extLst>
+  </p:cSld>
+  <p:clrMapOvr>
+    <a:masterClrMapping/>
+  </p:clrMapOvr>
+  <mc:AlternateContent xmlns:mc="http://schemas.openxmlformats.org/markup-compatibility/2006">
+    <mc:Choice xmlns:p14="http://schemas.microsoft.com/office/powerpoint/2010/main" Requires="p14">
+      <p:transition spd="slow" p14:dur="1500">
+        <p14:vortex dir="r"/>
+      </p:transition>
+    </mc:Choice>
+    <mc:Fallback>
+      <p:transition spd="slow">
+        <p:fade/>
+      </p:transition>
+    </mc:Fallback>
+  </mc:AlternateContent>
+  <p:timing>
+    <p:tnLst>
+      <p:par>
+        <p:cTn id="1" dur="indefinite" restart="never" nodeType="tmRoot"/>
+      </p:par>
+    </p:tnLst>
+  </p:timing>
+</p:sld>
+</file>
+
+<file path=ppt/slides/slide23.xml><?xml version="1.0" encoding="utf-8"?>
+<p:sld xmlns:a="http://schemas.openxmlformats.org/drawingml/2006/main" xmlns:r="http://schemas.openxmlformats.org/officeDocument/2006/relationships" xmlns:p="http://schemas.openxmlformats.org/presentationml/2006/main">
+  <p:cSld>
+    <p:spTree>
+      <p:nvGrpSpPr>
+        <p:cNvPr id="1" name=""/>
+        <p:cNvGrpSpPr/>
+        <p:nvPr/>
+      </p:nvGrpSpPr>
+      <p:grpSpPr>
+        <a:xfrm>
+          <a:off x="0" y="0"/>
+          <a:ext cx="0" cy="0"/>
+          <a:chOff x="0" y="0"/>
+          <a:chExt cx="0" cy="0"/>
+        </a:xfrm>
+      </p:grpSpPr>
+      <p:sp>
+        <p:nvSpPr>
+          <p:cNvPr id="154" name="TextShape 1"/>
+          <p:cNvSpPr txBox="1"/>
+          <p:nvPr/>
+        </p:nvSpPr>
+        <p:spPr>
+          <a:xfrm>
+            <a:off x="1763640" y="92160"/>
+            <a:ext cx="6460560" cy="571320"/>
+          </a:xfrm>
+          <a:prstGeom prst="rect">
+            <a:avLst/>
+          </a:prstGeom>
+          <a:noFill/>
+          <a:ln>
+            <a:noFill/>
+          </a:ln>
+        </p:spPr>
+        <p:txBody>
+          <a:bodyPr anchor="ctr"/>
+          <a:lstStyle/>
+          <a:p>
+            <a:endParaRPr/>
+          </a:p>
+        </p:txBody>
+      </p:sp>
+      <p:pic>
+        <p:nvPicPr>
+          <p:cNvPr id="2" name="Picture 1"/>
+          <p:cNvPicPr>
+            <a:picLocks noChangeAspect="1"/>
+          </p:cNvPicPr>
+          <p:nvPr/>
+        </p:nvPicPr>
+        <p:blipFill>
+          <a:blip r:embed="rId2">
+            <a:extLst>
+              <a:ext uri="{28A0092B-C50C-407E-A947-70E740481C1C}">
+                <a14:useLocalDpi xmlns:a14="http://schemas.microsoft.com/office/drawing/2010/main" val="0"/>
+              </a:ext>
+            </a:extLst>
+          </a:blip>
+          <a:stretch>
+            <a:fillRect/>
+          </a:stretch>
+        </p:blipFill>
+        <p:spPr>
+          <a:xfrm>
+            <a:off x="0" y="1412776"/>
+            <a:ext cx="9144000" cy="5143500"/>
+          </a:xfrm>
+          <a:prstGeom prst="rect">
+            <a:avLst/>
+          </a:prstGeom>
+        </p:spPr>
+      </p:pic>
+      <p:sp>
+        <p:nvSpPr>
+          <p:cNvPr id="3" name="TextBox 2"/>
+          <p:cNvSpPr txBox="1"/>
+          <p:nvPr/>
+        </p:nvSpPr>
+        <p:spPr>
+          <a:xfrm>
+            <a:off x="2871053" y="807295"/>
+            <a:ext cx="3401893" cy="461665"/>
+          </a:xfrm>
+          <a:prstGeom prst="rect">
+            <a:avLst/>
+          </a:prstGeom>
+          <a:noFill/>
+        </p:spPr>
+        <p:txBody>
+          <a:bodyPr wrap="none" rtlCol="0">
+            <a:spAutoFit/>
+          </a:bodyPr>
+          <a:lstStyle/>
+          <a:p>
+            <a:pPr algn="ctr"/>
+            <a:r>
+              <a:rPr lang="fr-FR" sz="2400" dirty="0" smtClean="0"/>
+              <a:t>Merci de votre attention</a:t>
+            </a:r>
+            <a:endParaRPr lang="fr-FR" sz="2400" dirty="0"/>
+          </a:p>
+        </p:txBody>
+      </p:sp>
+    </p:spTree>
+  </p:cSld>
+  <p:clrMapOvr>
+    <a:masterClrMapping/>
+  </p:clrMapOvr>
+  <mc:AlternateContent xmlns:mc="http://schemas.openxmlformats.org/markup-compatibility/2006">
+    <mc:Choice xmlns:p14="http://schemas.microsoft.com/office/powerpoint/2010/main" Requires="p14">
+      <p:transition spd="slow" p14:dur="7500">
+        <p14:honeycomb/>
+      </p:transition>
+    </mc:Choice>
+    <mc:Fallback>
+      <p:transition spd="slow">
+        <p:fade/>
+      </p:transition>
+    </mc:Fallback>
+  </mc:AlternateContent>
+  <p:timing>
+    <p:tnLst>
+      <p:par>
+        <p:cTn id="1" dur="indefinite" restart="never" nodeType="tmRoot"/>
+      </p:par>
+    </p:tnLst>
+  </p:timing>
+</p:sld>
+</file>
+
+<file path=ppt/slides/slide3.xml><?xml version="1.0" encoding="utf-8"?>
+<p:sld xmlns:a="http://schemas.openxmlformats.org/drawingml/2006/main" xmlns:r="http://schemas.openxmlformats.org/officeDocument/2006/relationships" xmlns:p="http://schemas.openxmlformats.org/presentationml/2006/main">
+  <p:cSld>
+    <p:spTree>
+      <p:nvGrpSpPr>
+        <p:cNvPr id="1" name=""/>
+        <p:cNvGrpSpPr/>
+        <p:nvPr/>
+      </p:nvGrpSpPr>
+      <p:grpSpPr>
+        <a:xfrm>
+          <a:off x="0" y="0"/>
+          <a:ext cx="0" cy="0"/>
+          <a:chOff x="0" y="0"/>
+          <a:chExt cx="0" cy="0"/>
+        </a:xfrm>
+      </p:grpSpPr>
+      <p:sp>
+        <p:nvSpPr>
+          <p:cNvPr id="113" name="TextShape 1"/>
+          <p:cNvSpPr txBox="1"/>
+          <p:nvPr/>
+        </p:nvSpPr>
+        <p:spPr>
+          <a:xfrm>
+            <a:off x="1763640" y="92160"/>
+            <a:ext cx="6460560" cy="571320"/>
+          </a:xfrm>
+          <a:prstGeom prst="rect">
+            <a:avLst/>
+          </a:prstGeom>
+          <a:noFill/>
+          <a:ln>
+            <a:noFill/>
+          </a:ln>
+        </p:spPr>
+        <p:txBody>
+          <a:bodyPr anchor="ctr"/>
+          <a:lstStyle/>
+          <a:p>
+            <a:pPr algn="ctr">
+              <a:lnSpc>
+                <a:spcPct val="100000"/>
+              </a:lnSpc>
+            </a:pPr>
+            <a:r>
+              <a:rPr lang="fr-FR" sz="1600" b="1" strike="noStrike" dirty="0" smtClean="0">
+                <a:solidFill>
+                  <a:srgbClr val="4F4D50"/>
+                </a:solidFill>
+                <a:latin typeface="Arial"/>
+              </a:rPr>
+              <a:t>Introduction</a:t>
+            </a:r>
+            <a:endParaRPr dirty="0"/>
+          </a:p>
+        </p:txBody>
+      </p:sp>
+      <p:pic>
+        <p:nvPicPr>
+          <p:cNvPr id="3" name="Picture 2"/>
+          <p:cNvPicPr>
+            <a:picLocks noChangeAspect="1"/>
+          </p:cNvPicPr>
+          <p:nvPr/>
+        </p:nvPicPr>
+        <p:blipFill>
+          <a:blip r:embed="rId2">
+            <a:extLst>
+              <a:ext uri="{28A0092B-C50C-407E-A947-70E740481C1C}">
+                <a14:useLocalDpi xmlns:a14="http://schemas.microsoft.com/office/drawing/2010/main" val="0"/>
+              </a:ext>
+            </a:extLst>
+          </a:blip>
+          <a:stretch>
+            <a:fillRect/>
+          </a:stretch>
+        </p:blipFill>
+        <p:spPr>
+          <a:xfrm>
+            <a:off x="1979712" y="1124744"/>
+            <a:ext cx="5126232" cy="4800032"/>
+          </a:xfrm>
+          <a:prstGeom prst="ellipse">
+            <a:avLst/>
+          </a:prstGeom>
+          <a:ln w="190500" cap="rnd">
+            <a:solidFill>
+              <a:srgbClr val="C8C6BD"/>
+            </a:solidFill>
+            <a:prstDash val="solid"/>
+          </a:ln>
+          <a:effectLst>
+            <a:outerShdw blurRad="127000" algn="bl" rotWithShape="0">
+              <a:srgbClr val="000000"/>
+            </a:outerShdw>
+          </a:effectLst>
+          <a:scene3d>
+            <a:camera prst="perspectiveFront" fov="5400000"/>
+            <a:lightRig rig="threePt" dir="t">
+              <a:rot lat="0" lon="0" rev="19200000"/>
+            </a:lightRig>
+          </a:scene3d>
+          <a:sp3d extrusionH="25400">
+            <a:bevelT w="304800" h="152400" prst="hardEdge"/>
+            <a:extrusionClr>
+              <a:srgbClr val="000000"/>
+            </a:extrusionClr>
+          </a:sp3d>
+        </p:spPr>
+      </p:pic>
+    </p:spTree>
+  </p:cSld>
+  <p:clrMapOvr>
+    <a:masterClrMapping/>
+  </p:clrMapOvr>
+  <mc:AlternateContent xmlns:mc="http://schemas.openxmlformats.org/markup-compatibility/2006">
+    <mc:Choice xmlns:p14="http://schemas.microsoft.com/office/powerpoint/2010/main" Requires="p14">
+      <p:transition p14:dur="250">
+        <p:pull/>
+      </p:transition>
+    </mc:Choice>
+    <mc:Fallback>
+      <p:transition>
+        <p:pull/>
+      </p:transition>
+    </mc:Fallback>
+  </mc:AlternateContent>
   <p:timing>
     <p:tnLst>
       <p:par>
@@ -7549,638 +9766,6 @@
 </p:sld>
 </file>
 
-<file path=ppt/slides/slide20.xml><?xml version="1.0" encoding="utf-8"?>
-<p:sld xmlns:a="http://schemas.openxmlformats.org/drawingml/2006/main" xmlns:r="http://schemas.openxmlformats.org/officeDocument/2006/relationships" xmlns:p="http://schemas.openxmlformats.org/presentationml/2006/main">
-  <p:cSld>
-    <p:spTree>
-      <p:nvGrpSpPr>
-        <p:cNvPr id="1" name=""/>
-        <p:cNvGrpSpPr/>
-        <p:nvPr/>
-      </p:nvGrpSpPr>
-      <p:grpSpPr>
-        <a:xfrm>
-          <a:off x="0" y="0"/>
-          <a:ext cx="0" cy="0"/>
-          <a:chOff x="0" y="0"/>
-          <a:chExt cx="0" cy="0"/>
-        </a:xfrm>
-      </p:grpSpPr>
-      <p:sp>
-        <p:nvSpPr>
-          <p:cNvPr id="148" name="TextShape 1"/>
-          <p:cNvSpPr txBox="1"/>
-          <p:nvPr/>
-        </p:nvSpPr>
-        <p:spPr>
-          <a:xfrm>
-            <a:off x="1763640" y="92160"/>
-            <a:ext cx="6460560" cy="571320"/>
-          </a:xfrm>
-          <a:prstGeom prst="rect">
-            <a:avLst/>
-          </a:prstGeom>
-          <a:noFill/>
-          <a:ln>
-            <a:noFill/>
-          </a:ln>
-        </p:spPr>
-        <p:txBody>
-          <a:bodyPr anchor="ctr"/>
-          <a:lstStyle/>
-          <a:p>
-            <a:pPr algn="ctr">
-              <a:lnSpc>
-                <a:spcPct val="100000"/>
-              </a:lnSpc>
-            </a:pPr>
-            <a:r>
-              <a:rPr lang="fr-FR" sz="1600" b="1" strike="noStrike">
-                <a:solidFill>
-                  <a:srgbClr val="4F4D50"/>
-                </a:solidFill>
-                <a:latin typeface="Arial"/>
-              </a:rPr>
-              <a:t>Planification</a:t>
-            </a:r>
-            <a:endParaRPr/>
-          </a:p>
-        </p:txBody>
-      </p:sp>
-      <p:sp>
-        <p:nvSpPr>
-          <p:cNvPr id="149" name="TextShape 2"/>
-          <p:cNvSpPr txBox="1"/>
-          <p:nvPr/>
-        </p:nvSpPr>
-        <p:spPr>
-          <a:xfrm>
-            <a:off x="457200" y="980640"/>
-            <a:ext cx="8229240" cy="5328360"/>
-          </a:xfrm>
-          <a:prstGeom prst="rect">
-            <a:avLst/>
-          </a:prstGeom>
-          <a:noFill/>
-          <a:ln>
-            <a:noFill/>
-          </a:ln>
-        </p:spPr>
-        <p:txBody>
-          <a:bodyPr/>
-          <a:lstStyle/>
-          <a:p>
-            <a:pPr algn="ctr">
-              <a:lnSpc>
-                <a:spcPct val="100000"/>
-              </a:lnSpc>
-            </a:pPr>
-            <a:r>
-              <a:rPr lang="fr-FR" sz="2800" b="1" strike="noStrike">
-                <a:solidFill>
-                  <a:srgbClr val="004D6F"/>
-                </a:solidFill>
-                <a:latin typeface="Arial"/>
-              </a:rPr>
-              <a:t>Planning</a:t>
-            </a:r>
-            <a:endParaRPr/>
-          </a:p>
-          <a:p>
-            <a:pPr>
-              <a:lnSpc>
-                <a:spcPct val="100000"/>
-              </a:lnSpc>
-            </a:pPr>
-            <a:endParaRPr/>
-          </a:p>
-          <a:p>
-            <a:pPr>
-              <a:lnSpc>
-                <a:spcPct val="100000"/>
-              </a:lnSpc>
-            </a:pPr>
-            <a:r>
-              <a:rPr lang="fr-FR" sz="2000" b="1" strike="noStrike">
-                <a:solidFill>
-                  <a:srgbClr val="004D6F"/>
-                </a:solidFill>
-                <a:latin typeface="Arial"/>
-              </a:rPr>
-              <a:t>Vue d’ensemble</a:t>
-            </a:r>
-            <a:endParaRPr/>
-          </a:p>
-          <a:p>
-            <a:pPr>
-              <a:lnSpc>
-                <a:spcPct val="100000"/>
-              </a:lnSpc>
-            </a:pPr>
-            <a:endParaRPr/>
-          </a:p>
-          <a:p>
-            <a:pPr algn="ctr">
-              <a:lnSpc>
-                <a:spcPct val="100000"/>
-              </a:lnSpc>
-            </a:pPr>
-            <a:r>
-              <a:rPr lang="fr-FR" sz="2000" b="1" strike="noStrike">
-                <a:solidFill>
-                  <a:srgbClr val="004D6F"/>
-                </a:solidFill>
-                <a:latin typeface="Arial"/>
-              </a:rPr>
-              <a:t>Bô schéma</a:t>
-            </a:r>
-            <a:endParaRPr/>
-          </a:p>
-          <a:p>
-            <a:pPr>
-              <a:lnSpc>
-                <a:spcPct val="100000"/>
-              </a:lnSpc>
-            </a:pPr>
-            <a:endParaRPr/>
-          </a:p>
-        </p:txBody>
-      </p:sp>
-    </p:spTree>
-  </p:cSld>
-  <p:clrMapOvr>
-    <a:masterClrMapping/>
-  </p:clrMapOvr>
-</p:sld>
-</file>
-
-<file path=ppt/slides/slide21.xml><?xml version="1.0" encoding="utf-8"?>
-<p:sld xmlns:a="http://schemas.openxmlformats.org/drawingml/2006/main" xmlns:r="http://schemas.openxmlformats.org/officeDocument/2006/relationships" xmlns:p="http://schemas.openxmlformats.org/presentationml/2006/main">
-  <p:cSld>
-    <p:spTree>
-      <p:nvGrpSpPr>
-        <p:cNvPr id="1" name=""/>
-        <p:cNvGrpSpPr/>
-        <p:nvPr/>
-      </p:nvGrpSpPr>
-      <p:grpSpPr>
-        <a:xfrm>
-          <a:off x="0" y="0"/>
-          <a:ext cx="0" cy="0"/>
-          <a:chOff x="0" y="0"/>
-          <a:chExt cx="0" cy="0"/>
-        </a:xfrm>
-      </p:grpSpPr>
-      <p:sp>
-        <p:nvSpPr>
-          <p:cNvPr id="150" name="TextShape 1"/>
-          <p:cNvSpPr txBox="1"/>
-          <p:nvPr/>
-        </p:nvSpPr>
-        <p:spPr>
-          <a:xfrm>
-            <a:off x="1763640" y="92160"/>
-            <a:ext cx="6460560" cy="571320"/>
-          </a:xfrm>
-          <a:prstGeom prst="rect">
-            <a:avLst/>
-          </a:prstGeom>
-          <a:noFill/>
-          <a:ln>
-            <a:noFill/>
-          </a:ln>
-        </p:spPr>
-        <p:txBody>
-          <a:bodyPr anchor="ctr"/>
-          <a:lstStyle/>
-          <a:p>
-            <a:pPr algn="ctr">
-              <a:lnSpc>
-                <a:spcPct val="100000"/>
-              </a:lnSpc>
-            </a:pPr>
-            <a:r>
-              <a:rPr lang="fr-FR" sz="1600" b="1" strike="noStrike">
-                <a:solidFill>
-                  <a:srgbClr val="4F4D50"/>
-                </a:solidFill>
-                <a:latin typeface="Arial"/>
-              </a:rPr>
-              <a:t>Planification</a:t>
-            </a:r>
-            <a:endParaRPr/>
-          </a:p>
-        </p:txBody>
-      </p:sp>
-      <p:sp>
-        <p:nvSpPr>
-          <p:cNvPr id="151" name="TextShape 2"/>
-          <p:cNvSpPr txBox="1"/>
-          <p:nvPr/>
-        </p:nvSpPr>
-        <p:spPr>
-          <a:xfrm>
-            <a:off x="457200" y="980640"/>
-            <a:ext cx="8229240" cy="5328360"/>
-          </a:xfrm>
-          <a:prstGeom prst="rect">
-            <a:avLst/>
-          </a:prstGeom>
-          <a:noFill/>
-          <a:ln>
-            <a:noFill/>
-          </a:ln>
-        </p:spPr>
-        <p:txBody>
-          <a:bodyPr/>
-          <a:lstStyle/>
-          <a:p>
-            <a:pPr algn="ctr">
-              <a:lnSpc>
-                <a:spcPct val="100000"/>
-              </a:lnSpc>
-            </a:pPr>
-            <a:r>
-              <a:rPr lang="fr-FR" sz="2800" b="1" strike="noStrike">
-                <a:solidFill>
-                  <a:srgbClr val="004D6F"/>
-                </a:solidFill>
-                <a:latin typeface="Arial"/>
-              </a:rPr>
-              <a:t>Planning MS Project</a:t>
-            </a:r>
-            <a:endParaRPr/>
-          </a:p>
-          <a:p>
-            <a:pPr>
-              <a:lnSpc>
-                <a:spcPct val="100000"/>
-              </a:lnSpc>
-            </a:pPr>
-            <a:endParaRPr/>
-          </a:p>
-          <a:p>
-            <a:pPr>
-              <a:lnSpc>
-                <a:spcPct val="100000"/>
-              </a:lnSpc>
-            </a:pPr>
-            <a:endParaRPr/>
-          </a:p>
-          <a:p>
-            <a:pPr>
-              <a:lnSpc>
-                <a:spcPct val="100000"/>
-              </a:lnSpc>
-            </a:pPr>
-            <a:endParaRPr/>
-          </a:p>
-          <a:p>
-            <a:pPr algn="ctr">
-              <a:lnSpc>
-                <a:spcPct val="100000"/>
-              </a:lnSpc>
-            </a:pPr>
-            <a:r>
-              <a:rPr lang="fr-FR" sz="2000" b="1" strike="noStrike">
-                <a:solidFill>
-                  <a:srgbClr val="004D6F"/>
-                </a:solidFill>
-                <a:latin typeface="Arial"/>
-              </a:rPr>
-              <a:t>Bô schéma qui lèche les boules</a:t>
-            </a:r>
-            <a:endParaRPr/>
-          </a:p>
-          <a:p>
-            <a:pPr>
-              <a:lnSpc>
-                <a:spcPct val="100000"/>
-              </a:lnSpc>
-            </a:pPr>
-            <a:endParaRPr/>
-          </a:p>
-        </p:txBody>
-      </p:sp>
-    </p:spTree>
-  </p:cSld>
-  <p:clrMapOvr>
-    <a:masterClrMapping/>
-  </p:clrMapOvr>
-</p:sld>
-</file>
-
-<file path=ppt/slides/slide22.xml><?xml version="1.0" encoding="utf-8"?>
-<p:sld xmlns:a="http://schemas.openxmlformats.org/drawingml/2006/main" xmlns:r="http://schemas.openxmlformats.org/officeDocument/2006/relationships" xmlns:p="http://schemas.openxmlformats.org/presentationml/2006/main">
-  <p:cSld>
-    <p:spTree>
-      <p:nvGrpSpPr>
-        <p:cNvPr id="1" name=""/>
-        <p:cNvGrpSpPr/>
-        <p:nvPr/>
-      </p:nvGrpSpPr>
-      <p:grpSpPr>
-        <a:xfrm>
-          <a:off x="0" y="0"/>
-          <a:ext cx="0" cy="0"/>
-          <a:chOff x="0" y="0"/>
-          <a:chExt cx="0" cy="0"/>
-        </a:xfrm>
-      </p:grpSpPr>
-      <p:sp>
-        <p:nvSpPr>
-          <p:cNvPr id="152" name="TextShape 1"/>
-          <p:cNvSpPr txBox="1"/>
-          <p:nvPr/>
-        </p:nvSpPr>
-        <p:spPr>
-          <a:xfrm>
-            <a:off x="1763640" y="92160"/>
-            <a:ext cx="6460560" cy="571320"/>
-          </a:xfrm>
-          <a:prstGeom prst="rect">
-            <a:avLst/>
-          </a:prstGeom>
-          <a:noFill/>
-          <a:ln>
-            <a:noFill/>
-          </a:ln>
-        </p:spPr>
-        <p:txBody>
-          <a:bodyPr anchor="ctr"/>
-          <a:lstStyle/>
-          <a:p>
-            <a:endParaRPr/>
-          </a:p>
-        </p:txBody>
-      </p:sp>
-      <p:sp>
-        <p:nvSpPr>
-          <p:cNvPr id="153" name="TextShape 2"/>
-          <p:cNvSpPr txBox="1"/>
-          <p:nvPr/>
-        </p:nvSpPr>
-        <p:spPr>
-          <a:xfrm>
-            <a:off x="457200" y="980640"/>
-            <a:ext cx="8229240" cy="5328360"/>
-          </a:xfrm>
-          <a:prstGeom prst="rect">
-            <a:avLst/>
-          </a:prstGeom>
-          <a:noFill/>
-          <a:ln>
-            <a:noFill/>
-          </a:ln>
-        </p:spPr>
-        <p:txBody>
-          <a:bodyPr/>
-          <a:lstStyle/>
-          <a:p>
-            <a:pPr algn="ctr">
-              <a:lnSpc>
-                <a:spcPct val="100000"/>
-              </a:lnSpc>
-            </a:pPr>
-            <a:r>
-              <a:rPr lang="fr-FR" sz="2800" b="1" strike="noStrike">
-                <a:solidFill>
-                  <a:srgbClr val="004D6F"/>
-                </a:solidFill>
-                <a:latin typeface="Arial"/>
-              </a:rPr>
-              <a:t>Conclusion</a:t>
-            </a:r>
-            <a:endParaRPr/>
-          </a:p>
-          <a:p>
-            <a:pPr>
-              <a:lnSpc>
-                <a:spcPct val="100000"/>
-              </a:lnSpc>
-            </a:pPr>
-            <a:endParaRPr/>
-          </a:p>
-          <a:p>
-            <a:pPr>
-              <a:lnSpc>
-                <a:spcPct val="100000"/>
-              </a:lnSpc>
-            </a:pPr>
-            <a:endParaRPr/>
-          </a:p>
-          <a:p>
-            <a:pPr>
-              <a:lnSpc>
-                <a:spcPct val="100000"/>
-              </a:lnSpc>
-            </a:pPr>
-            <a:endParaRPr/>
-          </a:p>
-          <a:p>
-            <a:pPr algn="ctr">
-              <a:lnSpc>
-                <a:spcPct val="100000"/>
-              </a:lnSpc>
-            </a:pPr>
-            <a:r>
-              <a:rPr lang="fr-FR" sz="2000" b="1" strike="noStrike">
-                <a:solidFill>
-                  <a:srgbClr val="004D6F"/>
-                </a:solidFill>
-                <a:latin typeface="Arial"/>
-              </a:rPr>
-              <a:t>On a bien léché tes boules</a:t>
-            </a:r>
-            <a:endParaRPr/>
-          </a:p>
-          <a:p>
-            <a:pPr>
-              <a:lnSpc>
-                <a:spcPct val="100000"/>
-              </a:lnSpc>
-            </a:pPr>
-            <a:endParaRPr/>
-          </a:p>
-        </p:txBody>
-      </p:sp>
-    </p:spTree>
-  </p:cSld>
-  <p:clrMapOvr>
-    <a:masterClrMapping/>
-  </p:clrMapOvr>
-</p:sld>
-</file>
-
-<file path=ppt/slides/slide23.xml><?xml version="1.0" encoding="utf-8"?>
-<p:sld xmlns:a="http://schemas.openxmlformats.org/drawingml/2006/main" xmlns:r="http://schemas.openxmlformats.org/officeDocument/2006/relationships" xmlns:p="http://schemas.openxmlformats.org/presentationml/2006/main">
-  <p:cSld>
-    <p:spTree>
-      <p:nvGrpSpPr>
-        <p:cNvPr id="1" name=""/>
-        <p:cNvGrpSpPr/>
-        <p:nvPr/>
-      </p:nvGrpSpPr>
-      <p:grpSpPr>
-        <a:xfrm>
-          <a:off x="0" y="0"/>
-          <a:ext cx="0" cy="0"/>
-          <a:chOff x="0" y="0"/>
-          <a:chExt cx="0" cy="0"/>
-        </a:xfrm>
-      </p:grpSpPr>
-      <p:sp>
-        <p:nvSpPr>
-          <p:cNvPr id="154" name="TextShape 1"/>
-          <p:cNvSpPr txBox="1"/>
-          <p:nvPr/>
-        </p:nvSpPr>
-        <p:spPr>
-          <a:xfrm>
-            <a:off x="1763640" y="92160"/>
-            <a:ext cx="6460560" cy="571320"/>
-          </a:xfrm>
-          <a:prstGeom prst="rect">
-            <a:avLst/>
-          </a:prstGeom>
-          <a:noFill/>
-          <a:ln>
-            <a:noFill/>
-          </a:ln>
-        </p:spPr>
-        <p:txBody>
-          <a:bodyPr anchor="ctr"/>
-          <a:lstStyle/>
-          <a:p>
-            <a:endParaRPr/>
-          </a:p>
-        </p:txBody>
-      </p:sp>
-      <p:pic>
-        <p:nvPicPr>
-          <p:cNvPr id="5" name="Image 4" descr="thanks.jpg"/>
-          <p:cNvPicPr>
-            <a:picLocks noChangeAspect="1"/>
-          </p:cNvPicPr>
-          <p:nvPr/>
-        </p:nvPicPr>
-        <p:blipFill>
-          <a:blip r:embed="rId2" cstate="print"/>
-          <a:stretch>
-            <a:fillRect/>
-          </a:stretch>
-        </p:blipFill>
-        <p:spPr>
-          <a:xfrm>
-            <a:off x="2644140" y="1478280"/>
-            <a:ext cx="3855720" cy="3901440"/>
-          </a:xfrm>
-          <a:prstGeom prst="rect">
-            <a:avLst/>
-          </a:prstGeom>
-        </p:spPr>
-      </p:pic>
-    </p:spTree>
-  </p:cSld>
-  <p:clrMapOvr>
-    <a:masterClrMapping/>
-  </p:clrMapOvr>
-</p:sld>
-</file>
-
-<file path=ppt/slides/slide3.xml><?xml version="1.0" encoding="utf-8"?>
-<p:sld xmlns:a="http://schemas.openxmlformats.org/drawingml/2006/main" xmlns:r="http://schemas.openxmlformats.org/officeDocument/2006/relationships" xmlns:p="http://schemas.openxmlformats.org/presentationml/2006/main">
-  <p:cSld>
-    <p:spTree>
-      <p:nvGrpSpPr>
-        <p:cNvPr id="1" name=""/>
-        <p:cNvGrpSpPr/>
-        <p:nvPr/>
-      </p:nvGrpSpPr>
-      <p:grpSpPr>
-        <a:xfrm>
-          <a:off x="0" y="0"/>
-          <a:ext cx="0" cy="0"/>
-          <a:chOff x="0" y="0"/>
-          <a:chExt cx="0" cy="0"/>
-        </a:xfrm>
-      </p:grpSpPr>
-      <p:sp>
-        <p:nvSpPr>
-          <p:cNvPr id="122" name="TextShape 1"/>
-          <p:cNvSpPr txBox="1"/>
-          <p:nvPr/>
-        </p:nvSpPr>
-        <p:spPr>
-          <a:xfrm>
-            <a:off x="1763640" y="92160"/>
-            <a:ext cx="6460560" cy="571320"/>
-          </a:xfrm>
-          <a:prstGeom prst="rect">
-            <a:avLst/>
-          </a:prstGeom>
-          <a:noFill/>
-          <a:ln>
-            <a:noFill/>
-          </a:ln>
-        </p:spPr>
-        <p:txBody>
-          <a:bodyPr anchor="ctr"/>
-          <a:lstStyle/>
-          <a:p>
-            <a:endParaRPr/>
-          </a:p>
-        </p:txBody>
-      </p:sp>
-      <p:sp>
-        <p:nvSpPr>
-          <p:cNvPr id="123" name="TextShape 2"/>
-          <p:cNvSpPr txBox="1"/>
-          <p:nvPr/>
-        </p:nvSpPr>
-        <p:spPr>
-          <a:xfrm>
-            <a:off x="457200" y="2781000"/>
-            <a:ext cx="8229240" cy="3528000"/>
-          </a:xfrm>
-          <a:prstGeom prst="rect">
-            <a:avLst/>
-          </a:prstGeom>
-          <a:noFill/>
-          <a:ln>
-            <a:noFill/>
-          </a:ln>
-        </p:spPr>
-        <p:txBody>
-          <a:bodyPr/>
-          <a:lstStyle/>
-          <a:p>
-            <a:pPr algn="ctr">
-              <a:lnSpc>
-                <a:spcPct val="100000"/>
-              </a:lnSpc>
-            </a:pPr>
-            <a:r>
-              <a:rPr lang="fr-FR" sz="5400" b="1" strike="noStrike" smtClean="0">
-                <a:solidFill>
-                  <a:srgbClr val="004D6F"/>
-                </a:solidFill>
-                <a:latin typeface="Arial"/>
-              </a:rPr>
-              <a:t>Besoin</a:t>
-            </a:r>
-            <a:endParaRPr/>
-          </a:p>
-        </p:txBody>
-      </p:sp>
-    </p:spTree>
-  </p:cSld>
-  <p:clrMapOvr>
-    <a:masterClrMapping/>
-  </p:clrMapOvr>
-</p:sld>
-</file>
-
 <file path=ppt/slides/slide4.xml><?xml version="1.0" encoding="utf-8"?>
 <p:sld xmlns:a="http://schemas.openxmlformats.org/drawingml/2006/main" xmlns:r="http://schemas.openxmlformats.org/officeDocument/2006/relationships" xmlns:p="http://schemas.openxmlformats.org/presentationml/2006/main">
   <p:cSld>
@@ -8200,7 +9785,7 @@
       </p:grpSpPr>
       <p:sp>
         <p:nvSpPr>
-          <p:cNvPr id="113" name="TextShape 1"/>
+          <p:cNvPr id="115" name="TextShape 1"/>
           <p:cNvSpPr txBox="1"/>
           <p:nvPr/>
         </p:nvSpPr>
@@ -8227,32 +9812,32 @@
               </a:lnSpc>
             </a:pPr>
             <a:r>
-              <a:rPr lang="fr-FR" sz="1600" b="1" strike="noStrike">
+              <a:rPr lang="fr-FR" sz="1600" b="1" strike="noStrike" dirty="0" smtClean="0">
                 <a:solidFill>
                   <a:srgbClr val="4F4D50"/>
                 </a:solidFill>
                 <a:latin typeface="Arial"/>
               </a:rPr>
-              <a:t>Besoin</a:t>
-            </a:r>
-            <a:endParaRPr/>
+              <a:t>Introduction</a:t>
+            </a:r>
+            <a:endParaRPr dirty="0"/>
           </a:p>
         </p:txBody>
       </p:sp>
       <p:pic>
         <p:nvPicPr>
-          <p:cNvPr id="114" name="Espace réservé du contenu 3"/>
+          <p:cNvPr id="116" name="Espace réservé du contenu 3"/>
           <p:cNvPicPr/>
           <p:nvPr/>
         </p:nvPicPr>
         <p:blipFill>
-          <a:blip r:embed="rId2" cstate="print"/>
+          <a:blip r:embed="rId3" cstate="print"/>
           <a:stretch/>
         </p:blipFill>
         <p:spPr>
           <a:xfrm>
-            <a:off x="1908000" y="981000"/>
-            <a:ext cx="5327280" cy="5327280"/>
+            <a:off x="395640" y="1124640"/>
+            <a:ext cx="8229240" cy="4066920"/>
           </a:xfrm>
           <a:prstGeom prst="rect">
             <a:avLst/>
@@ -8262,11 +9847,76 @@
           </a:ln>
         </p:spPr>
       </p:pic>
+      <p:sp>
+        <p:nvSpPr>
+          <p:cNvPr id="117" name="CustomShape 2"/>
+          <p:cNvSpPr/>
+          <p:nvPr/>
+        </p:nvSpPr>
+        <p:spPr>
+          <a:xfrm>
+            <a:off x="2267640" y="5445360"/>
+            <a:ext cx="4968360" cy="364680"/>
+          </a:xfrm>
+          <a:prstGeom prst="rect">
+            <a:avLst/>
+          </a:prstGeom>
+          <a:noFill/>
+          <a:ln>
+            <a:noFill/>
+          </a:ln>
+        </p:spPr>
+        <p:style>
+          <a:lnRef idx="0">
+            <a:scrgbClr r="0" g="0" b="0"/>
+          </a:lnRef>
+          <a:fillRef idx="0">
+            <a:scrgbClr r="0" g="0" b="0"/>
+          </a:fillRef>
+          <a:effectRef idx="0">
+            <a:scrgbClr r="0" g="0" b="0"/>
+          </a:effectRef>
+          <a:fontRef idx="minor"/>
+        </p:style>
+        <p:txBody>
+          <a:bodyPr lIns="90000" tIns="45000" rIns="90000" bIns="45000"/>
+          <a:lstStyle/>
+          <a:p>
+            <a:pPr algn="ctr">
+              <a:lnSpc>
+                <a:spcPct val="100000"/>
+              </a:lnSpc>
+            </a:pPr>
+            <a:r>
+              <a:rPr lang="fr-FR" strike="noStrike">
+                <a:solidFill>
+                  <a:srgbClr val="2F2F2F"/>
+                </a:solidFill>
+                <a:latin typeface="Arial"/>
+              </a:rPr>
+              <a:t>Arbre d’attaque et de défense</a:t>
+            </a:r>
+            <a:endParaRPr/>
+          </a:p>
+        </p:txBody>
+      </p:sp>
     </p:spTree>
   </p:cSld>
   <p:clrMapOvr>
     <a:masterClrMapping/>
   </p:clrMapOvr>
+  <mc:AlternateContent xmlns:mc="http://schemas.openxmlformats.org/markup-compatibility/2006">
+    <mc:Choice xmlns:p14="http://schemas.microsoft.com/office/powerpoint/2010/main" Requires="p14">
+      <p:transition p14:dur="250">
+        <p:pull/>
+      </p:transition>
+    </mc:Choice>
+    <mc:Fallback>
+      <p:transition>
+        <p:pull/>
+      </p:transition>
+    </mc:Fallback>
+  </mc:AlternateContent>
   <p:timing>
     <p:tnLst>
       <p:par>
@@ -8316,7 +9966,7 @@
       </p:grpSpPr>
       <p:sp>
         <p:nvSpPr>
-          <p:cNvPr id="115" name="TextShape 1"/>
+          <p:cNvPr id="118" name="TextShape 1"/>
           <p:cNvSpPr txBox="1"/>
           <p:nvPr/>
         </p:nvSpPr>
@@ -8343,21 +9993,48 @@
               </a:lnSpc>
             </a:pPr>
             <a:r>
-              <a:rPr lang="fr-FR" sz="1600" b="1" strike="noStrike">
+              <a:rPr lang="fr-FR" sz="1600" b="1" strike="noStrike" dirty="0" smtClean="0">
                 <a:solidFill>
                   <a:srgbClr val="4F4D50"/>
                 </a:solidFill>
                 <a:latin typeface="Arial"/>
               </a:rPr>
-              <a:t>Besoin</a:t>
-            </a:r>
+              <a:t>Introduction</a:t>
+            </a:r>
+            <a:endParaRPr dirty="0"/>
+          </a:p>
+        </p:txBody>
+      </p:sp>
+      <p:sp>
+        <p:nvSpPr>
+          <p:cNvPr id="119" name="TextShape 2"/>
+          <p:cNvSpPr txBox="1"/>
+          <p:nvPr/>
+        </p:nvSpPr>
+        <p:spPr>
+          <a:xfrm>
+            <a:off x="457200" y="980640"/>
+            <a:ext cx="8229240" cy="5328360"/>
+          </a:xfrm>
+          <a:prstGeom prst="rect">
+            <a:avLst/>
+          </a:prstGeom>
+          <a:noFill/>
+          <a:ln>
+            <a:noFill/>
+          </a:ln>
+        </p:spPr>
+        <p:txBody>
+          <a:bodyPr/>
+          <a:lstStyle/>
+          <a:p>
             <a:endParaRPr/>
           </a:p>
         </p:txBody>
       </p:sp>
       <p:pic>
         <p:nvPicPr>
-          <p:cNvPr id="116" name="Espace réservé du contenu 3"/>
+          <p:cNvPr id="120" name="Picture 3"/>
           <p:cNvPicPr/>
           <p:nvPr/>
         </p:nvPicPr>
@@ -8367,8 +10044,8 @@
         </p:blipFill>
         <p:spPr>
           <a:xfrm>
-            <a:off x="395640" y="1124640"/>
-            <a:ext cx="8229240" cy="4066920"/>
+            <a:off x="539640" y="2565000"/>
+            <a:ext cx="2703240" cy="1540440"/>
           </a:xfrm>
           <a:prstGeom prst="rect">
             <a:avLst/>
@@ -8378,64 +10055,448 @@
           </a:ln>
         </p:spPr>
       </p:pic>
-      <p:sp>
-        <p:nvSpPr>
-          <p:cNvPr id="117" name="CustomShape 2"/>
-          <p:cNvSpPr/>
+      <p:pic>
+        <p:nvPicPr>
+          <p:cNvPr id="121" name="Picture 4"/>
+          <p:cNvPicPr/>
           <p:nvPr/>
-        </p:nvSpPr>
-        <p:spPr>
-          <a:xfrm>
-            <a:off x="2267640" y="5445360"/>
-            <a:ext cx="4968360" cy="364680"/>
-          </a:xfrm>
-          <a:prstGeom prst="rect">
-            <a:avLst/>
-          </a:prstGeom>
-          <a:noFill/>
+        </p:nvPicPr>
+        <p:blipFill>
+          <a:blip r:embed="rId4" cstate="print"/>
+          <a:stretch/>
+        </p:blipFill>
+        <p:spPr>
+          <a:xfrm>
+            <a:off x="4212000" y="980640"/>
+            <a:ext cx="4484520" cy="5301000"/>
+          </a:xfrm>
+          <a:prstGeom prst="rect">
+            <a:avLst/>
+          </a:prstGeom>
           <a:ln>
             <a:noFill/>
           </a:ln>
         </p:spPr>
-        <p:style>
-          <a:lnRef idx="0">
-            <a:scrgbClr r="0" g="0" b="0"/>
-          </a:lnRef>
-          <a:fillRef idx="0">
-            <a:scrgbClr r="0" g="0" b="0"/>
-          </a:fillRef>
-          <a:effectRef idx="0">
-            <a:scrgbClr r="0" g="0" b="0"/>
-          </a:effectRef>
-          <a:fontRef idx="minor"/>
-        </p:style>
-        <p:txBody>
-          <a:bodyPr lIns="90000" tIns="45000" rIns="90000" bIns="45000"/>
-          <a:lstStyle/>
-          <a:p>
-            <a:pPr algn="ctr">
-              <a:lnSpc>
-                <a:spcPct val="100000"/>
-              </a:lnSpc>
-            </a:pPr>
-            <a:r>
-              <a:rPr lang="fr-FR" strike="noStrike">
-                <a:solidFill>
-                  <a:srgbClr val="2F2F2F"/>
-                </a:solidFill>
-                <a:latin typeface="Arial"/>
-              </a:rPr>
-              <a:t>Arbre d’attaque et de défense</a:t>
-            </a:r>
-            <a:endParaRPr/>
-          </a:p>
-        </p:txBody>
-      </p:sp>
+      </p:pic>
     </p:spTree>
   </p:cSld>
   <p:clrMapOvr>
     <a:masterClrMapping/>
   </p:clrMapOvr>
+  <mc:AlternateContent xmlns:mc="http://schemas.openxmlformats.org/markup-compatibility/2006">
+    <mc:Choice xmlns:p14="http://schemas.microsoft.com/office/powerpoint/2010/main" Requires="p14">
+      <p:transition p14:dur="250">
+        <p:pull/>
+      </p:transition>
+    </mc:Choice>
+    <mc:Fallback>
+      <p:transition>
+        <p:pull/>
+      </p:transition>
+    </mc:Fallback>
+  </mc:AlternateContent>
+  <p:timing>
+    <p:tnLst>
+      <p:par>
+        <p:cTn id="1" dur="indefinite" restart="never" nodeType="tmRoot"/>
+      </p:par>
+    </p:tnLst>
+  </p:timing>
+</p:sld>
+</file>
+
+<file path=ppt/slides/slide6.xml><?xml version="1.0" encoding="utf-8"?>
+<p:sld xmlns:a="http://schemas.openxmlformats.org/drawingml/2006/main" xmlns:r="http://schemas.openxmlformats.org/officeDocument/2006/relationships" xmlns:p="http://schemas.openxmlformats.org/presentationml/2006/main">
+  <p:cSld>
+    <p:spTree>
+      <p:nvGrpSpPr>
+        <p:cNvPr id="1" name=""/>
+        <p:cNvGrpSpPr/>
+        <p:nvPr/>
+      </p:nvGrpSpPr>
+      <p:grpSpPr>
+        <a:xfrm>
+          <a:off x="0" y="0"/>
+          <a:ext cx="0" cy="0"/>
+          <a:chOff x="0" y="0"/>
+          <a:chExt cx="0" cy="0"/>
+        </a:xfrm>
+      </p:grpSpPr>
+      <p:sp>
+        <p:nvSpPr>
+          <p:cNvPr id="108" name="TextShape 1"/>
+          <p:cNvSpPr txBox="1"/>
+          <p:nvPr/>
+        </p:nvSpPr>
+        <p:spPr>
+          <a:xfrm>
+            <a:off x="1763640" y="92160"/>
+            <a:ext cx="6460560" cy="571320"/>
+          </a:xfrm>
+          <a:prstGeom prst="rect">
+            <a:avLst/>
+          </a:prstGeom>
+          <a:noFill/>
+          <a:ln>
+            <a:noFill/>
+          </a:ln>
+        </p:spPr>
+        <p:txBody>
+          <a:bodyPr anchor="ctr"/>
+          <a:lstStyle/>
+          <a:p>
+            <a:pPr algn="ctr"/>
+            <a:r>
+              <a:rPr lang="en-US" sz="2800" dirty="0" err="1" smtClean="0"/>
+              <a:t>Sommaire</a:t>
+            </a:r>
+            <a:endParaRPr dirty="0"/>
+          </a:p>
+        </p:txBody>
+      </p:sp>
+      <p:sp>
+        <p:nvSpPr>
+          <p:cNvPr id="109" name="TextShape 2"/>
+          <p:cNvSpPr txBox="1"/>
+          <p:nvPr/>
+        </p:nvSpPr>
+        <p:spPr>
+          <a:xfrm>
+            <a:off x="457200" y="980640"/>
+            <a:ext cx="8229240" cy="5328360"/>
+          </a:xfrm>
+          <a:prstGeom prst="rect">
+            <a:avLst/>
+          </a:prstGeom>
+          <a:noFill/>
+          <a:ln>
+            <a:noFill/>
+          </a:ln>
+        </p:spPr>
+        <p:txBody>
+          <a:bodyPr/>
+          <a:lstStyle/>
+          <a:p>
+            <a:pPr marL="342900" indent="-342900">
+              <a:lnSpc>
+                <a:spcPct val="100000"/>
+              </a:lnSpc>
+              <a:buFont typeface="Arial" panose="020B0604020202020204" pitchFamily="34" charset="0"/>
+              <a:buChar char="•"/>
+            </a:pPr>
+            <a:r>
+              <a:rPr lang="fr-FR" sz="2000" b="1" strike="noStrike" dirty="0" smtClean="0">
+                <a:solidFill>
+                  <a:srgbClr val="004D6F"/>
+                </a:solidFill>
+                <a:latin typeface="Arial"/>
+              </a:rPr>
+              <a:t>Contexte</a:t>
+            </a:r>
+            <a:endParaRPr dirty="0"/>
+          </a:p>
+          <a:p>
+            <a:pPr marL="742950" lvl="1" indent="-285750">
+              <a:lnSpc>
+                <a:spcPct val="100000"/>
+              </a:lnSpc>
+              <a:buFont typeface="Arial" panose="020B0604020202020204" pitchFamily="34" charset="0"/>
+              <a:buChar char="•"/>
+            </a:pPr>
+            <a:r>
+              <a:rPr lang="fr-FR" sz="1500" b="1" strike="noStrike" dirty="0">
+                <a:solidFill>
+                  <a:srgbClr val="4F4D50"/>
+                </a:solidFill>
+                <a:latin typeface="Arial"/>
+              </a:rPr>
+              <a:t>Acteurs</a:t>
+            </a:r>
+            <a:endParaRPr dirty="0"/>
+          </a:p>
+          <a:p>
+            <a:pPr marL="742950" lvl="1" indent="-285750">
+              <a:lnSpc>
+                <a:spcPct val="100000"/>
+              </a:lnSpc>
+              <a:buFont typeface="Arial" panose="020B0604020202020204" pitchFamily="34" charset="0"/>
+              <a:buChar char="•"/>
+            </a:pPr>
+            <a:r>
+              <a:rPr lang="fr-FR" sz="1500" b="1" strike="noStrike" dirty="0">
+                <a:solidFill>
+                  <a:srgbClr val="4F4D50"/>
+                </a:solidFill>
+                <a:latin typeface="Arial"/>
+              </a:rPr>
+              <a:t>Périmètre fonctionnel</a:t>
+            </a:r>
+            <a:endParaRPr dirty="0"/>
+          </a:p>
+          <a:p>
+            <a:pPr marL="742950" lvl="1" indent="-285750">
+              <a:lnSpc>
+                <a:spcPct val="100000"/>
+              </a:lnSpc>
+              <a:buFont typeface="Arial" panose="020B0604020202020204" pitchFamily="34" charset="0"/>
+              <a:buChar char="•"/>
+            </a:pPr>
+            <a:r>
+              <a:rPr lang="fr-FR" sz="1500" b="1" strike="noStrike" dirty="0" smtClean="0">
+                <a:solidFill>
+                  <a:srgbClr val="4F4D50"/>
+                </a:solidFill>
+                <a:latin typeface="Arial"/>
+              </a:rPr>
+              <a:t>Éléments </a:t>
+            </a:r>
+            <a:r>
+              <a:rPr lang="fr-FR" sz="1500" b="1" strike="noStrike" dirty="0">
+                <a:solidFill>
+                  <a:srgbClr val="4F4D50"/>
+                </a:solidFill>
+                <a:latin typeface="Arial"/>
+              </a:rPr>
+              <a:t>d’entrée</a:t>
+            </a:r>
+            <a:endParaRPr dirty="0"/>
+          </a:p>
+          <a:p>
+            <a:pPr marL="742950" lvl="1" indent="-285750">
+              <a:lnSpc>
+                <a:spcPct val="100000"/>
+              </a:lnSpc>
+              <a:buFont typeface="Arial" panose="020B0604020202020204" pitchFamily="34" charset="0"/>
+              <a:buChar char="•"/>
+            </a:pPr>
+            <a:r>
+              <a:rPr lang="fr-FR" sz="1500" b="1" strike="noStrike" dirty="0">
+                <a:solidFill>
+                  <a:srgbClr val="4F4D50"/>
+                </a:solidFill>
+                <a:latin typeface="Arial"/>
+              </a:rPr>
+              <a:t>Périmètre de qualification</a:t>
+            </a:r>
+            <a:endParaRPr dirty="0"/>
+          </a:p>
+          <a:p>
+            <a:pPr marL="742950" lvl="1" indent="-285750">
+              <a:lnSpc>
+                <a:spcPct val="100000"/>
+              </a:lnSpc>
+              <a:buFont typeface="Arial" panose="020B0604020202020204" pitchFamily="34" charset="0"/>
+              <a:buChar char="•"/>
+            </a:pPr>
+            <a:r>
+              <a:rPr lang="fr-FR" sz="1500" b="1" strike="noStrike" dirty="0">
+                <a:solidFill>
+                  <a:srgbClr val="4F4D50"/>
+                </a:solidFill>
+                <a:latin typeface="Arial"/>
+              </a:rPr>
+              <a:t>Calendrier</a:t>
+            </a:r>
+            <a:endParaRPr dirty="0"/>
+          </a:p>
+          <a:p>
+            <a:pPr marL="342900" indent="-342900">
+              <a:lnSpc>
+                <a:spcPct val="100000"/>
+              </a:lnSpc>
+              <a:buFont typeface="Arial" panose="020B0604020202020204" pitchFamily="34" charset="0"/>
+              <a:buChar char="•"/>
+            </a:pPr>
+            <a:r>
+              <a:rPr lang="fr-FR" sz="2000" b="1" strike="noStrike" dirty="0">
+                <a:solidFill>
+                  <a:srgbClr val="004D6F"/>
+                </a:solidFill>
+                <a:latin typeface="Arial"/>
+              </a:rPr>
+              <a:t>Organisation</a:t>
+            </a:r>
+            <a:endParaRPr dirty="0"/>
+          </a:p>
+          <a:p>
+            <a:pPr marL="742950" lvl="1" indent="-285750">
+              <a:lnSpc>
+                <a:spcPct val="100000"/>
+              </a:lnSpc>
+              <a:buFont typeface="Arial" panose="020B0604020202020204" pitchFamily="34" charset="0"/>
+              <a:buChar char="•"/>
+            </a:pPr>
+            <a:r>
+              <a:rPr lang="fr-FR" sz="1500" b="1" strike="noStrike" dirty="0">
+                <a:solidFill>
+                  <a:srgbClr val="4F4D50"/>
+                </a:solidFill>
+                <a:latin typeface="Arial"/>
+              </a:rPr>
+              <a:t>Méthode</a:t>
+            </a:r>
+            <a:endParaRPr dirty="0"/>
+          </a:p>
+          <a:p>
+            <a:pPr marL="742950" lvl="1" indent="-285750">
+              <a:lnSpc>
+                <a:spcPct val="100000"/>
+              </a:lnSpc>
+              <a:buFont typeface="Arial" panose="020B0604020202020204" pitchFamily="34" charset="0"/>
+              <a:buChar char="•"/>
+            </a:pPr>
+            <a:r>
+              <a:rPr lang="fr-FR" sz="1500" b="1" strike="noStrike" dirty="0">
+                <a:solidFill>
+                  <a:srgbClr val="4F4D50"/>
+                </a:solidFill>
+                <a:latin typeface="Arial"/>
+              </a:rPr>
+              <a:t>Répartition</a:t>
+            </a:r>
+            <a:endParaRPr dirty="0"/>
+          </a:p>
+          <a:p>
+            <a:pPr marL="742950" lvl="1" indent="-285750">
+              <a:lnSpc>
+                <a:spcPct val="100000"/>
+              </a:lnSpc>
+              <a:buFont typeface="Arial" panose="020B0604020202020204" pitchFamily="34" charset="0"/>
+              <a:buChar char="•"/>
+            </a:pPr>
+            <a:r>
+              <a:rPr lang="fr-FR" sz="1500" b="1" strike="noStrike" dirty="0">
+                <a:solidFill>
+                  <a:srgbClr val="4F4D50"/>
+                </a:solidFill>
+                <a:latin typeface="Arial"/>
+              </a:rPr>
+              <a:t>Cycle de qualification</a:t>
+            </a:r>
+            <a:endParaRPr dirty="0"/>
+          </a:p>
+          <a:p>
+            <a:pPr marL="742950" lvl="1" indent="-285750">
+              <a:lnSpc>
+                <a:spcPct val="100000"/>
+              </a:lnSpc>
+              <a:buFont typeface="Arial" panose="020B0604020202020204" pitchFamily="34" charset="0"/>
+              <a:buChar char="•"/>
+            </a:pPr>
+            <a:r>
+              <a:rPr lang="fr-FR" sz="1500" b="1" strike="noStrike" dirty="0">
+                <a:solidFill>
+                  <a:srgbClr val="4F4D50"/>
+                </a:solidFill>
+                <a:latin typeface="Arial"/>
+              </a:rPr>
+              <a:t>Pilotage du projet</a:t>
+            </a:r>
+            <a:endParaRPr dirty="0"/>
+          </a:p>
+          <a:p>
+            <a:pPr marL="342900" indent="-342900">
+              <a:lnSpc>
+                <a:spcPct val="100000"/>
+              </a:lnSpc>
+              <a:buFont typeface="Arial" panose="020B0604020202020204" pitchFamily="34" charset="0"/>
+              <a:buChar char="•"/>
+            </a:pPr>
+            <a:r>
+              <a:rPr lang="fr-FR" sz="2000" b="1" strike="noStrike" dirty="0">
+                <a:solidFill>
+                  <a:srgbClr val="004D6F"/>
+                </a:solidFill>
+                <a:latin typeface="Arial"/>
+              </a:rPr>
+              <a:t>Planification</a:t>
+            </a:r>
+            <a:endParaRPr dirty="0"/>
+          </a:p>
+          <a:p>
+            <a:pPr marL="742950" lvl="1" indent="-285750">
+              <a:lnSpc>
+                <a:spcPct val="100000"/>
+              </a:lnSpc>
+              <a:buFont typeface="Arial" panose="020B0604020202020204" pitchFamily="34" charset="0"/>
+              <a:buChar char="•"/>
+            </a:pPr>
+            <a:r>
+              <a:rPr lang="fr-FR" sz="1500" b="1" strike="noStrike" dirty="0">
+                <a:solidFill>
+                  <a:srgbClr val="4F4D50"/>
+                </a:solidFill>
+                <a:latin typeface="Arial"/>
+              </a:rPr>
+              <a:t>Méthode d’estimation</a:t>
+            </a:r>
+            <a:endParaRPr dirty="0"/>
+          </a:p>
+          <a:p>
+            <a:pPr marL="742950" lvl="1" indent="-285750">
+              <a:lnSpc>
+                <a:spcPct val="100000"/>
+              </a:lnSpc>
+              <a:buFont typeface="Arial" panose="020B0604020202020204" pitchFamily="34" charset="0"/>
+              <a:buChar char="•"/>
+            </a:pPr>
+            <a:r>
+              <a:rPr lang="fr-FR" sz="1500" b="1" strike="noStrike" dirty="0">
+                <a:solidFill>
+                  <a:srgbClr val="4F4D50"/>
+                </a:solidFill>
+                <a:latin typeface="Arial"/>
+              </a:rPr>
+              <a:t>Planning</a:t>
+            </a:r>
+            <a:endParaRPr dirty="0"/>
+          </a:p>
+          <a:p>
+            <a:pPr marL="742950" lvl="1" indent="-285750">
+              <a:lnSpc>
+                <a:spcPct val="100000"/>
+              </a:lnSpc>
+              <a:buFont typeface="Arial" panose="020B0604020202020204" pitchFamily="34" charset="0"/>
+              <a:buChar char="•"/>
+            </a:pPr>
+            <a:r>
+              <a:rPr lang="fr-FR" sz="1500" b="1" strike="noStrike" dirty="0" err="1">
+                <a:solidFill>
+                  <a:srgbClr val="4F4D50"/>
+                </a:solidFill>
+                <a:latin typeface="Arial"/>
+              </a:rPr>
+              <a:t>MSProject</a:t>
+            </a:r>
+            <a:endParaRPr dirty="0"/>
+          </a:p>
+          <a:p>
+            <a:pPr>
+              <a:lnSpc>
+                <a:spcPct val="100000"/>
+              </a:lnSpc>
+            </a:pPr>
+            <a:endParaRPr dirty="0"/>
+          </a:p>
+        </p:txBody>
+      </p:sp>
+    </p:spTree>
+  </p:cSld>
+  <p:clrMapOvr>
+    <a:masterClrMapping/>
+  </p:clrMapOvr>
+  <mc:AlternateContent xmlns:mc="http://schemas.openxmlformats.org/markup-compatibility/2006">
+    <mc:Choice xmlns:p14="http://schemas.microsoft.com/office/powerpoint/2010/main" Requires="p14">
+      <p:transition p14:dur="250">
+        <p:pull/>
+      </p:transition>
+    </mc:Choice>
+    <mc:Fallback>
+      <p:transition>
+        <p:pull/>
+      </p:transition>
+    </mc:Fallback>
+  </mc:AlternateContent>
   <p:timing>
     <p:tnLst>
       <p:par>
@@ -8466,145 +10527,6 @@
 </p:sld>
 </file>
 
-<file path=ppt/slides/slide6.xml><?xml version="1.0" encoding="utf-8"?>
-<p:sld xmlns:a="http://schemas.openxmlformats.org/drawingml/2006/main" xmlns:r="http://schemas.openxmlformats.org/officeDocument/2006/relationships" xmlns:p="http://schemas.openxmlformats.org/presentationml/2006/main">
-  <p:cSld>
-    <p:spTree>
-      <p:nvGrpSpPr>
-        <p:cNvPr id="1" name=""/>
-        <p:cNvGrpSpPr/>
-        <p:nvPr/>
-      </p:nvGrpSpPr>
-      <p:grpSpPr>
-        <a:xfrm>
-          <a:off x="0" y="0"/>
-          <a:ext cx="0" cy="0"/>
-          <a:chOff x="0" y="0"/>
-          <a:chExt cx="0" cy="0"/>
-        </a:xfrm>
-      </p:grpSpPr>
-      <p:sp>
-        <p:nvSpPr>
-          <p:cNvPr id="118" name="TextShape 1"/>
-          <p:cNvSpPr txBox="1"/>
-          <p:nvPr/>
-        </p:nvSpPr>
-        <p:spPr>
-          <a:xfrm>
-            <a:off x="1763640" y="92160"/>
-            <a:ext cx="6460560" cy="571320"/>
-          </a:xfrm>
-          <a:prstGeom prst="rect">
-            <a:avLst/>
-          </a:prstGeom>
-          <a:noFill/>
-          <a:ln>
-            <a:noFill/>
-          </a:ln>
-        </p:spPr>
-        <p:txBody>
-          <a:bodyPr anchor="ctr"/>
-          <a:lstStyle/>
-          <a:p>
-            <a:pPr algn="ctr">
-              <a:lnSpc>
-                <a:spcPct val="100000"/>
-              </a:lnSpc>
-            </a:pPr>
-            <a:r>
-              <a:rPr lang="fr-FR" sz="1600" b="1" strike="noStrike">
-                <a:solidFill>
-                  <a:srgbClr val="4F4D50"/>
-                </a:solidFill>
-                <a:latin typeface="Arial"/>
-              </a:rPr>
-              <a:t>Besoin</a:t>
-            </a:r>
-            <a:endParaRPr/>
-          </a:p>
-        </p:txBody>
-      </p:sp>
-      <p:sp>
-        <p:nvSpPr>
-          <p:cNvPr id="119" name="TextShape 2"/>
-          <p:cNvSpPr txBox="1"/>
-          <p:nvPr/>
-        </p:nvSpPr>
-        <p:spPr>
-          <a:xfrm>
-            <a:off x="457200" y="980640"/>
-            <a:ext cx="8229240" cy="5328360"/>
-          </a:xfrm>
-          <a:prstGeom prst="rect">
-            <a:avLst/>
-          </a:prstGeom>
-          <a:noFill/>
-          <a:ln>
-            <a:noFill/>
-          </a:ln>
-        </p:spPr>
-        <p:txBody>
-          <a:bodyPr/>
-          <a:lstStyle/>
-          <a:p>
-            <a:endParaRPr/>
-          </a:p>
-        </p:txBody>
-      </p:sp>
-      <p:pic>
-        <p:nvPicPr>
-          <p:cNvPr id="120" name="Picture 3"/>
-          <p:cNvPicPr/>
-          <p:nvPr/>
-        </p:nvPicPr>
-        <p:blipFill>
-          <a:blip r:embed="rId3" cstate="print"/>
-          <a:stretch/>
-        </p:blipFill>
-        <p:spPr>
-          <a:xfrm>
-            <a:off x="539640" y="2565000"/>
-            <a:ext cx="2703240" cy="1540440"/>
-          </a:xfrm>
-          <a:prstGeom prst="rect">
-            <a:avLst/>
-          </a:prstGeom>
-          <a:ln>
-            <a:noFill/>
-          </a:ln>
-        </p:spPr>
-      </p:pic>
-      <p:pic>
-        <p:nvPicPr>
-          <p:cNvPr id="121" name="Picture 4"/>
-          <p:cNvPicPr/>
-          <p:nvPr/>
-        </p:nvPicPr>
-        <p:blipFill>
-          <a:blip r:embed="rId4" cstate="print"/>
-          <a:stretch/>
-        </p:blipFill>
-        <p:spPr>
-          <a:xfrm>
-            <a:off x="4212000" y="980640"/>
-            <a:ext cx="4484520" cy="5301000"/>
-          </a:xfrm>
-          <a:prstGeom prst="rect">
-            <a:avLst/>
-          </a:prstGeom>
-          <a:ln>
-            <a:noFill/>
-          </a:ln>
-        </p:spPr>
-      </p:pic>
-    </p:spTree>
-  </p:cSld>
-  <p:clrMapOvr>
-    <a:masterClrMapping/>
-  </p:clrMapOvr>
-</p:sld>
-</file>
-
 <file path=ppt/slides/slide7.xml><?xml version="1.0" encoding="utf-8"?>
 <p:sld xmlns:a="http://schemas.openxmlformats.org/drawingml/2006/main" xmlns:r="http://schemas.openxmlformats.org/officeDocument/2006/relationships" xmlns:p="http://schemas.openxmlformats.org/presentationml/2006/main">
   <p:cSld>
@@ -8695,6 +10617,25 @@
   <p:clrMapOvr>
     <a:masterClrMapping/>
   </p:clrMapOvr>
+  <mc:AlternateContent xmlns:mc="http://schemas.openxmlformats.org/markup-compatibility/2006">
+    <mc:Choice xmlns:p14="http://schemas.microsoft.com/office/powerpoint/2010/main" Requires="p14">
+      <p:transition spd="slow" p14:dur="1500">
+        <p14:vortex dir="r"/>
+      </p:transition>
+    </mc:Choice>
+    <mc:Fallback>
+      <p:transition spd="slow">
+        <p:fade/>
+      </p:transition>
+    </mc:Fallback>
+  </mc:AlternateContent>
+  <p:timing>
+    <p:tnLst>
+      <p:par>
+        <p:cTn id="1" dur="indefinite" restart="never" nodeType="tmRoot"/>
+      </p:par>
+    </p:tnLst>
+  </p:timing>
 </p:sld>
 </file>
 
@@ -8937,6 +10878,25 @@
   <p:clrMapOvr>
     <a:masterClrMapping/>
   </p:clrMapOvr>
+  <mc:AlternateContent xmlns:mc="http://schemas.openxmlformats.org/markup-compatibility/2006">
+    <mc:Choice xmlns:p14="http://schemas.microsoft.com/office/powerpoint/2010/main" Requires="p14">
+      <p:transition p14:dur="250">
+        <p:pull/>
+      </p:transition>
+    </mc:Choice>
+    <mc:Fallback>
+      <p:transition>
+        <p:pull/>
+      </p:transition>
+    </mc:Fallback>
+  </mc:AlternateContent>
+  <p:timing>
+    <p:tnLst>
+      <p:par>
+        <p:cTn id="1" dur="indefinite" restart="never" nodeType="tmRoot"/>
+      </p:par>
+    </p:tnLst>
+  </p:timing>
 </p:sld>
 </file>
 
@@ -9027,7 +10987,7 @@
               </a:lnSpc>
             </a:pPr>
             <a:r>
-              <a:rPr lang="fr-FR" sz="2800" b="1" strike="noStrike">
+              <a:rPr lang="fr-FR" sz="2800" b="1" strike="noStrike" dirty="0">
                 <a:solidFill>
                   <a:srgbClr val="004D6F"/>
                 </a:solidFill>
@@ -9035,7 +10995,7 @@
               </a:rPr>
               <a:t>Périmètre fonctionnel</a:t>
             </a:r>
-            <a:endParaRPr/>
+            <a:endParaRPr dirty="0"/>
           </a:p>
           <a:p>
             <a:pPr algn="ctr">
@@ -9043,7 +11003,7 @@
                 <a:spcPct val="100000"/>
               </a:lnSpc>
             </a:pPr>
-            <a:endParaRPr/>
+            <a:endParaRPr dirty="0"/>
           </a:p>
           <a:p>
             <a:pPr>
@@ -9052,7 +11012,7 @@
               </a:lnSpc>
             </a:pPr>
             <a:r>
-              <a:rPr lang="fr-FR" sz="2000" b="1" strike="noStrike">
+              <a:rPr lang="fr-FR" sz="2000" b="1" strike="noStrike" dirty="0">
                 <a:solidFill>
                   <a:srgbClr val="004D6F"/>
                 </a:solidFill>
@@ -9060,7 +11020,7 @@
               </a:rPr>
               <a:t>Logiciel destiné aux experts en sécurité</a:t>
             </a:r>
-            <a:endParaRPr/>
+            <a:endParaRPr dirty="0"/>
           </a:p>
           <a:p>
             <a:pPr>
@@ -9068,7 +11028,7 @@
                 <a:spcPct val="100000"/>
               </a:lnSpc>
             </a:pPr>
-            <a:endParaRPr/>
+            <a:endParaRPr dirty="0"/>
           </a:p>
           <a:p>
             <a:pPr>
@@ -9077,15 +11037,24 @@
               </a:lnSpc>
             </a:pPr>
             <a:r>
-              <a:rPr lang="fr-FR" sz="2000" b="1" strike="noStrike">
+              <a:rPr lang="fr-FR" sz="2000" b="1" strike="noStrike" dirty="0">
                 <a:solidFill>
                   <a:srgbClr val="004D6F"/>
                 </a:solidFill>
                 <a:latin typeface="Arial"/>
               </a:rPr>
-              <a:t>Le projet pourra se poursuivre l’année prochaine :</a:t>
-            </a:r>
-            <a:endParaRPr/>
+              <a:t>Le projet pourra se poursuivre l’année </a:t>
+            </a:r>
+            <a:r>
+              <a:rPr lang="fr-FR" sz="2000" b="1" strike="noStrike" dirty="0" smtClean="0">
+                <a:solidFill>
+                  <a:srgbClr val="004D6F"/>
+                </a:solidFill>
+                <a:latin typeface="Arial"/>
+              </a:rPr>
+              <a:t>prochaine</a:t>
+            </a:r>
+            <a:endParaRPr dirty="0"/>
           </a:p>
           <a:p>
             <a:pPr>
@@ -9094,15 +11063,53 @@
               </a:lnSpc>
             </a:pPr>
             <a:r>
-              <a:rPr lang="fr-FR" sz="2000" b="1" strike="noStrike">
+              <a:rPr lang="fr-FR" sz="2000" b="1" strike="noStrike" dirty="0">
                 <a:solidFill>
                   <a:srgbClr val="004D6F"/>
                 </a:solidFill>
                 <a:latin typeface="Arial"/>
               </a:rPr>
-              <a:t>	Documentation technique</a:t>
-            </a:r>
-            <a:endParaRPr/>
+              <a:t>	</a:t>
+            </a:r>
+            <a:r>
+              <a:rPr lang="fr-FR" sz="2000" b="1" dirty="0" smtClean="0">
+                <a:solidFill>
+                  <a:srgbClr val="004D6F"/>
+                </a:solidFill>
+                <a:latin typeface="Arial"/>
+                <a:sym typeface="Wingdings" panose="05000000000000000000" pitchFamily="2" charset="2"/>
+              </a:rPr>
+              <a:t> </a:t>
+            </a:r>
+            <a:r>
+              <a:rPr lang="fr-FR" sz="2000" b="1" dirty="0">
+                <a:solidFill>
+                  <a:srgbClr val="004D6F"/>
+                </a:solidFill>
+                <a:latin typeface="Arial"/>
+                <a:sym typeface="Wingdings" panose="05000000000000000000" pitchFamily="2" charset="2"/>
+              </a:rPr>
+              <a:t>d</a:t>
+            </a:r>
+            <a:r>
+              <a:rPr lang="fr-FR" sz="2000" b="1" strike="noStrike" dirty="0" smtClean="0">
+                <a:solidFill>
+                  <a:srgbClr val="004D6F"/>
+                </a:solidFill>
+                <a:latin typeface="Arial"/>
+              </a:rPr>
+              <a:t>ocumentation </a:t>
+            </a:r>
+            <a:r>
+              <a:rPr lang="fr-FR" sz="2000" b="1" strike="noStrike" dirty="0">
+                <a:solidFill>
+                  <a:srgbClr val="004D6F"/>
+                </a:solidFill>
+                <a:latin typeface="Arial"/>
+              </a:rPr>
+              <a:t>technique</a:t>
+            </a:r>
+            <a:endParaRPr dirty="0"/>
           </a:p>
           <a:p>
             <a:pPr>
@@ -9111,15 +11118,53 @@
               </a:lnSpc>
             </a:pPr>
             <a:r>
-              <a:rPr lang="fr-FR" sz="2000" b="1" strike="noStrike">
+              <a:rPr lang="fr-FR" sz="2000" b="1" strike="noStrike" dirty="0">
                 <a:solidFill>
                   <a:srgbClr val="004D6F"/>
                 </a:solidFill>
                 <a:latin typeface="Arial"/>
               </a:rPr>
-              <a:t>	Tests unitaires</a:t>
-            </a:r>
-            <a:endParaRPr/>
+              <a:t>	</a:t>
+            </a:r>
+            <a:r>
+              <a:rPr lang="fr-FR" sz="2000" b="1" strike="noStrike" dirty="0" smtClean="0">
+                <a:solidFill>
+                  <a:srgbClr val="004D6F"/>
+                </a:solidFill>
+                <a:latin typeface="Arial"/>
+                <a:sym typeface="Wingdings" panose="05000000000000000000" pitchFamily="2" charset="2"/>
+              </a:rPr>
+              <a:t> </a:t>
+            </a:r>
+            <a:r>
+              <a:rPr lang="fr-FR" sz="2000" b="1" dirty="0">
+                <a:solidFill>
+                  <a:srgbClr val="004D6F"/>
+                </a:solidFill>
+                <a:latin typeface="Arial"/>
+                <a:sym typeface="Wingdings" panose="05000000000000000000" pitchFamily="2" charset="2"/>
+              </a:rPr>
+              <a:t>t</a:t>
+            </a:r>
+            <a:r>
+              <a:rPr lang="fr-FR" sz="2000" b="1" strike="noStrike" dirty="0" smtClean="0">
+                <a:solidFill>
+                  <a:srgbClr val="004D6F"/>
+                </a:solidFill>
+                <a:latin typeface="Arial"/>
+              </a:rPr>
+              <a:t>ests </a:t>
+            </a:r>
+            <a:r>
+              <a:rPr lang="fr-FR" sz="2000" b="1" strike="noStrike" dirty="0">
+                <a:solidFill>
+                  <a:srgbClr val="004D6F"/>
+                </a:solidFill>
+                <a:latin typeface="Arial"/>
+              </a:rPr>
+              <a:t>unitaires</a:t>
+            </a:r>
+            <a:endParaRPr dirty="0"/>
           </a:p>
         </p:txBody>
       </p:sp>
@@ -9128,6 +11173,25 @@
   <p:clrMapOvr>
     <a:masterClrMapping/>
   </p:clrMapOvr>
+  <mc:AlternateContent xmlns:mc="http://schemas.openxmlformats.org/markup-compatibility/2006">
+    <mc:Choice xmlns:p14="http://schemas.microsoft.com/office/powerpoint/2010/main" Requires="p14">
+      <p:transition p14:dur="250">
+        <p:pull/>
+      </p:transition>
+    </mc:Choice>
+    <mc:Fallback>
+      <p:transition>
+        <p:pull/>
+      </p:transition>
+    </mc:Fallback>
+  </mc:AlternateContent>
+  <p:timing>
+    <p:tnLst>
+      <p:par>
+        <p:cTn id="1" dur="indefinite" restart="never" nodeType="tmRoot"/>
+      </p:par>
+    </p:tnLst>
+  </p:timing>
 </p:sld>
 </file>
 

--- a/soutenances/planification/soutenance_planification.pptx
+++ b/soutenances/planification/soutenance_planification.pptx
@@ -132,7 +132,7 @@
   </p:defaultTextStyle>
   <p:extLst>
     <p:ext uri="{521415D9-36F7-43E2-AB2F-B90AF26B5E84}">
-      <p14:sectionLst xmlns:p14="http://schemas.microsoft.com/office/powerpoint/2010/main">
+      <p14:sectionLst xmlns:p14="http://schemas.microsoft.com/office/powerpoint/2010/main" xmlns="">
         <p14:section name="Cover" id="{015DB8C2-DE27-4FCA-BBB1-6936715B0C16}">
           <p14:sldIdLst>
             <p14:sldId id="256"/>
@@ -187,7 +187,7 @@
       </p14:sectionLst>
     </p:ext>
     <p:ext uri="{EFAFB233-063F-42B5-8137-9DF3F51BA10A}">
-      <p15:sldGuideLst xmlns:p15="http://schemas.microsoft.com/office/powerpoint/2012/main">
+      <p15:sldGuideLst xmlns:p15="http://schemas.microsoft.com/office/powerpoint/2012/main" xmlns="">
         <p15:guide id="1" orient="horz" pos="2160">
           <p15:clr>
             <a:srgbClr val="A4A3A4"/>
@@ -388,7 +388,7 @@
                 <a:latin typeface="Times New Roman"/>
               </a:rPr>
               <a:pPr algn="r"/>
-              <a:t>‹#›</a:t>
+              <a:t>‹N°›</a:t>
             </a:fld>
             <a:endParaRPr/>
           </a:p>
@@ -397,7 +397,7 @@
     </p:spTree>
     <p:extLst>
       <p:ext uri="{BB962C8B-B14F-4D97-AF65-F5344CB8AC3E}">
-        <p14:creationId xmlns:p14="http://schemas.microsoft.com/office/powerpoint/2010/main" val="1273415570"/>
+        <p14:creationId xmlns:p14="http://schemas.microsoft.com/office/powerpoint/2010/main" xmlns="" val="1273415570"/>
       </p:ext>
     </p:extLst>
   </p:cSld>
@@ -591,7 +591,7 @@
     </p:spTree>
     <p:extLst>
       <p:ext uri="{BB962C8B-B14F-4D97-AF65-F5344CB8AC3E}">
-        <p14:creationId xmlns:p14="http://schemas.microsoft.com/office/powerpoint/2010/main" val="2970785675"/>
+        <p14:creationId xmlns:p14="http://schemas.microsoft.com/office/powerpoint/2010/main" xmlns="" val="2970785675"/>
       </p:ext>
     </p:extLst>
   </p:cSld>
@@ -693,7 +693,7 @@
     </p:spTree>
     <p:extLst>
       <p:ext uri="{BB962C8B-B14F-4D97-AF65-F5344CB8AC3E}">
-        <p14:creationId xmlns:p14="http://schemas.microsoft.com/office/powerpoint/2010/main" val="1387414404"/>
+        <p14:creationId xmlns:p14="http://schemas.microsoft.com/office/powerpoint/2010/main" xmlns="" val="1387414404"/>
       </p:ext>
     </p:extLst>
   </p:cSld>
@@ -803,7 +803,7 @@
     </p:spTree>
     <p:extLst>
       <p:ext uri="{BB962C8B-B14F-4D97-AF65-F5344CB8AC3E}">
-        <p14:creationId xmlns:p14="http://schemas.microsoft.com/office/powerpoint/2010/main" val="1327807792"/>
+        <p14:creationId xmlns:p14="http://schemas.microsoft.com/office/powerpoint/2010/main" xmlns="" val="1327807792"/>
       </p:ext>
     </p:extLst>
   </p:cSld>
@@ -913,7 +913,7 @@
     </p:spTree>
     <p:extLst>
       <p:ext uri="{BB962C8B-B14F-4D97-AF65-F5344CB8AC3E}">
-        <p14:creationId xmlns:p14="http://schemas.microsoft.com/office/powerpoint/2010/main" val="1893070811"/>
+        <p14:creationId xmlns:p14="http://schemas.microsoft.com/office/powerpoint/2010/main" xmlns="" val="1893070811"/>
       </p:ext>
     </p:extLst>
   </p:cSld>
@@ -946,7 +946,7 @@
     <a:masterClrMapping/>
   </p:clrMapOvr>
   <mc:AlternateContent xmlns:mc="http://schemas.openxmlformats.org/markup-compatibility/2006">
-    <mc:Choice xmlns:p14="http://schemas.microsoft.com/office/powerpoint/2010/main" Requires="p14">
+    <mc:Choice xmlns:p14="http://schemas.microsoft.com/office/powerpoint/2010/main" xmlns="" Requires="p14">
       <p:transition p14:dur="250">
         <p:pull/>
       </p:transition>
@@ -1064,7 +1064,7 @@
     <a:masterClrMapping/>
   </p:clrMapOvr>
   <mc:AlternateContent xmlns:mc="http://schemas.openxmlformats.org/markup-compatibility/2006">
-    <mc:Choice xmlns:p14="http://schemas.microsoft.com/office/powerpoint/2010/main" Requires="p14">
+    <mc:Choice xmlns:p14="http://schemas.microsoft.com/office/powerpoint/2010/main" xmlns="" Requires="p14">
       <p:transition p14:dur="250">
         <p:pull/>
       </p:transition>
@@ -1236,7 +1236,7 @@
     <a:masterClrMapping/>
   </p:clrMapOvr>
   <mc:AlternateContent xmlns:mc="http://schemas.openxmlformats.org/markup-compatibility/2006">
-    <mc:Choice xmlns:p14="http://schemas.microsoft.com/office/powerpoint/2010/main" Requires="p14">
+    <mc:Choice xmlns:p14="http://schemas.microsoft.com/office/powerpoint/2010/main" xmlns="" Requires="p14">
       <p:transition p14:dur="250">
         <p:pull/>
       </p:transition>
@@ -1400,7 +1400,7 @@
     <a:masterClrMapping/>
   </p:clrMapOvr>
   <mc:AlternateContent xmlns:mc="http://schemas.openxmlformats.org/markup-compatibility/2006">
-    <mc:Choice xmlns:p14="http://schemas.microsoft.com/office/powerpoint/2010/main" Requires="p14">
+    <mc:Choice xmlns:p14="http://schemas.microsoft.com/office/powerpoint/2010/main" xmlns="" Requires="p14">
       <p:transition p14:dur="250">
         <p:pull/>
       </p:transition>
@@ -1437,7 +1437,7 @@
     <a:masterClrMapping/>
   </p:clrMapOvr>
   <mc:AlternateContent xmlns:mc="http://schemas.openxmlformats.org/markup-compatibility/2006">
-    <mc:Choice xmlns:p14="http://schemas.microsoft.com/office/powerpoint/2010/main" Requires="p14">
+    <mc:Choice xmlns:p14="http://schemas.microsoft.com/office/powerpoint/2010/main" xmlns="" Requires="p14">
       <p:transition p14:dur="250">
         <p:pull/>
       </p:transition>
@@ -1529,7 +1529,7 @@
     <a:masterClrMapping/>
   </p:clrMapOvr>
   <mc:AlternateContent xmlns:mc="http://schemas.openxmlformats.org/markup-compatibility/2006">
-    <mc:Choice xmlns:p14="http://schemas.microsoft.com/office/powerpoint/2010/main" Requires="p14">
+    <mc:Choice xmlns:p14="http://schemas.microsoft.com/office/powerpoint/2010/main" xmlns="" Requires="p14">
       <p:transition p14:dur="250">
         <p:pull/>
       </p:transition>
@@ -1620,7 +1620,7 @@
     <a:masterClrMapping/>
   </p:clrMapOvr>
   <mc:AlternateContent xmlns:mc="http://schemas.openxmlformats.org/markup-compatibility/2006">
-    <mc:Choice xmlns:p14="http://schemas.microsoft.com/office/powerpoint/2010/main" Requires="p14">
+    <mc:Choice xmlns:p14="http://schemas.microsoft.com/office/powerpoint/2010/main" xmlns="" Requires="p14">
       <p:transition p14:dur="250">
         <p:pull/>
       </p:transition>
@@ -1738,7 +1738,7 @@
     <a:masterClrMapping/>
   </p:clrMapOvr>
   <mc:AlternateContent xmlns:mc="http://schemas.openxmlformats.org/markup-compatibility/2006">
-    <mc:Choice xmlns:p14="http://schemas.microsoft.com/office/powerpoint/2010/main" Requires="p14">
+    <mc:Choice xmlns:p14="http://schemas.microsoft.com/office/powerpoint/2010/main" xmlns="" Requires="p14">
       <p:transition p14:dur="250">
         <p:pull/>
       </p:transition>
@@ -1802,7 +1802,7 @@
     <a:masterClrMapping/>
   </p:clrMapOvr>
   <mc:AlternateContent xmlns:mc="http://schemas.openxmlformats.org/markup-compatibility/2006">
-    <mc:Choice xmlns:p14="http://schemas.microsoft.com/office/powerpoint/2010/main" Requires="p14">
+    <mc:Choice xmlns:p14="http://schemas.microsoft.com/office/powerpoint/2010/main" xmlns="" Requires="p14">
       <p:transition p14:dur="250">
         <p:pull/>
       </p:transition>
@@ -1867,7 +1867,7 @@
     <a:masterClrMapping/>
   </p:clrMapOvr>
   <mc:AlternateContent xmlns:mc="http://schemas.openxmlformats.org/markup-compatibility/2006">
-    <mc:Choice xmlns:p14="http://schemas.microsoft.com/office/powerpoint/2010/main" Requires="p14">
+    <mc:Choice xmlns:p14="http://schemas.microsoft.com/office/powerpoint/2010/main" xmlns="" Requires="p14">
       <p:transition p14:dur="250">
         <p:pull/>
       </p:transition>
@@ -2012,7 +2012,7 @@
     <a:masterClrMapping/>
   </p:clrMapOvr>
   <mc:AlternateContent xmlns:mc="http://schemas.openxmlformats.org/markup-compatibility/2006">
-    <mc:Choice xmlns:p14="http://schemas.microsoft.com/office/powerpoint/2010/main" Requires="p14">
+    <mc:Choice xmlns:p14="http://schemas.microsoft.com/office/powerpoint/2010/main" xmlns="" Requires="p14">
       <p:transition p14:dur="250">
         <p:pull/>
       </p:transition>
@@ -2104,7 +2104,7 @@
     <a:masterClrMapping/>
   </p:clrMapOvr>
   <mc:AlternateContent xmlns:mc="http://schemas.openxmlformats.org/markup-compatibility/2006">
-    <mc:Choice xmlns:p14="http://schemas.microsoft.com/office/powerpoint/2010/main" Requires="p14">
+    <mc:Choice xmlns:p14="http://schemas.microsoft.com/office/powerpoint/2010/main" xmlns="" Requires="p14">
       <p:transition p14:dur="250">
         <p:pull/>
       </p:transition>
@@ -2249,7 +2249,7 @@
     <a:masterClrMapping/>
   </p:clrMapOvr>
   <mc:AlternateContent xmlns:mc="http://schemas.openxmlformats.org/markup-compatibility/2006">
-    <mc:Choice xmlns:p14="http://schemas.microsoft.com/office/powerpoint/2010/main" Requires="p14">
+    <mc:Choice xmlns:p14="http://schemas.microsoft.com/office/powerpoint/2010/main" xmlns="" Requires="p14">
       <p:transition p14:dur="250">
         <p:pull/>
       </p:transition>
@@ -2394,7 +2394,7 @@
     <a:masterClrMapping/>
   </p:clrMapOvr>
   <mc:AlternateContent xmlns:mc="http://schemas.openxmlformats.org/markup-compatibility/2006">
-    <mc:Choice xmlns:p14="http://schemas.microsoft.com/office/powerpoint/2010/main" Requires="p14">
+    <mc:Choice xmlns:p14="http://schemas.microsoft.com/office/powerpoint/2010/main" xmlns="" Requires="p14">
       <p:transition p14:dur="250">
         <p:pull/>
       </p:transition>
@@ -2512,7 +2512,7 @@
     <a:masterClrMapping/>
   </p:clrMapOvr>
   <mc:AlternateContent xmlns:mc="http://schemas.openxmlformats.org/markup-compatibility/2006">
-    <mc:Choice xmlns:p14="http://schemas.microsoft.com/office/powerpoint/2010/main" Requires="p14">
+    <mc:Choice xmlns:p14="http://schemas.microsoft.com/office/powerpoint/2010/main" xmlns="" Requires="p14">
       <p:transition p14:dur="250">
         <p:pull/>
       </p:transition>
@@ -2684,7 +2684,7 @@
     <a:masterClrMapping/>
   </p:clrMapOvr>
   <mc:AlternateContent xmlns:mc="http://schemas.openxmlformats.org/markup-compatibility/2006">
-    <mc:Choice xmlns:p14="http://schemas.microsoft.com/office/powerpoint/2010/main" Requires="p14">
+    <mc:Choice xmlns:p14="http://schemas.microsoft.com/office/powerpoint/2010/main" xmlns="" Requires="p14">
       <p:transition p14:dur="250">
         <p:pull/>
       </p:transition>
@@ -2848,7 +2848,7 @@
     <a:masterClrMapping/>
   </p:clrMapOvr>
   <mc:AlternateContent xmlns:mc="http://schemas.openxmlformats.org/markup-compatibility/2006">
-    <mc:Choice xmlns:p14="http://schemas.microsoft.com/office/powerpoint/2010/main" Requires="p14">
+    <mc:Choice xmlns:p14="http://schemas.microsoft.com/office/powerpoint/2010/main" xmlns="" Requires="p14">
       <p:transition p14:dur="250">
         <p:pull/>
       </p:transition>
@@ -2939,7 +2939,7 @@
     <a:masterClrMapping/>
   </p:clrMapOvr>
   <mc:AlternateContent xmlns:mc="http://schemas.openxmlformats.org/markup-compatibility/2006">
-    <mc:Choice xmlns:p14="http://schemas.microsoft.com/office/powerpoint/2010/main" Requires="p14">
+    <mc:Choice xmlns:p14="http://schemas.microsoft.com/office/powerpoint/2010/main" xmlns="" Requires="p14">
       <p:transition p14:dur="250">
         <p:pull/>
       </p:transition>
@@ -3057,7 +3057,7 @@
     <a:masterClrMapping/>
   </p:clrMapOvr>
   <mc:AlternateContent xmlns:mc="http://schemas.openxmlformats.org/markup-compatibility/2006">
-    <mc:Choice xmlns:p14="http://schemas.microsoft.com/office/powerpoint/2010/main" Requires="p14">
+    <mc:Choice xmlns:p14="http://schemas.microsoft.com/office/powerpoint/2010/main" xmlns="" Requires="p14">
       <p:transition p14:dur="250">
         <p:pull/>
       </p:transition>
@@ -3121,7 +3121,7 @@
     <a:masterClrMapping/>
   </p:clrMapOvr>
   <mc:AlternateContent xmlns:mc="http://schemas.openxmlformats.org/markup-compatibility/2006">
-    <mc:Choice xmlns:p14="http://schemas.microsoft.com/office/powerpoint/2010/main" Requires="p14">
+    <mc:Choice xmlns:p14="http://schemas.microsoft.com/office/powerpoint/2010/main" xmlns="" Requires="p14">
       <p:transition p14:dur="250">
         <p:pull/>
       </p:transition>
@@ -3186,7 +3186,7 @@
     <a:masterClrMapping/>
   </p:clrMapOvr>
   <mc:AlternateContent xmlns:mc="http://schemas.openxmlformats.org/markup-compatibility/2006">
-    <mc:Choice xmlns:p14="http://schemas.microsoft.com/office/powerpoint/2010/main" Requires="p14">
+    <mc:Choice xmlns:p14="http://schemas.microsoft.com/office/powerpoint/2010/main" xmlns="" Requires="p14">
       <p:transition p14:dur="250">
         <p:pull/>
       </p:transition>
@@ -3331,7 +3331,7 @@
     <a:masterClrMapping/>
   </p:clrMapOvr>
   <mc:AlternateContent xmlns:mc="http://schemas.openxmlformats.org/markup-compatibility/2006">
-    <mc:Choice xmlns:p14="http://schemas.microsoft.com/office/powerpoint/2010/main" Requires="p14">
+    <mc:Choice xmlns:p14="http://schemas.microsoft.com/office/powerpoint/2010/main" xmlns="" Requires="p14">
       <p:transition p14:dur="250">
         <p:pull/>
       </p:transition>
@@ -3476,7 +3476,7 @@
     <a:masterClrMapping/>
   </p:clrMapOvr>
   <mc:AlternateContent xmlns:mc="http://schemas.openxmlformats.org/markup-compatibility/2006">
-    <mc:Choice xmlns:p14="http://schemas.microsoft.com/office/powerpoint/2010/main" Requires="p14">
+    <mc:Choice xmlns:p14="http://schemas.microsoft.com/office/powerpoint/2010/main" xmlns="" Requires="p14">
       <p:transition p14:dur="250">
         <p:pull/>
       </p:transition>
@@ -3621,7 +3621,7 @@
     <a:masterClrMapping/>
   </p:clrMapOvr>
   <mc:AlternateContent xmlns:mc="http://schemas.openxmlformats.org/markup-compatibility/2006">
-    <mc:Choice xmlns:p14="http://schemas.microsoft.com/office/powerpoint/2010/main" Requires="p14">
+    <mc:Choice xmlns:p14="http://schemas.microsoft.com/office/powerpoint/2010/main" xmlns="" Requires="p14">
       <p:transition p14:dur="250">
         <p:pull/>
       </p:transition>
@@ -4020,7 +4020,7 @@
                   <a:spcPct val="100000"/>
                 </a:lnSpc>
               </a:pPr>
-              <a:t>‹#›</a:t>
+              <a:t>‹N°›</a:t>
             </a:fld>
             <a:endParaRPr/>
           </a:p>
@@ -4703,7 +4703,7 @@
     <p:sldLayoutId id="2147483660" r:id="rId12"/>
   </p:sldLayoutIdLst>
   <mc:AlternateContent xmlns:mc="http://schemas.openxmlformats.org/markup-compatibility/2006">
-    <mc:Choice xmlns:p14="http://schemas.microsoft.com/office/powerpoint/2010/main" Requires="p14">
+    <mc:Choice xmlns:p14="http://schemas.microsoft.com/office/powerpoint/2010/main" xmlns="" Requires="p14">
       <p:transition p14:dur="250">
         <p:pull/>
       </p:transition>
@@ -5107,7 +5107,7 @@
                   <a:spcPct val="100000"/>
                 </a:lnSpc>
               </a:pPr>
-              <a:t>‹#›</a:t>
+              <a:t>‹N°›</a:t>
             </a:fld>
             <a:endParaRPr/>
           </a:p>
@@ -5504,7 +5504,7 @@
                   <a:spcPct val="100000"/>
                 </a:lnSpc>
               </a:pPr>
-              <a:t>‹#›</a:t>
+              <a:t>‹N°›</a:t>
             </a:fld>
             <a:endParaRPr/>
           </a:p>
@@ -5528,7 +5528,7 @@
     <p:sldLayoutId id="2147483673" r:id="rId12"/>
   </p:sldLayoutIdLst>
   <mc:AlternateContent xmlns:mc="http://schemas.openxmlformats.org/markup-compatibility/2006">
-    <mc:Choice xmlns:p14="http://schemas.microsoft.com/office/powerpoint/2010/main" Requires="p14">
+    <mc:Choice xmlns:p14="http://schemas.microsoft.com/office/powerpoint/2010/main" xmlns="" Requires="p14">
       <p:transition p14:dur="250">
         <p:pull/>
       </p:transition>
@@ -6058,7 +6058,7 @@
     <a:masterClrMapping/>
   </p:clrMapOvr>
   <mc:AlternateContent xmlns:mc="http://schemas.openxmlformats.org/markup-compatibility/2006">
-    <mc:Choice xmlns:p14="http://schemas.microsoft.com/office/powerpoint/2010/main" Requires="p14">
+    <mc:Choice xmlns:p14="http://schemas.microsoft.com/office/powerpoint/2010/main" xmlns="" Requires="p14">
       <p:transition p14:dur="250">
         <p:pull/>
       </p:transition>
@@ -6236,7 +6236,7 @@
     <a:masterClrMapping/>
   </p:clrMapOvr>
   <mc:AlternateContent xmlns:mc="http://schemas.openxmlformats.org/markup-compatibility/2006">
-    <mc:Choice xmlns:p14="http://schemas.microsoft.com/office/powerpoint/2010/main" Requires="p14">
+    <mc:Choice xmlns:p14="http://schemas.microsoft.com/office/powerpoint/2010/main" xmlns="" Requires="p14">
       <p:transition p14:dur="250">
         <p:pull/>
       </p:transition>
@@ -6394,7 +6394,7 @@
     <a:masterClrMapping/>
   </p:clrMapOvr>
   <mc:AlternateContent xmlns:mc="http://schemas.openxmlformats.org/markup-compatibility/2006">
-    <mc:Choice xmlns:p14="http://schemas.microsoft.com/office/powerpoint/2010/main" Requires="p14">
+    <mc:Choice xmlns:p14="http://schemas.microsoft.com/office/powerpoint/2010/main" xmlns="" Requires="p14">
       <p:transition p14:dur="250">
         <p:pull/>
       </p:transition>
@@ -6533,8 +6533,33 @@
                 </a:solidFill>
                 <a:latin typeface="Arial"/>
               </a:rPr>
-              <a:t>Rapport de conception : </a:t>
-            </a:r>
+              <a:t>Rapport de conception </a:t>
+            </a:r>
+            <a:r>
+              <a:rPr lang="fr-FR" sz="2000" b="1" strike="noStrike">
+                <a:solidFill>
+                  <a:srgbClr val="004D6F"/>
+                </a:solidFill>
+                <a:latin typeface="Arial"/>
+              </a:rPr>
+              <a:t>: </a:t>
+            </a:r>
+            <a:r>
+              <a:rPr lang="fr-FR" sz="2000" b="1" strike="noStrike" smtClean="0">
+                <a:solidFill>
+                  <a:srgbClr val="004D6F"/>
+                </a:solidFill>
+                <a:latin typeface="Arial"/>
+              </a:rPr>
+              <a:t>12 février</a:t>
+            </a:r>
+          </a:p>
+          <a:p>
+            <a:pPr>
+              <a:lnSpc>
+                <a:spcPct val="100000"/>
+              </a:lnSpc>
+            </a:pPr>
             <a:endParaRPr dirty="0"/>
           </a:p>
           <a:p>
@@ -6544,42 +6569,57 @@
               </a:lnSpc>
             </a:pPr>
             <a:r>
-              <a:rPr lang="fr-FR" sz="2000" b="1" strike="noStrike" dirty="0">
+              <a:rPr lang="fr-FR" sz="2000" b="1" strike="noStrike" smtClean="0">
                 <a:solidFill>
                   <a:srgbClr val="004D6F"/>
                 </a:solidFill>
                 <a:latin typeface="Arial"/>
               </a:rPr>
-              <a:t>Rapport </a:t>
-            </a:r>
-            <a:r>
-              <a:rPr lang="fr-FR" sz="2000" b="1" dirty="0" smtClean="0">
+              <a:t>Vacances </a:t>
+            </a:r>
+            <a:r>
+              <a:rPr lang="fr-FR" sz="2000" b="1" strike="noStrike" smtClean="0">
                 <a:solidFill>
                   <a:srgbClr val="004D6F"/>
                 </a:solidFill>
                 <a:latin typeface="Arial"/>
               </a:rPr>
-              <a:t>final</a:t>
-            </a:r>
-            <a:r>
-              <a:rPr lang="fr-FR" sz="2000" b="1" strike="noStrike" dirty="0" smtClean="0">
+              <a:t>:  - du 16 au 20 février</a:t>
+            </a:r>
+          </a:p>
+          <a:p>
+            <a:pPr>
+              <a:lnSpc>
+                <a:spcPct val="100000"/>
+              </a:lnSpc>
+            </a:pPr>
+            <a:r>
+              <a:rPr lang="fr-FR" sz="2000" b="1" smtClean="0">
                 <a:solidFill>
                   <a:srgbClr val="004D6F"/>
                 </a:solidFill>
                 <a:latin typeface="Arial"/>
               </a:rPr>
-              <a:t> </a:t>
-            </a:r>
-            <a:r>
-              <a:rPr lang="fr-FR" sz="2000" b="1" strike="noStrike" dirty="0">
+              <a:t>	 </a:t>
+            </a:r>
+            <a:r>
+              <a:rPr lang="fr-FR" sz="2000" b="1" smtClean="0">
                 <a:solidFill>
                   <a:srgbClr val="004D6F"/>
                 </a:solidFill>
                 <a:latin typeface="Arial"/>
               </a:rPr>
-              <a:t>: </a:t>
-            </a:r>
-            <a:endParaRPr dirty="0"/>
+              <a:t>       </a:t>
+            </a:r>
+            <a:r>
+              <a:rPr lang="fr-FR" sz="2000" b="1" strike="noStrike" smtClean="0">
+                <a:solidFill>
+                  <a:srgbClr val="004D6F"/>
+                </a:solidFill>
+                <a:latin typeface="Arial"/>
+              </a:rPr>
+              <a:t>- du 13 au 24 avril</a:t>
+            </a:r>
           </a:p>
           <a:p>
             <a:pPr>
@@ -6587,25 +6627,52 @@
                 <a:spcPct val="100000"/>
               </a:lnSpc>
             </a:pPr>
-            <a:r>
-              <a:rPr lang="fr-FR" sz="2000" b="1" strike="noStrike" dirty="0">
+            <a:endParaRPr lang="fr-FR" sz="2000" b="1" smtClean="0">
+              <a:solidFill>
+                <a:srgbClr val="004D6F"/>
+              </a:solidFill>
+              <a:latin typeface="Arial"/>
+            </a:endParaRPr>
+          </a:p>
+          <a:p>
+            <a:r>
+              <a:rPr lang="fr-FR" sz="2000" b="1" smtClean="0">
                 <a:solidFill>
                   <a:srgbClr val="004D6F"/>
                 </a:solidFill>
-                <a:latin typeface="Arial"/>
-              </a:rPr>
-              <a:t>Livraison </a:t>
-            </a:r>
-            <a:r>
-              <a:rPr lang="fr-FR" sz="2000" b="1" strike="noStrike" dirty="0" smtClean="0">
+              </a:rPr>
+              <a:t>Semaine bloquée : du 18 au 24 mai</a:t>
+            </a:r>
+            <a:endParaRPr lang="fr-FR" sz="2000" smtClean="0"/>
+          </a:p>
+          <a:p>
+            <a:pPr>
+              <a:lnSpc>
+                <a:spcPct val="100000"/>
+              </a:lnSpc>
+            </a:pPr>
+            <a:endParaRPr lang="fr-FR" sz="2000" b="1" smtClean="0">
+              <a:solidFill>
+                <a:srgbClr val="004D6F"/>
+              </a:solidFill>
+              <a:latin typeface="Arial"/>
+            </a:endParaRPr>
+          </a:p>
+          <a:p>
+            <a:pPr>
+              <a:lnSpc>
+                <a:spcPct val="100000"/>
+              </a:lnSpc>
+            </a:pPr>
+            <a:r>
+              <a:rPr lang="fr-FR" b="1" smtClean="0">
                 <a:solidFill>
                   <a:srgbClr val="004D6F"/>
                 </a:solidFill>
-                <a:latin typeface="Arial"/>
-              </a:rPr>
-              <a:t>:</a:t>
-            </a:r>
-            <a:endParaRPr dirty="0"/>
+              </a:rPr>
+              <a:t>Rapport final et livraison : 26 mai</a:t>
+            </a:r>
+            <a:endParaRPr lang="fr-FR" smtClean="0"/>
           </a:p>
           <a:p>
             <a:pPr>
@@ -6613,7 +6680,7 @@
                 <a:spcPct val="100000"/>
               </a:lnSpc>
             </a:pPr>
-            <a:endParaRPr dirty="0"/>
+            <a:endParaRPr lang="fr-FR" smtClean="0"/>
           </a:p>
           <a:p>
             <a:pPr>
@@ -6621,57 +6688,6 @@
                 <a:spcPct val="100000"/>
               </a:lnSpc>
             </a:pPr>
-            <a:r>
-              <a:rPr lang="fr-FR" sz="2000" b="1" strike="noStrike" dirty="0">
-                <a:solidFill>
-                  <a:srgbClr val="004D6F"/>
-                </a:solidFill>
-                <a:latin typeface="Arial"/>
-              </a:rPr>
-              <a:t>Semaines </a:t>
-            </a:r>
-            <a:r>
-              <a:rPr lang="fr-FR" sz="2000" b="1" strike="noStrike" dirty="0" smtClean="0">
-                <a:solidFill>
-                  <a:srgbClr val="004D6F"/>
-                </a:solidFill>
-                <a:latin typeface="Arial"/>
-              </a:rPr>
-              <a:t>bloquées :</a:t>
-            </a:r>
-            <a:endParaRPr dirty="0"/>
-          </a:p>
-          <a:p>
-            <a:pPr>
-              <a:lnSpc>
-                <a:spcPct val="100000"/>
-              </a:lnSpc>
-            </a:pPr>
-            <a:endParaRPr lang="fr-FR" dirty="0" smtClean="0"/>
-          </a:p>
-          <a:p>
-            <a:pPr>
-              <a:lnSpc>
-                <a:spcPct val="100000"/>
-              </a:lnSpc>
-            </a:pPr>
-            <a:endParaRPr dirty="0"/>
-          </a:p>
-          <a:p>
-            <a:pPr>
-              <a:lnSpc>
-                <a:spcPct val="100000"/>
-              </a:lnSpc>
-            </a:pPr>
-            <a:r>
-              <a:rPr lang="fr-FR" sz="2000" b="1" strike="noStrike" dirty="0" smtClean="0">
-                <a:solidFill>
-                  <a:srgbClr val="004D6F"/>
-                </a:solidFill>
-                <a:latin typeface="Arial"/>
-              </a:rPr>
-              <a:t>Vacances :</a:t>
-            </a:r>
             <a:endParaRPr dirty="0"/>
           </a:p>
         </p:txBody>
@@ -6682,7 +6698,7 @@
     <a:masterClrMapping/>
   </p:clrMapOvr>
   <mc:AlternateContent xmlns:mc="http://schemas.openxmlformats.org/markup-compatibility/2006">
-    <mc:Choice xmlns:p14="http://schemas.microsoft.com/office/powerpoint/2010/main" Requires="p14">
+    <mc:Choice xmlns:p14="http://schemas.microsoft.com/office/powerpoint/2010/main" xmlns="" Requires="p14">
       <p:transition p14:dur="250">
         <p:pull/>
       </p:transition>
@@ -6794,7 +6810,7 @@
     <a:masterClrMapping/>
   </p:clrMapOvr>
   <mc:AlternateContent xmlns:mc="http://schemas.openxmlformats.org/markup-compatibility/2006">
-    <mc:Choice xmlns:p14="http://schemas.microsoft.com/office/powerpoint/2010/main" Requires="p14">
+    <mc:Choice xmlns:p14="http://schemas.microsoft.com/office/powerpoint/2010/main" xmlns="" Requires="p14">
       <p:transition spd="slow" p14:dur="1500">
         <p14:vortex dir="r"/>
       </p:transition>
@@ -6936,7 +6952,7 @@
     <a:masterClrMapping/>
   </p:clrMapOvr>
   <mc:AlternateContent xmlns:mc="http://schemas.openxmlformats.org/markup-compatibility/2006">
-    <mc:Choice xmlns:p14="http://schemas.microsoft.com/office/powerpoint/2010/main" Requires="p14">
+    <mc:Choice xmlns:p14="http://schemas.microsoft.com/office/powerpoint/2010/main" xmlns="" Requires="p14">
       <p:transition p14:dur="250">
         <p:pull/>
       </p:transition>
@@ -7077,7 +7093,7 @@
           <a:blip r:embed="rId2" cstate="print">
             <a:extLst>
               <a:ext uri="{28A0092B-C50C-407E-A947-70E740481C1C}">
-                <a14:useLocalDpi xmlns:a14="http://schemas.microsoft.com/office/drawing/2010/main" val="0"/>
+                <a14:useLocalDpi xmlns:a14="http://schemas.microsoft.com/office/drawing/2010/main" xmlns="" val="0"/>
               </a:ext>
             </a:extLst>
           </a:blip>
@@ -7107,7 +7123,7 @@
           <a:blip r:embed="rId3" cstate="print">
             <a:extLst>
               <a:ext uri="{28A0092B-C50C-407E-A947-70E740481C1C}">
-                <a14:useLocalDpi xmlns:a14="http://schemas.microsoft.com/office/drawing/2010/main" val="0"/>
+                <a14:useLocalDpi xmlns:a14="http://schemas.microsoft.com/office/drawing/2010/main" xmlns="" val="0"/>
               </a:ext>
             </a:extLst>
           </a:blip>
@@ -7134,10 +7150,10 @@
           <p:nvPr/>
         </p:nvPicPr>
         <p:blipFill>
-          <a:blip r:embed="rId4">
+          <a:blip r:embed="rId4" cstate="print">
             <a:extLst>
               <a:ext uri="{28A0092B-C50C-407E-A947-70E740481C1C}">
-                <a14:useLocalDpi xmlns:a14="http://schemas.microsoft.com/office/drawing/2010/main" val="0"/>
+                <a14:useLocalDpi xmlns:a14="http://schemas.microsoft.com/office/drawing/2010/main" xmlns="" val="0"/>
               </a:ext>
             </a:extLst>
           </a:blip>
@@ -7251,7 +7267,7 @@
     <a:masterClrMapping/>
   </p:clrMapOvr>
   <mc:AlternateContent xmlns:mc="http://schemas.openxmlformats.org/markup-compatibility/2006">
-    <mc:Choice xmlns:p14="http://schemas.microsoft.com/office/powerpoint/2010/main" Requires="p14">
+    <mc:Choice xmlns:p14="http://schemas.microsoft.com/office/powerpoint/2010/main" xmlns="" Requires="p14">
       <p:transition p14:dur="250">
         <p:pull/>
       </p:transition>
@@ -7924,10 +7940,10 @@
           <p:nvPr/>
         </p:nvPicPr>
         <p:blipFill>
-          <a:blip r:embed="rId2">
+          <a:blip r:embed="rId2" cstate="print">
             <a:extLst>
               <a:ext uri="{28A0092B-C50C-407E-A947-70E740481C1C}">
-                <a14:useLocalDpi xmlns:a14="http://schemas.microsoft.com/office/drawing/2010/main" val="0"/>
+                <a14:useLocalDpi xmlns:a14="http://schemas.microsoft.com/office/drawing/2010/main" xmlns="" val="0"/>
               </a:ext>
             </a:extLst>
           </a:blip>
@@ -7954,10 +7970,10 @@
           <p:nvPr/>
         </p:nvPicPr>
         <p:blipFill>
-          <a:blip r:embed="rId3">
+          <a:blip r:embed="rId3" cstate="print">
             <a:extLst>
               <a:ext uri="{28A0092B-C50C-407E-A947-70E740481C1C}">
-                <a14:useLocalDpi xmlns:a14="http://schemas.microsoft.com/office/drawing/2010/main" val="0"/>
+                <a14:useLocalDpi xmlns:a14="http://schemas.microsoft.com/office/drawing/2010/main" xmlns="" val="0"/>
               </a:ext>
             </a:extLst>
           </a:blip>
@@ -7967,8 +7983,8 @@
         </p:blipFill>
         <p:spPr>
           <a:xfrm>
-            <a:off x="5020297" y="2301218"/>
-            <a:ext cx="2857500" cy="2857500"/>
+            <a:off x="5292080" y="2564904"/>
+            <a:ext cx="2441701" cy="2441701"/>
           </a:xfrm>
           <a:prstGeom prst="rect">
             <a:avLst/>
@@ -7981,7 +7997,7 @@
     <a:masterClrMapping/>
   </p:clrMapOvr>
   <mc:AlternateContent xmlns:mc="http://schemas.openxmlformats.org/markup-compatibility/2006">
-    <mc:Choice xmlns:p14="http://schemas.microsoft.com/office/powerpoint/2010/main" Requires="p14">
+    <mc:Choice xmlns:p14="http://schemas.microsoft.com/office/powerpoint/2010/main" xmlns="" Requires="p14">
       <p:transition p14:dur="250">
         <p:pull/>
       </p:transition>
@@ -8120,33 +8136,21 @@
                 </a:solidFill>
                 <a:latin typeface="Arial"/>
               </a:rPr>
-              <a:t>Pilotage par les délais</a:t>
-            </a:r>
-            <a:endParaRPr/>
-          </a:p>
-          <a:p>
-            <a:pPr>
-              <a:lnSpc>
-                <a:spcPct val="100000"/>
-              </a:lnSpc>
-            </a:pPr>
-            <a:r>
-              <a:rPr lang="fr-FR" sz="2000" b="1" strike="noStrike">
+              <a:t>Pilotage par les </a:t>
+            </a:r>
+            <a:r>
+              <a:rPr lang="fr-FR" sz="2000" b="1" strike="noStrike" smtClean="0">
                 <a:solidFill>
                   <a:srgbClr val="004D6F"/>
                 </a:solidFill>
                 <a:latin typeface="Arial"/>
               </a:rPr>
-              <a:t>Pilotage par le fait que certaines tâches doivent être faites avant d’autres</a:t>
-            </a:r>
-            <a:endParaRPr/>
-          </a:p>
-          <a:p>
-            <a:pPr>
-              <a:lnSpc>
-                <a:spcPct val="100000"/>
-              </a:lnSpc>
-            </a:pPr>
+              <a:t>délais de chaque version</a:t>
+            </a:r>
+            <a:r>
+              <a:rPr lang="fr-FR" smtClean="0"/>
+              <a:t> </a:t>
+            </a:r>
             <a:endParaRPr/>
           </a:p>
         </p:txBody>
@@ -8160,10 +8164,10 @@
           <p:nvPr/>
         </p:nvPicPr>
         <p:blipFill>
-          <a:blip r:embed="rId2">
+          <a:blip r:embed="rId2" cstate="print">
             <a:extLst>
               <a:ext uri="{28A0092B-C50C-407E-A947-70E740481C1C}">
-                <a14:useLocalDpi xmlns:a14="http://schemas.microsoft.com/office/drawing/2010/main" val="0"/>
+                <a14:useLocalDpi xmlns:a14="http://schemas.microsoft.com/office/drawing/2010/main" xmlns="" val="0"/>
               </a:ext>
             </a:extLst>
           </a:blip>
@@ -8187,7 +8191,7 @@
     <a:masterClrMapping/>
   </p:clrMapOvr>
   <mc:AlternateContent xmlns:mc="http://schemas.openxmlformats.org/markup-compatibility/2006">
-    <mc:Choice xmlns:p14="http://schemas.microsoft.com/office/powerpoint/2010/main" Requires="p14">
+    <mc:Choice xmlns:p14="http://schemas.microsoft.com/office/powerpoint/2010/main" xmlns="" Requires="p14">
       <p:transition p14:dur="250">
         <p:pull/>
       </p:transition>
@@ -8299,7 +8303,7 @@
     <a:masterClrMapping/>
   </p:clrMapOvr>
   <mc:AlternateContent xmlns:mc="http://schemas.openxmlformats.org/markup-compatibility/2006">
-    <mc:Choice xmlns:p14="http://schemas.microsoft.com/office/powerpoint/2010/main" Requires="p14">
+    <mc:Choice xmlns:p14="http://schemas.microsoft.com/office/powerpoint/2010/main" xmlns="" Requires="p14">
       <p:transition spd="slow" p14:dur="1500">
         <p14:vortex dir="r"/>
       </p:transition>
@@ -8449,10 +8453,10 @@
           <p:nvPr/>
         </p:nvPicPr>
         <p:blipFill>
-          <a:blip r:embed="rId2">
+          <a:blip r:embed="rId2" cstate="print">
             <a:extLst>
               <a:ext uri="{28A0092B-C50C-407E-A947-70E740481C1C}">
-                <a14:useLocalDpi xmlns:a14="http://schemas.microsoft.com/office/drawing/2010/main" val="0"/>
+                <a14:useLocalDpi xmlns:a14="http://schemas.microsoft.com/office/drawing/2010/main" xmlns="" val="0"/>
               </a:ext>
             </a:extLst>
           </a:blip>
@@ -8536,7 +8540,7 @@
     <a:masterClrMapping/>
   </p:clrMapOvr>
   <mc:AlternateContent xmlns:mc="http://schemas.openxmlformats.org/markup-compatibility/2006">
-    <mc:Choice xmlns:p14="http://schemas.microsoft.com/office/powerpoint/2010/main" Requires="p14">
+    <mc:Choice xmlns:p14="http://schemas.microsoft.com/office/powerpoint/2010/main" xmlns="" Requires="p14">
       <p:transition p14:dur="250">
         <p:pull/>
       </p:transition>
@@ -8949,7 +8953,7 @@
     <a:masterClrMapping/>
   </p:clrMapOvr>
   <mc:AlternateContent xmlns:mc="http://schemas.openxmlformats.org/markup-compatibility/2006">
-    <mc:Choice xmlns:p14="http://schemas.microsoft.com/office/powerpoint/2010/main" Requires="p14">
+    <mc:Choice xmlns:p14="http://schemas.microsoft.com/office/powerpoint/2010/main" xmlns="" Requires="p14">
       <p:transition spd="slow" p14:dur="1500">
         <p14:vortex dir="r"/>
       </p:transition>
@@ -9133,7 +9137,7 @@
     <a:masterClrMapping/>
   </p:clrMapOvr>
   <mc:AlternateContent xmlns:mc="http://schemas.openxmlformats.org/markup-compatibility/2006">
-    <mc:Choice xmlns:p14="http://schemas.microsoft.com/office/powerpoint/2010/main" Requires="p14">
+    <mc:Choice xmlns:p14="http://schemas.microsoft.com/office/powerpoint/2010/main" xmlns="" Requires="p14">
       <p:transition p14:dur="250">
         <p:pull/>
       </p:transition>
@@ -9311,10 +9315,10 @@
           <p:nvPr/>
         </p:nvPicPr>
         <p:blipFill>
-          <a:blip r:embed="rId2">
+          <a:blip r:embed="rId2" cstate="print">
             <a:extLst>
               <a:ext uri="{28A0092B-C50C-407E-A947-70E740481C1C}">
-                <a14:useLocalDpi xmlns:a14="http://schemas.microsoft.com/office/drawing/2010/main" val="0"/>
+                <a14:useLocalDpi xmlns:a14="http://schemas.microsoft.com/office/drawing/2010/main" xmlns="" val="0"/>
               </a:ext>
             </a:extLst>
           </a:blip>
@@ -9338,7 +9342,7 @@
     <a:masterClrMapping/>
   </p:clrMapOvr>
   <mc:AlternateContent xmlns:mc="http://schemas.openxmlformats.org/markup-compatibility/2006">
-    <mc:Choice xmlns:p14="http://schemas.microsoft.com/office/powerpoint/2010/main" Requires="p14">
+    <mc:Choice xmlns:p14="http://schemas.microsoft.com/office/powerpoint/2010/main" xmlns="" Requires="p14">
       <p:transition p14:dur="250">
         <p:pull/>
       </p:transition>
@@ -9447,7 +9451,7 @@
     </p:spTree>
     <p:extLst>
       <p:ext uri="{BB962C8B-B14F-4D97-AF65-F5344CB8AC3E}">
-        <p14:creationId xmlns:p14="http://schemas.microsoft.com/office/powerpoint/2010/main" val="1585855229"/>
+        <p14:creationId xmlns:p14="http://schemas.microsoft.com/office/powerpoint/2010/main" xmlns="" val="1585855229"/>
       </p:ext>
     </p:extLst>
   </p:cSld>
@@ -9455,7 +9459,7 @@
     <a:masterClrMapping/>
   </p:clrMapOvr>
   <mc:AlternateContent xmlns:mc="http://schemas.openxmlformats.org/markup-compatibility/2006">
-    <mc:Choice xmlns:p14="http://schemas.microsoft.com/office/powerpoint/2010/main" Requires="p14">
+    <mc:Choice xmlns:p14="http://schemas.microsoft.com/office/powerpoint/2010/main" xmlns="" Requires="p14">
       <p:transition spd="slow" p14:dur="1500">
         <p14:vortex dir="r"/>
       </p:transition>
@@ -9529,10 +9533,10 @@
           <p:nvPr/>
         </p:nvPicPr>
         <p:blipFill>
-          <a:blip r:embed="rId2">
+          <a:blip r:embed="rId2" cstate="print">
             <a:extLst>
               <a:ext uri="{28A0092B-C50C-407E-A947-70E740481C1C}">
-                <a14:useLocalDpi xmlns:a14="http://schemas.microsoft.com/office/drawing/2010/main" val="0"/>
+                <a14:useLocalDpi xmlns:a14="http://schemas.microsoft.com/office/drawing/2010/main" xmlns="" val="0"/>
               </a:ext>
             </a:extLst>
           </a:blip>
@@ -9587,7 +9591,7 @@
     <a:masterClrMapping/>
   </p:clrMapOvr>
   <mc:AlternateContent xmlns:mc="http://schemas.openxmlformats.org/markup-compatibility/2006">
-    <mc:Choice xmlns:p14="http://schemas.microsoft.com/office/powerpoint/2010/main" Requires="p14">
+    <mc:Choice xmlns:p14="http://schemas.microsoft.com/office/powerpoint/2010/main" xmlns="" Requires="p14">
       <p:transition spd="slow" p14:dur="7500">
         <p14:honeycomb/>
       </p:transition>
@@ -9675,10 +9679,10 @@
           <p:nvPr/>
         </p:nvPicPr>
         <p:blipFill>
-          <a:blip r:embed="rId2">
+          <a:blip r:embed="rId2" cstate="print">
             <a:extLst>
               <a:ext uri="{28A0092B-C50C-407E-A947-70E740481C1C}">
-                <a14:useLocalDpi xmlns:a14="http://schemas.microsoft.com/office/drawing/2010/main" val="0"/>
+                <a14:useLocalDpi xmlns:a14="http://schemas.microsoft.com/office/drawing/2010/main" xmlns="" val="0"/>
               </a:ext>
             </a:extLst>
           </a:blip>
@@ -9725,7 +9729,7 @@
     <a:masterClrMapping/>
   </p:clrMapOvr>
   <mc:AlternateContent xmlns:mc="http://schemas.openxmlformats.org/markup-compatibility/2006">
-    <mc:Choice xmlns:p14="http://schemas.microsoft.com/office/powerpoint/2010/main" Requires="p14">
+    <mc:Choice xmlns:p14="http://schemas.microsoft.com/office/powerpoint/2010/main" xmlns="" Requires="p14">
       <p:transition p14:dur="250">
         <p:pull/>
       </p:transition>
@@ -9906,7 +9910,7 @@
     <a:masterClrMapping/>
   </p:clrMapOvr>
   <mc:AlternateContent xmlns:mc="http://schemas.openxmlformats.org/markup-compatibility/2006">
-    <mc:Choice xmlns:p14="http://schemas.microsoft.com/office/powerpoint/2010/main" Requires="p14">
+    <mc:Choice xmlns:p14="http://schemas.microsoft.com/office/powerpoint/2010/main" xmlns="" Requires="p14">
       <p:transition p14:dur="250">
         <p:pull/>
       </p:transition>
@@ -10084,7 +10088,7 @@
     <a:masterClrMapping/>
   </p:clrMapOvr>
   <mc:AlternateContent xmlns:mc="http://schemas.openxmlformats.org/markup-compatibility/2006">
-    <mc:Choice xmlns:p14="http://schemas.microsoft.com/office/powerpoint/2010/main" Requires="p14">
+    <mc:Choice xmlns:p14="http://schemas.microsoft.com/office/powerpoint/2010/main" xmlns="" Requires="p14">
       <p:transition p14:dur="250">
         <p:pull/>
       </p:transition>
@@ -10486,7 +10490,7 @@
     <a:masterClrMapping/>
   </p:clrMapOvr>
   <mc:AlternateContent xmlns:mc="http://schemas.openxmlformats.org/markup-compatibility/2006">
-    <mc:Choice xmlns:p14="http://schemas.microsoft.com/office/powerpoint/2010/main" Requires="p14">
+    <mc:Choice xmlns:p14="http://schemas.microsoft.com/office/powerpoint/2010/main" xmlns="" Requires="p14">
       <p:transition p14:dur="250">
         <p:pull/>
       </p:transition>
@@ -10618,7 +10622,7 @@
     <a:masterClrMapping/>
   </p:clrMapOvr>
   <mc:AlternateContent xmlns:mc="http://schemas.openxmlformats.org/markup-compatibility/2006">
-    <mc:Choice xmlns:p14="http://schemas.microsoft.com/office/powerpoint/2010/main" Requires="p14">
+    <mc:Choice xmlns:p14="http://schemas.microsoft.com/office/powerpoint/2010/main" xmlns="" Requires="p14">
       <p:transition spd="slow" p14:dur="1500">
         <p14:vortex dir="r"/>
       </p:transition>
@@ -10879,7 +10883,7 @@
     <a:masterClrMapping/>
   </p:clrMapOvr>
   <mc:AlternateContent xmlns:mc="http://schemas.openxmlformats.org/markup-compatibility/2006">
-    <mc:Choice xmlns:p14="http://schemas.microsoft.com/office/powerpoint/2010/main" Requires="p14">
+    <mc:Choice xmlns:p14="http://schemas.microsoft.com/office/powerpoint/2010/main" xmlns="" Requires="p14">
       <p:transition p14:dur="250">
         <p:pull/>
       </p:transition>
@@ -11174,7 +11178,7 @@
     <a:masterClrMapping/>
   </p:clrMapOvr>
   <mc:AlternateContent xmlns:mc="http://schemas.openxmlformats.org/markup-compatibility/2006">
-    <mc:Choice xmlns:p14="http://schemas.microsoft.com/office/powerpoint/2010/main" Requires="p14">
+    <mc:Choice xmlns:p14="http://schemas.microsoft.com/office/powerpoint/2010/main" xmlns="" Requires="p14">
       <p:transition p14:dur="250">
         <p:pull/>
       </p:transition>

--- a/soutenances/planification/soutenance_planification.pptx
+++ b/soutenances/planification/soutenance_planification.pptx
@@ -132,7 +132,7 @@
   </p:defaultTextStyle>
   <p:extLst>
     <p:ext uri="{521415D9-36F7-43E2-AB2F-B90AF26B5E84}">
-      <p14:sectionLst xmlns:p14="http://schemas.microsoft.com/office/powerpoint/2010/main" xmlns="">
+      <p14:sectionLst xmlns:p14="http://schemas.microsoft.com/office/powerpoint/2010/main">
         <p14:section name="Cover" id="{015DB8C2-DE27-4FCA-BBB1-6936715B0C16}">
           <p14:sldIdLst>
             <p14:sldId id="256"/>
@@ -187,7 +187,7 @@
       </p14:sectionLst>
     </p:ext>
     <p:ext uri="{EFAFB233-063F-42B5-8137-9DF3F51BA10A}">
-      <p15:sldGuideLst xmlns:p15="http://schemas.microsoft.com/office/powerpoint/2012/main" xmlns="">
+      <p15:sldGuideLst xmlns:p15="http://schemas.microsoft.com/office/powerpoint/2012/main">
         <p15:guide id="1" orient="horz" pos="2160">
           <p15:clr>
             <a:srgbClr val="A4A3A4"/>
@@ -397,7 +397,7 @@
     </p:spTree>
     <p:extLst>
       <p:ext uri="{BB962C8B-B14F-4D97-AF65-F5344CB8AC3E}">
-        <p14:creationId xmlns:p14="http://schemas.microsoft.com/office/powerpoint/2010/main" xmlns="" val="1273415570"/>
+        <p14:creationId xmlns:p14="http://schemas.microsoft.com/office/powerpoint/2010/main" val="1273415570"/>
       </p:ext>
     </p:extLst>
   </p:cSld>
@@ -591,7 +591,7 @@
     </p:spTree>
     <p:extLst>
       <p:ext uri="{BB962C8B-B14F-4D97-AF65-F5344CB8AC3E}">
-        <p14:creationId xmlns:p14="http://schemas.microsoft.com/office/powerpoint/2010/main" xmlns="" val="2970785675"/>
+        <p14:creationId xmlns:p14="http://schemas.microsoft.com/office/powerpoint/2010/main" val="2970785675"/>
       </p:ext>
     </p:extLst>
   </p:cSld>
@@ -693,7 +693,7 @@
     </p:spTree>
     <p:extLst>
       <p:ext uri="{BB962C8B-B14F-4D97-AF65-F5344CB8AC3E}">
-        <p14:creationId xmlns:p14="http://schemas.microsoft.com/office/powerpoint/2010/main" xmlns="" val="1387414404"/>
+        <p14:creationId xmlns:p14="http://schemas.microsoft.com/office/powerpoint/2010/main" val="1387414404"/>
       </p:ext>
     </p:extLst>
   </p:cSld>
@@ -803,7 +803,7 @@
     </p:spTree>
     <p:extLst>
       <p:ext uri="{BB962C8B-B14F-4D97-AF65-F5344CB8AC3E}">
-        <p14:creationId xmlns:p14="http://schemas.microsoft.com/office/powerpoint/2010/main" xmlns="" val="1327807792"/>
+        <p14:creationId xmlns:p14="http://schemas.microsoft.com/office/powerpoint/2010/main" val="1327807792"/>
       </p:ext>
     </p:extLst>
   </p:cSld>
@@ -913,7 +913,7 @@
     </p:spTree>
     <p:extLst>
       <p:ext uri="{BB962C8B-B14F-4D97-AF65-F5344CB8AC3E}">
-        <p14:creationId xmlns:p14="http://schemas.microsoft.com/office/powerpoint/2010/main" xmlns="" val="1893070811"/>
+        <p14:creationId xmlns:p14="http://schemas.microsoft.com/office/powerpoint/2010/main" val="1893070811"/>
       </p:ext>
     </p:extLst>
   </p:cSld>
@@ -945,13 +945,13 @@
   <p:clrMapOvr>
     <a:masterClrMapping/>
   </p:clrMapOvr>
-  <mc:AlternateContent xmlns:mc="http://schemas.openxmlformats.org/markup-compatibility/2006">
-    <mc:Choice xmlns:p14="http://schemas.microsoft.com/office/powerpoint/2010/main" xmlns="" Requires="p14">
+  <mc:AlternateContent xmlns:mc="http://schemas.openxmlformats.org/markup-compatibility/2006" xmlns:p14="http://schemas.microsoft.com/office/powerpoint/2010/main">
+    <mc:Choice Requires="p14">
       <p:transition p14:dur="250">
         <p:pull/>
       </p:transition>
     </mc:Choice>
-    <mc:Fallback>
+    <mc:Fallback xmlns="">
       <p:transition>
         <p:pull/>
       </p:transition>
@@ -1063,13 +1063,13 @@
   <p:clrMapOvr>
     <a:masterClrMapping/>
   </p:clrMapOvr>
-  <mc:AlternateContent xmlns:mc="http://schemas.openxmlformats.org/markup-compatibility/2006">
-    <mc:Choice xmlns:p14="http://schemas.microsoft.com/office/powerpoint/2010/main" xmlns="" Requires="p14">
+  <mc:AlternateContent xmlns:mc="http://schemas.openxmlformats.org/markup-compatibility/2006" xmlns:p14="http://schemas.microsoft.com/office/powerpoint/2010/main">
+    <mc:Choice Requires="p14">
       <p:transition p14:dur="250">
         <p:pull/>
       </p:transition>
     </mc:Choice>
-    <mc:Fallback>
+    <mc:Fallback xmlns="">
       <p:transition>
         <p:pull/>
       </p:transition>
@@ -1235,13 +1235,13 @@
   <p:clrMapOvr>
     <a:masterClrMapping/>
   </p:clrMapOvr>
-  <mc:AlternateContent xmlns:mc="http://schemas.openxmlformats.org/markup-compatibility/2006">
-    <mc:Choice xmlns:p14="http://schemas.microsoft.com/office/powerpoint/2010/main" xmlns="" Requires="p14">
+  <mc:AlternateContent xmlns:mc="http://schemas.openxmlformats.org/markup-compatibility/2006" xmlns:p14="http://schemas.microsoft.com/office/powerpoint/2010/main">
+    <mc:Choice Requires="p14">
       <p:transition p14:dur="250">
         <p:pull/>
       </p:transition>
     </mc:Choice>
-    <mc:Fallback>
+    <mc:Fallback xmlns="">
       <p:transition>
         <p:pull/>
       </p:transition>
@@ -1399,13 +1399,13 @@
   <p:clrMapOvr>
     <a:masterClrMapping/>
   </p:clrMapOvr>
-  <mc:AlternateContent xmlns:mc="http://schemas.openxmlformats.org/markup-compatibility/2006">
-    <mc:Choice xmlns:p14="http://schemas.microsoft.com/office/powerpoint/2010/main" xmlns="" Requires="p14">
+  <mc:AlternateContent xmlns:mc="http://schemas.openxmlformats.org/markup-compatibility/2006" xmlns:p14="http://schemas.microsoft.com/office/powerpoint/2010/main">
+    <mc:Choice Requires="p14">
       <p:transition p14:dur="250">
         <p:pull/>
       </p:transition>
     </mc:Choice>
-    <mc:Fallback>
+    <mc:Fallback xmlns="">
       <p:transition>
         <p:pull/>
       </p:transition>
@@ -1436,13 +1436,13 @@
   <p:clrMapOvr>
     <a:masterClrMapping/>
   </p:clrMapOvr>
-  <mc:AlternateContent xmlns:mc="http://schemas.openxmlformats.org/markup-compatibility/2006">
-    <mc:Choice xmlns:p14="http://schemas.microsoft.com/office/powerpoint/2010/main" xmlns="" Requires="p14">
+  <mc:AlternateContent xmlns:mc="http://schemas.openxmlformats.org/markup-compatibility/2006" xmlns:p14="http://schemas.microsoft.com/office/powerpoint/2010/main">
+    <mc:Choice Requires="p14">
       <p:transition p14:dur="250">
         <p:pull/>
       </p:transition>
     </mc:Choice>
-    <mc:Fallback>
+    <mc:Fallback xmlns="">
       <p:transition>
         <p:pull/>
       </p:transition>
@@ -1528,13 +1528,13 @@
   <p:clrMapOvr>
     <a:masterClrMapping/>
   </p:clrMapOvr>
-  <mc:AlternateContent xmlns:mc="http://schemas.openxmlformats.org/markup-compatibility/2006">
-    <mc:Choice xmlns:p14="http://schemas.microsoft.com/office/powerpoint/2010/main" xmlns="" Requires="p14">
+  <mc:AlternateContent xmlns:mc="http://schemas.openxmlformats.org/markup-compatibility/2006" xmlns:p14="http://schemas.microsoft.com/office/powerpoint/2010/main">
+    <mc:Choice Requires="p14">
       <p:transition p14:dur="250">
         <p:pull/>
       </p:transition>
     </mc:Choice>
-    <mc:Fallback>
+    <mc:Fallback xmlns="">
       <p:transition>
         <p:pull/>
       </p:transition>
@@ -1619,13 +1619,13 @@
   <p:clrMapOvr>
     <a:masterClrMapping/>
   </p:clrMapOvr>
-  <mc:AlternateContent xmlns:mc="http://schemas.openxmlformats.org/markup-compatibility/2006">
-    <mc:Choice xmlns:p14="http://schemas.microsoft.com/office/powerpoint/2010/main" xmlns="" Requires="p14">
+  <mc:AlternateContent xmlns:mc="http://schemas.openxmlformats.org/markup-compatibility/2006" xmlns:p14="http://schemas.microsoft.com/office/powerpoint/2010/main">
+    <mc:Choice Requires="p14">
       <p:transition p14:dur="250">
         <p:pull/>
       </p:transition>
     </mc:Choice>
-    <mc:Fallback>
+    <mc:Fallback xmlns="">
       <p:transition>
         <p:pull/>
       </p:transition>
@@ -1737,13 +1737,13 @@
   <p:clrMapOvr>
     <a:masterClrMapping/>
   </p:clrMapOvr>
-  <mc:AlternateContent xmlns:mc="http://schemas.openxmlformats.org/markup-compatibility/2006">
-    <mc:Choice xmlns:p14="http://schemas.microsoft.com/office/powerpoint/2010/main" xmlns="" Requires="p14">
+  <mc:AlternateContent xmlns:mc="http://schemas.openxmlformats.org/markup-compatibility/2006" xmlns:p14="http://schemas.microsoft.com/office/powerpoint/2010/main">
+    <mc:Choice Requires="p14">
       <p:transition p14:dur="250">
         <p:pull/>
       </p:transition>
     </mc:Choice>
-    <mc:Fallback>
+    <mc:Fallback xmlns="">
       <p:transition>
         <p:pull/>
       </p:transition>
@@ -1801,13 +1801,13 @@
   <p:clrMapOvr>
     <a:masterClrMapping/>
   </p:clrMapOvr>
-  <mc:AlternateContent xmlns:mc="http://schemas.openxmlformats.org/markup-compatibility/2006">
-    <mc:Choice xmlns:p14="http://schemas.microsoft.com/office/powerpoint/2010/main" xmlns="" Requires="p14">
+  <mc:AlternateContent xmlns:mc="http://schemas.openxmlformats.org/markup-compatibility/2006" xmlns:p14="http://schemas.microsoft.com/office/powerpoint/2010/main">
+    <mc:Choice Requires="p14">
       <p:transition p14:dur="250">
         <p:pull/>
       </p:transition>
     </mc:Choice>
-    <mc:Fallback>
+    <mc:Fallback xmlns="">
       <p:transition>
         <p:pull/>
       </p:transition>
@@ -1866,13 +1866,13 @@
   <p:clrMapOvr>
     <a:masterClrMapping/>
   </p:clrMapOvr>
-  <mc:AlternateContent xmlns:mc="http://schemas.openxmlformats.org/markup-compatibility/2006">
-    <mc:Choice xmlns:p14="http://schemas.microsoft.com/office/powerpoint/2010/main" xmlns="" Requires="p14">
+  <mc:AlternateContent xmlns:mc="http://schemas.openxmlformats.org/markup-compatibility/2006" xmlns:p14="http://schemas.microsoft.com/office/powerpoint/2010/main">
+    <mc:Choice Requires="p14">
       <p:transition p14:dur="250">
         <p:pull/>
       </p:transition>
     </mc:Choice>
-    <mc:Fallback>
+    <mc:Fallback xmlns="">
       <p:transition>
         <p:pull/>
       </p:transition>
@@ -2011,13 +2011,13 @@
   <p:clrMapOvr>
     <a:masterClrMapping/>
   </p:clrMapOvr>
-  <mc:AlternateContent xmlns:mc="http://schemas.openxmlformats.org/markup-compatibility/2006">
-    <mc:Choice xmlns:p14="http://schemas.microsoft.com/office/powerpoint/2010/main" xmlns="" Requires="p14">
+  <mc:AlternateContent xmlns:mc="http://schemas.openxmlformats.org/markup-compatibility/2006" xmlns:p14="http://schemas.microsoft.com/office/powerpoint/2010/main">
+    <mc:Choice Requires="p14">
       <p:transition p14:dur="250">
         <p:pull/>
       </p:transition>
     </mc:Choice>
-    <mc:Fallback>
+    <mc:Fallback xmlns="">
       <p:transition>
         <p:pull/>
       </p:transition>
@@ -2103,13 +2103,13 @@
   <p:clrMapOvr>
     <a:masterClrMapping/>
   </p:clrMapOvr>
-  <mc:AlternateContent xmlns:mc="http://schemas.openxmlformats.org/markup-compatibility/2006">
-    <mc:Choice xmlns:p14="http://schemas.microsoft.com/office/powerpoint/2010/main" xmlns="" Requires="p14">
+  <mc:AlternateContent xmlns:mc="http://schemas.openxmlformats.org/markup-compatibility/2006" xmlns:p14="http://schemas.microsoft.com/office/powerpoint/2010/main">
+    <mc:Choice Requires="p14">
       <p:transition p14:dur="250">
         <p:pull/>
       </p:transition>
     </mc:Choice>
-    <mc:Fallback>
+    <mc:Fallback xmlns="">
       <p:transition>
         <p:pull/>
       </p:transition>
@@ -2248,13 +2248,13 @@
   <p:clrMapOvr>
     <a:masterClrMapping/>
   </p:clrMapOvr>
-  <mc:AlternateContent xmlns:mc="http://schemas.openxmlformats.org/markup-compatibility/2006">
-    <mc:Choice xmlns:p14="http://schemas.microsoft.com/office/powerpoint/2010/main" xmlns="" Requires="p14">
+  <mc:AlternateContent xmlns:mc="http://schemas.openxmlformats.org/markup-compatibility/2006" xmlns:p14="http://schemas.microsoft.com/office/powerpoint/2010/main">
+    <mc:Choice Requires="p14">
       <p:transition p14:dur="250">
         <p:pull/>
       </p:transition>
     </mc:Choice>
-    <mc:Fallback>
+    <mc:Fallback xmlns="">
       <p:transition>
         <p:pull/>
       </p:transition>
@@ -2393,13 +2393,13 @@
   <p:clrMapOvr>
     <a:masterClrMapping/>
   </p:clrMapOvr>
-  <mc:AlternateContent xmlns:mc="http://schemas.openxmlformats.org/markup-compatibility/2006">
-    <mc:Choice xmlns:p14="http://schemas.microsoft.com/office/powerpoint/2010/main" xmlns="" Requires="p14">
+  <mc:AlternateContent xmlns:mc="http://schemas.openxmlformats.org/markup-compatibility/2006" xmlns:p14="http://schemas.microsoft.com/office/powerpoint/2010/main">
+    <mc:Choice Requires="p14">
       <p:transition p14:dur="250">
         <p:pull/>
       </p:transition>
     </mc:Choice>
-    <mc:Fallback>
+    <mc:Fallback xmlns="">
       <p:transition>
         <p:pull/>
       </p:transition>
@@ -2511,13 +2511,13 @@
   <p:clrMapOvr>
     <a:masterClrMapping/>
   </p:clrMapOvr>
-  <mc:AlternateContent xmlns:mc="http://schemas.openxmlformats.org/markup-compatibility/2006">
-    <mc:Choice xmlns:p14="http://schemas.microsoft.com/office/powerpoint/2010/main" xmlns="" Requires="p14">
+  <mc:AlternateContent xmlns:mc="http://schemas.openxmlformats.org/markup-compatibility/2006" xmlns:p14="http://schemas.microsoft.com/office/powerpoint/2010/main">
+    <mc:Choice Requires="p14">
       <p:transition p14:dur="250">
         <p:pull/>
       </p:transition>
     </mc:Choice>
-    <mc:Fallback>
+    <mc:Fallback xmlns="">
       <p:transition>
         <p:pull/>
       </p:transition>
@@ -2683,13 +2683,13 @@
   <p:clrMapOvr>
     <a:masterClrMapping/>
   </p:clrMapOvr>
-  <mc:AlternateContent xmlns:mc="http://schemas.openxmlformats.org/markup-compatibility/2006">
-    <mc:Choice xmlns:p14="http://schemas.microsoft.com/office/powerpoint/2010/main" xmlns="" Requires="p14">
+  <mc:AlternateContent xmlns:mc="http://schemas.openxmlformats.org/markup-compatibility/2006" xmlns:p14="http://schemas.microsoft.com/office/powerpoint/2010/main">
+    <mc:Choice Requires="p14">
       <p:transition p14:dur="250">
         <p:pull/>
       </p:transition>
     </mc:Choice>
-    <mc:Fallback>
+    <mc:Fallback xmlns="">
       <p:transition>
         <p:pull/>
       </p:transition>
@@ -2847,13 +2847,13 @@
   <p:clrMapOvr>
     <a:masterClrMapping/>
   </p:clrMapOvr>
-  <mc:AlternateContent xmlns:mc="http://schemas.openxmlformats.org/markup-compatibility/2006">
-    <mc:Choice xmlns:p14="http://schemas.microsoft.com/office/powerpoint/2010/main" xmlns="" Requires="p14">
+  <mc:AlternateContent xmlns:mc="http://schemas.openxmlformats.org/markup-compatibility/2006" xmlns:p14="http://schemas.microsoft.com/office/powerpoint/2010/main">
+    <mc:Choice Requires="p14">
       <p:transition p14:dur="250">
         <p:pull/>
       </p:transition>
     </mc:Choice>
-    <mc:Fallback>
+    <mc:Fallback xmlns="">
       <p:transition>
         <p:pull/>
       </p:transition>
@@ -2938,13 +2938,13 @@
   <p:clrMapOvr>
     <a:masterClrMapping/>
   </p:clrMapOvr>
-  <mc:AlternateContent xmlns:mc="http://schemas.openxmlformats.org/markup-compatibility/2006">
-    <mc:Choice xmlns:p14="http://schemas.microsoft.com/office/powerpoint/2010/main" xmlns="" Requires="p14">
+  <mc:AlternateContent xmlns:mc="http://schemas.openxmlformats.org/markup-compatibility/2006" xmlns:p14="http://schemas.microsoft.com/office/powerpoint/2010/main">
+    <mc:Choice Requires="p14">
       <p:transition p14:dur="250">
         <p:pull/>
       </p:transition>
     </mc:Choice>
-    <mc:Fallback>
+    <mc:Fallback xmlns="">
       <p:transition>
         <p:pull/>
       </p:transition>
@@ -3056,13 +3056,13 @@
   <p:clrMapOvr>
     <a:masterClrMapping/>
   </p:clrMapOvr>
-  <mc:AlternateContent xmlns:mc="http://schemas.openxmlformats.org/markup-compatibility/2006">
-    <mc:Choice xmlns:p14="http://schemas.microsoft.com/office/powerpoint/2010/main" xmlns="" Requires="p14">
+  <mc:AlternateContent xmlns:mc="http://schemas.openxmlformats.org/markup-compatibility/2006" xmlns:p14="http://schemas.microsoft.com/office/powerpoint/2010/main">
+    <mc:Choice Requires="p14">
       <p:transition p14:dur="250">
         <p:pull/>
       </p:transition>
     </mc:Choice>
-    <mc:Fallback>
+    <mc:Fallback xmlns="">
       <p:transition>
         <p:pull/>
       </p:transition>
@@ -3120,13 +3120,13 @@
   <p:clrMapOvr>
     <a:masterClrMapping/>
   </p:clrMapOvr>
-  <mc:AlternateContent xmlns:mc="http://schemas.openxmlformats.org/markup-compatibility/2006">
-    <mc:Choice xmlns:p14="http://schemas.microsoft.com/office/powerpoint/2010/main" xmlns="" Requires="p14">
+  <mc:AlternateContent xmlns:mc="http://schemas.openxmlformats.org/markup-compatibility/2006" xmlns:p14="http://schemas.microsoft.com/office/powerpoint/2010/main">
+    <mc:Choice Requires="p14">
       <p:transition p14:dur="250">
         <p:pull/>
       </p:transition>
     </mc:Choice>
-    <mc:Fallback>
+    <mc:Fallback xmlns="">
       <p:transition>
         <p:pull/>
       </p:transition>
@@ -3185,13 +3185,13 @@
   <p:clrMapOvr>
     <a:masterClrMapping/>
   </p:clrMapOvr>
-  <mc:AlternateContent xmlns:mc="http://schemas.openxmlformats.org/markup-compatibility/2006">
-    <mc:Choice xmlns:p14="http://schemas.microsoft.com/office/powerpoint/2010/main" xmlns="" Requires="p14">
+  <mc:AlternateContent xmlns:mc="http://schemas.openxmlformats.org/markup-compatibility/2006" xmlns:p14="http://schemas.microsoft.com/office/powerpoint/2010/main">
+    <mc:Choice Requires="p14">
       <p:transition p14:dur="250">
         <p:pull/>
       </p:transition>
     </mc:Choice>
-    <mc:Fallback>
+    <mc:Fallback xmlns="">
       <p:transition>
         <p:pull/>
       </p:transition>
@@ -3330,13 +3330,13 @@
   <p:clrMapOvr>
     <a:masterClrMapping/>
   </p:clrMapOvr>
-  <mc:AlternateContent xmlns:mc="http://schemas.openxmlformats.org/markup-compatibility/2006">
-    <mc:Choice xmlns:p14="http://schemas.microsoft.com/office/powerpoint/2010/main" xmlns="" Requires="p14">
+  <mc:AlternateContent xmlns:mc="http://schemas.openxmlformats.org/markup-compatibility/2006" xmlns:p14="http://schemas.microsoft.com/office/powerpoint/2010/main">
+    <mc:Choice Requires="p14">
       <p:transition p14:dur="250">
         <p:pull/>
       </p:transition>
     </mc:Choice>
-    <mc:Fallback>
+    <mc:Fallback xmlns="">
       <p:transition>
         <p:pull/>
       </p:transition>
@@ -3475,13 +3475,13 @@
   <p:clrMapOvr>
     <a:masterClrMapping/>
   </p:clrMapOvr>
-  <mc:AlternateContent xmlns:mc="http://schemas.openxmlformats.org/markup-compatibility/2006">
-    <mc:Choice xmlns:p14="http://schemas.microsoft.com/office/powerpoint/2010/main" xmlns="" Requires="p14">
+  <mc:AlternateContent xmlns:mc="http://schemas.openxmlformats.org/markup-compatibility/2006" xmlns:p14="http://schemas.microsoft.com/office/powerpoint/2010/main">
+    <mc:Choice Requires="p14">
       <p:transition p14:dur="250">
         <p:pull/>
       </p:transition>
     </mc:Choice>
-    <mc:Fallback>
+    <mc:Fallback xmlns="">
       <p:transition>
         <p:pull/>
       </p:transition>
@@ -3620,13 +3620,13 @@
   <p:clrMapOvr>
     <a:masterClrMapping/>
   </p:clrMapOvr>
-  <mc:AlternateContent xmlns:mc="http://schemas.openxmlformats.org/markup-compatibility/2006">
-    <mc:Choice xmlns:p14="http://schemas.microsoft.com/office/powerpoint/2010/main" xmlns="" Requires="p14">
+  <mc:AlternateContent xmlns:mc="http://schemas.openxmlformats.org/markup-compatibility/2006" xmlns:p14="http://schemas.microsoft.com/office/powerpoint/2010/main">
+    <mc:Choice Requires="p14">
       <p:transition p14:dur="250">
         <p:pull/>
       </p:transition>
     </mc:Choice>
-    <mc:Fallback>
+    <mc:Fallback xmlns="">
       <p:transition>
         <p:pull/>
       </p:transition>
@@ -4702,13 +4702,13 @@
     <p:sldLayoutId id="2147483659" r:id="rId11"/>
     <p:sldLayoutId id="2147483660" r:id="rId12"/>
   </p:sldLayoutIdLst>
-  <mc:AlternateContent xmlns:mc="http://schemas.openxmlformats.org/markup-compatibility/2006">
-    <mc:Choice xmlns:p14="http://schemas.microsoft.com/office/powerpoint/2010/main" xmlns="" Requires="p14">
+  <mc:AlternateContent xmlns:mc="http://schemas.openxmlformats.org/markup-compatibility/2006" xmlns:p14="http://schemas.microsoft.com/office/powerpoint/2010/main">
+    <mc:Choice Requires="p14">
       <p:transition p14:dur="250">
         <p:pull/>
       </p:transition>
     </mc:Choice>
-    <mc:Fallback>
+    <mc:Fallback xmlns="">
       <p:transition>
         <p:pull/>
       </p:transition>
@@ -5527,13 +5527,13 @@
     <p:sldLayoutId id="2147483672" r:id="rId11"/>
     <p:sldLayoutId id="2147483673" r:id="rId12"/>
   </p:sldLayoutIdLst>
-  <mc:AlternateContent xmlns:mc="http://schemas.openxmlformats.org/markup-compatibility/2006">
-    <mc:Choice xmlns:p14="http://schemas.microsoft.com/office/powerpoint/2010/main" xmlns="" Requires="p14">
+  <mc:AlternateContent xmlns:mc="http://schemas.openxmlformats.org/markup-compatibility/2006" xmlns:p14="http://schemas.microsoft.com/office/powerpoint/2010/main">
+    <mc:Choice Requires="p14">
       <p:transition p14:dur="250">
         <p:pull/>
       </p:transition>
     </mc:Choice>
-    <mc:Fallback>
+    <mc:Fallback xmlns="">
       <p:transition>
         <p:pull/>
       </p:transition>
@@ -5958,7 +5958,7 @@
               </a:lnSpc>
             </a:pPr>
             <a:r>
-              <a:rPr lang="fr-FR" sz="2800" b="1" strike="noStrike" cap="small" smtClean="0">
+              <a:rPr lang="fr-FR" sz="2800" b="1" strike="noStrike" cap="small" dirty="0" smtClean="0">
                 <a:latin typeface="+mj-lt"/>
               </a:rPr>
               <a:t>Est-il</a:t>
@@ -5971,7 +5971,7 @@
               </a:lnSpc>
             </a:pPr>
             <a:r>
-              <a:rPr lang="fr-FR" sz="2800" b="1" strike="noStrike" cap="small" smtClean="0">
+              <a:rPr lang="fr-FR" sz="2800" b="1" strike="noStrike" cap="small" dirty="0" smtClean="0">
                 <a:latin typeface="+mj-lt"/>
               </a:rPr>
               <a:t>difficile de</a:t>
@@ -5984,18 +5984,18 @@
               </a:lnSpc>
             </a:pPr>
             <a:r>
-              <a:rPr lang="fr-FR" sz="2800" b="1" strike="noStrike" cap="small" smtClean="0">
+              <a:rPr lang="fr-FR" sz="2800" b="1" strike="noStrike" cap="small" dirty="0" smtClean="0">
                 <a:latin typeface="+mj-lt"/>
               </a:rPr>
               <a:t>paralyser </a:t>
             </a:r>
             <a:r>
-              <a:rPr lang="fr-FR" sz="2800" b="1" strike="noStrike" cap="small">
+              <a:rPr lang="fr-FR" sz="2800" b="1" strike="noStrike" cap="small" dirty="0">
                 <a:latin typeface="+mj-lt"/>
               </a:rPr>
               <a:t>les</a:t>
             </a:r>
-            <a:endParaRPr sz="2800" b="1" cap="small">
+            <a:endParaRPr sz="2800" b="1" cap="small" dirty="0">
               <a:latin typeface="+mj-lt"/>
             </a:endParaRPr>
           </a:p>
@@ -6006,12 +6006,12 @@
               </a:lnSpc>
             </a:pPr>
             <a:r>
-              <a:rPr lang="fr-FR" sz="2800" b="1" strike="noStrike" cap="small">
+              <a:rPr lang="fr-FR" sz="2800" b="1" strike="noStrike" cap="small" dirty="0">
                 <a:latin typeface="+mj-lt"/>
               </a:rPr>
               <a:t>transports en </a:t>
             </a:r>
-            <a:endParaRPr lang="fr-FR" sz="2800" b="1" strike="noStrike" cap="small" smtClean="0">
+            <a:endParaRPr lang="fr-FR" sz="2800" b="1" strike="noStrike" cap="small" dirty="0" smtClean="0">
               <a:latin typeface="+mj-lt"/>
             </a:endParaRPr>
           </a:p>
@@ -6022,7 +6022,7 @@
               </a:lnSpc>
             </a:pPr>
             <a:r>
-              <a:rPr lang="fr-FR" sz="2800" b="1" strike="noStrike" cap="small" smtClean="0">
+              <a:rPr lang="fr-FR" sz="2800" b="1" strike="noStrike" cap="small" dirty="0" smtClean="0">
                 <a:latin typeface="+mj-lt"/>
               </a:rPr>
               <a:t>commun de</a:t>
@@ -6035,18 +6035,18 @@
               </a:lnSpc>
             </a:pPr>
             <a:r>
-              <a:rPr lang="fr-FR" sz="2800" b="1" strike="noStrike" cap="small" smtClean="0">
+              <a:rPr lang="fr-FR" sz="2800" b="1" strike="noStrike" cap="small" dirty="0" smtClean="0">
                 <a:latin typeface="+mj-lt"/>
               </a:rPr>
               <a:t>Rennes </a:t>
             </a:r>
             <a:r>
-              <a:rPr lang="fr-FR" sz="2800" b="1" strike="noStrike" cap="small">
+              <a:rPr lang="fr-FR" sz="2800" b="1" strike="noStrike" cap="small" dirty="0">
                 <a:latin typeface="+mj-lt"/>
               </a:rPr>
               <a:t>?</a:t>
             </a:r>
-            <a:endParaRPr sz="2800" b="1" cap="small">
+            <a:endParaRPr sz="2800" b="1" cap="small" dirty="0">
               <a:latin typeface="+mj-lt"/>
             </a:endParaRPr>
           </a:p>
@@ -6057,13 +6057,13 @@
   <p:clrMapOvr>
     <a:masterClrMapping/>
   </p:clrMapOvr>
-  <mc:AlternateContent xmlns:mc="http://schemas.openxmlformats.org/markup-compatibility/2006">
-    <mc:Choice xmlns:p14="http://schemas.microsoft.com/office/powerpoint/2010/main" xmlns="" Requires="p14">
+  <mc:AlternateContent xmlns:mc="http://schemas.openxmlformats.org/markup-compatibility/2006" xmlns:p14="http://schemas.microsoft.com/office/powerpoint/2010/main">
+    <mc:Choice Requires="p14">
       <p:transition p14:dur="250">
         <p:pull/>
       </p:transition>
     </mc:Choice>
-    <mc:Fallback>
+    <mc:Fallback xmlns="">
       <p:transition>
         <p:pull/>
       </p:transition>
@@ -6235,13 +6235,13 @@
   <p:clrMapOvr>
     <a:masterClrMapping/>
   </p:clrMapOvr>
-  <mc:AlternateContent xmlns:mc="http://schemas.openxmlformats.org/markup-compatibility/2006">
-    <mc:Choice xmlns:p14="http://schemas.microsoft.com/office/powerpoint/2010/main" xmlns="" Requires="p14">
+  <mc:AlternateContent xmlns:mc="http://schemas.openxmlformats.org/markup-compatibility/2006" xmlns:p14="http://schemas.microsoft.com/office/powerpoint/2010/main">
+    <mc:Choice Requires="p14">
       <p:transition p14:dur="250">
         <p:pull/>
       </p:transition>
     </mc:Choice>
-    <mc:Fallback>
+    <mc:Fallback xmlns="">
       <p:transition>
         <p:pull/>
       </p:transition>
@@ -6393,13 +6393,13 @@
   <p:clrMapOvr>
     <a:masterClrMapping/>
   </p:clrMapOvr>
-  <mc:AlternateContent xmlns:mc="http://schemas.openxmlformats.org/markup-compatibility/2006">
-    <mc:Choice xmlns:p14="http://schemas.microsoft.com/office/powerpoint/2010/main" xmlns="" Requires="p14">
+  <mc:AlternateContent xmlns:mc="http://schemas.openxmlformats.org/markup-compatibility/2006" xmlns:p14="http://schemas.microsoft.com/office/powerpoint/2010/main">
+    <mc:Choice Requires="p14">
       <p:transition p14:dur="250">
         <p:pull/>
       </p:transition>
     </mc:Choice>
-    <mc:Fallback>
+    <mc:Fallback xmlns="">
       <p:transition>
         <p:pull/>
       </p:transition>
@@ -6533,25 +6533,40 @@
                 </a:solidFill>
                 <a:latin typeface="Arial"/>
               </a:rPr>
-              <a:t>Rapport de conception </a:t>
-            </a:r>
-            <a:r>
-              <a:rPr lang="fr-FR" sz="2000" b="1" strike="noStrike">
+              <a:t>Rapport de conception : </a:t>
+            </a:r>
+            <a:r>
+              <a:rPr lang="fr-FR" sz="2000" b="1" strike="noStrike" dirty="0" smtClean="0">
                 <a:solidFill>
                   <a:srgbClr val="004D6F"/>
                 </a:solidFill>
                 <a:latin typeface="Arial"/>
               </a:rPr>
-              <a:t>: </a:t>
-            </a:r>
-            <a:r>
-              <a:rPr lang="fr-FR" sz="2000" b="1" strike="noStrike" smtClean="0">
+              <a:t>12 février</a:t>
+            </a:r>
+          </a:p>
+          <a:p>
+            <a:pPr>
+              <a:lnSpc>
+                <a:spcPct val="100000"/>
+              </a:lnSpc>
+            </a:pPr>
+            <a:endParaRPr dirty="0"/>
+          </a:p>
+          <a:p>
+            <a:pPr>
+              <a:lnSpc>
+                <a:spcPct val="100000"/>
+              </a:lnSpc>
+            </a:pPr>
+            <a:r>
+              <a:rPr lang="fr-FR" sz="2000" b="1" strike="noStrike" dirty="0" smtClean="0">
                 <a:solidFill>
                   <a:srgbClr val="004D6F"/>
                 </a:solidFill>
                 <a:latin typeface="Arial"/>
               </a:rPr>
-              <a:t>12 février</a:t>
+              <a:t>Vacances :  - du 16 au 20 février</a:t>
             </a:r>
           </a:p>
           <a:p>
@@ -6560,31 +6575,23 @@
                 <a:spcPct val="100000"/>
               </a:lnSpc>
             </a:pPr>
-            <a:endParaRPr dirty="0"/>
-          </a:p>
-          <a:p>
-            <a:pPr>
-              <a:lnSpc>
-                <a:spcPct val="100000"/>
-              </a:lnSpc>
-            </a:pPr>
-            <a:r>
-              <a:rPr lang="fr-FR" sz="2000" b="1" strike="noStrike" smtClean="0">
+            <a:r>
+              <a:rPr lang="fr-FR" sz="2000" b="1" dirty="0" smtClean="0">
                 <a:solidFill>
                   <a:srgbClr val="004D6F"/>
                 </a:solidFill>
                 <a:latin typeface="Arial"/>
               </a:rPr>
-              <a:t>Vacances </a:t>
-            </a:r>
-            <a:r>
-              <a:rPr lang="fr-FR" sz="2000" b="1" strike="noStrike" smtClean="0">
+              <a:t>	        </a:t>
+            </a:r>
+            <a:r>
+              <a:rPr lang="fr-FR" sz="2000" b="1" strike="noStrike" dirty="0" smtClean="0">
                 <a:solidFill>
                   <a:srgbClr val="004D6F"/>
                 </a:solidFill>
                 <a:latin typeface="Arial"/>
               </a:rPr>
-              <a:t>:  - du 16 au 20 février</a:t>
+              <a:t>- du 13 au 24 avril</a:t>
             </a:r>
           </a:p>
           <a:p>
@@ -6593,41 +6600,7 @@
                 <a:spcPct val="100000"/>
               </a:lnSpc>
             </a:pPr>
-            <a:r>
-              <a:rPr lang="fr-FR" sz="2000" b="1" smtClean="0">
-                <a:solidFill>
-                  <a:srgbClr val="004D6F"/>
-                </a:solidFill>
-                <a:latin typeface="Arial"/>
-              </a:rPr>
-              <a:t>	 </a:t>
-            </a:r>
-            <a:r>
-              <a:rPr lang="fr-FR" sz="2000" b="1" smtClean="0">
-                <a:solidFill>
-                  <a:srgbClr val="004D6F"/>
-                </a:solidFill>
-                <a:latin typeface="Arial"/>
-              </a:rPr>
-              <a:t>       </a:t>
-            </a:r>
-            <a:r>
-              <a:rPr lang="fr-FR" sz="2000" b="1" strike="noStrike" smtClean="0">
-                <a:solidFill>
-                  <a:srgbClr val="004D6F"/>
-                </a:solidFill>
-                <a:latin typeface="Arial"/>
-              </a:rPr>
-              <a:t>- du 13 au 24 avril</a:t>
-            </a:r>
-          </a:p>
-          <a:p>
-            <a:pPr>
-              <a:lnSpc>
-                <a:spcPct val="100000"/>
-              </a:lnSpc>
-            </a:pPr>
-            <a:endParaRPr lang="fr-FR" sz="2000" b="1" smtClean="0">
+            <a:endParaRPr lang="fr-FR" sz="2000" b="1" dirty="0" smtClean="0">
               <a:solidFill>
                 <a:srgbClr val="004D6F"/>
               </a:solidFill>
@@ -6636,14 +6609,14 @@
           </a:p>
           <a:p>
             <a:r>
-              <a:rPr lang="fr-FR" sz="2000" b="1" smtClean="0">
+              <a:rPr lang="fr-FR" sz="2000" b="1" dirty="0" smtClean="0">
                 <a:solidFill>
                   <a:srgbClr val="004D6F"/>
                 </a:solidFill>
               </a:rPr>
               <a:t>Semaine bloquée : du 18 au 24 mai</a:t>
             </a:r>
-            <a:endParaRPr lang="fr-FR" sz="2000" smtClean="0"/>
+            <a:endParaRPr lang="fr-FR" sz="2000" dirty="0" smtClean="0"/>
           </a:p>
           <a:p>
             <a:pPr>
@@ -6651,11 +6624,10 @@
                 <a:spcPct val="100000"/>
               </a:lnSpc>
             </a:pPr>
-            <a:endParaRPr lang="fr-FR" sz="2000" b="1" smtClean="0">
+            <a:endParaRPr lang="fr-FR" sz="2000" b="1" dirty="0" smtClean="0">
               <a:solidFill>
                 <a:srgbClr val="004D6F"/>
               </a:solidFill>
-              <a:latin typeface="Arial"/>
             </a:endParaRPr>
           </a:p>
           <a:p>
@@ -6665,14 +6637,14 @@
               </a:lnSpc>
             </a:pPr>
             <a:r>
-              <a:rPr lang="fr-FR" b="1" smtClean="0">
+              <a:rPr lang="fr-FR" sz="2000" b="1" dirty="0" smtClean="0">
                 <a:solidFill>
                   <a:srgbClr val="004D6F"/>
                 </a:solidFill>
               </a:rPr>
               <a:t>Rapport final et livraison : 26 mai</a:t>
             </a:r>
-            <a:endParaRPr lang="fr-FR" smtClean="0"/>
+            <a:endParaRPr lang="fr-FR" sz="2000" dirty="0" smtClean="0"/>
           </a:p>
           <a:p>
             <a:pPr>
@@ -6680,7 +6652,7 @@
                 <a:spcPct val="100000"/>
               </a:lnSpc>
             </a:pPr>
-            <a:endParaRPr lang="fr-FR" smtClean="0"/>
+            <a:endParaRPr lang="fr-FR" dirty="0" smtClean="0"/>
           </a:p>
           <a:p>
             <a:pPr>
@@ -6697,13 +6669,13 @@
   <p:clrMapOvr>
     <a:masterClrMapping/>
   </p:clrMapOvr>
-  <mc:AlternateContent xmlns:mc="http://schemas.openxmlformats.org/markup-compatibility/2006">
-    <mc:Choice xmlns:p14="http://schemas.microsoft.com/office/powerpoint/2010/main" xmlns="" Requires="p14">
+  <mc:AlternateContent xmlns:mc="http://schemas.openxmlformats.org/markup-compatibility/2006" xmlns:p14="http://schemas.microsoft.com/office/powerpoint/2010/main">
+    <mc:Choice Requires="p14">
       <p:transition p14:dur="250">
         <p:pull/>
       </p:transition>
     </mc:Choice>
-    <mc:Fallback>
+    <mc:Fallback xmlns="">
       <p:transition>
         <p:pull/>
       </p:transition>
@@ -6809,13 +6781,13 @@
   <p:clrMapOvr>
     <a:masterClrMapping/>
   </p:clrMapOvr>
-  <mc:AlternateContent xmlns:mc="http://schemas.openxmlformats.org/markup-compatibility/2006">
-    <mc:Choice xmlns:p14="http://schemas.microsoft.com/office/powerpoint/2010/main" xmlns="" Requires="p14">
+  <mc:AlternateContent xmlns:mc="http://schemas.openxmlformats.org/markup-compatibility/2006" xmlns:p14="http://schemas.microsoft.com/office/powerpoint/2010/main">
+    <mc:Choice Requires="p14">
       <p:transition spd="slow" p14:dur="1500">
         <p14:vortex dir="r"/>
       </p:transition>
     </mc:Choice>
-    <mc:Fallback>
+    <mc:Fallback xmlns="">
       <p:transition spd="slow">
         <p:fade/>
       </p:transition>
@@ -6946,18 +6918,48 @@
           </a:p>
         </p:txBody>
       </p:sp>
+      <p:pic>
+        <p:nvPicPr>
+          <p:cNvPr id="2" name="Image 1"/>
+          <p:cNvPicPr>
+            <a:picLocks noChangeAspect="1"/>
+          </p:cNvPicPr>
+          <p:nvPr/>
+        </p:nvPicPr>
+        <p:blipFill>
+          <a:blip r:embed="rId2">
+            <a:extLst>
+              <a:ext uri="{28A0092B-C50C-407E-A947-70E740481C1C}">
+                <a14:useLocalDpi xmlns:a14="http://schemas.microsoft.com/office/drawing/2010/main" val="0"/>
+              </a:ext>
+            </a:extLst>
+          </a:blip>
+          <a:stretch>
+            <a:fillRect/>
+          </a:stretch>
+        </p:blipFill>
+        <p:spPr>
+          <a:xfrm>
+            <a:off x="2339752" y="2060848"/>
+            <a:ext cx="4300888" cy="3123803"/>
+          </a:xfrm>
+          <a:prstGeom prst="rect">
+            <a:avLst/>
+          </a:prstGeom>
+        </p:spPr>
+      </p:pic>
     </p:spTree>
   </p:cSld>
   <p:clrMapOvr>
     <a:masterClrMapping/>
   </p:clrMapOvr>
-  <mc:AlternateContent xmlns:mc="http://schemas.openxmlformats.org/markup-compatibility/2006">
-    <mc:Choice xmlns:p14="http://schemas.microsoft.com/office/powerpoint/2010/main" xmlns="" Requires="p14">
+  <mc:AlternateContent xmlns:mc="http://schemas.openxmlformats.org/markup-compatibility/2006" xmlns:p14="http://schemas.microsoft.com/office/powerpoint/2010/main">
+    <mc:Choice Requires="p14">
       <p:transition p14:dur="250">
         <p:pull/>
       </p:transition>
     </mc:Choice>
-    <mc:Fallback>
+    <mc:Fallback xmlns="">
       <p:transition>
         <p:pull/>
       </p:transition>
@@ -7093,7 +7095,7 @@
           <a:blip r:embed="rId2" cstate="print">
             <a:extLst>
               <a:ext uri="{28A0092B-C50C-407E-A947-70E740481C1C}">
-                <a14:useLocalDpi xmlns:a14="http://schemas.microsoft.com/office/drawing/2010/main" xmlns="" val="0"/>
+                <a14:useLocalDpi xmlns:a14="http://schemas.microsoft.com/office/drawing/2010/main" val="0"/>
               </a:ext>
             </a:extLst>
           </a:blip>
@@ -7123,7 +7125,7 @@
           <a:blip r:embed="rId3" cstate="print">
             <a:extLst>
               <a:ext uri="{28A0092B-C50C-407E-A947-70E740481C1C}">
-                <a14:useLocalDpi xmlns:a14="http://schemas.microsoft.com/office/drawing/2010/main" xmlns="" val="0"/>
+                <a14:useLocalDpi xmlns:a14="http://schemas.microsoft.com/office/drawing/2010/main" val="0"/>
               </a:ext>
             </a:extLst>
           </a:blip>
@@ -7153,7 +7155,7 @@
           <a:blip r:embed="rId4" cstate="print">
             <a:extLst>
               <a:ext uri="{28A0092B-C50C-407E-A947-70E740481C1C}">
-                <a14:useLocalDpi xmlns:a14="http://schemas.microsoft.com/office/drawing/2010/main" xmlns="" val="0"/>
+                <a14:useLocalDpi xmlns:a14="http://schemas.microsoft.com/office/drawing/2010/main" val="0"/>
               </a:ext>
             </a:extLst>
           </a:blip>
@@ -7266,13 +7268,13 @@
   <p:clrMapOvr>
     <a:masterClrMapping/>
   </p:clrMapOvr>
-  <mc:AlternateContent xmlns:mc="http://schemas.openxmlformats.org/markup-compatibility/2006">
-    <mc:Choice xmlns:p14="http://schemas.microsoft.com/office/powerpoint/2010/main" xmlns="" Requires="p14">
+  <mc:AlternateContent xmlns:mc="http://schemas.openxmlformats.org/markup-compatibility/2006" xmlns:p14="http://schemas.microsoft.com/office/powerpoint/2010/main">
+    <mc:Choice Requires="p14">
       <p:transition p14:dur="250">
         <p:pull/>
       </p:transition>
     </mc:Choice>
-    <mc:Fallback>
+    <mc:Fallback xmlns="">
       <p:transition>
         <p:pull/>
       </p:transition>
@@ -7943,7 +7945,7 @@
           <a:blip r:embed="rId2" cstate="print">
             <a:extLst>
               <a:ext uri="{28A0092B-C50C-407E-A947-70E740481C1C}">
-                <a14:useLocalDpi xmlns:a14="http://schemas.microsoft.com/office/drawing/2010/main" xmlns="" val="0"/>
+                <a14:useLocalDpi xmlns:a14="http://schemas.microsoft.com/office/drawing/2010/main" val="0"/>
               </a:ext>
             </a:extLst>
           </a:blip>
@@ -7973,7 +7975,7 @@
           <a:blip r:embed="rId3" cstate="print">
             <a:extLst>
               <a:ext uri="{28A0092B-C50C-407E-A947-70E740481C1C}">
-                <a14:useLocalDpi xmlns:a14="http://schemas.microsoft.com/office/drawing/2010/main" xmlns="" val="0"/>
+                <a14:useLocalDpi xmlns:a14="http://schemas.microsoft.com/office/drawing/2010/main" val="0"/>
               </a:ext>
             </a:extLst>
           </a:blip>
@@ -7996,13 +7998,13 @@
   <p:clrMapOvr>
     <a:masterClrMapping/>
   </p:clrMapOvr>
-  <mc:AlternateContent xmlns:mc="http://schemas.openxmlformats.org/markup-compatibility/2006">
-    <mc:Choice xmlns:p14="http://schemas.microsoft.com/office/powerpoint/2010/main" xmlns="" Requires="p14">
+  <mc:AlternateContent xmlns:mc="http://schemas.openxmlformats.org/markup-compatibility/2006" xmlns:p14="http://schemas.microsoft.com/office/powerpoint/2010/main">
+    <mc:Choice Requires="p14">
       <p:transition p14:dur="250">
         <p:pull/>
       </p:transition>
     </mc:Choice>
-    <mc:Fallback>
+    <mc:Fallback xmlns="">
       <p:transition>
         <p:pull/>
       </p:transition>
@@ -8105,7 +8107,7 @@
               </a:lnSpc>
             </a:pPr>
             <a:r>
-              <a:rPr lang="fr-FR" sz="2800" b="1" strike="noStrike">
+              <a:rPr lang="fr-FR" sz="2800" b="1" strike="noStrike" dirty="0">
                 <a:solidFill>
                   <a:srgbClr val="004D6F"/>
                 </a:solidFill>
@@ -8113,7 +8115,7 @@
               </a:rPr>
               <a:t>Pilotage du projet</a:t>
             </a:r>
-            <a:endParaRPr/>
+            <a:endParaRPr dirty="0"/>
           </a:p>
           <a:p>
             <a:pPr>
@@ -8121,7 +8123,7 @@
                 <a:spcPct val="100000"/>
               </a:lnSpc>
             </a:pPr>
-            <a:endParaRPr/>
+            <a:endParaRPr dirty="0"/>
           </a:p>
           <a:p>
             <a:pPr>
@@ -8130,7 +8132,7 @@
               </a:lnSpc>
             </a:pPr>
             <a:r>
-              <a:rPr lang="fr-FR" sz="2000" b="1" strike="noStrike">
+              <a:rPr lang="fr-FR" sz="2000" b="1" strike="noStrike" dirty="0">
                 <a:solidFill>
                   <a:srgbClr val="004D6F"/>
                 </a:solidFill>
@@ -8139,7 +8141,7 @@
               <a:t>Pilotage par les </a:t>
             </a:r>
             <a:r>
-              <a:rPr lang="fr-FR" sz="2000" b="1" strike="noStrike" smtClean="0">
+              <a:rPr lang="fr-FR" sz="2000" b="1" strike="noStrike" dirty="0" smtClean="0">
                 <a:solidFill>
                   <a:srgbClr val="004D6F"/>
                 </a:solidFill>
@@ -8148,10 +8150,10 @@
               <a:t>délais de chaque version</a:t>
             </a:r>
             <a:r>
-              <a:rPr lang="fr-FR" smtClean="0"/>
+              <a:rPr lang="fr-FR" dirty="0" smtClean="0"/>
               <a:t> </a:t>
             </a:r>
-            <a:endParaRPr/>
+            <a:endParaRPr dirty="0"/>
           </a:p>
         </p:txBody>
       </p:sp>
@@ -8167,7 +8169,7 @@
           <a:blip r:embed="rId2" cstate="print">
             <a:extLst>
               <a:ext uri="{28A0092B-C50C-407E-A947-70E740481C1C}">
-                <a14:useLocalDpi xmlns:a14="http://schemas.microsoft.com/office/drawing/2010/main" xmlns="" val="0"/>
+                <a14:useLocalDpi xmlns:a14="http://schemas.microsoft.com/office/drawing/2010/main" val="0"/>
               </a:ext>
             </a:extLst>
           </a:blip>
@@ -8190,13 +8192,13 @@
   <p:clrMapOvr>
     <a:masterClrMapping/>
   </p:clrMapOvr>
-  <mc:AlternateContent xmlns:mc="http://schemas.openxmlformats.org/markup-compatibility/2006">
-    <mc:Choice xmlns:p14="http://schemas.microsoft.com/office/powerpoint/2010/main" xmlns="" Requires="p14">
+  <mc:AlternateContent xmlns:mc="http://schemas.openxmlformats.org/markup-compatibility/2006" xmlns:p14="http://schemas.microsoft.com/office/powerpoint/2010/main">
+    <mc:Choice Requires="p14">
       <p:transition p14:dur="250">
         <p:pull/>
       </p:transition>
     </mc:Choice>
-    <mc:Fallback>
+    <mc:Fallback xmlns="">
       <p:transition>
         <p:pull/>
       </p:transition>
@@ -8302,13 +8304,13 @@
   <p:clrMapOvr>
     <a:masterClrMapping/>
   </p:clrMapOvr>
-  <mc:AlternateContent xmlns:mc="http://schemas.openxmlformats.org/markup-compatibility/2006">
-    <mc:Choice xmlns:p14="http://schemas.microsoft.com/office/powerpoint/2010/main" xmlns="" Requires="p14">
+  <mc:AlternateContent xmlns:mc="http://schemas.openxmlformats.org/markup-compatibility/2006" xmlns:p14="http://schemas.microsoft.com/office/powerpoint/2010/main">
+    <mc:Choice Requires="p14">
       <p:transition spd="slow" p14:dur="1500">
         <p14:vortex dir="r"/>
       </p:transition>
     </mc:Choice>
-    <mc:Fallback>
+    <mc:Fallback xmlns="">
       <p:transition spd="slow">
         <p:fade/>
       </p:transition>
@@ -8456,7 +8458,7 @@
           <a:blip r:embed="rId2" cstate="print">
             <a:extLst>
               <a:ext uri="{28A0092B-C50C-407E-A947-70E740481C1C}">
-                <a14:useLocalDpi xmlns:a14="http://schemas.microsoft.com/office/drawing/2010/main" xmlns="" val="0"/>
+                <a14:useLocalDpi xmlns:a14="http://schemas.microsoft.com/office/drawing/2010/main" val="0"/>
               </a:ext>
             </a:extLst>
           </a:blip>
@@ -8539,13 +8541,13 @@
   <p:clrMapOvr>
     <a:masterClrMapping/>
   </p:clrMapOvr>
-  <mc:AlternateContent xmlns:mc="http://schemas.openxmlformats.org/markup-compatibility/2006">
-    <mc:Choice xmlns:p14="http://schemas.microsoft.com/office/powerpoint/2010/main" xmlns="" Requires="p14">
+  <mc:AlternateContent xmlns:mc="http://schemas.openxmlformats.org/markup-compatibility/2006" xmlns:p14="http://schemas.microsoft.com/office/powerpoint/2010/main">
+    <mc:Choice Requires="p14">
       <p:transition p14:dur="250">
         <p:pull/>
       </p:transition>
     </mc:Choice>
-    <mc:Fallback>
+    <mc:Fallback xmlns="">
       <p:transition>
         <p:pull/>
       </p:transition>
@@ -8952,13 +8954,13 @@
   <p:clrMapOvr>
     <a:masterClrMapping/>
   </p:clrMapOvr>
-  <mc:AlternateContent xmlns:mc="http://schemas.openxmlformats.org/markup-compatibility/2006">
-    <mc:Choice xmlns:p14="http://schemas.microsoft.com/office/powerpoint/2010/main" xmlns="" Requires="p14">
+  <mc:AlternateContent xmlns:mc="http://schemas.openxmlformats.org/markup-compatibility/2006" xmlns:p14="http://schemas.microsoft.com/office/powerpoint/2010/main">
+    <mc:Choice Requires="p14">
       <p:transition spd="slow" p14:dur="1500">
         <p14:vortex dir="r"/>
       </p:transition>
     </mc:Choice>
-    <mc:Fallback>
+    <mc:Fallback xmlns="">
       <p:transition spd="slow">
         <p:fade/>
       </p:transition>
@@ -9061,7 +9063,7 @@
               </a:lnSpc>
             </a:pPr>
             <a:r>
-              <a:rPr lang="fr-FR" sz="2800" b="1" strike="noStrike">
+              <a:rPr lang="fr-FR" sz="2800" b="1" strike="noStrike" dirty="0">
                 <a:solidFill>
                   <a:srgbClr val="004D6F"/>
                 </a:solidFill>
@@ -9069,7 +9071,7 @@
               </a:rPr>
               <a:t>Planning</a:t>
             </a:r>
-            <a:endParaRPr/>
+            <a:endParaRPr dirty="0"/>
           </a:p>
           <a:p>
             <a:pPr>
@@ -9077,7 +9079,7 @@
                 <a:spcPct val="100000"/>
               </a:lnSpc>
             </a:pPr>
-            <a:endParaRPr/>
+            <a:endParaRPr dirty="0"/>
           </a:p>
           <a:p>
             <a:pPr>
@@ -9086,7 +9088,7 @@
               </a:lnSpc>
             </a:pPr>
             <a:r>
-              <a:rPr lang="fr-FR" sz="2000" b="1" strike="noStrike">
+              <a:rPr lang="fr-FR" sz="2000" b="1" strike="noStrike" dirty="0">
                 <a:solidFill>
                   <a:srgbClr val="004D6F"/>
                 </a:solidFill>
@@ -9094,7 +9096,15 @@
               </a:rPr>
               <a:t>Vue d’ensemble</a:t>
             </a:r>
-            <a:endParaRPr/>
+            <a:endParaRPr dirty="0"/>
+          </a:p>
+          <a:p>
+            <a:pPr algn="ctr">
+              <a:lnSpc>
+                <a:spcPct val="100000"/>
+              </a:lnSpc>
+            </a:pPr>
+            <a:endParaRPr dirty="0"/>
           </a:p>
           <a:p>
             <a:pPr>
@@ -9102,47 +9112,52 @@
                 <a:spcPct val="100000"/>
               </a:lnSpc>
             </a:pPr>
-            <a:endParaRPr/>
-          </a:p>
-          <a:p>
-            <a:pPr algn="ctr">
-              <a:lnSpc>
-                <a:spcPct val="100000"/>
-              </a:lnSpc>
-            </a:pPr>
-            <a:r>
-              <a:rPr lang="fr-FR" sz="2000" b="1" strike="noStrike">
-                <a:solidFill>
-                  <a:srgbClr val="004D6F"/>
-                </a:solidFill>
-                <a:latin typeface="Arial"/>
-              </a:rPr>
-              <a:t>Bô schéma</a:t>
-            </a:r>
-            <a:endParaRPr/>
-          </a:p>
-          <a:p>
-            <a:pPr>
-              <a:lnSpc>
-                <a:spcPct val="100000"/>
-              </a:lnSpc>
-            </a:pPr>
-            <a:endParaRPr/>
-          </a:p>
-        </p:txBody>
-      </p:sp>
+            <a:endParaRPr dirty="0"/>
+          </a:p>
+        </p:txBody>
+      </p:sp>
+      <p:pic>
+        <p:nvPicPr>
+          <p:cNvPr id="2" name="Image 1"/>
+          <p:cNvPicPr>
+            <a:picLocks noChangeAspect="1"/>
+          </p:cNvPicPr>
+          <p:nvPr/>
+        </p:nvPicPr>
+        <p:blipFill>
+          <a:blip r:embed="rId2">
+            <a:extLst>
+              <a:ext uri="{28A0092B-C50C-407E-A947-70E740481C1C}">
+                <a14:useLocalDpi xmlns:a14="http://schemas.microsoft.com/office/drawing/2010/main" val="0"/>
+              </a:ext>
+            </a:extLst>
+          </a:blip>
+          <a:stretch>
+            <a:fillRect/>
+          </a:stretch>
+        </p:blipFill>
+        <p:spPr>
+          <a:xfrm>
+            <a:off x="395356" y="2708920"/>
+            <a:ext cx="8352928" cy="1484296"/>
+          </a:xfrm>
+          <a:prstGeom prst="rect">
+            <a:avLst/>
+          </a:prstGeom>
+        </p:spPr>
+      </p:pic>
     </p:spTree>
   </p:cSld>
   <p:clrMapOvr>
     <a:masterClrMapping/>
   </p:clrMapOvr>
-  <mc:AlternateContent xmlns:mc="http://schemas.openxmlformats.org/markup-compatibility/2006">
-    <mc:Choice xmlns:p14="http://schemas.microsoft.com/office/powerpoint/2010/main" xmlns="" Requires="p14">
+  <mc:AlternateContent xmlns:mc="http://schemas.openxmlformats.org/markup-compatibility/2006" xmlns:p14="http://schemas.microsoft.com/office/powerpoint/2010/main">
+    <mc:Choice Requires="p14">
       <p:transition p14:dur="250">
         <p:pull/>
       </p:transition>
     </mc:Choice>
-    <mc:Fallback>
+    <mc:Fallback xmlns="">
       <p:transition>
         <p:pull/>
       </p:transition>
@@ -9318,7 +9333,7 @@
           <a:blip r:embed="rId2" cstate="print">
             <a:extLst>
               <a:ext uri="{28A0092B-C50C-407E-A947-70E740481C1C}">
-                <a14:useLocalDpi xmlns:a14="http://schemas.microsoft.com/office/drawing/2010/main" xmlns="" val="0"/>
+                <a14:useLocalDpi xmlns:a14="http://schemas.microsoft.com/office/drawing/2010/main" val="0"/>
               </a:ext>
             </a:extLst>
           </a:blip>
@@ -9341,13 +9356,13 @@
   <p:clrMapOvr>
     <a:masterClrMapping/>
   </p:clrMapOvr>
-  <mc:AlternateContent xmlns:mc="http://schemas.openxmlformats.org/markup-compatibility/2006">
-    <mc:Choice xmlns:p14="http://schemas.microsoft.com/office/powerpoint/2010/main" xmlns="" Requires="p14">
+  <mc:AlternateContent xmlns:mc="http://schemas.openxmlformats.org/markup-compatibility/2006" xmlns:p14="http://schemas.microsoft.com/office/powerpoint/2010/main">
+    <mc:Choice Requires="p14">
       <p:transition p14:dur="250">
         <p:pull/>
       </p:transition>
     </mc:Choice>
-    <mc:Fallback>
+    <mc:Fallback xmlns="">
       <p:transition>
         <p:pull/>
       </p:transition>
@@ -9451,20 +9466,20 @@
     </p:spTree>
     <p:extLst>
       <p:ext uri="{BB962C8B-B14F-4D97-AF65-F5344CB8AC3E}">
-        <p14:creationId xmlns:p14="http://schemas.microsoft.com/office/powerpoint/2010/main" xmlns="" val="1585855229"/>
+        <p14:creationId xmlns:p14="http://schemas.microsoft.com/office/powerpoint/2010/main" val="1585855229"/>
       </p:ext>
     </p:extLst>
   </p:cSld>
   <p:clrMapOvr>
     <a:masterClrMapping/>
   </p:clrMapOvr>
-  <mc:AlternateContent xmlns:mc="http://schemas.openxmlformats.org/markup-compatibility/2006">
-    <mc:Choice xmlns:p14="http://schemas.microsoft.com/office/powerpoint/2010/main" xmlns="" Requires="p14">
+  <mc:AlternateContent xmlns:mc="http://schemas.openxmlformats.org/markup-compatibility/2006" xmlns:p14="http://schemas.microsoft.com/office/powerpoint/2010/main">
+    <mc:Choice Requires="p14">
       <p:transition spd="slow" p14:dur="1500">
         <p14:vortex dir="r"/>
       </p:transition>
     </mc:Choice>
-    <mc:Fallback>
+    <mc:Fallback xmlns="">
       <p:transition spd="slow">
         <p:fade/>
       </p:transition>
@@ -9536,7 +9551,7 @@
           <a:blip r:embed="rId2" cstate="print">
             <a:extLst>
               <a:ext uri="{28A0092B-C50C-407E-A947-70E740481C1C}">
-                <a14:useLocalDpi xmlns:a14="http://schemas.microsoft.com/office/drawing/2010/main" xmlns="" val="0"/>
+                <a14:useLocalDpi xmlns:a14="http://schemas.microsoft.com/office/drawing/2010/main" val="0"/>
               </a:ext>
             </a:extLst>
           </a:blip>
@@ -9590,13 +9605,13 @@
   <p:clrMapOvr>
     <a:masterClrMapping/>
   </p:clrMapOvr>
-  <mc:AlternateContent xmlns:mc="http://schemas.openxmlformats.org/markup-compatibility/2006">
-    <mc:Choice xmlns:p14="http://schemas.microsoft.com/office/powerpoint/2010/main" xmlns="" Requires="p14">
+  <mc:AlternateContent xmlns:mc="http://schemas.openxmlformats.org/markup-compatibility/2006" xmlns:p14="http://schemas.microsoft.com/office/powerpoint/2010/main">
+    <mc:Choice Requires="p14">
       <p:transition spd="slow" p14:dur="7500">
         <p14:honeycomb/>
       </p:transition>
     </mc:Choice>
-    <mc:Fallback>
+    <mc:Fallback xmlns="">
       <p:transition spd="slow">
         <p:fade/>
       </p:transition>
@@ -9682,7 +9697,7 @@
           <a:blip r:embed="rId2" cstate="print">
             <a:extLst>
               <a:ext uri="{28A0092B-C50C-407E-A947-70E740481C1C}">
-                <a14:useLocalDpi xmlns:a14="http://schemas.microsoft.com/office/drawing/2010/main" xmlns="" val="0"/>
+                <a14:useLocalDpi xmlns:a14="http://schemas.microsoft.com/office/drawing/2010/main" val="0"/>
               </a:ext>
             </a:extLst>
           </a:blip>
@@ -9728,13 +9743,13 @@
   <p:clrMapOvr>
     <a:masterClrMapping/>
   </p:clrMapOvr>
-  <mc:AlternateContent xmlns:mc="http://schemas.openxmlformats.org/markup-compatibility/2006">
-    <mc:Choice xmlns:p14="http://schemas.microsoft.com/office/powerpoint/2010/main" xmlns="" Requires="p14">
+  <mc:AlternateContent xmlns:mc="http://schemas.openxmlformats.org/markup-compatibility/2006" xmlns:p14="http://schemas.microsoft.com/office/powerpoint/2010/main">
+    <mc:Choice Requires="p14">
       <p:transition p14:dur="250">
         <p:pull/>
       </p:transition>
     </mc:Choice>
-    <mc:Fallback>
+    <mc:Fallback xmlns="">
       <p:transition>
         <p:pull/>
       </p:transition>
@@ -9909,13 +9924,13 @@
   <p:clrMapOvr>
     <a:masterClrMapping/>
   </p:clrMapOvr>
-  <mc:AlternateContent xmlns:mc="http://schemas.openxmlformats.org/markup-compatibility/2006">
-    <mc:Choice xmlns:p14="http://schemas.microsoft.com/office/powerpoint/2010/main" xmlns="" Requires="p14">
+  <mc:AlternateContent xmlns:mc="http://schemas.openxmlformats.org/markup-compatibility/2006" xmlns:p14="http://schemas.microsoft.com/office/powerpoint/2010/main">
+    <mc:Choice Requires="p14">
       <p:transition p14:dur="250">
         <p:pull/>
       </p:transition>
     </mc:Choice>
-    <mc:Fallback>
+    <mc:Fallback xmlns="">
       <p:transition>
         <p:pull/>
       </p:transition>
@@ -10087,13 +10102,13 @@
   <p:clrMapOvr>
     <a:masterClrMapping/>
   </p:clrMapOvr>
-  <mc:AlternateContent xmlns:mc="http://schemas.openxmlformats.org/markup-compatibility/2006">
-    <mc:Choice xmlns:p14="http://schemas.microsoft.com/office/powerpoint/2010/main" xmlns="" Requires="p14">
+  <mc:AlternateContent xmlns:mc="http://schemas.openxmlformats.org/markup-compatibility/2006" xmlns:p14="http://schemas.microsoft.com/office/powerpoint/2010/main">
+    <mc:Choice Requires="p14">
       <p:transition p14:dur="250">
         <p:pull/>
       </p:transition>
     </mc:Choice>
-    <mc:Fallback>
+    <mc:Fallback xmlns="">
       <p:transition>
         <p:pull/>
       </p:transition>
@@ -10489,13 +10504,13 @@
   <p:clrMapOvr>
     <a:masterClrMapping/>
   </p:clrMapOvr>
-  <mc:AlternateContent xmlns:mc="http://schemas.openxmlformats.org/markup-compatibility/2006">
-    <mc:Choice xmlns:p14="http://schemas.microsoft.com/office/powerpoint/2010/main" xmlns="" Requires="p14">
+  <mc:AlternateContent xmlns:mc="http://schemas.openxmlformats.org/markup-compatibility/2006" xmlns:p14="http://schemas.microsoft.com/office/powerpoint/2010/main">
+    <mc:Choice Requires="p14">
       <p:transition p14:dur="250">
         <p:pull/>
       </p:transition>
     </mc:Choice>
-    <mc:Fallback>
+    <mc:Fallback xmlns="">
       <p:transition>
         <p:pull/>
       </p:transition>
@@ -10621,13 +10636,13 @@
   <p:clrMapOvr>
     <a:masterClrMapping/>
   </p:clrMapOvr>
-  <mc:AlternateContent xmlns:mc="http://schemas.openxmlformats.org/markup-compatibility/2006">
-    <mc:Choice xmlns:p14="http://schemas.microsoft.com/office/powerpoint/2010/main" xmlns="" Requires="p14">
+  <mc:AlternateContent xmlns:mc="http://schemas.openxmlformats.org/markup-compatibility/2006" xmlns:p14="http://schemas.microsoft.com/office/powerpoint/2010/main">
+    <mc:Choice Requires="p14">
       <p:transition spd="slow" p14:dur="1500">
         <p14:vortex dir="r"/>
       </p:transition>
     </mc:Choice>
-    <mc:Fallback>
+    <mc:Fallback xmlns="">
       <p:transition spd="slow">
         <p:fade/>
       </p:transition>
@@ -10882,13 +10897,13 @@
   <p:clrMapOvr>
     <a:masterClrMapping/>
   </p:clrMapOvr>
-  <mc:AlternateContent xmlns:mc="http://schemas.openxmlformats.org/markup-compatibility/2006">
-    <mc:Choice xmlns:p14="http://schemas.microsoft.com/office/powerpoint/2010/main" xmlns="" Requires="p14">
+  <mc:AlternateContent xmlns:mc="http://schemas.openxmlformats.org/markup-compatibility/2006" xmlns:p14="http://schemas.microsoft.com/office/powerpoint/2010/main">
+    <mc:Choice Requires="p14">
       <p:transition p14:dur="250">
         <p:pull/>
       </p:transition>
     </mc:Choice>
-    <mc:Fallback>
+    <mc:Fallback xmlns="">
       <p:transition>
         <p:pull/>
       </p:transition>
@@ -11177,13 +11192,13 @@
   <p:clrMapOvr>
     <a:masterClrMapping/>
   </p:clrMapOvr>
-  <mc:AlternateContent xmlns:mc="http://schemas.openxmlformats.org/markup-compatibility/2006">
-    <mc:Choice xmlns:p14="http://schemas.microsoft.com/office/powerpoint/2010/main" xmlns="" Requires="p14">
+  <mc:AlternateContent xmlns:mc="http://schemas.openxmlformats.org/markup-compatibility/2006" xmlns:p14="http://schemas.microsoft.com/office/powerpoint/2010/main">
+    <mc:Choice Requires="p14">
       <p:transition p14:dur="250">
         <p:pull/>
       </p:transition>
     </mc:Choice>
-    <mc:Fallback>
+    <mc:Fallback xmlns="">
       <p:transition>
         <p:pull/>
       </p:transition>

--- a/soutenances/planification/soutenance_planification.pptx
+++ b/soutenances/planification/soutenance_planification.pptx
@@ -13,12 +13,12 @@
     <p:sldId id="279" r:id="rId4"/>
     <p:sldId id="259" r:id="rId5"/>
     <p:sldId id="260" r:id="rId6"/>
-    <p:sldId id="261" r:id="rId7"/>
-    <p:sldId id="257" r:id="rId8"/>
-    <p:sldId id="262" r:id="rId9"/>
-    <p:sldId id="263" r:id="rId10"/>
-    <p:sldId id="264" r:id="rId11"/>
-    <p:sldId id="265" r:id="rId12"/>
+    <p:sldId id="257" r:id="rId7"/>
+    <p:sldId id="262" r:id="rId8"/>
+    <p:sldId id="263" r:id="rId9"/>
+    <p:sldId id="264" r:id="rId10"/>
+    <p:sldId id="265" r:id="rId11"/>
+    <p:sldId id="261" r:id="rId12"/>
     <p:sldId id="266" r:id="rId13"/>
     <p:sldId id="267" r:id="rId14"/>
     <p:sldId id="268" r:id="rId15"/>
@@ -143,7 +143,6 @@
             <p14:sldId id="279"/>
             <p14:sldId id="259"/>
             <p14:sldId id="260"/>
-            <p14:sldId id="261"/>
           </p14:sldIdLst>
         </p14:section>
         <p14:section name="Toc" id="{60CC510A-E19D-4ABE-9629-1CDBE655D2E5}">
@@ -157,6 +156,7 @@
             <p14:sldId id="263"/>
             <p14:sldId id="264"/>
             <p14:sldId id="265"/>
+            <p14:sldId id="261"/>
             <p14:sldId id="266"/>
             <p14:sldId id="267"/>
           </p14:sldIdLst>
@@ -388,7 +388,7 @@
                 <a:latin typeface="Times New Roman"/>
               </a:rPr>
               <a:pPr algn="r"/>
-              <a:t>‹N°›</a:t>
+              <a:t>‹#›</a:t>
             </a:fld>
             <a:endParaRPr/>
           </a:p>
@@ -904,7 +904,7 @@
                   <a:spcPct val="100000"/>
                 </a:lnSpc>
               </a:pPr>
-              <a:t>5</a:t>
+              <a:t>10</a:t>
             </a:fld>
             <a:endParaRPr/>
           </a:p>
@@ -914,6 +914,665 @@
     <p:extLst>
       <p:ext uri="{BB962C8B-B14F-4D97-AF65-F5344CB8AC3E}">
         <p14:creationId xmlns:p14="http://schemas.microsoft.com/office/powerpoint/2010/main" val="1893070811"/>
+      </p:ext>
+    </p:extLst>
+  </p:cSld>
+  <p:clrMapOvr>
+    <a:masterClrMapping/>
+  </p:clrMapOvr>
+</p:notes>
+</file>
+
+<file path=ppt/notesSlides/notesSlide5.xml><?xml version="1.0" encoding="utf-8"?>
+<p:notes xmlns:a="http://schemas.openxmlformats.org/drawingml/2006/main" xmlns:r="http://schemas.openxmlformats.org/officeDocument/2006/relationships" xmlns:p="http://schemas.openxmlformats.org/presentationml/2006/main">
+  <p:cSld>
+    <p:spTree>
+      <p:nvGrpSpPr>
+        <p:cNvPr id="1" name=""/>
+        <p:cNvGrpSpPr/>
+        <p:nvPr/>
+      </p:nvGrpSpPr>
+      <p:grpSpPr>
+        <a:xfrm>
+          <a:off x="0" y="0"/>
+          <a:ext cx="0" cy="0"/>
+          <a:chOff x="0" y="0"/>
+          <a:chExt cx="0" cy="0"/>
+        </a:xfrm>
+      </p:grpSpPr>
+      <p:sp>
+        <p:nvSpPr>
+          <p:cNvPr id="2" name="Slide Image Placeholder 1"/>
+          <p:cNvSpPr>
+            <a:spLocks noGrp="1" noRot="1" noChangeAspect="1"/>
+          </p:cNvSpPr>
+          <p:nvPr>
+            <p:ph type="sldImg"/>
+          </p:nvPr>
+        </p:nvSpPr>
+        <p:spPr>
+          <a:xfrm>
+            <a:off x="1371600" y="1143000"/>
+            <a:ext cx="4114800" cy="3086100"/>
+          </a:xfrm>
+          <a:prstGeom prst="rect">
+            <a:avLst/>
+          </a:prstGeom>
+          <a:noFill/>
+          <a:ln w="12700">
+            <a:solidFill>
+              <a:prstClr val="black"/>
+            </a:solidFill>
+          </a:ln>
+        </p:spPr>
+      </p:sp>
+      <p:sp>
+        <p:nvSpPr>
+          <p:cNvPr id="3" name="Notes Placeholder 2"/>
+          <p:cNvSpPr>
+            <a:spLocks noGrp="1"/>
+          </p:cNvSpPr>
+          <p:nvPr>
+            <p:ph type="body" idx="1"/>
+          </p:nvPr>
+        </p:nvSpPr>
+        <p:spPr/>
+        <p:txBody>
+          <a:bodyPr/>
+          <a:lstStyle/>
+          <a:p>
+            <a:r>
+              <a:rPr lang="en-US" dirty="0" smtClean="0"/>
+              <a:t>Plus </a:t>
+            </a:r>
+            <a:r>
+              <a:rPr lang="en-US" dirty="0" err="1" smtClean="0"/>
+              <a:t>visuel</a:t>
+            </a:r>
+            <a:endParaRPr lang="en-US" dirty="0" smtClean="0"/>
+          </a:p>
+          <a:p>
+            <a:endParaRPr lang="en-US" dirty="0" smtClean="0"/>
+          </a:p>
+          <a:p>
+            <a:r>
+              <a:rPr lang="en-US" dirty="0" err="1" smtClean="0"/>
+              <a:t>Parler</a:t>
+            </a:r>
+            <a:r>
+              <a:rPr lang="en-US" baseline="0" dirty="0" smtClean="0"/>
+              <a:t> de phases ?</a:t>
+            </a:r>
+            <a:endParaRPr lang="fr-FR" dirty="0"/>
+          </a:p>
+        </p:txBody>
+      </p:sp>
+      <p:sp>
+        <p:nvSpPr>
+          <p:cNvPr id="4" name="Slide Number Placeholder 3"/>
+          <p:cNvSpPr>
+            <a:spLocks noGrp="1"/>
+          </p:cNvSpPr>
+          <p:nvPr>
+            <p:ph type="sldNum" idx="10"/>
+          </p:nvPr>
+        </p:nvSpPr>
+        <p:spPr/>
+        <p:txBody>
+          <a:bodyPr/>
+          <a:lstStyle/>
+          <a:p>
+            <a:pPr algn="r"/>
+            <a:fld id="{DAE4472E-6CE6-45D8-A535-0399A0614DAA}" type="slidenum">
+              <a:rPr lang="fr-FR" sz="1400" smtClean="0">
+                <a:latin typeface="Times New Roman"/>
+              </a:rPr>
+              <a:pPr algn="r"/>
+              <a:t>12</a:t>
+            </a:fld>
+            <a:endParaRPr lang="fr-FR"/>
+          </a:p>
+        </p:txBody>
+      </p:sp>
+    </p:spTree>
+    <p:extLst>
+      <p:ext uri="{BB962C8B-B14F-4D97-AF65-F5344CB8AC3E}">
+        <p14:creationId xmlns:p14="http://schemas.microsoft.com/office/powerpoint/2010/main" val="3162141559"/>
+      </p:ext>
+    </p:extLst>
+  </p:cSld>
+  <p:clrMapOvr>
+    <a:masterClrMapping/>
+  </p:clrMapOvr>
+</p:notes>
+</file>
+
+<file path=ppt/notesSlides/notesSlide6.xml><?xml version="1.0" encoding="utf-8"?>
+<p:notes xmlns:a="http://schemas.openxmlformats.org/drawingml/2006/main" xmlns:r="http://schemas.openxmlformats.org/officeDocument/2006/relationships" xmlns:p="http://schemas.openxmlformats.org/presentationml/2006/main">
+  <p:cSld>
+    <p:spTree>
+      <p:nvGrpSpPr>
+        <p:cNvPr id="1" name=""/>
+        <p:cNvGrpSpPr/>
+        <p:nvPr/>
+      </p:nvGrpSpPr>
+      <p:grpSpPr>
+        <a:xfrm>
+          <a:off x="0" y="0"/>
+          <a:ext cx="0" cy="0"/>
+          <a:chOff x="0" y="0"/>
+          <a:chExt cx="0" cy="0"/>
+        </a:xfrm>
+      </p:grpSpPr>
+      <p:sp>
+        <p:nvSpPr>
+          <p:cNvPr id="2" name="Slide Image Placeholder 1"/>
+          <p:cNvSpPr>
+            <a:spLocks noGrp="1" noRot="1" noChangeAspect="1"/>
+          </p:cNvSpPr>
+          <p:nvPr>
+            <p:ph type="sldImg"/>
+          </p:nvPr>
+        </p:nvSpPr>
+        <p:spPr>
+          <a:xfrm>
+            <a:off x="1371600" y="1143000"/>
+            <a:ext cx="4114800" cy="3086100"/>
+          </a:xfrm>
+          <a:prstGeom prst="rect">
+            <a:avLst/>
+          </a:prstGeom>
+          <a:noFill/>
+          <a:ln w="12700">
+            <a:solidFill>
+              <a:prstClr val="black"/>
+            </a:solidFill>
+          </a:ln>
+        </p:spPr>
+      </p:sp>
+      <p:sp>
+        <p:nvSpPr>
+          <p:cNvPr id="3" name="Notes Placeholder 2"/>
+          <p:cNvSpPr>
+            <a:spLocks noGrp="1"/>
+          </p:cNvSpPr>
+          <p:nvPr>
+            <p:ph type="body" idx="1"/>
+          </p:nvPr>
+        </p:nvSpPr>
+        <p:spPr/>
+        <p:txBody>
+          <a:bodyPr/>
+          <a:lstStyle/>
+          <a:p>
+            <a:r>
+              <a:rPr lang="en-US" dirty="0" smtClean="0"/>
+              <a:t>TDD</a:t>
+            </a:r>
+          </a:p>
+          <a:p>
+            <a:endParaRPr lang="en-US" dirty="0" smtClean="0"/>
+          </a:p>
+          <a:p>
+            <a:r>
+              <a:rPr lang="en-US" dirty="0" smtClean="0"/>
+              <a:t>Dire </a:t>
+            </a:r>
+            <a:r>
+              <a:rPr lang="en-US" dirty="0" err="1" smtClean="0"/>
+              <a:t>que</a:t>
+            </a:r>
+            <a:r>
+              <a:rPr lang="en-US" baseline="0" dirty="0" smtClean="0"/>
+              <a:t> les tests portent </a:t>
+            </a:r>
+            <a:r>
+              <a:rPr lang="en-US" baseline="0" dirty="0" err="1" smtClean="0"/>
+              <a:t>sur</a:t>
+            </a:r>
+            <a:r>
+              <a:rPr lang="en-US" baseline="0" dirty="0" smtClean="0"/>
+              <a:t> le STAR ?</a:t>
+            </a:r>
+          </a:p>
+          <a:p>
+            <a:endParaRPr lang="en-US" baseline="0" dirty="0" smtClean="0"/>
+          </a:p>
+          <a:p>
+            <a:r>
+              <a:rPr lang="en-US" baseline="0" dirty="0" err="1" smtClean="0"/>
+              <a:t>Dessins</a:t>
+            </a:r>
+            <a:r>
+              <a:rPr lang="en-US" baseline="0" dirty="0" smtClean="0"/>
+              <a:t> </a:t>
+            </a:r>
+            <a:r>
+              <a:rPr lang="en-US" baseline="0" dirty="0" err="1" smtClean="0"/>
+              <a:t>moins</a:t>
+            </a:r>
+            <a:r>
+              <a:rPr lang="en-US" baseline="0" dirty="0" smtClean="0"/>
+              <a:t> </a:t>
+            </a:r>
+            <a:r>
+              <a:rPr lang="en-US" baseline="0" dirty="0" err="1" smtClean="0"/>
+              <a:t>générique</a:t>
+            </a:r>
+            <a:r>
+              <a:rPr lang="en-US" baseline="0" dirty="0" smtClean="0"/>
+              <a:t>.</a:t>
+            </a:r>
+            <a:endParaRPr lang="fr-FR" dirty="0"/>
+          </a:p>
+        </p:txBody>
+      </p:sp>
+      <p:sp>
+        <p:nvSpPr>
+          <p:cNvPr id="4" name="Slide Number Placeholder 3"/>
+          <p:cNvSpPr>
+            <a:spLocks noGrp="1"/>
+          </p:cNvSpPr>
+          <p:nvPr>
+            <p:ph type="sldNum" idx="10"/>
+          </p:nvPr>
+        </p:nvSpPr>
+        <p:spPr/>
+        <p:txBody>
+          <a:bodyPr/>
+          <a:lstStyle/>
+          <a:p>
+            <a:pPr algn="r"/>
+            <a:fld id="{DAE4472E-6CE6-45D8-A535-0399A0614DAA}" type="slidenum">
+              <a:rPr lang="fr-FR" sz="1400" smtClean="0">
+                <a:latin typeface="Times New Roman"/>
+              </a:rPr>
+              <a:pPr algn="r"/>
+              <a:t>16</a:t>
+            </a:fld>
+            <a:endParaRPr lang="fr-FR"/>
+          </a:p>
+        </p:txBody>
+      </p:sp>
+    </p:spTree>
+    <p:extLst>
+      <p:ext uri="{BB962C8B-B14F-4D97-AF65-F5344CB8AC3E}">
+        <p14:creationId xmlns:p14="http://schemas.microsoft.com/office/powerpoint/2010/main" val="1585364243"/>
+      </p:ext>
+    </p:extLst>
+  </p:cSld>
+  <p:clrMapOvr>
+    <a:masterClrMapping/>
+  </p:clrMapOvr>
+</p:notes>
+</file>
+
+<file path=ppt/notesSlides/notesSlide7.xml><?xml version="1.0" encoding="utf-8"?>
+<p:notes xmlns:a="http://schemas.openxmlformats.org/drawingml/2006/main" xmlns:r="http://schemas.openxmlformats.org/officeDocument/2006/relationships" xmlns:p="http://schemas.openxmlformats.org/presentationml/2006/main">
+  <p:cSld>
+    <p:spTree>
+      <p:nvGrpSpPr>
+        <p:cNvPr id="1" name=""/>
+        <p:cNvGrpSpPr/>
+        <p:nvPr/>
+      </p:nvGrpSpPr>
+      <p:grpSpPr>
+        <a:xfrm>
+          <a:off x="0" y="0"/>
+          <a:ext cx="0" cy="0"/>
+          <a:chOff x="0" y="0"/>
+          <a:chExt cx="0" cy="0"/>
+        </a:xfrm>
+      </p:grpSpPr>
+      <p:sp>
+        <p:nvSpPr>
+          <p:cNvPr id="2" name="Slide Image Placeholder 1"/>
+          <p:cNvSpPr>
+            <a:spLocks noGrp="1" noRot="1" noChangeAspect="1"/>
+          </p:cNvSpPr>
+          <p:nvPr>
+            <p:ph type="sldImg"/>
+          </p:nvPr>
+        </p:nvSpPr>
+        <p:spPr>
+          <a:xfrm>
+            <a:off x="1371600" y="1143000"/>
+            <a:ext cx="4114800" cy="3086100"/>
+          </a:xfrm>
+          <a:prstGeom prst="rect">
+            <a:avLst/>
+          </a:prstGeom>
+          <a:noFill/>
+          <a:ln w="12700">
+            <a:solidFill>
+              <a:prstClr val="black"/>
+            </a:solidFill>
+          </a:ln>
+        </p:spPr>
+      </p:sp>
+      <p:sp>
+        <p:nvSpPr>
+          <p:cNvPr id="3" name="Notes Placeholder 2"/>
+          <p:cNvSpPr>
+            <a:spLocks noGrp="1"/>
+          </p:cNvSpPr>
+          <p:nvPr>
+            <p:ph type="body" idx="1"/>
+          </p:nvPr>
+        </p:nvSpPr>
+        <p:spPr/>
+        <p:txBody>
+          <a:bodyPr/>
+          <a:lstStyle/>
+          <a:p>
+            <a:r>
+              <a:rPr lang="fr-FR" dirty="0" smtClean="0"/>
+              <a:t>Ne</a:t>
+            </a:r>
+            <a:r>
+              <a:rPr lang="fr-FR" baseline="0" dirty="0" smtClean="0"/>
+              <a:t> pas parler au futur, faire au présent.</a:t>
+            </a:r>
+            <a:endParaRPr lang="fr-FR" dirty="0"/>
+          </a:p>
+        </p:txBody>
+      </p:sp>
+      <p:sp>
+        <p:nvSpPr>
+          <p:cNvPr id="4" name="Slide Number Placeholder 3"/>
+          <p:cNvSpPr>
+            <a:spLocks noGrp="1"/>
+          </p:cNvSpPr>
+          <p:nvPr>
+            <p:ph type="sldNum" idx="10"/>
+          </p:nvPr>
+        </p:nvSpPr>
+        <p:spPr/>
+        <p:txBody>
+          <a:bodyPr/>
+          <a:lstStyle/>
+          <a:p>
+            <a:pPr algn="r"/>
+            <a:fld id="{DAE4472E-6CE6-45D8-A535-0399A0614DAA}" type="slidenum">
+              <a:rPr lang="fr-FR" sz="1400" smtClean="0">
+                <a:latin typeface="Times New Roman"/>
+              </a:rPr>
+              <a:pPr algn="r"/>
+              <a:t>19</a:t>
+            </a:fld>
+            <a:endParaRPr lang="fr-FR"/>
+          </a:p>
+        </p:txBody>
+      </p:sp>
+    </p:spTree>
+    <p:extLst>
+      <p:ext uri="{BB962C8B-B14F-4D97-AF65-F5344CB8AC3E}">
+        <p14:creationId xmlns:p14="http://schemas.microsoft.com/office/powerpoint/2010/main" val="1263906245"/>
+      </p:ext>
+    </p:extLst>
+  </p:cSld>
+  <p:clrMapOvr>
+    <a:masterClrMapping/>
+  </p:clrMapOvr>
+</p:notes>
+</file>
+
+<file path=ppt/notesSlides/notesSlide8.xml><?xml version="1.0" encoding="utf-8"?>
+<p:notes xmlns:a="http://schemas.openxmlformats.org/drawingml/2006/main" xmlns:r="http://schemas.openxmlformats.org/officeDocument/2006/relationships" xmlns:p="http://schemas.openxmlformats.org/presentationml/2006/main">
+  <p:cSld>
+    <p:spTree>
+      <p:nvGrpSpPr>
+        <p:cNvPr id="1" name=""/>
+        <p:cNvGrpSpPr/>
+        <p:nvPr/>
+      </p:nvGrpSpPr>
+      <p:grpSpPr>
+        <a:xfrm>
+          <a:off x="0" y="0"/>
+          <a:ext cx="0" cy="0"/>
+          <a:chOff x="0" y="0"/>
+          <a:chExt cx="0" cy="0"/>
+        </a:xfrm>
+      </p:grpSpPr>
+      <p:sp>
+        <p:nvSpPr>
+          <p:cNvPr id="2" name="Slide Image Placeholder 1"/>
+          <p:cNvSpPr>
+            <a:spLocks noGrp="1" noRot="1" noChangeAspect="1"/>
+          </p:cNvSpPr>
+          <p:nvPr>
+            <p:ph type="sldImg"/>
+          </p:nvPr>
+        </p:nvSpPr>
+        <p:spPr>
+          <a:xfrm>
+            <a:off x="1371600" y="1143000"/>
+            <a:ext cx="4114800" cy="3086100"/>
+          </a:xfrm>
+          <a:prstGeom prst="rect">
+            <a:avLst/>
+          </a:prstGeom>
+          <a:noFill/>
+          <a:ln w="12700">
+            <a:solidFill>
+              <a:prstClr val="black"/>
+            </a:solidFill>
+          </a:ln>
+        </p:spPr>
+      </p:sp>
+      <p:sp>
+        <p:nvSpPr>
+          <p:cNvPr id="3" name="Notes Placeholder 2"/>
+          <p:cNvSpPr>
+            <a:spLocks noGrp="1"/>
+          </p:cNvSpPr>
+          <p:nvPr>
+            <p:ph type="body" idx="1"/>
+          </p:nvPr>
+        </p:nvSpPr>
+        <p:spPr/>
+        <p:txBody>
+          <a:bodyPr/>
+          <a:lstStyle/>
+          <a:p>
+            <a:r>
+              <a:rPr lang="fr-FR" dirty="0" smtClean="0"/>
+              <a:t>On</a:t>
+            </a:r>
+            <a:r>
+              <a:rPr lang="fr-FR" baseline="0" dirty="0" smtClean="0"/>
+              <a:t> a oublié de parler des versions.</a:t>
+            </a:r>
+            <a:endParaRPr lang="fr-FR" dirty="0" smtClean="0"/>
+          </a:p>
+          <a:p>
+            <a:endParaRPr lang="fr-FR" dirty="0" smtClean="0"/>
+          </a:p>
+          <a:p>
+            <a:r>
+              <a:rPr lang="fr-FR" dirty="0" smtClean="0"/>
+              <a:t>On voit rien.</a:t>
+            </a:r>
+          </a:p>
+          <a:p>
+            <a:r>
+              <a:rPr lang="fr-FR" dirty="0" smtClean="0"/>
+              <a:t>Colorier.</a:t>
+            </a:r>
+          </a:p>
+          <a:p>
+            <a:endParaRPr lang="fr-FR" dirty="0" smtClean="0"/>
+          </a:p>
+          <a:p>
+            <a:r>
+              <a:rPr lang="fr-FR" dirty="0" smtClean="0"/>
+              <a:t>Donner</a:t>
+            </a:r>
+            <a:r>
+              <a:rPr lang="fr-FR" baseline="0" dirty="0" smtClean="0"/>
+              <a:t> nombre heures</a:t>
+            </a:r>
+          </a:p>
+          <a:p>
+            <a:r>
+              <a:rPr lang="fr-FR" baseline="0" dirty="0" smtClean="0"/>
+              <a:t>Nombre heure travail par semaine.</a:t>
+            </a:r>
+            <a:endParaRPr lang="fr-FR" dirty="0" smtClean="0"/>
+          </a:p>
+          <a:p>
+            <a:endParaRPr lang="fr-FR" dirty="0" smtClean="0"/>
+          </a:p>
+          <a:p>
+            <a:endParaRPr lang="fr-FR" dirty="0"/>
+          </a:p>
+        </p:txBody>
+      </p:sp>
+      <p:sp>
+        <p:nvSpPr>
+          <p:cNvPr id="4" name="Slide Number Placeholder 3"/>
+          <p:cNvSpPr>
+            <a:spLocks noGrp="1"/>
+          </p:cNvSpPr>
+          <p:nvPr>
+            <p:ph type="sldNum" idx="10"/>
+          </p:nvPr>
+        </p:nvSpPr>
+        <p:spPr/>
+        <p:txBody>
+          <a:bodyPr/>
+          <a:lstStyle/>
+          <a:p>
+            <a:pPr algn="r"/>
+            <a:fld id="{DAE4472E-6CE6-45D8-A535-0399A0614DAA}" type="slidenum">
+              <a:rPr lang="fr-FR" sz="1400" smtClean="0">
+                <a:latin typeface="Times New Roman"/>
+              </a:rPr>
+              <a:pPr algn="r"/>
+              <a:t>20</a:t>
+            </a:fld>
+            <a:endParaRPr lang="fr-FR"/>
+          </a:p>
+        </p:txBody>
+      </p:sp>
+    </p:spTree>
+    <p:extLst>
+      <p:ext uri="{BB962C8B-B14F-4D97-AF65-F5344CB8AC3E}">
+        <p14:creationId xmlns:p14="http://schemas.microsoft.com/office/powerpoint/2010/main" val="3431012212"/>
+      </p:ext>
+    </p:extLst>
+  </p:cSld>
+  <p:clrMapOvr>
+    <a:masterClrMapping/>
+  </p:clrMapOvr>
+</p:notes>
+</file>
+
+<file path=ppt/notesSlides/notesSlide9.xml><?xml version="1.0" encoding="utf-8"?>
+<p:notes xmlns:a="http://schemas.openxmlformats.org/drawingml/2006/main" xmlns:r="http://schemas.openxmlformats.org/officeDocument/2006/relationships" xmlns:p="http://schemas.openxmlformats.org/presentationml/2006/main">
+  <p:cSld>
+    <p:spTree>
+      <p:nvGrpSpPr>
+        <p:cNvPr id="1" name=""/>
+        <p:cNvGrpSpPr/>
+        <p:nvPr/>
+      </p:nvGrpSpPr>
+      <p:grpSpPr>
+        <a:xfrm>
+          <a:off x="0" y="0"/>
+          <a:ext cx="0" cy="0"/>
+          <a:chOff x="0" y="0"/>
+          <a:chExt cx="0" cy="0"/>
+        </a:xfrm>
+      </p:grpSpPr>
+      <p:sp>
+        <p:nvSpPr>
+          <p:cNvPr id="2" name="Slide Image Placeholder 1"/>
+          <p:cNvSpPr>
+            <a:spLocks noGrp="1" noRot="1" noChangeAspect="1"/>
+          </p:cNvSpPr>
+          <p:nvPr>
+            <p:ph type="sldImg"/>
+          </p:nvPr>
+        </p:nvSpPr>
+        <p:spPr>
+          <a:xfrm>
+            <a:off x="1371600" y="1143000"/>
+            <a:ext cx="4114800" cy="3086100"/>
+          </a:xfrm>
+          <a:prstGeom prst="rect">
+            <a:avLst/>
+          </a:prstGeom>
+          <a:noFill/>
+          <a:ln w="12700">
+            <a:solidFill>
+              <a:prstClr val="black"/>
+            </a:solidFill>
+          </a:ln>
+        </p:spPr>
+      </p:sp>
+      <p:sp>
+        <p:nvSpPr>
+          <p:cNvPr id="3" name="Notes Placeholder 2"/>
+          <p:cNvSpPr>
+            <a:spLocks noGrp="1"/>
+          </p:cNvSpPr>
+          <p:nvPr>
+            <p:ph type="body" idx="1"/>
+          </p:nvPr>
+        </p:nvSpPr>
+        <p:spPr/>
+        <p:txBody>
+          <a:bodyPr/>
+          <a:lstStyle/>
+          <a:p>
+            <a:r>
+              <a:rPr lang="fr-FR" dirty="0" smtClean="0"/>
+              <a:t>Mettre </a:t>
+            </a:r>
+            <a:r>
+              <a:rPr lang="fr-FR" dirty="0" err="1" smtClean="0"/>
+              <a:t>glasir</a:t>
+            </a:r>
+            <a:r>
+              <a:rPr lang="fr-FR" dirty="0" smtClean="0"/>
+              <a:t>.</a:t>
+            </a:r>
+            <a:endParaRPr lang="fr-FR" dirty="0"/>
+          </a:p>
+        </p:txBody>
+      </p:sp>
+      <p:sp>
+        <p:nvSpPr>
+          <p:cNvPr id="4" name="Slide Number Placeholder 3"/>
+          <p:cNvSpPr>
+            <a:spLocks noGrp="1"/>
+          </p:cNvSpPr>
+          <p:nvPr>
+            <p:ph type="sldNum" idx="10"/>
+          </p:nvPr>
+        </p:nvSpPr>
+        <p:spPr/>
+        <p:txBody>
+          <a:bodyPr/>
+          <a:lstStyle/>
+          <a:p>
+            <a:pPr algn="r"/>
+            <a:fld id="{DAE4472E-6CE6-45D8-A535-0399A0614DAA}" type="slidenum">
+              <a:rPr lang="fr-FR" sz="1400" smtClean="0">
+                <a:latin typeface="Times New Roman"/>
+              </a:rPr>
+              <a:pPr algn="r"/>
+              <a:t>23</a:t>
+            </a:fld>
+            <a:endParaRPr lang="fr-FR"/>
+          </a:p>
+        </p:txBody>
+      </p:sp>
+    </p:spTree>
+    <p:extLst>
+      <p:ext uri="{BB962C8B-B14F-4D97-AF65-F5344CB8AC3E}">
+        <p14:creationId xmlns:p14="http://schemas.microsoft.com/office/powerpoint/2010/main" val="1422932872"/>
       </p:ext>
     </p:extLst>
   </p:cSld>
@@ -4020,7 +4679,7 @@
                   <a:spcPct val="100000"/>
                 </a:lnSpc>
               </a:pPr>
-              <a:t>‹N°›</a:t>
+              <a:t>‹#›</a:t>
             </a:fld>
             <a:endParaRPr/>
           </a:p>
@@ -5107,7 +5766,7 @@
                   <a:spcPct val="100000"/>
                 </a:lnSpc>
               </a:pPr>
-              <a:t>‹N°›</a:t>
+              <a:t>‹#›</a:t>
             </a:fld>
             <a:endParaRPr/>
           </a:p>
@@ -5504,7 +6163,7 @@
                   <a:spcPct val="100000"/>
                 </a:lnSpc>
               </a:pPr>
-              <a:t>‹N°›</a:t>
+              <a:t>‹#›</a:t>
             </a:fld>
             <a:endParaRPr/>
           </a:p>
@@ -6118,7 +6777,7 @@
       </p:grpSpPr>
       <p:sp>
         <p:nvSpPr>
-          <p:cNvPr id="128" name="TextShape 1"/>
+          <p:cNvPr id="118" name="TextShape 1"/>
           <p:cNvSpPr txBox="1"/>
           <p:nvPr/>
         </p:nvSpPr>
@@ -6145,21 +6804,21 @@
               </a:lnSpc>
             </a:pPr>
             <a:r>
-              <a:rPr lang="fr-FR" sz="1600" b="1" strike="noStrike">
+              <a:rPr lang="fr-FR" sz="1600" b="1" strike="noStrike" dirty="0" smtClean="0">
                 <a:solidFill>
                   <a:srgbClr val="4F4D50"/>
                 </a:solidFill>
                 <a:latin typeface="Arial"/>
               </a:rPr>
-              <a:t>Contexte</a:t>
-            </a:r>
-            <a:endParaRPr/>
-          </a:p>
-        </p:txBody>
-      </p:sp>
-      <p:sp>
-        <p:nvSpPr>
-          <p:cNvPr id="129" name="TextShape 2"/>
+              <a:t>Introduction</a:t>
+            </a:r>
+            <a:endParaRPr dirty="0"/>
+          </a:p>
+        </p:txBody>
+      </p:sp>
+      <p:sp>
+        <p:nvSpPr>
+          <p:cNvPr id="119" name="TextShape 2"/>
           <p:cNvSpPr txBox="1"/>
           <p:nvPr/>
         </p:nvSpPr>
@@ -6180,54 +6839,54 @@
           <a:bodyPr/>
           <a:lstStyle/>
           <a:p>
-            <a:pPr algn="ctr">
-              <a:lnSpc>
-                <a:spcPct val="100000"/>
-              </a:lnSpc>
-            </a:pPr>
-            <a:r>
-              <a:rPr lang="fr-FR" sz="2800" b="1" strike="noStrike">
-                <a:solidFill>
-                  <a:srgbClr val="004D6F"/>
-                </a:solidFill>
-                <a:latin typeface="Arial"/>
-              </a:rPr>
-              <a:t>Éléments d’entrée</a:t>
-            </a:r>
-            <a:endParaRPr/>
-          </a:p>
-          <a:p>
-            <a:pPr algn="ctr">
-              <a:lnSpc>
-                <a:spcPct val="100000"/>
-              </a:lnSpc>
-            </a:pPr>
             <a:endParaRPr/>
           </a:p>
         </p:txBody>
       </p:sp>
       <p:pic>
         <p:nvPicPr>
-          <p:cNvPr id="4" name="Image 3" descr="ADTool.png"/>
-          <p:cNvPicPr>
-            <a:picLocks noChangeAspect="1"/>
-          </p:cNvPicPr>
+          <p:cNvPr id="120" name="Picture 3"/>
+          <p:cNvPicPr/>
           <p:nvPr/>
         </p:nvPicPr>
         <p:blipFill>
-          <a:blip r:embed="rId2" cstate="print"/>
-          <a:stretch>
-            <a:fillRect/>
-          </a:stretch>
+          <a:blip r:embed="rId3" cstate="print"/>
+          <a:stretch/>
         </p:blipFill>
         <p:spPr>
           <a:xfrm>
-            <a:off x="2555776" y="2276872"/>
-            <a:ext cx="4401681" cy="2507935"/>
-          </a:xfrm>
-          <a:prstGeom prst="rect">
-            <a:avLst/>
-          </a:prstGeom>
+            <a:off x="539640" y="2565000"/>
+            <a:ext cx="2703240" cy="1540440"/>
+          </a:xfrm>
+          <a:prstGeom prst="rect">
+            <a:avLst/>
+          </a:prstGeom>
+          <a:ln>
+            <a:noFill/>
+          </a:ln>
+        </p:spPr>
+      </p:pic>
+      <p:pic>
+        <p:nvPicPr>
+          <p:cNvPr id="121" name="Picture 4"/>
+          <p:cNvPicPr/>
+          <p:nvPr/>
+        </p:nvPicPr>
+        <p:blipFill>
+          <a:blip r:embed="rId4" cstate="print"/>
+          <a:stretch/>
+        </p:blipFill>
+        <p:spPr>
+          <a:xfrm>
+            <a:off x="4212000" y="980640"/>
+            <a:ext cx="4484520" cy="5301000"/>
+          </a:xfrm>
+          <a:prstGeom prst="rect">
+            <a:avLst/>
+          </a:prstGeom>
+          <a:ln>
+            <a:noFill/>
+          </a:ln>
         </p:spPr>
       </p:pic>
     </p:spTree>
@@ -7942,7 +8601,7 @@
           <p:nvPr/>
         </p:nvPicPr>
         <p:blipFill>
-          <a:blip r:embed="rId2" cstate="print">
+          <a:blip r:embed="rId3" cstate="print">
             <a:extLst>
               <a:ext uri="{28A0092B-C50C-407E-A947-70E740481C1C}">
                 <a14:useLocalDpi xmlns:a14="http://schemas.microsoft.com/office/drawing/2010/main" val="0"/>
@@ -7972,7 +8631,7 @@
           <p:nvPr/>
         </p:nvPicPr>
         <p:blipFill>
-          <a:blip r:embed="rId3" cstate="print">
+          <a:blip r:embed="rId4" cstate="print">
             <a:extLst>
               <a:ext uri="{28A0092B-C50C-407E-A947-70E740481C1C}">
                 <a14:useLocalDpi xmlns:a14="http://schemas.microsoft.com/office/drawing/2010/main" val="0"/>
@@ -8455,7 +9114,7 @@
           <p:nvPr/>
         </p:nvPicPr>
         <p:blipFill>
-          <a:blip r:embed="rId2" cstate="print">
+          <a:blip r:embed="rId3" cstate="print">
             <a:extLst>
               <a:ext uri="{28A0092B-C50C-407E-A947-70E740481C1C}">
                 <a14:useLocalDpi xmlns:a14="http://schemas.microsoft.com/office/drawing/2010/main" val="0"/>
@@ -9082,23 +9741,6 @@
             <a:endParaRPr dirty="0"/>
           </a:p>
           <a:p>
-            <a:pPr>
-              <a:lnSpc>
-                <a:spcPct val="100000"/>
-              </a:lnSpc>
-            </a:pPr>
-            <a:r>
-              <a:rPr lang="fr-FR" sz="2000" b="1" strike="noStrike" dirty="0">
-                <a:solidFill>
-                  <a:srgbClr val="004D6F"/>
-                </a:solidFill>
-                <a:latin typeface="Arial"/>
-              </a:rPr>
-              <a:t>Vue d’ensemble</a:t>
-            </a:r>
-            <a:endParaRPr dirty="0"/>
-          </a:p>
-          <a:p>
             <a:pPr algn="ctr">
               <a:lnSpc>
                 <a:spcPct val="100000"/>
@@ -9125,7 +9767,7 @@
           <p:nvPr/>
         </p:nvPicPr>
         <p:blipFill>
-          <a:blip r:embed="rId2">
+          <a:blip r:embed="rId3">
             <a:extLst>
               <a:ext uri="{28A0092B-C50C-407E-A947-70E740481C1C}">
                 <a14:useLocalDpi xmlns:a14="http://schemas.microsoft.com/office/drawing/2010/main" val="0"/>
@@ -9548,7 +10190,7 @@
           <p:nvPr/>
         </p:nvPicPr>
         <p:blipFill>
-          <a:blip r:embed="rId2" cstate="print">
+          <a:blip r:embed="rId3" cstate="print">
             <a:extLst>
               <a:ext uri="{28A0092B-C50C-407E-A947-70E740481C1C}">
                 <a14:useLocalDpi xmlns:a14="http://schemas.microsoft.com/office/drawing/2010/main" val="0"/>
@@ -9985,7 +10627,7 @@
       </p:grpSpPr>
       <p:sp>
         <p:nvSpPr>
-          <p:cNvPr id="118" name="TextShape 1"/>
+          <p:cNvPr id="108" name="TextShape 1"/>
           <p:cNvSpPr txBox="1"/>
           <p:nvPr/>
         </p:nvSpPr>
@@ -10006,19 +10648,10 @@
           <a:bodyPr anchor="ctr"/>
           <a:lstStyle/>
           <a:p>
-            <a:pPr algn="ctr">
-              <a:lnSpc>
-                <a:spcPct val="100000"/>
-              </a:lnSpc>
-            </a:pPr>
-            <a:r>
-              <a:rPr lang="fr-FR" sz="1600" b="1" strike="noStrike" dirty="0" smtClean="0">
-                <a:solidFill>
-                  <a:srgbClr val="4F4D50"/>
-                </a:solidFill>
-                <a:latin typeface="Arial"/>
-              </a:rPr>
-              <a:t>Introduction</a:t>
+            <a:pPr algn="ctr"/>
+            <a:r>
+              <a:rPr lang="en-US" sz="2800" dirty="0" err="1" smtClean="0"/>
+              <a:t>Sommaire</a:t>
             </a:r>
             <a:endParaRPr dirty="0"/>
           </a:p>
@@ -10026,7 +10659,7 @@
       </p:sp>
       <p:sp>
         <p:nvSpPr>
-          <p:cNvPr id="119" name="TextShape 2"/>
+          <p:cNvPr id="109" name="TextShape 2"/>
           <p:cNvSpPr txBox="1"/>
           <p:nvPr/>
         </p:nvSpPr>
@@ -10047,161 +10680,10 @@
           <a:bodyPr/>
           <a:lstStyle/>
           <a:p>
-            <a:endParaRPr/>
-          </a:p>
-        </p:txBody>
-      </p:sp>
-      <p:pic>
-        <p:nvPicPr>
-          <p:cNvPr id="120" name="Picture 3"/>
-          <p:cNvPicPr/>
-          <p:nvPr/>
-        </p:nvPicPr>
-        <p:blipFill>
-          <a:blip r:embed="rId3" cstate="print"/>
-          <a:stretch/>
-        </p:blipFill>
-        <p:spPr>
-          <a:xfrm>
-            <a:off x="539640" y="2565000"/>
-            <a:ext cx="2703240" cy="1540440"/>
-          </a:xfrm>
-          <a:prstGeom prst="rect">
-            <a:avLst/>
-          </a:prstGeom>
-          <a:ln>
-            <a:noFill/>
-          </a:ln>
-        </p:spPr>
-      </p:pic>
-      <p:pic>
-        <p:nvPicPr>
-          <p:cNvPr id="121" name="Picture 4"/>
-          <p:cNvPicPr/>
-          <p:nvPr/>
-        </p:nvPicPr>
-        <p:blipFill>
-          <a:blip r:embed="rId4" cstate="print"/>
-          <a:stretch/>
-        </p:blipFill>
-        <p:spPr>
-          <a:xfrm>
-            <a:off x="4212000" y="980640"/>
-            <a:ext cx="4484520" cy="5301000"/>
-          </a:xfrm>
-          <a:prstGeom prst="rect">
-            <a:avLst/>
-          </a:prstGeom>
-          <a:ln>
-            <a:noFill/>
-          </a:ln>
-        </p:spPr>
-      </p:pic>
-    </p:spTree>
-  </p:cSld>
-  <p:clrMapOvr>
-    <a:masterClrMapping/>
-  </p:clrMapOvr>
-  <mc:AlternateContent xmlns:mc="http://schemas.openxmlformats.org/markup-compatibility/2006" xmlns:p14="http://schemas.microsoft.com/office/powerpoint/2010/main">
-    <mc:Choice Requires="p14">
-      <p:transition p14:dur="250">
-        <p:pull/>
-      </p:transition>
-    </mc:Choice>
-    <mc:Fallback xmlns="">
-      <p:transition>
-        <p:pull/>
-      </p:transition>
-    </mc:Fallback>
-  </mc:AlternateContent>
-  <p:timing>
-    <p:tnLst>
-      <p:par>
-        <p:cTn id="1" dur="indefinite" restart="never" nodeType="tmRoot"/>
-      </p:par>
-    </p:tnLst>
-  </p:timing>
-</p:sld>
-</file>
-
-<file path=ppt/slides/slide6.xml><?xml version="1.0" encoding="utf-8"?>
-<p:sld xmlns:a="http://schemas.openxmlformats.org/drawingml/2006/main" xmlns:r="http://schemas.openxmlformats.org/officeDocument/2006/relationships" xmlns:p="http://schemas.openxmlformats.org/presentationml/2006/main">
-  <p:cSld>
-    <p:spTree>
-      <p:nvGrpSpPr>
-        <p:cNvPr id="1" name=""/>
-        <p:cNvGrpSpPr/>
-        <p:nvPr/>
-      </p:nvGrpSpPr>
-      <p:grpSpPr>
-        <a:xfrm>
-          <a:off x="0" y="0"/>
-          <a:ext cx="0" cy="0"/>
-          <a:chOff x="0" y="0"/>
-          <a:chExt cx="0" cy="0"/>
-        </a:xfrm>
-      </p:grpSpPr>
-      <p:sp>
-        <p:nvSpPr>
-          <p:cNvPr id="108" name="TextShape 1"/>
-          <p:cNvSpPr txBox="1"/>
-          <p:nvPr/>
-        </p:nvSpPr>
-        <p:spPr>
-          <a:xfrm>
-            <a:off x="1763640" y="92160"/>
-            <a:ext cx="6460560" cy="571320"/>
-          </a:xfrm>
-          <a:prstGeom prst="rect">
-            <a:avLst/>
-          </a:prstGeom>
-          <a:noFill/>
-          <a:ln>
-            <a:noFill/>
-          </a:ln>
-        </p:spPr>
-        <p:txBody>
-          <a:bodyPr anchor="ctr"/>
-          <a:lstStyle/>
-          <a:p>
-            <a:pPr algn="ctr"/>
-            <a:r>
-              <a:rPr lang="en-US" sz="2800" dirty="0" err="1" smtClean="0"/>
-              <a:t>Sommaire</a:t>
-            </a:r>
-            <a:endParaRPr dirty="0"/>
-          </a:p>
-        </p:txBody>
-      </p:sp>
-      <p:sp>
-        <p:nvSpPr>
-          <p:cNvPr id="109" name="TextShape 2"/>
-          <p:cNvSpPr txBox="1"/>
-          <p:nvPr/>
-        </p:nvSpPr>
-        <p:spPr>
-          <a:xfrm>
-            <a:off x="457200" y="980640"/>
-            <a:ext cx="8229240" cy="5328360"/>
-          </a:xfrm>
-          <a:prstGeom prst="rect">
-            <a:avLst/>
-          </a:prstGeom>
-          <a:noFill/>
-          <a:ln>
-            <a:noFill/>
-          </a:ln>
-        </p:spPr>
-        <p:txBody>
-          <a:bodyPr/>
-          <a:lstStyle/>
-          <a:p>
-            <a:pPr marL="342900" indent="-342900">
-              <a:lnSpc>
-                <a:spcPct val="100000"/>
-              </a:lnSpc>
-              <a:buFont typeface="Arial" panose="020B0604020202020204" pitchFamily="34" charset="0"/>
-              <a:buChar char="•"/>
+            <a:pPr>
+              <a:lnSpc>
+                <a:spcPct val="150000"/>
+              </a:lnSpc>
             </a:pPr>
             <a:r>
               <a:rPr lang="fr-FR" sz="2000" b="1" strike="noStrike" dirty="0" smtClean="0">
@@ -10215,12 +10697,10 @@
             <a:endParaRPr dirty="0"/>
           </a:p>
           <a:p>
-            <a:pPr marL="742950" lvl="1" indent="-285750">
-              <a:lnSpc>
-                <a:spcPct val="100000"/>
-              </a:lnSpc>
-              <a:buFont typeface="Arial" panose="020B0604020202020204" pitchFamily="34" charset="0"/>
-              <a:buChar char="•"/>
+            <a:pPr lvl="1">
+              <a:lnSpc>
+                <a:spcPct val="150000"/>
+              </a:lnSpc>
             </a:pPr>
             <a:r>
               <a:rPr lang="fr-FR" sz="1500" b="1" strike="noStrike" dirty="0">
@@ -10234,12 +10714,10 @@
             <a:endParaRPr dirty="0"/>
           </a:p>
           <a:p>
-            <a:pPr marL="742950" lvl="1" indent="-285750">
-              <a:lnSpc>
-                <a:spcPct val="100000"/>
-              </a:lnSpc>
-              <a:buFont typeface="Arial" panose="020B0604020202020204" pitchFamily="34" charset="0"/>
-              <a:buChar char="•"/>
+            <a:pPr lvl="1">
+              <a:lnSpc>
+                <a:spcPct val="150000"/>
+              </a:lnSpc>
             </a:pPr>
             <a:r>
               <a:rPr lang="fr-FR" sz="1500" b="1" strike="noStrike" dirty="0">
@@ -10253,12 +10731,10 @@
             <a:endParaRPr dirty="0"/>
           </a:p>
           <a:p>
-            <a:pPr marL="742950" lvl="1" indent="-285750">
-              <a:lnSpc>
-                <a:spcPct val="100000"/>
-              </a:lnSpc>
-              <a:buFont typeface="Arial" panose="020B0604020202020204" pitchFamily="34" charset="0"/>
-              <a:buChar char="•"/>
+            <a:pPr lvl="1">
+              <a:lnSpc>
+                <a:spcPct val="150000"/>
+              </a:lnSpc>
             </a:pPr>
             <a:r>
               <a:rPr lang="fr-FR" sz="1500" b="1" strike="noStrike" dirty="0" smtClean="0">
@@ -10281,12 +10757,10 @@
             <a:endParaRPr dirty="0"/>
           </a:p>
           <a:p>
-            <a:pPr marL="742950" lvl="1" indent="-285750">
-              <a:lnSpc>
-                <a:spcPct val="100000"/>
-              </a:lnSpc>
-              <a:buFont typeface="Arial" panose="020B0604020202020204" pitchFamily="34" charset="0"/>
-              <a:buChar char="•"/>
+            <a:pPr lvl="1">
+              <a:lnSpc>
+                <a:spcPct val="150000"/>
+              </a:lnSpc>
             </a:pPr>
             <a:r>
               <a:rPr lang="fr-FR" sz="1500" b="1" strike="noStrike" dirty="0">
@@ -10300,12 +10774,10 @@
             <a:endParaRPr dirty="0"/>
           </a:p>
           <a:p>
-            <a:pPr marL="742950" lvl="1" indent="-285750">
-              <a:lnSpc>
-                <a:spcPct val="100000"/>
-              </a:lnSpc>
-              <a:buFont typeface="Arial" panose="020B0604020202020204" pitchFamily="34" charset="0"/>
-              <a:buChar char="•"/>
+            <a:pPr lvl="1">
+              <a:lnSpc>
+                <a:spcPct val="150000"/>
+              </a:lnSpc>
             </a:pPr>
             <a:r>
               <a:rPr lang="fr-FR" sz="1500" b="1" strike="noStrike" dirty="0">
@@ -10319,12 +10791,10 @@
             <a:endParaRPr dirty="0"/>
           </a:p>
           <a:p>
-            <a:pPr marL="342900" indent="-342900">
-              <a:lnSpc>
-                <a:spcPct val="100000"/>
-              </a:lnSpc>
-              <a:buFont typeface="Arial" panose="020B0604020202020204" pitchFamily="34" charset="0"/>
-              <a:buChar char="•"/>
+            <a:pPr>
+              <a:lnSpc>
+                <a:spcPct val="150000"/>
+              </a:lnSpc>
             </a:pPr>
             <a:r>
               <a:rPr lang="fr-FR" sz="2000" b="1" strike="noStrike" dirty="0">
@@ -10338,12 +10808,10 @@
             <a:endParaRPr dirty="0"/>
           </a:p>
           <a:p>
-            <a:pPr marL="742950" lvl="1" indent="-285750">
-              <a:lnSpc>
-                <a:spcPct val="100000"/>
-              </a:lnSpc>
-              <a:buFont typeface="Arial" panose="020B0604020202020204" pitchFamily="34" charset="0"/>
-              <a:buChar char="•"/>
+            <a:pPr lvl="1">
+              <a:lnSpc>
+                <a:spcPct val="150000"/>
+              </a:lnSpc>
             </a:pPr>
             <a:r>
               <a:rPr lang="fr-FR" sz="1500" b="1" strike="noStrike" dirty="0">
@@ -10357,12 +10825,10 @@
             <a:endParaRPr dirty="0"/>
           </a:p>
           <a:p>
-            <a:pPr marL="742950" lvl="1" indent="-285750">
-              <a:lnSpc>
-                <a:spcPct val="100000"/>
-              </a:lnSpc>
-              <a:buFont typeface="Arial" panose="020B0604020202020204" pitchFamily="34" charset="0"/>
-              <a:buChar char="•"/>
+            <a:pPr lvl="1">
+              <a:lnSpc>
+                <a:spcPct val="150000"/>
+              </a:lnSpc>
             </a:pPr>
             <a:r>
               <a:rPr lang="fr-FR" sz="1500" b="1" strike="noStrike" dirty="0">
@@ -10376,12 +10842,10 @@
             <a:endParaRPr dirty="0"/>
           </a:p>
           <a:p>
-            <a:pPr marL="742950" lvl="1" indent="-285750">
-              <a:lnSpc>
-                <a:spcPct val="100000"/>
-              </a:lnSpc>
-              <a:buFont typeface="Arial" panose="020B0604020202020204" pitchFamily="34" charset="0"/>
-              <a:buChar char="•"/>
+            <a:pPr lvl="1">
+              <a:lnSpc>
+                <a:spcPct val="150000"/>
+              </a:lnSpc>
             </a:pPr>
             <a:r>
               <a:rPr lang="fr-FR" sz="1500" b="1" strike="noStrike" dirty="0">
@@ -10395,12 +10859,10 @@
             <a:endParaRPr dirty="0"/>
           </a:p>
           <a:p>
-            <a:pPr marL="742950" lvl="1" indent="-285750">
-              <a:lnSpc>
-                <a:spcPct val="100000"/>
-              </a:lnSpc>
-              <a:buFont typeface="Arial" panose="020B0604020202020204" pitchFamily="34" charset="0"/>
-              <a:buChar char="•"/>
+            <a:pPr lvl="1">
+              <a:lnSpc>
+                <a:spcPct val="150000"/>
+              </a:lnSpc>
             </a:pPr>
             <a:r>
               <a:rPr lang="fr-FR" sz="1500" b="1" strike="noStrike" dirty="0">
@@ -10414,12 +10876,10 @@
             <a:endParaRPr dirty="0"/>
           </a:p>
           <a:p>
-            <a:pPr marL="342900" indent="-342900">
-              <a:lnSpc>
-                <a:spcPct val="100000"/>
-              </a:lnSpc>
-              <a:buFont typeface="Arial" panose="020B0604020202020204" pitchFamily="34" charset="0"/>
-              <a:buChar char="•"/>
+            <a:pPr>
+              <a:lnSpc>
+                <a:spcPct val="150000"/>
+              </a:lnSpc>
             </a:pPr>
             <a:r>
               <a:rPr lang="fr-FR" sz="2000" b="1" strike="noStrike" dirty="0">
@@ -10433,12 +10893,10 @@
             <a:endParaRPr dirty="0"/>
           </a:p>
           <a:p>
-            <a:pPr marL="742950" lvl="1" indent="-285750">
-              <a:lnSpc>
-                <a:spcPct val="100000"/>
-              </a:lnSpc>
-              <a:buFont typeface="Arial" panose="020B0604020202020204" pitchFamily="34" charset="0"/>
-              <a:buChar char="•"/>
+            <a:pPr lvl="1">
+              <a:lnSpc>
+                <a:spcPct val="150000"/>
+              </a:lnSpc>
             </a:pPr>
             <a:r>
               <a:rPr lang="fr-FR" sz="1500" b="1" strike="noStrike" dirty="0">
@@ -10452,12 +10910,10 @@
             <a:endParaRPr dirty="0"/>
           </a:p>
           <a:p>
-            <a:pPr marL="742950" lvl="1" indent="-285750">
-              <a:lnSpc>
-                <a:spcPct val="100000"/>
-              </a:lnSpc>
-              <a:buFont typeface="Arial" panose="020B0604020202020204" pitchFamily="34" charset="0"/>
-              <a:buChar char="•"/>
+            <a:pPr lvl="1">
+              <a:lnSpc>
+                <a:spcPct val="150000"/>
+              </a:lnSpc>
             </a:pPr>
             <a:r>
               <a:rPr lang="fr-FR" sz="1500" b="1" strike="noStrike" dirty="0">
@@ -10471,12 +10927,10 @@
             <a:endParaRPr dirty="0"/>
           </a:p>
           <a:p>
-            <a:pPr marL="742950" lvl="1" indent="-285750">
-              <a:lnSpc>
-                <a:spcPct val="100000"/>
-              </a:lnSpc>
-              <a:buFont typeface="Arial" panose="020B0604020202020204" pitchFamily="34" charset="0"/>
-              <a:buChar char="•"/>
+            <a:pPr lvl="1">
+              <a:lnSpc>
+                <a:spcPct val="150000"/>
+              </a:lnSpc>
             </a:pPr>
             <a:r>
               <a:rPr lang="fr-FR" sz="1500" b="1" strike="noStrike" dirty="0" err="1">
@@ -10546,6 +11000,118 @@
 </p:sld>
 </file>
 
+<file path=ppt/slides/slide6.xml><?xml version="1.0" encoding="utf-8"?>
+<p:sld xmlns:a="http://schemas.openxmlformats.org/drawingml/2006/main" xmlns:r="http://schemas.openxmlformats.org/officeDocument/2006/relationships" xmlns:p="http://schemas.openxmlformats.org/presentationml/2006/main">
+  <p:cSld>
+    <p:spTree>
+      <p:nvGrpSpPr>
+        <p:cNvPr id="1" name=""/>
+        <p:cNvGrpSpPr/>
+        <p:nvPr/>
+      </p:nvGrpSpPr>
+      <p:grpSpPr>
+        <a:xfrm>
+          <a:off x="0" y="0"/>
+          <a:ext cx="0" cy="0"/>
+          <a:chOff x="0" y="0"/>
+          <a:chExt cx="0" cy="0"/>
+        </a:xfrm>
+      </p:grpSpPr>
+      <p:sp>
+        <p:nvSpPr>
+          <p:cNvPr id="122" name="TextShape 1"/>
+          <p:cNvSpPr txBox="1"/>
+          <p:nvPr/>
+        </p:nvSpPr>
+        <p:spPr>
+          <a:xfrm>
+            <a:off x="1763640" y="92160"/>
+            <a:ext cx="6460560" cy="571320"/>
+          </a:xfrm>
+          <a:prstGeom prst="rect">
+            <a:avLst/>
+          </a:prstGeom>
+          <a:noFill/>
+          <a:ln>
+            <a:noFill/>
+          </a:ln>
+        </p:spPr>
+        <p:txBody>
+          <a:bodyPr anchor="ctr"/>
+          <a:lstStyle/>
+          <a:p>
+            <a:endParaRPr/>
+          </a:p>
+        </p:txBody>
+      </p:sp>
+      <p:sp>
+        <p:nvSpPr>
+          <p:cNvPr id="123" name="TextShape 2"/>
+          <p:cNvSpPr txBox="1"/>
+          <p:nvPr/>
+        </p:nvSpPr>
+        <p:spPr>
+          <a:xfrm>
+            <a:off x="457200" y="2781000"/>
+            <a:ext cx="8229240" cy="3528000"/>
+          </a:xfrm>
+          <a:prstGeom prst="rect">
+            <a:avLst/>
+          </a:prstGeom>
+          <a:noFill/>
+          <a:ln>
+            <a:noFill/>
+          </a:ln>
+        </p:spPr>
+        <p:txBody>
+          <a:bodyPr/>
+          <a:lstStyle/>
+          <a:p>
+            <a:pPr algn="ctr">
+              <a:lnSpc>
+                <a:spcPct val="100000"/>
+              </a:lnSpc>
+            </a:pPr>
+            <a:r>
+              <a:rPr lang="fr-FR" sz="5400" b="1" strike="noStrike">
+                <a:solidFill>
+                  <a:srgbClr val="004D6F"/>
+                </a:solidFill>
+                <a:latin typeface="Arial"/>
+              </a:rPr>
+              <a:t>Contexte</a:t>
+            </a:r>
+            <a:endParaRPr/>
+          </a:p>
+        </p:txBody>
+      </p:sp>
+    </p:spTree>
+  </p:cSld>
+  <p:clrMapOvr>
+    <a:masterClrMapping/>
+  </p:clrMapOvr>
+  <mc:AlternateContent xmlns:mc="http://schemas.openxmlformats.org/markup-compatibility/2006" xmlns:p14="http://schemas.microsoft.com/office/powerpoint/2010/main">
+    <mc:Choice Requires="p14">
+      <p:transition spd="slow" p14:dur="1500">
+        <p14:vortex dir="r"/>
+      </p:transition>
+    </mc:Choice>
+    <mc:Fallback xmlns="">
+      <p:transition spd="slow">
+        <p:fade/>
+      </p:transition>
+    </mc:Fallback>
+  </mc:AlternateContent>
+  <p:timing>
+    <p:tnLst>
+      <p:par>
+        <p:cTn id="1" dur="indefinite" restart="never" nodeType="tmRoot"/>
+      </p:par>
+    </p:tnLst>
+  </p:timing>
+</p:sld>
+</file>
+
 <file path=ppt/slides/slide7.xml><?xml version="1.0" encoding="utf-8"?>
 <p:sld xmlns:a="http://schemas.openxmlformats.org/drawingml/2006/main" xmlns:r="http://schemas.openxmlformats.org/officeDocument/2006/relationships" xmlns:p="http://schemas.openxmlformats.org/presentationml/2006/main">
   <p:cSld>
@@ -10565,7 +11131,7 @@
       </p:grpSpPr>
       <p:sp>
         <p:nvSpPr>
-          <p:cNvPr id="122" name="TextShape 1"/>
+          <p:cNvPr id="124" name="TextShape 1"/>
           <p:cNvSpPr txBox="1"/>
           <p:nvPr/>
         </p:nvSpPr>
@@ -10586,20 +11152,34 @@
           <a:bodyPr anchor="ctr"/>
           <a:lstStyle/>
           <a:p>
-            <a:endParaRPr/>
-          </a:p>
-        </p:txBody>
-      </p:sp>
-      <p:sp>
-        <p:nvSpPr>
-          <p:cNvPr id="123" name="TextShape 2"/>
+            <a:pPr algn="ctr">
+              <a:lnSpc>
+                <a:spcPct val="100000"/>
+              </a:lnSpc>
+            </a:pPr>
+            <a:r>
+              <a:rPr lang="fr-FR" sz="1600" b="1" strike="noStrike">
+                <a:solidFill>
+                  <a:srgbClr val="4F4D50"/>
+                </a:solidFill>
+                <a:latin typeface="Arial"/>
+              </a:rPr>
+              <a:t>Contexte</a:t>
+            </a:r>
+            <a:endParaRPr/>
+          </a:p>
+        </p:txBody>
+      </p:sp>
+      <p:sp>
+        <p:nvSpPr>
+          <p:cNvPr id="125" name="TextShape 2"/>
           <p:cNvSpPr txBox="1"/>
           <p:nvPr/>
         </p:nvSpPr>
         <p:spPr>
           <a:xfrm>
-            <a:off x="457200" y="2781000"/>
-            <a:ext cx="8229240" cy="3528000"/>
+            <a:off x="457200" y="980640"/>
+            <a:ext cx="8229240" cy="5328360"/>
           </a:xfrm>
           <a:prstGeom prst="rect">
             <a:avLst/>
@@ -10619,13 +11199,148 @@
               </a:lnSpc>
             </a:pPr>
             <a:r>
-              <a:rPr lang="fr-FR" sz="5400" b="1" strike="noStrike">
+              <a:rPr lang="fr-FR" sz="2800" b="1" strike="noStrike">
                 <a:solidFill>
                   <a:srgbClr val="004D6F"/>
                 </a:solidFill>
                 <a:latin typeface="Arial"/>
               </a:rPr>
-              <a:t>Contexte</a:t>
+              <a:t>Acteurs</a:t>
+            </a:r>
+            <a:endParaRPr/>
+          </a:p>
+          <a:p>
+            <a:pPr algn="ctr">
+              <a:lnSpc>
+                <a:spcPct val="100000"/>
+              </a:lnSpc>
+            </a:pPr>
+            <a:endParaRPr/>
+          </a:p>
+          <a:p>
+            <a:pPr>
+              <a:lnSpc>
+                <a:spcPct val="100000"/>
+              </a:lnSpc>
+            </a:pPr>
+            <a:r>
+              <a:rPr lang="fr-FR" sz="2000" b="1" strike="noStrike">
+                <a:solidFill>
+                  <a:srgbClr val="004D6F"/>
+                </a:solidFill>
+                <a:latin typeface="Arial"/>
+              </a:rPr>
+              <a:t>	Trois développeurs</a:t>
+            </a:r>
+            <a:endParaRPr/>
+          </a:p>
+          <a:p>
+            <a:pPr>
+              <a:lnSpc>
+                <a:spcPct val="100000"/>
+              </a:lnSpc>
+            </a:pPr>
+            <a:r>
+              <a:rPr lang="fr-FR" sz="2000" b="1" strike="noStrike">
+                <a:solidFill>
+                  <a:srgbClr val="004D6F"/>
+                </a:solidFill>
+                <a:latin typeface="Arial"/>
+              </a:rPr>
+              <a:t>		Pierre-Marie Airiau</a:t>
+            </a:r>
+            <a:endParaRPr/>
+          </a:p>
+          <a:p>
+            <a:pPr>
+              <a:lnSpc>
+                <a:spcPct val="100000"/>
+              </a:lnSpc>
+            </a:pPr>
+            <a:r>
+              <a:rPr lang="fr-FR" sz="2000" b="1" strike="noStrike">
+                <a:solidFill>
+                  <a:srgbClr val="004D6F"/>
+                </a:solidFill>
+                <a:latin typeface="Arial"/>
+              </a:rPr>
+              <a:t>		Valentin Esmieu</a:t>
+            </a:r>
+            <a:endParaRPr/>
+          </a:p>
+          <a:p>
+            <a:pPr>
+              <a:lnSpc>
+                <a:spcPct val="100000"/>
+              </a:lnSpc>
+            </a:pPr>
+            <a:r>
+              <a:rPr lang="fr-FR" sz="2000" b="1" strike="noStrike">
+                <a:solidFill>
+                  <a:srgbClr val="004D6F"/>
+                </a:solidFill>
+                <a:latin typeface="Arial"/>
+              </a:rPr>
+              <a:t>		Maud Leray</a:t>
+            </a:r>
+            <a:endParaRPr/>
+          </a:p>
+          <a:p>
+            <a:pPr>
+              <a:lnSpc>
+                <a:spcPct val="100000"/>
+              </a:lnSpc>
+            </a:pPr>
+            <a:endParaRPr/>
+          </a:p>
+          <a:p>
+            <a:pPr>
+              <a:lnSpc>
+                <a:spcPct val="100000"/>
+              </a:lnSpc>
+            </a:pPr>
+            <a:r>
+              <a:rPr lang="fr-FR" sz="2000" b="1" strike="noStrike">
+                <a:solidFill>
+                  <a:srgbClr val="004D6F"/>
+                </a:solidFill>
+                <a:latin typeface="Arial"/>
+              </a:rPr>
+              <a:t>	Deux encadrants</a:t>
+            </a:r>
+            <a:endParaRPr/>
+          </a:p>
+          <a:p>
+            <a:pPr>
+              <a:lnSpc>
+                <a:spcPct val="100000"/>
+              </a:lnSpc>
+            </a:pPr>
+            <a:r>
+              <a:rPr lang="fr-FR" sz="2000" b="1" strike="noStrike">
+                <a:solidFill>
+                  <a:srgbClr val="004D6F"/>
+                </a:solidFill>
+                <a:latin typeface="Arial"/>
+              </a:rPr>
+              <a:t>		Gildas Avoine</a:t>
+            </a:r>
+            <a:endParaRPr/>
+          </a:p>
+          <a:p>
+            <a:pPr>
+              <a:lnSpc>
+                <a:spcPct val="100000"/>
+              </a:lnSpc>
+            </a:pPr>
+            <a:r>
+              <a:rPr lang="fr-FR" sz="2000" b="1" strike="noStrike">
+                <a:solidFill>
+                  <a:srgbClr val="004D6F"/>
+                </a:solidFill>
+                <a:latin typeface="Arial"/>
+              </a:rPr>
+              <a:t>		Barbara Kordy</a:t>
             </a:r>
             <a:endParaRPr/>
           </a:p>
@@ -10638,13 +11353,13 @@
   </p:clrMapOvr>
   <mc:AlternateContent xmlns:mc="http://schemas.openxmlformats.org/markup-compatibility/2006" xmlns:p14="http://schemas.microsoft.com/office/powerpoint/2010/main">
     <mc:Choice Requires="p14">
-      <p:transition spd="slow" p14:dur="1500">
-        <p14:vortex dir="r"/>
+      <p:transition p14:dur="250">
+        <p:pull/>
       </p:transition>
     </mc:Choice>
     <mc:Fallback xmlns="">
-      <p:transition spd="slow">
-        <p:fade/>
+      <p:transition>
+        <p:pull/>
       </p:transition>
     </mc:Fallback>
   </mc:AlternateContent>
@@ -10677,7 +11392,7 @@
       </p:grpSpPr>
       <p:sp>
         <p:nvSpPr>
-          <p:cNvPr id="124" name="TextShape 1"/>
+          <p:cNvPr id="126" name="TextShape 1"/>
           <p:cNvSpPr txBox="1"/>
           <p:nvPr/>
         </p:nvSpPr>
@@ -10718,7 +11433,7 @@
       </p:sp>
       <p:sp>
         <p:nvSpPr>
-          <p:cNvPr id="125" name="TextShape 2"/>
+          <p:cNvPr id="127" name="TextShape 2"/>
           <p:cNvSpPr txBox="1"/>
           <p:nvPr/>
         </p:nvSpPr>
@@ -10745,15 +11460,15 @@
               </a:lnSpc>
             </a:pPr>
             <a:r>
-              <a:rPr lang="fr-FR" sz="2800" b="1" strike="noStrike">
+              <a:rPr lang="fr-FR" sz="2800" b="1" strike="noStrike" dirty="0">
                 <a:solidFill>
                   <a:srgbClr val="004D6F"/>
                 </a:solidFill>
                 <a:latin typeface="Arial"/>
               </a:rPr>
-              <a:t>Acteurs</a:t>
-            </a:r>
-            <a:endParaRPr/>
+              <a:t>Périmètre fonctionnel</a:t>
+            </a:r>
+            <a:endParaRPr dirty="0"/>
           </a:p>
           <a:p>
             <a:pPr algn="ctr">
@@ -10761,7 +11476,7 @@
                 <a:spcPct val="100000"/>
               </a:lnSpc>
             </a:pPr>
-            <a:endParaRPr/>
+            <a:endParaRPr dirty="0"/>
           </a:p>
           <a:p>
             <a:pPr>
@@ -10770,15 +11485,29 @@
               </a:lnSpc>
             </a:pPr>
             <a:r>
-              <a:rPr lang="fr-FR" sz="2000" b="1" strike="noStrike">
+              <a:rPr lang="fr-FR" sz="2000" b="1" strike="noStrike" dirty="0">
                 <a:solidFill>
                   <a:srgbClr val="004D6F"/>
                 </a:solidFill>
                 <a:latin typeface="Arial"/>
               </a:rPr>
-              <a:t>	Trois développeurs</a:t>
-            </a:r>
-            <a:endParaRPr/>
+              <a:t>Logiciel destiné aux </a:t>
+            </a:r>
+            <a:r>
+              <a:rPr lang="fr-FR" sz="2000" i="1" u="sng" strike="noStrike" dirty="0">
+                <a:solidFill>
+                  <a:srgbClr val="00B0F0"/>
+                </a:solidFill>
+                <a:latin typeface="Comic Sans MS" panose="030F0702030302020204" pitchFamily="66" charset="0"/>
+              </a:rPr>
+              <a:t>experts en sécurité</a:t>
+            </a:r>
+            <a:endParaRPr i="1" u="sng" dirty="0">
+              <a:solidFill>
+                <a:srgbClr val="00B0F0"/>
+              </a:solidFill>
+              <a:latin typeface="Comic Sans MS" panose="030F0702030302020204" pitchFamily="66" charset="0"/>
+            </a:endParaRPr>
           </a:p>
           <a:p>
             <a:pPr>
@@ -10786,33 +11515,33 @@
                 <a:spcPct val="100000"/>
               </a:lnSpc>
             </a:pPr>
-            <a:r>
-              <a:rPr lang="fr-FR" sz="2000" b="1" strike="noStrike">
+            <a:endParaRPr i="1" u="sng" dirty="0"/>
+          </a:p>
+          <a:p>
+            <a:pPr>
+              <a:lnSpc>
+                <a:spcPct val="100000"/>
+              </a:lnSpc>
+            </a:pPr>
+            <a:r>
+              <a:rPr lang="fr-FR" sz="2000" b="1" strike="noStrike" dirty="0">
                 <a:solidFill>
                   <a:srgbClr val="004D6F"/>
                 </a:solidFill>
                 <a:latin typeface="Arial"/>
               </a:rPr>
-              <a:t>		Pierre-Marie Airiau</a:t>
-            </a:r>
-            <a:endParaRPr/>
-          </a:p>
-          <a:p>
-            <a:pPr>
-              <a:lnSpc>
-                <a:spcPct val="100000"/>
-              </a:lnSpc>
-            </a:pPr>
-            <a:r>
-              <a:rPr lang="fr-FR" sz="2000" b="1" strike="noStrike">
+              <a:t>Le projet pourra se poursuivre l’année </a:t>
+            </a:r>
+            <a:r>
+              <a:rPr lang="fr-FR" sz="2000" b="1" strike="noStrike" dirty="0" smtClean="0">
                 <a:solidFill>
                   <a:srgbClr val="004D6F"/>
                 </a:solidFill>
                 <a:latin typeface="Arial"/>
               </a:rPr>
-              <a:t>		Valentin Esmieu</a:t>
-            </a:r>
-            <a:endParaRPr/>
+              <a:t>prochaine</a:t>
+            </a:r>
+            <a:endParaRPr dirty="0"/>
           </a:p>
           <a:p>
             <a:pPr>
@@ -10821,74 +11550,108 @@
               </a:lnSpc>
             </a:pPr>
             <a:r>
-              <a:rPr lang="fr-FR" sz="2000" b="1" strike="noStrike">
+              <a:rPr lang="fr-FR" sz="2000" b="1" strike="noStrike" dirty="0">
                 <a:solidFill>
                   <a:srgbClr val="004D6F"/>
                 </a:solidFill>
                 <a:latin typeface="Arial"/>
               </a:rPr>
-              <a:t>		Maud Leray</a:t>
-            </a:r>
-            <a:endParaRPr/>
-          </a:p>
-          <a:p>
-            <a:pPr>
-              <a:lnSpc>
-                <a:spcPct val="100000"/>
-              </a:lnSpc>
-            </a:pPr>
-            <a:endParaRPr/>
-          </a:p>
-          <a:p>
-            <a:pPr>
-              <a:lnSpc>
-                <a:spcPct val="100000"/>
-              </a:lnSpc>
-            </a:pPr>
-            <a:r>
-              <a:rPr lang="fr-FR" sz="2000" b="1" strike="noStrike">
+              <a:t>	</a:t>
+            </a:r>
+            <a:r>
+              <a:rPr lang="fr-FR" sz="2000" b="1" dirty="0" smtClean="0">
                 <a:solidFill>
                   <a:srgbClr val="004D6F"/>
                 </a:solidFill>
                 <a:latin typeface="Arial"/>
-              </a:rPr>
-              <a:t>	Deux encadrants</a:t>
-            </a:r>
-            <a:endParaRPr/>
-          </a:p>
-          <a:p>
-            <a:pPr>
-              <a:lnSpc>
-                <a:spcPct val="100000"/>
-              </a:lnSpc>
-            </a:pPr>
-            <a:r>
-              <a:rPr lang="fr-FR" sz="2000" b="1" strike="noStrike">
+                <a:sym typeface="Wingdings" panose="05000000000000000000" pitchFamily="2" charset="2"/>
+              </a:rPr>
+              <a:t> </a:t>
+            </a:r>
+            <a:r>
+              <a:rPr lang="fr-FR" sz="2000" b="1" dirty="0">
                 <a:solidFill>
                   <a:srgbClr val="004D6F"/>
                 </a:solidFill>
                 <a:latin typeface="Arial"/>
-              </a:rPr>
-              <a:t>		Gildas Avoine</a:t>
-            </a:r>
-            <a:endParaRPr/>
-          </a:p>
-          <a:p>
-            <a:pPr>
-              <a:lnSpc>
-                <a:spcPct val="100000"/>
-              </a:lnSpc>
-            </a:pPr>
-            <a:r>
-              <a:rPr lang="fr-FR" sz="2000" b="1" strike="noStrike">
+                <a:sym typeface="Wingdings" panose="05000000000000000000" pitchFamily="2" charset="2"/>
+              </a:rPr>
+              <a:t>d</a:t>
+            </a:r>
+            <a:r>
+              <a:rPr lang="fr-FR" sz="2000" b="1" strike="noStrike" dirty="0" smtClean="0">
                 <a:solidFill>
                   <a:srgbClr val="004D6F"/>
                 </a:solidFill>
                 <a:latin typeface="Arial"/>
               </a:rPr>
-              <a:t>		Barbara Kordy</a:t>
-            </a:r>
-            <a:endParaRPr/>
+              <a:t>ocumentation </a:t>
+            </a:r>
+            <a:r>
+              <a:rPr lang="fr-FR" sz="2000" b="1" strike="noStrike" dirty="0">
+                <a:solidFill>
+                  <a:srgbClr val="004D6F"/>
+                </a:solidFill>
+                <a:latin typeface="Arial"/>
+              </a:rPr>
+              <a:t>technique</a:t>
+            </a:r>
+            <a:endParaRPr dirty="0"/>
+          </a:p>
+          <a:p>
+            <a:pPr>
+              <a:lnSpc>
+                <a:spcPct val="100000"/>
+              </a:lnSpc>
+            </a:pPr>
+            <a:r>
+              <a:rPr lang="fr-FR" sz="2000" b="1" strike="noStrike" dirty="0">
+                <a:solidFill>
+                  <a:srgbClr val="004D6F"/>
+                </a:solidFill>
+                <a:latin typeface="Arial"/>
+              </a:rPr>
+              <a:t>	</a:t>
+            </a:r>
+            <a:r>
+              <a:rPr lang="fr-FR" sz="2000" b="1" strike="noStrike" dirty="0" smtClean="0">
+                <a:solidFill>
+                  <a:srgbClr val="004D6F"/>
+                </a:solidFill>
+                <a:latin typeface="Arial"/>
+                <a:sym typeface="Wingdings" panose="05000000000000000000" pitchFamily="2" charset="2"/>
+              </a:rPr>
+              <a:t> </a:t>
+            </a:r>
+            <a:r>
+              <a:rPr lang="fr-FR" sz="2000" b="1" dirty="0">
+                <a:solidFill>
+                  <a:srgbClr val="004D6F"/>
+                </a:solidFill>
+                <a:latin typeface="Arial"/>
+                <a:sym typeface="Wingdings" panose="05000000000000000000" pitchFamily="2" charset="2"/>
+              </a:rPr>
+              <a:t>t</a:t>
+            </a:r>
+            <a:r>
+              <a:rPr lang="fr-FR" sz="2000" b="1" strike="noStrike" dirty="0" smtClean="0">
+                <a:solidFill>
+                  <a:srgbClr val="004D6F"/>
+                </a:solidFill>
+                <a:latin typeface="Arial"/>
+              </a:rPr>
+              <a:t>ests </a:t>
+            </a:r>
+            <a:r>
+              <a:rPr lang="fr-FR" sz="2000" b="1" strike="noStrike" dirty="0">
+                <a:solidFill>
+                  <a:srgbClr val="004D6F"/>
+                </a:solidFill>
+                <a:latin typeface="Arial"/>
+              </a:rPr>
+              <a:t>unitaires</a:t>
+            </a:r>
+            <a:endParaRPr dirty="0"/>
           </a:p>
         </p:txBody>
       </p:sp>
@@ -10938,7 +11701,7 @@
       </p:grpSpPr>
       <p:sp>
         <p:nvSpPr>
-          <p:cNvPr id="126" name="TextShape 1"/>
+          <p:cNvPr id="128" name="TextShape 1"/>
           <p:cNvSpPr txBox="1"/>
           <p:nvPr/>
         </p:nvSpPr>
@@ -10979,7 +11742,7 @@
       </p:sp>
       <p:sp>
         <p:nvSpPr>
-          <p:cNvPr id="127" name="TextShape 2"/>
+          <p:cNvPr id="129" name="TextShape 2"/>
           <p:cNvSpPr txBox="1"/>
           <p:nvPr/>
         </p:nvSpPr>
@@ -11006,15 +11769,15 @@
               </a:lnSpc>
             </a:pPr>
             <a:r>
-              <a:rPr lang="fr-FR" sz="2800" b="1" strike="noStrike" dirty="0">
+              <a:rPr lang="fr-FR" sz="2800" b="1" strike="noStrike">
                 <a:solidFill>
                   <a:srgbClr val="004D6F"/>
                 </a:solidFill>
                 <a:latin typeface="Arial"/>
               </a:rPr>
-              <a:t>Périmètre fonctionnel</a:t>
-            </a:r>
-            <a:endParaRPr dirty="0"/>
+              <a:t>Éléments d’entrée</a:t>
+            </a:r>
+            <a:endParaRPr/>
           </a:p>
           <a:p>
             <a:pPr algn="ctr">
@@ -11022,171 +11785,34 @@
                 <a:spcPct val="100000"/>
               </a:lnSpc>
             </a:pPr>
-            <a:endParaRPr dirty="0"/>
-          </a:p>
-          <a:p>
-            <a:pPr>
-              <a:lnSpc>
-                <a:spcPct val="100000"/>
-              </a:lnSpc>
-            </a:pPr>
-            <a:r>
-              <a:rPr lang="fr-FR" sz="2000" b="1" strike="noStrike" dirty="0">
-                <a:solidFill>
-                  <a:srgbClr val="004D6F"/>
-                </a:solidFill>
-                <a:latin typeface="Arial"/>
-              </a:rPr>
-              <a:t>Logiciel destiné aux experts en sécurité</a:t>
-            </a:r>
-            <a:endParaRPr dirty="0"/>
-          </a:p>
-          <a:p>
-            <a:pPr>
-              <a:lnSpc>
-                <a:spcPct val="100000"/>
-              </a:lnSpc>
-            </a:pPr>
-            <a:endParaRPr dirty="0"/>
-          </a:p>
-          <a:p>
-            <a:pPr>
-              <a:lnSpc>
-                <a:spcPct val="100000"/>
-              </a:lnSpc>
-            </a:pPr>
-            <a:r>
-              <a:rPr lang="fr-FR" sz="2000" b="1" strike="noStrike" dirty="0">
-                <a:solidFill>
-                  <a:srgbClr val="004D6F"/>
-                </a:solidFill>
-                <a:latin typeface="Arial"/>
-              </a:rPr>
-              <a:t>Le projet pourra se poursuivre l’année </a:t>
-            </a:r>
-            <a:r>
-              <a:rPr lang="fr-FR" sz="2000" b="1" strike="noStrike" dirty="0" smtClean="0">
-                <a:solidFill>
-                  <a:srgbClr val="004D6F"/>
-                </a:solidFill>
-                <a:latin typeface="Arial"/>
-              </a:rPr>
-              <a:t>prochaine</a:t>
-            </a:r>
-            <a:endParaRPr dirty="0"/>
-          </a:p>
-          <a:p>
-            <a:pPr>
-              <a:lnSpc>
-                <a:spcPct val="100000"/>
-              </a:lnSpc>
-            </a:pPr>
-            <a:r>
-              <a:rPr lang="fr-FR" sz="2000" b="1" strike="noStrike" dirty="0">
-                <a:solidFill>
-                  <a:srgbClr val="004D6F"/>
-                </a:solidFill>
-                <a:latin typeface="Arial"/>
-              </a:rPr>
-              <a:t>	</a:t>
-            </a:r>
-            <a:r>
-              <a:rPr lang="fr-FR" sz="2000" b="1" dirty="0" smtClean="0">
-                <a:solidFill>
-                  <a:srgbClr val="004D6F"/>
-                </a:solidFill>
-                <a:latin typeface="Arial"/>
-                <a:sym typeface="Wingdings" panose="05000000000000000000" pitchFamily="2" charset="2"/>
-              </a:rPr>
-              <a:t> </a:t>
-            </a:r>
-            <a:r>
-              <a:rPr lang="fr-FR" sz="2000" b="1" dirty="0">
-                <a:solidFill>
-                  <a:srgbClr val="004D6F"/>
-                </a:solidFill>
-                <a:latin typeface="Arial"/>
-                <a:sym typeface="Wingdings" panose="05000000000000000000" pitchFamily="2" charset="2"/>
-              </a:rPr>
-              <a:t>d</a:t>
-            </a:r>
-            <a:r>
-              <a:rPr lang="fr-FR" sz="2000" b="1" strike="noStrike" dirty="0" smtClean="0">
-                <a:solidFill>
-                  <a:srgbClr val="004D6F"/>
-                </a:solidFill>
-                <a:latin typeface="Arial"/>
-              </a:rPr>
-              <a:t>ocumentation </a:t>
-            </a:r>
-            <a:r>
-              <a:rPr lang="fr-FR" sz="2000" b="1" strike="noStrike" dirty="0">
-                <a:solidFill>
-                  <a:srgbClr val="004D6F"/>
-                </a:solidFill>
-                <a:latin typeface="Arial"/>
-              </a:rPr>
-              <a:t>technique</a:t>
-            </a:r>
-            <a:endParaRPr dirty="0"/>
-          </a:p>
-          <a:p>
-            <a:pPr>
-              <a:lnSpc>
-                <a:spcPct val="100000"/>
-              </a:lnSpc>
-            </a:pPr>
-            <a:r>
-              <a:rPr lang="fr-FR" sz="2000" b="1" strike="noStrike" dirty="0">
-                <a:solidFill>
-                  <a:srgbClr val="004D6F"/>
-                </a:solidFill>
-                <a:latin typeface="Arial"/>
-              </a:rPr>
-              <a:t>	</a:t>
-            </a:r>
-            <a:r>
-              <a:rPr lang="fr-FR" sz="2000" b="1" strike="noStrike" dirty="0" smtClean="0">
-                <a:solidFill>
-                  <a:srgbClr val="004D6F"/>
-                </a:solidFill>
-                <a:latin typeface="Arial"/>
-                <a:sym typeface="Wingdings" panose="05000000000000000000" pitchFamily="2" charset="2"/>
-              </a:rPr>
-              <a:t> </a:t>
-            </a:r>
-            <a:r>
-              <a:rPr lang="fr-FR" sz="2000" b="1" dirty="0">
-                <a:solidFill>
-                  <a:srgbClr val="004D6F"/>
-                </a:solidFill>
-                <a:latin typeface="Arial"/>
-                <a:sym typeface="Wingdings" panose="05000000000000000000" pitchFamily="2" charset="2"/>
-              </a:rPr>
-              <a:t>t</a:t>
-            </a:r>
-            <a:r>
-              <a:rPr lang="fr-FR" sz="2000" b="1" strike="noStrike" dirty="0" smtClean="0">
-                <a:solidFill>
-                  <a:srgbClr val="004D6F"/>
-                </a:solidFill>
-                <a:latin typeface="Arial"/>
-              </a:rPr>
-              <a:t>ests </a:t>
-            </a:r>
-            <a:r>
-              <a:rPr lang="fr-FR" sz="2000" b="1" strike="noStrike" dirty="0">
-                <a:solidFill>
-                  <a:srgbClr val="004D6F"/>
-                </a:solidFill>
-                <a:latin typeface="Arial"/>
-              </a:rPr>
-              <a:t>unitaires</a:t>
-            </a:r>
-            <a:endParaRPr dirty="0"/>
-          </a:p>
-        </p:txBody>
-      </p:sp>
+            <a:endParaRPr/>
+          </a:p>
+        </p:txBody>
+      </p:sp>
+      <p:pic>
+        <p:nvPicPr>
+          <p:cNvPr id="4" name="Image 3" descr="ADTool.png"/>
+          <p:cNvPicPr>
+            <a:picLocks noChangeAspect="1"/>
+          </p:cNvPicPr>
+          <p:nvPr/>
+        </p:nvPicPr>
+        <p:blipFill>
+          <a:blip r:embed="rId2" cstate="print"/>
+          <a:stretch>
+            <a:fillRect/>
+          </a:stretch>
+        </p:blipFill>
+        <p:spPr>
+          <a:xfrm>
+            <a:off x="2555776" y="2276872"/>
+            <a:ext cx="4401681" cy="2507935"/>
+          </a:xfrm>
+          <a:prstGeom prst="rect">
+            <a:avLst/>
+          </a:prstGeom>
+        </p:spPr>
+      </p:pic>
     </p:spTree>
   </p:cSld>
   <p:clrMapOvr>

--- a/soutenances/planification/soutenance_planification.pptx
+++ b/soutenances/planification/soutenance_planification.pptx
@@ -6,7 +6,7 @@
     <p:sldMasterId id="2147483661" r:id="rId2"/>
   </p:sldMasterIdLst>
   <p:notesMasterIdLst>
-    <p:notesMasterId r:id="rId26"/>
+    <p:notesMasterId r:id="rId28"/>
   </p:notesMasterIdLst>
   <p:sldIdLst>
     <p:sldId id="256" r:id="rId3"/>
@@ -18,20 +18,22 @@
     <p:sldId id="263" r:id="rId9"/>
     <p:sldId id="264" r:id="rId10"/>
     <p:sldId id="265" r:id="rId11"/>
-    <p:sldId id="261" r:id="rId12"/>
-    <p:sldId id="266" r:id="rId13"/>
-    <p:sldId id="267" r:id="rId14"/>
-    <p:sldId id="268" r:id="rId15"/>
+    <p:sldId id="266" r:id="rId12"/>
+    <p:sldId id="267" r:id="rId13"/>
+    <p:sldId id="268" r:id="rId14"/>
+    <p:sldId id="281" r:id="rId15"/>
     <p:sldId id="269" r:id="rId16"/>
     <p:sldId id="270" r:id="rId17"/>
     <p:sldId id="271" r:id="rId18"/>
-    <p:sldId id="272" r:id="rId19"/>
-    <p:sldId id="273" r:id="rId20"/>
-    <p:sldId id="274" r:id="rId21"/>
-    <p:sldId id="275" r:id="rId22"/>
-    <p:sldId id="276" r:id="rId23"/>
-    <p:sldId id="280" r:id="rId24"/>
-    <p:sldId id="278" r:id="rId25"/>
+    <p:sldId id="284" r:id="rId19"/>
+    <p:sldId id="272" r:id="rId20"/>
+    <p:sldId id="273" r:id="rId21"/>
+    <p:sldId id="274" r:id="rId22"/>
+    <p:sldId id="275" r:id="rId23"/>
+    <p:sldId id="282" r:id="rId24"/>
+    <p:sldId id="276" r:id="rId25"/>
+    <p:sldId id="280" r:id="rId26"/>
+    <p:sldId id="278" r:id="rId27"/>
   </p:sldIdLst>
   <p:sldSz cx="9144000" cy="6858000" type="screen4x3"/>
   <p:notesSz cx="6858000" cy="9144000"/>
@@ -156,7 +158,6 @@
             <p14:sldId id="263"/>
             <p14:sldId id="264"/>
             <p14:sldId id="265"/>
-            <p14:sldId id="261"/>
             <p14:sldId id="266"/>
             <p14:sldId id="267"/>
           </p14:sldIdLst>
@@ -164,9 +165,11 @@
         <p14:section name="Organisation" id="{3ABD3875-8B87-4FDF-A9B4-EFD28839E5A4}">
           <p14:sldIdLst>
             <p14:sldId id="268"/>
+            <p14:sldId id="281"/>
             <p14:sldId id="269"/>
             <p14:sldId id="270"/>
             <p14:sldId id="271"/>
+            <p14:sldId id="284"/>
             <p14:sldId id="272"/>
           </p14:sldIdLst>
         </p14:section>
@@ -175,6 +178,7 @@
             <p14:sldId id="273"/>
             <p14:sldId id="274"/>
             <p14:sldId id="275"/>
+            <p14:sldId id="282"/>
             <p14:sldId id="276"/>
           </p14:sldIdLst>
         </p14:section>
@@ -601,6 +605,457 @@
 </p:notes>
 </file>
 
+<file path=ppt/notesSlides/notesSlide10.xml><?xml version="1.0" encoding="utf-8"?>
+<p:notes xmlns:a="http://schemas.openxmlformats.org/drawingml/2006/main" xmlns:r="http://schemas.openxmlformats.org/officeDocument/2006/relationships" xmlns:p="http://schemas.openxmlformats.org/presentationml/2006/main">
+  <p:cSld>
+    <p:spTree>
+      <p:nvGrpSpPr>
+        <p:cNvPr id="1" name=""/>
+        <p:cNvGrpSpPr/>
+        <p:nvPr/>
+      </p:nvGrpSpPr>
+      <p:grpSpPr>
+        <a:xfrm>
+          <a:off x="0" y="0"/>
+          <a:ext cx="0" cy="0"/>
+          <a:chOff x="0" y="0"/>
+          <a:chExt cx="0" cy="0"/>
+        </a:xfrm>
+      </p:grpSpPr>
+      <p:sp>
+        <p:nvSpPr>
+          <p:cNvPr id="2" name="Slide Image Placeholder 1"/>
+          <p:cNvSpPr>
+            <a:spLocks noGrp="1" noRot="1" noChangeAspect="1"/>
+          </p:cNvSpPr>
+          <p:nvPr>
+            <p:ph type="sldImg"/>
+          </p:nvPr>
+        </p:nvSpPr>
+        <p:spPr>
+          <a:xfrm>
+            <a:off x="1371600" y="1143000"/>
+            <a:ext cx="4114800" cy="3086100"/>
+          </a:xfrm>
+          <a:prstGeom prst="rect">
+            <a:avLst/>
+          </a:prstGeom>
+          <a:noFill/>
+          <a:ln w="12700">
+            <a:solidFill>
+              <a:prstClr val="black"/>
+            </a:solidFill>
+          </a:ln>
+        </p:spPr>
+      </p:sp>
+      <p:sp>
+        <p:nvSpPr>
+          <p:cNvPr id="3" name="Notes Placeholder 2"/>
+          <p:cNvSpPr>
+            <a:spLocks noGrp="1"/>
+          </p:cNvSpPr>
+          <p:nvPr>
+            <p:ph type="body" idx="1"/>
+          </p:nvPr>
+        </p:nvSpPr>
+        <p:spPr/>
+        <p:txBody>
+          <a:bodyPr/>
+          <a:lstStyle/>
+          <a:p>
+            <a:r>
+              <a:rPr lang="fr-FR" dirty="0" smtClean="0"/>
+              <a:t>Ne</a:t>
+            </a:r>
+            <a:r>
+              <a:rPr lang="fr-FR" baseline="0" dirty="0" smtClean="0"/>
+              <a:t> pas parler au futur, faire au présent.</a:t>
+            </a:r>
+            <a:endParaRPr lang="fr-FR" dirty="0"/>
+          </a:p>
+        </p:txBody>
+      </p:sp>
+      <p:sp>
+        <p:nvSpPr>
+          <p:cNvPr id="4" name="Slide Number Placeholder 3"/>
+          <p:cNvSpPr>
+            <a:spLocks noGrp="1"/>
+          </p:cNvSpPr>
+          <p:nvPr>
+            <p:ph type="sldNum" idx="10"/>
+          </p:nvPr>
+        </p:nvSpPr>
+        <p:spPr/>
+        <p:txBody>
+          <a:bodyPr/>
+          <a:lstStyle/>
+          <a:p>
+            <a:pPr algn="r"/>
+            <a:fld id="{DAE4472E-6CE6-45D8-A535-0399A0614DAA}" type="slidenum">
+              <a:rPr lang="fr-FR" sz="1400" smtClean="0">
+                <a:latin typeface="Times New Roman"/>
+              </a:rPr>
+              <a:pPr algn="r"/>
+              <a:t>20</a:t>
+            </a:fld>
+            <a:endParaRPr lang="fr-FR"/>
+          </a:p>
+        </p:txBody>
+      </p:sp>
+    </p:spTree>
+    <p:extLst>
+      <p:ext uri="{BB962C8B-B14F-4D97-AF65-F5344CB8AC3E}">
+        <p14:creationId xmlns:p14="http://schemas.microsoft.com/office/powerpoint/2010/main" val="1263906245"/>
+      </p:ext>
+    </p:extLst>
+  </p:cSld>
+  <p:clrMapOvr>
+    <a:masterClrMapping/>
+  </p:clrMapOvr>
+</p:notes>
+</file>
+
+<file path=ppt/notesSlides/notesSlide11.xml><?xml version="1.0" encoding="utf-8"?>
+<p:notes xmlns:a="http://schemas.openxmlformats.org/drawingml/2006/main" xmlns:r="http://schemas.openxmlformats.org/officeDocument/2006/relationships" xmlns:p="http://schemas.openxmlformats.org/presentationml/2006/main">
+  <p:cSld>
+    <p:spTree>
+      <p:nvGrpSpPr>
+        <p:cNvPr id="1" name=""/>
+        <p:cNvGrpSpPr/>
+        <p:nvPr/>
+      </p:nvGrpSpPr>
+      <p:grpSpPr>
+        <a:xfrm>
+          <a:off x="0" y="0"/>
+          <a:ext cx="0" cy="0"/>
+          <a:chOff x="0" y="0"/>
+          <a:chExt cx="0" cy="0"/>
+        </a:xfrm>
+      </p:grpSpPr>
+      <p:sp>
+        <p:nvSpPr>
+          <p:cNvPr id="2" name="Slide Image Placeholder 1"/>
+          <p:cNvSpPr>
+            <a:spLocks noGrp="1" noRot="1" noChangeAspect="1"/>
+          </p:cNvSpPr>
+          <p:nvPr>
+            <p:ph type="sldImg"/>
+          </p:nvPr>
+        </p:nvSpPr>
+        <p:spPr>
+          <a:xfrm>
+            <a:off x="1371600" y="1143000"/>
+            <a:ext cx="4114800" cy="3086100"/>
+          </a:xfrm>
+          <a:prstGeom prst="rect">
+            <a:avLst/>
+          </a:prstGeom>
+          <a:noFill/>
+          <a:ln w="12700">
+            <a:solidFill>
+              <a:prstClr val="black"/>
+            </a:solidFill>
+          </a:ln>
+        </p:spPr>
+      </p:sp>
+      <p:sp>
+        <p:nvSpPr>
+          <p:cNvPr id="3" name="Notes Placeholder 2"/>
+          <p:cNvSpPr>
+            <a:spLocks noGrp="1"/>
+          </p:cNvSpPr>
+          <p:nvPr>
+            <p:ph type="body" idx="1"/>
+          </p:nvPr>
+        </p:nvSpPr>
+        <p:spPr/>
+        <p:txBody>
+          <a:bodyPr/>
+          <a:lstStyle/>
+          <a:p>
+            <a:endParaRPr lang="fr-FR" dirty="0" smtClean="0"/>
+          </a:p>
+          <a:p>
+            <a:r>
+              <a:rPr lang="fr-FR" dirty="0" smtClean="0"/>
+              <a:t>Donner</a:t>
+            </a:r>
+            <a:r>
+              <a:rPr lang="fr-FR" baseline="0" dirty="0" smtClean="0"/>
+              <a:t> nombre heures</a:t>
+            </a:r>
+          </a:p>
+          <a:p>
+            <a:r>
+              <a:rPr lang="fr-FR" baseline="0" dirty="0" smtClean="0"/>
+              <a:t>Nombre heure travail par semaine.</a:t>
+            </a:r>
+            <a:endParaRPr lang="fr-FR" dirty="0" smtClean="0"/>
+          </a:p>
+          <a:p>
+            <a:endParaRPr lang="fr-FR" dirty="0" smtClean="0"/>
+          </a:p>
+          <a:p>
+            <a:endParaRPr lang="fr-FR" dirty="0"/>
+          </a:p>
+        </p:txBody>
+      </p:sp>
+      <p:sp>
+        <p:nvSpPr>
+          <p:cNvPr id="4" name="Slide Number Placeholder 3"/>
+          <p:cNvSpPr>
+            <a:spLocks noGrp="1"/>
+          </p:cNvSpPr>
+          <p:nvPr>
+            <p:ph type="sldNum" idx="10"/>
+          </p:nvPr>
+        </p:nvSpPr>
+        <p:spPr/>
+        <p:txBody>
+          <a:bodyPr/>
+          <a:lstStyle/>
+          <a:p>
+            <a:pPr algn="r"/>
+            <a:fld id="{DAE4472E-6CE6-45D8-A535-0399A0614DAA}" type="slidenum">
+              <a:rPr lang="fr-FR" sz="1400" smtClean="0">
+                <a:latin typeface="Times New Roman"/>
+              </a:rPr>
+              <a:pPr algn="r"/>
+              <a:t>21</a:t>
+            </a:fld>
+            <a:endParaRPr lang="fr-FR"/>
+          </a:p>
+        </p:txBody>
+      </p:sp>
+    </p:spTree>
+    <p:extLst>
+      <p:ext uri="{BB962C8B-B14F-4D97-AF65-F5344CB8AC3E}">
+        <p14:creationId xmlns:p14="http://schemas.microsoft.com/office/powerpoint/2010/main" val="3431012212"/>
+      </p:ext>
+    </p:extLst>
+  </p:cSld>
+  <p:clrMapOvr>
+    <a:masterClrMapping/>
+  </p:clrMapOvr>
+</p:notes>
+</file>
+
+<file path=ppt/notesSlides/notesSlide12.xml><?xml version="1.0" encoding="utf-8"?>
+<p:notes xmlns:a="http://schemas.openxmlformats.org/drawingml/2006/main" xmlns:r="http://schemas.openxmlformats.org/officeDocument/2006/relationships" xmlns:p="http://schemas.openxmlformats.org/presentationml/2006/main">
+  <p:cSld>
+    <p:spTree>
+      <p:nvGrpSpPr>
+        <p:cNvPr id="1" name=""/>
+        <p:cNvGrpSpPr/>
+        <p:nvPr/>
+      </p:nvGrpSpPr>
+      <p:grpSpPr>
+        <a:xfrm>
+          <a:off x="0" y="0"/>
+          <a:ext cx="0" cy="0"/>
+          <a:chOff x="0" y="0"/>
+          <a:chExt cx="0" cy="0"/>
+        </a:xfrm>
+      </p:grpSpPr>
+      <p:sp>
+        <p:nvSpPr>
+          <p:cNvPr id="2" name="Slide Image Placeholder 1"/>
+          <p:cNvSpPr>
+            <a:spLocks noGrp="1" noRot="1" noChangeAspect="1"/>
+          </p:cNvSpPr>
+          <p:nvPr>
+            <p:ph type="sldImg"/>
+          </p:nvPr>
+        </p:nvSpPr>
+        <p:spPr>
+          <a:xfrm>
+            <a:off x="1371600" y="1143000"/>
+            <a:ext cx="4114800" cy="3086100"/>
+          </a:xfrm>
+          <a:prstGeom prst="rect">
+            <a:avLst/>
+          </a:prstGeom>
+          <a:noFill/>
+          <a:ln w="12700">
+            <a:solidFill>
+              <a:prstClr val="black"/>
+            </a:solidFill>
+          </a:ln>
+        </p:spPr>
+      </p:sp>
+      <p:sp>
+        <p:nvSpPr>
+          <p:cNvPr id="3" name="Notes Placeholder 2"/>
+          <p:cNvSpPr>
+            <a:spLocks noGrp="1"/>
+          </p:cNvSpPr>
+          <p:nvPr>
+            <p:ph type="body" idx="1"/>
+          </p:nvPr>
+        </p:nvSpPr>
+        <p:spPr/>
+        <p:txBody>
+          <a:bodyPr/>
+          <a:lstStyle/>
+          <a:p>
+            <a:endParaRPr lang="fr-FR" dirty="0"/>
+          </a:p>
+        </p:txBody>
+      </p:sp>
+      <p:sp>
+        <p:nvSpPr>
+          <p:cNvPr id="4" name="Slide Number Placeholder 3"/>
+          <p:cNvSpPr>
+            <a:spLocks noGrp="1"/>
+          </p:cNvSpPr>
+          <p:nvPr>
+            <p:ph type="sldNum" idx="10"/>
+          </p:nvPr>
+        </p:nvSpPr>
+        <p:spPr/>
+        <p:txBody>
+          <a:bodyPr/>
+          <a:lstStyle/>
+          <a:p>
+            <a:pPr algn="r"/>
+            <a:fld id="{DAE4472E-6CE6-45D8-A535-0399A0614DAA}" type="slidenum">
+              <a:rPr lang="fr-FR" sz="1400" smtClean="0">
+                <a:latin typeface="Times New Roman"/>
+              </a:rPr>
+              <a:pPr algn="r"/>
+              <a:t>22</a:t>
+            </a:fld>
+            <a:endParaRPr lang="fr-FR"/>
+          </a:p>
+        </p:txBody>
+      </p:sp>
+    </p:spTree>
+    <p:extLst>
+      <p:ext uri="{BB962C8B-B14F-4D97-AF65-F5344CB8AC3E}">
+        <p14:creationId xmlns:p14="http://schemas.microsoft.com/office/powerpoint/2010/main" val="4200597182"/>
+      </p:ext>
+    </p:extLst>
+  </p:cSld>
+  <p:clrMapOvr>
+    <a:masterClrMapping/>
+  </p:clrMapOvr>
+</p:notes>
+</file>
+
+<file path=ppt/notesSlides/notesSlide13.xml><?xml version="1.0" encoding="utf-8"?>
+<p:notes xmlns:a="http://schemas.openxmlformats.org/drawingml/2006/main" xmlns:r="http://schemas.openxmlformats.org/officeDocument/2006/relationships" xmlns:p="http://schemas.openxmlformats.org/presentationml/2006/main">
+  <p:cSld>
+    <p:spTree>
+      <p:nvGrpSpPr>
+        <p:cNvPr id="1" name=""/>
+        <p:cNvGrpSpPr/>
+        <p:nvPr/>
+      </p:nvGrpSpPr>
+      <p:grpSpPr>
+        <a:xfrm>
+          <a:off x="0" y="0"/>
+          <a:ext cx="0" cy="0"/>
+          <a:chOff x="0" y="0"/>
+          <a:chExt cx="0" cy="0"/>
+        </a:xfrm>
+      </p:grpSpPr>
+      <p:sp>
+        <p:nvSpPr>
+          <p:cNvPr id="2" name="Slide Image Placeholder 1"/>
+          <p:cNvSpPr>
+            <a:spLocks noGrp="1" noRot="1" noChangeAspect="1"/>
+          </p:cNvSpPr>
+          <p:nvPr>
+            <p:ph type="sldImg"/>
+          </p:nvPr>
+        </p:nvSpPr>
+        <p:spPr>
+          <a:xfrm>
+            <a:off x="1371600" y="1143000"/>
+            <a:ext cx="4114800" cy="3086100"/>
+          </a:xfrm>
+          <a:prstGeom prst="rect">
+            <a:avLst/>
+          </a:prstGeom>
+          <a:noFill/>
+          <a:ln w="12700">
+            <a:solidFill>
+              <a:prstClr val="black"/>
+            </a:solidFill>
+          </a:ln>
+        </p:spPr>
+      </p:sp>
+      <p:sp>
+        <p:nvSpPr>
+          <p:cNvPr id="3" name="Notes Placeholder 2"/>
+          <p:cNvSpPr>
+            <a:spLocks noGrp="1"/>
+          </p:cNvSpPr>
+          <p:nvPr>
+            <p:ph type="body" idx="1"/>
+          </p:nvPr>
+        </p:nvSpPr>
+        <p:spPr/>
+        <p:txBody>
+          <a:bodyPr/>
+          <a:lstStyle/>
+          <a:p>
+            <a:r>
+              <a:rPr lang="fr-FR" dirty="0" smtClean="0"/>
+              <a:t>Mettre </a:t>
+            </a:r>
+            <a:r>
+              <a:rPr lang="fr-FR" dirty="0" err="1" smtClean="0"/>
+              <a:t>glasir</a:t>
+            </a:r>
+            <a:r>
+              <a:rPr lang="fr-FR" dirty="0" smtClean="0"/>
+              <a:t>.</a:t>
+            </a:r>
+            <a:endParaRPr lang="fr-FR" dirty="0"/>
+          </a:p>
+        </p:txBody>
+      </p:sp>
+      <p:sp>
+        <p:nvSpPr>
+          <p:cNvPr id="4" name="Slide Number Placeholder 3"/>
+          <p:cNvSpPr>
+            <a:spLocks noGrp="1"/>
+          </p:cNvSpPr>
+          <p:nvPr>
+            <p:ph type="sldNum" idx="10"/>
+          </p:nvPr>
+        </p:nvSpPr>
+        <p:spPr/>
+        <p:txBody>
+          <a:bodyPr/>
+          <a:lstStyle/>
+          <a:p>
+            <a:pPr algn="r"/>
+            <a:fld id="{DAE4472E-6CE6-45D8-A535-0399A0614DAA}" type="slidenum">
+              <a:rPr lang="fr-FR" sz="1400" smtClean="0">
+                <a:latin typeface="Times New Roman"/>
+              </a:rPr>
+              <a:pPr algn="r"/>
+              <a:t>25</a:t>
+            </a:fld>
+            <a:endParaRPr lang="fr-FR"/>
+          </a:p>
+        </p:txBody>
+      </p:sp>
+    </p:spTree>
+    <p:extLst>
+      <p:ext uri="{BB962C8B-B14F-4D97-AF65-F5344CB8AC3E}">
+        <p14:creationId xmlns:p14="http://schemas.microsoft.com/office/powerpoint/2010/main" val="1422932872"/>
+      </p:ext>
+    </p:extLst>
+  </p:cSld>
+  <p:clrMapOvr>
+    <a:masterClrMapping/>
+  </p:clrMapOvr>
+</p:notes>
+</file>
+
 <file path=ppt/notesSlides/notesSlide2.xml><?xml version="1.0" encoding="utf-8"?>
 <p:notes xmlns:a="http://schemas.openxmlformats.org/drawingml/2006/main" xmlns:r="http://schemas.openxmlformats.org/officeDocument/2006/relationships" xmlns:p="http://schemas.openxmlformats.org/presentationml/2006/main">
   <p:cSld>
@@ -832,88 +1287,80 @@
       </p:grpSpPr>
       <p:sp>
         <p:nvSpPr>
-          <p:cNvPr id="158" name="PlaceHolder 1"/>
+          <p:cNvPr id="2" name="Slide Image Placeholder 1"/>
+          <p:cNvSpPr>
+            <a:spLocks noGrp="1" noRot="1" noChangeAspect="1"/>
+          </p:cNvSpPr>
+          <p:nvPr>
+            <p:ph type="sldImg"/>
+          </p:nvPr>
+        </p:nvSpPr>
+        <p:spPr>
+          <a:xfrm>
+            <a:off x="1371600" y="1143000"/>
+            <a:ext cx="4114800" cy="3086100"/>
+          </a:xfrm>
+          <a:prstGeom prst="rect">
+            <a:avLst/>
+          </a:prstGeom>
+          <a:noFill/>
+          <a:ln w="12700">
+            <a:solidFill>
+              <a:prstClr val="black"/>
+            </a:solidFill>
+          </a:ln>
+        </p:spPr>
+      </p:sp>
+      <p:sp>
+        <p:nvSpPr>
+          <p:cNvPr id="3" name="Notes Placeholder 2"/>
           <p:cNvSpPr>
             <a:spLocks noGrp="1"/>
           </p:cNvSpPr>
           <p:nvPr>
-            <p:ph type="body"/>
+            <p:ph type="body" idx="1"/>
           </p:nvPr>
         </p:nvSpPr>
-        <p:spPr>
-          <a:xfrm>
-            <a:off x="685800" y="4343400"/>
-            <a:ext cx="5486040" cy="4114440"/>
-          </a:xfrm>
-          <a:prstGeom prst="rect">
-            <a:avLst/>
-          </a:prstGeom>
-        </p:spPr>
+        <p:spPr/>
         <p:txBody>
           <a:bodyPr/>
           <a:lstStyle/>
           <a:p>
-            <a:r>
-              <a:rPr lang="fr-FR" sz="2000" strike="noStrike">
-                <a:latin typeface="Arial"/>
-              </a:rPr>
-              <a:t>ADTool fait déjà une partie du travail, mais pas tout.</a:t>
-            </a:r>
-            <a:endParaRPr/>
-          </a:p>
-        </p:txBody>
-      </p:sp>
-      <p:sp>
-        <p:nvSpPr>
-          <p:cNvPr id="159" name="TextShape 2"/>
-          <p:cNvSpPr txBox="1"/>
-          <p:nvPr/>
-        </p:nvSpPr>
-        <p:spPr>
-          <a:xfrm>
-            <a:off x="3884760" y="8685360"/>
-            <a:ext cx="2971440" cy="456840"/>
-          </a:xfrm>
-          <a:prstGeom prst="rect">
-            <a:avLst/>
-          </a:prstGeom>
-          <a:noFill/>
-          <a:ln>
-            <a:noFill/>
-          </a:ln>
-        </p:spPr>
-        <p:txBody>
-          <a:bodyPr anchor="b"/>
-          <a:lstStyle/>
-          <a:p>
-            <a:pPr algn="r">
-              <a:lnSpc>
-                <a:spcPct val="100000"/>
-              </a:lnSpc>
-            </a:pPr>
-            <a:fld id="{32AE9238-0448-46F6-82A0-FF9D8A0B7641}" type="slidenum">
-              <a:rPr lang="fr-FR" sz="1200" strike="noStrike">
-                <a:solidFill>
-                  <a:srgbClr val="000000"/>
-                </a:solidFill>
-                <a:latin typeface="+mn-lt"/>
-                <a:ea typeface="+mn-ea"/>
-              </a:rPr>
-              <a:pPr algn="r">
-                <a:lnSpc>
-                  <a:spcPct val="100000"/>
-                </a:lnSpc>
-              </a:pPr>
-              <a:t>10</a:t>
+            <a:endParaRPr lang="fr-FR" dirty="0"/>
+          </a:p>
+        </p:txBody>
+      </p:sp>
+      <p:sp>
+        <p:nvSpPr>
+          <p:cNvPr id="4" name="Slide Number Placeholder 3"/>
+          <p:cNvSpPr>
+            <a:spLocks noGrp="1"/>
+          </p:cNvSpPr>
+          <p:nvPr>
+            <p:ph type="sldNum" idx="10"/>
+          </p:nvPr>
+        </p:nvSpPr>
+        <p:spPr/>
+        <p:txBody>
+          <a:bodyPr/>
+          <a:lstStyle/>
+          <a:p>
+            <a:pPr algn="r"/>
+            <a:fld id="{DAE4472E-6CE6-45D8-A535-0399A0614DAA}" type="slidenum">
+              <a:rPr lang="fr-FR" sz="1400" smtClean="0">
+                <a:latin typeface="Times New Roman"/>
+              </a:rPr>
+              <a:pPr algn="r"/>
+              <a:t>5</a:t>
             </a:fld>
-            <a:endParaRPr/>
+            <a:endParaRPr lang="fr-FR"/>
           </a:p>
         </p:txBody>
       </p:sp>
     </p:spTree>
     <p:extLst>
       <p:ext uri="{BB962C8B-B14F-4D97-AF65-F5344CB8AC3E}">
-        <p14:creationId xmlns:p14="http://schemas.microsoft.com/office/powerpoint/2010/main" val="1893070811"/>
+        <p14:creationId xmlns:p14="http://schemas.microsoft.com/office/powerpoint/2010/main" val="677430824"/>
       </p:ext>
     </p:extLst>
   </p:cSld>
@@ -1028,7 +1475,7 @@
                 <a:latin typeface="Times New Roman"/>
               </a:rPr>
               <a:pPr algn="r"/>
-              <a:t>12</a:t>
+              <a:t>11</a:t>
             </a:fld>
             <a:endParaRPr lang="fr-FR"/>
           </a:p>
@@ -1066,138 +1513,77 @@
       </p:grpSpPr>
       <p:sp>
         <p:nvSpPr>
-          <p:cNvPr id="2" name="Slide Image Placeholder 1"/>
-          <p:cNvSpPr>
-            <a:spLocks noGrp="1" noRot="1" noChangeAspect="1"/>
-          </p:cNvSpPr>
-          <p:nvPr>
-            <p:ph type="sldImg"/>
-          </p:nvPr>
-        </p:nvSpPr>
-        <p:spPr>
-          <a:xfrm>
-            <a:off x="1371600" y="1143000"/>
-            <a:ext cx="4114800" cy="3086100"/>
-          </a:xfrm>
-          <a:prstGeom prst="rect">
-            <a:avLst/>
-          </a:prstGeom>
-          <a:noFill/>
-          <a:ln w="12700">
-            <a:solidFill>
-              <a:prstClr val="black"/>
-            </a:solidFill>
-          </a:ln>
-        </p:spPr>
-      </p:sp>
-      <p:sp>
-        <p:nvSpPr>
-          <p:cNvPr id="3" name="Notes Placeholder 2"/>
+          <p:cNvPr id="327" name="PlaceHolder 1"/>
           <p:cNvSpPr>
             <a:spLocks noGrp="1"/>
           </p:cNvSpPr>
           <p:nvPr>
-            <p:ph type="body" idx="1"/>
+            <p:ph type="body"/>
           </p:nvPr>
         </p:nvSpPr>
-        <p:spPr/>
+        <p:spPr>
+          <a:xfrm>
+            <a:off x="685800" y="4343400"/>
+            <a:ext cx="5486040" cy="4114440"/>
+          </a:xfrm>
+          <a:prstGeom prst="rect">
+            <a:avLst/>
+          </a:prstGeom>
+        </p:spPr>
         <p:txBody>
           <a:bodyPr/>
           <a:lstStyle/>
           <a:p>
-            <a:r>
-              <a:rPr lang="en-US" dirty="0" smtClean="0"/>
-              <a:t>TDD</a:t>
-            </a:r>
-          </a:p>
-          <a:p>
-            <a:endParaRPr lang="en-US" dirty="0" smtClean="0"/>
-          </a:p>
-          <a:p>
-            <a:r>
-              <a:rPr lang="en-US" dirty="0" smtClean="0"/>
-              <a:t>Dire </a:t>
-            </a:r>
-            <a:r>
-              <a:rPr lang="en-US" dirty="0" err="1" smtClean="0"/>
-              <a:t>que</a:t>
-            </a:r>
-            <a:r>
-              <a:rPr lang="en-US" baseline="0" dirty="0" smtClean="0"/>
-              <a:t> les tests portent </a:t>
-            </a:r>
-            <a:r>
-              <a:rPr lang="en-US" baseline="0" dirty="0" err="1" smtClean="0"/>
-              <a:t>sur</a:t>
-            </a:r>
-            <a:r>
-              <a:rPr lang="en-US" baseline="0" dirty="0" smtClean="0"/>
-              <a:t> le STAR ?</a:t>
-            </a:r>
-          </a:p>
-          <a:p>
-            <a:endParaRPr lang="en-US" baseline="0" dirty="0" smtClean="0"/>
-          </a:p>
-          <a:p>
-            <a:r>
-              <a:rPr lang="en-US" baseline="0" dirty="0" err="1" smtClean="0"/>
-              <a:t>Dessins</a:t>
-            </a:r>
-            <a:r>
-              <a:rPr lang="en-US" baseline="0" dirty="0" smtClean="0"/>
-              <a:t> </a:t>
-            </a:r>
-            <a:r>
-              <a:rPr lang="en-US" baseline="0" dirty="0" err="1" smtClean="0"/>
-              <a:t>moins</a:t>
-            </a:r>
-            <a:r>
-              <a:rPr lang="en-US" baseline="0" dirty="0" smtClean="0"/>
-              <a:t> </a:t>
-            </a:r>
-            <a:r>
-              <a:rPr lang="en-US" baseline="0" dirty="0" err="1" smtClean="0"/>
-              <a:t>générique</a:t>
-            </a:r>
-            <a:r>
-              <a:rPr lang="en-US" baseline="0" dirty="0" smtClean="0"/>
-              <a:t>.</a:t>
-            </a:r>
-            <a:endParaRPr lang="fr-FR" dirty="0"/>
-          </a:p>
-        </p:txBody>
-      </p:sp>
-      <p:sp>
-        <p:nvSpPr>
-          <p:cNvPr id="4" name="Slide Number Placeholder 3"/>
-          <p:cNvSpPr>
-            <a:spLocks noGrp="1"/>
-          </p:cNvSpPr>
-          <p:nvPr>
-            <p:ph type="sldNum" idx="10"/>
-          </p:nvPr>
-        </p:nvSpPr>
-        <p:spPr/>
-        <p:txBody>
-          <a:bodyPr/>
-          <a:lstStyle/>
-          <a:p>
-            <a:pPr algn="r"/>
-            <a:fld id="{DAE4472E-6CE6-45D8-A535-0399A0614DAA}" type="slidenum">
-              <a:rPr lang="fr-FR" sz="1400" smtClean="0">
-                <a:latin typeface="Times New Roman"/>
-              </a:rPr>
-              <a:pPr algn="r"/>
-              <a:t>16</a:t>
+            <a:endParaRPr dirty="0"/>
+          </a:p>
+        </p:txBody>
+      </p:sp>
+      <p:sp>
+        <p:nvSpPr>
+          <p:cNvPr id="328" name="TextShape 2"/>
+          <p:cNvSpPr txBox="1"/>
+          <p:nvPr/>
+        </p:nvSpPr>
+        <p:spPr>
+          <a:xfrm>
+            <a:off x="3884760" y="8685360"/>
+            <a:ext cx="2971440" cy="456840"/>
+          </a:xfrm>
+          <a:prstGeom prst="rect">
+            <a:avLst/>
+          </a:prstGeom>
+          <a:noFill/>
+          <a:ln>
+            <a:noFill/>
+          </a:ln>
+        </p:spPr>
+        <p:txBody>
+          <a:bodyPr anchor="b"/>
+          <a:lstStyle/>
+          <a:p>
+            <a:pPr algn="r">
+              <a:lnSpc>
+                <a:spcPct val="100000"/>
+              </a:lnSpc>
+            </a:pPr>
+            <a:fld id="{899260B7-B1DE-4681-860B-F6AD9EB1FEB2}" type="slidenum">
+              <a:rPr lang="fr-FR" sz="1200" strike="noStrike">
+                <a:solidFill>
+                  <a:srgbClr val="000000"/>
+                </a:solidFill>
+                <a:latin typeface="+mn-lt"/>
+                <a:ea typeface="+mn-ea"/>
+              </a:rPr>
+              <a:t>13</a:t>
             </a:fld>
-            <a:endParaRPr lang="fr-FR"/>
+            <a:endParaRPr/>
           </a:p>
         </p:txBody>
       </p:sp>
     </p:spTree>
     <p:extLst>
       <p:ext uri="{BB962C8B-B14F-4D97-AF65-F5344CB8AC3E}">
-        <p14:creationId xmlns:p14="http://schemas.microsoft.com/office/powerpoint/2010/main" val="1585364243"/>
+        <p14:creationId xmlns:p14="http://schemas.microsoft.com/office/powerpoint/2010/main" val="2748619557"/>
       </p:ext>
     </p:extLst>
   </p:cSld>
@@ -1266,12 +1652,28 @@
           <a:lstStyle/>
           <a:p>
             <a:r>
-              <a:rPr lang="fr-FR" dirty="0" smtClean="0"/>
-              <a:t>Ne</a:t>
-            </a:r>
-            <a:r>
-              <a:rPr lang="fr-FR" baseline="0" dirty="0" smtClean="0"/>
-              <a:t> pas parler au futur, faire au présent.</a:t>
+              <a:rPr lang="en-US" baseline="0" dirty="0" err="1" smtClean="0"/>
+              <a:t>Dessins</a:t>
+            </a:r>
+            <a:r>
+              <a:rPr lang="en-US" baseline="0" dirty="0" smtClean="0"/>
+              <a:t> </a:t>
+            </a:r>
+            <a:r>
+              <a:rPr lang="en-US" baseline="0" dirty="0" err="1" smtClean="0"/>
+              <a:t>moins</a:t>
+            </a:r>
+            <a:r>
+              <a:rPr lang="en-US" baseline="0" dirty="0" smtClean="0"/>
+              <a:t> </a:t>
+            </a:r>
+            <a:r>
+              <a:rPr lang="en-US" baseline="0" dirty="0" err="1" smtClean="0"/>
+              <a:t>générique</a:t>
+            </a:r>
+            <a:r>
+              <a:rPr lang="en-US" baseline="0" dirty="0" smtClean="0"/>
+              <a:t>.</a:t>
             </a:r>
             <a:endParaRPr lang="fr-FR" dirty="0"/>
           </a:p>
@@ -1298,7 +1700,7 @@
                 <a:latin typeface="Times New Roman"/>
               </a:rPr>
               <a:pPr algn="r"/>
-              <a:t>19</a:t>
+              <a:t>16</a:t>
             </a:fld>
             <a:endParaRPr lang="fr-FR"/>
           </a:p>
@@ -1307,7 +1709,7 @@
     </p:spTree>
     <p:extLst>
       <p:ext uri="{BB962C8B-B14F-4D97-AF65-F5344CB8AC3E}">
-        <p14:creationId xmlns:p14="http://schemas.microsoft.com/office/powerpoint/2010/main" val="1263906245"/>
+        <p14:creationId xmlns:p14="http://schemas.microsoft.com/office/powerpoint/2010/main" val="1585364243"/>
       </p:ext>
     </p:extLst>
   </p:cSld>
@@ -1376,54 +1778,29 @@
           <a:lstStyle/>
           <a:p>
             <a:r>
-              <a:rPr lang="fr-FR" dirty="0" smtClean="0"/>
-              <a:t>On</a:t>
-            </a:r>
-            <a:r>
-              <a:rPr lang="fr-FR" baseline="0" dirty="0" smtClean="0"/>
-              <a:t> a oublié de parler des versions.</a:t>
-            </a:r>
-            <a:endParaRPr lang="fr-FR" dirty="0" smtClean="0"/>
-          </a:p>
-          <a:p>
-            <a:endParaRPr lang="fr-FR" dirty="0" smtClean="0"/>
-          </a:p>
-          <a:p>
-            <a:r>
-              <a:rPr lang="fr-FR" dirty="0" smtClean="0"/>
-              <a:t>On voit rien.</a:t>
-            </a:r>
-          </a:p>
-          <a:p>
-            <a:r>
-              <a:rPr lang="fr-FR" dirty="0" smtClean="0"/>
-              <a:t>Colorier.</a:t>
-            </a:r>
-          </a:p>
-          <a:p>
-            <a:endParaRPr lang="fr-FR" dirty="0" smtClean="0"/>
-          </a:p>
-          <a:p>
-            <a:r>
-              <a:rPr lang="fr-FR" dirty="0" smtClean="0"/>
-              <a:t>Donner</a:t>
-            </a:r>
-            <a:r>
-              <a:rPr lang="fr-FR" baseline="0" dirty="0" smtClean="0"/>
-              <a:t> nombre heures</a:t>
-            </a:r>
-          </a:p>
-          <a:p>
-            <a:r>
-              <a:rPr lang="fr-FR" baseline="0" dirty="0" smtClean="0"/>
-              <a:t>Nombre heure travail par semaine.</a:t>
-            </a:r>
-            <a:endParaRPr lang="fr-FR" dirty="0" smtClean="0"/>
-          </a:p>
-          <a:p>
-            <a:endParaRPr lang="fr-FR" dirty="0" smtClean="0"/>
-          </a:p>
-          <a:p>
+              <a:rPr lang="en-US" baseline="0" dirty="0" err="1" smtClean="0"/>
+              <a:t>Dessins</a:t>
+            </a:r>
+            <a:r>
+              <a:rPr lang="en-US" baseline="0" dirty="0" smtClean="0"/>
+              <a:t> </a:t>
+            </a:r>
+            <a:r>
+              <a:rPr lang="en-US" baseline="0" dirty="0" err="1" smtClean="0"/>
+              <a:t>moins</a:t>
+            </a:r>
+            <a:r>
+              <a:rPr lang="en-US" baseline="0" dirty="0" smtClean="0"/>
+              <a:t> </a:t>
+            </a:r>
+            <a:r>
+              <a:rPr lang="en-US" baseline="0" dirty="0" err="1" smtClean="0"/>
+              <a:t>générique</a:t>
+            </a:r>
+            <a:r>
+              <a:rPr lang="en-US" baseline="0" dirty="0" smtClean="0"/>
+              <a:t>.</a:t>
+            </a:r>
             <a:endParaRPr lang="fr-FR" dirty="0"/>
           </a:p>
         </p:txBody>
@@ -1449,7 +1826,7 @@
                 <a:latin typeface="Times New Roman"/>
               </a:rPr>
               <a:pPr algn="r"/>
-              <a:t>20</a:t>
+              <a:t>17</a:t>
             </a:fld>
             <a:endParaRPr lang="fr-FR"/>
           </a:p>
@@ -1458,7 +1835,7 @@
     </p:spTree>
     <p:extLst>
       <p:ext uri="{BB962C8B-B14F-4D97-AF65-F5344CB8AC3E}">
-        <p14:creationId xmlns:p14="http://schemas.microsoft.com/office/powerpoint/2010/main" val="3431012212"/>
+        <p14:creationId xmlns:p14="http://schemas.microsoft.com/office/powerpoint/2010/main" val="4189495788"/>
       </p:ext>
     </p:extLst>
   </p:cSld>
@@ -1526,18 +1903,6 @@
           <a:bodyPr/>
           <a:lstStyle/>
           <a:p>
-            <a:r>
-              <a:rPr lang="fr-FR" dirty="0" smtClean="0"/>
-              <a:t>Mettre </a:t>
-            </a:r>
-            <a:r>
-              <a:rPr lang="fr-FR" dirty="0" err="1" smtClean="0"/>
-              <a:t>glasir</a:t>
-            </a:r>
-            <a:r>
-              <a:rPr lang="fr-FR" dirty="0" smtClean="0"/>
-              <a:t>.</a:t>
-            </a:r>
             <a:endParaRPr lang="fr-FR" dirty="0"/>
           </a:p>
         </p:txBody>
@@ -1563,7 +1928,7 @@
                 <a:latin typeface="Times New Roman"/>
               </a:rPr>
               <a:pPr algn="r"/>
-              <a:t>23</a:t>
+              <a:t>19</a:t>
             </a:fld>
             <a:endParaRPr lang="fr-FR"/>
           </a:p>
@@ -1572,7 +1937,7 @@
     </p:spTree>
     <p:extLst>
       <p:ext uri="{BB962C8B-B14F-4D97-AF65-F5344CB8AC3E}">
-        <p14:creationId xmlns:p14="http://schemas.microsoft.com/office/powerpoint/2010/main" val="1422932872"/>
+        <p14:creationId xmlns:p14="http://schemas.microsoft.com/office/powerpoint/2010/main" val="2870550314"/>
       </p:ext>
     </p:extLst>
   </p:cSld>
@@ -6231,7 +6596,7 @@
         </p:nvSpPr>
         <p:spPr>
           <a:xfrm>
-            <a:off x="323640" y="5850000"/>
+            <a:off x="2645460" y="3501480"/>
             <a:ext cx="3853080" cy="1007640"/>
           </a:xfrm>
           <a:prstGeom prst="rect">
@@ -6246,21 +6611,29 @@
           <a:bodyPr/>
           <a:lstStyle/>
           <a:p>
-            <a:pPr>
+            <a:pPr algn="ctr">
               <a:lnSpc>
                 <a:spcPct val="100000"/>
               </a:lnSpc>
             </a:pPr>
             <a:r>
-              <a:rPr lang="fr-FR" sz="2000" strike="noStrike" cap="small">
-                <a:solidFill>
-                  <a:srgbClr val="2F2F2F"/>
+              <a:rPr lang="fr-FR" sz="2800" b="1" strike="noStrike" cap="small" dirty="0">
+                <a:solidFill>
+                  <a:schemeClr val="accent1">
+                    <a:lumMod val="75000"/>
+                  </a:schemeClr>
                 </a:solidFill>
                 <a:latin typeface="Arial"/>
               </a:rPr>
               <a:t>Soutenance de planification</a:t>
             </a:r>
-            <a:endParaRPr cap="small"/>
+            <a:endParaRPr sz="2400" b="1" cap="small" dirty="0">
+              <a:solidFill>
+                <a:schemeClr val="accent1">
+                  <a:lumMod val="75000"/>
+                </a:schemeClr>
+              </a:solidFill>
+            </a:endParaRPr>
           </a:p>
         </p:txBody>
       </p:sp>
@@ -6362,12 +6735,25 @@
               </a:lnSpc>
             </a:pPr>
             <a:r>
-              <a:rPr lang="fr-FR" strike="noStrike">
+              <a:rPr lang="fr-FR" strike="noStrike" dirty="0">
+                <a:solidFill>
+                  <a:schemeClr val="tx1">
+                    <a:lumMod val="85000"/>
+                    <a:lumOff val="15000"/>
+                  </a:schemeClr>
+                </a:solidFill>
                 <a:latin typeface="Arial"/>
               </a:rPr>
               <a:t>Gildas AVOINE</a:t>
             </a:r>
-            <a:endParaRPr/>
+            <a:endParaRPr dirty="0">
+              <a:solidFill>
+                <a:schemeClr val="tx1">
+                  <a:lumMod val="85000"/>
+                  <a:lumOff val="15000"/>
+                </a:schemeClr>
+              </a:solidFill>
+            </a:endParaRPr>
           </a:p>
           <a:p>
             <a:pPr algn="r">
@@ -6376,12 +6762,25 @@
               </a:lnSpc>
             </a:pPr>
             <a:r>
-              <a:rPr lang="fr-FR" strike="noStrike">
+              <a:rPr lang="fr-FR" strike="noStrike" dirty="0">
+                <a:solidFill>
+                  <a:schemeClr val="tx1">
+                    <a:lumMod val="85000"/>
+                    <a:lumOff val="15000"/>
+                  </a:schemeClr>
+                </a:solidFill>
                 <a:latin typeface="Arial"/>
               </a:rPr>
               <a:t>Barbara KORDY</a:t>
             </a:r>
-            <a:endParaRPr/>
+            <a:endParaRPr dirty="0">
+              <a:solidFill>
+                <a:schemeClr val="tx1">
+                  <a:lumMod val="85000"/>
+                  <a:lumOff val="15000"/>
+                </a:schemeClr>
+              </a:solidFill>
+            </a:endParaRPr>
           </a:p>
         </p:txBody>
       </p:sp>
@@ -6393,7 +6792,7 @@
         </p:nvSpPr>
         <p:spPr>
           <a:xfrm>
-            <a:off x="6300360" y="4077000"/>
+            <a:off x="3348000" y="5267524"/>
             <a:ext cx="2448000" cy="364680"/>
           </a:xfrm>
           <a:prstGeom prst="rect">
@@ -6420,13 +6819,13 @@
           <a:bodyPr lIns="90000" tIns="45000" rIns="90000" bIns="45000"/>
           <a:lstStyle/>
           <a:p>
-            <a:pPr algn="r">
+            <a:pPr algn="ctr">
               <a:lnSpc>
                 <a:spcPct val="100000"/>
               </a:lnSpc>
             </a:pPr>
             <a:r>
-              <a:rPr lang="fr-FR" b="1" strike="noStrike">
+              <a:rPr lang="fr-FR" b="1" strike="noStrike" dirty="0">
                 <a:solidFill>
                   <a:srgbClr val="E52713"/>
                 </a:solidFill>
@@ -6434,7 +6833,7 @@
               </a:rPr>
               <a:t>Étudiants</a:t>
             </a:r>
-            <a:endParaRPr/>
+            <a:endParaRPr dirty="0"/>
           </a:p>
         </p:txBody>
       </p:sp>
@@ -6446,8 +6845,8 @@
         </p:nvSpPr>
         <p:spPr>
           <a:xfrm>
-            <a:off x="6300360" y="4509000"/>
-            <a:ext cx="2448000" cy="1736280"/>
+            <a:off x="0" y="5661248"/>
+            <a:ext cx="9144000" cy="584032"/>
           </a:xfrm>
           <a:prstGeom prst="rect">
             <a:avLst/>
@@ -6473,106 +6872,72 @@
           <a:bodyPr lIns="90000" tIns="45000" rIns="90000" bIns="45000"/>
           <a:lstStyle/>
           <a:p>
-            <a:pPr algn="r">
+            <a:pPr algn="ctr">
               <a:lnSpc>
                 <a:spcPct val="100000"/>
               </a:lnSpc>
             </a:pPr>
             <a:r>
-              <a:rPr lang="fr-FR" strike="noStrike">
+              <a:rPr lang="fr-FR" strike="noStrike" dirty="0">
                 <a:solidFill>
                   <a:srgbClr val="2F2F2F"/>
                 </a:solidFill>
                 <a:latin typeface="Arial"/>
               </a:rPr>
-              <a:t>Pierre-Marie AIRIAU</a:t>
-            </a:r>
-            <a:endParaRPr/>
-          </a:p>
-          <a:p>
-            <a:pPr algn="r">
+              <a:t>Pierre-Marie </a:t>
+            </a:r>
+            <a:r>
+              <a:rPr lang="fr-FR" strike="noStrike" dirty="0" smtClean="0">
+                <a:solidFill>
+                  <a:srgbClr val="2F2F2F"/>
+                </a:solidFill>
+                <a:latin typeface="Arial"/>
+              </a:rPr>
+              <a:t>AIRIAU - Valentin ESMIEU - Hoel KERVADEC</a:t>
+            </a:r>
+          </a:p>
+          <a:p>
+            <a:pPr algn="ctr">
               <a:lnSpc>
                 <a:spcPct val="100000"/>
               </a:lnSpc>
             </a:pPr>
             <a:r>
-              <a:rPr lang="fr-FR" strike="noStrike">
+              <a:rPr lang="fr-FR" strike="noStrike" dirty="0" smtClean="0">
                 <a:solidFill>
                   <a:srgbClr val="2F2F2F"/>
                 </a:solidFill>
                 <a:latin typeface="Arial"/>
               </a:rPr>
-              <a:t>Valentin ESMIEU</a:t>
-            </a:r>
-            <a:endParaRPr/>
-          </a:p>
-          <a:p>
-            <a:pPr algn="r">
-              <a:lnSpc>
-                <a:spcPct val="100000"/>
-              </a:lnSpc>
-            </a:pPr>
-            <a:r>
-              <a:rPr lang="fr-FR" strike="noStrike">
+              <a:t>Maud LERAY - Florent MALLARD</a:t>
+            </a:r>
+            <a:r>
+              <a:rPr lang="fr-FR" dirty="0"/>
+              <a:t> </a:t>
+            </a:r>
+            <a:r>
+              <a:rPr lang="fr-FR" dirty="0" smtClean="0"/>
+              <a:t>- </a:t>
+            </a:r>
+            <a:r>
+              <a:rPr lang="fr-FR" strike="noStrike" dirty="0" smtClean="0">
                 <a:solidFill>
                   <a:srgbClr val="2F2F2F"/>
                 </a:solidFill>
                 <a:latin typeface="Arial"/>
               </a:rPr>
-              <a:t>Hoel KERVADEC</a:t>
-            </a:r>
-            <a:endParaRPr/>
-          </a:p>
-          <a:p>
-            <a:pPr algn="r">
-              <a:lnSpc>
-                <a:spcPct val="100000"/>
-              </a:lnSpc>
-            </a:pPr>
-            <a:r>
-              <a:rPr lang="fr-FR" strike="noStrike">
+              <a:t>Corentin </a:t>
+            </a:r>
+            <a:r>
+              <a:rPr lang="fr-FR" strike="noStrike" dirty="0">
                 <a:solidFill>
                   <a:srgbClr val="2F2F2F"/>
                 </a:solidFill>
                 <a:latin typeface="Arial"/>
               </a:rPr>
-              <a:t>Maud LERAY</a:t>
-            </a:r>
-            <a:endParaRPr/>
-          </a:p>
-          <a:p>
-            <a:pPr algn="r">
-              <a:lnSpc>
-                <a:spcPct val="100000"/>
-              </a:lnSpc>
-            </a:pPr>
-            <a:r>
-              <a:rPr lang="fr-FR" strike="noStrike">
-                <a:solidFill>
-                  <a:srgbClr val="2F2F2F"/>
-                </a:solidFill>
-                <a:latin typeface="Arial"/>
-              </a:rPr>
-              <a:t>Florent MALLARD</a:t>
-            </a:r>
-            <a:endParaRPr/>
-          </a:p>
-          <a:p>
-            <a:pPr algn="r">
-              <a:lnSpc>
-                <a:spcPct val="100000"/>
-              </a:lnSpc>
-            </a:pPr>
-            <a:r>
-              <a:rPr lang="fr-FR" strike="noStrike">
-                <a:solidFill>
-                  <a:srgbClr val="2F2F2F"/>
-                </a:solidFill>
-                <a:latin typeface="Arial"/>
-              </a:rPr>
-              <a:t>Corentin NICOLE</a:t>
-            </a:r>
-            <a:endParaRPr/>
+              <a:t>NICOLE</a:t>
+            </a:r>
+            <a:endParaRPr dirty="0"/>
           </a:p>
         </p:txBody>
       </p:sp>
@@ -6618,6 +6983,12 @@
             </a:pPr>
             <a:r>
               <a:rPr lang="fr-FR" sz="2800" b="1" strike="noStrike" cap="small" dirty="0" smtClean="0">
+                <a:solidFill>
+                  <a:schemeClr val="tx1">
+                    <a:lumMod val="85000"/>
+                    <a:lumOff val="15000"/>
+                  </a:schemeClr>
+                </a:solidFill>
                 <a:latin typeface="+mj-lt"/>
               </a:rPr>
               <a:t>Est-il</a:t>
@@ -6631,6 +7002,12 @@
             </a:pPr>
             <a:r>
               <a:rPr lang="fr-FR" sz="2800" b="1" strike="noStrike" cap="small" dirty="0" smtClean="0">
+                <a:solidFill>
+                  <a:schemeClr val="tx1">
+                    <a:lumMod val="85000"/>
+                    <a:lumOff val="15000"/>
+                  </a:schemeClr>
+                </a:solidFill>
                 <a:latin typeface="+mj-lt"/>
               </a:rPr>
               <a:t>difficile de</a:t>
@@ -6644,17 +7021,35 @@
             </a:pPr>
             <a:r>
               <a:rPr lang="fr-FR" sz="2800" b="1" strike="noStrike" cap="small" dirty="0" smtClean="0">
+                <a:solidFill>
+                  <a:schemeClr val="tx1">
+                    <a:lumMod val="85000"/>
+                    <a:lumOff val="15000"/>
+                  </a:schemeClr>
+                </a:solidFill>
                 <a:latin typeface="+mj-lt"/>
               </a:rPr>
               <a:t>paralyser </a:t>
             </a:r>
             <a:r>
               <a:rPr lang="fr-FR" sz="2800" b="1" strike="noStrike" cap="small" dirty="0">
+                <a:solidFill>
+                  <a:schemeClr val="tx1">
+                    <a:lumMod val="85000"/>
+                    <a:lumOff val="15000"/>
+                  </a:schemeClr>
+                </a:solidFill>
                 <a:latin typeface="+mj-lt"/>
               </a:rPr>
               <a:t>les</a:t>
             </a:r>
             <a:endParaRPr sz="2800" b="1" cap="small" dirty="0">
+              <a:solidFill>
+                <a:schemeClr val="tx1">
+                  <a:lumMod val="85000"/>
+                  <a:lumOff val="15000"/>
+                </a:schemeClr>
+              </a:solidFill>
               <a:latin typeface="+mj-lt"/>
             </a:endParaRPr>
           </a:p>
@@ -6666,11 +7061,23 @@
             </a:pPr>
             <a:r>
               <a:rPr lang="fr-FR" sz="2800" b="1" strike="noStrike" cap="small" dirty="0">
+                <a:solidFill>
+                  <a:schemeClr val="tx1">
+                    <a:lumMod val="85000"/>
+                    <a:lumOff val="15000"/>
+                  </a:schemeClr>
+                </a:solidFill>
                 <a:latin typeface="+mj-lt"/>
               </a:rPr>
               <a:t>transports en </a:t>
             </a:r>
             <a:endParaRPr lang="fr-FR" sz="2800" b="1" strike="noStrike" cap="small" dirty="0" smtClean="0">
+              <a:solidFill>
+                <a:schemeClr val="tx1">
+                  <a:lumMod val="85000"/>
+                  <a:lumOff val="15000"/>
+                </a:schemeClr>
+              </a:solidFill>
               <a:latin typeface="+mj-lt"/>
             </a:endParaRPr>
           </a:p>
@@ -6682,6 +7089,12 @@
             </a:pPr>
             <a:r>
               <a:rPr lang="fr-FR" sz="2800" b="1" strike="noStrike" cap="small" dirty="0" smtClean="0">
+                <a:solidFill>
+                  <a:schemeClr val="tx1">
+                    <a:lumMod val="85000"/>
+                    <a:lumOff val="15000"/>
+                  </a:schemeClr>
+                </a:solidFill>
                 <a:latin typeface="+mj-lt"/>
               </a:rPr>
               <a:t>commun de</a:t>
@@ -6695,17 +7108,35 @@
             </a:pPr>
             <a:r>
               <a:rPr lang="fr-FR" sz="2800" b="1" strike="noStrike" cap="small" dirty="0" smtClean="0">
+                <a:solidFill>
+                  <a:schemeClr val="tx1">
+                    <a:lumMod val="85000"/>
+                    <a:lumOff val="15000"/>
+                  </a:schemeClr>
+                </a:solidFill>
                 <a:latin typeface="+mj-lt"/>
               </a:rPr>
               <a:t>Rennes </a:t>
             </a:r>
             <a:r>
               <a:rPr lang="fr-FR" sz="2800" b="1" strike="noStrike" cap="small" dirty="0">
+                <a:solidFill>
+                  <a:schemeClr val="tx1">
+                    <a:lumMod val="85000"/>
+                    <a:lumOff val="15000"/>
+                  </a:schemeClr>
+                </a:solidFill>
                 <a:latin typeface="+mj-lt"/>
               </a:rPr>
               <a:t>?</a:t>
             </a:r>
             <a:endParaRPr sz="2800" b="1" cap="small" dirty="0">
+              <a:solidFill>
+                <a:schemeClr val="tx1">
+                  <a:lumMod val="85000"/>
+                  <a:lumOff val="15000"/>
+                </a:schemeClr>
+              </a:solidFill>
               <a:latin typeface="+mj-lt"/>
             </a:endParaRPr>
           </a:p>
@@ -6718,12 +7149,12 @@
   </p:clrMapOvr>
   <mc:AlternateContent xmlns:mc="http://schemas.openxmlformats.org/markup-compatibility/2006" xmlns:p14="http://schemas.microsoft.com/office/powerpoint/2010/main">
     <mc:Choice Requires="p14">
-      <p:transition p14:dur="250">
+      <p:transition p14:dur="250" advTm="438">
         <p:pull/>
       </p:transition>
     </mc:Choice>
     <mc:Fallback xmlns="">
-      <p:transition>
+      <p:transition advTm="438">
         <p:pull/>
       </p:transition>
     </mc:Fallback>
@@ -6731,27 +7162,7 @@
   <p:timing>
     <p:tnLst>
       <p:par>
-        <p:cTn id="1" dur="indefinite" restart="never" nodeType="tmRoot">
-          <p:childTnLst>
-            <p:seq>
-              <p:cTn id="2" nodeType="mainSeq"/>
-              <p:prevCondLst>
-                <p:cond evt="onPrev" delay="0">
-                  <p:tgtEl>
-                    <p:sldTgt/>
-                  </p:tgtEl>
-                </p:cond>
-              </p:prevCondLst>
-              <p:nextCondLst>
-                <p:cond evt="onNext" delay="0">
-                  <p:tgtEl>
-                    <p:sldTgt/>
-                  </p:tgtEl>
-                </p:cond>
-              </p:nextCondLst>
-            </p:seq>
-          </p:childTnLst>
-        </p:cTn>
+        <p:cTn id="1" dur="indefinite" restart="never" nodeType="tmRoot"/>
       </p:par>
     </p:tnLst>
   </p:timing>
@@ -6777,14 +7188,14 @@
       </p:grpSpPr>
       <p:sp>
         <p:nvSpPr>
-          <p:cNvPr id="118" name="TextShape 1"/>
+          <p:cNvPr id="131" name="TextShape 2"/>
           <p:cNvSpPr txBox="1"/>
           <p:nvPr/>
         </p:nvSpPr>
         <p:spPr>
           <a:xfrm>
-            <a:off x="1763640" y="92160"/>
-            <a:ext cx="6460560" cy="571320"/>
+            <a:off x="457200" y="980640"/>
+            <a:ext cx="8229240" cy="5328360"/>
           </a:xfrm>
           <a:prstGeom prst="rect">
             <a:avLst/>
@@ -6795,7 +7206,7 @@
           </a:ln>
         </p:spPr>
         <p:txBody>
-          <a:bodyPr anchor="ctr"/>
+          <a:bodyPr/>
           <a:lstStyle/>
           <a:p>
             <a:pPr algn="ctr">
@@ -6804,28 +7215,44 @@
               </a:lnSpc>
             </a:pPr>
             <a:r>
-              <a:rPr lang="fr-FR" sz="1600" b="1" strike="noStrike" dirty="0" smtClean="0">
-                <a:solidFill>
-                  <a:srgbClr val="4F4D50"/>
+              <a:rPr lang="fr-FR" sz="2800" b="1" strike="noStrike" smtClean="0">
+                <a:solidFill>
+                  <a:schemeClr val="tx2">
+                    <a:lumMod val="75000"/>
+                  </a:schemeClr>
                 </a:solidFill>
                 <a:latin typeface="Arial"/>
               </a:rPr>
-              <a:t>Introduction</a:t>
-            </a:r>
+              <a:t>Périmètre de qualification</a:t>
+            </a:r>
+            <a:endParaRPr smtClean="0">
+              <a:solidFill>
+                <a:schemeClr val="tx2">
+                  <a:lumMod val="75000"/>
+                </a:schemeClr>
+              </a:solidFill>
+            </a:endParaRPr>
+          </a:p>
+          <a:p>
+            <a:pPr algn="ctr">
+              <a:lnSpc>
+                <a:spcPct val="100000"/>
+              </a:lnSpc>
+            </a:pPr>
             <a:endParaRPr dirty="0"/>
           </a:p>
         </p:txBody>
       </p:sp>
       <p:sp>
         <p:nvSpPr>
-          <p:cNvPr id="119" name="TextShape 2"/>
+          <p:cNvPr id="6" name="TextShape 1"/>
           <p:cNvSpPr txBox="1"/>
           <p:nvPr/>
         </p:nvSpPr>
         <p:spPr>
           <a:xfrm>
-            <a:off x="457200" y="980640"/>
-            <a:ext cx="8229240" cy="5328360"/>
+            <a:off x="1763688" y="116632"/>
+            <a:ext cx="3528392" cy="488142"/>
           </a:xfrm>
           <a:prstGeom prst="rect">
             <a:avLst/>
@@ -6836,57 +7263,60 @@
           </a:ln>
         </p:spPr>
         <p:txBody>
-          <a:bodyPr/>
-          <a:lstStyle/>
-          <a:p>
-            <a:endParaRPr/>
+          <a:bodyPr anchor="ctr"/>
+          <a:lstStyle/>
+          <a:p>
+            <a:pPr>
+              <a:lnSpc>
+                <a:spcPct val="100000"/>
+              </a:lnSpc>
+            </a:pPr>
+            <a:r>
+              <a:rPr lang="fr-FR" sz="2000" b="1" dirty="0" smtClean="0">
+                <a:solidFill>
+                  <a:srgbClr val="004D6F"/>
+                </a:solidFill>
+              </a:rPr>
+              <a:t>Contexte</a:t>
+            </a:r>
+            <a:endParaRPr sz="2000" dirty="0">
+              <a:solidFill>
+                <a:schemeClr val="accent4">
+                  <a:lumMod val="75000"/>
+                </a:schemeClr>
+              </a:solidFill>
+            </a:endParaRPr>
           </a:p>
         </p:txBody>
       </p:sp>
       <p:pic>
         <p:nvPicPr>
-          <p:cNvPr id="120" name="Picture 3"/>
-          <p:cNvPicPr/>
+          <p:cNvPr id="11" name="Picture 10"/>
+          <p:cNvPicPr>
+            <a:picLocks noChangeAspect="1"/>
+          </p:cNvPicPr>
           <p:nvPr/>
         </p:nvPicPr>
         <p:blipFill>
-          <a:blip r:embed="rId3" cstate="print"/>
-          <a:stretch/>
+          <a:blip r:embed="rId2">
+            <a:extLst>
+              <a:ext uri="{28A0092B-C50C-407E-A947-70E740481C1C}">
+                <a14:useLocalDpi xmlns:a14="http://schemas.microsoft.com/office/drawing/2010/main" val="0"/>
+              </a:ext>
+            </a:extLst>
+          </a:blip>
+          <a:stretch>
+            <a:fillRect/>
+          </a:stretch>
         </p:blipFill>
         <p:spPr>
           <a:xfrm>
-            <a:off x="539640" y="2565000"/>
-            <a:ext cx="2703240" cy="1540440"/>
-          </a:xfrm>
-          <a:prstGeom prst="rect">
-            <a:avLst/>
-          </a:prstGeom>
-          <a:ln>
-            <a:noFill/>
-          </a:ln>
-        </p:spPr>
-      </p:pic>
-      <p:pic>
-        <p:nvPicPr>
-          <p:cNvPr id="121" name="Picture 4"/>
-          <p:cNvPicPr/>
-          <p:nvPr/>
-        </p:nvPicPr>
-        <p:blipFill>
-          <a:blip r:embed="rId4" cstate="print"/>
-          <a:stretch/>
-        </p:blipFill>
-        <p:spPr>
-          <a:xfrm>
-            <a:off x="4212000" y="980640"/>
-            <a:ext cx="4484520" cy="5301000"/>
-          </a:xfrm>
-          <a:prstGeom prst="rect">
-            <a:avLst/>
-          </a:prstGeom>
-          <a:ln>
-            <a:noFill/>
-          </a:ln>
+            <a:off x="1547664" y="2924944"/>
+            <a:ext cx="6209524" cy="1361905"/>
+          </a:xfrm>
+          <a:prstGeom prst="rect">
+            <a:avLst/>
+          </a:prstGeom>
         </p:spPr>
       </p:pic>
     </p:spTree>
@@ -6896,12 +7326,12 @@
   </p:clrMapOvr>
   <mc:AlternateContent xmlns:mc="http://schemas.openxmlformats.org/markup-compatibility/2006" xmlns:p14="http://schemas.microsoft.com/office/powerpoint/2010/main">
     <mc:Choice Requires="p14">
-      <p:transition p14:dur="250">
+      <p:transition p14:dur="250" advTm="1081">
         <p:pull/>
       </p:transition>
     </mc:Choice>
     <mc:Fallback xmlns="">
-      <p:transition>
+      <p:transition advTm="1081">
         <p:pull/>
       </p:transition>
     </mc:Fallback>
@@ -6935,14 +7365,14 @@
       </p:grpSpPr>
       <p:sp>
         <p:nvSpPr>
-          <p:cNvPr id="130" name="TextShape 1"/>
+          <p:cNvPr id="133" name="TextShape 2"/>
           <p:cNvSpPr txBox="1"/>
           <p:nvPr/>
         </p:nvSpPr>
         <p:spPr>
           <a:xfrm>
-            <a:off x="1763640" y="92160"/>
-            <a:ext cx="6460560" cy="571320"/>
+            <a:off x="457200" y="980640"/>
+            <a:ext cx="8229240" cy="5328360"/>
           </a:xfrm>
           <a:prstGeom prst="rect">
             <a:avLst/>
@@ -6953,7 +7383,7 @@
           </a:ln>
         </p:spPr>
         <p:txBody>
-          <a:bodyPr anchor="ctr"/>
+          <a:bodyPr/>
           <a:lstStyle/>
           <a:p>
             <a:pPr algn="ctr">
@@ -6962,28 +7392,186 @@
               </a:lnSpc>
             </a:pPr>
             <a:r>
-              <a:rPr lang="fr-FR" sz="1600" b="1" strike="noStrike">
-                <a:solidFill>
-                  <a:srgbClr val="4F4D50"/>
+              <a:rPr lang="fr-FR" sz="2800" b="1" strike="noStrike" dirty="0">
+                <a:solidFill>
+                  <a:schemeClr val="tx2">
+                    <a:lumMod val="75000"/>
+                  </a:schemeClr>
                 </a:solidFill>
                 <a:latin typeface="Arial"/>
               </a:rPr>
-              <a:t>Contexte</a:t>
-            </a:r>
-            <a:endParaRPr/>
-          </a:p>
-        </p:txBody>
-      </p:sp>
-      <p:sp>
-        <p:nvSpPr>
-          <p:cNvPr id="131" name="TextShape 2"/>
+              <a:t>Calendrier</a:t>
+            </a:r>
+            <a:endParaRPr dirty="0">
+              <a:solidFill>
+                <a:schemeClr val="tx2">
+                  <a:lumMod val="75000"/>
+                </a:schemeClr>
+              </a:solidFill>
+            </a:endParaRPr>
+          </a:p>
+          <a:p>
+            <a:pPr algn="ctr">
+              <a:lnSpc>
+                <a:spcPct val="100000"/>
+              </a:lnSpc>
+            </a:pPr>
+            <a:endParaRPr dirty="0"/>
+          </a:p>
+          <a:p>
+            <a:pPr>
+              <a:lnSpc>
+                <a:spcPct val="100000"/>
+              </a:lnSpc>
+            </a:pPr>
+            <a:r>
+              <a:rPr lang="fr-FR" sz="2000" b="1" strike="noStrike" dirty="0">
+                <a:solidFill>
+                  <a:srgbClr val="004D6F"/>
+                </a:solidFill>
+                <a:latin typeface="Arial"/>
+              </a:rPr>
+              <a:t>Rapport de conception : </a:t>
+            </a:r>
+            <a:r>
+              <a:rPr lang="fr-FR" sz="2000" b="1" strike="noStrike" dirty="0" smtClean="0">
+                <a:solidFill>
+                  <a:srgbClr val="004D6F"/>
+                </a:solidFill>
+                <a:latin typeface="Arial"/>
+              </a:rPr>
+              <a:t>12 février</a:t>
+            </a:r>
+          </a:p>
+          <a:p>
+            <a:pPr>
+              <a:lnSpc>
+                <a:spcPct val="100000"/>
+              </a:lnSpc>
+            </a:pPr>
+            <a:endParaRPr dirty="0"/>
+          </a:p>
+          <a:p>
+            <a:pPr>
+              <a:lnSpc>
+                <a:spcPct val="100000"/>
+              </a:lnSpc>
+            </a:pPr>
+            <a:r>
+              <a:rPr lang="fr-FR" sz="2000" b="1" strike="noStrike" dirty="0" smtClean="0">
+                <a:solidFill>
+                  <a:srgbClr val="004D6F"/>
+                </a:solidFill>
+                <a:latin typeface="Arial"/>
+              </a:rPr>
+              <a:t>Vacances :  - du 16 au 20 février</a:t>
+            </a:r>
+          </a:p>
+          <a:p>
+            <a:pPr>
+              <a:lnSpc>
+                <a:spcPct val="100000"/>
+              </a:lnSpc>
+            </a:pPr>
+            <a:r>
+              <a:rPr lang="fr-FR" sz="2000" b="1" dirty="0" smtClean="0">
+                <a:solidFill>
+                  <a:srgbClr val="004D6F"/>
+                </a:solidFill>
+                <a:latin typeface="Arial"/>
+              </a:rPr>
+              <a:t>	        </a:t>
+            </a:r>
+            <a:r>
+              <a:rPr lang="fr-FR" sz="2000" b="1" strike="noStrike" dirty="0" smtClean="0">
+                <a:solidFill>
+                  <a:srgbClr val="004D6F"/>
+                </a:solidFill>
+                <a:latin typeface="Arial"/>
+              </a:rPr>
+              <a:t>- du 13 au 24 avril</a:t>
+            </a:r>
+          </a:p>
+          <a:p>
+            <a:pPr>
+              <a:lnSpc>
+                <a:spcPct val="100000"/>
+              </a:lnSpc>
+            </a:pPr>
+            <a:endParaRPr lang="fr-FR" sz="2000" b="1" dirty="0" smtClean="0">
+              <a:solidFill>
+                <a:srgbClr val="004D6F"/>
+              </a:solidFill>
+              <a:latin typeface="Arial"/>
+            </a:endParaRPr>
+          </a:p>
+          <a:p>
+            <a:r>
+              <a:rPr lang="fr-FR" sz="2000" b="1" dirty="0" smtClean="0">
+                <a:solidFill>
+                  <a:srgbClr val="004D6F"/>
+                </a:solidFill>
+              </a:rPr>
+              <a:t>Semaine bloquée : du 18 au 24 mai</a:t>
+            </a:r>
+            <a:endParaRPr lang="fr-FR" sz="2000" dirty="0" smtClean="0"/>
+          </a:p>
+          <a:p>
+            <a:pPr>
+              <a:lnSpc>
+                <a:spcPct val="100000"/>
+              </a:lnSpc>
+            </a:pPr>
+            <a:endParaRPr lang="fr-FR" sz="2000" b="1" dirty="0" smtClean="0">
+              <a:solidFill>
+                <a:srgbClr val="004D6F"/>
+              </a:solidFill>
+            </a:endParaRPr>
+          </a:p>
+          <a:p>
+            <a:pPr>
+              <a:lnSpc>
+                <a:spcPct val="100000"/>
+              </a:lnSpc>
+            </a:pPr>
+            <a:r>
+              <a:rPr lang="fr-FR" sz="2000" b="1" dirty="0" smtClean="0">
+                <a:solidFill>
+                  <a:srgbClr val="004D6F"/>
+                </a:solidFill>
+              </a:rPr>
+              <a:t>Rapport final et livraison : 26 mai</a:t>
+            </a:r>
+            <a:endParaRPr lang="fr-FR" sz="2000" dirty="0" smtClean="0"/>
+          </a:p>
+          <a:p>
+            <a:pPr>
+              <a:lnSpc>
+                <a:spcPct val="100000"/>
+              </a:lnSpc>
+            </a:pPr>
+            <a:endParaRPr lang="fr-FR" dirty="0" smtClean="0"/>
+          </a:p>
+          <a:p>
+            <a:pPr>
+              <a:lnSpc>
+                <a:spcPct val="100000"/>
+              </a:lnSpc>
+            </a:pPr>
+            <a:endParaRPr dirty="0"/>
+          </a:p>
+        </p:txBody>
+      </p:sp>
+      <p:sp>
+        <p:nvSpPr>
+          <p:cNvPr id="5" name="TextShape 1"/>
           <p:cNvSpPr txBox="1"/>
           <p:nvPr/>
         </p:nvSpPr>
         <p:spPr>
           <a:xfrm>
-            <a:off x="457200" y="980640"/>
-            <a:ext cx="8229240" cy="5328360"/>
+            <a:off x="1763688" y="116632"/>
+            <a:ext cx="3528392" cy="488142"/>
           </a:xfrm>
           <a:prstGeom prst="rect">
             <a:avLst/>
@@ -6994,59 +7582,32 @@
           </a:ln>
         </p:spPr>
         <p:txBody>
-          <a:bodyPr/>
-          <a:lstStyle/>
-          <a:p>
-            <a:pPr algn="ctr">
+          <a:bodyPr anchor="ctr"/>
+          <a:lstStyle/>
+          <a:p>
+            <a:pPr>
               <a:lnSpc>
                 <a:spcPct val="100000"/>
               </a:lnSpc>
             </a:pPr>
             <a:r>
-              <a:rPr lang="fr-FR" sz="2800" b="1" strike="noStrike">
+              <a:rPr lang="fr-FR" sz="2000" b="1" dirty="0" smtClean="0">
                 <a:solidFill>
                   <a:srgbClr val="004D6F"/>
                 </a:solidFill>
-                <a:latin typeface="Arial"/>
-              </a:rPr>
-              <a:t>Périmètre de qualification</a:t>
-            </a:r>
-            <a:endParaRPr/>
-          </a:p>
-          <a:p>
-            <a:pPr algn="ctr">
-              <a:lnSpc>
-                <a:spcPct val="100000"/>
-              </a:lnSpc>
-            </a:pPr>
-            <a:endParaRPr/>
-          </a:p>
-        </p:txBody>
-      </p:sp>
-      <p:pic>
-        <p:nvPicPr>
-          <p:cNvPr id="4" name="Image 3" descr="Windows_logo.png"/>
-          <p:cNvPicPr>
-            <a:picLocks noChangeAspect="1"/>
-          </p:cNvPicPr>
-          <p:nvPr/>
-        </p:nvPicPr>
-        <p:blipFill>
-          <a:blip r:embed="rId2" cstate="print"/>
-          <a:stretch>
-            <a:fillRect/>
-          </a:stretch>
-        </p:blipFill>
-        <p:spPr>
-          <a:xfrm>
-            <a:off x="3275856" y="2348880"/>
-            <a:ext cx="2559536" cy="2559536"/>
-          </a:xfrm>
-          <a:prstGeom prst="rect">
-            <a:avLst/>
-          </a:prstGeom>
-        </p:spPr>
-      </p:pic>
+              </a:rPr>
+              <a:t>Contexte</a:t>
+            </a:r>
+            <a:endParaRPr sz="2000" dirty="0">
+              <a:solidFill>
+                <a:schemeClr val="accent4">
+                  <a:lumMod val="75000"/>
+                </a:schemeClr>
+              </a:solidFill>
+            </a:endParaRPr>
+          </a:p>
+        </p:txBody>
+      </p:sp>
     </p:spTree>
   </p:cSld>
   <p:clrMapOvr>
@@ -7054,12 +7615,12 @@
   </p:clrMapOvr>
   <mc:AlternateContent xmlns:mc="http://schemas.openxmlformats.org/markup-compatibility/2006" xmlns:p14="http://schemas.microsoft.com/office/powerpoint/2010/main">
     <mc:Choice Requires="p14">
-      <p:transition p14:dur="250">
+      <p:transition p14:dur="250" advTm="2129">
         <p:pull/>
       </p:transition>
     </mc:Choice>
     <mc:Fallback xmlns="">
-      <p:transition>
+      <p:transition advTm="2129">
         <p:pull/>
       </p:transition>
     </mc:Fallback>
@@ -7093,7 +7654,7 @@
       </p:grpSpPr>
       <p:sp>
         <p:nvSpPr>
-          <p:cNvPr id="132" name="TextShape 1"/>
+          <p:cNvPr id="134" name="TextShape 1"/>
           <p:cNvSpPr txBox="1"/>
           <p:nvPr/>
         </p:nvSpPr>
@@ -7114,34 +7675,20 @@
           <a:bodyPr anchor="ctr"/>
           <a:lstStyle/>
           <a:p>
-            <a:pPr algn="ctr">
-              <a:lnSpc>
-                <a:spcPct val="100000"/>
-              </a:lnSpc>
-            </a:pPr>
-            <a:r>
-              <a:rPr lang="fr-FR" sz="1600" b="1" strike="noStrike">
-                <a:solidFill>
-                  <a:srgbClr val="4F4D50"/>
-                </a:solidFill>
-                <a:latin typeface="Arial"/>
-              </a:rPr>
-              <a:t>Contexte</a:t>
-            </a:r>
             <a:endParaRPr/>
           </a:p>
         </p:txBody>
       </p:sp>
       <p:sp>
         <p:nvSpPr>
-          <p:cNvPr id="133" name="TextShape 2"/>
+          <p:cNvPr id="135" name="TextShape 2"/>
           <p:cNvSpPr txBox="1"/>
           <p:nvPr/>
         </p:nvSpPr>
         <p:spPr>
           <a:xfrm>
-            <a:off x="457200" y="980640"/>
-            <a:ext cx="8229240" cy="5328360"/>
+            <a:off x="457200" y="2781000"/>
+            <a:ext cx="8229240" cy="3528000"/>
           </a:xfrm>
           <a:prstGeom prst="rect">
             <a:avLst/>
@@ -7161,165 +7708,15 @@
               </a:lnSpc>
             </a:pPr>
             <a:r>
-              <a:rPr lang="fr-FR" sz="2800" b="1" strike="noStrike" dirty="0">
+              <a:rPr lang="fr-FR" sz="5400" b="1" strike="noStrike">
                 <a:solidFill>
                   <a:srgbClr val="004D6F"/>
                 </a:solidFill>
                 <a:latin typeface="Arial"/>
               </a:rPr>
-              <a:t>Calendrier</a:t>
-            </a:r>
-            <a:endParaRPr dirty="0"/>
-          </a:p>
-          <a:p>
-            <a:pPr algn="ctr">
-              <a:lnSpc>
-                <a:spcPct val="100000"/>
-              </a:lnSpc>
-            </a:pPr>
-            <a:endParaRPr dirty="0"/>
-          </a:p>
-          <a:p>
-            <a:pPr>
-              <a:lnSpc>
-                <a:spcPct val="100000"/>
-              </a:lnSpc>
-            </a:pPr>
-            <a:r>
-              <a:rPr lang="fr-FR" sz="2000" b="1" strike="noStrike" dirty="0">
-                <a:solidFill>
-                  <a:srgbClr val="004D6F"/>
-                </a:solidFill>
-                <a:latin typeface="Arial"/>
-              </a:rPr>
-              <a:t>Rapport de conception : </a:t>
-            </a:r>
-            <a:r>
-              <a:rPr lang="fr-FR" sz="2000" b="1" strike="noStrike" dirty="0" smtClean="0">
-                <a:solidFill>
-                  <a:srgbClr val="004D6F"/>
-                </a:solidFill>
-                <a:latin typeface="Arial"/>
-              </a:rPr>
-              <a:t>12 février</a:t>
-            </a:r>
-          </a:p>
-          <a:p>
-            <a:pPr>
-              <a:lnSpc>
-                <a:spcPct val="100000"/>
-              </a:lnSpc>
-            </a:pPr>
-            <a:endParaRPr dirty="0"/>
-          </a:p>
-          <a:p>
-            <a:pPr>
-              <a:lnSpc>
-                <a:spcPct val="100000"/>
-              </a:lnSpc>
-            </a:pPr>
-            <a:r>
-              <a:rPr lang="fr-FR" sz="2000" b="1" strike="noStrike" dirty="0" smtClean="0">
-                <a:solidFill>
-                  <a:srgbClr val="004D6F"/>
-                </a:solidFill>
-                <a:latin typeface="Arial"/>
-              </a:rPr>
-              <a:t>Vacances :  - du 16 au 20 février</a:t>
-            </a:r>
-          </a:p>
-          <a:p>
-            <a:pPr>
-              <a:lnSpc>
-                <a:spcPct val="100000"/>
-              </a:lnSpc>
-            </a:pPr>
-            <a:r>
-              <a:rPr lang="fr-FR" sz="2000" b="1" dirty="0" smtClean="0">
-                <a:solidFill>
-                  <a:srgbClr val="004D6F"/>
-                </a:solidFill>
-                <a:latin typeface="Arial"/>
-              </a:rPr>
-              <a:t>	        </a:t>
-            </a:r>
-            <a:r>
-              <a:rPr lang="fr-FR" sz="2000" b="1" strike="noStrike" dirty="0" smtClean="0">
-                <a:solidFill>
-                  <a:srgbClr val="004D6F"/>
-                </a:solidFill>
-                <a:latin typeface="Arial"/>
-              </a:rPr>
-              <a:t>- du 13 au 24 avril</a:t>
-            </a:r>
-          </a:p>
-          <a:p>
-            <a:pPr>
-              <a:lnSpc>
-                <a:spcPct val="100000"/>
-              </a:lnSpc>
-            </a:pPr>
-            <a:endParaRPr lang="fr-FR" sz="2000" b="1" dirty="0" smtClean="0">
-              <a:solidFill>
-                <a:srgbClr val="004D6F"/>
-              </a:solidFill>
-              <a:latin typeface="Arial"/>
-            </a:endParaRPr>
-          </a:p>
-          <a:p>
-            <a:r>
-              <a:rPr lang="fr-FR" sz="2000" b="1" dirty="0" smtClean="0">
-                <a:solidFill>
-                  <a:srgbClr val="004D6F"/>
-                </a:solidFill>
-              </a:rPr>
-              <a:t>Semaine bloquée : du 18 au 24 mai</a:t>
-            </a:r>
-            <a:endParaRPr lang="fr-FR" sz="2000" dirty="0" smtClean="0"/>
-          </a:p>
-          <a:p>
-            <a:pPr>
-              <a:lnSpc>
-                <a:spcPct val="100000"/>
-              </a:lnSpc>
-            </a:pPr>
-            <a:endParaRPr lang="fr-FR" sz="2000" b="1" dirty="0" smtClean="0">
-              <a:solidFill>
-                <a:srgbClr val="004D6F"/>
-              </a:solidFill>
-            </a:endParaRPr>
-          </a:p>
-          <a:p>
-            <a:pPr>
-              <a:lnSpc>
-                <a:spcPct val="100000"/>
-              </a:lnSpc>
-            </a:pPr>
-            <a:r>
-              <a:rPr lang="fr-FR" sz="2000" b="1" dirty="0" smtClean="0">
-                <a:solidFill>
-                  <a:srgbClr val="004D6F"/>
-                </a:solidFill>
-              </a:rPr>
-              <a:t>Rapport final et livraison : 26 mai</a:t>
-            </a:r>
-            <a:endParaRPr lang="fr-FR" sz="2000" dirty="0" smtClean="0"/>
-          </a:p>
-          <a:p>
-            <a:pPr>
-              <a:lnSpc>
-                <a:spcPct val="100000"/>
-              </a:lnSpc>
-            </a:pPr>
-            <a:endParaRPr lang="fr-FR" dirty="0" smtClean="0"/>
-          </a:p>
-          <a:p>
-            <a:pPr>
-              <a:lnSpc>
-                <a:spcPct val="100000"/>
-              </a:lnSpc>
-            </a:pPr>
-            <a:endParaRPr dirty="0"/>
+              <a:t>Organisation</a:t>
+            </a:r>
+            <a:endParaRPr/>
           </a:p>
         </p:txBody>
       </p:sp>
@@ -7330,13 +7727,13 @@
   </p:clrMapOvr>
   <mc:AlternateContent xmlns:mc="http://schemas.openxmlformats.org/markup-compatibility/2006" xmlns:p14="http://schemas.microsoft.com/office/powerpoint/2010/main">
     <mc:Choice Requires="p14">
-      <p:transition p14:dur="250">
-        <p:pull/>
+      <p:transition spd="slow" p14:dur="1500" advTm="722">
+        <p14:vortex dir="r"/>
       </p:transition>
     </mc:Choice>
     <mc:Fallback xmlns="">
-      <p:transition>
-        <p:pull/>
+      <p:transition spd="slow" advTm="722">
+        <p:fade/>
       </p:transition>
     </mc:Fallback>
   </mc:AlternateContent>
@@ -7369,14 +7766,14 @@
       </p:grpSpPr>
       <p:sp>
         <p:nvSpPr>
-          <p:cNvPr id="134" name="TextShape 1"/>
+          <p:cNvPr id="300" name="TextShape 1"/>
           <p:cNvSpPr txBox="1"/>
           <p:nvPr/>
         </p:nvSpPr>
         <p:spPr>
           <a:xfrm>
-            <a:off x="1763640" y="92160"/>
-            <a:ext cx="6460560" cy="571320"/>
+            <a:off x="457200" y="1628800"/>
+            <a:ext cx="8229240" cy="4824200"/>
           </a:xfrm>
           <a:prstGeom prst="rect">
             <a:avLst/>
@@ -7387,23 +7784,318 @@
           </a:ln>
         </p:spPr>
         <p:txBody>
-          <a:bodyPr anchor="ctr"/>
-          <a:lstStyle/>
-          <a:p>
-            <a:endParaRPr/>
-          </a:p>
-        </p:txBody>
-      </p:sp>
-      <p:sp>
-        <p:nvSpPr>
-          <p:cNvPr id="135" name="TextShape 2"/>
+          <a:bodyPr/>
+          <a:lstStyle/>
+          <a:p>
+            <a:pPr>
+              <a:lnSpc>
+                <a:spcPct val="100000"/>
+              </a:lnSpc>
+            </a:pPr>
+            <a:endParaRPr dirty="0"/>
+          </a:p>
+          <a:p>
+            <a:pPr>
+              <a:lnSpc>
+                <a:spcPct val="100000"/>
+              </a:lnSpc>
+            </a:pPr>
+            <a:endParaRPr dirty="0">
+              <a:solidFill>
+                <a:schemeClr val="accent3">
+                  <a:lumMod val="75000"/>
+                </a:schemeClr>
+              </a:solidFill>
+            </a:endParaRPr>
+          </a:p>
+          <a:p>
+            <a:pPr marL="342900" indent="-342900">
+              <a:lnSpc>
+                <a:spcPct val="100000"/>
+              </a:lnSpc>
+              <a:buFont typeface="Arial" panose="020B0604020202020204" pitchFamily="34" charset="0"/>
+              <a:buChar char="•"/>
+            </a:pPr>
+            <a:r>
+              <a:rPr lang="fr-FR" sz="2400" b="1" strike="noStrike" dirty="0" smtClean="0">
+                <a:solidFill>
+                  <a:schemeClr val="accent3">
+                    <a:lumMod val="75000"/>
+                  </a:schemeClr>
+                </a:solidFill>
+                <a:latin typeface="Arial"/>
+              </a:rPr>
+              <a:t> v0.1 </a:t>
+            </a:r>
+            <a:r>
+              <a:rPr lang="fr-FR" sz="2400" b="1" dirty="0">
+                <a:solidFill>
+                  <a:schemeClr val="accent3">
+                    <a:lumMod val="75000"/>
+                  </a:schemeClr>
+                </a:solidFill>
+                <a:latin typeface="Arial"/>
+              </a:rPr>
+              <a:t>-</a:t>
+            </a:r>
+            <a:r>
+              <a:rPr lang="fr-FR" sz="2400" b="1" strike="noStrike" dirty="0" smtClean="0">
+                <a:solidFill>
+                  <a:schemeClr val="accent3">
+                    <a:lumMod val="75000"/>
+                  </a:schemeClr>
+                </a:solidFill>
+                <a:latin typeface="Arial"/>
+              </a:rPr>
+              <a:t> </a:t>
+            </a:r>
+            <a:r>
+              <a:rPr lang="fr-FR" sz="2400" b="1" strike="noStrike" dirty="0">
+                <a:solidFill>
+                  <a:schemeClr val="accent3">
+                    <a:lumMod val="75000"/>
+                  </a:schemeClr>
+                </a:solidFill>
+                <a:latin typeface="Arial"/>
+              </a:rPr>
+              <a:t>Paramètre de synthèse</a:t>
+            </a:r>
+            <a:endParaRPr dirty="0">
+              <a:solidFill>
+                <a:schemeClr val="accent3">
+                  <a:lumMod val="75000"/>
+                </a:schemeClr>
+              </a:solidFill>
+            </a:endParaRPr>
+          </a:p>
+          <a:p>
+            <a:pPr marL="285750" indent="-285750">
+              <a:lnSpc>
+                <a:spcPct val="100000"/>
+              </a:lnSpc>
+              <a:buFont typeface="Arial" panose="020B0604020202020204" pitchFamily="34" charset="0"/>
+              <a:buChar char="•"/>
+            </a:pPr>
+            <a:endParaRPr dirty="0">
+              <a:solidFill>
+                <a:schemeClr val="accent3">
+                  <a:lumMod val="75000"/>
+                </a:schemeClr>
+              </a:solidFill>
+            </a:endParaRPr>
+          </a:p>
+          <a:p>
+            <a:pPr marL="285750" indent="-285750">
+              <a:lnSpc>
+                <a:spcPct val="100000"/>
+              </a:lnSpc>
+              <a:buFont typeface="Arial" panose="020B0604020202020204" pitchFamily="34" charset="0"/>
+              <a:buChar char="•"/>
+            </a:pPr>
+            <a:endParaRPr dirty="0">
+              <a:solidFill>
+                <a:schemeClr val="accent3">
+                  <a:lumMod val="75000"/>
+                </a:schemeClr>
+              </a:solidFill>
+            </a:endParaRPr>
+          </a:p>
+          <a:p>
+            <a:pPr marL="285750" indent="-285750">
+              <a:lnSpc>
+                <a:spcPct val="100000"/>
+              </a:lnSpc>
+              <a:buFont typeface="Arial" panose="020B0604020202020204" pitchFamily="34" charset="0"/>
+              <a:buChar char="•"/>
+            </a:pPr>
+            <a:endParaRPr dirty="0">
+              <a:solidFill>
+                <a:schemeClr val="accent3">
+                  <a:lumMod val="75000"/>
+                </a:schemeClr>
+              </a:solidFill>
+            </a:endParaRPr>
+          </a:p>
+          <a:p>
+            <a:pPr marL="342900" indent="-342900">
+              <a:lnSpc>
+                <a:spcPct val="100000"/>
+              </a:lnSpc>
+              <a:buFont typeface="Arial" panose="020B0604020202020204" pitchFamily="34" charset="0"/>
+              <a:buChar char="•"/>
+            </a:pPr>
+            <a:r>
+              <a:rPr lang="fr-FR" sz="2400" b="1" strike="noStrike" dirty="0" smtClean="0">
+                <a:solidFill>
+                  <a:schemeClr val="accent3">
+                    <a:lumMod val="75000"/>
+                  </a:schemeClr>
+                </a:solidFill>
+                <a:latin typeface="Arial"/>
+              </a:rPr>
+              <a:t> v0.2 </a:t>
+            </a:r>
+            <a:r>
+              <a:rPr lang="fr-FR" sz="2400" b="1" dirty="0">
+                <a:solidFill>
+                  <a:schemeClr val="accent3">
+                    <a:lumMod val="75000"/>
+                  </a:schemeClr>
+                </a:solidFill>
+                <a:latin typeface="Arial"/>
+              </a:rPr>
+              <a:t>-</a:t>
+            </a:r>
+            <a:r>
+              <a:rPr lang="fr-FR" sz="2400" b="1" strike="noStrike" dirty="0" smtClean="0">
+                <a:solidFill>
+                  <a:schemeClr val="accent3">
+                    <a:lumMod val="75000"/>
+                  </a:schemeClr>
+                </a:solidFill>
+                <a:latin typeface="Arial"/>
+              </a:rPr>
+              <a:t> </a:t>
+            </a:r>
+            <a:r>
+              <a:rPr lang="fr-FR" sz="2400" b="1" strike="noStrike" dirty="0">
+                <a:solidFill>
+                  <a:schemeClr val="accent3">
+                    <a:lumMod val="75000"/>
+                  </a:schemeClr>
+                </a:solidFill>
+                <a:latin typeface="Arial"/>
+              </a:rPr>
+              <a:t>Filtre</a:t>
+            </a:r>
+            <a:endParaRPr dirty="0">
+              <a:solidFill>
+                <a:schemeClr val="accent3">
+                  <a:lumMod val="75000"/>
+                </a:schemeClr>
+              </a:solidFill>
+            </a:endParaRPr>
+          </a:p>
+          <a:p>
+            <a:pPr marL="285750" indent="-285750">
+              <a:lnSpc>
+                <a:spcPct val="100000"/>
+              </a:lnSpc>
+              <a:buFont typeface="Arial" panose="020B0604020202020204" pitchFamily="34" charset="0"/>
+              <a:buChar char="•"/>
+            </a:pPr>
+            <a:endParaRPr dirty="0">
+              <a:solidFill>
+                <a:schemeClr val="accent3">
+                  <a:lumMod val="75000"/>
+                </a:schemeClr>
+              </a:solidFill>
+            </a:endParaRPr>
+          </a:p>
+          <a:p>
+            <a:pPr marL="285750" indent="-285750">
+              <a:lnSpc>
+                <a:spcPct val="100000"/>
+              </a:lnSpc>
+              <a:buFont typeface="Arial" panose="020B0604020202020204" pitchFamily="34" charset="0"/>
+              <a:buChar char="•"/>
+            </a:pPr>
+            <a:endParaRPr dirty="0">
+              <a:solidFill>
+                <a:schemeClr val="accent3">
+                  <a:lumMod val="75000"/>
+                </a:schemeClr>
+              </a:solidFill>
+            </a:endParaRPr>
+          </a:p>
+          <a:p>
+            <a:pPr marL="285750" indent="-285750">
+              <a:lnSpc>
+                <a:spcPct val="100000"/>
+              </a:lnSpc>
+              <a:buFont typeface="Arial" panose="020B0604020202020204" pitchFamily="34" charset="0"/>
+              <a:buChar char="•"/>
+            </a:pPr>
+            <a:endParaRPr dirty="0">
+              <a:solidFill>
+                <a:schemeClr val="accent3">
+                  <a:lumMod val="75000"/>
+                </a:schemeClr>
+              </a:solidFill>
+            </a:endParaRPr>
+          </a:p>
+          <a:p>
+            <a:pPr marL="342900" indent="-342900">
+              <a:lnSpc>
+                <a:spcPct val="100000"/>
+              </a:lnSpc>
+              <a:buFont typeface="Arial" panose="020B0604020202020204" pitchFamily="34" charset="0"/>
+              <a:buChar char="•"/>
+            </a:pPr>
+            <a:r>
+              <a:rPr lang="fr-FR" sz="2400" b="1" strike="noStrike" dirty="0" smtClean="0">
+                <a:solidFill>
+                  <a:schemeClr val="accent3">
+                    <a:lumMod val="75000"/>
+                  </a:schemeClr>
+                </a:solidFill>
+                <a:latin typeface="Arial"/>
+              </a:rPr>
+              <a:t> v1.0 </a:t>
+            </a:r>
+            <a:r>
+              <a:rPr lang="fr-FR" sz="2400" b="1" dirty="0">
+                <a:solidFill>
+                  <a:schemeClr val="accent3">
+                    <a:lumMod val="75000"/>
+                  </a:schemeClr>
+                </a:solidFill>
+                <a:latin typeface="Arial"/>
+              </a:rPr>
+              <a:t>-</a:t>
+            </a:r>
+            <a:r>
+              <a:rPr lang="fr-FR" sz="2400" b="1" strike="noStrike" dirty="0" smtClean="0">
+                <a:solidFill>
+                  <a:schemeClr val="accent3">
+                    <a:lumMod val="75000"/>
+                  </a:schemeClr>
+                </a:solidFill>
+                <a:latin typeface="Arial"/>
+              </a:rPr>
+              <a:t> </a:t>
+            </a:r>
+            <a:r>
+              <a:rPr lang="fr-FR" sz="2400" b="1" strike="noStrike" dirty="0">
+                <a:solidFill>
+                  <a:schemeClr val="accent3">
+                    <a:lumMod val="75000"/>
+                  </a:schemeClr>
+                </a:solidFill>
+                <a:latin typeface="Arial"/>
+              </a:rPr>
+              <a:t>Optimiseur</a:t>
+            </a:r>
+            <a:endParaRPr dirty="0">
+              <a:solidFill>
+                <a:schemeClr val="accent3">
+                  <a:lumMod val="75000"/>
+                </a:schemeClr>
+              </a:solidFill>
+            </a:endParaRPr>
+          </a:p>
+        </p:txBody>
+      </p:sp>
+      <p:sp>
+        <p:nvSpPr>
+          <p:cNvPr id="4" name="TextShape 2"/>
           <p:cNvSpPr txBox="1"/>
           <p:nvPr/>
         </p:nvSpPr>
         <p:spPr>
           <a:xfrm>
-            <a:off x="457200" y="2781000"/>
-            <a:ext cx="8229240" cy="3528000"/>
+            <a:off x="457200" y="980640"/>
+            <a:ext cx="8229240" cy="864184"/>
           </a:xfrm>
           <a:prstGeom prst="rect">
             <a:avLst/>
@@ -7423,32 +8115,93 @@
               </a:lnSpc>
             </a:pPr>
             <a:r>
-              <a:rPr lang="fr-FR" sz="5400" b="1" strike="noStrike">
+              <a:rPr lang="en-US" sz="2800" b="1" dirty="0" err="1" smtClean="0">
+                <a:solidFill>
+                  <a:schemeClr val="tx2">
+                    <a:lumMod val="75000"/>
+                  </a:schemeClr>
+                </a:solidFill>
+                <a:latin typeface="Arial"/>
+              </a:rPr>
+              <a:t>Livrables</a:t>
+            </a:r>
+            <a:endParaRPr dirty="0"/>
+          </a:p>
+          <a:p>
+            <a:pPr>
+              <a:lnSpc>
+                <a:spcPct val="100000"/>
+              </a:lnSpc>
+            </a:pPr>
+            <a:endParaRPr dirty="0"/>
+          </a:p>
+        </p:txBody>
+      </p:sp>
+      <p:sp>
+        <p:nvSpPr>
+          <p:cNvPr id="6" name="TextShape 1"/>
+          <p:cNvSpPr txBox="1"/>
+          <p:nvPr/>
+        </p:nvSpPr>
+        <p:spPr>
+          <a:xfrm>
+            <a:off x="1763688" y="116632"/>
+            <a:ext cx="3528392" cy="488142"/>
+          </a:xfrm>
+          <a:prstGeom prst="rect">
+            <a:avLst/>
+          </a:prstGeom>
+          <a:noFill/>
+          <a:ln>
+            <a:noFill/>
+          </a:ln>
+        </p:spPr>
+        <p:txBody>
+          <a:bodyPr anchor="ctr"/>
+          <a:lstStyle/>
+          <a:p>
+            <a:pPr>
+              <a:lnSpc>
+                <a:spcPct val="100000"/>
+              </a:lnSpc>
+            </a:pPr>
+            <a:r>
+              <a:rPr lang="fr-FR" sz="2000" b="1" dirty="0" smtClean="0">
                 <a:solidFill>
                   <a:srgbClr val="004D6F"/>
                 </a:solidFill>
-                <a:latin typeface="Arial"/>
               </a:rPr>
               <a:t>Organisation</a:t>
             </a:r>
-            <a:endParaRPr/>
+            <a:endParaRPr sz="2000" dirty="0">
+              <a:solidFill>
+                <a:schemeClr val="accent4">
+                  <a:lumMod val="75000"/>
+                </a:schemeClr>
+              </a:solidFill>
+            </a:endParaRPr>
           </a:p>
         </p:txBody>
       </p:sp>
     </p:spTree>
+    <p:extLst>
+      <p:ext uri="{BB962C8B-B14F-4D97-AF65-F5344CB8AC3E}">
+        <p14:creationId xmlns:p14="http://schemas.microsoft.com/office/powerpoint/2010/main" val="3174596176"/>
+      </p:ext>
+    </p:extLst>
   </p:cSld>
   <p:clrMapOvr>
     <a:masterClrMapping/>
   </p:clrMapOvr>
   <mc:AlternateContent xmlns:mc="http://schemas.openxmlformats.org/markup-compatibility/2006" xmlns:p14="http://schemas.microsoft.com/office/powerpoint/2010/main">
     <mc:Choice Requires="p14">
-      <p:transition spd="slow" p14:dur="1500">
-        <p14:vortex dir="r"/>
+      <p:transition p14:dur="250" advTm="13190">
+        <p:pull/>
       </p:transition>
     </mc:Choice>
     <mc:Fallback xmlns="">
-      <p:transition spd="slow">
-        <p:fade/>
+      <p:transition advTm="13190">
+        <p:pull/>
       </p:transition>
     </mc:Fallback>
   </mc:AlternateContent>
@@ -7481,14 +8234,14 @@
       </p:grpSpPr>
       <p:sp>
         <p:nvSpPr>
-          <p:cNvPr id="136" name="TextShape 1"/>
+          <p:cNvPr id="137" name="TextShape 2"/>
           <p:cNvSpPr txBox="1"/>
           <p:nvPr/>
         </p:nvSpPr>
         <p:spPr>
           <a:xfrm>
-            <a:off x="1763640" y="92160"/>
-            <a:ext cx="6460560" cy="571320"/>
+            <a:off x="457200" y="980640"/>
+            <a:ext cx="8229240" cy="5328360"/>
           </a:xfrm>
           <a:prstGeom prst="rect">
             <a:avLst/>
@@ -7499,7 +8252,7 @@
           </a:ln>
         </p:spPr>
         <p:txBody>
-          <a:bodyPr anchor="ctr"/>
+          <a:bodyPr/>
           <a:lstStyle/>
           <a:p>
             <a:pPr algn="ctr">
@@ -7508,56 +8261,23 @@
               </a:lnSpc>
             </a:pPr>
             <a:r>
-              <a:rPr lang="fr-FR" sz="1600" b="1" strike="noStrike">
-                <a:solidFill>
-                  <a:srgbClr val="4F4D50"/>
+              <a:rPr lang="fr-FR" sz="2800" b="1" strike="noStrike" dirty="0">
+                <a:solidFill>
+                  <a:schemeClr val="tx2">
+                    <a:lumMod val="75000"/>
+                  </a:schemeClr>
                 </a:solidFill>
                 <a:latin typeface="Arial"/>
               </a:rPr>
-              <a:t>Organisation</a:t>
-            </a:r>
-            <a:endParaRPr/>
-          </a:p>
-        </p:txBody>
-      </p:sp>
-      <p:sp>
-        <p:nvSpPr>
-          <p:cNvPr id="137" name="TextShape 2"/>
-          <p:cNvSpPr txBox="1"/>
-          <p:nvPr/>
-        </p:nvSpPr>
-        <p:spPr>
-          <a:xfrm>
-            <a:off x="457200" y="980640"/>
-            <a:ext cx="8229240" cy="5328360"/>
-          </a:xfrm>
-          <a:prstGeom prst="rect">
-            <a:avLst/>
-          </a:prstGeom>
-          <a:noFill/>
-          <a:ln>
-            <a:noFill/>
-          </a:ln>
-        </p:spPr>
-        <p:txBody>
-          <a:bodyPr/>
-          <a:lstStyle/>
-          <a:p>
-            <a:pPr algn="ctr">
-              <a:lnSpc>
-                <a:spcPct val="100000"/>
-              </a:lnSpc>
-            </a:pPr>
-            <a:r>
-              <a:rPr lang="fr-FR" sz="2800" b="1" strike="noStrike" dirty="0">
-                <a:solidFill>
-                  <a:srgbClr val="004D6F"/>
-                </a:solidFill>
-                <a:latin typeface="Arial"/>
-              </a:rPr>
               <a:t>Méthode SCRUM</a:t>
             </a:r>
-            <a:endParaRPr dirty="0"/>
+            <a:endParaRPr dirty="0">
+              <a:solidFill>
+                <a:schemeClr val="tx2">
+                  <a:lumMod val="75000"/>
+                </a:schemeClr>
+              </a:solidFill>
+            </a:endParaRPr>
           </a:p>
           <a:p>
             <a:pPr algn="ctr">
@@ -7607,6 +8327,52 @@
           </a:prstGeom>
         </p:spPr>
       </p:pic>
+      <p:sp>
+        <p:nvSpPr>
+          <p:cNvPr id="6" name="TextShape 1"/>
+          <p:cNvSpPr txBox="1"/>
+          <p:nvPr/>
+        </p:nvSpPr>
+        <p:spPr>
+          <a:xfrm>
+            <a:off x="1763688" y="116632"/>
+            <a:ext cx="3528392" cy="488142"/>
+          </a:xfrm>
+          <a:prstGeom prst="rect">
+            <a:avLst/>
+          </a:prstGeom>
+          <a:noFill/>
+          <a:ln>
+            <a:noFill/>
+          </a:ln>
+        </p:spPr>
+        <p:txBody>
+          <a:bodyPr anchor="ctr"/>
+          <a:lstStyle/>
+          <a:p>
+            <a:pPr>
+              <a:lnSpc>
+                <a:spcPct val="100000"/>
+              </a:lnSpc>
+            </a:pPr>
+            <a:r>
+              <a:rPr lang="fr-FR" sz="2000" b="1" dirty="0" smtClean="0">
+                <a:solidFill>
+                  <a:srgbClr val="004D6F"/>
+                </a:solidFill>
+              </a:rPr>
+              <a:t>Organisation</a:t>
+            </a:r>
+            <a:endParaRPr sz="2000" dirty="0">
+              <a:solidFill>
+                <a:schemeClr val="accent4">
+                  <a:lumMod val="75000"/>
+                </a:schemeClr>
+              </a:solidFill>
+            </a:endParaRPr>
+          </a:p>
+        </p:txBody>
+      </p:sp>
     </p:spTree>
   </p:cSld>
   <p:clrMapOvr>
@@ -7614,12 +8380,12 @@
   </p:clrMapOvr>
   <mc:AlternateContent xmlns:mc="http://schemas.openxmlformats.org/markup-compatibility/2006" xmlns:p14="http://schemas.microsoft.com/office/powerpoint/2010/main">
     <mc:Choice Requires="p14">
-      <p:transition p14:dur="250">
+      <p:transition p14:dur="250" advTm="5408">
         <p:pull/>
       </p:transition>
     </mc:Choice>
     <mc:Fallback xmlns="">
-      <p:transition>
+      <p:transition advTm="5408">
         <p:pull/>
       </p:transition>
     </mc:Fallback>
@@ -7653,14 +8419,14 @@
       </p:grpSpPr>
       <p:sp>
         <p:nvSpPr>
-          <p:cNvPr id="138" name="TextShape 1"/>
+          <p:cNvPr id="139" name="TextShape 2"/>
           <p:cNvSpPr txBox="1"/>
           <p:nvPr/>
         </p:nvSpPr>
         <p:spPr>
           <a:xfrm>
-            <a:off x="1763688" y="92160"/>
-            <a:ext cx="6460560" cy="571320"/>
+            <a:off x="435045" y="928165"/>
+            <a:ext cx="8229240" cy="706151"/>
           </a:xfrm>
           <a:prstGeom prst="rect">
             <a:avLst/>
@@ -7671,7 +8437,7 @@
           </a:ln>
         </p:spPr>
         <p:txBody>
-          <a:bodyPr anchor="ctr"/>
+          <a:bodyPr/>
           <a:lstStyle/>
           <a:p>
             <a:pPr algn="ctr">
@@ -7680,101 +8446,40 @@
               </a:lnSpc>
             </a:pPr>
             <a:r>
-              <a:rPr lang="fr-FR" sz="1600" b="1" strike="noStrike">
-                <a:solidFill>
-                  <a:srgbClr val="4F4D50"/>
+              <a:rPr lang="fr-FR" sz="2800" b="1" strike="noStrike" dirty="0">
+                <a:solidFill>
+                  <a:schemeClr val="tx2">
+                    <a:lumMod val="75000"/>
+                  </a:schemeClr>
                 </a:solidFill>
                 <a:latin typeface="Arial"/>
               </a:rPr>
-              <a:t>Organisation</a:t>
-            </a:r>
-            <a:endParaRPr/>
-          </a:p>
-        </p:txBody>
-      </p:sp>
-      <p:sp>
-        <p:nvSpPr>
-          <p:cNvPr id="139" name="TextShape 2"/>
-          <p:cNvSpPr txBox="1"/>
-          <p:nvPr/>
-        </p:nvSpPr>
-        <p:spPr>
-          <a:xfrm>
-            <a:off x="435045" y="671352"/>
-            <a:ext cx="8229240" cy="706151"/>
-          </a:xfrm>
-          <a:prstGeom prst="rect">
-            <a:avLst/>
-          </a:prstGeom>
-          <a:noFill/>
-          <a:ln>
-            <a:noFill/>
-          </a:ln>
-        </p:spPr>
-        <p:txBody>
-          <a:bodyPr/>
-          <a:lstStyle/>
-          <a:p>
-            <a:pPr algn="ctr">
-              <a:lnSpc>
-                <a:spcPct val="100000"/>
-              </a:lnSpc>
-            </a:pPr>
-            <a:r>
-              <a:rPr lang="fr-FR" sz="2800" b="1" strike="noStrike" dirty="0">
-                <a:solidFill>
-                  <a:srgbClr val="004D6F"/>
+              <a:t>Répartition des </a:t>
+            </a:r>
+            <a:r>
+              <a:rPr lang="fr-FR" sz="2800" b="1" strike="noStrike" dirty="0" smtClean="0">
+                <a:solidFill>
+                  <a:schemeClr val="tx2">
+                    <a:lumMod val="75000"/>
+                  </a:schemeClr>
                 </a:solidFill>
                 <a:latin typeface="Arial"/>
               </a:rPr>
-              <a:t>Répartition des </a:t>
-            </a:r>
-            <a:r>
-              <a:rPr lang="fr-FR" sz="2800" b="1" strike="noStrike" dirty="0" smtClean="0">
-                <a:solidFill>
-                  <a:srgbClr val="004D6F"/>
-                </a:solidFill>
-                <a:latin typeface="Arial"/>
-              </a:rPr>
               <a:t>rôles</a:t>
             </a:r>
-            <a:endParaRPr dirty="0"/>
+            <a:endParaRPr dirty="0">
+              <a:solidFill>
+                <a:schemeClr val="tx2">
+                  <a:lumMod val="75000"/>
+                </a:schemeClr>
+              </a:solidFill>
+            </a:endParaRPr>
           </a:p>
         </p:txBody>
       </p:sp>
       <p:pic>
         <p:nvPicPr>
           <p:cNvPr id="2" name="Picture 1"/>
-          <p:cNvPicPr>
-            <a:picLocks noChangeAspect="1"/>
-          </p:cNvPicPr>
-          <p:nvPr/>
-        </p:nvPicPr>
-        <p:blipFill>
-          <a:blip r:embed="rId2" cstate="print">
-            <a:extLst>
-              <a:ext uri="{28A0092B-C50C-407E-A947-70E740481C1C}">
-                <a14:useLocalDpi xmlns:a14="http://schemas.microsoft.com/office/drawing/2010/main" val="0"/>
-              </a:ext>
-            </a:extLst>
-          </a:blip>
-          <a:stretch>
-            <a:fillRect/>
-          </a:stretch>
-        </p:blipFill>
-        <p:spPr>
-          <a:xfrm>
-            <a:off x="457200" y="2996952"/>
-            <a:ext cx="2148108" cy="2276872"/>
-          </a:xfrm>
-          <a:prstGeom prst="rect">
-            <a:avLst/>
-          </a:prstGeom>
-        </p:spPr>
-      </p:pic>
-      <p:pic>
-        <p:nvPicPr>
-          <p:cNvPr id="3" name="Picture 2"/>
           <p:cNvPicPr>
             <a:picLocks noChangeAspect="1"/>
           </p:cNvPicPr>
@@ -7794,8 +8499,8 @@
         </p:blipFill>
         <p:spPr>
           <a:xfrm>
-            <a:off x="3347864" y="2636912"/>
-            <a:ext cx="2458667" cy="2801357"/>
+            <a:off x="457200" y="2996952"/>
+            <a:ext cx="2148108" cy="2276872"/>
           </a:xfrm>
           <a:prstGeom prst="rect">
             <a:avLst/>
@@ -7804,7 +8509,7 @@
       </p:pic>
       <p:pic>
         <p:nvPicPr>
-          <p:cNvPr id="4" name="Picture 3"/>
+          <p:cNvPr id="3" name="Picture 2"/>
           <p:cNvPicPr>
             <a:picLocks noChangeAspect="1"/>
           </p:cNvPicPr>
@@ -7824,6 +8529,36 @@
         </p:blipFill>
         <p:spPr>
           <a:xfrm>
+            <a:off x="3347864" y="2636912"/>
+            <a:ext cx="2458667" cy="2801357"/>
+          </a:xfrm>
+          <a:prstGeom prst="rect">
+            <a:avLst/>
+          </a:prstGeom>
+        </p:spPr>
+      </p:pic>
+      <p:pic>
+        <p:nvPicPr>
+          <p:cNvPr id="4" name="Picture 3"/>
+          <p:cNvPicPr>
+            <a:picLocks noChangeAspect="1"/>
+          </p:cNvPicPr>
+          <p:nvPr/>
+        </p:nvPicPr>
+        <p:blipFill>
+          <a:blip r:embed="rId5" cstate="print">
+            <a:extLst>
+              <a:ext uri="{28A0092B-C50C-407E-A947-70E740481C1C}">
+                <a14:useLocalDpi xmlns:a14="http://schemas.microsoft.com/office/drawing/2010/main" val="0"/>
+              </a:ext>
+            </a:extLst>
+          </a:blip>
+          <a:stretch>
+            <a:fillRect/>
+          </a:stretch>
+        </p:blipFill>
+        <p:spPr>
+          <a:xfrm>
             <a:off x="6660232" y="2787189"/>
             <a:ext cx="1847850" cy="2466975"/>
           </a:xfrm>
@@ -7855,10 +8590,22 @@
           <a:lstStyle/>
           <a:p>
             <a:r>
-              <a:rPr lang="en-US" dirty="0" err="1" smtClean="0"/>
+              <a:rPr lang="en-US" dirty="0" err="1" smtClean="0">
+                <a:solidFill>
+                  <a:schemeClr val="accent3">
+                    <a:lumMod val="75000"/>
+                  </a:schemeClr>
+                </a:solidFill>
+              </a:rPr>
               <a:t>ADTool</a:t>
             </a:r>
-            <a:endParaRPr lang="fr-FR" dirty="0"/>
+            <a:endParaRPr lang="fr-FR" dirty="0">
+              <a:solidFill>
+                <a:schemeClr val="accent3">
+                  <a:lumMod val="75000"/>
+                </a:schemeClr>
+              </a:solidFill>
+            </a:endParaRPr>
           </a:p>
         </p:txBody>
       </p:sp>
@@ -7885,10 +8632,22 @@
           <a:lstStyle/>
           <a:p>
             <a:r>
-              <a:rPr lang="en-US" dirty="0" smtClean="0"/>
+              <a:rPr lang="en-US" dirty="0" smtClean="0">
+                <a:solidFill>
+                  <a:schemeClr val="accent6">
+                    <a:lumMod val="75000"/>
+                  </a:schemeClr>
+                </a:solidFill>
+              </a:rPr>
               <a:t>Interface</a:t>
             </a:r>
-            <a:endParaRPr lang="fr-FR" dirty="0"/>
+            <a:endParaRPr lang="fr-FR" dirty="0">
+              <a:solidFill>
+                <a:schemeClr val="accent6">
+                  <a:lumMod val="75000"/>
+                </a:schemeClr>
+              </a:solidFill>
+            </a:endParaRPr>
           </a:p>
         </p:txBody>
       </p:sp>
@@ -7915,26 +8674,87 @@
           <a:lstStyle/>
           <a:p>
             <a:r>
-              <a:rPr lang="en-US" dirty="0" err="1" smtClean="0"/>
+              <a:rPr lang="en-US" dirty="0" err="1" smtClean="0">
+                <a:solidFill>
+                  <a:schemeClr val="accent2">
+                    <a:lumMod val="75000"/>
+                  </a:schemeClr>
+                </a:solidFill>
+              </a:rPr>
               <a:t>Algorithmes</a:t>
             </a:r>
-            <a:endParaRPr lang="fr-FR" dirty="0"/>
+            <a:endParaRPr lang="fr-FR" dirty="0">
+              <a:solidFill>
+                <a:schemeClr val="accent2">
+                  <a:lumMod val="75000"/>
+                </a:schemeClr>
+              </a:solidFill>
+            </a:endParaRPr>
+          </a:p>
+        </p:txBody>
+      </p:sp>
+      <p:sp>
+        <p:nvSpPr>
+          <p:cNvPr id="11" name="TextShape 1"/>
+          <p:cNvSpPr txBox="1"/>
+          <p:nvPr/>
+        </p:nvSpPr>
+        <p:spPr>
+          <a:xfrm>
+            <a:off x="1763688" y="116632"/>
+            <a:ext cx="3528392" cy="488142"/>
+          </a:xfrm>
+          <a:prstGeom prst="rect">
+            <a:avLst/>
+          </a:prstGeom>
+          <a:noFill/>
+          <a:ln>
+            <a:noFill/>
+          </a:ln>
+        </p:spPr>
+        <p:txBody>
+          <a:bodyPr anchor="ctr"/>
+          <a:lstStyle/>
+          <a:p>
+            <a:pPr>
+              <a:lnSpc>
+                <a:spcPct val="100000"/>
+              </a:lnSpc>
+            </a:pPr>
+            <a:r>
+              <a:rPr lang="fr-FR" sz="2000" b="1" dirty="0" smtClean="0">
+                <a:solidFill>
+                  <a:srgbClr val="004D6F"/>
+                </a:solidFill>
+              </a:rPr>
+              <a:t>Organisation</a:t>
+            </a:r>
+            <a:endParaRPr sz="2000" dirty="0">
+              <a:solidFill>
+                <a:schemeClr val="accent4">
+                  <a:lumMod val="75000"/>
+                </a:schemeClr>
+              </a:solidFill>
+            </a:endParaRPr>
           </a:p>
         </p:txBody>
       </p:sp>
     </p:spTree>
+    <p:custDataLst>
+      <p:tags r:id="rId1"/>
+    </p:custDataLst>
   </p:cSld>
   <p:clrMapOvr>
     <a:masterClrMapping/>
   </p:clrMapOvr>
   <mc:AlternateContent xmlns:mc="http://schemas.openxmlformats.org/markup-compatibility/2006" xmlns:p14="http://schemas.microsoft.com/office/powerpoint/2010/main">
     <mc:Choice Requires="p14">
-      <p:transition p14:dur="250">
+      <p:transition p14:dur="250" advTm="6354">
         <p:pull/>
       </p:transition>
     </mc:Choice>
     <mc:Fallback xmlns="">
-      <p:transition>
+      <p:transition advTm="6354">
         <p:pull/>
       </p:transition>
     </mc:Fallback>
@@ -8488,14 +9308,14 @@
       </p:grpSpPr>
       <p:sp>
         <p:nvSpPr>
-          <p:cNvPr id="140" name="TextShape 1"/>
+          <p:cNvPr id="141" name="TextShape 2"/>
           <p:cNvSpPr txBox="1"/>
           <p:nvPr/>
         </p:nvSpPr>
         <p:spPr>
           <a:xfrm>
-            <a:off x="1763640" y="92160"/>
-            <a:ext cx="6460560" cy="571320"/>
+            <a:off x="457200" y="980640"/>
+            <a:ext cx="8229240" cy="1296232"/>
           </a:xfrm>
           <a:prstGeom prst="rect">
             <a:avLst/>
@@ -8506,7 +9326,7 @@
           </a:ln>
         </p:spPr>
         <p:txBody>
-          <a:bodyPr anchor="ctr"/>
+          <a:bodyPr/>
           <a:lstStyle/>
           <a:p>
             <a:pPr algn="ctr">
@@ -8515,28 +9335,89 @@
               </a:lnSpc>
             </a:pPr>
             <a:r>
-              <a:rPr lang="fr-FR" sz="1600" b="1" strike="noStrike">
-                <a:solidFill>
-                  <a:srgbClr val="4F4D50"/>
+              <a:rPr lang="fr-FR" sz="2800" b="1" strike="noStrike" dirty="0">
+                <a:solidFill>
+                  <a:schemeClr val="tx2">
+                    <a:lumMod val="75000"/>
+                  </a:schemeClr>
                 </a:solidFill>
                 <a:latin typeface="Arial"/>
               </a:rPr>
-              <a:t>Organisation</a:t>
-            </a:r>
-            <a:endParaRPr/>
-          </a:p>
-        </p:txBody>
-      </p:sp>
-      <p:sp>
-        <p:nvSpPr>
-          <p:cNvPr id="141" name="TextShape 2"/>
+              <a:t>Cycle de </a:t>
+            </a:r>
+            <a:r>
+              <a:rPr lang="fr-FR" sz="2800" b="1" strike="noStrike" dirty="0" smtClean="0">
+                <a:solidFill>
+                  <a:schemeClr val="tx2">
+                    <a:lumMod val="75000"/>
+                  </a:schemeClr>
+                </a:solidFill>
+                <a:latin typeface="Arial"/>
+              </a:rPr>
+              <a:t>qualification</a:t>
+            </a:r>
+          </a:p>
+          <a:p>
+            <a:pPr algn="ctr">
+              <a:lnSpc>
+                <a:spcPct val="100000"/>
+              </a:lnSpc>
+            </a:pPr>
+            <a:r>
+              <a:rPr lang="en-US" sz="2400" b="1" dirty="0" smtClean="0">
+                <a:solidFill>
+                  <a:schemeClr val="tx2">
+                    <a:lumMod val="75000"/>
+                  </a:schemeClr>
+                </a:solidFill>
+                <a:latin typeface="Arial"/>
+              </a:rPr>
+              <a:t>Test Driven Development</a:t>
+            </a:r>
+            <a:endParaRPr sz="1600" dirty="0">
+              <a:solidFill>
+                <a:schemeClr val="tx2">
+                  <a:lumMod val="75000"/>
+                </a:schemeClr>
+              </a:solidFill>
+            </a:endParaRPr>
+          </a:p>
+          <a:p>
+            <a:pPr>
+              <a:lnSpc>
+                <a:spcPct val="100000"/>
+              </a:lnSpc>
+            </a:pPr>
+            <a:endParaRPr lang="fr-FR" dirty="0" smtClean="0"/>
+          </a:p>
+          <a:p>
+            <a:pPr>
+              <a:lnSpc>
+                <a:spcPct val="100000"/>
+              </a:lnSpc>
+            </a:pPr>
+            <a:endParaRPr lang="fr-FR" dirty="0"/>
+          </a:p>
+          <a:p>
+            <a:pPr>
+              <a:lnSpc>
+                <a:spcPct val="100000"/>
+              </a:lnSpc>
+            </a:pPr>
+            <a:endParaRPr dirty="0"/>
+          </a:p>
+        </p:txBody>
+      </p:sp>
+      <p:sp>
+        <p:nvSpPr>
+          <p:cNvPr id="7" name="TextShape 1"/>
           <p:cNvSpPr txBox="1"/>
           <p:nvPr/>
         </p:nvSpPr>
         <p:spPr>
           <a:xfrm>
-            <a:off x="457200" y="980640"/>
-            <a:ext cx="8229240" cy="3888520"/>
+            <a:off x="1763688" y="116632"/>
+            <a:ext cx="3528392" cy="488142"/>
           </a:xfrm>
           <a:prstGeom prst="rect">
             <a:avLst/>
@@ -8547,61 +9428,42 @@
           </a:ln>
         </p:spPr>
         <p:txBody>
-          <a:bodyPr/>
-          <a:lstStyle/>
-          <a:p>
-            <a:pPr algn="ctr">
+          <a:bodyPr anchor="ctr"/>
+          <a:lstStyle/>
+          <a:p>
+            <a:pPr>
               <a:lnSpc>
                 <a:spcPct val="100000"/>
               </a:lnSpc>
             </a:pPr>
             <a:r>
-              <a:rPr lang="fr-FR" sz="2800" b="1" strike="noStrike" dirty="0">
+              <a:rPr lang="fr-FR" sz="2000" b="1" dirty="0" smtClean="0">
                 <a:solidFill>
                   <a:srgbClr val="004D6F"/>
                 </a:solidFill>
-                <a:latin typeface="Arial"/>
-              </a:rPr>
-              <a:t>Cycle de qualification</a:t>
-            </a:r>
-            <a:endParaRPr dirty="0"/>
-          </a:p>
-          <a:p>
-            <a:pPr>
-              <a:lnSpc>
-                <a:spcPct val="100000"/>
-              </a:lnSpc>
-            </a:pPr>
-            <a:endParaRPr lang="fr-FR" dirty="0" smtClean="0"/>
-          </a:p>
-          <a:p>
-            <a:pPr>
-              <a:lnSpc>
-                <a:spcPct val="100000"/>
-              </a:lnSpc>
-            </a:pPr>
-            <a:endParaRPr lang="fr-FR" dirty="0"/>
-          </a:p>
-          <a:p>
-            <a:pPr>
-              <a:lnSpc>
-                <a:spcPct val="100000"/>
-              </a:lnSpc>
-            </a:pPr>
-            <a:endParaRPr dirty="0"/>
+              </a:rPr>
+              <a:t>Organisation</a:t>
+            </a:r>
+            <a:endParaRPr sz="2000" dirty="0">
+              <a:solidFill>
+                <a:schemeClr val="accent4">
+                  <a:lumMod val="75000"/>
+                </a:schemeClr>
+              </a:solidFill>
+            </a:endParaRPr>
           </a:p>
         </p:txBody>
       </p:sp>
       <p:pic>
         <p:nvPicPr>
-          <p:cNvPr id="3" name="Picture 2"/>
+          <p:cNvPr id="4" name="Picture 3"/>
           <p:cNvPicPr>
             <a:picLocks noChangeAspect="1"/>
           </p:cNvPicPr>
           <p:nvPr/>
         </p:nvPicPr>
         <p:blipFill>
-          <a:blip r:embed="rId3" cstate="print">
+          <a:blip r:embed="rId3">
             <a:extLst>
               <a:ext uri="{28A0092B-C50C-407E-A947-70E740481C1C}">
                 <a14:useLocalDpi xmlns:a14="http://schemas.microsoft.com/office/drawing/2010/main" val="0"/>
@@ -8614,38 +9476,8 @@
         </p:blipFill>
         <p:spPr>
           <a:xfrm>
-            <a:off x="971600" y="2780928"/>
-            <a:ext cx="2666283" cy="1955709"/>
-          </a:xfrm>
-          <a:prstGeom prst="rect">
-            <a:avLst/>
-          </a:prstGeom>
-        </p:spPr>
-      </p:pic>
-      <p:pic>
-        <p:nvPicPr>
-          <p:cNvPr id="5" name="Picture 4"/>
-          <p:cNvPicPr>
-            <a:picLocks noChangeAspect="1"/>
-          </p:cNvPicPr>
-          <p:nvPr/>
-        </p:nvPicPr>
-        <p:blipFill>
-          <a:blip r:embed="rId4" cstate="print">
-            <a:extLst>
-              <a:ext uri="{28A0092B-C50C-407E-A947-70E740481C1C}">
-                <a14:useLocalDpi xmlns:a14="http://schemas.microsoft.com/office/drawing/2010/main" val="0"/>
-              </a:ext>
-            </a:extLst>
-          </a:blip>
-          <a:stretch>
-            <a:fillRect/>
-          </a:stretch>
-        </p:blipFill>
-        <p:spPr>
-          <a:xfrm>
-            <a:off x="5292080" y="2564904"/>
-            <a:ext cx="2441701" cy="2441701"/>
+            <a:off x="1410154" y="1844824"/>
+            <a:ext cx="6323331" cy="4536504"/>
           </a:xfrm>
           <a:prstGeom prst="rect">
             <a:avLst/>
@@ -8659,12 +9491,12 @@
   </p:clrMapOvr>
   <mc:AlternateContent xmlns:mc="http://schemas.openxmlformats.org/markup-compatibility/2006" xmlns:p14="http://schemas.microsoft.com/office/powerpoint/2010/main">
     <mc:Choice Requires="p14">
-      <p:transition p14:dur="250">
+      <p:transition p14:dur="250" advTm="1182">
         <p:pull/>
       </p:transition>
     </mc:Choice>
     <mc:Fallback xmlns="">
-      <p:transition>
+      <p:transition advTm="1182">
         <p:pull/>
       </p:transition>
     </mc:Fallback>
@@ -8698,14 +9530,14 @@
       </p:grpSpPr>
       <p:sp>
         <p:nvSpPr>
-          <p:cNvPr id="142" name="TextShape 1"/>
+          <p:cNvPr id="141" name="TextShape 2"/>
           <p:cNvSpPr txBox="1"/>
           <p:nvPr/>
         </p:nvSpPr>
         <p:spPr>
           <a:xfrm>
-            <a:off x="1763640" y="92160"/>
-            <a:ext cx="6460560" cy="571320"/>
+            <a:off x="457199" y="980728"/>
+            <a:ext cx="8229240" cy="3888520"/>
           </a:xfrm>
           <a:prstGeom prst="rect">
             <a:avLst/>
@@ -8716,7 +9548,7 @@
           </a:ln>
         </p:spPr>
         <p:txBody>
-          <a:bodyPr anchor="ctr"/>
+          <a:bodyPr/>
           <a:lstStyle/>
           <a:p>
             <a:pPr algn="ctr">
@@ -8725,28 +9557,89 @@
               </a:lnSpc>
             </a:pPr>
             <a:r>
-              <a:rPr lang="fr-FR" sz="1600" b="1" strike="noStrike">
-                <a:solidFill>
-                  <a:srgbClr val="4F4D50"/>
+              <a:rPr lang="fr-FR" sz="2800" b="1" strike="noStrike" dirty="0">
+                <a:solidFill>
+                  <a:schemeClr val="tx2">
+                    <a:lumMod val="75000"/>
+                  </a:schemeClr>
                 </a:solidFill>
                 <a:latin typeface="Arial"/>
               </a:rPr>
-              <a:t>Organisation</a:t>
-            </a:r>
-            <a:endParaRPr/>
-          </a:p>
-        </p:txBody>
-      </p:sp>
-      <p:sp>
-        <p:nvSpPr>
-          <p:cNvPr id="143" name="TextShape 2"/>
+              <a:t>Cycle de </a:t>
+            </a:r>
+            <a:r>
+              <a:rPr lang="fr-FR" sz="2800" b="1" strike="noStrike" dirty="0" smtClean="0">
+                <a:solidFill>
+                  <a:schemeClr val="tx2">
+                    <a:lumMod val="75000"/>
+                  </a:schemeClr>
+                </a:solidFill>
+                <a:latin typeface="Arial"/>
+              </a:rPr>
+              <a:t>qualification</a:t>
+            </a:r>
+          </a:p>
+          <a:p>
+            <a:pPr algn="ctr">
+              <a:lnSpc>
+                <a:spcPct val="100000"/>
+              </a:lnSpc>
+            </a:pPr>
+            <a:r>
+              <a:rPr lang="en-US" sz="2400" b="1" dirty="0" smtClean="0">
+                <a:solidFill>
+                  <a:schemeClr val="tx2">
+                    <a:lumMod val="75000"/>
+                  </a:schemeClr>
+                </a:solidFill>
+                <a:latin typeface="Arial"/>
+              </a:rPr>
+              <a:t>Documentation</a:t>
+            </a:r>
+            <a:endParaRPr sz="1400" dirty="0">
+              <a:solidFill>
+                <a:schemeClr val="tx2">
+                  <a:lumMod val="75000"/>
+                </a:schemeClr>
+              </a:solidFill>
+            </a:endParaRPr>
+          </a:p>
+          <a:p>
+            <a:pPr>
+              <a:lnSpc>
+                <a:spcPct val="100000"/>
+              </a:lnSpc>
+            </a:pPr>
+            <a:endParaRPr lang="fr-FR" dirty="0" smtClean="0"/>
+          </a:p>
+          <a:p>
+            <a:pPr>
+              <a:lnSpc>
+                <a:spcPct val="100000"/>
+              </a:lnSpc>
+            </a:pPr>
+            <a:endParaRPr lang="fr-FR" dirty="0"/>
+          </a:p>
+          <a:p>
+            <a:pPr>
+              <a:lnSpc>
+                <a:spcPct val="100000"/>
+              </a:lnSpc>
+            </a:pPr>
+            <a:endParaRPr dirty="0"/>
+          </a:p>
+        </p:txBody>
+      </p:sp>
+      <p:sp>
+        <p:nvSpPr>
+          <p:cNvPr id="7" name="TextShape 1"/>
           <p:cNvSpPr txBox="1"/>
           <p:nvPr/>
         </p:nvSpPr>
         <p:spPr>
           <a:xfrm>
-            <a:off x="457200" y="980640"/>
-            <a:ext cx="8229240" cy="5328360"/>
+            <a:off x="1763688" y="116632"/>
+            <a:ext cx="3528392" cy="488142"/>
           </a:xfrm>
           <a:prstGeom prst="rect">
             <a:avLst/>
@@ -8757,75 +9650,42 @@
           </a:ln>
         </p:spPr>
         <p:txBody>
-          <a:bodyPr/>
-          <a:lstStyle/>
-          <a:p>
-            <a:pPr algn="ctr">
+          <a:bodyPr anchor="ctr"/>
+          <a:lstStyle/>
+          <a:p>
+            <a:pPr>
               <a:lnSpc>
                 <a:spcPct val="100000"/>
               </a:lnSpc>
             </a:pPr>
             <a:r>
-              <a:rPr lang="fr-FR" sz="2800" b="1" strike="noStrike" dirty="0">
+              <a:rPr lang="fr-FR" sz="2000" b="1" dirty="0" smtClean="0">
                 <a:solidFill>
                   <a:srgbClr val="004D6F"/>
                 </a:solidFill>
-                <a:latin typeface="Arial"/>
-              </a:rPr>
-              <a:t>Pilotage du projet</a:t>
-            </a:r>
-            <a:endParaRPr dirty="0"/>
-          </a:p>
-          <a:p>
-            <a:pPr>
-              <a:lnSpc>
-                <a:spcPct val="100000"/>
-              </a:lnSpc>
-            </a:pPr>
-            <a:endParaRPr dirty="0"/>
-          </a:p>
-          <a:p>
-            <a:pPr>
-              <a:lnSpc>
-                <a:spcPct val="100000"/>
-              </a:lnSpc>
-            </a:pPr>
-            <a:r>
-              <a:rPr lang="fr-FR" sz="2000" b="1" strike="noStrike" dirty="0">
-                <a:solidFill>
-                  <a:srgbClr val="004D6F"/>
-                </a:solidFill>
-                <a:latin typeface="Arial"/>
-              </a:rPr>
-              <a:t>Pilotage par les </a:t>
-            </a:r>
-            <a:r>
-              <a:rPr lang="fr-FR" sz="2000" b="1" strike="noStrike" dirty="0" smtClean="0">
-                <a:solidFill>
-                  <a:srgbClr val="004D6F"/>
-                </a:solidFill>
-                <a:latin typeface="Arial"/>
-              </a:rPr>
-              <a:t>délais de chaque version</a:t>
-            </a:r>
-            <a:r>
-              <a:rPr lang="fr-FR" dirty="0" smtClean="0"/>
-              <a:t> </a:t>
-            </a:r>
-            <a:endParaRPr dirty="0"/>
+              </a:rPr>
+              <a:t>Organisation</a:t>
+            </a:r>
+            <a:endParaRPr sz="2000" dirty="0">
+              <a:solidFill>
+                <a:schemeClr val="accent4">
+                  <a:lumMod val="75000"/>
+                </a:schemeClr>
+              </a:solidFill>
+            </a:endParaRPr>
           </a:p>
         </p:txBody>
       </p:sp>
       <p:pic>
         <p:nvPicPr>
-          <p:cNvPr id="3" name="Picture 2"/>
+          <p:cNvPr id="8" name="Picture 7"/>
           <p:cNvPicPr>
             <a:picLocks noChangeAspect="1"/>
           </p:cNvPicPr>
           <p:nvPr/>
         </p:nvPicPr>
         <p:blipFill>
-          <a:blip r:embed="rId2" cstate="print">
+          <a:blip r:embed="rId3">
             <a:extLst>
               <a:ext uri="{28A0092B-C50C-407E-A947-70E740481C1C}">
                 <a14:useLocalDpi xmlns:a14="http://schemas.microsoft.com/office/drawing/2010/main" val="0"/>
@@ -8838,8 +9698,8 @@
         </p:blipFill>
         <p:spPr>
           <a:xfrm>
-            <a:off x="2646458" y="2564904"/>
-            <a:ext cx="3850723" cy="3850723"/>
+            <a:off x="2285814" y="1772816"/>
+            <a:ext cx="4572009" cy="4572009"/>
           </a:xfrm>
           <a:prstGeom prst="rect">
             <a:avLst/>
@@ -8847,13 +9707,18 @@
         </p:spPr>
       </p:pic>
     </p:spTree>
+    <p:extLst>
+      <p:ext uri="{BB962C8B-B14F-4D97-AF65-F5344CB8AC3E}">
+        <p14:creationId xmlns:p14="http://schemas.microsoft.com/office/powerpoint/2010/main" val="3668769520"/>
+      </p:ext>
+    </p:extLst>
   </p:cSld>
   <p:clrMapOvr>
     <a:masterClrMapping/>
   </p:clrMapOvr>
   <mc:AlternateContent xmlns:mc="http://schemas.openxmlformats.org/markup-compatibility/2006" xmlns:p14="http://schemas.microsoft.com/office/powerpoint/2010/main">
     <mc:Choice Requires="p14">
-      <p:transition p14:dur="250">
+      <p:transition p14:dur="250" advTm="1182">
         <p:pull/>
       </p:transition>
     </mc:Choice>
@@ -8892,14 +9757,14 @@
       </p:grpSpPr>
       <p:sp>
         <p:nvSpPr>
-          <p:cNvPr id="144" name="TextShape 1"/>
+          <p:cNvPr id="143" name="TextShape 2"/>
           <p:cNvSpPr txBox="1"/>
           <p:nvPr/>
         </p:nvSpPr>
         <p:spPr>
           <a:xfrm>
-            <a:off x="1763640" y="92160"/>
-            <a:ext cx="6460560" cy="571320"/>
+            <a:off x="457200" y="980640"/>
+            <a:ext cx="8229240" cy="5328360"/>
           </a:xfrm>
           <a:prstGeom prst="rect">
             <a:avLst/>
@@ -8910,23 +9775,129 @@
           </a:ln>
         </p:spPr>
         <p:txBody>
-          <a:bodyPr anchor="ctr"/>
-          <a:lstStyle/>
-          <a:p>
-            <a:endParaRPr/>
-          </a:p>
-        </p:txBody>
-      </p:sp>
-      <p:sp>
-        <p:nvSpPr>
-          <p:cNvPr id="145" name="TextShape 2"/>
+          <a:bodyPr/>
+          <a:lstStyle/>
+          <a:p>
+            <a:pPr algn="ctr">
+              <a:lnSpc>
+                <a:spcPct val="100000"/>
+              </a:lnSpc>
+            </a:pPr>
+            <a:r>
+              <a:rPr lang="fr-FR" sz="2800" b="1" strike="noStrike" dirty="0">
+                <a:solidFill>
+                  <a:schemeClr val="tx2">
+                    <a:lumMod val="75000"/>
+                  </a:schemeClr>
+                </a:solidFill>
+                <a:latin typeface="Arial"/>
+              </a:rPr>
+              <a:t>Pilotage du projet</a:t>
+            </a:r>
+            <a:endParaRPr dirty="0">
+              <a:solidFill>
+                <a:schemeClr val="tx2">
+                  <a:lumMod val="75000"/>
+                </a:schemeClr>
+              </a:solidFill>
+            </a:endParaRPr>
+          </a:p>
+          <a:p>
+            <a:pPr>
+              <a:lnSpc>
+                <a:spcPct val="100000"/>
+              </a:lnSpc>
+            </a:pPr>
+            <a:endParaRPr dirty="0"/>
+          </a:p>
+          <a:p>
+            <a:pPr>
+              <a:lnSpc>
+                <a:spcPct val="100000"/>
+              </a:lnSpc>
+            </a:pPr>
+            <a:r>
+              <a:rPr lang="fr-FR" sz="2000" b="1" strike="noStrike" dirty="0">
+                <a:solidFill>
+                  <a:schemeClr val="accent3">
+                    <a:lumMod val="75000"/>
+                  </a:schemeClr>
+                </a:solidFill>
+                <a:latin typeface="Arial"/>
+              </a:rPr>
+              <a:t>Pilotage par les </a:t>
+            </a:r>
+            <a:r>
+              <a:rPr lang="fr-FR" sz="2000" b="1" strike="noStrike" dirty="0" smtClean="0">
+                <a:solidFill>
+                  <a:schemeClr val="accent3">
+                    <a:lumMod val="75000"/>
+                  </a:schemeClr>
+                </a:solidFill>
+                <a:latin typeface="Arial"/>
+              </a:rPr>
+              <a:t>délais de chaque version</a:t>
+            </a:r>
+            <a:r>
+              <a:rPr lang="fr-FR" dirty="0" smtClean="0">
+                <a:solidFill>
+                  <a:schemeClr val="accent3">
+                    <a:lumMod val="75000"/>
+                  </a:schemeClr>
+                </a:solidFill>
+              </a:rPr>
+              <a:t> </a:t>
+            </a:r>
+            <a:endParaRPr dirty="0">
+              <a:solidFill>
+                <a:schemeClr val="accent3">
+                  <a:lumMod val="75000"/>
+                </a:schemeClr>
+              </a:solidFill>
+            </a:endParaRPr>
+          </a:p>
+        </p:txBody>
+      </p:sp>
+      <p:pic>
+        <p:nvPicPr>
+          <p:cNvPr id="3" name="Picture 2"/>
+          <p:cNvPicPr>
+            <a:picLocks noChangeAspect="1"/>
+          </p:cNvPicPr>
+          <p:nvPr/>
+        </p:nvPicPr>
+        <p:blipFill>
+          <a:blip r:embed="rId2" cstate="print">
+            <a:extLst>
+              <a:ext uri="{28A0092B-C50C-407E-A947-70E740481C1C}">
+                <a14:useLocalDpi xmlns:a14="http://schemas.microsoft.com/office/drawing/2010/main" val="0"/>
+              </a:ext>
+            </a:extLst>
+          </a:blip>
+          <a:stretch>
+            <a:fillRect/>
+          </a:stretch>
+        </p:blipFill>
+        <p:spPr>
+          <a:xfrm>
+            <a:off x="2646458" y="2564904"/>
+            <a:ext cx="3850723" cy="3850723"/>
+          </a:xfrm>
+          <a:prstGeom prst="rect">
+            <a:avLst/>
+          </a:prstGeom>
+        </p:spPr>
+      </p:pic>
+      <p:sp>
+        <p:nvSpPr>
+          <p:cNvPr id="7" name="TextShape 1"/>
           <p:cNvSpPr txBox="1"/>
           <p:nvPr/>
         </p:nvSpPr>
         <p:spPr>
           <a:xfrm>
-            <a:off x="457200" y="2781000"/>
-            <a:ext cx="8229240" cy="3528000"/>
+            <a:off x="1763688" y="116632"/>
+            <a:ext cx="3528392" cy="488142"/>
           </a:xfrm>
           <a:prstGeom prst="rect">
             <a:avLst/>
@@ -8937,24 +9908,29 @@
           </a:ln>
         </p:spPr>
         <p:txBody>
-          <a:bodyPr/>
-          <a:lstStyle/>
-          <a:p>
-            <a:pPr algn="ctr">
+          <a:bodyPr anchor="ctr"/>
+          <a:lstStyle/>
+          <a:p>
+            <a:pPr>
               <a:lnSpc>
                 <a:spcPct val="100000"/>
               </a:lnSpc>
             </a:pPr>
             <a:r>
-              <a:rPr lang="fr-FR" sz="5400" b="1" strike="noStrike">
+              <a:rPr lang="fr-FR" sz="2000" b="1" dirty="0" smtClean="0">
                 <a:solidFill>
                   <a:srgbClr val="004D6F"/>
                 </a:solidFill>
-                <a:latin typeface="Arial"/>
-              </a:rPr>
-              <a:t>Planification</a:t>
-            </a:r>
-            <a:endParaRPr/>
+              </a:rPr>
+              <a:t>Organisation</a:t>
+            </a:r>
+            <a:endParaRPr sz="2000" dirty="0">
+              <a:solidFill>
+                <a:schemeClr val="accent4">
+                  <a:lumMod val="75000"/>
+                </a:schemeClr>
+              </a:solidFill>
+            </a:endParaRPr>
           </a:p>
         </p:txBody>
       </p:sp>
@@ -8965,13 +9941,13 @@
   </p:clrMapOvr>
   <mc:AlternateContent xmlns:mc="http://schemas.openxmlformats.org/markup-compatibility/2006" xmlns:p14="http://schemas.microsoft.com/office/powerpoint/2010/main">
     <mc:Choice Requires="p14">
-      <p:transition spd="slow" p14:dur="1500">
-        <p14:vortex dir="r"/>
+      <p:transition p14:dur="250" advTm="8866">
+        <p:pull/>
       </p:transition>
     </mc:Choice>
     <mc:Fallback xmlns="">
-      <p:transition spd="slow">
-        <p:fade/>
+      <p:transition advTm="8866">
+        <p:pull/>
       </p:transition>
     </mc:Fallback>
   </mc:AlternateContent>
@@ -9004,7 +9980,7 @@
       </p:grpSpPr>
       <p:sp>
         <p:nvSpPr>
-          <p:cNvPr id="146" name="TextShape 1"/>
+          <p:cNvPr id="144" name="TextShape 1"/>
           <p:cNvSpPr txBox="1"/>
           <p:nvPr/>
         </p:nvSpPr>
@@ -9025,34 +10001,20 @@
           <a:bodyPr anchor="ctr"/>
           <a:lstStyle/>
           <a:p>
-            <a:pPr algn="ctr">
-              <a:lnSpc>
-                <a:spcPct val="100000"/>
-              </a:lnSpc>
-            </a:pPr>
-            <a:r>
-              <a:rPr lang="fr-FR" sz="1600" b="1" strike="noStrike">
-                <a:solidFill>
-                  <a:srgbClr val="4F4D50"/>
-                </a:solidFill>
-                <a:latin typeface="Arial"/>
-              </a:rPr>
-              <a:t>Planification</a:t>
-            </a:r>
             <a:endParaRPr/>
           </a:p>
         </p:txBody>
       </p:sp>
       <p:sp>
         <p:nvSpPr>
-          <p:cNvPr id="147" name="TextShape 2"/>
+          <p:cNvPr id="145" name="TextShape 2"/>
           <p:cNvSpPr txBox="1"/>
           <p:nvPr/>
         </p:nvSpPr>
         <p:spPr>
           <a:xfrm>
-            <a:off x="457200" y="980640"/>
-            <a:ext cx="8229240" cy="936192"/>
+            <a:off x="457200" y="2781000"/>
+            <a:ext cx="8229240" cy="3528000"/>
           </a:xfrm>
           <a:prstGeom prst="rect">
             <a:avLst/>
@@ -9072,15 +10034,220 @@
               </a:lnSpc>
             </a:pPr>
             <a:r>
+              <a:rPr lang="fr-FR" sz="5400" b="1" strike="noStrike">
+                <a:solidFill>
+                  <a:srgbClr val="004D6F"/>
+                </a:solidFill>
+                <a:latin typeface="Arial"/>
+              </a:rPr>
+              <a:t>Planification</a:t>
+            </a:r>
+            <a:endParaRPr/>
+          </a:p>
+        </p:txBody>
+      </p:sp>
+    </p:spTree>
+  </p:cSld>
+  <p:clrMapOvr>
+    <a:masterClrMapping/>
+  </p:clrMapOvr>
+  <mc:AlternateContent xmlns:mc="http://schemas.openxmlformats.org/markup-compatibility/2006" xmlns:p14="http://schemas.microsoft.com/office/powerpoint/2010/main">
+    <mc:Choice Requires="p14">
+      <p:transition spd="slow" p14:dur="1500" advTm="1124">
+        <p14:vortex dir="r"/>
+      </p:transition>
+    </mc:Choice>
+    <mc:Fallback xmlns="">
+      <p:transition spd="slow" advTm="1124">
+        <p:fade/>
+      </p:transition>
+    </mc:Fallback>
+  </mc:AlternateContent>
+  <p:timing>
+    <p:tnLst>
+      <p:par>
+        <p:cTn id="1" dur="indefinite" restart="never" nodeType="tmRoot"/>
+      </p:par>
+    </p:tnLst>
+  </p:timing>
+</p:sld>
+</file>
+
+<file path=ppt/slides/slide2.xml><?xml version="1.0" encoding="utf-8"?>
+<p:sld xmlns:a="http://schemas.openxmlformats.org/drawingml/2006/main" xmlns:r="http://schemas.openxmlformats.org/officeDocument/2006/relationships" xmlns:p="http://schemas.openxmlformats.org/presentationml/2006/main">
+  <p:cSld>
+    <p:spTree>
+      <p:nvGrpSpPr>
+        <p:cNvPr id="1" name=""/>
+        <p:cNvGrpSpPr/>
+        <p:nvPr/>
+      </p:nvGrpSpPr>
+      <p:grpSpPr>
+        <a:xfrm>
+          <a:off x="0" y="0"/>
+          <a:ext cx="0" cy="0"/>
+          <a:chOff x="0" y="0"/>
+          <a:chExt cx="0" cy="0"/>
+        </a:xfrm>
+      </p:grpSpPr>
+      <p:sp>
+        <p:nvSpPr>
+          <p:cNvPr id="122" name="TextShape 1"/>
+          <p:cNvSpPr txBox="1"/>
+          <p:nvPr/>
+        </p:nvSpPr>
+        <p:spPr>
+          <a:xfrm>
+            <a:off x="1763640" y="92160"/>
+            <a:ext cx="6460560" cy="571320"/>
+          </a:xfrm>
+          <a:prstGeom prst="rect">
+            <a:avLst/>
+          </a:prstGeom>
+          <a:noFill/>
+          <a:ln>
+            <a:noFill/>
+          </a:ln>
+        </p:spPr>
+        <p:txBody>
+          <a:bodyPr anchor="ctr"/>
+          <a:lstStyle/>
+          <a:p>
+            <a:endParaRPr/>
+          </a:p>
+        </p:txBody>
+      </p:sp>
+      <p:sp>
+        <p:nvSpPr>
+          <p:cNvPr id="123" name="TextShape 2"/>
+          <p:cNvSpPr txBox="1"/>
+          <p:nvPr/>
+        </p:nvSpPr>
+        <p:spPr>
+          <a:xfrm>
+            <a:off x="457200" y="2781000"/>
+            <a:ext cx="8229240" cy="3528000"/>
+          </a:xfrm>
+          <a:prstGeom prst="rect">
+            <a:avLst/>
+          </a:prstGeom>
+          <a:noFill/>
+          <a:ln>
+            <a:noFill/>
+          </a:ln>
+        </p:spPr>
+        <p:txBody>
+          <a:bodyPr/>
+          <a:lstStyle/>
+          <a:p>
+            <a:pPr algn="ctr">
+              <a:lnSpc>
+                <a:spcPct val="100000"/>
+              </a:lnSpc>
+            </a:pPr>
+            <a:r>
+              <a:rPr lang="fr-FR" sz="5400" b="1" strike="noStrike" dirty="0" smtClean="0">
+                <a:solidFill>
+                  <a:srgbClr val="004D6F"/>
+                </a:solidFill>
+                <a:latin typeface="Arial"/>
+              </a:rPr>
+              <a:t>Introduction</a:t>
+            </a:r>
+            <a:endParaRPr dirty="0"/>
+          </a:p>
+        </p:txBody>
+      </p:sp>
+    </p:spTree>
+  </p:cSld>
+  <p:clrMapOvr>
+    <a:masterClrMapping/>
+  </p:clrMapOvr>
+  <mc:AlternateContent xmlns:mc="http://schemas.openxmlformats.org/markup-compatibility/2006" xmlns:p14="http://schemas.microsoft.com/office/powerpoint/2010/main">
+    <mc:Choice Requires="p14">
+      <p:transition spd="slow" p14:dur="1500" advTm="1117">
+        <p14:vortex dir="r"/>
+      </p:transition>
+    </mc:Choice>
+    <mc:Fallback xmlns="">
+      <p:transition spd="slow" advTm="1117">
+        <p:fade/>
+      </p:transition>
+    </mc:Fallback>
+  </mc:AlternateContent>
+  <p:timing>
+    <p:tnLst>
+      <p:par>
+        <p:cTn id="1" dur="indefinite" restart="never" nodeType="tmRoot"/>
+      </p:par>
+    </p:tnLst>
+  </p:timing>
+</p:sld>
+</file>
+
+<file path=ppt/slides/slide20.xml><?xml version="1.0" encoding="utf-8"?>
+<p:sld xmlns:a="http://schemas.openxmlformats.org/drawingml/2006/main" xmlns:r="http://schemas.openxmlformats.org/officeDocument/2006/relationships" xmlns:p="http://schemas.openxmlformats.org/presentationml/2006/main">
+  <p:cSld>
+    <p:spTree>
+      <p:nvGrpSpPr>
+        <p:cNvPr id="1" name=""/>
+        <p:cNvGrpSpPr/>
+        <p:nvPr/>
+      </p:nvGrpSpPr>
+      <p:grpSpPr>
+        <a:xfrm>
+          <a:off x="0" y="0"/>
+          <a:ext cx="0" cy="0"/>
+          <a:chOff x="0" y="0"/>
+          <a:chExt cx="0" cy="0"/>
+        </a:xfrm>
+      </p:grpSpPr>
+      <p:sp>
+        <p:nvSpPr>
+          <p:cNvPr id="147" name="TextShape 2"/>
+          <p:cNvSpPr txBox="1"/>
+          <p:nvPr/>
+        </p:nvSpPr>
+        <p:spPr>
+          <a:xfrm>
+            <a:off x="457200" y="980640"/>
+            <a:ext cx="8229240" cy="576152"/>
+          </a:xfrm>
+          <a:prstGeom prst="rect">
+            <a:avLst/>
+          </a:prstGeom>
+          <a:noFill/>
+          <a:ln>
+            <a:noFill/>
+          </a:ln>
+        </p:spPr>
+        <p:txBody>
+          <a:bodyPr/>
+          <a:lstStyle/>
+          <a:p>
+            <a:pPr algn="ctr">
+              <a:lnSpc>
+                <a:spcPct val="100000"/>
+              </a:lnSpc>
+            </a:pPr>
+            <a:r>
               <a:rPr lang="fr-FR" sz="2800" b="1" strike="noStrike" dirty="0" smtClean="0">
                 <a:solidFill>
-                  <a:srgbClr val="004D6F"/>
+                  <a:schemeClr val="tx2">
+                    <a:lumMod val="75000"/>
+                  </a:schemeClr>
                 </a:solidFill>
                 <a:latin typeface="Arial"/>
               </a:rPr>
-              <a:t>Méthode d’estimation</a:t>
-            </a:r>
-            <a:endParaRPr dirty="0" smtClean="0"/>
+              <a:t>Méthodes d’estimations</a:t>
+            </a:r>
+            <a:endParaRPr dirty="0" smtClean="0">
+              <a:solidFill>
+                <a:schemeClr val="tx2">
+                  <a:lumMod val="75000"/>
+                </a:schemeClr>
+              </a:solidFill>
+            </a:endParaRPr>
           </a:p>
           <a:p>
             <a:pPr>
@@ -9143,8 +10310,8 @@
         </p:nvSpPr>
         <p:spPr>
           <a:xfrm>
-            <a:off x="971600" y="2852936"/>
-            <a:ext cx="1338828" cy="369332"/>
+            <a:off x="611560" y="2575936"/>
+            <a:ext cx="1858201" cy="461665"/>
           </a:xfrm>
           <a:prstGeom prst="rect">
             <a:avLst/>
@@ -9158,10 +10325,22 @@
           <a:lstStyle/>
           <a:p>
             <a:r>
-              <a:rPr lang="en-US" dirty="0" err="1" smtClean="0"/>
+              <a:rPr lang="en-US" sz="2400" b="1" dirty="0" err="1" smtClean="0">
+                <a:solidFill>
+                  <a:schemeClr val="accent2">
+                    <a:lumMod val="75000"/>
+                  </a:schemeClr>
+                </a:solidFill>
+              </a:rPr>
               <a:t>Analogique</a:t>
             </a:r>
-            <a:endParaRPr lang="fr-FR" dirty="0"/>
+            <a:endParaRPr lang="fr-FR" sz="3200" b="1" dirty="0">
+              <a:solidFill>
+                <a:schemeClr val="accent2">
+                  <a:lumMod val="75000"/>
+                </a:schemeClr>
+              </a:solidFill>
+            </a:endParaRPr>
           </a:p>
         </p:txBody>
       </p:sp>
@@ -9173,8 +10352,8 @@
         </p:nvSpPr>
         <p:spPr>
           <a:xfrm>
-            <a:off x="6833211" y="2852936"/>
-            <a:ext cx="1146468" cy="369332"/>
+            <a:off x="6804248" y="2575937"/>
+            <a:ext cx="1571264" cy="461665"/>
           </a:xfrm>
           <a:prstGeom prst="rect">
             <a:avLst/>
@@ -9188,10 +10367,68 @@
           <a:lstStyle/>
           <a:p>
             <a:r>
-              <a:rPr lang="en-US" dirty="0" smtClean="0"/>
+              <a:rPr lang="en-US" sz="2400" b="1" dirty="0" smtClean="0">
+                <a:solidFill>
+                  <a:schemeClr val="accent3">
+                    <a:lumMod val="75000"/>
+                  </a:schemeClr>
+                </a:solidFill>
+              </a:rPr>
               <a:t>Expertise</a:t>
             </a:r>
-            <a:endParaRPr lang="fr-FR" dirty="0"/>
+            <a:endParaRPr lang="fr-FR" b="1" dirty="0">
+              <a:solidFill>
+                <a:schemeClr val="accent3">
+                  <a:lumMod val="75000"/>
+                </a:schemeClr>
+              </a:solidFill>
+            </a:endParaRPr>
+          </a:p>
+        </p:txBody>
+      </p:sp>
+      <p:sp>
+        <p:nvSpPr>
+          <p:cNvPr id="7" name="TextShape 1"/>
+          <p:cNvSpPr txBox="1"/>
+          <p:nvPr/>
+        </p:nvSpPr>
+        <p:spPr>
+          <a:xfrm>
+            <a:off x="1763688" y="116632"/>
+            <a:ext cx="3528392" cy="488142"/>
+          </a:xfrm>
+          <a:prstGeom prst="rect">
+            <a:avLst/>
+          </a:prstGeom>
+          <a:noFill/>
+          <a:ln>
+            <a:noFill/>
+          </a:ln>
+        </p:spPr>
+        <p:txBody>
+          <a:bodyPr anchor="ctr"/>
+          <a:lstStyle/>
+          <a:p>
+            <a:pPr>
+              <a:lnSpc>
+                <a:spcPct val="100000"/>
+              </a:lnSpc>
+            </a:pPr>
+            <a:r>
+              <a:rPr lang="fr-FR" sz="2000" b="1" dirty="0" smtClean="0">
+                <a:solidFill>
+                  <a:srgbClr val="004D6F"/>
+                </a:solidFill>
+              </a:rPr>
+              <a:t>Planification</a:t>
+            </a:r>
+            <a:endParaRPr sz="2000" dirty="0">
+              <a:solidFill>
+                <a:schemeClr val="accent4">
+                  <a:lumMod val="75000"/>
+                </a:schemeClr>
+              </a:solidFill>
+            </a:endParaRPr>
           </a:p>
         </p:txBody>
       </p:sp>
@@ -9202,12 +10439,12 @@
   </p:clrMapOvr>
   <mc:AlternateContent xmlns:mc="http://schemas.openxmlformats.org/markup-compatibility/2006" xmlns:p14="http://schemas.microsoft.com/office/powerpoint/2010/main">
     <mc:Choice Requires="p14">
-      <p:transition p14:dur="250">
+      <p:transition p14:dur="250" advTm="15500">
         <p:pull/>
       </p:transition>
     </mc:Choice>
     <mc:Fallback xmlns="">
-      <p:transition>
+      <p:transition advTm="15500">
         <p:pull/>
       </p:transition>
     </mc:Fallback>
@@ -9523,7 +10760,7 @@
 </p:sld>
 </file>
 
-<file path=ppt/slides/slide2.xml><?xml version="1.0" encoding="utf-8"?>
+<file path=ppt/slides/slide21.xml><?xml version="1.0" encoding="utf-8"?>
 <p:sld xmlns:a="http://schemas.openxmlformats.org/drawingml/2006/main" xmlns:r="http://schemas.openxmlformats.org/officeDocument/2006/relationships" xmlns:p="http://schemas.openxmlformats.org/presentationml/2006/main">
   <p:cSld>
     <p:spTree>
@@ -9542,14 +10779,14 @@
       </p:grpSpPr>
       <p:sp>
         <p:nvSpPr>
-          <p:cNvPr id="122" name="TextShape 1"/>
+          <p:cNvPr id="149" name="TextShape 2"/>
           <p:cNvSpPr txBox="1"/>
           <p:nvPr/>
         </p:nvSpPr>
         <p:spPr>
           <a:xfrm>
-            <a:off x="1763640" y="92160"/>
-            <a:ext cx="6460560" cy="571320"/>
+            <a:off x="457200" y="980640"/>
+            <a:ext cx="8229240" cy="792176"/>
           </a:xfrm>
           <a:prstGeom prst="rect">
             <a:avLst/>
@@ -9560,23 +10797,69 @@
           </a:ln>
         </p:spPr>
         <p:txBody>
-          <a:bodyPr anchor="ctr"/>
-          <a:lstStyle/>
-          <a:p>
-            <a:endParaRPr/>
-          </a:p>
-        </p:txBody>
-      </p:sp>
-      <p:sp>
-        <p:nvSpPr>
-          <p:cNvPr id="123" name="TextShape 2"/>
+          <a:bodyPr/>
+          <a:lstStyle/>
+          <a:p>
+            <a:pPr algn="ctr">
+              <a:lnSpc>
+                <a:spcPct val="100000"/>
+              </a:lnSpc>
+            </a:pPr>
+            <a:r>
+              <a:rPr lang="fr-FR" sz="2800" b="1" strike="noStrike" dirty="0">
+                <a:solidFill>
+                  <a:schemeClr val="tx2">
+                    <a:lumMod val="75000"/>
+                  </a:schemeClr>
+                </a:solidFill>
+                <a:latin typeface="Arial"/>
+              </a:rPr>
+              <a:t>Planning</a:t>
+            </a:r>
+            <a:endParaRPr dirty="0">
+              <a:solidFill>
+                <a:schemeClr val="tx2">
+                  <a:lumMod val="75000"/>
+                </a:schemeClr>
+              </a:solidFill>
+            </a:endParaRPr>
+          </a:p>
+          <a:p>
+            <a:pPr>
+              <a:lnSpc>
+                <a:spcPct val="100000"/>
+              </a:lnSpc>
+            </a:pPr>
+            <a:endParaRPr dirty="0"/>
+          </a:p>
+          <a:p>
+            <a:pPr algn="ctr">
+              <a:lnSpc>
+                <a:spcPct val="100000"/>
+              </a:lnSpc>
+            </a:pPr>
+            <a:endParaRPr dirty="0"/>
+          </a:p>
+          <a:p>
+            <a:pPr>
+              <a:lnSpc>
+                <a:spcPct val="100000"/>
+              </a:lnSpc>
+            </a:pPr>
+            <a:endParaRPr dirty="0"/>
+          </a:p>
+        </p:txBody>
+      </p:sp>
+      <p:sp>
+        <p:nvSpPr>
+          <p:cNvPr id="6" name="TextShape 1"/>
           <p:cNvSpPr txBox="1"/>
           <p:nvPr/>
         </p:nvSpPr>
         <p:spPr>
           <a:xfrm>
-            <a:off x="457200" y="2781000"/>
-            <a:ext cx="8229240" cy="3528000"/>
+            <a:off x="1763688" y="116632"/>
+            <a:ext cx="3528392" cy="488142"/>
           </a:xfrm>
           <a:prstGeom prst="rect">
             <a:avLst/>
@@ -9587,180 +10870,35 @@
           </a:ln>
         </p:spPr>
         <p:txBody>
-          <a:bodyPr/>
-          <a:lstStyle/>
-          <a:p>
-            <a:pPr algn="ctr">
+          <a:bodyPr anchor="ctr"/>
+          <a:lstStyle/>
+          <a:p>
+            <a:pPr>
               <a:lnSpc>
                 <a:spcPct val="100000"/>
               </a:lnSpc>
             </a:pPr>
             <a:r>
-              <a:rPr lang="fr-FR" sz="5400" b="1" strike="noStrike" dirty="0" smtClean="0">
+              <a:rPr lang="fr-FR" sz="2000" b="1" dirty="0" smtClean="0">
                 <a:solidFill>
                   <a:srgbClr val="004D6F"/>
                 </a:solidFill>
-                <a:latin typeface="Arial"/>
-              </a:rPr>
-              <a:t>Introduction</a:t>
-            </a:r>
-            <a:endParaRPr dirty="0"/>
-          </a:p>
-        </p:txBody>
-      </p:sp>
-    </p:spTree>
-  </p:cSld>
-  <p:clrMapOvr>
-    <a:masterClrMapping/>
-  </p:clrMapOvr>
-  <mc:AlternateContent xmlns:mc="http://schemas.openxmlformats.org/markup-compatibility/2006" xmlns:p14="http://schemas.microsoft.com/office/powerpoint/2010/main">
-    <mc:Choice Requires="p14">
-      <p:transition spd="slow" p14:dur="1500">
-        <p14:vortex dir="r"/>
-      </p:transition>
-    </mc:Choice>
-    <mc:Fallback xmlns="">
-      <p:transition spd="slow">
-        <p:fade/>
-      </p:transition>
-    </mc:Fallback>
-  </mc:AlternateContent>
-  <p:timing>
-    <p:tnLst>
-      <p:par>
-        <p:cTn id="1" dur="indefinite" restart="never" nodeType="tmRoot"/>
-      </p:par>
-    </p:tnLst>
-  </p:timing>
-</p:sld>
-</file>
-
-<file path=ppt/slides/slide20.xml><?xml version="1.0" encoding="utf-8"?>
-<p:sld xmlns:a="http://schemas.openxmlformats.org/drawingml/2006/main" xmlns:r="http://schemas.openxmlformats.org/officeDocument/2006/relationships" xmlns:p="http://schemas.openxmlformats.org/presentationml/2006/main">
-  <p:cSld>
-    <p:spTree>
-      <p:nvGrpSpPr>
-        <p:cNvPr id="1" name=""/>
-        <p:cNvGrpSpPr/>
-        <p:nvPr/>
-      </p:nvGrpSpPr>
-      <p:grpSpPr>
-        <a:xfrm>
-          <a:off x="0" y="0"/>
-          <a:ext cx="0" cy="0"/>
-          <a:chOff x="0" y="0"/>
-          <a:chExt cx="0" cy="0"/>
-        </a:xfrm>
-      </p:grpSpPr>
-      <p:sp>
-        <p:nvSpPr>
-          <p:cNvPr id="148" name="TextShape 1"/>
-          <p:cNvSpPr txBox="1"/>
-          <p:nvPr/>
-        </p:nvSpPr>
-        <p:spPr>
-          <a:xfrm>
-            <a:off x="1763640" y="92160"/>
-            <a:ext cx="6460560" cy="571320"/>
-          </a:xfrm>
-          <a:prstGeom prst="rect">
-            <a:avLst/>
-          </a:prstGeom>
-          <a:noFill/>
-          <a:ln>
-            <a:noFill/>
-          </a:ln>
-        </p:spPr>
-        <p:txBody>
-          <a:bodyPr anchor="ctr"/>
-          <a:lstStyle/>
-          <a:p>
-            <a:pPr algn="ctr">
-              <a:lnSpc>
-                <a:spcPct val="100000"/>
-              </a:lnSpc>
-            </a:pPr>
-            <a:r>
-              <a:rPr lang="fr-FR" sz="1600" b="1" strike="noStrike">
-                <a:solidFill>
-                  <a:srgbClr val="4F4D50"/>
-                </a:solidFill>
-                <a:latin typeface="Arial"/>
               </a:rPr>
               <a:t>Planification</a:t>
             </a:r>
-            <a:endParaRPr/>
-          </a:p>
-        </p:txBody>
-      </p:sp>
-      <p:sp>
-        <p:nvSpPr>
-          <p:cNvPr id="149" name="TextShape 2"/>
-          <p:cNvSpPr txBox="1"/>
-          <p:nvPr/>
-        </p:nvSpPr>
-        <p:spPr>
-          <a:xfrm>
-            <a:off x="457200" y="980640"/>
-            <a:ext cx="8229240" cy="5328360"/>
-          </a:xfrm>
-          <a:prstGeom prst="rect">
-            <a:avLst/>
-          </a:prstGeom>
-          <a:noFill/>
-          <a:ln>
-            <a:noFill/>
-          </a:ln>
-        </p:spPr>
-        <p:txBody>
-          <a:bodyPr/>
-          <a:lstStyle/>
-          <a:p>
-            <a:pPr algn="ctr">
-              <a:lnSpc>
-                <a:spcPct val="100000"/>
-              </a:lnSpc>
-            </a:pPr>
-            <a:r>
-              <a:rPr lang="fr-FR" sz="2800" b="1" strike="noStrike" dirty="0">
-                <a:solidFill>
-                  <a:srgbClr val="004D6F"/>
-                </a:solidFill>
-                <a:latin typeface="Arial"/>
-              </a:rPr>
-              <a:t>Planning</a:t>
-            </a:r>
-            <a:endParaRPr dirty="0"/>
-          </a:p>
-          <a:p>
-            <a:pPr>
-              <a:lnSpc>
-                <a:spcPct val="100000"/>
-              </a:lnSpc>
-            </a:pPr>
-            <a:endParaRPr dirty="0"/>
-          </a:p>
-          <a:p>
-            <a:pPr algn="ctr">
-              <a:lnSpc>
-                <a:spcPct val="100000"/>
-              </a:lnSpc>
-            </a:pPr>
-            <a:endParaRPr dirty="0"/>
-          </a:p>
-          <a:p>
-            <a:pPr>
-              <a:lnSpc>
-                <a:spcPct val="100000"/>
-              </a:lnSpc>
-            </a:pPr>
-            <a:endParaRPr dirty="0"/>
+            <a:endParaRPr sz="2000" dirty="0">
+              <a:solidFill>
+                <a:schemeClr val="accent4">
+                  <a:lumMod val="75000"/>
+                </a:schemeClr>
+              </a:solidFill>
+            </a:endParaRPr>
           </a:p>
         </p:txBody>
       </p:sp>
       <p:pic>
         <p:nvPicPr>
-          <p:cNvPr id="2" name="Image 1"/>
+          <p:cNvPr id="3" name="Picture 2"/>
           <p:cNvPicPr>
             <a:picLocks noChangeAspect="1"/>
           </p:cNvPicPr>
@@ -9780,14 +10918,172 @@
         </p:blipFill>
         <p:spPr>
           <a:xfrm>
-            <a:off x="395356" y="2708920"/>
-            <a:ext cx="8352928" cy="1484296"/>
+            <a:off x="-180" y="2758257"/>
+            <a:ext cx="9144000" cy="1546360"/>
           </a:xfrm>
           <a:prstGeom prst="rect">
             <a:avLst/>
           </a:prstGeom>
         </p:spPr>
       </p:pic>
+      <p:sp>
+        <p:nvSpPr>
+          <p:cNvPr id="8" name="Rectangle 7"/>
+          <p:cNvSpPr/>
+          <p:nvPr/>
+        </p:nvSpPr>
+        <p:spPr>
+          <a:xfrm>
+            <a:off x="3696420" y="1752223"/>
+            <a:ext cx="1750800" cy="400110"/>
+          </a:xfrm>
+          <a:prstGeom prst="rect">
+            <a:avLst/>
+          </a:prstGeom>
+        </p:spPr>
+        <p:txBody>
+          <a:bodyPr wrap="none">
+            <a:spAutoFit/>
+          </a:bodyPr>
+          <a:lstStyle/>
+          <a:p>
+            <a:pPr algn="ctr">
+              <a:lnSpc>
+                <a:spcPct val="100000"/>
+              </a:lnSpc>
+            </a:pPr>
+            <a:r>
+              <a:rPr lang="en-US" sz="2000" b="1" dirty="0" smtClean="0">
+                <a:solidFill>
+                  <a:schemeClr val="accent3">
+                    <a:lumMod val="75000"/>
+                  </a:schemeClr>
+                </a:solidFill>
+              </a:rPr>
+              <a:t>303h </a:t>
+            </a:r>
+            <a:r>
+              <a:rPr lang="fr-FR" sz="2000" b="1" dirty="0" smtClean="0">
+                <a:solidFill>
+                  <a:schemeClr val="accent3">
+                    <a:lumMod val="75000"/>
+                  </a:schemeClr>
+                </a:solidFill>
+              </a:rPr>
+              <a:t>au total</a:t>
+            </a:r>
+            <a:endParaRPr lang="fr-FR" sz="2000" b="1" dirty="0">
+              <a:solidFill>
+                <a:schemeClr val="accent3">
+                  <a:lumMod val="75000"/>
+                </a:schemeClr>
+              </a:solidFill>
+            </a:endParaRPr>
+          </a:p>
+        </p:txBody>
+      </p:sp>
+      <p:sp>
+        <p:nvSpPr>
+          <p:cNvPr id="9" name="Rectangle 8"/>
+          <p:cNvSpPr/>
+          <p:nvPr/>
+        </p:nvSpPr>
+        <p:spPr>
+          <a:xfrm>
+            <a:off x="2946383" y="4932860"/>
+            <a:ext cx="3244799" cy="400110"/>
+          </a:xfrm>
+          <a:prstGeom prst="rect">
+            <a:avLst/>
+          </a:prstGeom>
+        </p:spPr>
+        <p:txBody>
+          <a:bodyPr wrap="none">
+            <a:spAutoFit/>
+          </a:bodyPr>
+          <a:lstStyle/>
+          <a:p>
+            <a:pPr algn="ctr">
+              <a:lnSpc>
+                <a:spcPct val="100000"/>
+              </a:lnSpc>
+            </a:pPr>
+            <a:r>
+              <a:rPr lang="fr-FR" sz="2000" b="1" dirty="0" smtClean="0">
+                <a:solidFill>
+                  <a:schemeClr val="accent3">
+                    <a:lumMod val="75000"/>
+                  </a:schemeClr>
+                </a:solidFill>
+              </a:rPr>
+              <a:t>22.5h - semaine normale</a:t>
+            </a:r>
+            <a:endParaRPr lang="fr-FR" sz="2000" b="1" dirty="0">
+              <a:solidFill>
+                <a:schemeClr val="accent3">
+                  <a:lumMod val="75000"/>
+                </a:schemeClr>
+              </a:solidFill>
+            </a:endParaRPr>
+          </a:p>
+        </p:txBody>
+      </p:sp>
+      <p:sp>
+        <p:nvSpPr>
+          <p:cNvPr id="10" name="Rectangle 9"/>
+          <p:cNvSpPr/>
+          <p:nvPr/>
+        </p:nvSpPr>
+        <p:spPr>
+          <a:xfrm>
+            <a:off x="3101876" y="5445224"/>
+            <a:ext cx="2933816" cy="400110"/>
+          </a:xfrm>
+          <a:prstGeom prst="rect">
+            <a:avLst/>
+          </a:prstGeom>
+        </p:spPr>
+        <p:txBody>
+          <a:bodyPr wrap="none">
+            <a:spAutoFit/>
+          </a:bodyPr>
+          <a:lstStyle/>
+          <a:p>
+            <a:pPr algn="ctr">
+              <a:lnSpc>
+                <a:spcPct val="100000"/>
+              </a:lnSpc>
+            </a:pPr>
+            <a:r>
+              <a:rPr lang="fr-FR" sz="2000" b="1" dirty="0" smtClean="0">
+                <a:solidFill>
+                  <a:schemeClr val="accent3">
+                    <a:lumMod val="75000"/>
+                  </a:schemeClr>
+                </a:solidFill>
+              </a:rPr>
+              <a:t>60h - semaine </a:t>
+            </a:r>
+            <a:r>
+              <a:rPr lang="fr-FR" sz="2000" b="1" dirty="0" smtClean="0">
+                <a:solidFill>
+                  <a:schemeClr val="accent3">
+                    <a:lumMod val="75000"/>
+                  </a:schemeClr>
+                </a:solidFill>
+              </a:rPr>
+              <a:t>bloquée</a:t>
+            </a:r>
+            <a:endParaRPr lang="fr-FR" sz="2000" b="1" dirty="0">
+              <a:solidFill>
+                <a:schemeClr val="accent3">
+                  <a:lumMod val="75000"/>
+                </a:schemeClr>
+              </a:solidFill>
+            </a:endParaRPr>
+          </a:p>
+        </p:txBody>
+      </p:sp>
     </p:spTree>
   </p:cSld>
   <p:clrMapOvr>
@@ -9795,12 +11091,12 @@
   </p:clrMapOvr>
   <mc:AlternateContent xmlns:mc="http://schemas.openxmlformats.org/markup-compatibility/2006" xmlns:p14="http://schemas.microsoft.com/office/powerpoint/2010/main">
     <mc:Choice Requires="p14">
-      <p:transition p14:dur="250">
+      <p:transition p14:dur="250" advTm="5569">
         <p:pull/>
       </p:transition>
     </mc:Choice>
     <mc:Fallback xmlns="">
-      <p:transition>
+      <p:transition advTm="5569">
         <p:pull/>
       </p:transition>
     </mc:Fallback>
@@ -9808,214 +11104,153 @@
   <p:timing>
     <p:tnLst>
       <p:par>
-        <p:cTn id="1" dur="indefinite" restart="never" nodeType="tmRoot"/>
+        <p:cTn id="1" dur="indefinite" restart="never" nodeType="tmRoot">
+          <p:childTnLst>
+            <p:seq concurrent="1" nextAc="seek">
+              <p:cTn id="2" dur="indefinite" nodeType="mainSeq">
+                <p:childTnLst>
+                  <p:par>
+                    <p:cTn id="3" fill="hold">
+                      <p:stCondLst>
+                        <p:cond delay="indefinite"/>
+                      </p:stCondLst>
+                      <p:childTnLst>
+                        <p:par>
+                          <p:cTn id="4" fill="hold">
+                            <p:stCondLst>
+                              <p:cond delay="0"/>
+                            </p:stCondLst>
+                            <p:childTnLst>
+                              <p:par>
+                                <p:cTn id="5" presetID="1" presetClass="entr" presetSubtype="0" fill="hold" nodeType="clickEffect">
+                                  <p:stCondLst>
+                                    <p:cond delay="0"/>
+                                  </p:stCondLst>
+                                  <p:childTnLst>
+                                    <p:set>
+                                      <p:cBhvr>
+                                        <p:cTn id="6" dur="1" fill="hold">
+                                          <p:stCondLst>
+                                            <p:cond delay="0"/>
+                                          </p:stCondLst>
+                                        </p:cTn>
+                                        <p:tgtEl>
+                                          <p:spTgt spid="3"/>
+                                        </p:tgtEl>
+                                        <p:attrNameLst>
+                                          <p:attrName>style.visibility</p:attrName>
+                                        </p:attrNameLst>
+                                      </p:cBhvr>
+                                      <p:to>
+                                        <p:strVal val="visible"/>
+                                      </p:to>
+                                    </p:set>
+                                  </p:childTnLst>
+                                </p:cTn>
+                              </p:par>
+                            </p:childTnLst>
+                          </p:cTn>
+                        </p:par>
+                      </p:childTnLst>
+                    </p:cTn>
+                  </p:par>
+                  <p:par>
+                    <p:cTn id="7" fill="hold">
+                      <p:stCondLst>
+                        <p:cond delay="indefinite"/>
+                      </p:stCondLst>
+                      <p:childTnLst>
+                        <p:par>
+                          <p:cTn id="8" fill="hold">
+                            <p:stCondLst>
+                              <p:cond delay="0"/>
+                            </p:stCondLst>
+                            <p:childTnLst>
+                              <p:par>
+                                <p:cTn id="9" presetID="1" presetClass="entr" presetSubtype="0" fill="hold" grpId="0" nodeType="clickEffect">
+                                  <p:stCondLst>
+                                    <p:cond delay="0"/>
+                                  </p:stCondLst>
+                                  <p:childTnLst>
+                                    <p:set>
+                                      <p:cBhvr>
+                                        <p:cTn id="10" dur="1" fill="hold">
+                                          <p:stCondLst>
+                                            <p:cond delay="0"/>
+                                          </p:stCondLst>
+                                        </p:cTn>
+                                        <p:tgtEl>
+                                          <p:spTgt spid="9"/>
+                                        </p:tgtEl>
+                                        <p:attrNameLst>
+                                          <p:attrName>style.visibility</p:attrName>
+                                        </p:attrNameLst>
+                                      </p:cBhvr>
+                                      <p:to>
+                                        <p:strVal val="visible"/>
+                                      </p:to>
+                                    </p:set>
+                                  </p:childTnLst>
+                                </p:cTn>
+                              </p:par>
+                              <p:par>
+                                <p:cTn id="11" presetID="1" presetClass="entr" presetSubtype="0" fill="hold" grpId="0" nodeType="withEffect">
+                                  <p:stCondLst>
+                                    <p:cond delay="0"/>
+                                  </p:stCondLst>
+                                  <p:childTnLst>
+                                    <p:set>
+                                      <p:cBhvr>
+                                        <p:cTn id="12" dur="1" fill="hold">
+                                          <p:stCondLst>
+                                            <p:cond delay="0"/>
+                                          </p:stCondLst>
+                                        </p:cTn>
+                                        <p:tgtEl>
+                                          <p:spTgt spid="10"/>
+                                        </p:tgtEl>
+                                        <p:attrNameLst>
+                                          <p:attrName>style.visibility</p:attrName>
+                                        </p:attrNameLst>
+                                      </p:cBhvr>
+                                      <p:to>
+                                        <p:strVal val="visible"/>
+                                      </p:to>
+                                    </p:set>
+                                  </p:childTnLst>
+                                </p:cTn>
+                              </p:par>
+                            </p:childTnLst>
+                          </p:cTn>
+                        </p:par>
+                      </p:childTnLst>
+                    </p:cTn>
+                  </p:par>
+                </p:childTnLst>
+              </p:cTn>
+              <p:prevCondLst>
+                <p:cond evt="onPrev" delay="0">
+                  <p:tgtEl>
+                    <p:sldTgt/>
+                  </p:tgtEl>
+                </p:cond>
+              </p:prevCondLst>
+              <p:nextCondLst>
+                <p:cond evt="onNext" delay="0">
+                  <p:tgtEl>
+                    <p:sldTgt/>
+                  </p:tgtEl>
+                </p:cond>
+              </p:nextCondLst>
+            </p:seq>
+          </p:childTnLst>
+        </p:cTn>
       </p:par>
     </p:tnLst>
-  </p:timing>
-</p:sld>
-</file>
-
-<file path=ppt/slides/slide21.xml><?xml version="1.0" encoding="utf-8"?>
-<p:sld xmlns:a="http://schemas.openxmlformats.org/drawingml/2006/main" xmlns:r="http://schemas.openxmlformats.org/officeDocument/2006/relationships" xmlns:p="http://schemas.openxmlformats.org/presentationml/2006/main">
-  <p:cSld>
-    <p:spTree>
-      <p:nvGrpSpPr>
-        <p:cNvPr id="1" name=""/>
-        <p:cNvGrpSpPr/>
-        <p:nvPr/>
-      </p:nvGrpSpPr>
-      <p:grpSpPr>
-        <a:xfrm>
-          <a:off x="0" y="0"/>
-          <a:ext cx="0" cy="0"/>
-          <a:chOff x="0" y="0"/>
-          <a:chExt cx="0" cy="0"/>
-        </a:xfrm>
-      </p:grpSpPr>
-      <p:sp>
-        <p:nvSpPr>
-          <p:cNvPr id="150" name="TextShape 1"/>
-          <p:cNvSpPr txBox="1"/>
-          <p:nvPr/>
-        </p:nvSpPr>
-        <p:spPr>
-          <a:xfrm>
-            <a:off x="1763640" y="92160"/>
-            <a:ext cx="6460560" cy="571320"/>
-          </a:xfrm>
-          <a:prstGeom prst="rect">
-            <a:avLst/>
-          </a:prstGeom>
-          <a:noFill/>
-          <a:ln>
-            <a:noFill/>
-          </a:ln>
-        </p:spPr>
-        <p:txBody>
-          <a:bodyPr anchor="ctr"/>
-          <a:lstStyle/>
-          <a:p>
-            <a:pPr algn="ctr">
-              <a:lnSpc>
-                <a:spcPct val="100000"/>
-              </a:lnSpc>
-            </a:pPr>
-            <a:r>
-              <a:rPr lang="fr-FR" sz="1600" b="1" strike="noStrike">
-                <a:solidFill>
-                  <a:srgbClr val="4F4D50"/>
-                </a:solidFill>
-                <a:latin typeface="Arial"/>
-              </a:rPr>
-              <a:t>Planification</a:t>
-            </a:r>
-            <a:endParaRPr/>
-          </a:p>
-        </p:txBody>
-      </p:sp>
-      <p:sp>
-        <p:nvSpPr>
-          <p:cNvPr id="151" name="TextShape 2"/>
-          <p:cNvSpPr txBox="1"/>
-          <p:nvPr/>
-        </p:nvSpPr>
-        <p:spPr>
-          <a:xfrm>
-            <a:off x="457200" y="980640"/>
-            <a:ext cx="8229240" cy="5328360"/>
-          </a:xfrm>
-          <a:prstGeom prst="rect">
-            <a:avLst/>
-          </a:prstGeom>
-          <a:noFill/>
-          <a:ln>
-            <a:noFill/>
-          </a:ln>
-        </p:spPr>
-        <p:txBody>
-          <a:bodyPr/>
-          <a:lstStyle/>
-          <a:p>
-            <a:pPr algn="ctr">
-              <a:lnSpc>
-                <a:spcPct val="100000"/>
-              </a:lnSpc>
-            </a:pPr>
-            <a:r>
-              <a:rPr lang="fr-FR" sz="2800" b="1" strike="noStrike">
-                <a:solidFill>
-                  <a:srgbClr val="004D6F"/>
-                </a:solidFill>
-                <a:latin typeface="Arial"/>
-              </a:rPr>
-              <a:t>Planning MS Project</a:t>
-            </a:r>
-            <a:endParaRPr/>
-          </a:p>
-          <a:p>
-            <a:pPr>
-              <a:lnSpc>
-                <a:spcPct val="100000"/>
-              </a:lnSpc>
-            </a:pPr>
-            <a:endParaRPr/>
-          </a:p>
-          <a:p>
-            <a:pPr>
-              <a:lnSpc>
-                <a:spcPct val="100000"/>
-              </a:lnSpc>
-            </a:pPr>
-            <a:endParaRPr/>
-          </a:p>
-          <a:p>
-            <a:pPr>
-              <a:lnSpc>
-                <a:spcPct val="100000"/>
-              </a:lnSpc>
-            </a:pPr>
-            <a:endParaRPr/>
-          </a:p>
-          <a:p>
-            <a:pPr algn="ctr">
-              <a:lnSpc>
-                <a:spcPct val="100000"/>
-              </a:lnSpc>
-            </a:pPr>
-            <a:r>
-              <a:rPr lang="fr-FR" sz="2000" b="1" strike="noStrike">
-                <a:solidFill>
-                  <a:srgbClr val="004D6F"/>
-                </a:solidFill>
-                <a:latin typeface="Arial"/>
-              </a:rPr>
-              <a:t>Bô schéma qui lèche les boules</a:t>
-            </a:r>
-            <a:endParaRPr/>
-          </a:p>
-          <a:p>
-            <a:pPr>
-              <a:lnSpc>
-                <a:spcPct val="100000"/>
-              </a:lnSpc>
-            </a:pPr>
-            <a:endParaRPr/>
-          </a:p>
-        </p:txBody>
-      </p:sp>
-      <p:pic>
-        <p:nvPicPr>
-          <p:cNvPr id="2" name="Picture 1"/>
-          <p:cNvPicPr>
-            <a:picLocks noChangeAspect="1"/>
-          </p:cNvPicPr>
-          <p:nvPr/>
-        </p:nvPicPr>
-        <p:blipFill>
-          <a:blip r:embed="rId2" cstate="print">
-            <a:extLst>
-              <a:ext uri="{28A0092B-C50C-407E-A947-70E740481C1C}">
-                <a14:useLocalDpi xmlns:a14="http://schemas.microsoft.com/office/drawing/2010/main" val="0"/>
-              </a:ext>
-            </a:extLst>
-          </a:blip>
-          <a:stretch>
-            <a:fillRect/>
-          </a:stretch>
-        </p:blipFill>
-        <p:spPr>
-          <a:xfrm>
-            <a:off x="0" y="1614038"/>
-            <a:ext cx="9144000" cy="3629923"/>
-          </a:xfrm>
-          <a:prstGeom prst="rect">
-            <a:avLst/>
-          </a:prstGeom>
-        </p:spPr>
-      </p:pic>
-    </p:spTree>
-  </p:cSld>
-  <p:clrMapOvr>
-    <a:masterClrMapping/>
-  </p:clrMapOvr>
-  <mc:AlternateContent xmlns:mc="http://schemas.openxmlformats.org/markup-compatibility/2006" xmlns:p14="http://schemas.microsoft.com/office/powerpoint/2010/main">
-    <mc:Choice Requires="p14">
-      <p:transition p14:dur="250">
-        <p:pull/>
-      </p:transition>
-    </mc:Choice>
-    <mc:Fallback xmlns="">
-      <p:transition>
-        <p:pull/>
-      </p:transition>
-    </mc:Fallback>
-  </mc:AlternateContent>
-  <p:timing>
-    <p:tnLst>
-      <p:par>
-        <p:cTn id="1" dur="indefinite" restart="never" nodeType="tmRoot"/>
-      </p:par>
-    </p:tnLst>
+    <p:bldLst>
+      <p:bldP spid="9" grpId="0"/>
+      <p:bldP spid="10" grpId="0"/>
+    </p:bldLst>
   </p:timing>
 </p:sld>
 </file>
@@ -10039,14 +11274,14 @@
       </p:grpSpPr>
       <p:sp>
         <p:nvSpPr>
-          <p:cNvPr id="134" name="TextShape 1"/>
+          <p:cNvPr id="149" name="TextShape 2"/>
           <p:cNvSpPr txBox="1"/>
           <p:nvPr/>
         </p:nvSpPr>
         <p:spPr>
           <a:xfrm>
-            <a:off x="1763640" y="92160"/>
-            <a:ext cx="6460560" cy="571320"/>
+            <a:off x="457200" y="980640"/>
+            <a:ext cx="8229240" cy="5328360"/>
           </a:xfrm>
           <a:prstGeom prst="rect">
             <a:avLst/>
@@ -10057,23 +11292,91 @@
           </a:ln>
         </p:spPr>
         <p:txBody>
-          <a:bodyPr anchor="ctr"/>
-          <a:lstStyle/>
-          <a:p>
-            <a:endParaRPr/>
-          </a:p>
-        </p:txBody>
-      </p:sp>
-      <p:sp>
-        <p:nvSpPr>
-          <p:cNvPr id="135" name="TextShape 2"/>
+          <a:bodyPr/>
+          <a:lstStyle/>
+          <a:p>
+            <a:pPr algn="ctr">
+              <a:lnSpc>
+                <a:spcPct val="100000"/>
+              </a:lnSpc>
+            </a:pPr>
+            <a:r>
+              <a:rPr lang="en-US" sz="2800" b="1" strike="noStrike" dirty="0" smtClean="0">
+                <a:solidFill>
+                  <a:schemeClr val="tx2">
+                    <a:lumMod val="75000"/>
+                  </a:schemeClr>
+                </a:solidFill>
+                <a:latin typeface="Arial"/>
+              </a:rPr>
+              <a:t>Temps </a:t>
+            </a:r>
+            <a:r>
+              <a:rPr lang="en-US" sz="2800" b="1" strike="noStrike" dirty="0" err="1" smtClean="0">
+                <a:solidFill>
+                  <a:schemeClr val="tx2">
+                    <a:lumMod val="75000"/>
+                  </a:schemeClr>
+                </a:solidFill>
+                <a:latin typeface="Arial"/>
+              </a:rPr>
+              <a:t>cumul</a:t>
+            </a:r>
+            <a:r>
+              <a:rPr lang="fr-FR" sz="2800" b="1" strike="noStrike" dirty="0" smtClean="0">
+                <a:solidFill>
+                  <a:schemeClr val="tx2">
+                    <a:lumMod val="75000"/>
+                  </a:schemeClr>
+                </a:solidFill>
+                <a:latin typeface="Arial"/>
+              </a:rPr>
+              <a:t>é</a:t>
+            </a:r>
+            <a:endParaRPr dirty="0">
+              <a:solidFill>
+                <a:schemeClr val="tx2">
+                  <a:lumMod val="75000"/>
+                </a:schemeClr>
+              </a:solidFill>
+            </a:endParaRPr>
+          </a:p>
+          <a:p>
+            <a:pPr>
+              <a:lnSpc>
+                <a:spcPct val="100000"/>
+              </a:lnSpc>
+            </a:pPr>
+            <a:endParaRPr dirty="0"/>
+          </a:p>
+          <a:p>
+            <a:pPr algn="ctr">
+              <a:lnSpc>
+                <a:spcPct val="100000"/>
+              </a:lnSpc>
+            </a:pPr>
+            <a:endParaRPr dirty="0"/>
+          </a:p>
+          <a:p>
+            <a:pPr>
+              <a:lnSpc>
+                <a:spcPct val="100000"/>
+              </a:lnSpc>
+            </a:pPr>
+            <a:endParaRPr dirty="0"/>
+          </a:p>
+        </p:txBody>
+      </p:sp>
+      <p:sp>
+        <p:nvSpPr>
+          <p:cNvPr id="6" name="TextShape 1"/>
           <p:cNvSpPr txBox="1"/>
           <p:nvPr/>
         </p:nvSpPr>
         <p:spPr>
           <a:xfrm>
-            <a:off x="457200" y="2781000"/>
-            <a:ext cx="8229240" cy="3528000"/>
+            <a:off x="1763688" y="116632"/>
+            <a:ext cx="3528392" cy="488142"/>
           </a:xfrm>
           <a:prstGeom prst="rect">
             <a:avLst/>
@@ -10084,31 +11387,66 @@
           </a:ln>
         </p:spPr>
         <p:txBody>
-          <a:bodyPr/>
-          <a:lstStyle/>
-          <a:p>
-            <a:pPr algn="ctr">
+          <a:bodyPr anchor="ctr"/>
+          <a:lstStyle/>
+          <a:p>
+            <a:pPr>
               <a:lnSpc>
                 <a:spcPct val="100000"/>
               </a:lnSpc>
             </a:pPr>
             <a:r>
-              <a:rPr lang="fr-FR" sz="5400" b="1" strike="noStrike" dirty="0" smtClean="0">
+              <a:rPr lang="fr-FR" sz="2000" b="1" dirty="0" smtClean="0">
                 <a:solidFill>
                   <a:srgbClr val="004D6F"/>
                 </a:solidFill>
-                <a:latin typeface="Arial"/>
-              </a:rPr>
-              <a:t>Conclusion</a:t>
-            </a:r>
-            <a:endParaRPr dirty="0"/>
-          </a:p>
-        </p:txBody>
-      </p:sp>
+              </a:rPr>
+              <a:t>Planification</a:t>
+            </a:r>
+            <a:endParaRPr sz="2000" dirty="0">
+              <a:solidFill>
+                <a:schemeClr val="accent4">
+                  <a:lumMod val="75000"/>
+                </a:schemeClr>
+              </a:solidFill>
+            </a:endParaRPr>
+          </a:p>
+        </p:txBody>
+      </p:sp>
+      <p:pic>
+        <p:nvPicPr>
+          <p:cNvPr id="2" name="Picture 1"/>
+          <p:cNvPicPr>
+            <a:picLocks noChangeAspect="1"/>
+          </p:cNvPicPr>
+          <p:nvPr/>
+        </p:nvPicPr>
+        <p:blipFill>
+          <a:blip r:embed="rId3">
+            <a:extLst>
+              <a:ext uri="{28A0092B-C50C-407E-A947-70E740481C1C}">
+                <a14:useLocalDpi xmlns:a14="http://schemas.microsoft.com/office/drawing/2010/main" val="0"/>
+              </a:ext>
+            </a:extLst>
+          </a:blip>
+          <a:stretch>
+            <a:fillRect/>
+          </a:stretch>
+        </p:blipFill>
+        <p:spPr>
+          <a:xfrm>
+            <a:off x="0" y="1556792"/>
+            <a:ext cx="9144000" cy="4658156"/>
+          </a:xfrm>
+          <a:prstGeom prst="rect">
+            <a:avLst/>
+          </a:prstGeom>
+        </p:spPr>
+      </p:pic>
     </p:spTree>
     <p:extLst>
       <p:ext uri="{BB962C8B-B14F-4D97-AF65-F5344CB8AC3E}">
-        <p14:creationId xmlns:p14="http://schemas.microsoft.com/office/powerpoint/2010/main" val="1585855229"/>
+        <p14:creationId xmlns:p14="http://schemas.microsoft.com/office/powerpoint/2010/main" val="2499581431"/>
       </p:ext>
     </p:extLst>
   </p:cSld>
@@ -10117,13 +11455,13 @@
   </p:clrMapOvr>
   <mc:AlternateContent xmlns:mc="http://schemas.openxmlformats.org/markup-compatibility/2006" xmlns:p14="http://schemas.microsoft.com/office/powerpoint/2010/main">
     <mc:Choice Requires="p14">
-      <p:transition spd="slow" p14:dur="1500">
-        <p14:vortex dir="r"/>
+      <p:transition p14:dur="250" advTm="5569">
+        <p:pull/>
       </p:transition>
     </mc:Choice>
     <mc:Fallback xmlns="">
-      <p:transition spd="slow">
-        <p:fade/>
+      <p:transition>
+        <p:pull/>
       </p:transition>
     </mc:Fallback>
   </mc:AlternateContent>
@@ -10156,6 +11494,350 @@
       </p:grpSpPr>
       <p:sp>
         <p:nvSpPr>
+          <p:cNvPr id="151" name="TextShape 2"/>
+          <p:cNvSpPr txBox="1"/>
+          <p:nvPr/>
+        </p:nvSpPr>
+        <p:spPr>
+          <a:xfrm>
+            <a:off x="457200" y="980640"/>
+            <a:ext cx="8229240" cy="5328360"/>
+          </a:xfrm>
+          <a:prstGeom prst="rect">
+            <a:avLst/>
+          </a:prstGeom>
+          <a:noFill/>
+          <a:ln>
+            <a:noFill/>
+          </a:ln>
+        </p:spPr>
+        <p:txBody>
+          <a:bodyPr/>
+          <a:lstStyle/>
+          <a:p>
+            <a:pPr algn="ctr">
+              <a:lnSpc>
+                <a:spcPct val="100000"/>
+              </a:lnSpc>
+            </a:pPr>
+            <a:r>
+              <a:rPr lang="fr-FR" sz="2800" b="1" strike="noStrike" dirty="0">
+                <a:solidFill>
+                  <a:schemeClr val="tx2">
+                    <a:lumMod val="75000"/>
+                  </a:schemeClr>
+                </a:solidFill>
+                <a:latin typeface="Arial"/>
+              </a:rPr>
+              <a:t>Planning MS Project</a:t>
+            </a:r>
+            <a:endParaRPr dirty="0">
+              <a:solidFill>
+                <a:schemeClr val="tx2">
+                  <a:lumMod val="75000"/>
+                </a:schemeClr>
+              </a:solidFill>
+            </a:endParaRPr>
+          </a:p>
+          <a:p>
+            <a:pPr>
+              <a:lnSpc>
+                <a:spcPct val="100000"/>
+              </a:lnSpc>
+            </a:pPr>
+            <a:endParaRPr dirty="0"/>
+          </a:p>
+          <a:p>
+            <a:pPr>
+              <a:lnSpc>
+                <a:spcPct val="100000"/>
+              </a:lnSpc>
+            </a:pPr>
+            <a:endParaRPr dirty="0"/>
+          </a:p>
+          <a:p>
+            <a:pPr>
+              <a:lnSpc>
+                <a:spcPct val="100000"/>
+              </a:lnSpc>
+            </a:pPr>
+            <a:endParaRPr dirty="0"/>
+          </a:p>
+          <a:p>
+            <a:pPr algn="ctr">
+              <a:lnSpc>
+                <a:spcPct val="100000"/>
+              </a:lnSpc>
+            </a:pPr>
+            <a:r>
+              <a:rPr lang="fr-FR" sz="2000" b="1" strike="noStrike" dirty="0" err="1">
+                <a:solidFill>
+                  <a:srgbClr val="004D6F"/>
+                </a:solidFill>
+                <a:latin typeface="Arial"/>
+              </a:rPr>
+              <a:t>Bô</a:t>
+            </a:r>
+            <a:r>
+              <a:rPr lang="fr-FR" sz="2000" b="1" strike="noStrike" dirty="0">
+                <a:solidFill>
+                  <a:srgbClr val="004D6F"/>
+                </a:solidFill>
+                <a:latin typeface="Arial"/>
+              </a:rPr>
+              <a:t> schéma qui lèche les boules</a:t>
+            </a:r>
+            <a:endParaRPr dirty="0"/>
+          </a:p>
+          <a:p>
+            <a:pPr>
+              <a:lnSpc>
+                <a:spcPct val="100000"/>
+              </a:lnSpc>
+            </a:pPr>
+            <a:endParaRPr dirty="0"/>
+          </a:p>
+        </p:txBody>
+      </p:sp>
+      <p:pic>
+        <p:nvPicPr>
+          <p:cNvPr id="2" name="Picture 1"/>
+          <p:cNvPicPr>
+            <a:picLocks noChangeAspect="1"/>
+          </p:cNvPicPr>
+          <p:nvPr/>
+        </p:nvPicPr>
+        <p:blipFill>
+          <a:blip r:embed="rId2" cstate="print">
+            <a:extLst>
+              <a:ext uri="{28A0092B-C50C-407E-A947-70E740481C1C}">
+                <a14:useLocalDpi xmlns:a14="http://schemas.microsoft.com/office/drawing/2010/main" val="0"/>
+              </a:ext>
+            </a:extLst>
+          </a:blip>
+          <a:stretch>
+            <a:fillRect/>
+          </a:stretch>
+        </p:blipFill>
+        <p:spPr>
+          <a:xfrm>
+            <a:off x="0" y="1614038"/>
+            <a:ext cx="9144000" cy="3629923"/>
+          </a:xfrm>
+          <a:prstGeom prst="rect">
+            <a:avLst/>
+          </a:prstGeom>
+        </p:spPr>
+      </p:pic>
+      <p:sp>
+        <p:nvSpPr>
+          <p:cNvPr id="6" name="TextShape 1"/>
+          <p:cNvSpPr txBox="1"/>
+          <p:nvPr/>
+        </p:nvSpPr>
+        <p:spPr>
+          <a:xfrm>
+            <a:off x="1763688" y="116632"/>
+            <a:ext cx="3528392" cy="488142"/>
+          </a:xfrm>
+          <a:prstGeom prst="rect">
+            <a:avLst/>
+          </a:prstGeom>
+          <a:noFill/>
+          <a:ln>
+            <a:noFill/>
+          </a:ln>
+        </p:spPr>
+        <p:txBody>
+          <a:bodyPr anchor="ctr"/>
+          <a:lstStyle/>
+          <a:p>
+            <a:pPr>
+              <a:lnSpc>
+                <a:spcPct val="100000"/>
+              </a:lnSpc>
+            </a:pPr>
+            <a:r>
+              <a:rPr lang="fr-FR" sz="2000" b="1" dirty="0" smtClean="0">
+                <a:solidFill>
+                  <a:srgbClr val="004D6F"/>
+                </a:solidFill>
+              </a:rPr>
+              <a:t>Planification</a:t>
+            </a:r>
+            <a:endParaRPr sz="2000" dirty="0">
+              <a:solidFill>
+                <a:schemeClr val="accent4">
+                  <a:lumMod val="75000"/>
+                </a:schemeClr>
+              </a:solidFill>
+            </a:endParaRPr>
+          </a:p>
+        </p:txBody>
+      </p:sp>
+    </p:spTree>
+  </p:cSld>
+  <p:clrMapOvr>
+    <a:masterClrMapping/>
+  </p:clrMapOvr>
+  <mc:AlternateContent xmlns:mc="http://schemas.openxmlformats.org/markup-compatibility/2006" xmlns:p14="http://schemas.microsoft.com/office/powerpoint/2010/main">
+    <mc:Choice Requires="p14">
+      <p:transition p14:dur="250" advTm="1259">
+        <p:pull/>
+      </p:transition>
+    </mc:Choice>
+    <mc:Fallback xmlns="">
+      <p:transition advTm="1259">
+        <p:pull/>
+      </p:transition>
+    </mc:Fallback>
+  </mc:AlternateContent>
+  <p:timing>
+    <p:tnLst>
+      <p:par>
+        <p:cTn id="1" dur="indefinite" restart="never" nodeType="tmRoot"/>
+      </p:par>
+    </p:tnLst>
+  </p:timing>
+</p:sld>
+</file>
+
+<file path=ppt/slides/slide24.xml><?xml version="1.0" encoding="utf-8"?>
+<p:sld xmlns:a="http://schemas.openxmlformats.org/drawingml/2006/main" xmlns:r="http://schemas.openxmlformats.org/officeDocument/2006/relationships" xmlns:p="http://schemas.openxmlformats.org/presentationml/2006/main">
+  <p:cSld>
+    <p:spTree>
+      <p:nvGrpSpPr>
+        <p:cNvPr id="1" name=""/>
+        <p:cNvGrpSpPr/>
+        <p:nvPr/>
+      </p:nvGrpSpPr>
+      <p:grpSpPr>
+        <a:xfrm>
+          <a:off x="0" y="0"/>
+          <a:ext cx="0" cy="0"/>
+          <a:chOff x="0" y="0"/>
+          <a:chExt cx="0" cy="0"/>
+        </a:xfrm>
+      </p:grpSpPr>
+      <p:sp>
+        <p:nvSpPr>
+          <p:cNvPr id="134" name="TextShape 1"/>
+          <p:cNvSpPr txBox="1"/>
+          <p:nvPr/>
+        </p:nvSpPr>
+        <p:spPr>
+          <a:xfrm>
+            <a:off x="1763640" y="92160"/>
+            <a:ext cx="6460560" cy="571320"/>
+          </a:xfrm>
+          <a:prstGeom prst="rect">
+            <a:avLst/>
+          </a:prstGeom>
+          <a:noFill/>
+          <a:ln>
+            <a:noFill/>
+          </a:ln>
+        </p:spPr>
+        <p:txBody>
+          <a:bodyPr anchor="ctr"/>
+          <a:lstStyle/>
+          <a:p>
+            <a:endParaRPr/>
+          </a:p>
+        </p:txBody>
+      </p:sp>
+      <p:sp>
+        <p:nvSpPr>
+          <p:cNvPr id="135" name="TextShape 2"/>
+          <p:cNvSpPr txBox="1"/>
+          <p:nvPr/>
+        </p:nvSpPr>
+        <p:spPr>
+          <a:xfrm>
+            <a:off x="457200" y="2781000"/>
+            <a:ext cx="8229240" cy="3528000"/>
+          </a:xfrm>
+          <a:prstGeom prst="rect">
+            <a:avLst/>
+          </a:prstGeom>
+          <a:noFill/>
+          <a:ln>
+            <a:noFill/>
+          </a:ln>
+        </p:spPr>
+        <p:txBody>
+          <a:bodyPr/>
+          <a:lstStyle/>
+          <a:p>
+            <a:pPr algn="ctr">
+              <a:lnSpc>
+                <a:spcPct val="100000"/>
+              </a:lnSpc>
+            </a:pPr>
+            <a:r>
+              <a:rPr lang="fr-FR" sz="5400" b="1" strike="noStrike" dirty="0" smtClean="0">
+                <a:solidFill>
+                  <a:srgbClr val="004D6F"/>
+                </a:solidFill>
+                <a:latin typeface="Arial"/>
+              </a:rPr>
+              <a:t>Conclusion</a:t>
+            </a:r>
+            <a:endParaRPr dirty="0"/>
+          </a:p>
+        </p:txBody>
+      </p:sp>
+    </p:spTree>
+    <p:extLst>
+      <p:ext uri="{BB962C8B-B14F-4D97-AF65-F5344CB8AC3E}">
+        <p14:creationId xmlns:p14="http://schemas.microsoft.com/office/powerpoint/2010/main" val="1585855229"/>
+      </p:ext>
+    </p:extLst>
+  </p:cSld>
+  <p:clrMapOvr>
+    <a:masterClrMapping/>
+  </p:clrMapOvr>
+  <mc:AlternateContent xmlns:mc="http://schemas.openxmlformats.org/markup-compatibility/2006" xmlns:p14="http://schemas.microsoft.com/office/powerpoint/2010/main">
+    <mc:Choice Requires="p14">
+      <p:transition spd="slow" p14:dur="1500" advTm="594">
+        <p14:vortex dir="r"/>
+      </p:transition>
+    </mc:Choice>
+    <mc:Fallback xmlns="">
+      <p:transition spd="slow" advTm="594">
+        <p:fade/>
+      </p:transition>
+    </mc:Fallback>
+  </mc:AlternateContent>
+  <p:timing>
+    <p:tnLst>
+      <p:par>
+        <p:cTn id="1" dur="indefinite" restart="never" nodeType="tmRoot"/>
+      </p:par>
+    </p:tnLst>
+  </p:timing>
+</p:sld>
+</file>
+
+<file path=ppt/slides/slide25.xml><?xml version="1.0" encoding="utf-8"?>
+<p:sld xmlns:a="http://schemas.openxmlformats.org/drawingml/2006/main" xmlns:r="http://schemas.openxmlformats.org/officeDocument/2006/relationships" xmlns:p="http://schemas.openxmlformats.org/presentationml/2006/main">
+  <p:cSld>
+    <p:spTree>
+      <p:nvGrpSpPr>
+        <p:cNvPr id="1" name=""/>
+        <p:cNvGrpSpPr/>
+        <p:nvPr/>
+      </p:nvGrpSpPr>
+      <p:grpSpPr>
+        <a:xfrm>
+          <a:off x="0" y="0"/>
+          <a:ext cx="0" cy="0"/>
+          <a:chOff x="0" y="0"/>
+          <a:chExt cx="0" cy="0"/>
+        </a:xfrm>
+      </p:grpSpPr>
+      <p:sp>
+        <p:nvSpPr>
           <p:cNvPr id="154" name="TextShape 1"/>
           <p:cNvSpPr txBox="1"/>
           <p:nvPr/>
@@ -10219,8 +11901,8 @@
         </p:nvSpPr>
         <p:spPr>
           <a:xfrm>
-            <a:off x="2871053" y="807295"/>
-            <a:ext cx="3401893" cy="461665"/>
+            <a:off x="2169740" y="807295"/>
+            <a:ext cx="4804520" cy="584775"/>
           </a:xfrm>
           <a:prstGeom prst="rect">
             <a:avLst/>
@@ -10235,10 +11917,22 @@
           <a:p>
             <a:pPr algn="ctr"/>
             <a:r>
-              <a:rPr lang="fr-FR" sz="2400" dirty="0" smtClean="0"/>
+              <a:rPr lang="fr-FR" sz="3200" b="1" dirty="0" smtClean="0">
+                <a:solidFill>
+                  <a:schemeClr val="tx2">
+                    <a:lumMod val="75000"/>
+                  </a:schemeClr>
+                </a:solidFill>
+              </a:rPr>
               <a:t>Merci de votre attention</a:t>
             </a:r>
-            <a:endParaRPr lang="fr-FR" sz="2400" dirty="0"/>
+            <a:endParaRPr lang="fr-FR" sz="3200" b="1" dirty="0">
+              <a:solidFill>
+                <a:schemeClr val="tx2">
+                  <a:lumMod val="75000"/>
+                </a:schemeClr>
+              </a:solidFill>
+            </a:endParaRPr>
           </a:p>
         </p:txBody>
       </p:sp>
@@ -10249,12 +11943,12 @@
   </p:clrMapOvr>
   <mc:AlternateContent xmlns:mc="http://schemas.openxmlformats.org/markup-compatibility/2006" xmlns:p14="http://schemas.microsoft.com/office/powerpoint/2010/main">
     <mc:Choice Requires="p14">
-      <p:transition spd="slow" p14:dur="7500">
+      <p:transition spd="slow" p14:dur="7500" advTm="2716">
         <p14:honeycomb/>
       </p:transition>
     </mc:Choice>
     <mc:Fallback xmlns="">
-      <p:transition spd="slow">
+      <p:transition spd="slow" advTm="2716">
         <p:fade/>
       </p:transition>
     </mc:Fallback>
@@ -10286,47 +11980,6 @@
           <a:chExt cx="0" cy="0"/>
         </a:xfrm>
       </p:grpSpPr>
-      <p:sp>
-        <p:nvSpPr>
-          <p:cNvPr id="113" name="TextShape 1"/>
-          <p:cNvSpPr txBox="1"/>
-          <p:nvPr/>
-        </p:nvSpPr>
-        <p:spPr>
-          <a:xfrm>
-            <a:off x="1763640" y="92160"/>
-            <a:ext cx="6460560" cy="571320"/>
-          </a:xfrm>
-          <a:prstGeom prst="rect">
-            <a:avLst/>
-          </a:prstGeom>
-          <a:noFill/>
-          <a:ln>
-            <a:noFill/>
-          </a:ln>
-        </p:spPr>
-        <p:txBody>
-          <a:bodyPr anchor="ctr"/>
-          <a:lstStyle/>
-          <a:p>
-            <a:pPr algn="ctr">
-              <a:lnSpc>
-                <a:spcPct val="100000"/>
-              </a:lnSpc>
-            </a:pPr>
-            <a:r>
-              <a:rPr lang="fr-FR" sz="1600" b="1" strike="noStrike" dirty="0" smtClean="0">
-                <a:solidFill>
-                  <a:srgbClr val="4F4D50"/>
-                </a:solidFill>
-                <a:latin typeface="Arial"/>
-              </a:rPr>
-              <a:t>Introduction</a:t>
-            </a:r>
-            <a:endParaRPr dirty="0"/>
-          </a:p>
-        </p:txBody>
-      </p:sp>
       <p:pic>
         <p:nvPicPr>
           <p:cNvPr id="3" name="Picture 2"/>
@@ -10380,6 +12033,52 @@
           </a:sp3d>
         </p:spPr>
       </p:pic>
+      <p:sp>
+        <p:nvSpPr>
+          <p:cNvPr id="4" name="TextShape 1"/>
+          <p:cNvSpPr txBox="1"/>
+          <p:nvPr/>
+        </p:nvSpPr>
+        <p:spPr>
+          <a:xfrm>
+            <a:off x="1763688" y="116632"/>
+            <a:ext cx="3528392" cy="488142"/>
+          </a:xfrm>
+          <a:prstGeom prst="rect">
+            <a:avLst/>
+          </a:prstGeom>
+          <a:noFill/>
+          <a:ln>
+            <a:noFill/>
+          </a:ln>
+        </p:spPr>
+        <p:txBody>
+          <a:bodyPr anchor="ctr"/>
+          <a:lstStyle/>
+          <a:p>
+            <a:pPr>
+              <a:lnSpc>
+                <a:spcPct val="100000"/>
+              </a:lnSpc>
+            </a:pPr>
+            <a:r>
+              <a:rPr lang="fr-FR" sz="2000" b="1" dirty="0" smtClean="0">
+                <a:solidFill>
+                  <a:srgbClr val="004D6F"/>
+                </a:solidFill>
+              </a:rPr>
+              <a:t>Introduction</a:t>
+            </a:r>
+            <a:endParaRPr sz="2000" dirty="0">
+              <a:solidFill>
+                <a:schemeClr val="accent4">
+                  <a:lumMod val="75000"/>
+                </a:schemeClr>
+              </a:solidFill>
+            </a:endParaRPr>
+          </a:p>
+        </p:txBody>
+      </p:sp>
     </p:spTree>
   </p:cSld>
   <p:clrMapOvr>
@@ -10387,12 +12086,12 @@
   </p:clrMapOvr>
   <mc:AlternateContent xmlns:mc="http://schemas.openxmlformats.org/markup-compatibility/2006" xmlns:p14="http://schemas.microsoft.com/office/powerpoint/2010/main">
     <mc:Choice Requires="p14">
-      <p:transition p14:dur="250">
+      <p:transition p14:dur="250" advTm="4315">
         <p:pull/>
       </p:transition>
     </mc:Choice>
     <mc:Fallback xmlns="">
-      <p:transition>
+      <p:transition advTm="4315">
         <p:pull/>
       </p:transition>
     </mc:Fallback>
@@ -10400,27 +12099,7 @@
   <p:timing>
     <p:tnLst>
       <p:par>
-        <p:cTn id="1" dur="indefinite" restart="never" nodeType="tmRoot">
-          <p:childTnLst>
-            <p:seq>
-              <p:cTn id="2" nodeType="mainSeq"/>
-              <p:prevCondLst>
-                <p:cond evt="onPrev" delay="0">
-                  <p:tgtEl>
-                    <p:sldTgt/>
-                  </p:tgtEl>
-                </p:cond>
-              </p:prevCondLst>
-              <p:nextCondLst>
-                <p:cond evt="onNext" delay="0">
-                  <p:tgtEl>
-                    <p:sldTgt/>
-                  </p:tgtEl>
-                </p:cond>
-              </p:nextCondLst>
-            </p:seq>
-          </p:childTnLst>
-        </p:cTn>
+        <p:cTn id="1" dur="indefinite" restart="never" nodeType="tmRoot"/>
       </p:par>
     </p:tnLst>
   </p:timing>
@@ -10444,47 +12123,6 @@
           <a:chExt cx="0" cy="0"/>
         </a:xfrm>
       </p:grpSpPr>
-      <p:sp>
-        <p:nvSpPr>
-          <p:cNvPr id="115" name="TextShape 1"/>
-          <p:cNvSpPr txBox="1"/>
-          <p:nvPr/>
-        </p:nvSpPr>
-        <p:spPr>
-          <a:xfrm>
-            <a:off x="1763640" y="92160"/>
-            <a:ext cx="6460560" cy="571320"/>
-          </a:xfrm>
-          <a:prstGeom prst="rect">
-            <a:avLst/>
-          </a:prstGeom>
-          <a:noFill/>
-          <a:ln>
-            <a:noFill/>
-          </a:ln>
-        </p:spPr>
-        <p:txBody>
-          <a:bodyPr anchor="ctr"/>
-          <a:lstStyle/>
-          <a:p>
-            <a:pPr algn="ctr">
-              <a:lnSpc>
-                <a:spcPct val="100000"/>
-              </a:lnSpc>
-            </a:pPr>
-            <a:r>
-              <a:rPr lang="fr-FR" sz="1600" b="1" strike="noStrike" dirty="0" smtClean="0">
-                <a:solidFill>
-                  <a:srgbClr val="4F4D50"/>
-                </a:solidFill>
-                <a:latin typeface="Arial"/>
-              </a:rPr>
-              <a:t>Introduction</a:t>
-            </a:r>
-            <a:endParaRPr dirty="0"/>
-          </a:p>
-        </p:txBody>
-      </p:sp>
       <p:pic>
         <p:nvPicPr>
           <p:cNvPr id="116" name="Espace réservé du contenu 3"/>
@@ -10497,7 +12135,7 @@
         </p:blipFill>
         <p:spPr>
           <a:xfrm>
-            <a:off x="395640" y="1124640"/>
+            <a:off x="452208" y="1700808"/>
             <a:ext cx="8229240" cy="4066920"/>
           </a:xfrm>
           <a:prstGeom prst="rect">
@@ -10510,14 +12148,14 @@
       </p:pic>
       <p:sp>
         <p:nvSpPr>
-          <p:cNvPr id="117" name="CustomShape 2"/>
-          <p:cNvSpPr/>
+          <p:cNvPr id="5" name="TextShape 1"/>
+          <p:cNvSpPr txBox="1"/>
           <p:nvPr/>
         </p:nvSpPr>
         <p:spPr>
           <a:xfrm>
-            <a:off x="2267640" y="5445360"/>
-            <a:ext cx="4968360" cy="364680"/>
+            <a:off x="1763688" y="116632"/>
+            <a:ext cx="3528392" cy="488142"/>
           </a:xfrm>
           <a:prstGeom prst="rect">
             <a:avLst/>
@@ -10527,20 +12165,54 @@
             <a:noFill/>
           </a:ln>
         </p:spPr>
-        <p:style>
-          <a:lnRef idx="0">
-            <a:scrgbClr r="0" g="0" b="0"/>
-          </a:lnRef>
-          <a:fillRef idx="0">
-            <a:scrgbClr r="0" g="0" b="0"/>
-          </a:fillRef>
-          <a:effectRef idx="0">
-            <a:scrgbClr r="0" g="0" b="0"/>
-          </a:effectRef>
-          <a:fontRef idx="minor"/>
-        </p:style>
-        <p:txBody>
-          <a:bodyPr lIns="90000" tIns="45000" rIns="90000" bIns="45000"/>
+        <p:txBody>
+          <a:bodyPr anchor="ctr"/>
+          <a:lstStyle/>
+          <a:p>
+            <a:pPr>
+              <a:lnSpc>
+                <a:spcPct val="100000"/>
+              </a:lnSpc>
+            </a:pPr>
+            <a:r>
+              <a:rPr lang="fr-FR" sz="2000" b="1" dirty="0" smtClean="0">
+                <a:solidFill>
+                  <a:srgbClr val="004D6F"/>
+                </a:solidFill>
+              </a:rPr>
+              <a:t>Introduction</a:t>
+            </a:r>
+            <a:endParaRPr sz="2000" dirty="0">
+              <a:solidFill>
+                <a:schemeClr val="accent4">
+                  <a:lumMod val="75000"/>
+                </a:schemeClr>
+              </a:solidFill>
+            </a:endParaRPr>
+          </a:p>
+        </p:txBody>
+      </p:sp>
+      <p:sp>
+        <p:nvSpPr>
+          <p:cNvPr id="6" name="TextShape 2"/>
+          <p:cNvSpPr txBox="1"/>
+          <p:nvPr/>
+        </p:nvSpPr>
+        <p:spPr>
+          <a:xfrm>
+            <a:off x="457200" y="980640"/>
+            <a:ext cx="8219256" cy="576152"/>
+          </a:xfrm>
+          <a:prstGeom prst="rect">
+            <a:avLst/>
+          </a:prstGeom>
+          <a:noFill/>
+          <a:ln>
+            <a:noFill/>
+          </a:ln>
+        </p:spPr>
+        <p:txBody>
+          <a:bodyPr/>
           <a:lstStyle/>
           <a:p>
             <a:pPr algn="ctr">
@@ -10549,15 +12221,76 @@
               </a:lnSpc>
             </a:pPr>
             <a:r>
-              <a:rPr lang="fr-FR" strike="noStrike">
-                <a:solidFill>
-                  <a:srgbClr val="2F2F2F"/>
+              <a:rPr lang="fr-FR" sz="2800" b="1" strike="noStrike" dirty="0" smtClean="0">
+                <a:solidFill>
+                  <a:schemeClr val="tx2">
+                    <a:lumMod val="75000"/>
+                  </a:schemeClr>
                 </a:solidFill>
                 <a:latin typeface="Arial"/>
               </a:rPr>
-              <a:t>Arbre d’attaque et de défense</a:t>
-            </a:r>
-            <a:endParaRPr/>
+              <a:t>Arbres d’attaque et de défense</a:t>
+            </a:r>
+            <a:endParaRPr dirty="0">
+              <a:solidFill>
+                <a:schemeClr val="tx2">
+                  <a:lumMod val="75000"/>
+                </a:schemeClr>
+              </a:solidFill>
+            </a:endParaRPr>
+          </a:p>
+          <a:p>
+            <a:pPr algn="ctr">
+              <a:lnSpc>
+                <a:spcPct val="100000"/>
+              </a:lnSpc>
+            </a:pPr>
+            <a:endParaRPr dirty="0">
+              <a:solidFill>
+                <a:schemeClr val="tx2">
+                  <a:lumMod val="75000"/>
+                </a:schemeClr>
+              </a:solidFill>
+            </a:endParaRPr>
+          </a:p>
+          <a:p>
+            <a:pPr>
+              <a:lnSpc>
+                <a:spcPct val="100000"/>
+              </a:lnSpc>
+            </a:pPr>
+            <a:r>
+              <a:rPr lang="fr-FR" sz="2000" b="1" strike="noStrike" dirty="0">
+                <a:solidFill>
+                  <a:schemeClr val="accent2">
+                    <a:lumMod val="75000"/>
+                  </a:schemeClr>
+                </a:solidFill>
+                <a:latin typeface="Arial"/>
+              </a:rPr>
+              <a:t>	</a:t>
+            </a:r>
+            <a:endParaRPr lang="en-US" dirty="0" smtClean="0">
+              <a:solidFill>
+                <a:schemeClr val="tx2">
+                  <a:lumMod val="75000"/>
+                </a:schemeClr>
+              </a:solidFill>
+            </a:endParaRPr>
+          </a:p>
+          <a:p>
+            <a:pPr>
+              <a:lnSpc>
+                <a:spcPct val="100000"/>
+              </a:lnSpc>
+            </a:pPr>
+            <a:endParaRPr lang="en-US" dirty="0">
+              <a:solidFill>
+                <a:schemeClr val="tx2">
+                  <a:lumMod val="75000"/>
+                </a:schemeClr>
+              </a:solidFill>
+            </a:endParaRPr>
           </a:p>
         </p:txBody>
       </p:sp>
@@ -10568,12 +12301,12 @@
   </p:clrMapOvr>
   <mc:AlternateContent xmlns:mc="http://schemas.openxmlformats.org/markup-compatibility/2006" xmlns:p14="http://schemas.microsoft.com/office/powerpoint/2010/main">
     <mc:Choice Requires="p14">
-      <p:transition p14:dur="250">
+      <p:transition p14:dur="250" advTm="5602">
         <p:pull/>
       </p:transition>
     </mc:Choice>
     <mc:Fallback xmlns="">
-      <p:transition>
+      <p:transition advTm="5602">
         <p:pull/>
       </p:transition>
     </mc:Fallback>
@@ -10581,27 +12314,7 @@
   <p:timing>
     <p:tnLst>
       <p:par>
-        <p:cTn id="1" dur="indefinite" restart="never" nodeType="tmRoot">
-          <p:childTnLst>
-            <p:seq>
-              <p:cTn id="2" nodeType="mainSeq"/>
-              <p:prevCondLst>
-                <p:cond evt="onPrev" delay="0">
-                  <p:tgtEl>
-                    <p:sldTgt/>
-                  </p:tgtEl>
-                </p:cond>
-              </p:prevCondLst>
-              <p:nextCondLst>
-                <p:cond evt="onNext" delay="0">
-                  <p:tgtEl>
-                    <p:sldTgt/>
-                  </p:tgtEl>
-                </p:cond>
-              </p:nextCondLst>
-            </p:seq>
-          </p:childTnLst>
-        </p:cTn>
+        <p:cTn id="1" dur="indefinite" restart="never" nodeType="tmRoot"/>
       </p:par>
     </p:tnLst>
   </p:timing>
@@ -10627,14 +12340,14 @@
       </p:grpSpPr>
       <p:sp>
         <p:nvSpPr>
-          <p:cNvPr id="108" name="TextShape 1"/>
+          <p:cNvPr id="4" name="TextShape 2"/>
           <p:cNvSpPr txBox="1"/>
           <p:nvPr/>
         </p:nvSpPr>
         <p:spPr>
           <a:xfrm>
-            <a:off x="1763640" y="92160"/>
-            <a:ext cx="6460560" cy="571320"/>
+            <a:off x="0" y="332656"/>
+            <a:ext cx="9144000" cy="504056"/>
           </a:xfrm>
           <a:prstGeom prst="rect">
             <a:avLst/>
@@ -10645,39 +12358,62 @@
           </a:ln>
         </p:spPr>
         <p:txBody>
-          <a:bodyPr anchor="ctr"/>
-          <a:lstStyle/>
-          <a:p>
-            <a:pPr algn="ctr"/>
-            <a:r>
-              <a:rPr lang="en-US" sz="2800" dirty="0" err="1" smtClean="0"/>
+          <a:bodyPr/>
+          <a:lstStyle/>
+          <a:p>
+            <a:pPr algn="ctr">
+              <a:lnSpc>
+                <a:spcPct val="100000"/>
+              </a:lnSpc>
+            </a:pPr>
+            <a:r>
+              <a:rPr lang="fr-FR" sz="2800" b="1" strike="noStrike" dirty="0" smtClean="0">
+                <a:solidFill>
+                  <a:schemeClr val="tx2">
+                    <a:lumMod val="75000"/>
+                  </a:schemeClr>
+                </a:solidFill>
+                <a:latin typeface="Arial"/>
+              </a:rPr>
               <a:t>Sommaire</a:t>
             </a:r>
+            <a:endParaRPr dirty="0">
+              <a:solidFill>
+                <a:schemeClr val="tx2">
+                  <a:lumMod val="75000"/>
+                </a:schemeClr>
+              </a:solidFill>
+            </a:endParaRPr>
+          </a:p>
+          <a:p>
+            <a:pPr algn="ctr">
+              <a:lnSpc>
+                <a:spcPct val="100000"/>
+              </a:lnSpc>
+            </a:pPr>
             <a:endParaRPr dirty="0"/>
           </a:p>
         </p:txBody>
       </p:sp>
       <p:sp>
         <p:nvSpPr>
-          <p:cNvPr id="109" name="TextShape 2"/>
-          <p:cNvSpPr txBox="1"/>
+          <p:cNvPr id="2" name="Rectangle 1"/>
+          <p:cNvSpPr/>
           <p:nvPr/>
         </p:nvSpPr>
         <p:spPr>
           <a:xfrm>
-            <a:off x="457200" y="980640"/>
-            <a:ext cx="8229240" cy="5328360"/>
-          </a:xfrm>
-          <a:prstGeom prst="rect">
-            <a:avLst/>
-          </a:prstGeom>
-          <a:noFill/>
-          <a:ln>
-            <a:noFill/>
-          </a:ln>
-        </p:spPr>
-        <p:txBody>
-          <a:bodyPr/>
+            <a:off x="539552" y="836712"/>
+            <a:ext cx="4572000" cy="2285241"/>
+          </a:xfrm>
+          <a:prstGeom prst="rect">
+            <a:avLst/>
+          </a:prstGeom>
+        </p:spPr>
+        <p:txBody>
+          <a:bodyPr>
+            <a:spAutoFit/>
+          </a:bodyPr>
           <a:lstStyle/>
           <a:p>
             <a:pPr>
@@ -10686,15 +12422,14 @@
               </a:lnSpc>
             </a:pPr>
             <a:r>
-              <a:rPr lang="fr-FR" sz="2000" b="1" strike="noStrike" dirty="0" smtClean="0">
+              <a:rPr lang="fr-FR" sz="2000" b="1" dirty="0">
                 <a:solidFill>
                   <a:srgbClr val="004D6F"/>
                 </a:solidFill>
-                <a:latin typeface="Arial"/>
               </a:rPr>
               <a:t>Contexte</a:t>
             </a:r>
-            <a:endParaRPr dirty="0"/>
+            <a:endParaRPr lang="fr-FR" dirty="0"/>
           </a:p>
           <a:p>
             <a:pPr lvl="1">
@@ -10703,15 +12438,22 @@
               </a:lnSpc>
             </a:pPr>
             <a:r>
-              <a:rPr lang="fr-FR" sz="1500" b="1" strike="noStrike" dirty="0">
-                <a:solidFill>
-                  <a:srgbClr val="4F4D50"/>
-                </a:solidFill>
-                <a:latin typeface="Arial"/>
+              <a:rPr lang="fr-FR" sz="1500" b="1" dirty="0">
+                <a:solidFill>
+                  <a:schemeClr val="tx2">
+                    <a:lumMod val="75000"/>
+                  </a:schemeClr>
+                </a:solidFill>
               </a:rPr>
               <a:t>Acteurs</a:t>
             </a:r>
-            <a:endParaRPr dirty="0"/>
+            <a:endParaRPr lang="fr-FR" dirty="0">
+              <a:solidFill>
+                <a:schemeClr val="tx2">
+                  <a:lumMod val="75000"/>
+                </a:schemeClr>
+              </a:solidFill>
+            </a:endParaRPr>
           </a:p>
           <a:p>
             <a:pPr lvl="1">
@@ -10720,15 +12462,22 @@
               </a:lnSpc>
             </a:pPr>
             <a:r>
-              <a:rPr lang="fr-FR" sz="1500" b="1" strike="noStrike" dirty="0">
-                <a:solidFill>
-                  <a:srgbClr val="4F4D50"/>
-                </a:solidFill>
-                <a:latin typeface="Arial"/>
+              <a:rPr lang="fr-FR" sz="1500" b="1" dirty="0">
+                <a:solidFill>
+                  <a:schemeClr val="tx2">
+                    <a:lumMod val="75000"/>
+                  </a:schemeClr>
+                </a:solidFill>
               </a:rPr>
               <a:t>Périmètre fonctionnel</a:t>
             </a:r>
-            <a:endParaRPr dirty="0"/>
+            <a:endParaRPr lang="fr-FR" dirty="0">
+              <a:solidFill>
+                <a:schemeClr val="tx2">
+                  <a:lumMod val="75000"/>
+                </a:schemeClr>
+              </a:solidFill>
+            </a:endParaRPr>
           </a:p>
           <a:p>
             <a:pPr lvl="1">
@@ -10737,24 +12486,22 @@
               </a:lnSpc>
             </a:pPr>
             <a:r>
-              <a:rPr lang="fr-FR" sz="1500" b="1" strike="noStrike" dirty="0" smtClean="0">
-                <a:solidFill>
-                  <a:srgbClr val="4F4D50"/>
-                </a:solidFill>
-                <a:latin typeface="Arial"/>
-              </a:rPr>
-              <a:t>Éléments </a:t>
-            </a:r>
-            <a:r>
-              <a:rPr lang="fr-FR" sz="1500" b="1" strike="noStrike" dirty="0">
-                <a:solidFill>
-                  <a:srgbClr val="4F4D50"/>
-                </a:solidFill>
-                <a:latin typeface="Arial"/>
-              </a:rPr>
-              <a:t>d’entrée</a:t>
-            </a:r>
-            <a:endParaRPr dirty="0"/>
+              <a:rPr lang="fr-FR" sz="1500" b="1" dirty="0">
+                <a:solidFill>
+                  <a:schemeClr val="tx2">
+                    <a:lumMod val="75000"/>
+                  </a:schemeClr>
+                </a:solidFill>
+              </a:rPr>
+              <a:t>Éléments d’entrée</a:t>
+            </a:r>
+            <a:endParaRPr lang="fr-FR" dirty="0">
+              <a:solidFill>
+                <a:schemeClr val="tx2">
+                  <a:lumMod val="75000"/>
+                </a:schemeClr>
+              </a:solidFill>
+            </a:endParaRPr>
           </a:p>
           <a:p>
             <a:pPr lvl="1">
@@ -10763,15 +12510,22 @@
               </a:lnSpc>
             </a:pPr>
             <a:r>
-              <a:rPr lang="fr-FR" sz="1500" b="1" strike="noStrike" dirty="0">
-                <a:solidFill>
-                  <a:srgbClr val="4F4D50"/>
-                </a:solidFill>
-                <a:latin typeface="Arial"/>
+              <a:rPr lang="fr-FR" sz="1500" b="1" dirty="0">
+                <a:solidFill>
+                  <a:schemeClr val="tx2">
+                    <a:lumMod val="75000"/>
+                  </a:schemeClr>
+                </a:solidFill>
               </a:rPr>
               <a:t>Périmètre de qualification</a:t>
             </a:r>
-            <a:endParaRPr dirty="0"/>
+            <a:endParaRPr lang="fr-FR" dirty="0">
+              <a:solidFill>
+                <a:schemeClr val="tx2">
+                  <a:lumMod val="75000"/>
+                </a:schemeClr>
+              </a:solidFill>
+            </a:endParaRPr>
           </a:p>
           <a:p>
             <a:pPr lvl="1">
@@ -10780,16 +12534,45 @@
               </a:lnSpc>
             </a:pPr>
             <a:r>
-              <a:rPr lang="fr-FR" sz="1500" b="1" strike="noStrike" dirty="0">
-                <a:solidFill>
-                  <a:srgbClr val="4F4D50"/>
-                </a:solidFill>
-                <a:latin typeface="Arial"/>
+              <a:rPr lang="fr-FR" sz="1500" b="1" dirty="0">
+                <a:solidFill>
+                  <a:schemeClr val="tx2">
+                    <a:lumMod val="75000"/>
+                  </a:schemeClr>
+                </a:solidFill>
               </a:rPr>
               <a:t>Calendrier</a:t>
             </a:r>
-            <a:endParaRPr dirty="0"/>
-          </a:p>
+            <a:endParaRPr lang="fr-FR" dirty="0">
+              <a:solidFill>
+                <a:schemeClr val="tx2">
+                  <a:lumMod val="75000"/>
+                </a:schemeClr>
+              </a:solidFill>
+            </a:endParaRPr>
+          </a:p>
+        </p:txBody>
+      </p:sp>
+      <p:sp>
+        <p:nvSpPr>
+          <p:cNvPr id="3" name="Rectangle 2"/>
+          <p:cNvSpPr/>
+          <p:nvPr/>
+        </p:nvSpPr>
+        <p:spPr>
+          <a:xfrm>
+            <a:off x="539552" y="3121953"/>
+            <a:ext cx="4572000" cy="1938992"/>
+          </a:xfrm>
+          <a:prstGeom prst="rect">
+            <a:avLst/>
+          </a:prstGeom>
+        </p:spPr>
+        <p:txBody>
+          <a:bodyPr>
+            <a:spAutoFit/>
+          </a:bodyPr>
+          <a:lstStyle/>
           <a:p>
             <a:pPr>
               <a:lnSpc>
@@ -10797,15 +12580,14 @@
               </a:lnSpc>
             </a:pPr>
             <a:r>
-              <a:rPr lang="fr-FR" sz="2000" b="1" strike="noStrike" dirty="0">
+              <a:rPr lang="fr-FR" sz="2000" b="1" dirty="0">
                 <a:solidFill>
                   <a:srgbClr val="004D6F"/>
                 </a:solidFill>
-                <a:latin typeface="Arial"/>
               </a:rPr>
               <a:t>Organisation</a:t>
             </a:r>
-            <a:endParaRPr dirty="0"/>
+            <a:endParaRPr lang="fr-FR" dirty="0"/>
           </a:p>
           <a:p>
             <a:pPr lvl="1">
@@ -10814,15 +12596,22 @@
               </a:lnSpc>
             </a:pPr>
             <a:r>
-              <a:rPr lang="fr-FR" sz="1500" b="1" strike="noStrike" dirty="0">
-                <a:solidFill>
-                  <a:srgbClr val="4F4D50"/>
-                </a:solidFill>
-                <a:latin typeface="Arial"/>
+              <a:rPr lang="fr-FR" sz="1500" b="1" dirty="0">
+                <a:solidFill>
+                  <a:schemeClr val="tx2">
+                    <a:lumMod val="75000"/>
+                  </a:schemeClr>
+                </a:solidFill>
               </a:rPr>
               <a:t>Méthode</a:t>
             </a:r>
-            <a:endParaRPr dirty="0"/>
+            <a:endParaRPr lang="fr-FR" dirty="0">
+              <a:solidFill>
+                <a:schemeClr val="tx2">
+                  <a:lumMod val="75000"/>
+                </a:schemeClr>
+              </a:solidFill>
+            </a:endParaRPr>
           </a:p>
           <a:p>
             <a:pPr lvl="1">
@@ -10831,15 +12620,22 @@
               </a:lnSpc>
             </a:pPr>
             <a:r>
-              <a:rPr lang="fr-FR" sz="1500" b="1" strike="noStrike" dirty="0">
-                <a:solidFill>
-                  <a:srgbClr val="4F4D50"/>
-                </a:solidFill>
-                <a:latin typeface="Arial"/>
+              <a:rPr lang="fr-FR" sz="1500" b="1" dirty="0">
+                <a:solidFill>
+                  <a:schemeClr val="tx2">
+                    <a:lumMod val="75000"/>
+                  </a:schemeClr>
+                </a:solidFill>
               </a:rPr>
               <a:t>Répartition</a:t>
             </a:r>
-            <a:endParaRPr dirty="0"/>
+            <a:endParaRPr lang="fr-FR" dirty="0">
+              <a:solidFill>
+                <a:schemeClr val="tx2">
+                  <a:lumMod val="75000"/>
+                </a:schemeClr>
+              </a:solidFill>
+            </a:endParaRPr>
           </a:p>
           <a:p>
             <a:pPr lvl="1">
@@ -10848,15 +12644,22 @@
               </a:lnSpc>
             </a:pPr>
             <a:r>
-              <a:rPr lang="fr-FR" sz="1500" b="1" strike="noStrike" dirty="0">
-                <a:solidFill>
-                  <a:srgbClr val="4F4D50"/>
-                </a:solidFill>
-                <a:latin typeface="Arial"/>
+              <a:rPr lang="fr-FR" sz="1500" b="1" dirty="0">
+                <a:solidFill>
+                  <a:schemeClr val="tx2">
+                    <a:lumMod val="75000"/>
+                  </a:schemeClr>
+                </a:solidFill>
               </a:rPr>
               <a:t>Cycle de qualification</a:t>
             </a:r>
-            <a:endParaRPr dirty="0"/>
+            <a:endParaRPr lang="fr-FR" dirty="0">
+              <a:solidFill>
+                <a:schemeClr val="tx2">
+                  <a:lumMod val="75000"/>
+                </a:schemeClr>
+              </a:solidFill>
+            </a:endParaRPr>
           </a:p>
           <a:p>
             <a:pPr lvl="1">
@@ -10865,16 +12668,45 @@
               </a:lnSpc>
             </a:pPr>
             <a:r>
-              <a:rPr lang="fr-FR" sz="1500" b="1" strike="noStrike" dirty="0">
-                <a:solidFill>
-                  <a:srgbClr val="4F4D50"/>
-                </a:solidFill>
-                <a:latin typeface="Arial"/>
+              <a:rPr lang="fr-FR" sz="1500" b="1" dirty="0">
+                <a:solidFill>
+                  <a:schemeClr val="tx2">
+                    <a:lumMod val="75000"/>
+                  </a:schemeClr>
+                </a:solidFill>
               </a:rPr>
               <a:t>Pilotage du projet</a:t>
             </a:r>
-            <a:endParaRPr dirty="0"/>
-          </a:p>
+            <a:endParaRPr lang="fr-FR" dirty="0">
+              <a:solidFill>
+                <a:schemeClr val="tx2">
+                  <a:lumMod val="75000"/>
+                </a:schemeClr>
+              </a:solidFill>
+            </a:endParaRPr>
+          </a:p>
+        </p:txBody>
+      </p:sp>
+      <p:sp>
+        <p:nvSpPr>
+          <p:cNvPr id="5" name="Rectangle 4"/>
+          <p:cNvSpPr/>
+          <p:nvPr/>
+        </p:nvSpPr>
+        <p:spPr>
+          <a:xfrm>
+            <a:off x="539552" y="5060945"/>
+            <a:ext cx="4572000" cy="1592744"/>
+          </a:xfrm>
+          <a:prstGeom prst="rect">
+            <a:avLst/>
+          </a:prstGeom>
+        </p:spPr>
+        <p:txBody>
+          <a:bodyPr>
+            <a:spAutoFit/>
+          </a:bodyPr>
+          <a:lstStyle/>
           <a:p>
             <a:pPr>
               <a:lnSpc>
@@ -10882,15 +12714,14 @@
               </a:lnSpc>
             </a:pPr>
             <a:r>
-              <a:rPr lang="fr-FR" sz="2000" b="1" strike="noStrike" dirty="0">
+              <a:rPr lang="fr-FR" sz="2000" b="1" dirty="0">
                 <a:solidFill>
                   <a:srgbClr val="004D6F"/>
                 </a:solidFill>
-                <a:latin typeface="Arial"/>
               </a:rPr>
               <a:t>Planification</a:t>
             </a:r>
-            <a:endParaRPr dirty="0"/>
+            <a:endParaRPr lang="fr-FR" dirty="0"/>
           </a:p>
           <a:p>
             <a:pPr lvl="1">
@@ -10899,15 +12730,22 @@
               </a:lnSpc>
             </a:pPr>
             <a:r>
-              <a:rPr lang="fr-FR" sz="1500" b="1" strike="noStrike" dirty="0">
-                <a:solidFill>
-                  <a:srgbClr val="4F4D50"/>
-                </a:solidFill>
-                <a:latin typeface="Arial"/>
+              <a:rPr lang="fr-FR" sz="1500" b="1" dirty="0">
+                <a:solidFill>
+                  <a:schemeClr val="tx2">
+                    <a:lumMod val="75000"/>
+                  </a:schemeClr>
+                </a:solidFill>
               </a:rPr>
               <a:t>Méthode d’estimation</a:t>
             </a:r>
-            <a:endParaRPr dirty="0"/>
+            <a:endParaRPr lang="fr-FR" dirty="0">
+              <a:solidFill>
+                <a:schemeClr val="tx2">
+                  <a:lumMod val="75000"/>
+                </a:schemeClr>
+              </a:solidFill>
+            </a:endParaRPr>
           </a:p>
           <a:p>
             <a:pPr lvl="1">
@@ -10916,15 +12754,22 @@
               </a:lnSpc>
             </a:pPr>
             <a:r>
-              <a:rPr lang="fr-FR" sz="1500" b="1" strike="noStrike" dirty="0">
-                <a:solidFill>
-                  <a:srgbClr val="4F4D50"/>
-                </a:solidFill>
-                <a:latin typeface="Arial"/>
+              <a:rPr lang="fr-FR" sz="1500" b="1" dirty="0">
+                <a:solidFill>
+                  <a:schemeClr val="tx2">
+                    <a:lumMod val="75000"/>
+                  </a:schemeClr>
+                </a:solidFill>
               </a:rPr>
               <a:t>Planning</a:t>
             </a:r>
-            <a:endParaRPr dirty="0"/>
+            <a:endParaRPr lang="fr-FR" dirty="0">
+              <a:solidFill>
+                <a:schemeClr val="tx2">
+                  <a:lumMod val="75000"/>
+                </a:schemeClr>
+              </a:solidFill>
+            </a:endParaRPr>
           </a:p>
           <a:p>
             <a:pPr lvl="1">
@@ -10933,39 +12778,35 @@
               </a:lnSpc>
             </a:pPr>
             <a:r>
-              <a:rPr lang="fr-FR" sz="1500" b="1" strike="noStrike" dirty="0" err="1">
-                <a:solidFill>
-                  <a:srgbClr val="4F4D50"/>
-                </a:solidFill>
-                <a:latin typeface="Arial"/>
+              <a:rPr lang="fr-FR" sz="1500" b="1" dirty="0" err="1">
+                <a:solidFill>
+                  <a:schemeClr val="tx2">
+                    <a:lumMod val="75000"/>
+                  </a:schemeClr>
+                </a:solidFill>
               </a:rPr>
               <a:t>MSProject</a:t>
             </a:r>
-            <a:endParaRPr dirty="0"/>
-          </a:p>
-          <a:p>
-            <a:pPr>
-              <a:lnSpc>
-                <a:spcPct val="100000"/>
-              </a:lnSpc>
-            </a:pPr>
-            <a:endParaRPr dirty="0"/>
+            <a:endParaRPr lang="fr-FR" dirty="0"/>
           </a:p>
         </p:txBody>
       </p:sp>
     </p:spTree>
+    <p:custDataLst>
+      <p:tags r:id="rId1"/>
+    </p:custDataLst>
   </p:cSld>
   <p:clrMapOvr>
     <a:masterClrMapping/>
   </p:clrMapOvr>
   <mc:AlternateContent xmlns:mc="http://schemas.openxmlformats.org/markup-compatibility/2006" xmlns:p14="http://schemas.microsoft.com/office/powerpoint/2010/main">
     <mc:Choice Requires="p14">
-      <p:transition p14:dur="250">
+      <p:transition p14:dur="250" advTm="4667">
         <p:pull/>
       </p:transition>
     </mc:Choice>
     <mc:Fallback xmlns="">
-      <p:transition>
+      <p:transition advTm="4667">
         <p:pull/>
       </p:transition>
     </mc:Fallback>
@@ -10975,8 +12816,146 @@
       <p:par>
         <p:cTn id="1" dur="indefinite" restart="never" nodeType="tmRoot">
           <p:childTnLst>
-            <p:seq>
-              <p:cTn id="2" nodeType="mainSeq"/>
+            <p:seq concurrent="1" nextAc="seek">
+              <p:cTn id="2" dur="indefinite" nodeType="mainSeq">
+                <p:childTnLst>
+                  <p:par>
+                    <p:cTn id="3" fill="hold">
+                      <p:stCondLst>
+                        <p:cond delay="indefinite"/>
+                      </p:stCondLst>
+                      <p:childTnLst>
+                        <p:par>
+                          <p:cTn id="4" fill="hold">
+                            <p:stCondLst>
+                              <p:cond delay="0"/>
+                            </p:stCondLst>
+                            <p:childTnLst>
+                              <p:par>
+                                <p:cTn id="5" presetID="1" presetClass="entr" presetSubtype="0" fill="hold" grpId="0" nodeType="clickEffect">
+                                  <p:stCondLst>
+                                    <p:cond delay="0"/>
+                                  </p:stCondLst>
+                                  <p:childTnLst>
+                                    <p:set>
+                                      <p:cBhvr>
+                                        <p:cTn id="6" dur="1" fill="hold">
+                                          <p:stCondLst>
+                                            <p:cond delay="0"/>
+                                          </p:stCondLst>
+                                        </p:cTn>
+                                        <p:tgtEl>
+                                          <p:spTgt spid="2"/>
+                                        </p:tgtEl>
+                                        <p:attrNameLst>
+                                          <p:attrName>style.visibility</p:attrName>
+                                        </p:attrNameLst>
+                                      </p:cBhvr>
+                                      <p:to>
+                                        <p:strVal val="visible"/>
+                                      </p:to>
+                                    </p:set>
+                                  </p:childTnLst>
+                                </p:cTn>
+                              </p:par>
+                            </p:childTnLst>
+                          </p:cTn>
+                        </p:par>
+                      </p:childTnLst>
+                    </p:cTn>
+                  </p:par>
+                  <p:par>
+                    <p:cTn id="7" fill="hold">
+                      <p:stCondLst>
+                        <p:cond delay="indefinite"/>
+                      </p:stCondLst>
+                      <p:childTnLst>
+                        <p:par>
+                          <p:cTn id="8" fill="hold">
+                            <p:stCondLst>
+                              <p:cond delay="0"/>
+                            </p:stCondLst>
+                            <p:childTnLst>
+                              <p:par>
+                                <p:cTn id="9" presetID="1" presetClass="entr" presetSubtype="0" fill="hold" grpId="0" nodeType="clickEffect">
+                                  <p:stCondLst>
+                                    <p:cond delay="0"/>
+                                  </p:stCondLst>
+                                  <p:childTnLst>
+                                    <p:set>
+                                      <p:cBhvr>
+                                        <p:cTn id="10" dur="1" fill="hold">
+                                          <p:stCondLst>
+                                            <p:cond delay="0"/>
+                                          </p:stCondLst>
+                                        </p:cTn>
+                                        <p:tgtEl>
+                                          <p:spTgt spid="3"/>
+                                        </p:tgtEl>
+                                        <p:attrNameLst>
+                                          <p:attrName>style.visibility</p:attrName>
+                                        </p:attrNameLst>
+                                      </p:cBhvr>
+                                      <p:to>
+                                        <p:strVal val="visible"/>
+                                      </p:to>
+                                    </p:set>
+                                  </p:childTnLst>
+                                </p:cTn>
+                              </p:par>
+                            </p:childTnLst>
+                          </p:cTn>
+                        </p:par>
+                      </p:childTnLst>
+                    </p:cTn>
+                  </p:par>
+                  <p:par>
+                    <p:cTn id="11" fill="hold">
+                      <p:stCondLst>
+                        <p:cond delay="indefinite"/>
+                      </p:stCondLst>
+                      <p:childTnLst>
+                        <p:par>
+                          <p:cTn id="12" fill="hold">
+                            <p:stCondLst>
+                              <p:cond delay="0"/>
+                            </p:stCondLst>
+                            <p:childTnLst>
+                              <p:par>
+                                <p:cTn id="13" presetID="1" presetClass="entr" presetSubtype="0" fill="hold" grpId="0" nodeType="clickEffect">
+                                  <p:stCondLst>
+                                    <p:cond delay="0"/>
+                                  </p:stCondLst>
+                                  <p:childTnLst>
+                                    <p:set>
+                                      <p:cBhvr>
+                                        <p:cTn id="14" dur="1" fill="hold">
+                                          <p:stCondLst>
+                                            <p:cond delay="0"/>
+                                          </p:stCondLst>
+                                        </p:cTn>
+                                        <p:tgtEl>
+                                          <p:spTgt spid="5"/>
+                                        </p:tgtEl>
+                                        <p:attrNameLst>
+                                          <p:attrName>style.visibility</p:attrName>
+                                        </p:attrNameLst>
+                                      </p:cBhvr>
+                                      <p:to>
+                                        <p:strVal val="visible"/>
+                                      </p:to>
+                                    </p:set>
+                                  </p:childTnLst>
+                                </p:cTn>
+                              </p:par>
+                            </p:childTnLst>
+                          </p:cTn>
+                        </p:par>
+                      </p:childTnLst>
+                    </p:cTn>
+                  </p:par>
+                </p:childTnLst>
+              </p:cTn>
               <p:prevCondLst>
                 <p:cond evt="onPrev" delay="0">
                   <p:tgtEl>
@@ -10996,6 +12975,11 @@
         </p:cTn>
       </p:par>
     </p:tnLst>
+    <p:bldLst>
+      <p:bldP spid="2" grpId="0"/>
+      <p:bldP spid="3" grpId="0"/>
+      <p:bldP spid="5" grpId="0"/>
+    </p:bldLst>
   </p:timing>
 </p:sld>
 </file>
@@ -11073,7 +13057,7 @@
               </a:lnSpc>
             </a:pPr>
             <a:r>
-              <a:rPr lang="fr-FR" sz="5400" b="1" strike="noStrike">
+              <a:rPr lang="fr-FR" sz="5400" b="1" strike="noStrike" dirty="0">
                 <a:solidFill>
                   <a:srgbClr val="004D6F"/>
                 </a:solidFill>
@@ -11081,7 +13065,7 @@
               </a:rPr>
               <a:t>Contexte</a:t>
             </a:r>
-            <a:endParaRPr/>
+            <a:endParaRPr dirty="0"/>
           </a:p>
         </p:txBody>
       </p:sp>
@@ -11092,12 +13076,12 @@
   </p:clrMapOvr>
   <mc:AlternateContent xmlns:mc="http://schemas.openxmlformats.org/markup-compatibility/2006" xmlns:p14="http://schemas.microsoft.com/office/powerpoint/2010/main">
     <mc:Choice Requires="p14">
-      <p:transition spd="slow" p14:dur="1500">
+      <p:transition spd="slow" p14:dur="1500" advTm="4007">
         <p14:vortex dir="r"/>
       </p:transition>
     </mc:Choice>
     <mc:Fallback xmlns="">
-      <p:transition spd="slow">
+      <p:transition spd="slow" advTm="4007">
         <p:fade/>
       </p:transition>
     </mc:Fallback>
@@ -11137,8 +13121,8 @@
         </p:nvSpPr>
         <p:spPr>
           <a:xfrm>
-            <a:off x="1763640" y="92160"/>
-            <a:ext cx="6460560" cy="571320"/>
+            <a:off x="1763688" y="116632"/>
+            <a:ext cx="3528392" cy="488142"/>
           </a:xfrm>
           <a:prstGeom prst="rect">
             <a:avLst/>
@@ -11152,21 +13136,26 @@
           <a:bodyPr anchor="ctr"/>
           <a:lstStyle/>
           <a:p>
-            <a:pPr algn="ctr">
+            <a:pPr>
               <a:lnSpc>
                 <a:spcPct val="100000"/>
               </a:lnSpc>
             </a:pPr>
             <a:r>
-              <a:rPr lang="fr-FR" sz="1600" b="1" strike="noStrike">
-                <a:solidFill>
-                  <a:srgbClr val="4F4D50"/>
-                </a:solidFill>
-                <a:latin typeface="Arial"/>
+              <a:rPr lang="fr-FR" sz="2000" b="1" dirty="0" smtClean="0">
+                <a:solidFill>
+                  <a:srgbClr val="004D6F"/>
+                </a:solidFill>
               </a:rPr>
               <a:t>Contexte</a:t>
             </a:r>
-            <a:endParaRPr/>
+            <a:endParaRPr sz="2000" dirty="0">
+              <a:solidFill>
+                <a:schemeClr val="accent4">
+                  <a:lumMod val="75000"/>
+                </a:schemeClr>
+              </a:solidFill>
+            </a:endParaRPr>
           </a:p>
         </p:txBody>
       </p:sp>
@@ -11179,7 +13168,7 @@
         <p:spPr>
           <a:xfrm>
             <a:off x="457200" y="980640"/>
-            <a:ext cx="8229240" cy="5328360"/>
+            <a:ext cx="8219256" cy="576152"/>
           </a:xfrm>
           <a:prstGeom prst="rect">
             <a:avLst/>
@@ -11199,15 +13188,23 @@
               </a:lnSpc>
             </a:pPr>
             <a:r>
-              <a:rPr lang="fr-FR" sz="2800" b="1" strike="noStrike">
-                <a:solidFill>
-                  <a:srgbClr val="004D6F"/>
+              <a:rPr lang="fr-FR" sz="2800" b="1" strike="noStrike" dirty="0">
+                <a:solidFill>
+                  <a:schemeClr val="tx2">
+                    <a:lumMod val="75000"/>
+                  </a:schemeClr>
                 </a:solidFill>
                 <a:latin typeface="Arial"/>
               </a:rPr>
               <a:t>Acteurs</a:t>
             </a:r>
-            <a:endParaRPr/>
+            <a:endParaRPr dirty="0">
+              <a:solidFill>
+                <a:schemeClr val="tx2">
+                  <a:lumMod val="75000"/>
+                </a:schemeClr>
+              </a:solidFill>
+            </a:endParaRPr>
           </a:p>
           <a:p>
             <a:pPr algn="ctr">
@@ -11215,7 +13212,13 @@
                 <a:spcPct val="100000"/>
               </a:lnSpc>
             </a:pPr>
-            <a:endParaRPr/>
+            <a:endParaRPr dirty="0">
+              <a:solidFill>
+                <a:schemeClr val="tx2">
+                  <a:lumMod val="75000"/>
+                </a:schemeClr>
+              </a:solidFill>
+            </a:endParaRPr>
           </a:p>
           <a:p>
             <a:pPr>
@@ -11224,15 +13227,23 @@
               </a:lnSpc>
             </a:pPr>
             <a:r>
-              <a:rPr lang="fr-FR" sz="2000" b="1" strike="noStrike">
-                <a:solidFill>
-                  <a:srgbClr val="004D6F"/>
+              <a:rPr lang="fr-FR" sz="2000" b="1" strike="noStrike" dirty="0">
+                <a:solidFill>
+                  <a:schemeClr val="accent2">
+                    <a:lumMod val="75000"/>
+                  </a:schemeClr>
                 </a:solidFill>
                 <a:latin typeface="Arial"/>
               </a:rPr>
-              <a:t>	Trois développeurs</a:t>
-            </a:r>
-            <a:endParaRPr/>
+              <a:t>	</a:t>
+            </a:r>
+            <a:endParaRPr lang="en-US" dirty="0" smtClean="0">
+              <a:solidFill>
+                <a:schemeClr val="tx2">
+                  <a:lumMod val="75000"/>
+                </a:schemeClr>
+              </a:solidFill>
+            </a:endParaRPr>
           </a:p>
           <a:p>
             <a:pPr>
@@ -11240,17 +13251,36 @@
                 <a:spcPct val="100000"/>
               </a:lnSpc>
             </a:pPr>
-            <a:r>
-              <a:rPr lang="fr-FR" sz="2000" b="1" strike="noStrike">
-                <a:solidFill>
-                  <a:srgbClr val="004D6F"/>
-                </a:solidFill>
-                <a:latin typeface="Arial"/>
-              </a:rPr>
-              <a:t>		Pierre-Marie Airiau</a:t>
-            </a:r>
-            <a:endParaRPr/>
-          </a:p>
+            <a:endParaRPr lang="en-US" dirty="0">
+              <a:solidFill>
+                <a:schemeClr val="tx2">
+                  <a:lumMod val="75000"/>
+                </a:schemeClr>
+              </a:solidFill>
+            </a:endParaRPr>
+          </a:p>
+        </p:txBody>
+      </p:sp>
+      <p:sp>
+        <p:nvSpPr>
+          <p:cNvPr id="2" name="Rectangle 1"/>
+          <p:cNvSpPr/>
+          <p:nvPr/>
+        </p:nvSpPr>
+        <p:spPr>
+          <a:xfrm>
+            <a:off x="457200" y="2596897"/>
+            <a:ext cx="3538736" cy="1384995"/>
+          </a:xfrm>
+          <a:prstGeom prst="rect">
+            <a:avLst/>
+          </a:prstGeom>
+        </p:spPr>
+        <p:txBody>
+          <a:bodyPr wrap="square">
+            <a:spAutoFit/>
+          </a:bodyPr>
+          <a:lstStyle/>
           <a:p>
             <a:pPr>
               <a:lnSpc>
@@ -11258,15 +13288,22 @@
               </a:lnSpc>
             </a:pPr>
             <a:r>
-              <a:rPr lang="fr-FR" sz="2000" b="1" strike="noStrike">
-                <a:solidFill>
-                  <a:srgbClr val="004D6F"/>
-                </a:solidFill>
-                <a:latin typeface="Arial"/>
-              </a:rPr>
-              <a:t>		Valentin Esmieu</a:t>
-            </a:r>
-            <a:endParaRPr/>
+              <a:rPr lang="fr-FR" sz="2400" b="1" dirty="0">
+                <a:solidFill>
+                  <a:schemeClr val="accent2">
+                    <a:lumMod val="75000"/>
+                  </a:schemeClr>
+                </a:solidFill>
+              </a:rPr>
+              <a:t>Trois développeurs</a:t>
+            </a:r>
+            <a:endParaRPr lang="fr-FR" sz="2400" dirty="0">
+              <a:solidFill>
+                <a:schemeClr val="accent2">
+                  <a:lumMod val="75000"/>
+                </a:schemeClr>
+              </a:solidFill>
+            </a:endParaRPr>
           </a:p>
           <a:p>
             <a:pPr>
@@ -11275,15 +13312,26 @@
               </a:lnSpc>
             </a:pPr>
             <a:r>
-              <a:rPr lang="fr-FR" sz="2000" b="1" strike="noStrike">
-                <a:solidFill>
-                  <a:srgbClr val="004D6F"/>
-                </a:solidFill>
-                <a:latin typeface="Arial"/>
-              </a:rPr>
-              <a:t>		Maud Leray</a:t>
-            </a:r>
-            <a:endParaRPr/>
+              <a:rPr lang="fr-FR" sz="2000" b="1" dirty="0" smtClean="0">
+                <a:solidFill>
+                  <a:schemeClr val="accent2"/>
+                </a:solidFill>
+              </a:rPr>
+              <a:t>Pierre-Marie </a:t>
+            </a:r>
+            <a:r>
+              <a:rPr lang="fr-FR" sz="2000" b="1" dirty="0" err="1">
+                <a:solidFill>
+                  <a:schemeClr val="accent2"/>
+                </a:solidFill>
+              </a:rPr>
+              <a:t>Airiau</a:t>
+            </a:r>
+            <a:endParaRPr lang="fr-FR" sz="2000" dirty="0">
+              <a:solidFill>
+                <a:schemeClr val="accent2"/>
+              </a:solidFill>
+            </a:endParaRPr>
           </a:p>
           <a:p>
             <a:pPr>
@@ -11291,7 +13339,27 @@
                 <a:spcPct val="100000"/>
               </a:lnSpc>
             </a:pPr>
-            <a:endParaRPr/>
+            <a:r>
+              <a:rPr lang="fr-FR" sz="2000" b="1" dirty="0" smtClean="0">
+                <a:solidFill>
+                  <a:schemeClr val="accent2"/>
+                </a:solidFill>
+              </a:rPr>
+              <a:t>Valentin </a:t>
+            </a:r>
+            <a:r>
+              <a:rPr lang="fr-FR" sz="2000" b="1" dirty="0" err="1">
+                <a:solidFill>
+                  <a:schemeClr val="accent2"/>
+                </a:solidFill>
+              </a:rPr>
+              <a:t>Esmieu</a:t>
+            </a:r>
+            <a:endParaRPr lang="fr-FR" sz="2000" dirty="0">
+              <a:solidFill>
+                <a:schemeClr val="accent2"/>
+              </a:solidFill>
+            </a:endParaRPr>
           </a:p>
           <a:p>
             <a:pPr>
@@ -11300,65 +13368,149 @@
               </a:lnSpc>
             </a:pPr>
             <a:r>
-              <a:rPr lang="fr-FR" sz="2000" b="1" strike="noStrike">
-                <a:solidFill>
-                  <a:srgbClr val="004D6F"/>
-                </a:solidFill>
-                <a:latin typeface="Arial"/>
-              </a:rPr>
-              <a:t>	Deux encadrants</a:t>
-            </a:r>
-            <a:endParaRPr/>
-          </a:p>
-          <a:p>
-            <a:pPr>
+              <a:rPr lang="fr-FR" sz="2000" b="1" dirty="0" smtClean="0">
+                <a:solidFill>
+                  <a:schemeClr val="accent2"/>
+                </a:solidFill>
+              </a:rPr>
+              <a:t>Maud </a:t>
+            </a:r>
+            <a:r>
+              <a:rPr lang="fr-FR" sz="2000" b="1" dirty="0">
+                <a:solidFill>
+                  <a:schemeClr val="accent2"/>
+                </a:solidFill>
+              </a:rPr>
+              <a:t>Leray</a:t>
+            </a:r>
+            <a:endParaRPr lang="fr-FR" sz="2000" dirty="0">
+              <a:solidFill>
+                <a:schemeClr val="accent2"/>
+              </a:solidFill>
+            </a:endParaRPr>
+          </a:p>
+        </p:txBody>
+      </p:sp>
+      <p:sp>
+        <p:nvSpPr>
+          <p:cNvPr id="3" name="Rectangle 2"/>
+          <p:cNvSpPr/>
+          <p:nvPr/>
+        </p:nvSpPr>
+        <p:spPr>
+          <a:xfrm>
+            <a:off x="5292080" y="2596897"/>
+            <a:ext cx="2952328" cy="1077218"/>
+          </a:xfrm>
+          <a:prstGeom prst="rect">
+            <a:avLst/>
+          </a:prstGeom>
+        </p:spPr>
+        <p:txBody>
+          <a:bodyPr wrap="square">
+            <a:spAutoFit/>
+          </a:bodyPr>
+          <a:lstStyle/>
+          <a:p>
+            <a:pPr algn="r">
               <a:lnSpc>
                 <a:spcPct val="100000"/>
               </a:lnSpc>
             </a:pPr>
             <a:r>
-              <a:rPr lang="fr-FR" sz="2000" b="1" strike="noStrike">
-                <a:solidFill>
-                  <a:srgbClr val="004D6F"/>
-                </a:solidFill>
-                <a:latin typeface="Arial"/>
-              </a:rPr>
-              <a:t>		Gildas Avoine</a:t>
-            </a:r>
-            <a:endParaRPr/>
-          </a:p>
-          <a:p>
-            <a:pPr>
+              <a:rPr lang="fr-FR" sz="2400" b="1" dirty="0">
+                <a:solidFill>
+                  <a:schemeClr val="accent3">
+                    <a:lumMod val="75000"/>
+                  </a:schemeClr>
+                </a:solidFill>
+              </a:rPr>
+              <a:t>Deux </a:t>
+            </a:r>
+            <a:r>
+              <a:rPr lang="fr-FR" sz="2400" b="1" dirty="0" smtClean="0">
+                <a:solidFill>
+                  <a:schemeClr val="accent3">
+                    <a:lumMod val="75000"/>
+                  </a:schemeClr>
+                </a:solidFill>
+              </a:rPr>
+              <a:t>encadrants</a:t>
+            </a:r>
+            <a:endParaRPr lang="fr-FR" sz="2400" dirty="0" smtClean="0">
+              <a:solidFill>
+                <a:schemeClr val="accent3">
+                  <a:lumMod val="75000"/>
+                </a:schemeClr>
+              </a:solidFill>
+            </a:endParaRPr>
+          </a:p>
+          <a:p>
+            <a:pPr algn="r">
               <a:lnSpc>
                 <a:spcPct val="100000"/>
               </a:lnSpc>
             </a:pPr>
             <a:r>
-              <a:rPr lang="fr-FR" sz="2000" b="1" strike="noStrike">
-                <a:solidFill>
-                  <a:srgbClr val="004D6F"/>
-                </a:solidFill>
-                <a:latin typeface="Arial"/>
-              </a:rPr>
-              <a:t>		Barbara Kordy</a:t>
-            </a:r>
-            <a:endParaRPr/>
+              <a:rPr lang="fr-FR" sz="2000" b="1" dirty="0" smtClean="0">
+                <a:solidFill>
+                  <a:schemeClr val="accent3"/>
+                </a:solidFill>
+              </a:rPr>
+              <a:t>Gildas Avoine  </a:t>
+            </a:r>
+            <a:endParaRPr lang="fr-FR" sz="2000" dirty="0">
+              <a:solidFill>
+                <a:schemeClr val="accent3"/>
+              </a:solidFill>
+            </a:endParaRPr>
+          </a:p>
+          <a:p>
+            <a:pPr algn="r">
+              <a:lnSpc>
+                <a:spcPct val="100000"/>
+              </a:lnSpc>
+            </a:pPr>
+            <a:r>
+              <a:rPr lang="fr-FR" sz="2000" b="1" dirty="0" smtClean="0">
+                <a:solidFill>
+                  <a:schemeClr val="accent3"/>
+                </a:solidFill>
+              </a:rPr>
+              <a:t>Barbara </a:t>
+            </a:r>
+            <a:r>
+              <a:rPr lang="fr-FR" sz="2000" b="1" dirty="0" err="1" smtClean="0">
+                <a:solidFill>
+                  <a:schemeClr val="accent3"/>
+                </a:solidFill>
+              </a:rPr>
+              <a:t>Kordy</a:t>
+            </a:r>
+            <a:endParaRPr lang="fr-FR" sz="2000" dirty="0">
+              <a:solidFill>
+                <a:schemeClr val="accent3"/>
+              </a:solidFill>
+            </a:endParaRPr>
           </a:p>
         </p:txBody>
       </p:sp>
     </p:spTree>
+    <p:custDataLst>
+      <p:tags r:id="rId1"/>
+    </p:custDataLst>
   </p:cSld>
   <p:clrMapOvr>
     <a:masterClrMapping/>
   </p:clrMapOvr>
   <mc:AlternateContent xmlns:mc="http://schemas.openxmlformats.org/markup-compatibility/2006" xmlns:p14="http://schemas.microsoft.com/office/powerpoint/2010/main">
     <mc:Choice Requires="p14">
-      <p:transition p14:dur="250">
+      <p:transition p14:dur="250" advTm="4918">
         <p:pull/>
       </p:transition>
     </mc:Choice>
     <mc:Fallback xmlns="">
-      <p:transition>
+      <p:transition advTm="4918">
         <p:pull/>
       </p:transition>
     </mc:Fallback>
@@ -11366,7 +13518,283 @@
   <p:timing>
     <p:tnLst>
       <p:par>
-        <p:cTn id="1" dur="indefinite" restart="never" nodeType="tmRoot"/>
+        <p:cTn id="1" dur="indefinite" restart="never" nodeType="tmRoot">
+          <p:childTnLst>
+            <p:seq concurrent="1" nextAc="seek">
+              <p:cTn id="2" dur="indefinite" nodeType="mainSeq">
+                <p:childTnLst>
+                  <p:par>
+                    <p:cTn id="3" fill="hold">
+                      <p:stCondLst>
+                        <p:cond delay="indefinite"/>
+                      </p:stCondLst>
+                      <p:childTnLst>
+                        <p:par>
+                          <p:cTn id="4" fill="hold">
+                            <p:stCondLst>
+                              <p:cond delay="0"/>
+                            </p:stCondLst>
+                            <p:childTnLst>
+                              <p:par>
+                                <p:cTn id="5" presetID="1" presetClass="entr" presetSubtype="0" fill="hold" nodeType="clickEffect">
+                                  <p:stCondLst>
+                                    <p:cond delay="0"/>
+                                  </p:stCondLst>
+                                  <p:childTnLst>
+                                    <p:set>
+                                      <p:cBhvr>
+                                        <p:cTn id="6" dur="1" fill="hold">
+                                          <p:stCondLst>
+                                            <p:cond delay="0"/>
+                                          </p:stCondLst>
+                                        </p:cTn>
+                                        <p:tgtEl>
+                                          <p:spTgt spid="2">
+                                            <p:txEl>
+                                              <p:pRg st="0" end="0"/>
+                                            </p:txEl>
+                                          </p:spTgt>
+                                        </p:tgtEl>
+                                        <p:attrNameLst>
+                                          <p:attrName>style.visibility</p:attrName>
+                                        </p:attrNameLst>
+                                      </p:cBhvr>
+                                      <p:to>
+                                        <p:strVal val="visible"/>
+                                      </p:to>
+                                    </p:set>
+                                  </p:childTnLst>
+                                </p:cTn>
+                              </p:par>
+                              <p:par>
+                                <p:cTn id="7" presetID="1" presetClass="entr" presetSubtype="0" fill="hold" nodeType="withEffect">
+                                  <p:stCondLst>
+                                    <p:cond delay="0"/>
+                                  </p:stCondLst>
+                                  <p:childTnLst>
+                                    <p:set>
+                                      <p:cBhvr>
+                                        <p:cTn id="8" dur="1" fill="hold">
+                                          <p:stCondLst>
+                                            <p:cond delay="0"/>
+                                          </p:stCondLst>
+                                        </p:cTn>
+                                        <p:tgtEl>
+                                          <p:spTgt spid="2">
+                                            <p:txEl>
+                                              <p:pRg st="1" end="1"/>
+                                            </p:txEl>
+                                          </p:spTgt>
+                                        </p:tgtEl>
+                                        <p:attrNameLst>
+                                          <p:attrName>style.visibility</p:attrName>
+                                        </p:attrNameLst>
+                                      </p:cBhvr>
+                                      <p:to>
+                                        <p:strVal val="visible"/>
+                                      </p:to>
+                                    </p:set>
+                                  </p:childTnLst>
+                                </p:cTn>
+                              </p:par>
+                              <p:par>
+                                <p:cTn id="9" presetID="1" presetClass="entr" presetSubtype="0" fill="hold" nodeType="withEffect">
+                                  <p:stCondLst>
+                                    <p:cond delay="0"/>
+                                  </p:stCondLst>
+                                  <p:childTnLst>
+                                    <p:set>
+                                      <p:cBhvr>
+                                        <p:cTn id="10" dur="1" fill="hold">
+                                          <p:stCondLst>
+                                            <p:cond delay="0"/>
+                                          </p:stCondLst>
+                                        </p:cTn>
+                                        <p:tgtEl>
+                                          <p:spTgt spid="2">
+                                            <p:txEl>
+                                              <p:pRg st="2" end="2"/>
+                                            </p:txEl>
+                                          </p:spTgt>
+                                        </p:tgtEl>
+                                        <p:attrNameLst>
+                                          <p:attrName>style.visibility</p:attrName>
+                                        </p:attrNameLst>
+                                      </p:cBhvr>
+                                      <p:to>
+                                        <p:strVal val="visible"/>
+                                      </p:to>
+                                    </p:set>
+                                  </p:childTnLst>
+                                </p:cTn>
+                              </p:par>
+                              <p:par>
+                                <p:cTn id="11" presetID="1" presetClass="entr" presetSubtype="0" fill="hold" nodeType="withEffect">
+                                  <p:stCondLst>
+                                    <p:cond delay="0"/>
+                                  </p:stCondLst>
+                                  <p:childTnLst>
+                                    <p:set>
+                                      <p:cBhvr>
+                                        <p:cTn id="12" dur="1" fill="hold">
+                                          <p:stCondLst>
+                                            <p:cond delay="0"/>
+                                          </p:stCondLst>
+                                        </p:cTn>
+                                        <p:tgtEl>
+                                          <p:spTgt spid="2">
+                                            <p:txEl>
+                                              <p:pRg st="3" end="3"/>
+                                            </p:txEl>
+                                          </p:spTgt>
+                                        </p:tgtEl>
+                                        <p:attrNameLst>
+                                          <p:attrName>style.visibility</p:attrName>
+                                        </p:attrNameLst>
+                                      </p:cBhvr>
+                                      <p:to>
+                                        <p:strVal val="visible"/>
+                                      </p:to>
+                                    </p:set>
+                                  </p:childTnLst>
+                                </p:cTn>
+                              </p:par>
+                            </p:childTnLst>
+                          </p:cTn>
+                        </p:par>
+                      </p:childTnLst>
+                    </p:cTn>
+                  </p:par>
+                  <p:par>
+                    <p:cTn id="13" fill="hold">
+                      <p:stCondLst>
+                        <p:cond delay="indefinite"/>
+                      </p:stCondLst>
+                      <p:childTnLst>
+                        <p:par>
+                          <p:cTn id="14" fill="hold">
+                            <p:stCondLst>
+                              <p:cond delay="0"/>
+                            </p:stCondLst>
+                            <p:childTnLst>
+                              <p:par>
+                                <p:cTn id="15" presetID="1" presetClass="entr" presetSubtype="0" fill="hold" nodeType="clickEffect">
+                                  <p:stCondLst>
+                                    <p:cond delay="0"/>
+                                  </p:stCondLst>
+                                  <p:childTnLst>
+                                    <p:set>
+                                      <p:cBhvr>
+                                        <p:cTn id="16" dur="1" fill="hold">
+                                          <p:stCondLst>
+                                            <p:cond delay="0"/>
+                                          </p:stCondLst>
+                                        </p:cTn>
+                                        <p:tgtEl>
+                                          <p:spTgt spid="3">
+                                            <p:txEl>
+                                              <p:pRg st="0" end="0"/>
+                                            </p:txEl>
+                                          </p:spTgt>
+                                        </p:tgtEl>
+                                        <p:attrNameLst>
+                                          <p:attrName>style.visibility</p:attrName>
+                                        </p:attrNameLst>
+                                      </p:cBhvr>
+                                      <p:to>
+                                        <p:strVal val="visible"/>
+                                      </p:to>
+                                    </p:set>
+                                  </p:childTnLst>
+                                </p:cTn>
+                              </p:par>
+                              <p:par>
+                                <p:cTn id="17" presetID="1" presetClass="entr" presetSubtype="0" fill="hold" nodeType="withEffect">
+                                  <p:stCondLst>
+                                    <p:cond delay="0"/>
+                                  </p:stCondLst>
+                                  <p:childTnLst>
+                                    <p:set>
+                                      <p:cBhvr>
+                                        <p:cTn id="18" dur="1" fill="hold">
+                                          <p:stCondLst>
+                                            <p:cond delay="0"/>
+                                          </p:stCondLst>
+                                        </p:cTn>
+                                        <p:tgtEl>
+                                          <p:spTgt spid="3">
+                                            <p:txEl>
+                                              <p:pRg st="1" end="1"/>
+                                            </p:txEl>
+                                          </p:spTgt>
+                                        </p:tgtEl>
+                                        <p:attrNameLst>
+                                          <p:attrName>style.visibility</p:attrName>
+                                        </p:attrNameLst>
+                                      </p:cBhvr>
+                                      <p:to>
+                                        <p:strVal val="visible"/>
+                                      </p:to>
+                                    </p:set>
+                                  </p:childTnLst>
+                                </p:cTn>
+                              </p:par>
+                              <p:par>
+                                <p:cTn id="19" presetID="1" presetClass="entr" presetSubtype="0" fill="hold" nodeType="withEffect">
+                                  <p:stCondLst>
+                                    <p:cond delay="0"/>
+                                  </p:stCondLst>
+                                  <p:childTnLst>
+                                    <p:set>
+                                      <p:cBhvr>
+                                        <p:cTn id="20" dur="1" fill="hold">
+                                          <p:stCondLst>
+                                            <p:cond delay="0"/>
+                                          </p:stCondLst>
+                                        </p:cTn>
+                                        <p:tgtEl>
+                                          <p:spTgt spid="3">
+                                            <p:txEl>
+                                              <p:pRg st="2" end="2"/>
+                                            </p:txEl>
+                                          </p:spTgt>
+                                        </p:tgtEl>
+                                        <p:attrNameLst>
+                                          <p:attrName>style.visibility</p:attrName>
+                                        </p:attrNameLst>
+                                      </p:cBhvr>
+                                      <p:to>
+                                        <p:strVal val="visible"/>
+                                      </p:to>
+                                    </p:set>
+                                  </p:childTnLst>
+                                </p:cTn>
+                              </p:par>
+                            </p:childTnLst>
+                          </p:cTn>
+                        </p:par>
+                      </p:childTnLst>
+                    </p:cTn>
+                  </p:par>
+                </p:childTnLst>
+              </p:cTn>
+              <p:prevCondLst>
+                <p:cond evt="onPrev" delay="0">
+                  <p:tgtEl>
+                    <p:sldTgt/>
+                  </p:tgtEl>
+                </p:cond>
+              </p:prevCondLst>
+              <p:nextCondLst>
+                <p:cond evt="onNext" delay="0">
+                  <p:tgtEl>
+                    <p:sldTgt/>
+                  </p:tgtEl>
+                </p:cond>
+              </p:nextCondLst>
+            </p:seq>
+          </p:childTnLst>
+        </p:cTn>
       </p:par>
     </p:tnLst>
   </p:timing>
@@ -11392,14 +13820,14 @@
       </p:grpSpPr>
       <p:sp>
         <p:nvSpPr>
-          <p:cNvPr id="126" name="TextShape 1"/>
+          <p:cNvPr id="127" name="TextShape 2"/>
           <p:cNvSpPr txBox="1"/>
           <p:nvPr/>
         </p:nvSpPr>
         <p:spPr>
           <a:xfrm>
-            <a:off x="1763640" y="92160"/>
-            <a:ext cx="6460560" cy="571320"/>
+            <a:off x="457200" y="980640"/>
+            <a:ext cx="8229240" cy="720168"/>
           </a:xfrm>
           <a:prstGeom prst="rect">
             <a:avLst/>
@@ -11410,7 +13838,7 @@
           </a:ln>
         </p:spPr>
         <p:txBody>
-          <a:bodyPr anchor="ctr"/>
+          <a:bodyPr/>
           <a:lstStyle/>
           <a:p>
             <a:pPr algn="ctr">
@@ -11419,28 +13847,52 @@
               </a:lnSpc>
             </a:pPr>
             <a:r>
-              <a:rPr lang="fr-FR" sz="1600" b="1" strike="noStrike">
-                <a:solidFill>
-                  <a:srgbClr val="4F4D50"/>
+              <a:rPr lang="fr-FR" sz="2800" b="1" strike="noStrike" dirty="0">
+                <a:solidFill>
+                  <a:schemeClr val="tx2">
+                    <a:lumMod val="75000"/>
+                  </a:schemeClr>
                 </a:solidFill>
                 <a:latin typeface="Arial"/>
               </a:rPr>
-              <a:t>Contexte</a:t>
-            </a:r>
-            <a:endParaRPr/>
-          </a:p>
-        </p:txBody>
-      </p:sp>
-      <p:sp>
-        <p:nvSpPr>
-          <p:cNvPr id="127" name="TextShape 2"/>
+              <a:t>Périmètre fonctionnel</a:t>
+            </a:r>
+            <a:endParaRPr dirty="0">
+              <a:solidFill>
+                <a:schemeClr val="tx2">
+                  <a:lumMod val="75000"/>
+                </a:schemeClr>
+              </a:solidFill>
+            </a:endParaRPr>
+          </a:p>
+          <a:p>
+            <a:pPr algn="ctr">
+              <a:lnSpc>
+                <a:spcPct val="100000"/>
+              </a:lnSpc>
+            </a:pPr>
+            <a:endParaRPr lang="en-US" dirty="0" smtClean="0"/>
+          </a:p>
+          <a:p>
+            <a:pPr algn="ctr">
+              <a:lnSpc>
+                <a:spcPct val="100000"/>
+              </a:lnSpc>
+            </a:pPr>
+            <a:endParaRPr lang="en-US" dirty="0" smtClean="0"/>
+          </a:p>
+        </p:txBody>
+      </p:sp>
+      <p:sp>
+        <p:nvSpPr>
+          <p:cNvPr id="4" name="TextShape 1"/>
           <p:cNvSpPr txBox="1"/>
           <p:nvPr/>
         </p:nvSpPr>
         <p:spPr>
           <a:xfrm>
-            <a:off x="457200" y="980640"/>
-            <a:ext cx="8229240" cy="5328360"/>
+            <a:off x="1763688" y="116632"/>
+            <a:ext cx="3528392" cy="488142"/>
           </a:xfrm>
           <a:prstGeom prst="rect">
             <a:avLst/>
@@ -11451,33 +13903,91 @@
           </a:ln>
         </p:spPr>
         <p:txBody>
-          <a:bodyPr/>
-          <a:lstStyle/>
-          <a:p>
-            <a:pPr algn="ctr">
+          <a:bodyPr anchor="ctr"/>
+          <a:lstStyle/>
+          <a:p>
+            <a:pPr>
               <a:lnSpc>
                 <a:spcPct val="100000"/>
               </a:lnSpc>
             </a:pPr>
             <a:r>
-              <a:rPr lang="fr-FR" sz="2800" b="1" strike="noStrike" dirty="0">
+              <a:rPr lang="fr-FR" sz="2000" b="1" dirty="0" smtClean="0">
                 <a:solidFill>
                   <a:srgbClr val="004D6F"/>
                 </a:solidFill>
-                <a:latin typeface="Arial"/>
-              </a:rPr>
-              <a:t>Périmètre fonctionnel</a:t>
-            </a:r>
-            <a:endParaRPr dirty="0"/>
-          </a:p>
-          <a:p>
-            <a:pPr algn="ctr">
+              </a:rPr>
+              <a:t>Contexte</a:t>
+            </a:r>
+            <a:endParaRPr sz="2000" dirty="0">
+              <a:solidFill>
+                <a:schemeClr val="accent4">
+                  <a:lumMod val="75000"/>
+                </a:schemeClr>
+              </a:solidFill>
+            </a:endParaRPr>
+          </a:p>
+        </p:txBody>
+      </p:sp>
+      <p:sp>
+        <p:nvSpPr>
+          <p:cNvPr id="2" name="Rectangle 1"/>
+          <p:cNvSpPr/>
+          <p:nvPr/>
+        </p:nvSpPr>
+        <p:spPr>
+          <a:xfrm>
+            <a:off x="457200" y="2296031"/>
+            <a:ext cx="4030270" cy="400110"/>
+          </a:xfrm>
+          <a:prstGeom prst="rect">
+            <a:avLst/>
+          </a:prstGeom>
+        </p:spPr>
+        <p:txBody>
+          <a:bodyPr wrap="none">
+            <a:spAutoFit/>
+          </a:bodyPr>
+          <a:lstStyle/>
+          <a:p>
+            <a:pPr>
               <a:lnSpc>
                 <a:spcPct val="100000"/>
               </a:lnSpc>
             </a:pPr>
-            <a:endParaRPr dirty="0"/>
-          </a:p>
+            <a:r>
+              <a:rPr lang="fr-FR" sz="2000" b="1" dirty="0">
+                <a:solidFill>
+                  <a:schemeClr val="accent3">
+                    <a:lumMod val="75000"/>
+                  </a:schemeClr>
+                </a:solidFill>
+              </a:rPr>
+              <a:t>Destiné aux experts en sécurité</a:t>
+            </a:r>
+          </a:p>
+        </p:txBody>
+      </p:sp>
+      <p:sp>
+        <p:nvSpPr>
+          <p:cNvPr id="3" name="Rectangle 2"/>
+          <p:cNvSpPr/>
+          <p:nvPr/>
+        </p:nvSpPr>
+        <p:spPr>
+          <a:xfrm>
+            <a:off x="457732" y="3645024"/>
+            <a:ext cx="6468198" cy="1015663"/>
+          </a:xfrm>
+          <a:prstGeom prst="rect">
+            <a:avLst/>
+          </a:prstGeom>
+        </p:spPr>
+        <p:txBody>
+          <a:bodyPr wrap="square">
+            <a:spAutoFit/>
+          </a:bodyPr>
+          <a:lstStyle/>
           <a:p>
             <a:pPr>
               <a:lnSpc>
@@ -11485,173 +13995,96 @@
               </a:lnSpc>
             </a:pPr>
             <a:r>
-              <a:rPr lang="fr-FR" sz="2000" b="1" strike="noStrike" dirty="0">
-                <a:solidFill>
-                  <a:srgbClr val="004D6F"/>
-                </a:solidFill>
-                <a:latin typeface="Arial"/>
-              </a:rPr>
-              <a:t>Logiciel destiné aux </a:t>
-            </a:r>
-            <a:r>
-              <a:rPr lang="fr-FR" sz="2000" i="1" u="sng" strike="noStrike" dirty="0">
-                <a:solidFill>
-                  <a:srgbClr val="00B0F0"/>
-                </a:solidFill>
-                <a:latin typeface="Comic Sans MS" panose="030F0702030302020204" pitchFamily="66" charset="0"/>
-              </a:rPr>
-              <a:t>experts en sécurité</a:t>
-            </a:r>
-            <a:endParaRPr i="1" u="sng" dirty="0">
+              <a:rPr lang="fr-FR" sz="2000" b="1" dirty="0">
+                <a:solidFill>
+                  <a:schemeClr val="accent3">
+                    <a:lumMod val="75000"/>
+                  </a:schemeClr>
+                </a:solidFill>
+              </a:rPr>
+              <a:t>Pourra se poursuivre l’année prochaine</a:t>
+            </a:r>
+            <a:endParaRPr lang="fr-FR" sz="2000" dirty="0">
               <a:solidFill>
-                <a:srgbClr val="00B0F0"/>
+                <a:schemeClr val="accent3">
+                  <a:lumMod val="75000"/>
+                </a:schemeClr>
               </a:solidFill>
-              <a:latin typeface="Comic Sans MS" panose="030F0702030302020204" pitchFamily="66" charset="0"/>
             </a:endParaRPr>
           </a:p>
           <a:p>
-            <a:pPr>
+            <a:pPr marL="342900" indent="-342900">
               <a:lnSpc>
                 <a:spcPct val="100000"/>
               </a:lnSpc>
-            </a:pPr>
-            <a:endParaRPr i="1" u="sng" dirty="0"/>
-          </a:p>
-          <a:p>
-            <a:pPr>
+              <a:buFont typeface="Arial" panose="020B0604020202020204" pitchFamily="34" charset="0"/>
+              <a:buChar char="•"/>
+            </a:pPr>
+            <a:r>
+              <a:rPr lang="fr-FR" sz="2000" b="1" dirty="0">
+                <a:solidFill>
+                  <a:schemeClr val="accent3">
+                    <a:lumMod val="75000"/>
+                  </a:schemeClr>
+                </a:solidFill>
+                <a:sym typeface="Wingdings" panose="05000000000000000000" pitchFamily="2" charset="2"/>
+              </a:rPr>
+              <a:t>D</a:t>
+            </a:r>
+            <a:r>
+              <a:rPr lang="fr-FR" sz="2000" b="1" dirty="0">
+                <a:solidFill>
+                  <a:schemeClr val="accent3">
+                    <a:lumMod val="75000"/>
+                  </a:schemeClr>
+                </a:solidFill>
+              </a:rPr>
+              <a:t>ocumentation technique</a:t>
+            </a:r>
+            <a:endParaRPr lang="fr-FR" sz="2000" dirty="0">
+              <a:solidFill>
+                <a:schemeClr val="accent3">
+                  <a:lumMod val="75000"/>
+                </a:schemeClr>
+              </a:solidFill>
+            </a:endParaRPr>
+          </a:p>
+          <a:p>
+            <a:pPr marL="342900" indent="-342900">
               <a:lnSpc>
                 <a:spcPct val="100000"/>
               </a:lnSpc>
-            </a:pPr>
-            <a:r>
-              <a:rPr lang="fr-FR" sz="2000" b="1" strike="noStrike" dirty="0">
-                <a:solidFill>
-                  <a:srgbClr val="004D6F"/>
-                </a:solidFill>
-                <a:latin typeface="Arial"/>
-              </a:rPr>
-              <a:t>Le projet pourra se poursuivre l’année </a:t>
-            </a:r>
-            <a:r>
-              <a:rPr lang="fr-FR" sz="2000" b="1" strike="noStrike" dirty="0" smtClean="0">
-                <a:solidFill>
-                  <a:srgbClr val="004D6F"/>
-                </a:solidFill>
-                <a:latin typeface="Arial"/>
-              </a:rPr>
-              <a:t>prochaine</a:t>
-            </a:r>
-            <a:endParaRPr dirty="0"/>
-          </a:p>
-          <a:p>
-            <a:pPr>
-              <a:lnSpc>
-                <a:spcPct val="100000"/>
-              </a:lnSpc>
-            </a:pPr>
-            <a:r>
-              <a:rPr lang="fr-FR" sz="2000" b="1" strike="noStrike" dirty="0">
-                <a:solidFill>
-                  <a:srgbClr val="004D6F"/>
-                </a:solidFill>
-                <a:latin typeface="Arial"/>
-              </a:rPr>
-              <a:t>	</a:t>
-            </a:r>
-            <a:r>
-              <a:rPr lang="fr-FR" sz="2000" b="1" dirty="0" smtClean="0">
-                <a:solidFill>
-                  <a:srgbClr val="004D6F"/>
-                </a:solidFill>
-                <a:latin typeface="Arial"/>
+              <a:buFont typeface="Arial" panose="020B0604020202020204" pitchFamily="34" charset="0"/>
+              <a:buChar char="•"/>
+            </a:pPr>
+            <a:r>
+              <a:rPr lang="fr-FR" sz="2000" b="1" dirty="0">
+                <a:solidFill>
+                  <a:schemeClr val="accent3">
+                    <a:lumMod val="75000"/>
+                  </a:schemeClr>
+                </a:solidFill>
                 <a:sym typeface="Wingdings" panose="05000000000000000000" pitchFamily="2" charset="2"/>
               </a:rPr>
-              <a:t> </a:t>
+              <a:t>T</a:t>
             </a:r>
             <a:r>
               <a:rPr lang="fr-FR" sz="2000" b="1" dirty="0">
                 <a:solidFill>
-                  <a:srgbClr val="004D6F"/>
-                </a:solidFill>
-                <a:latin typeface="Arial"/>
-                <a:sym typeface="Wingdings" panose="05000000000000000000" pitchFamily="2" charset="2"/>
-              </a:rPr>
-              <a:t>d</a:t>
-            </a:r>
-            <a:r>
-              <a:rPr lang="fr-FR" sz="2000" b="1" strike="noStrike" dirty="0" smtClean="0">
-                <a:solidFill>
-                  <a:srgbClr val="004D6F"/>
-                </a:solidFill>
-                <a:latin typeface="Arial"/>
-              </a:rPr>
-              <a:t>ocumentation </a:t>
-            </a:r>
-            <a:r>
-              <a:rPr lang="fr-FR" sz="2000" b="1" strike="noStrike" dirty="0">
-                <a:solidFill>
-                  <a:srgbClr val="004D6F"/>
-                </a:solidFill>
-                <a:latin typeface="Arial"/>
-              </a:rPr>
-              <a:t>technique</a:t>
-            </a:r>
-            <a:endParaRPr dirty="0"/>
-          </a:p>
-          <a:p>
-            <a:pPr>
-              <a:lnSpc>
-                <a:spcPct val="100000"/>
-              </a:lnSpc>
-            </a:pPr>
-            <a:r>
-              <a:rPr lang="fr-FR" sz="2000" b="1" strike="noStrike" dirty="0">
-                <a:solidFill>
-                  <a:srgbClr val="004D6F"/>
-                </a:solidFill>
-                <a:latin typeface="Arial"/>
-              </a:rPr>
-              <a:t>	</a:t>
-            </a:r>
-            <a:r>
-              <a:rPr lang="fr-FR" sz="2000" b="1" strike="noStrike" dirty="0" smtClean="0">
-                <a:solidFill>
-                  <a:srgbClr val="004D6F"/>
-                </a:solidFill>
-                <a:latin typeface="Arial"/>
-                <a:sym typeface="Wingdings" panose="05000000000000000000" pitchFamily="2" charset="2"/>
-              </a:rPr>
-              <a:t> </a:t>
-            </a:r>
-            <a:r>
-              <a:rPr lang="fr-FR" sz="2000" b="1" dirty="0">
-                <a:solidFill>
-                  <a:srgbClr val="004D6F"/>
-                </a:solidFill>
-                <a:latin typeface="Arial"/>
-                <a:sym typeface="Wingdings" panose="05000000000000000000" pitchFamily="2" charset="2"/>
-              </a:rPr>
-              <a:t>t</a:t>
-            </a:r>
-            <a:r>
-              <a:rPr lang="fr-FR" sz="2000" b="1" strike="noStrike" dirty="0" smtClean="0">
-                <a:solidFill>
-                  <a:srgbClr val="004D6F"/>
-                </a:solidFill>
-                <a:latin typeface="Arial"/>
-              </a:rPr>
-              <a:t>ests </a:t>
-            </a:r>
-            <a:r>
-              <a:rPr lang="fr-FR" sz="2000" b="1" strike="noStrike" dirty="0">
-                <a:solidFill>
-                  <a:srgbClr val="004D6F"/>
-                </a:solidFill>
-                <a:latin typeface="Arial"/>
-              </a:rPr>
-              <a:t>unitaires</a:t>
-            </a:r>
-            <a:endParaRPr dirty="0"/>
+                  <a:schemeClr val="accent3">
+                    <a:lumMod val="75000"/>
+                  </a:schemeClr>
+                </a:solidFill>
+              </a:rPr>
+              <a:t>ests unitaires</a:t>
+            </a:r>
+            <a:endParaRPr lang="fr-FR" sz="2000" dirty="0">
+              <a:solidFill>
+                <a:schemeClr val="accent3">
+                  <a:lumMod val="75000"/>
+                </a:schemeClr>
+              </a:solidFill>
+            </a:endParaRPr>
           </a:p>
         </p:txBody>
       </p:sp>
@@ -11662,12 +14095,12 @@
   </p:clrMapOvr>
   <mc:AlternateContent xmlns:mc="http://schemas.openxmlformats.org/markup-compatibility/2006" xmlns:p14="http://schemas.microsoft.com/office/powerpoint/2010/main">
     <mc:Choice Requires="p14">
-      <p:transition p14:dur="250">
+      <p:transition p14:dur="250" advTm="6783">
         <p:pull/>
       </p:transition>
     </mc:Choice>
     <mc:Fallback xmlns="">
-      <p:transition>
+      <p:transition advTm="6783">
         <p:pull/>
       </p:transition>
     </mc:Fallback>
@@ -11675,9 +14108,126 @@
   <p:timing>
     <p:tnLst>
       <p:par>
-        <p:cTn id="1" dur="indefinite" restart="never" nodeType="tmRoot"/>
+        <p:cTn id="1" dur="indefinite" restart="never" nodeType="tmRoot">
+          <p:childTnLst>
+            <p:seq concurrent="1" nextAc="seek">
+              <p:cTn id="2" dur="indefinite" nodeType="mainSeq">
+                <p:childTnLst>
+                  <p:par>
+                    <p:cTn id="3" fill="hold">
+                      <p:stCondLst>
+                        <p:cond delay="indefinite"/>
+                      </p:stCondLst>
+                      <p:childTnLst>
+                        <p:par>
+                          <p:cTn id="4" fill="hold">
+                            <p:stCondLst>
+                              <p:cond delay="0"/>
+                            </p:stCondLst>
+                            <p:childTnLst>
+                              <p:par>
+                                <p:cTn id="5" presetID="1" presetClass="entr" presetSubtype="0" fill="hold" grpId="0" nodeType="clickEffect">
+                                  <p:stCondLst>
+                                    <p:cond delay="0"/>
+                                  </p:stCondLst>
+                                  <p:childTnLst>
+                                    <p:set>
+                                      <p:cBhvr>
+                                        <p:cTn id="6" dur="1" fill="hold">
+                                          <p:stCondLst>
+                                            <p:cond delay="0"/>
+                                          </p:stCondLst>
+                                        </p:cTn>
+                                        <p:tgtEl>
+                                          <p:spTgt spid="2"/>
+                                        </p:tgtEl>
+                                        <p:attrNameLst>
+                                          <p:attrName>style.visibility</p:attrName>
+                                        </p:attrNameLst>
+                                      </p:cBhvr>
+                                      <p:to>
+                                        <p:strVal val="visible"/>
+                                      </p:to>
+                                    </p:set>
+                                  </p:childTnLst>
+                                </p:cTn>
+                              </p:par>
+                            </p:childTnLst>
+                          </p:cTn>
+                        </p:par>
+                      </p:childTnLst>
+                    </p:cTn>
+                  </p:par>
+                  <p:par>
+                    <p:cTn id="7" fill="hold">
+                      <p:stCondLst>
+                        <p:cond delay="indefinite"/>
+                      </p:stCondLst>
+                      <p:childTnLst>
+                        <p:par>
+                          <p:cTn id="8" fill="hold">
+                            <p:stCondLst>
+                              <p:cond delay="0"/>
+                            </p:stCondLst>
+                            <p:childTnLst>
+                              <p:par>
+                                <p:cTn id="9" presetID="1" presetClass="entr" presetSubtype="0" fill="hold" grpId="0" nodeType="clickEffect">
+                                  <p:stCondLst>
+                                    <p:cond delay="0"/>
+                                  </p:stCondLst>
+                                  <p:childTnLst>
+                                    <p:set>
+                                      <p:cBhvr>
+                                        <p:cTn id="10" dur="1" fill="hold">
+                                          <p:stCondLst>
+                                            <p:cond delay="0"/>
+                                          </p:stCondLst>
+                                        </p:cTn>
+                                        <p:tgtEl>
+                                          <p:spTgt spid="3"/>
+                                        </p:tgtEl>
+                                        <p:attrNameLst>
+                                          <p:attrName>style.visibility</p:attrName>
+                                        </p:attrNameLst>
+                                      </p:cBhvr>
+                                      <p:to>
+                                        <p:strVal val="visible"/>
+                                      </p:to>
+                                    </p:set>
+                                  </p:childTnLst>
+                                </p:cTn>
+                              </p:par>
+                            </p:childTnLst>
+                          </p:cTn>
+                        </p:par>
+                      </p:childTnLst>
+                    </p:cTn>
+                  </p:par>
+                </p:childTnLst>
+              </p:cTn>
+              <p:prevCondLst>
+                <p:cond evt="onPrev" delay="0">
+                  <p:tgtEl>
+                    <p:sldTgt/>
+                  </p:tgtEl>
+                </p:cond>
+              </p:prevCondLst>
+              <p:nextCondLst>
+                <p:cond evt="onNext" delay="0">
+                  <p:tgtEl>
+                    <p:sldTgt/>
+                  </p:tgtEl>
+                </p:cond>
+              </p:nextCondLst>
+            </p:seq>
+          </p:childTnLst>
+        </p:cTn>
       </p:par>
     </p:tnLst>
+    <p:bldLst>
+      <p:bldP spid="2" grpId="0"/>
+      <p:bldP spid="3" grpId="0"/>
+    </p:bldLst>
   </p:timing>
 </p:sld>
 </file>
@@ -11701,14 +14251,14 @@
       </p:grpSpPr>
       <p:sp>
         <p:nvSpPr>
-          <p:cNvPr id="128" name="TextShape 1"/>
+          <p:cNvPr id="129" name="TextShape 2"/>
           <p:cNvSpPr txBox="1"/>
           <p:nvPr/>
         </p:nvSpPr>
         <p:spPr>
           <a:xfrm>
-            <a:off x="1763640" y="92160"/>
-            <a:ext cx="6460560" cy="571320"/>
+            <a:off x="476406" y="980639"/>
+            <a:ext cx="8229240" cy="5328360"/>
           </a:xfrm>
           <a:prstGeom prst="rect">
             <a:avLst/>
@@ -11719,7 +14269,7 @@
           </a:ln>
         </p:spPr>
         <p:txBody>
-          <a:bodyPr anchor="ctr"/>
+          <a:bodyPr/>
           <a:lstStyle/>
           <a:p>
             <a:pPr algn="ctr">
@@ -11728,64 +14278,42 @@
               </a:lnSpc>
             </a:pPr>
             <a:r>
-              <a:rPr lang="fr-FR" sz="1600" b="1" strike="noStrike">
-                <a:solidFill>
-                  <a:srgbClr val="4F4D50"/>
+              <a:rPr lang="fr-FR" sz="2800" b="1" strike="noStrike" dirty="0" smtClean="0">
+                <a:solidFill>
+                  <a:schemeClr val="tx2">
+                    <a:lumMod val="75000"/>
+                  </a:schemeClr>
                 </a:solidFill>
                 <a:latin typeface="Arial"/>
               </a:rPr>
-              <a:t>Contexte</a:t>
-            </a:r>
-            <a:endParaRPr/>
-          </a:p>
-        </p:txBody>
-      </p:sp>
-      <p:sp>
-        <p:nvSpPr>
-          <p:cNvPr id="129" name="TextShape 2"/>
-          <p:cNvSpPr txBox="1"/>
-          <p:nvPr/>
-        </p:nvSpPr>
-        <p:spPr>
-          <a:xfrm>
-            <a:off x="457200" y="980640"/>
-            <a:ext cx="8229240" cy="5328360"/>
-          </a:xfrm>
-          <a:prstGeom prst="rect">
-            <a:avLst/>
-          </a:prstGeom>
-          <a:noFill/>
-          <a:ln>
-            <a:noFill/>
-          </a:ln>
-        </p:spPr>
-        <p:txBody>
-          <a:bodyPr/>
-          <a:lstStyle/>
+              <a:t>Élément </a:t>
+            </a:r>
+            <a:r>
+              <a:rPr lang="fr-FR" sz="2800" b="1" strike="noStrike" dirty="0">
+                <a:solidFill>
+                  <a:schemeClr val="tx2">
+                    <a:lumMod val="75000"/>
+                  </a:schemeClr>
+                </a:solidFill>
+                <a:latin typeface="Arial"/>
+              </a:rPr>
+              <a:t>d’entrée</a:t>
+            </a:r>
+            <a:endParaRPr dirty="0">
+              <a:solidFill>
+                <a:schemeClr val="tx2">
+                  <a:lumMod val="75000"/>
+                </a:schemeClr>
+              </a:solidFill>
+            </a:endParaRPr>
+          </a:p>
           <a:p>
             <a:pPr algn="ctr">
               <a:lnSpc>
                 <a:spcPct val="100000"/>
               </a:lnSpc>
             </a:pPr>
-            <a:r>
-              <a:rPr lang="fr-FR" sz="2800" b="1" strike="noStrike">
-                <a:solidFill>
-                  <a:srgbClr val="004D6F"/>
-                </a:solidFill>
-                <a:latin typeface="Arial"/>
-              </a:rPr>
-              <a:t>Éléments d’entrée</a:t>
-            </a:r>
-            <a:endParaRPr/>
-          </a:p>
-          <a:p>
-            <a:pPr algn="ctr">
-              <a:lnSpc>
-                <a:spcPct val="100000"/>
-              </a:lnSpc>
-            </a:pPr>
-            <a:endParaRPr/>
+            <a:endParaRPr dirty="0"/>
           </a:p>
         </p:txBody>
       </p:sp>
@@ -11798,15 +14326,117 @@
           <p:nvPr/>
         </p:nvPicPr>
         <p:blipFill>
-          <a:blip r:embed="rId2" cstate="print"/>
+          <a:blip r:embed="rId4" cstate="print"/>
           <a:stretch>
             <a:fillRect/>
           </a:stretch>
         </p:blipFill>
         <p:spPr>
           <a:xfrm>
-            <a:off x="2555776" y="2276872"/>
-            <a:ext cx="4401681" cy="2507935"/>
+            <a:off x="484850" y="2730634"/>
+            <a:ext cx="3208977" cy="1828371"/>
+          </a:xfrm>
+          <a:prstGeom prst="rect">
+            <a:avLst/>
+          </a:prstGeom>
+        </p:spPr>
+      </p:pic>
+      <p:pic>
+        <p:nvPicPr>
+          <p:cNvPr id="6" name="Picture 4"/>
+          <p:cNvPicPr/>
+          <p:nvPr/>
+        </p:nvPicPr>
+        <p:blipFill>
+          <a:blip r:embed="rId5" cstate="print"/>
+          <a:stretch/>
+        </p:blipFill>
+        <p:spPr>
+          <a:xfrm>
+            <a:off x="4788024" y="1728080"/>
+            <a:ext cx="3682448" cy="4580920"/>
+          </a:xfrm>
+          <a:prstGeom prst="rect">
+            <a:avLst/>
+          </a:prstGeom>
+          <a:ln>
+            <a:noFill/>
+          </a:ln>
+        </p:spPr>
+      </p:pic>
+      <p:sp>
+        <p:nvSpPr>
+          <p:cNvPr id="7" name="TextShape 1"/>
+          <p:cNvSpPr txBox="1"/>
+          <p:nvPr/>
+        </p:nvSpPr>
+        <p:spPr>
+          <a:xfrm>
+            <a:off x="1763688" y="116632"/>
+            <a:ext cx="3528392" cy="488142"/>
+          </a:xfrm>
+          <a:prstGeom prst="rect">
+            <a:avLst/>
+          </a:prstGeom>
+          <a:noFill/>
+          <a:ln>
+            <a:noFill/>
+          </a:ln>
+        </p:spPr>
+        <p:txBody>
+          <a:bodyPr anchor="ctr"/>
+          <a:lstStyle/>
+          <a:p>
+            <a:pPr>
+              <a:lnSpc>
+                <a:spcPct val="100000"/>
+              </a:lnSpc>
+            </a:pPr>
+            <a:r>
+              <a:rPr lang="fr-FR" sz="2000" b="1" dirty="0" smtClean="0">
+                <a:solidFill>
+                  <a:srgbClr val="004D6F"/>
+                </a:solidFill>
+              </a:rPr>
+              <a:t>Contexte</a:t>
+            </a:r>
+            <a:endParaRPr sz="2000" dirty="0">
+              <a:solidFill>
+                <a:schemeClr val="accent4">
+                  <a:lumMod val="75000"/>
+                </a:schemeClr>
+              </a:solidFill>
+            </a:endParaRPr>
+          </a:p>
+        </p:txBody>
+      </p:sp>
+      <p:pic>
+        <p:nvPicPr>
+          <p:cNvPr id="2" name="Audio 1">
+            <a:hlinkClick r:id="" action="ppaction://media"/>
+          </p:cNvPr>
+          <p:cNvPicPr>
+            <a:picLocks noChangeAspect="1"/>
+          </p:cNvPicPr>
+          <p:nvPr>
+            <a:audioFile r:link="rId2"/>
+            <p:extLst>
+              <p:ext uri="{DAA4B4D4-6D71-4841-9C94-3DE7FCFB9230}">
+                <p14:media xmlns:p14="http://schemas.microsoft.com/office/powerpoint/2010/main" r:embed="rId1"/>
+              </p:ext>
+            </p:extLst>
+          </p:nvPr>
+        </p:nvPicPr>
+        <p:blipFill>
+          <a:blip r:embed="rId6"/>
+          <a:stretch>
+            <a:fillRect/>
+          </a:stretch>
+        </p:blipFill>
+        <p:spPr>
+          <a:xfrm>
+            <a:off x="8318500" y="6032500"/>
+            <a:ext cx="609600" cy="609600"/>
           </a:xfrm>
           <a:prstGeom prst="rect">
             <a:avLst/>
@@ -11820,12 +14450,12 @@
   </p:clrMapOvr>
   <mc:AlternateContent xmlns:mc="http://schemas.openxmlformats.org/markup-compatibility/2006" xmlns:p14="http://schemas.microsoft.com/office/powerpoint/2010/main">
     <mc:Choice Requires="p14">
-      <p:transition p14:dur="250">
+      <p:transition p14:dur="250" advTm="6472">
         <p:pull/>
       </p:transition>
     </mc:Choice>
     <mc:Fallback xmlns="">
-      <p:transition>
+      <p:transition advTm="6472">
         <p:pull/>
       </p:transition>
     </mc:Fallback>
@@ -11833,11 +14463,109 @@
   <p:timing>
     <p:tnLst>
       <p:par>
-        <p:cTn id="1" dur="indefinite" restart="never" nodeType="tmRoot"/>
+        <p:cTn id="1" dur="indefinite" restart="never" nodeType="tmRoot">
+          <p:childTnLst>
+            <p:seq concurrent="1" nextAc="seek">
+              <p:cTn id="2" dur="indefinite" nodeType="mainSeq">
+                <p:childTnLst>
+                  <p:par>
+                    <p:cTn id="3" fill="hold">
+                      <p:stCondLst>
+                        <p:cond delay="indefinite"/>
+                        <p:cond evt="onBegin" delay="0">
+                          <p:tn val="2"/>
+                        </p:cond>
+                      </p:stCondLst>
+                      <p:childTnLst>
+                        <p:par>
+                          <p:cTn id="4" fill="hold">
+                            <p:stCondLst>
+                              <p:cond delay="0"/>
+                            </p:stCondLst>
+                            <p:childTnLst>
+                              <p:par>
+                                <p:cTn id="5" presetID="1" presetClass="mediacall" presetSubtype="0" fill="hold" nodeType="afterEffect">
+                                  <p:stCondLst>
+                                    <p:cond delay="0"/>
+                                  </p:stCondLst>
+                                  <p:childTnLst>
+                                    <p:cmd type="call" cmd="playFrom(0.0)">
+                                      <p:cBhvr>
+                                        <p:cTn id="6" dur="1" fill="hold"/>
+                                        <p:tgtEl>
+                                          <p:spTgt spid="2"/>
+                                        </p:tgtEl>
+                                      </p:cBhvr>
+                                    </p:cmd>
+                                  </p:childTnLst>
+                                </p:cTn>
+                              </p:par>
+                            </p:childTnLst>
+                          </p:cTn>
+                        </p:par>
+                      </p:childTnLst>
+                    </p:cTn>
+                  </p:par>
+                </p:childTnLst>
+              </p:cTn>
+              <p:prevCondLst>
+                <p:cond evt="onPrev" delay="0">
+                  <p:tgtEl>
+                    <p:sldTgt/>
+                  </p:tgtEl>
+                </p:cond>
+              </p:prevCondLst>
+              <p:nextCondLst>
+                <p:cond evt="onNext" delay="0">
+                  <p:tgtEl>
+                    <p:sldTgt/>
+                  </p:tgtEl>
+                </p:cond>
+              </p:nextCondLst>
+            </p:seq>
+            <p:audio isNarration="1">
+              <p:cMediaNode vol="80000" showWhenStopped="0">
+                <p:cTn id="7" fill="hold" display="0">
+                  <p:stCondLst>
+                    <p:cond delay="indefinite"/>
+                  </p:stCondLst>
+                  <p:endCondLst>
+                    <p:cond evt="onStopAudio" delay="0">
+                      <p:tgtEl>
+                        <p:sldTgt/>
+                      </p:tgtEl>
+                    </p:cond>
+                  </p:endCondLst>
+                </p:cTn>
+                <p:tgtEl>
+                  <p:spTgt spid="2"/>
+                </p:tgtEl>
+              </p:cMediaNode>
+            </p:audio>
+          </p:childTnLst>
+        </p:cTn>
       </p:par>
     </p:tnLst>
   </p:timing>
 </p:sld>
+</file>
+
+<file path=ppt/tags/tag1.xml><?xml version="1.0" encoding="utf-8"?>
+<p:tagLst xmlns:a="http://schemas.openxmlformats.org/drawingml/2006/main" xmlns:r="http://schemas.openxmlformats.org/officeDocument/2006/relationships" xmlns:p="http://schemas.openxmlformats.org/presentationml/2006/main">
+  <p:tag name="TIMING" val="|0.9|1.5|0.8"/>
+</p:tagLst>
+</file>
+
+<file path=ppt/tags/tag2.xml><?xml version="1.0" encoding="utf-8"?>
+<p:tagLst xmlns:a="http://schemas.openxmlformats.org/drawingml/2006/main" xmlns:r="http://schemas.openxmlformats.org/officeDocument/2006/relationships" xmlns:p="http://schemas.openxmlformats.org/presentationml/2006/main">
+  <p:tag name="TIMING" val="|2.7|1"/>
+</p:tagLst>
+</file>
+
+<file path=ppt/tags/tag3.xml><?xml version="1.0" encoding="utf-8"?>
+<p:tagLst xmlns:a="http://schemas.openxmlformats.org/drawingml/2006/main" xmlns:r="http://schemas.openxmlformats.org/officeDocument/2006/relationships" xmlns:p="http://schemas.openxmlformats.org/presentationml/2006/main">
+  <p:tag name="TIMING" val="|2.3|0.9|0.9"/>
+</p:tagLst>
 </file>
 
 <file path=ppt/theme/theme1.xml><?xml version="1.0" encoding="utf-8"?>

--- a/soutenances/planification/soutenance_planification.pptx
+++ b/soutenances/planification/soutenance_planification.pptx
@@ -8537,9 +8537,181 @@
           </a:prstGeom>
         </p:spPr>
       </p:pic>
+      <p:sp>
+        <p:nvSpPr>
+          <p:cNvPr id="5" name="TextBox 4"/>
+          <p:cNvSpPr txBox="1"/>
+          <p:nvPr/>
+        </p:nvSpPr>
+        <p:spPr>
+          <a:xfrm>
+            <a:off x="971600" y="1913597"/>
+            <a:ext cx="928524" cy="369332"/>
+          </a:xfrm>
+          <a:prstGeom prst="rect">
+            <a:avLst/>
+          </a:prstGeom>
+          <a:noFill/>
+        </p:spPr>
+        <p:txBody>
+          <a:bodyPr wrap="none" rtlCol="0">
+            <a:spAutoFit/>
+          </a:bodyPr>
+          <a:lstStyle/>
+          <a:p>
+            <a:r>
+              <a:rPr lang="en-US" dirty="0" err="1" smtClean="0">
+                <a:solidFill>
+                  <a:schemeClr val="accent3">
+                    <a:lumMod val="75000"/>
+                  </a:schemeClr>
+                </a:solidFill>
+              </a:rPr>
+              <a:t>ADTool</a:t>
+            </a:r>
+            <a:endParaRPr lang="fr-FR" dirty="0">
+              <a:solidFill>
+                <a:schemeClr val="accent3">
+                  <a:lumMod val="75000"/>
+                </a:schemeClr>
+              </a:solidFill>
+            </a:endParaRPr>
+          </a:p>
+        </p:txBody>
+      </p:sp>
+      <p:sp>
+        <p:nvSpPr>
+          <p:cNvPr id="6" name="TextBox 5"/>
+          <p:cNvSpPr txBox="1"/>
+          <p:nvPr/>
+        </p:nvSpPr>
+        <p:spPr>
+          <a:xfrm>
+            <a:off x="6948264" y="1913597"/>
+            <a:ext cx="1082348" cy="369332"/>
+          </a:xfrm>
+          <a:prstGeom prst="rect">
+            <a:avLst/>
+          </a:prstGeom>
+          <a:noFill/>
+        </p:spPr>
+        <p:txBody>
+          <a:bodyPr wrap="none" rtlCol="0">
+            <a:spAutoFit/>
+          </a:bodyPr>
+          <a:lstStyle/>
+          <a:p>
+            <a:r>
+              <a:rPr lang="en-US" dirty="0" smtClean="0">
+                <a:solidFill>
+                  <a:schemeClr val="accent6">
+                    <a:lumMod val="75000"/>
+                  </a:schemeClr>
+                </a:solidFill>
+              </a:rPr>
+              <a:t>Interface</a:t>
+            </a:r>
+            <a:endParaRPr lang="fr-FR" dirty="0">
+              <a:solidFill>
+                <a:schemeClr val="accent6">
+                  <a:lumMod val="75000"/>
+                </a:schemeClr>
+              </a:solidFill>
+            </a:endParaRPr>
+          </a:p>
+        </p:txBody>
+      </p:sp>
+      <p:sp>
+        <p:nvSpPr>
+          <p:cNvPr id="7" name="TextBox 6"/>
+          <p:cNvSpPr txBox="1"/>
+          <p:nvPr/>
+        </p:nvSpPr>
+        <p:spPr>
+          <a:xfrm>
+            <a:off x="3848191" y="1913597"/>
+            <a:ext cx="1402948" cy="369332"/>
+          </a:xfrm>
+          <a:prstGeom prst="rect">
+            <a:avLst/>
+          </a:prstGeom>
+          <a:noFill/>
+        </p:spPr>
+        <p:txBody>
+          <a:bodyPr wrap="none" rtlCol="0">
+            <a:spAutoFit/>
+          </a:bodyPr>
+          <a:lstStyle/>
+          <a:p>
+            <a:r>
+              <a:rPr lang="en-US" dirty="0" err="1" smtClean="0">
+                <a:solidFill>
+                  <a:schemeClr val="accent2">
+                    <a:lumMod val="75000"/>
+                  </a:schemeClr>
+                </a:solidFill>
+              </a:rPr>
+              <a:t>Algorithmes</a:t>
+            </a:r>
+            <a:endParaRPr lang="fr-FR" dirty="0">
+              <a:solidFill>
+                <a:schemeClr val="accent2">
+                  <a:lumMod val="75000"/>
+                </a:schemeClr>
+              </a:solidFill>
+            </a:endParaRPr>
+          </a:p>
+        </p:txBody>
+      </p:sp>
+      <p:sp>
+        <p:nvSpPr>
+          <p:cNvPr id="11" name="TextShape 1"/>
+          <p:cNvSpPr txBox="1"/>
+          <p:nvPr/>
+        </p:nvSpPr>
+        <p:spPr>
+          <a:xfrm>
+            <a:off x="1763688" y="116632"/>
+            <a:ext cx="3528392" cy="488142"/>
+          </a:xfrm>
+          <a:prstGeom prst="rect">
+            <a:avLst/>
+          </a:prstGeom>
+          <a:noFill/>
+          <a:ln>
+            <a:noFill/>
+          </a:ln>
+        </p:spPr>
+        <p:txBody>
+          <a:bodyPr anchor="ctr"/>
+          <a:lstStyle/>
+          <a:p>
+            <a:pPr>
+              <a:lnSpc>
+                <a:spcPct val="100000"/>
+              </a:lnSpc>
+            </a:pPr>
+            <a:r>
+              <a:rPr lang="fr-FR" sz="2000" b="1" dirty="0" smtClean="0">
+                <a:solidFill>
+                  <a:srgbClr val="004D6F"/>
+                </a:solidFill>
+              </a:rPr>
+              <a:t>Organisation</a:t>
+            </a:r>
+            <a:endParaRPr sz="2000" dirty="0">
+              <a:solidFill>
+                <a:schemeClr val="accent4">
+                  <a:lumMod val="75000"/>
+                </a:schemeClr>
+              </a:solidFill>
+            </a:endParaRPr>
+          </a:p>
+        </p:txBody>
+      </p:sp>
       <p:pic>
         <p:nvPicPr>
-          <p:cNvPr id="4" name="Picture 3"/>
+          <p:cNvPr id="8" name="Picture 7"/>
           <p:cNvPicPr>
             <a:picLocks noChangeAspect="1"/>
           </p:cNvPicPr>
@@ -8559,186 +8731,14 @@
         </p:blipFill>
         <p:spPr>
           <a:xfrm>
-            <a:off x="6660232" y="2787189"/>
-            <a:ext cx="1847850" cy="2466975"/>
+            <a:off x="6228184" y="2985694"/>
+            <a:ext cx="2312876" cy="2312876"/>
           </a:xfrm>
           <a:prstGeom prst="rect">
             <a:avLst/>
           </a:prstGeom>
         </p:spPr>
       </p:pic>
-      <p:sp>
-        <p:nvSpPr>
-          <p:cNvPr id="5" name="TextBox 4"/>
-          <p:cNvSpPr txBox="1"/>
-          <p:nvPr/>
-        </p:nvSpPr>
-        <p:spPr>
-          <a:xfrm>
-            <a:off x="971600" y="1913597"/>
-            <a:ext cx="928524" cy="369332"/>
-          </a:xfrm>
-          <a:prstGeom prst="rect">
-            <a:avLst/>
-          </a:prstGeom>
-          <a:noFill/>
-        </p:spPr>
-        <p:txBody>
-          <a:bodyPr wrap="none" rtlCol="0">
-            <a:spAutoFit/>
-          </a:bodyPr>
-          <a:lstStyle/>
-          <a:p>
-            <a:r>
-              <a:rPr lang="en-US" dirty="0" err="1" smtClean="0">
-                <a:solidFill>
-                  <a:schemeClr val="accent3">
-                    <a:lumMod val="75000"/>
-                  </a:schemeClr>
-                </a:solidFill>
-              </a:rPr>
-              <a:t>ADTool</a:t>
-            </a:r>
-            <a:endParaRPr lang="fr-FR" dirty="0">
-              <a:solidFill>
-                <a:schemeClr val="accent3">
-                  <a:lumMod val="75000"/>
-                </a:schemeClr>
-              </a:solidFill>
-            </a:endParaRPr>
-          </a:p>
-        </p:txBody>
-      </p:sp>
-      <p:sp>
-        <p:nvSpPr>
-          <p:cNvPr id="6" name="TextBox 5"/>
-          <p:cNvSpPr txBox="1"/>
-          <p:nvPr/>
-        </p:nvSpPr>
-        <p:spPr>
-          <a:xfrm>
-            <a:off x="6948264" y="1913597"/>
-            <a:ext cx="1082348" cy="369332"/>
-          </a:xfrm>
-          <a:prstGeom prst="rect">
-            <a:avLst/>
-          </a:prstGeom>
-          <a:noFill/>
-        </p:spPr>
-        <p:txBody>
-          <a:bodyPr wrap="none" rtlCol="0">
-            <a:spAutoFit/>
-          </a:bodyPr>
-          <a:lstStyle/>
-          <a:p>
-            <a:r>
-              <a:rPr lang="en-US" dirty="0" smtClean="0">
-                <a:solidFill>
-                  <a:schemeClr val="accent6">
-                    <a:lumMod val="75000"/>
-                  </a:schemeClr>
-                </a:solidFill>
-              </a:rPr>
-              <a:t>Interface</a:t>
-            </a:r>
-            <a:endParaRPr lang="fr-FR" dirty="0">
-              <a:solidFill>
-                <a:schemeClr val="accent6">
-                  <a:lumMod val="75000"/>
-                </a:schemeClr>
-              </a:solidFill>
-            </a:endParaRPr>
-          </a:p>
-        </p:txBody>
-      </p:sp>
-      <p:sp>
-        <p:nvSpPr>
-          <p:cNvPr id="7" name="TextBox 6"/>
-          <p:cNvSpPr txBox="1"/>
-          <p:nvPr/>
-        </p:nvSpPr>
-        <p:spPr>
-          <a:xfrm>
-            <a:off x="3848191" y="1913597"/>
-            <a:ext cx="1402948" cy="369332"/>
-          </a:xfrm>
-          <a:prstGeom prst="rect">
-            <a:avLst/>
-          </a:prstGeom>
-          <a:noFill/>
-        </p:spPr>
-        <p:txBody>
-          <a:bodyPr wrap="none" rtlCol="0">
-            <a:spAutoFit/>
-          </a:bodyPr>
-          <a:lstStyle/>
-          <a:p>
-            <a:r>
-              <a:rPr lang="en-US" dirty="0" err="1" smtClean="0">
-                <a:solidFill>
-                  <a:schemeClr val="accent2">
-                    <a:lumMod val="75000"/>
-                  </a:schemeClr>
-                </a:solidFill>
-              </a:rPr>
-              <a:t>Algorithmes</a:t>
-            </a:r>
-            <a:endParaRPr lang="fr-FR" dirty="0">
-              <a:solidFill>
-                <a:schemeClr val="accent2">
-                  <a:lumMod val="75000"/>
-                </a:schemeClr>
-              </a:solidFill>
-            </a:endParaRPr>
-          </a:p>
-        </p:txBody>
-      </p:sp>
-      <p:sp>
-        <p:nvSpPr>
-          <p:cNvPr id="11" name="TextShape 1"/>
-          <p:cNvSpPr txBox="1"/>
-          <p:nvPr/>
-        </p:nvSpPr>
-        <p:spPr>
-          <a:xfrm>
-            <a:off x="1763688" y="116632"/>
-            <a:ext cx="3528392" cy="488142"/>
-          </a:xfrm>
-          <a:prstGeom prst="rect">
-            <a:avLst/>
-          </a:prstGeom>
-          <a:noFill/>
-          <a:ln>
-            <a:noFill/>
-          </a:ln>
-        </p:spPr>
-        <p:txBody>
-          <a:bodyPr anchor="ctr"/>
-          <a:lstStyle/>
-          <a:p>
-            <a:pPr>
-              <a:lnSpc>
-                <a:spcPct val="100000"/>
-              </a:lnSpc>
-            </a:pPr>
-            <a:r>
-              <a:rPr lang="fr-FR" sz="2000" b="1" dirty="0" smtClean="0">
-                <a:solidFill>
-                  <a:srgbClr val="004D6F"/>
-                </a:solidFill>
-              </a:rPr>
-              <a:t>Organisation</a:t>
-            </a:r>
-            <a:endParaRPr sz="2000" dirty="0">
-              <a:solidFill>
-                <a:schemeClr val="accent4">
-                  <a:lumMod val="75000"/>
-                </a:schemeClr>
-              </a:solidFill>
-            </a:endParaRPr>
-          </a:p>
-        </p:txBody>
-      </p:sp>
     </p:spTree>
     <p:custDataLst>
       <p:tags r:id="rId1"/>
@@ -9089,106 +9089,15 @@
                                   </p:childTnLst>
                                 </p:cTn>
                               </p:par>
-                            </p:childTnLst>
-                          </p:cTn>
-                        </p:par>
-                      </p:childTnLst>
-                    </p:cTn>
-                  </p:par>
-                  <p:par>
-                    <p:cTn id="23" fill="hold">
-                      <p:stCondLst>
-                        <p:cond delay="indefinite"/>
-                      </p:stCondLst>
-                      <p:childTnLst>
-                        <p:par>
-                          <p:cTn id="24" fill="hold">
-                            <p:stCondLst>
-                              <p:cond delay="0"/>
-                            </p:stCondLst>
-                            <p:childTnLst>
                               <p:par>
-                                <p:cTn id="25" presetID="2" presetClass="entr" presetSubtype="4" fill="hold" nodeType="clickEffect">
+                                <p:cTn id="23" presetID="2" presetClass="entr" presetSubtype="4" fill="hold" grpId="0" nodeType="withEffect">
                                   <p:stCondLst>
                                     <p:cond delay="0"/>
                                   </p:stCondLst>
                                   <p:childTnLst>
                                     <p:set>
                                       <p:cBhvr>
-                                        <p:cTn id="26" dur="1" fill="hold">
-                                          <p:stCondLst>
-                                            <p:cond delay="0"/>
-                                          </p:stCondLst>
-                                        </p:cTn>
-                                        <p:tgtEl>
-                                          <p:spTgt spid="4"/>
-                                        </p:tgtEl>
-                                        <p:attrNameLst>
-                                          <p:attrName>style.visibility</p:attrName>
-                                        </p:attrNameLst>
-                                      </p:cBhvr>
-                                      <p:to>
-                                        <p:strVal val="visible"/>
-                                      </p:to>
-                                    </p:set>
-                                    <p:anim calcmode="lin" valueType="num">
-                                      <p:cBhvr additive="base">
-                                        <p:cTn id="27" dur="500" fill="hold"/>
-                                        <p:tgtEl>
-                                          <p:spTgt spid="4"/>
-                                        </p:tgtEl>
-                                        <p:attrNameLst>
-                                          <p:attrName>ppt_x</p:attrName>
-                                        </p:attrNameLst>
-                                      </p:cBhvr>
-                                      <p:tavLst>
-                                        <p:tav tm="0">
-                                          <p:val>
-                                            <p:strVal val="#ppt_x"/>
-                                          </p:val>
-                                        </p:tav>
-                                        <p:tav tm="100000">
-                                          <p:val>
-                                            <p:strVal val="#ppt_x"/>
-                                          </p:val>
-                                        </p:tav>
-                                      </p:tavLst>
-                                    </p:anim>
-                                    <p:anim calcmode="lin" valueType="num">
-                                      <p:cBhvr additive="base">
-                                        <p:cTn id="28" dur="500" fill="hold"/>
-                                        <p:tgtEl>
-                                          <p:spTgt spid="4"/>
-                                        </p:tgtEl>
-                                        <p:attrNameLst>
-                                          <p:attrName>ppt_y</p:attrName>
-                                        </p:attrNameLst>
-                                      </p:cBhvr>
-                                      <p:tavLst>
-                                        <p:tav tm="0">
-                                          <p:val>
-                                            <p:strVal val="1+#ppt_h/2"/>
-                                          </p:val>
-                                        </p:tav>
-                                        <p:tav tm="100000">
-                                          <p:val>
-                                            <p:strVal val="#ppt_y"/>
-                                          </p:val>
-                                        </p:tav>
-                                      </p:tavLst>
-                                    </p:anim>
-                                  </p:childTnLst>
-                                </p:cTn>
-                              </p:par>
-                              <p:par>
-                                <p:cTn id="29" presetID="2" presetClass="entr" presetSubtype="4" fill="hold" grpId="0" nodeType="withEffect">
-                                  <p:stCondLst>
-                                    <p:cond delay="0"/>
-                                  </p:stCondLst>
-                                  <p:childTnLst>
-                                    <p:set>
-                                      <p:cBhvr>
-                                        <p:cTn id="30" dur="1" fill="hold">
+                                        <p:cTn id="24" dur="1" fill="hold">
                                           <p:stCondLst>
                                             <p:cond delay="0"/>
                                           </p:stCondLst>
@@ -9206,7 +9115,7 @@
                                     </p:set>
                                     <p:anim calcmode="lin" valueType="num">
                                       <p:cBhvr additive="base">
-                                        <p:cTn id="31" dur="500" fill="hold"/>
+                                        <p:cTn id="25" dur="500" fill="hold"/>
                                         <p:tgtEl>
                                           <p:spTgt spid="6"/>
                                         </p:tgtEl>
@@ -9229,7 +9138,7 @@
                                     </p:anim>
                                     <p:anim calcmode="lin" valueType="num">
                                       <p:cBhvr additive="base">
-                                        <p:cTn id="32" dur="500" fill="hold"/>
+                                        <p:cTn id="26" dur="500" fill="hold"/>
                                         <p:tgtEl>
                                           <p:spTgt spid="6"/>
                                         </p:tgtEl>
@@ -9763,8 +9672,8 @@
         </p:nvSpPr>
         <p:spPr>
           <a:xfrm>
-            <a:off x="457200" y="980640"/>
-            <a:ext cx="8229240" cy="5328360"/>
+            <a:off x="0" y="980640"/>
+            <a:ext cx="9144000" cy="1008200"/>
           </a:xfrm>
           <a:prstGeom prst="rect">
             <a:avLst/>
@@ -9808,8 +9717,40 @@
                 <a:spcPct val="100000"/>
               </a:lnSpc>
             </a:pPr>
+            <a:endParaRPr lang="en-US" dirty="0" smtClean="0"/>
+          </a:p>
+          <a:p>
+            <a:pPr>
+              <a:lnSpc>
+                <a:spcPct val="100000"/>
+              </a:lnSpc>
+            </a:pPr>
             <a:endParaRPr dirty="0"/>
           </a:p>
+        </p:txBody>
+      </p:sp>
+      <p:sp>
+        <p:nvSpPr>
+          <p:cNvPr id="7" name="TextShape 1"/>
+          <p:cNvSpPr txBox="1"/>
+          <p:nvPr/>
+        </p:nvSpPr>
+        <p:spPr>
+          <a:xfrm>
+            <a:off x="1763688" y="116632"/>
+            <a:ext cx="3528392" cy="488142"/>
+          </a:xfrm>
+          <a:prstGeom prst="rect">
+            <a:avLst/>
+          </a:prstGeom>
+          <a:noFill/>
+          <a:ln>
+            <a:noFill/>
+          </a:ln>
+        </p:spPr>
+        <p:txBody>
+          <a:bodyPr anchor="ctr"/>
+          <a:lstStyle/>
           <a:p>
             <a:pPr>
               <a:lnSpc>
@@ -9817,40 +9758,16 @@
               </a:lnSpc>
             </a:pPr>
             <a:r>
-              <a:rPr lang="fr-FR" sz="2000" b="1" strike="noStrike" dirty="0">
-                <a:solidFill>
-                  <a:schemeClr val="accent3">
-                    <a:lumMod val="75000"/>
-                  </a:schemeClr>
-                </a:solidFill>
-                <a:latin typeface="Arial"/>
-              </a:rPr>
-              <a:t>Pilotage par les </a:t>
-            </a:r>
-            <a:r>
-              <a:rPr lang="fr-FR" sz="2000" b="1" strike="noStrike" dirty="0" smtClean="0">
-                <a:solidFill>
-                  <a:schemeClr val="accent3">
-                    <a:lumMod val="75000"/>
-                  </a:schemeClr>
-                </a:solidFill>
-                <a:latin typeface="Arial"/>
-              </a:rPr>
-              <a:t>délais de chaque version</a:t>
-            </a:r>
-            <a:r>
-              <a:rPr lang="fr-FR" dirty="0" smtClean="0">
-                <a:solidFill>
-                  <a:schemeClr val="accent3">
-                    <a:lumMod val="75000"/>
-                  </a:schemeClr>
-                </a:solidFill>
-              </a:rPr>
-              <a:t> </a:t>
-            </a:r>
-            <a:endParaRPr dirty="0">
+              <a:rPr lang="fr-FR" sz="2000" b="1" dirty="0" smtClean="0">
+                <a:solidFill>
+                  <a:srgbClr val="004D6F"/>
+                </a:solidFill>
+              </a:rPr>
+              <a:t>Organisation</a:t>
+            </a:r>
+            <a:endParaRPr sz="2000" dirty="0">
               <a:solidFill>
-                <a:schemeClr val="accent3">
+                <a:schemeClr val="accent4">
                   <a:lumMod val="75000"/>
                 </a:schemeClr>
               </a:solidFill>
@@ -9860,14 +9777,14 @@
       </p:sp>
       <p:pic>
         <p:nvPicPr>
-          <p:cNvPr id="3" name="Picture 2"/>
+          <p:cNvPr id="2" name="Picture 1"/>
           <p:cNvPicPr>
             <a:picLocks noChangeAspect="1"/>
           </p:cNvPicPr>
           <p:nvPr/>
         </p:nvPicPr>
         <p:blipFill>
-          <a:blip r:embed="rId2" cstate="print">
+          <a:blip r:embed="rId2">
             <a:extLst>
               <a:ext uri="{28A0092B-C50C-407E-A947-70E740481C1C}">
                 <a14:useLocalDpi xmlns:a14="http://schemas.microsoft.com/office/drawing/2010/main" val="0"/>
@@ -9880,8 +9797,8 @@
         </p:blipFill>
         <p:spPr>
           <a:xfrm>
-            <a:off x="2646458" y="2564904"/>
-            <a:ext cx="3850723" cy="3850723"/>
+            <a:off x="2591780" y="2494350"/>
+            <a:ext cx="3960440" cy="3960440"/>
           </a:xfrm>
           <a:prstGeom prst="rect">
             <a:avLst/>
@@ -9890,25 +9807,23 @@
       </p:pic>
       <p:sp>
         <p:nvSpPr>
-          <p:cNvPr id="7" name="TextShape 1"/>
-          <p:cNvSpPr txBox="1"/>
+          <p:cNvPr id="4" name="Rectangle 3"/>
+          <p:cNvSpPr/>
           <p:nvPr/>
         </p:nvSpPr>
         <p:spPr>
           <a:xfrm>
-            <a:off x="1763688" y="116632"/>
-            <a:ext cx="3528392" cy="488142"/>
-          </a:xfrm>
-          <a:prstGeom prst="rect">
-            <a:avLst/>
-          </a:prstGeom>
-          <a:noFill/>
-          <a:ln>
-            <a:noFill/>
-          </a:ln>
-        </p:spPr>
-        <p:txBody>
-          <a:bodyPr anchor="ctr"/>
+            <a:off x="395536" y="1841485"/>
+            <a:ext cx="5246239" cy="400110"/>
+          </a:xfrm>
+          <a:prstGeom prst="rect">
+            <a:avLst/>
+          </a:prstGeom>
+        </p:spPr>
+        <p:txBody>
+          <a:bodyPr wrap="square">
+            <a:spAutoFit/>
+          </a:bodyPr>
           <a:lstStyle/>
           <a:p>
             <a:pPr>
@@ -9917,16 +9832,28 @@
               </a:lnSpc>
             </a:pPr>
             <a:r>
-              <a:rPr lang="fr-FR" sz="2000" b="1" dirty="0" smtClean="0">
-                <a:solidFill>
-                  <a:srgbClr val="004D6F"/>
-                </a:solidFill>
-              </a:rPr>
-              <a:t>Organisation</a:t>
-            </a:r>
-            <a:endParaRPr sz="2000" dirty="0">
+              <a:rPr lang="fr-FR" sz="2000" b="1" dirty="0">
+                <a:solidFill>
+                  <a:schemeClr val="accent3">
+                    <a:lumMod val="75000"/>
+                  </a:schemeClr>
+                </a:solidFill>
+              </a:rPr>
+              <a:t>Pilotage par les délais de chaque version</a:t>
+            </a:r>
+            <a:r>
+              <a:rPr lang="fr-FR" sz="2000" dirty="0">
+                <a:solidFill>
+                  <a:schemeClr val="accent3">
+                    <a:lumMod val="75000"/>
+                  </a:schemeClr>
+                </a:solidFill>
+              </a:rPr>
+              <a:t> </a:t>
+            </a:r>
+            <a:endParaRPr lang="fr-FR" sz="2000" dirty="0">
               <a:solidFill>
-                <a:schemeClr val="accent4">
+                <a:schemeClr val="accent3">
                   <a:lumMod val="75000"/>
                 </a:schemeClr>
               </a:solidFill>
@@ -11062,17 +10989,7 @@
                   </a:schemeClr>
                 </a:solidFill>
               </a:rPr>
-              <a:t>60h - semaine </a:t>
-            </a:r>
-            <a:r>
-              <a:rPr lang="fr-FR" sz="2000" b="1" dirty="0" smtClean="0">
-                <a:solidFill>
-                  <a:schemeClr val="accent3">
-                    <a:lumMod val="75000"/>
-                  </a:schemeClr>
-                </a:solidFill>
-              </a:rPr>
-              <a:t>bloquée</a:t>
+              <a:t>60h - semaine bloquée</a:t>
             </a:r>
             <a:endParaRPr lang="fr-FR" sz="2000" b="1" dirty="0">
               <a:solidFill>
@@ -12403,8 +12320,8 @@
         </p:nvSpPr>
         <p:spPr>
           <a:xfrm>
-            <a:off x="539552" y="836712"/>
-            <a:ext cx="4572000" cy="2285241"/>
+            <a:off x="539552" y="932892"/>
+            <a:ext cx="4572000" cy="2015936"/>
           </a:xfrm>
           <a:prstGeom prst="rect">
             <a:avLst/>
@@ -12416,11 +12333,6 @@
           </a:bodyPr>
           <a:lstStyle/>
           <a:p>
-            <a:pPr>
-              <a:lnSpc>
-                <a:spcPct val="150000"/>
-              </a:lnSpc>
-            </a:pPr>
             <a:r>
               <a:rPr lang="fr-FR" sz="2000" b="1" dirty="0">
                 <a:solidFill>
@@ -12432,11 +12344,7 @@
             <a:endParaRPr lang="fr-FR" dirty="0"/>
           </a:p>
           <a:p>
-            <a:pPr lvl="1">
-              <a:lnSpc>
-                <a:spcPct val="150000"/>
-              </a:lnSpc>
-            </a:pPr>
+            <a:pPr lvl="1"/>
             <a:r>
               <a:rPr lang="fr-FR" sz="1500" b="1" dirty="0">
                 <a:solidFill>
@@ -12561,8 +12469,8 @@
         </p:nvSpPr>
         <p:spPr>
           <a:xfrm>
-            <a:off x="539552" y="3121953"/>
-            <a:ext cx="4572000" cy="1938992"/>
+            <a:off x="539552" y="3045008"/>
+            <a:ext cx="4572000" cy="1669688"/>
           </a:xfrm>
           <a:prstGeom prst="rect">
             <a:avLst/>
@@ -12574,11 +12482,6 @@
           </a:bodyPr>
           <a:lstStyle/>
           <a:p>
-            <a:pPr>
-              <a:lnSpc>
-                <a:spcPct val="150000"/>
-              </a:lnSpc>
-            </a:pPr>
             <a:r>
               <a:rPr lang="fr-FR" sz="2000" b="1" dirty="0">
                 <a:solidFill>
@@ -12590,11 +12493,7 @@
             <a:endParaRPr lang="fr-FR" dirty="0"/>
           </a:p>
           <a:p>
-            <a:pPr lvl="1">
-              <a:lnSpc>
-                <a:spcPct val="150000"/>
-              </a:lnSpc>
-            </a:pPr>
+            <a:pPr lvl="1"/>
             <a:r>
               <a:rPr lang="fr-FR" sz="1500" b="1" dirty="0">
                 <a:solidFill>
@@ -12695,8 +12594,8 @@
         </p:nvSpPr>
         <p:spPr>
           <a:xfrm>
-            <a:off x="539552" y="5060945"/>
-            <a:ext cx="4572000" cy="1592744"/>
+            <a:off x="539552" y="4810876"/>
+            <a:ext cx="4572000" cy="1323439"/>
           </a:xfrm>
           <a:prstGeom prst="rect">
             <a:avLst/>
@@ -12708,11 +12607,6 @@
           </a:bodyPr>
           <a:lstStyle/>
           <a:p>
-            <a:pPr>
-              <a:lnSpc>
-                <a:spcPct val="150000"/>
-              </a:lnSpc>
-            </a:pPr>
             <a:r>
               <a:rPr lang="fr-FR" sz="2000" b="1" dirty="0">
                 <a:solidFill>
@@ -12724,11 +12618,7 @@
             <a:endParaRPr lang="fr-FR" dirty="0"/>
           </a:p>
           <a:p>
-            <a:pPr lvl="1">
-              <a:lnSpc>
-                <a:spcPct val="150000"/>
-              </a:lnSpc>
-            </a:pPr>
+            <a:pPr lvl="1"/>
             <a:r>
               <a:rPr lang="fr-FR" sz="1500" b="1" dirty="0">
                 <a:solidFill>

--- a/soutenances/planification/soutenance_planification.pptx
+++ b/soutenances/planification/soutenance_planification.pptx
@@ -134,7 +134,7 @@
   </p:defaultTextStyle>
   <p:extLst>
     <p:ext uri="{521415D9-36F7-43E2-AB2F-B90AF26B5E84}">
-      <p14:sectionLst xmlns:p14="http://schemas.microsoft.com/office/powerpoint/2010/main">
+      <p14:sectionLst xmlns:p14="http://schemas.microsoft.com/office/powerpoint/2010/main" xmlns="">
         <p14:section name="Cover" id="{015DB8C2-DE27-4FCA-BBB1-6936715B0C16}">
           <p14:sldIdLst>
             <p14:sldId id="256"/>
@@ -191,7 +191,7 @@
       </p14:sectionLst>
     </p:ext>
     <p:ext uri="{EFAFB233-063F-42B5-8137-9DF3F51BA10A}">
-      <p15:sldGuideLst xmlns:p15="http://schemas.microsoft.com/office/powerpoint/2012/main">
+      <p15:sldGuideLst xmlns:p15="http://schemas.microsoft.com/office/powerpoint/2012/main" xmlns="">
         <p15:guide id="1" orient="horz" pos="2160">
           <p15:clr>
             <a:srgbClr val="A4A3A4"/>
@@ -392,7 +392,7 @@
                 <a:latin typeface="Times New Roman"/>
               </a:rPr>
               <a:pPr algn="r"/>
-              <a:t>‹#›</a:t>
+              <a:t>‹N°›</a:t>
             </a:fld>
             <a:endParaRPr/>
           </a:p>
@@ -401,7 +401,7 @@
     </p:spTree>
     <p:extLst>
       <p:ext uri="{BB962C8B-B14F-4D97-AF65-F5344CB8AC3E}">
-        <p14:creationId xmlns:p14="http://schemas.microsoft.com/office/powerpoint/2010/main" val="1273415570"/>
+        <p14:creationId xmlns:p14="http://schemas.microsoft.com/office/powerpoint/2010/main" xmlns="" val="1273415570"/>
       </p:ext>
     </p:extLst>
   </p:cSld>
@@ -595,7 +595,7 @@
     </p:spTree>
     <p:extLst>
       <p:ext uri="{BB962C8B-B14F-4D97-AF65-F5344CB8AC3E}">
-        <p14:creationId xmlns:p14="http://schemas.microsoft.com/office/powerpoint/2010/main" val="2970785675"/>
+        <p14:creationId xmlns:p14="http://schemas.microsoft.com/office/powerpoint/2010/main" xmlns="" val="2970785675"/>
       </p:ext>
     </p:extLst>
   </p:cSld>
@@ -705,7 +705,7 @@
     </p:spTree>
     <p:extLst>
       <p:ext uri="{BB962C8B-B14F-4D97-AF65-F5344CB8AC3E}">
-        <p14:creationId xmlns:p14="http://schemas.microsoft.com/office/powerpoint/2010/main" val="1263906245"/>
+        <p14:creationId xmlns:p14="http://schemas.microsoft.com/office/powerpoint/2010/main" xmlns="" val="1263906245"/>
       </p:ext>
     </p:extLst>
   </p:cSld>
@@ -830,7 +830,7 @@
     </p:spTree>
     <p:extLst>
       <p:ext uri="{BB962C8B-B14F-4D97-AF65-F5344CB8AC3E}">
-        <p14:creationId xmlns:p14="http://schemas.microsoft.com/office/powerpoint/2010/main" val="3431012212"/>
+        <p14:creationId xmlns:p14="http://schemas.microsoft.com/office/powerpoint/2010/main" xmlns="" val="3431012212"/>
       </p:ext>
     </p:extLst>
   </p:cSld>
@@ -932,7 +932,7 @@
     </p:spTree>
     <p:extLst>
       <p:ext uri="{BB962C8B-B14F-4D97-AF65-F5344CB8AC3E}">
-        <p14:creationId xmlns:p14="http://schemas.microsoft.com/office/powerpoint/2010/main" val="4200597182"/>
+        <p14:creationId xmlns:p14="http://schemas.microsoft.com/office/powerpoint/2010/main" xmlns="" val="4200597182"/>
       </p:ext>
     </p:extLst>
   </p:cSld>
@@ -1046,7 +1046,7 @@
     </p:spTree>
     <p:extLst>
       <p:ext uri="{BB962C8B-B14F-4D97-AF65-F5344CB8AC3E}">
-        <p14:creationId xmlns:p14="http://schemas.microsoft.com/office/powerpoint/2010/main" val="1422932872"/>
+        <p14:creationId xmlns:p14="http://schemas.microsoft.com/office/powerpoint/2010/main" xmlns="" val="1422932872"/>
       </p:ext>
     </p:extLst>
   </p:cSld>
@@ -1148,7 +1148,7 @@
     </p:spTree>
     <p:extLst>
       <p:ext uri="{BB962C8B-B14F-4D97-AF65-F5344CB8AC3E}">
-        <p14:creationId xmlns:p14="http://schemas.microsoft.com/office/powerpoint/2010/main" val="1387414404"/>
+        <p14:creationId xmlns:p14="http://schemas.microsoft.com/office/powerpoint/2010/main" xmlns="" val="1387414404"/>
       </p:ext>
     </p:extLst>
   </p:cSld>
@@ -1258,7 +1258,7 @@
     </p:spTree>
     <p:extLst>
       <p:ext uri="{BB962C8B-B14F-4D97-AF65-F5344CB8AC3E}">
-        <p14:creationId xmlns:p14="http://schemas.microsoft.com/office/powerpoint/2010/main" val="1327807792"/>
+        <p14:creationId xmlns:p14="http://schemas.microsoft.com/office/powerpoint/2010/main" xmlns="" val="1327807792"/>
       </p:ext>
     </p:extLst>
   </p:cSld>
@@ -1360,7 +1360,7 @@
     </p:spTree>
     <p:extLst>
       <p:ext uri="{BB962C8B-B14F-4D97-AF65-F5344CB8AC3E}">
-        <p14:creationId xmlns:p14="http://schemas.microsoft.com/office/powerpoint/2010/main" val="677430824"/>
+        <p14:creationId xmlns:p14="http://schemas.microsoft.com/office/powerpoint/2010/main" xmlns="" val="677430824"/>
       </p:ext>
     </p:extLst>
   </p:cSld>
@@ -1484,7 +1484,7 @@
     </p:spTree>
     <p:extLst>
       <p:ext uri="{BB962C8B-B14F-4D97-AF65-F5344CB8AC3E}">
-        <p14:creationId xmlns:p14="http://schemas.microsoft.com/office/powerpoint/2010/main" val="3162141559"/>
+        <p14:creationId xmlns:p14="http://schemas.microsoft.com/office/powerpoint/2010/main" xmlns="" val="3162141559"/>
       </p:ext>
     </p:extLst>
   </p:cSld>
@@ -1574,6 +1574,11 @@
                 <a:latin typeface="+mn-lt"/>
                 <a:ea typeface="+mn-ea"/>
               </a:rPr>
+              <a:pPr algn="r">
+                <a:lnSpc>
+                  <a:spcPct val="100000"/>
+                </a:lnSpc>
+              </a:pPr>
               <a:t>13</a:t>
             </a:fld>
             <a:endParaRPr/>
@@ -1583,7 +1588,7 @@
     </p:spTree>
     <p:extLst>
       <p:ext uri="{BB962C8B-B14F-4D97-AF65-F5344CB8AC3E}">
-        <p14:creationId xmlns:p14="http://schemas.microsoft.com/office/powerpoint/2010/main" val="2748619557"/>
+        <p14:creationId xmlns:p14="http://schemas.microsoft.com/office/powerpoint/2010/main" xmlns="" val="2748619557"/>
       </p:ext>
     </p:extLst>
   </p:cSld>
@@ -1709,7 +1714,7 @@
     </p:spTree>
     <p:extLst>
       <p:ext uri="{BB962C8B-B14F-4D97-AF65-F5344CB8AC3E}">
-        <p14:creationId xmlns:p14="http://schemas.microsoft.com/office/powerpoint/2010/main" val="1585364243"/>
+        <p14:creationId xmlns:p14="http://schemas.microsoft.com/office/powerpoint/2010/main" xmlns="" val="1585364243"/>
       </p:ext>
     </p:extLst>
   </p:cSld>
@@ -1835,7 +1840,7 @@
     </p:spTree>
     <p:extLst>
       <p:ext uri="{BB962C8B-B14F-4D97-AF65-F5344CB8AC3E}">
-        <p14:creationId xmlns:p14="http://schemas.microsoft.com/office/powerpoint/2010/main" val="4189495788"/>
+        <p14:creationId xmlns:p14="http://schemas.microsoft.com/office/powerpoint/2010/main" xmlns="" val="4189495788"/>
       </p:ext>
     </p:extLst>
   </p:cSld>
@@ -1937,7 +1942,7 @@
     </p:spTree>
     <p:extLst>
       <p:ext uri="{BB962C8B-B14F-4D97-AF65-F5344CB8AC3E}">
-        <p14:creationId xmlns:p14="http://schemas.microsoft.com/office/powerpoint/2010/main" val="2870550314"/>
+        <p14:creationId xmlns:p14="http://schemas.microsoft.com/office/powerpoint/2010/main" xmlns="" val="2870550314"/>
       </p:ext>
     </p:extLst>
   </p:cSld>
@@ -1969,13 +1974,13 @@
   <p:clrMapOvr>
     <a:masterClrMapping/>
   </p:clrMapOvr>
-  <mc:AlternateContent xmlns:mc="http://schemas.openxmlformats.org/markup-compatibility/2006" xmlns:p14="http://schemas.microsoft.com/office/powerpoint/2010/main">
-    <mc:Choice Requires="p14">
+  <mc:AlternateContent xmlns:mc="http://schemas.openxmlformats.org/markup-compatibility/2006">
+    <mc:Choice xmlns:p14="http://schemas.microsoft.com/office/powerpoint/2010/main" xmlns="" Requires="p14">
       <p:transition p14:dur="250">
         <p:pull/>
       </p:transition>
     </mc:Choice>
-    <mc:Fallback xmlns="">
+    <mc:Fallback>
       <p:transition>
         <p:pull/>
       </p:transition>
@@ -2087,13 +2092,13 @@
   <p:clrMapOvr>
     <a:masterClrMapping/>
   </p:clrMapOvr>
-  <mc:AlternateContent xmlns:mc="http://schemas.openxmlformats.org/markup-compatibility/2006" xmlns:p14="http://schemas.microsoft.com/office/powerpoint/2010/main">
-    <mc:Choice Requires="p14">
+  <mc:AlternateContent xmlns:mc="http://schemas.openxmlformats.org/markup-compatibility/2006">
+    <mc:Choice xmlns:p14="http://schemas.microsoft.com/office/powerpoint/2010/main" xmlns="" Requires="p14">
       <p:transition p14:dur="250">
         <p:pull/>
       </p:transition>
     </mc:Choice>
-    <mc:Fallback xmlns="">
+    <mc:Fallback>
       <p:transition>
         <p:pull/>
       </p:transition>
@@ -2259,13 +2264,13 @@
   <p:clrMapOvr>
     <a:masterClrMapping/>
   </p:clrMapOvr>
-  <mc:AlternateContent xmlns:mc="http://schemas.openxmlformats.org/markup-compatibility/2006" xmlns:p14="http://schemas.microsoft.com/office/powerpoint/2010/main">
-    <mc:Choice Requires="p14">
+  <mc:AlternateContent xmlns:mc="http://schemas.openxmlformats.org/markup-compatibility/2006">
+    <mc:Choice xmlns:p14="http://schemas.microsoft.com/office/powerpoint/2010/main" xmlns="" Requires="p14">
       <p:transition p14:dur="250">
         <p:pull/>
       </p:transition>
     </mc:Choice>
-    <mc:Fallback xmlns="">
+    <mc:Fallback>
       <p:transition>
         <p:pull/>
       </p:transition>
@@ -2423,13 +2428,13 @@
   <p:clrMapOvr>
     <a:masterClrMapping/>
   </p:clrMapOvr>
-  <mc:AlternateContent xmlns:mc="http://schemas.openxmlformats.org/markup-compatibility/2006" xmlns:p14="http://schemas.microsoft.com/office/powerpoint/2010/main">
-    <mc:Choice Requires="p14">
+  <mc:AlternateContent xmlns:mc="http://schemas.openxmlformats.org/markup-compatibility/2006">
+    <mc:Choice xmlns:p14="http://schemas.microsoft.com/office/powerpoint/2010/main" xmlns="" Requires="p14">
       <p:transition p14:dur="250">
         <p:pull/>
       </p:transition>
     </mc:Choice>
-    <mc:Fallback xmlns="">
+    <mc:Fallback>
       <p:transition>
         <p:pull/>
       </p:transition>
@@ -2460,13 +2465,13 @@
   <p:clrMapOvr>
     <a:masterClrMapping/>
   </p:clrMapOvr>
-  <mc:AlternateContent xmlns:mc="http://schemas.openxmlformats.org/markup-compatibility/2006" xmlns:p14="http://schemas.microsoft.com/office/powerpoint/2010/main">
-    <mc:Choice Requires="p14">
+  <mc:AlternateContent xmlns:mc="http://schemas.openxmlformats.org/markup-compatibility/2006">
+    <mc:Choice xmlns:p14="http://schemas.microsoft.com/office/powerpoint/2010/main" xmlns="" Requires="p14">
       <p:transition p14:dur="250">
         <p:pull/>
       </p:transition>
     </mc:Choice>
-    <mc:Fallback xmlns="">
+    <mc:Fallback>
       <p:transition>
         <p:pull/>
       </p:transition>
@@ -2552,13 +2557,13 @@
   <p:clrMapOvr>
     <a:masterClrMapping/>
   </p:clrMapOvr>
-  <mc:AlternateContent xmlns:mc="http://schemas.openxmlformats.org/markup-compatibility/2006" xmlns:p14="http://schemas.microsoft.com/office/powerpoint/2010/main">
-    <mc:Choice Requires="p14">
+  <mc:AlternateContent xmlns:mc="http://schemas.openxmlformats.org/markup-compatibility/2006">
+    <mc:Choice xmlns:p14="http://schemas.microsoft.com/office/powerpoint/2010/main" xmlns="" Requires="p14">
       <p:transition p14:dur="250">
         <p:pull/>
       </p:transition>
     </mc:Choice>
-    <mc:Fallback xmlns="">
+    <mc:Fallback>
       <p:transition>
         <p:pull/>
       </p:transition>
@@ -2643,13 +2648,13 @@
   <p:clrMapOvr>
     <a:masterClrMapping/>
   </p:clrMapOvr>
-  <mc:AlternateContent xmlns:mc="http://schemas.openxmlformats.org/markup-compatibility/2006" xmlns:p14="http://schemas.microsoft.com/office/powerpoint/2010/main">
-    <mc:Choice Requires="p14">
+  <mc:AlternateContent xmlns:mc="http://schemas.openxmlformats.org/markup-compatibility/2006">
+    <mc:Choice xmlns:p14="http://schemas.microsoft.com/office/powerpoint/2010/main" xmlns="" Requires="p14">
       <p:transition p14:dur="250">
         <p:pull/>
       </p:transition>
     </mc:Choice>
-    <mc:Fallback xmlns="">
+    <mc:Fallback>
       <p:transition>
         <p:pull/>
       </p:transition>
@@ -2761,13 +2766,13 @@
   <p:clrMapOvr>
     <a:masterClrMapping/>
   </p:clrMapOvr>
-  <mc:AlternateContent xmlns:mc="http://schemas.openxmlformats.org/markup-compatibility/2006" xmlns:p14="http://schemas.microsoft.com/office/powerpoint/2010/main">
-    <mc:Choice Requires="p14">
+  <mc:AlternateContent xmlns:mc="http://schemas.openxmlformats.org/markup-compatibility/2006">
+    <mc:Choice xmlns:p14="http://schemas.microsoft.com/office/powerpoint/2010/main" xmlns="" Requires="p14">
       <p:transition p14:dur="250">
         <p:pull/>
       </p:transition>
     </mc:Choice>
-    <mc:Fallback xmlns="">
+    <mc:Fallback>
       <p:transition>
         <p:pull/>
       </p:transition>
@@ -2825,13 +2830,13 @@
   <p:clrMapOvr>
     <a:masterClrMapping/>
   </p:clrMapOvr>
-  <mc:AlternateContent xmlns:mc="http://schemas.openxmlformats.org/markup-compatibility/2006" xmlns:p14="http://schemas.microsoft.com/office/powerpoint/2010/main">
-    <mc:Choice Requires="p14">
+  <mc:AlternateContent xmlns:mc="http://schemas.openxmlformats.org/markup-compatibility/2006">
+    <mc:Choice xmlns:p14="http://schemas.microsoft.com/office/powerpoint/2010/main" xmlns="" Requires="p14">
       <p:transition p14:dur="250">
         <p:pull/>
       </p:transition>
     </mc:Choice>
-    <mc:Fallback xmlns="">
+    <mc:Fallback>
       <p:transition>
         <p:pull/>
       </p:transition>
@@ -2890,13 +2895,13 @@
   <p:clrMapOvr>
     <a:masterClrMapping/>
   </p:clrMapOvr>
-  <mc:AlternateContent xmlns:mc="http://schemas.openxmlformats.org/markup-compatibility/2006" xmlns:p14="http://schemas.microsoft.com/office/powerpoint/2010/main">
-    <mc:Choice Requires="p14">
+  <mc:AlternateContent xmlns:mc="http://schemas.openxmlformats.org/markup-compatibility/2006">
+    <mc:Choice xmlns:p14="http://schemas.microsoft.com/office/powerpoint/2010/main" xmlns="" Requires="p14">
       <p:transition p14:dur="250">
         <p:pull/>
       </p:transition>
     </mc:Choice>
-    <mc:Fallback xmlns="">
+    <mc:Fallback>
       <p:transition>
         <p:pull/>
       </p:transition>
@@ -3035,13 +3040,13 @@
   <p:clrMapOvr>
     <a:masterClrMapping/>
   </p:clrMapOvr>
-  <mc:AlternateContent xmlns:mc="http://schemas.openxmlformats.org/markup-compatibility/2006" xmlns:p14="http://schemas.microsoft.com/office/powerpoint/2010/main">
-    <mc:Choice Requires="p14">
+  <mc:AlternateContent xmlns:mc="http://schemas.openxmlformats.org/markup-compatibility/2006">
+    <mc:Choice xmlns:p14="http://schemas.microsoft.com/office/powerpoint/2010/main" xmlns="" Requires="p14">
       <p:transition p14:dur="250">
         <p:pull/>
       </p:transition>
     </mc:Choice>
-    <mc:Fallback xmlns="">
+    <mc:Fallback>
       <p:transition>
         <p:pull/>
       </p:transition>
@@ -3127,13 +3132,13 @@
   <p:clrMapOvr>
     <a:masterClrMapping/>
   </p:clrMapOvr>
-  <mc:AlternateContent xmlns:mc="http://schemas.openxmlformats.org/markup-compatibility/2006" xmlns:p14="http://schemas.microsoft.com/office/powerpoint/2010/main">
-    <mc:Choice Requires="p14">
+  <mc:AlternateContent xmlns:mc="http://schemas.openxmlformats.org/markup-compatibility/2006">
+    <mc:Choice xmlns:p14="http://schemas.microsoft.com/office/powerpoint/2010/main" xmlns="" Requires="p14">
       <p:transition p14:dur="250">
         <p:pull/>
       </p:transition>
     </mc:Choice>
-    <mc:Fallback xmlns="">
+    <mc:Fallback>
       <p:transition>
         <p:pull/>
       </p:transition>
@@ -3272,13 +3277,13 @@
   <p:clrMapOvr>
     <a:masterClrMapping/>
   </p:clrMapOvr>
-  <mc:AlternateContent xmlns:mc="http://schemas.openxmlformats.org/markup-compatibility/2006" xmlns:p14="http://schemas.microsoft.com/office/powerpoint/2010/main">
-    <mc:Choice Requires="p14">
+  <mc:AlternateContent xmlns:mc="http://schemas.openxmlformats.org/markup-compatibility/2006">
+    <mc:Choice xmlns:p14="http://schemas.microsoft.com/office/powerpoint/2010/main" xmlns="" Requires="p14">
       <p:transition p14:dur="250">
         <p:pull/>
       </p:transition>
     </mc:Choice>
-    <mc:Fallback xmlns="">
+    <mc:Fallback>
       <p:transition>
         <p:pull/>
       </p:transition>
@@ -3417,13 +3422,13 @@
   <p:clrMapOvr>
     <a:masterClrMapping/>
   </p:clrMapOvr>
-  <mc:AlternateContent xmlns:mc="http://schemas.openxmlformats.org/markup-compatibility/2006" xmlns:p14="http://schemas.microsoft.com/office/powerpoint/2010/main">
-    <mc:Choice Requires="p14">
+  <mc:AlternateContent xmlns:mc="http://schemas.openxmlformats.org/markup-compatibility/2006">
+    <mc:Choice xmlns:p14="http://schemas.microsoft.com/office/powerpoint/2010/main" xmlns="" Requires="p14">
       <p:transition p14:dur="250">
         <p:pull/>
       </p:transition>
     </mc:Choice>
-    <mc:Fallback xmlns="">
+    <mc:Fallback>
       <p:transition>
         <p:pull/>
       </p:transition>
@@ -3535,13 +3540,13 @@
   <p:clrMapOvr>
     <a:masterClrMapping/>
   </p:clrMapOvr>
-  <mc:AlternateContent xmlns:mc="http://schemas.openxmlformats.org/markup-compatibility/2006" xmlns:p14="http://schemas.microsoft.com/office/powerpoint/2010/main">
-    <mc:Choice Requires="p14">
+  <mc:AlternateContent xmlns:mc="http://schemas.openxmlformats.org/markup-compatibility/2006">
+    <mc:Choice xmlns:p14="http://schemas.microsoft.com/office/powerpoint/2010/main" xmlns="" Requires="p14">
       <p:transition p14:dur="250">
         <p:pull/>
       </p:transition>
     </mc:Choice>
-    <mc:Fallback xmlns="">
+    <mc:Fallback>
       <p:transition>
         <p:pull/>
       </p:transition>
@@ -3707,13 +3712,13 @@
   <p:clrMapOvr>
     <a:masterClrMapping/>
   </p:clrMapOvr>
-  <mc:AlternateContent xmlns:mc="http://schemas.openxmlformats.org/markup-compatibility/2006" xmlns:p14="http://schemas.microsoft.com/office/powerpoint/2010/main">
-    <mc:Choice Requires="p14">
+  <mc:AlternateContent xmlns:mc="http://schemas.openxmlformats.org/markup-compatibility/2006">
+    <mc:Choice xmlns:p14="http://schemas.microsoft.com/office/powerpoint/2010/main" xmlns="" Requires="p14">
       <p:transition p14:dur="250">
         <p:pull/>
       </p:transition>
     </mc:Choice>
-    <mc:Fallback xmlns="">
+    <mc:Fallback>
       <p:transition>
         <p:pull/>
       </p:transition>
@@ -3871,13 +3876,13 @@
   <p:clrMapOvr>
     <a:masterClrMapping/>
   </p:clrMapOvr>
-  <mc:AlternateContent xmlns:mc="http://schemas.openxmlformats.org/markup-compatibility/2006" xmlns:p14="http://schemas.microsoft.com/office/powerpoint/2010/main">
-    <mc:Choice Requires="p14">
+  <mc:AlternateContent xmlns:mc="http://schemas.openxmlformats.org/markup-compatibility/2006">
+    <mc:Choice xmlns:p14="http://schemas.microsoft.com/office/powerpoint/2010/main" xmlns="" Requires="p14">
       <p:transition p14:dur="250">
         <p:pull/>
       </p:transition>
     </mc:Choice>
-    <mc:Fallback xmlns="">
+    <mc:Fallback>
       <p:transition>
         <p:pull/>
       </p:transition>
@@ -3962,13 +3967,13 @@
   <p:clrMapOvr>
     <a:masterClrMapping/>
   </p:clrMapOvr>
-  <mc:AlternateContent xmlns:mc="http://schemas.openxmlformats.org/markup-compatibility/2006" xmlns:p14="http://schemas.microsoft.com/office/powerpoint/2010/main">
-    <mc:Choice Requires="p14">
+  <mc:AlternateContent xmlns:mc="http://schemas.openxmlformats.org/markup-compatibility/2006">
+    <mc:Choice xmlns:p14="http://schemas.microsoft.com/office/powerpoint/2010/main" xmlns="" Requires="p14">
       <p:transition p14:dur="250">
         <p:pull/>
       </p:transition>
     </mc:Choice>
-    <mc:Fallback xmlns="">
+    <mc:Fallback>
       <p:transition>
         <p:pull/>
       </p:transition>
@@ -4080,13 +4085,13 @@
   <p:clrMapOvr>
     <a:masterClrMapping/>
   </p:clrMapOvr>
-  <mc:AlternateContent xmlns:mc="http://schemas.openxmlformats.org/markup-compatibility/2006" xmlns:p14="http://schemas.microsoft.com/office/powerpoint/2010/main">
-    <mc:Choice Requires="p14">
+  <mc:AlternateContent xmlns:mc="http://schemas.openxmlformats.org/markup-compatibility/2006">
+    <mc:Choice xmlns:p14="http://schemas.microsoft.com/office/powerpoint/2010/main" xmlns="" Requires="p14">
       <p:transition p14:dur="250">
         <p:pull/>
       </p:transition>
     </mc:Choice>
-    <mc:Fallback xmlns="">
+    <mc:Fallback>
       <p:transition>
         <p:pull/>
       </p:transition>
@@ -4144,13 +4149,13 @@
   <p:clrMapOvr>
     <a:masterClrMapping/>
   </p:clrMapOvr>
-  <mc:AlternateContent xmlns:mc="http://schemas.openxmlformats.org/markup-compatibility/2006" xmlns:p14="http://schemas.microsoft.com/office/powerpoint/2010/main">
-    <mc:Choice Requires="p14">
+  <mc:AlternateContent xmlns:mc="http://schemas.openxmlformats.org/markup-compatibility/2006">
+    <mc:Choice xmlns:p14="http://schemas.microsoft.com/office/powerpoint/2010/main" xmlns="" Requires="p14">
       <p:transition p14:dur="250">
         <p:pull/>
       </p:transition>
     </mc:Choice>
-    <mc:Fallback xmlns="">
+    <mc:Fallback>
       <p:transition>
         <p:pull/>
       </p:transition>
@@ -4209,13 +4214,13 @@
   <p:clrMapOvr>
     <a:masterClrMapping/>
   </p:clrMapOvr>
-  <mc:AlternateContent xmlns:mc="http://schemas.openxmlformats.org/markup-compatibility/2006" xmlns:p14="http://schemas.microsoft.com/office/powerpoint/2010/main">
-    <mc:Choice Requires="p14">
+  <mc:AlternateContent xmlns:mc="http://schemas.openxmlformats.org/markup-compatibility/2006">
+    <mc:Choice xmlns:p14="http://schemas.microsoft.com/office/powerpoint/2010/main" xmlns="" Requires="p14">
       <p:transition p14:dur="250">
         <p:pull/>
       </p:transition>
     </mc:Choice>
-    <mc:Fallback xmlns="">
+    <mc:Fallback>
       <p:transition>
         <p:pull/>
       </p:transition>
@@ -4354,13 +4359,13 @@
   <p:clrMapOvr>
     <a:masterClrMapping/>
   </p:clrMapOvr>
-  <mc:AlternateContent xmlns:mc="http://schemas.openxmlformats.org/markup-compatibility/2006" xmlns:p14="http://schemas.microsoft.com/office/powerpoint/2010/main">
-    <mc:Choice Requires="p14">
+  <mc:AlternateContent xmlns:mc="http://schemas.openxmlformats.org/markup-compatibility/2006">
+    <mc:Choice xmlns:p14="http://schemas.microsoft.com/office/powerpoint/2010/main" xmlns="" Requires="p14">
       <p:transition p14:dur="250">
         <p:pull/>
       </p:transition>
     </mc:Choice>
-    <mc:Fallback xmlns="">
+    <mc:Fallback>
       <p:transition>
         <p:pull/>
       </p:transition>
@@ -4499,13 +4504,13 @@
   <p:clrMapOvr>
     <a:masterClrMapping/>
   </p:clrMapOvr>
-  <mc:AlternateContent xmlns:mc="http://schemas.openxmlformats.org/markup-compatibility/2006" xmlns:p14="http://schemas.microsoft.com/office/powerpoint/2010/main">
-    <mc:Choice Requires="p14">
+  <mc:AlternateContent xmlns:mc="http://schemas.openxmlformats.org/markup-compatibility/2006">
+    <mc:Choice xmlns:p14="http://schemas.microsoft.com/office/powerpoint/2010/main" xmlns="" Requires="p14">
       <p:transition p14:dur="250">
         <p:pull/>
       </p:transition>
     </mc:Choice>
-    <mc:Fallback xmlns="">
+    <mc:Fallback>
       <p:transition>
         <p:pull/>
       </p:transition>
@@ -4644,13 +4649,13 @@
   <p:clrMapOvr>
     <a:masterClrMapping/>
   </p:clrMapOvr>
-  <mc:AlternateContent xmlns:mc="http://schemas.openxmlformats.org/markup-compatibility/2006" xmlns:p14="http://schemas.microsoft.com/office/powerpoint/2010/main">
-    <mc:Choice Requires="p14">
+  <mc:AlternateContent xmlns:mc="http://schemas.openxmlformats.org/markup-compatibility/2006">
+    <mc:Choice xmlns:p14="http://schemas.microsoft.com/office/powerpoint/2010/main" xmlns="" Requires="p14">
       <p:transition p14:dur="250">
         <p:pull/>
       </p:transition>
     </mc:Choice>
-    <mc:Fallback xmlns="">
+    <mc:Fallback>
       <p:transition>
         <p:pull/>
       </p:transition>
@@ -5044,7 +5049,7 @@
                   <a:spcPct val="100000"/>
                 </a:lnSpc>
               </a:pPr>
-              <a:t>‹#›</a:t>
+              <a:t>‹N°›</a:t>
             </a:fld>
             <a:endParaRPr/>
           </a:p>
@@ -5726,13 +5731,13 @@
     <p:sldLayoutId id="2147483659" r:id="rId11"/>
     <p:sldLayoutId id="2147483660" r:id="rId12"/>
   </p:sldLayoutIdLst>
-  <mc:AlternateContent xmlns:mc="http://schemas.openxmlformats.org/markup-compatibility/2006" xmlns:p14="http://schemas.microsoft.com/office/powerpoint/2010/main">
-    <mc:Choice Requires="p14">
+  <mc:AlternateContent xmlns:mc="http://schemas.openxmlformats.org/markup-compatibility/2006">
+    <mc:Choice xmlns:p14="http://schemas.microsoft.com/office/powerpoint/2010/main" xmlns="" Requires="p14">
       <p:transition p14:dur="250">
         <p:pull/>
       </p:transition>
     </mc:Choice>
-    <mc:Fallback xmlns="">
+    <mc:Fallback>
       <p:transition>
         <p:pull/>
       </p:transition>
@@ -6131,7 +6136,7 @@
                   <a:spcPct val="100000"/>
                 </a:lnSpc>
               </a:pPr>
-              <a:t>‹#›</a:t>
+              <a:t>‹N°›</a:t>
             </a:fld>
             <a:endParaRPr/>
           </a:p>
@@ -6528,7 +6533,7 @@
                   <a:spcPct val="100000"/>
                 </a:lnSpc>
               </a:pPr>
-              <a:t>‹#›</a:t>
+              <a:t>‹N°›</a:t>
             </a:fld>
             <a:endParaRPr/>
           </a:p>
@@ -6551,13 +6556,13 @@
     <p:sldLayoutId id="2147483672" r:id="rId11"/>
     <p:sldLayoutId id="2147483673" r:id="rId12"/>
   </p:sldLayoutIdLst>
-  <mc:AlternateContent xmlns:mc="http://schemas.openxmlformats.org/markup-compatibility/2006" xmlns:p14="http://schemas.microsoft.com/office/powerpoint/2010/main">
-    <mc:Choice Requires="p14">
+  <mc:AlternateContent xmlns:mc="http://schemas.openxmlformats.org/markup-compatibility/2006">
+    <mc:Choice xmlns:p14="http://schemas.microsoft.com/office/powerpoint/2010/main" xmlns="" Requires="p14">
       <p:transition p14:dur="250">
         <p:pull/>
       </p:transition>
     </mc:Choice>
-    <mc:Fallback xmlns="">
+    <mc:Fallback>
       <p:transition>
         <p:pull/>
       </p:transition>
@@ -7147,13 +7152,13 @@
   <p:clrMapOvr>
     <a:masterClrMapping/>
   </p:clrMapOvr>
-  <mc:AlternateContent xmlns:mc="http://schemas.openxmlformats.org/markup-compatibility/2006" xmlns:p14="http://schemas.microsoft.com/office/powerpoint/2010/main">
-    <mc:Choice Requires="p14">
+  <mc:AlternateContent xmlns:mc="http://schemas.openxmlformats.org/markup-compatibility/2006">
+    <mc:Choice xmlns:p14="http://schemas.microsoft.com/office/powerpoint/2010/main" xmlns="" Requires="p14">
       <p:transition p14:dur="250" advTm="438">
         <p:pull/>
       </p:transition>
     </mc:Choice>
-    <mc:Fallback xmlns="">
+    <mc:Fallback>
       <p:transition advTm="438">
         <p:pull/>
       </p:transition>
@@ -7298,10 +7303,10 @@
           <p:nvPr/>
         </p:nvPicPr>
         <p:blipFill>
-          <a:blip r:embed="rId2">
+          <a:blip r:embed="rId2" cstate="print">
             <a:extLst>
               <a:ext uri="{28A0092B-C50C-407E-A947-70E740481C1C}">
-                <a14:useLocalDpi xmlns:a14="http://schemas.microsoft.com/office/drawing/2010/main" val="0"/>
+                <a14:useLocalDpi xmlns:a14="http://schemas.microsoft.com/office/drawing/2010/main" xmlns="" val="0"/>
               </a:ext>
             </a:extLst>
           </a:blip>
@@ -7324,13 +7329,13 @@
   <p:clrMapOvr>
     <a:masterClrMapping/>
   </p:clrMapOvr>
-  <mc:AlternateContent xmlns:mc="http://schemas.openxmlformats.org/markup-compatibility/2006" xmlns:p14="http://schemas.microsoft.com/office/powerpoint/2010/main">
-    <mc:Choice Requires="p14">
+  <mc:AlternateContent xmlns:mc="http://schemas.openxmlformats.org/markup-compatibility/2006">
+    <mc:Choice xmlns:p14="http://schemas.microsoft.com/office/powerpoint/2010/main" xmlns="" Requires="p14">
       <p:transition p14:dur="250" advTm="1081">
         <p:pull/>
       </p:transition>
     </mc:Choice>
-    <mc:Fallback xmlns="">
+    <mc:Fallback>
       <p:transition advTm="1081">
         <p:pull/>
       </p:transition>
@@ -7372,7 +7377,7 @@
         <p:spPr>
           <a:xfrm>
             <a:off x="457200" y="980640"/>
-            <a:ext cx="8229240" cy="5328360"/>
+            <a:ext cx="8229240" cy="576152"/>
           </a:xfrm>
           <a:prstGeom prst="rect">
             <a:avLst/>
@@ -7411,140 +7416,6 @@
             </a:endParaRPr>
           </a:p>
           <a:p>
-            <a:pPr algn="ctr">
-              <a:lnSpc>
-                <a:spcPct val="100000"/>
-              </a:lnSpc>
-            </a:pPr>
-            <a:endParaRPr dirty="0"/>
-          </a:p>
-          <a:p>
-            <a:pPr>
-              <a:lnSpc>
-                <a:spcPct val="100000"/>
-              </a:lnSpc>
-            </a:pPr>
-            <a:r>
-              <a:rPr lang="fr-FR" sz="2000" b="1" strike="noStrike" dirty="0">
-                <a:solidFill>
-                  <a:srgbClr val="004D6F"/>
-                </a:solidFill>
-                <a:latin typeface="Arial"/>
-              </a:rPr>
-              <a:t>Rapport de conception : </a:t>
-            </a:r>
-            <a:r>
-              <a:rPr lang="fr-FR" sz="2000" b="1" strike="noStrike" dirty="0" smtClean="0">
-                <a:solidFill>
-                  <a:srgbClr val="004D6F"/>
-                </a:solidFill>
-                <a:latin typeface="Arial"/>
-              </a:rPr>
-              <a:t>12 février</a:t>
-            </a:r>
-          </a:p>
-          <a:p>
-            <a:pPr>
-              <a:lnSpc>
-                <a:spcPct val="100000"/>
-              </a:lnSpc>
-            </a:pPr>
-            <a:endParaRPr dirty="0"/>
-          </a:p>
-          <a:p>
-            <a:pPr>
-              <a:lnSpc>
-                <a:spcPct val="100000"/>
-              </a:lnSpc>
-            </a:pPr>
-            <a:r>
-              <a:rPr lang="fr-FR" sz="2000" b="1" strike="noStrike" dirty="0" smtClean="0">
-                <a:solidFill>
-                  <a:srgbClr val="004D6F"/>
-                </a:solidFill>
-                <a:latin typeface="Arial"/>
-              </a:rPr>
-              <a:t>Vacances :  - du 16 au 20 février</a:t>
-            </a:r>
-          </a:p>
-          <a:p>
-            <a:pPr>
-              <a:lnSpc>
-                <a:spcPct val="100000"/>
-              </a:lnSpc>
-            </a:pPr>
-            <a:r>
-              <a:rPr lang="fr-FR" sz="2000" b="1" dirty="0" smtClean="0">
-                <a:solidFill>
-                  <a:srgbClr val="004D6F"/>
-                </a:solidFill>
-                <a:latin typeface="Arial"/>
-              </a:rPr>
-              <a:t>	        </a:t>
-            </a:r>
-            <a:r>
-              <a:rPr lang="fr-FR" sz="2000" b="1" strike="noStrike" dirty="0" smtClean="0">
-                <a:solidFill>
-                  <a:srgbClr val="004D6F"/>
-                </a:solidFill>
-                <a:latin typeface="Arial"/>
-              </a:rPr>
-              <a:t>- du 13 au 24 avril</a:t>
-            </a:r>
-          </a:p>
-          <a:p>
-            <a:pPr>
-              <a:lnSpc>
-                <a:spcPct val="100000"/>
-              </a:lnSpc>
-            </a:pPr>
-            <a:endParaRPr lang="fr-FR" sz="2000" b="1" dirty="0" smtClean="0">
-              <a:solidFill>
-                <a:srgbClr val="004D6F"/>
-              </a:solidFill>
-              <a:latin typeface="Arial"/>
-            </a:endParaRPr>
-          </a:p>
-          <a:p>
-            <a:r>
-              <a:rPr lang="fr-FR" sz="2000" b="1" dirty="0" smtClean="0">
-                <a:solidFill>
-                  <a:srgbClr val="004D6F"/>
-                </a:solidFill>
-              </a:rPr>
-              <a:t>Semaine bloquée : du 18 au 24 mai</a:t>
-            </a:r>
-            <a:endParaRPr lang="fr-FR" sz="2000" dirty="0" smtClean="0"/>
-          </a:p>
-          <a:p>
-            <a:pPr>
-              <a:lnSpc>
-                <a:spcPct val="100000"/>
-              </a:lnSpc>
-            </a:pPr>
-            <a:endParaRPr lang="fr-FR" sz="2000" b="1" dirty="0" smtClean="0">
-              <a:solidFill>
-                <a:srgbClr val="004D6F"/>
-              </a:solidFill>
-            </a:endParaRPr>
-          </a:p>
-          <a:p>
-            <a:pPr>
-              <a:lnSpc>
-                <a:spcPct val="100000"/>
-              </a:lnSpc>
-            </a:pPr>
-            <a:r>
-              <a:rPr lang="fr-FR" sz="2000" b="1" dirty="0" smtClean="0">
-                <a:solidFill>
-                  <a:srgbClr val="004D6F"/>
-                </a:solidFill>
-              </a:rPr>
-              <a:t>Rapport final et livraison : 26 mai</a:t>
-            </a:r>
-            <a:endParaRPr lang="fr-FR" sz="2000" dirty="0" smtClean="0"/>
-          </a:p>
-          <a:p>
             <a:pPr>
               <a:lnSpc>
                 <a:spcPct val="100000"/>
@@ -7608,18 +7479,4549 @@
           </a:p>
         </p:txBody>
       </p:sp>
+      <p:graphicFrame>
+        <p:nvGraphicFramePr>
+          <p:cNvPr id="9" name="Tableau 8"/>
+          <p:cNvGraphicFramePr>
+            <a:graphicFrameLocks noGrp="1"/>
+          </p:cNvGraphicFramePr>
+          <p:nvPr/>
+        </p:nvGraphicFramePr>
+        <p:xfrm>
+          <a:off x="899592" y="2492896"/>
+          <a:ext cx="7344816" cy="2750748"/>
+        </p:xfrm>
+        <a:graphic>
+          <a:graphicData uri="http://schemas.openxmlformats.org/drawingml/2006/table">
+            <a:tbl>
+              <a:tblPr/>
+              <a:tblGrid>
+                <a:gridCol w="331564"/>
+                <a:gridCol w="707724"/>
+                <a:gridCol w="430451"/>
+                <a:gridCol w="349015"/>
+                <a:gridCol w="162874"/>
+                <a:gridCol w="157057"/>
+                <a:gridCol w="383916"/>
+                <a:gridCol w="372282"/>
+                <a:gridCol w="366465"/>
+                <a:gridCol w="343197"/>
+                <a:gridCol w="244310"/>
+                <a:gridCol w="314112"/>
+                <a:gridCol w="360648"/>
+                <a:gridCol w="383916"/>
+                <a:gridCol w="383916"/>
+                <a:gridCol w="186141"/>
+                <a:gridCol w="168690"/>
+                <a:gridCol w="360648"/>
+                <a:gridCol w="389733"/>
+                <a:gridCol w="354832"/>
+                <a:gridCol w="593325"/>
+              </a:tblGrid>
+              <a:tr h="377194">
+                <a:tc gridSpan="5">
+                  <a:txBody>
+                    <a:bodyPr/>
+                    <a:lstStyle/>
+                    <a:p>
+                      <a:pPr algn="ctr" fontAlgn="ctr"/>
+                      <a:r>
+                        <a:rPr lang="fr-FR" sz="900" b="1" i="0" u="none" strike="noStrike">
+                          <a:solidFill>
+                            <a:srgbClr val="000000"/>
+                          </a:solidFill>
+                          <a:latin typeface="Calibri"/>
+                        </a:rPr>
+                        <a:t>Février</a:t>
+                      </a:r>
+                    </a:p>
+                  </a:txBody>
+                  <a:tcPr marL="3950" marR="3950" marT="3950" marB="0" anchor="ctr">
+                    <a:lnL w="19050" cap="flat" cmpd="sng" algn="ctr">
+                      <a:solidFill>
+                        <a:srgbClr val="000000"/>
+                      </a:solidFill>
+                      <a:prstDash val="solid"/>
+                      <a:round/>
+                      <a:headEnd type="none" w="med" len="med"/>
+                      <a:tailEnd type="none" w="med" len="med"/>
+                    </a:lnL>
+                    <a:lnR w="19050" cap="flat" cmpd="sng" algn="ctr">
+                      <a:solidFill>
+                        <a:srgbClr val="000000"/>
+                      </a:solidFill>
+                      <a:prstDash val="solid"/>
+                      <a:round/>
+                      <a:headEnd type="none" w="med" len="med"/>
+                      <a:tailEnd type="none" w="med" len="med"/>
+                    </a:lnR>
+                    <a:lnT w="19050" cap="flat" cmpd="sng" algn="ctr">
+                      <a:solidFill>
+                        <a:srgbClr val="000000"/>
+                      </a:solidFill>
+                      <a:prstDash val="solid"/>
+                      <a:round/>
+                      <a:headEnd type="none" w="med" len="med"/>
+                      <a:tailEnd type="none" w="med" len="med"/>
+                    </a:lnT>
+                    <a:lnB w="19050" cap="flat" cmpd="sng" algn="ctr">
+                      <a:solidFill>
+                        <a:srgbClr val="000000"/>
+                      </a:solidFill>
+                      <a:prstDash val="solid"/>
+                      <a:round/>
+                      <a:headEnd type="none" w="med" len="med"/>
+                      <a:tailEnd type="none" w="med" len="med"/>
+                    </a:lnB>
+                  </a:tcPr>
+                </a:tc>
+                <a:tc hMerge="1">
+                  <a:txBody>
+                    <a:bodyPr/>
+                    <a:lstStyle/>
+                    <a:p>
+                      <a:endParaRPr lang="fr-FR"/>
+                    </a:p>
+                  </a:txBody>
+                  <a:tcPr/>
+                </a:tc>
+                <a:tc hMerge="1">
+                  <a:txBody>
+                    <a:bodyPr/>
+                    <a:lstStyle/>
+                    <a:p>
+                      <a:endParaRPr lang="fr-FR"/>
+                    </a:p>
+                  </a:txBody>
+                  <a:tcPr/>
+                </a:tc>
+                <a:tc hMerge="1">
+                  <a:txBody>
+                    <a:bodyPr/>
+                    <a:lstStyle/>
+                    <a:p>
+                      <a:endParaRPr lang="fr-FR"/>
+                    </a:p>
+                  </a:txBody>
+                  <a:tcPr/>
+                </a:tc>
+                <a:tc hMerge="1">
+                  <a:txBody>
+                    <a:bodyPr/>
+                    <a:lstStyle/>
+                    <a:p>
+                      <a:endParaRPr lang="fr-FR"/>
+                    </a:p>
+                  </a:txBody>
+                  <a:tcPr/>
+                </a:tc>
+                <a:tc gridSpan="6">
+                  <a:txBody>
+                    <a:bodyPr/>
+                    <a:lstStyle/>
+                    <a:p>
+                      <a:pPr algn="ctr" fontAlgn="ctr"/>
+                      <a:r>
+                        <a:rPr lang="fr-FR" sz="900" b="1" i="0" u="none" strike="noStrike">
+                          <a:solidFill>
+                            <a:srgbClr val="000000"/>
+                          </a:solidFill>
+                          <a:latin typeface="Calibri"/>
+                        </a:rPr>
+                        <a:t>Mars</a:t>
+                      </a:r>
+                    </a:p>
+                  </a:txBody>
+                  <a:tcPr marL="3950" marR="3950" marT="3950" marB="0" anchor="ctr">
+                    <a:lnL w="19050" cap="flat" cmpd="sng" algn="ctr">
+                      <a:solidFill>
+                        <a:srgbClr val="000000"/>
+                      </a:solidFill>
+                      <a:prstDash val="solid"/>
+                      <a:round/>
+                      <a:headEnd type="none" w="med" len="med"/>
+                      <a:tailEnd type="none" w="med" len="med"/>
+                    </a:lnL>
+                    <a:lnR w="19050" cap="flat" cmpd="sng" algn="ctr">
+                      <a:solidFill>
+                        <a:srgbClr val="000000"/>
+                      </a:solidFill>
+                      <a:prstDash val="solid"/>
+                      <a:round/>
+                      <a:headEnd type="none" w="med" len="med"/>
+                      <a:tailEnd type="none" w="med" len="med"/>
+                    </a:lnR>
+                    <a:lnT w="19050" cap="flat" cmpd="sng" algn="ctr">
+                      <a:solidFill>
+                        <a:srgbClr val="000000"/>
+                      </a:solidFill>
+                      <a:prstDash val="solid"/>
+                      <a:round/>
+                      <a:headEnd type="none" w="med" len="med"/>
+                      <a:tailEnd type="none" w="med" len="med"/>
+                    </a:lnT>
+                    <a:lnB w="19050" cap="flat" cmpd="sng" algn="ctr">
+                      <a:solidFill>
+                        <a:srgbClr val="000000"/>
+                      </a:solidFill>
+                      <a:prstDash val="solid"/>
+                      <a:round/>
+                      <a:headEnd type="none" w="med" len="med"/>
+                      <a:tailEnd type="none" w="med" len="med"/>
+                    </a:lnB>
+                  </a:tcPr>
+                </a:tc>
+                <a:tc hMerge="1">
+                  <a:txBody>
+                    <a:bodyPr/>
+                    <a:lstStyle/>
+                    <a:p>
+                      <a:endParaRPr lang="fr-FR"/>
+                    </a:p>
+                  </a:txBody>
+                  <a:tcPr/>
+                </a:tc>
+                <a:tc hMerge="1">
+                  <a:txBody>
+                    <a:bodyPr/>
+                    <a:lstStyle/>
+                    <a:p>
+                      <a:endParaRPr lang="fr-FR"/>
+                    </a:p>
+                  </a:txBody>
+                  <a:tcPr/>
+                </a:tc>
+                <a:tc hMerge="1">
+                  <a:txBody>
+                    <a:bodyPr/>
+                    <a:lstStyle/>
+                    <a:p>
+                      <a:endParaRPr lang="fr-FR"/>
+                    </a:p>
+                  </a:txBody>
+                  <a:tcPr/>
+                </a:tc>
+                <a:tc hMerge="1">
+                  <a:txBody>
+                    <a:bodyPr/>
+                    <a:lstStyle/>
+                    <a:p>
+                      <a:endParaRPr lang="fr-FR"/>
+                    </a:p>
+                  </a:txBody>
+                  <a:tcPr/>
+                </a:tc>
+                <a:tc hMerge="1">
+                  <a:txBody>
+                    <a:bodyPr/>
+                    <a:lstStyle/>
+                    <a:p>
+                      <a:endParaRPr lang="fr-FR"/>
+                    </a:p>
+                  </a:txBody>
+                  <a:tcPr/>
+                </a:tc>
+                <a:tc gridSpan="5">
+                  <a:txBody>
+                    <a:bodyPr/>
+                    <a:lstStyle/>
+                    <a:p>
+                      <a:pPr algn="ctr" fontAlgn="ctr"/>
+                      <a:r>
+                        <a:rPr lang="fr-FR" sz="900" b="1" i="0" u="none" strike="noStrike">
+                          <a:solidFill>
+                            <a:srgbClr val="000000"/>
+                          </a:solidFill>
+                          <a:latin typeface="Calibri"/>
+                        </a:rPr>
+                        <a:t>Avril</a:t>
+                      </a:r>
+                    </a:p>
+                  </a:txBody>
+                  <a:tcPr marL="3950" marR="3950" marT="3950" marB="0" anchor="ctr">
+                    <a:lnL w="19050" cap="flat" cmpd="sng" algn="ctr">
+                      <a:solidFill>
+                        <a:srgbClr val="000000"/>
+                      </a:solidFill>
+                      <a:prstDash val="solid"/>
+                      <a:round/>
+                      <a:headEnd type="none" w="med" len="med"/>
+                      <a:tailEnd type="none" w="med" len="med"/>
+                    </a:lnL>
+                    <a:lnR w="19050" cap="flat" cmpd="sng" algn="ctr">
+                      <a:solidFill>
+                        <a:srgbClr val="000000"/>
+                      </a:solidFill>
+                      <a:prstDash val="solid"/>
+                      <a:round/>
+                      <a:headEnd type="none" w="med" len="med"/>
+                      <a:tailEnd type="none" w="med" len="med"/>
+                    </a:lnR>
+                    <a:lnT w="19050" cap="flat" cmpd="sng" algn="ctr">
+                      <a:solidFill>
+                        <a:srgbClr val="000000"/>
+                      </a:solidFill>
+                      <a:prstDash val="solid"/>
+                      <a:round/>
+                      <a:headEnd type="none" w="med" len="med"/>
+                      <a:tailEnd type="none" w="med" len="med"/>
+                    </a:lnT>
+                    <a:lnB w="19050" cap="flat" cmpd="sng" algn="ctr">
+                      <a:solidFill>
+                        <a:srgbClr val="000000"/>
+                      </a:solidFill>
+                      <a:prstDash val="solid"/>
+                      <a:round/>
+                      <a:headEnd type="none" w="med" len="med"/>
+                      <a:tailEnd type="none" w="med" len="med"/>
+                    </a:lnB>
+                  </a:tcPr>
+                </a:tc>
+                <a:tc hMerge="1">
+                  <a:txBody>
+                    <a:bodyPr/>
+                    <a:lstStyle/>
+                    <a:p>
+                      <a:endParaRPr lang="fr-FR"/>
+                    </a:p>
+                  </a:txBody>
+                  <a:tcPr/>
+                </a:tc>
+                <a:tc hMerge="1">
+                  <a:txBody>
+                    <a:bodyPr/>
+                    <a:lstStyle/>
+                    <a:p>
+                      <a:endParaRPr lang="fr-FR"/>
+                    </a:p>
+                  </a:txBody>
+                  <a:tcPr/>
+                </a:tc>
+                <a:tc hMerge="1">
+                  <a:txBody>
+                    <a:bodyPr/>
+                    <a:lstStyle/>
+                    <a:p>
+                      <a:endParaRPr lang="fr-FR"/>
+                    </a:p>
+                  </a:txBody>
+                  <a:tcPr/>
+                </a:tc>
+                <a:tc hMerge="1">
+                  <a:txBody>
+                    <a:bodyPr/>
+                    <a:lstStyle/>
+                    <a:p>
+                      <a:endParaRPr lang="fr-FR"/>
+                    </a:p>
+                  </a:txBody>
+                  <a:tcPr/>
+                </a:tc>
+                <a:tc gridSpan="5">
+                  <a:txBody>
+                    <a:bodyPr/>
+                    <a:lstStyle/>
+                    <a:p>
+                      <a:pPr algn="ctr" fontAlgn="ctr"/>
+                      <a:r>
+                        <a:rPr lang="fr-FR" sz="900" b="1" i="0" u="none" strike="noStrike">
+                          <a:solidFill>
+                            <a:srgbClr val="000000"/>
+                          </a:solidFill>
+                          <a:latin typeface="Calibri"/>
+                        </a:rPr>
+                        <a:t>Mai</a:t>
+                      </a:r>
+                    </a:p>
+                  </a:txBody>
+                  <a:tcPr marL="3950" marR="3950" marT="3950" marB="0" anchor="ctr">
+                    <a:lnL w="19050" cap="flat" cmpd="sng" algn="ctr">
+                      <a:solidFill>
+                        <a:srgbClr val="000000"/>
+                      </a:solidFill>
+                      <a:prstDash val="solid"/>
+                      <a:round/>
+                      <a:headEnd type="none" w="med" len="med"/>
+                      <a:tailEnd type="none" w="med" len="med"/>
+                    </a:lnL>
+                    <a:lnR w="19050" cap="flat" cmpd="sng" algn="ctr">
+                      <a:solidFill>
+                        <a:srgbClr val="000000"/>
+                      </a:solidFill>
+                      <a:prstDash val="solid"/>
+                      <a:round/>
+                      <a:headEnd type="none" w="med" len="med"/>
+                      <a:tailEnd type="none" w="med" len="med"/>
+                    </a:lnR>
+                    <a:lnT w="19050" cap="flat" cmpd="sng" algn="ctr">
+                      <a:solidFill>
+                        <a:srgbClr val="000000"/>
+                      </a:solidFill>
+                      <a:prstDash val="solid"/>
+                      <a:round/>
+                      <a:headEnd type="none" w="med" len="med"/>
+                      <a:tailEnd type="none" w="med" len="med"/>
+                    </a:lnT>
+                    <a:lnB w="19050" cap="flat" cmpd="sng" algn="ctr">
+                      <a:solidFill>
+                        <a:srgbClr val="000000"/>
+                      </a:solidFill>
+                      <a:prstDash val="solid"/>
+                      <a:round/>
+                      <a:headEnd type="none" w="med" len="med"/>
+                      <a:tailEnd type="none" w="med" len="med"/>
+                    </a:lnB>
+                  </a:tcPr>
+                </a:tc>
+                <a:tc hMerge="1">
+                  <a:txBody>
+                    <a:bodyPr/>
+                    <a:lstStyle/>
+                    <a:p>
+                      <a:endParaRPr lang="fr-FR"/>
+                    </a:p>
+                  </a:txBody>
+                  <a:tcPr/>
+                </a:tc>
+                <a:tc hMerge="1">
+                  <a:txBody>
+                    <a:bodyPr/>
+                    <a:lstStyle/>
+                    <a:p>
+                      <a:endParaRPr lang="fr-FR"/>
+                    </a:p>
+                  </a:txBody>
+                  <a:tcPr/>
+                </a:tc>
+                <a:tc hMerge="1">
+                  <a:txBody>
+                    <a:bodyPr/>
+                    <a:lstStyle/>
+                    <a:p>
+                      <a:endParaRPr lang="fr-FR"/>
+                    </a:p>
+                  </a:txBody>
+                  <a:tcPr/>
+                </a:tc>
+                <a:tc hMerge="1">
+                  <a:txBody>
+                    <a:bodyPr/>
+                    <a:lstStyle/>
+                    <a:p>
+                      <a:endParaRPr lang="fr-FR"/>
+                    </a:p>
+                  </a:txBody>
+                  <a:tcPr/>
+                </a:tc>
+              </a:tr>
+              <a:tr h="377194">
+                <a:tc>
+                  <a:txBody>
+                    <a:bodyPr/>
+                    <a:lstStyle/>
+                    <a:p>
+                      <a:pPr algn="ctr" fontAlgn="ctr"/>
+                      <a:r>
+                        <a:rPr lang="fr-FR" sz="900" b="0" i="0" u="none" strike="noStrike">
+                          <a:solidFill>
+                            <a:srgbClr val="000000"/>
+                          </a:solidFill>
+                          <a:latin typeface="Calibri"/>
+                        </a:rPr>
+                        <a:t>s1</a:t>
+                      </a:r>
+                    </a:p>
+                  </a:txBody>
+                  <a:tcPr marL="3950" marR="3950" marT="3950" marB="0" anchor="ctr">
+                    <a:lnL w="19050" cap="flat" cmpd="sng" algn="ctr">
+                      <a:solidFill>
+                        <a:srgbClr val="000000"/>
+                      </a:solidFill>
+                      <a:prstDash val="solid"/>
+                      <a:round/>
+                      <a:headEnd type="none" w="med" len="med"/>
+                      <a:tailEnd type="none" w="med" len="med"/>
+                    </a:lnL>
+                    <a:lnR w="19050" cap="flat" cmpd="sng" algn="ctr">
+                      <a:solidFill>
+                        <a:srgbClr val="000000"/>
+                      </a:solidFill>
+                      <a:prstDash val="solid"/>
+                      <a:round/>
+                      <a:headEnd type="none" w="med" len="med"/>
+                      <a:tailEnd type="none" w="med" len="med"/>
+                    </a:lnR>
+                    <a:lnT w="19050" cap="flat" cmpd="sng" algn="ctr">
+                      <a:solidFill>
+                        <a:srgbClr val="000000"/>
+                      </a:solidFill>
+                      <a:prstDash val="solid"/>
+                      <a:round/>
+                      <a:headEnd type="none" w="med" len="med"/>
+                      <a:tailEnd type="none" w="med" len="med"/>
+                    </a:lnT>
+                    <a:lnB w="19050" cap="flat" cmpd="sng" algn="ctr">
+                      <a:solidFill>
+                        <a:srgbClr val="000000"/>
+                      </a:solidFill>
+                      <a:prstDash val="solid"/>
+                      <a:round/>
+                      <a:headEnd type="none" w="med" len="med"/>
+                      <a:tailEnd type="none" w="med" len="med"/>
+                    </a:lnB>
+                  </a:tcPr>
+                </a:tc>
+                <a:tc>
+                  <a:txBody>
+                    <a:bodyPr/>
+                    <a:lstStyle/>
+                    <a:p>
+                      <a:pPr algn="ctr" fontAlgn="ctr"/>
+                      <a:r>
+                        <a:rPr lang="fr-FR" sz="900" b="0" i="0" u="none" strike="noStrike">
+                          <a:solidFill>
+                            <a:srgbClr val="000000"/>
+                          </a:solidFill>
+                          <a:latin typeface="Calibri"/>
+                        </a:rPr>
+                        <a:t>s2</a:t>
+                      </a:r>
+                    </a:p>
+                  </a:txBody>
+                  <a:tcPr marL="3950" marR="3950" marT="3950" marB="0" anchor="ctr">
+                    <a:lnL w="19050" cap="flat" cmpd="sng" algn="ctr">
+                      <a:solidFill>
+                        <a:srgbClr val="000000"/>
+                      </a:solidFill>
+                      <a:prstDash val="solid"/>
+                      <a:round/>
+                      <a:headEnd type="none" w="med" len="med"/>
+                      <a:tailEnd type="none" w="med" len="med"/>
+                    </a:lnL>
+                    <a:lnR w="19050" cap="flat" cmpd="sng" algn="ctr">
+                      <a:solidFill>
+                        <a:srgbClr val="000000"/>
+                      </a:solidFill>
+                      <a:prstDash val="solid"/>
+                      <a:round/>
+                      <a:headEnd type="none" w="med" len="med"/>
+                      <a:tailEnd type="none" w="med" len="med"/>
+                    </a:lnR>
+                    <a:lnT w="19050" cap="flat" cmpd="sng" algn="ctr">
+                      <a:solidFill>
+                        <a:srgbClr val="000000"/>
+                      </a:solidFill>
+                      <a:prstDash val="solid"/>
+                      <a:round/>
+                      <a:headEnd type="none" w="med" len="med"/>
+                      <a:tailEnd type="none" w="med" len="med"/>
+                    </a:lnT>
+                    <a:lnB w="19050" cap="flat" cmpd="sng" algn="ctr">
+                      <a:solidFill>
+                        <a:srgbClr val="000000"/>
+                      </a:solidFill>
+                      <a:prstDash val="solid"/>
+                      <a:round/>
+                      <a:headEnd type="none" w="med" len="med"/>
+                      <a:tailEnd type="none" w="med" len="med"/>
+                    </a:lnB>
+                  </a:tcPr>
+                </a:tc>
+                <a:tc>
+                  <a:txBody>
+                    <a:bodyPr/>
+                    <a:lstStyle/>
+                    <a:p>
+                      <a:pPr algn="ctr" fontAlgn="ctr"/>
+                      <a:r>
+                        <a:rPr lang="fr-FR" sz="900" b="0" i="0" u="none" strike="noStrike">
+                          <a:solidFill>
+                            <a:srgbClr val="000000"/>
+                          </a:solidFill>
+                          <a:latin typeface="Calibri"/>
+                        </a:rPr>
+                        <a:t>s3</a:t>
+                      </a:r>
+                    </a:p>
+                  </a:txBody>
+                  <a:tcPr marL="3950" marR="3950" marT="3950" marB="0" anchor="ctr">
+                    <a:lnL w="19050" cap="flat" cmpd="sng" algn="ctr">
+                      <a:solidFill>
+                        <a:srgbClr val="000000"/>
+                      </a:solidFill>
+                      <a:prstDash val="solid"/>
+                      <a:round/>
+                      <a:headEnd type="none" w="med" len="med"/>
+                      <a:tailEnd type="none" w="med" len="med"/>
+                    </a:lnL>
+                    <a:lnR w="19050" cap="flat" cmpd="sng" algn="ctr">
+                      <a:solidFill>
+                        <a:srgbClr val="000000"/>
+                      </a:solidFill>
+                      <a:prstDash val="solid"/>
+                      <a:round/>
+                      <a:headEnd type="none" w="med" len="med"/>
+                      <a:tailEnd type="none" w="med" len="med"/>
+                    </a:lnR>
+                    <a:lnT w="19050" cap="flat" cmpd="sng" algn="ctr">
+                      <a:solidFill>
+                        <a:srgbClr val="000000"/>
+                      </a:solidFill>
+                      <a:prstDash val="solid"/>
+                      <a:round/>
+                      <a:headEnd type="none" w="med" len="med"/>
+                      <a:tailEnd type="none" w="med" len="med"/>
+                    </a:lnT>
+                    <a:lnB w="19050" cap="flat" cmpd="sng" algn="ctr">
+                      <a:solidFill>
+                        <a:srgbClr val="000000"/>
+                      </a:solidFill>
+                      <a:prstDash val="solid"/>
+                      <a:round/>
+                      <a:headEnd type="none" w="med" len="med"/>
+                      <a:tailEnd type="none" w="med" len="med"/>
+                    </a:lnB>
+                  </a:tcPr>
+                </a:tc>
+                <a:tc>
+                  <a:txBody>
+                    <a:bodyPr/>
+                    <a:lstStyle/>
+                    <a:p>
+                      <a:pPr algn="ctr" fontAlgn="ctr"/>
+                      <a:r>
+                        <a:rPr lang="fr-FR" sz="900" b="0" i="0" u="none" strike="noStrike">
+                          <a:solidFill>
+                            <a:srgbClr val="000000"/>
+                          </a:solidFill>
+                          <a:latin typeface="Calibri"/>
+                        </a:rPr>
+                        <a:t>s4</a:t>
+                      </a:r>
+                    </a:p>
+                  </a:txBody>
+                  <a:tcPr marL="3950" marR="3950" marT="3950" marB="0" anchor="ctr">
+                    <a:lnL w="19050" cap="flat" cmpd="sng" algn="ctr">
+                      <a:solidFill>
+                        <a:srgbClr val="000000"/>
+                      </a:solidFill>
+                      <a:prstDash val="solid"/>
+                      <a:round/>
+                      <a:headEnd type="none" w="med" len="med"/>
+                      <a:tailEnd type="none" w="med" len="med"/>
+                    </a:lnL>
+                    <a:lnR w="19050" cap="flat" cmpd="sng" algn="ctr">
+                      <a:solidFill>
+                        <a:srgbClr val="000000"/>
+                      </a:solidFill>
+                      <a:prstDash val="solid"/>
+                      <a:round/>
+                      <a:headEnd type="none" w="med" len="med"/>
+                      <a:tailEnd type="none" w="med" len="med"/>
+                    </a:lnR>
+                    <a:lnT w="19050" cap="flat" cmpd="sng" algn="ctr">
+                      <a:solidFill>
+                        <a:srgbClr val="000000"/>
+                      </a:solidFill>
+                      <a:prstDash val="solid"/>
+                      <a:round/>
+                      <a:headEnd type="none" w="med" len="med"/>
+                      <a:tailEnd type="none" w="med" len="med"/>
+                    </a:lnT>
+                    <a:lnB w="19050" cap="flat" cmpd="sng" algn="ctr">
+                      <a:solidFill>
+                        <a:srgbClr val="000000"/>
+                      </a:solidFill>
+                      <a:prstDash val="solid"/>
+                      <a:round/>
+                      <a:headEnd type="none" w="med" len="med"/>
+                      <a:tailEnd type="none" w="med" len="med"/>
+                    </a:lnB>
+                  </a:tcPr>
+                </a:tc>
+                <a:tc gridSpan="2">
+                  <a:txBody>
+                    <a:bodyPr/>
+                    <a:lstStyle/>
+                    <a:p>
+                      <a:pPr algn="ctr" fontAlgn="ctr"/>
+                      <a:r>
+                        <a:rPr lang="fr-FR" sz="900" b="0" i="0" u="none" strike="noStrike">
+                          <a:solidFill>
+                            <a:srgbClr val="000000"/>
+                          </a:solidFill>
+                          <a:latin typeface="Calibri"/>
+                        </a:rPr>
+                        <a:t>s5</a:t>
+                      </a:r>
+                    </a:p>
+                  </a:txBody>
+                  <a:tcPr marL="3950" marR="3950" marT="3950" marB="0" anchor="ctr">
+                    <a:lnL w="19050" cap="flat" cmpd="sng" algn="ctr">
+                      <a:solidFill>
+                        <a:srgbClr val="000000"/>
+                      </a:solidFill>
+                      <a:prstDash val="solid"/>
+                      <a:round/>
+                      <a:headEnd type="none" w="med" len="med"/>
+                      <a:tailEnd type="none" w="med" len="med"/>
+                    </a:lnL>
+                    <a:lnR w="19050" cap="flat" cmpd="sng" algn="ctr">
+                      <a:solidFill>
+                        <a:srgbClr val="000000"/>
+                      </a:solidFill>
+                      <a:prstDash val="solid"/>
+                      <a:round/>
+                      <a:headEnd type="none" w="med" len="med"/>
+                      <a:tailEnd type="none" w="med" len="med"/>
+                    </a:lnR>
+                    <a:lnT w="19050" cap="flat" cmpd="sng" algn="ctr">
+                      <a:solidFill>
+                        <a:srgbClr val="000000"/>
+                      </a:solidFill>
+                      <a:prstDash val="solid"/>
+                      <a:round/>
+                      <a:headEnd type="none" w="med" len="med"/>
+                      <a:tailEnd type="none" w="med" len="med"/>
+                    </a:lnT>
+                    <a:lnB w="19050" cap="flat" cmpd="sng" algn="ctr">
+                      <a:solidFill>
+                        <a:srgbClr val="000000"/>
+                      </a:solidFill>
+                      <a:prstDash val="solid"/>
+                      <a:round/>
+                      <a:headEnd type="none" w="med" len="med"/>
+                      <a:tailEnd type="none" w="med" len="med"/>
+                    </a:lnB>
+                  </a:tcPr>
+                </a:tc>
+                <a:tc hMerge="1">
+                  <a:txBody>
+                    <a:bodyPr/>
+                    <a:lstStyle/>
+                    <a:p>
+                      <a:endParaRPr lang="fr-FR"/>
+                    </a:p>
+                  </a:txBody>
+                  <a:tcPr/>
+                </a:tc>
+                <a:tc>
+                  <a:txBody>
+                    <a:bodyPr/>
+                    <a:lstStyle/>
+                    <a:p>
+                      <a:pPr algn="ctr" fontAlgn="ctr"/>
+                      <a:r>
+                        <a:rPr lang="fr-FR" sz="900" b="0" i="0" u="none" strike="noStrike">
+                          <a:solidFill>
+                            <a:srgbClr val="000000"/>
+                          </a:solidFill>
+                          <a:latin typeface="Calibri"/>
+                        </a:rPr>
+                        <a:t>s6</a:t>
+                      </a:r>
+                    </a:p>
+                  </a:txBody>
+                  <a:tcPr marL="3950" marR="3950" marT="3950" marB="0" anchor="ctr">
+                    <a:lnL w="19050" cap="flat" cmpd="sng" algn="ctr">
+                      <a:solidFill>
+                        <a:srgbClr val="000000"/>
+                      </a:solidFill>
+                      <a:prstDash val="solid"/>
+                      <a:round/>
+                      <a:headEnd type="none" w="med" len="med"/>
+                      <a:tailEnd type="none" w="med" len="med"/>
+                    </a:lnL>
+                    <a:lnR w="19050" cap="flat" cmpd="sng" algn="ctr">
+                      <a:solidFill>
+                        <a:srgbClr val="000000"/>
+                      </a:solidFill>
+                      <a:prstDash val="solid"/>
+                      <a:round/>
+                      <a:headEnd type="none" w="med" len="med"/>
+                      <a:tailEnd type="none" w="med" len="med"/>
+                    </a:lnR>
+                    <a:lnT w="19050" cap="flat" cmpd="sng" algn="ctr">
+                      <a:solidFill>
+                        <a:srgbClr val="000000"/>
+                      </a:solidFill>
+                      <a:prstDash val="solid"/>
+                      <a:round/>
+                      <a:headEnd type="none" w="med" len="med"/>
+                      <a:tailEnd type="none" w="med" len="med"/>
+                    </a:lnT>
+                    <a:lnB w="19050" cap="flat" cmpd="sng" algn="ctr">
+                      <a:solidFill>
+                        <a:srgbClr val="000000"/>
+                      </a:solidFill>
+                      <a:prstDash val="solid"/>
+                      <a:round/>
+                      <a:headEnd type="none" w="med" len="med"/>
+                      <a:tailEnd type="none" w="med" len="med"/>
+                    </a:lnB>
+                  </a:tcPr>
+                </a:tc>
+                <a:tc>
+                  <a:txBody>
+                    <a:bodyPr/>
+                    <a:lstStyle/>
+                    <a:p>
+                      <a:pPr algn="ctr" fontAlgn="ctr"/>
+                      <a:r>
+                        <a:rPr lang="fr-FR" sz="900" b="0" i="0" u="none" strike="noStrike">
+                          <a:solidFill>
+                            <a:srgbClr val="000000"/>
+                          </a:solidFill>
+                          <a:latin typeface="Calibri"/>
+                        </a:rPr>
+                        <a:t>s7</a:t>
+                      </a:r>
+                    </a:p>
+                  </a:txBody>
+                  <a:tcPr marL="3950" marR="3950" marT="3950" marB="0" anchor="ctr">
+                    <a:lnL w="19050" cap="flat" cmpd="sng" algn="ctr">
+                      <a:solidFill>
+                        <a:srgbClr val="000000"/>
+                      </a:solidFill>
+                      <a:prstDash val="solid"/>
+                      <a:round/>
+                      <a:headEnd type="none" w="med" len="med"/>
+                      <a:tailEnd type="none" w="med" len="med"/>
+                    </a:lnL>
+                    <a:lnR w="19050" cap="flat" cmpd="sng" algn="ctr">
+                      <a:solidFill>
+                        <a:srgbClr val="000000"/>
+                      </a:solidFill>
+                      <a:prstDash val="solid"/>
+                      <a:round/>
+                      <a:headEnd type="none" w="med" len="med"/>
+                      <a:tailEnd type="none" w="med" len="med"/>
+                    </a:lnR>
+                    <a:lnT w="19050" cap="flat" cmpd="sng" algn="ctr">
+                      <a:solidFill>
+                        <a:srgbClr val="000000"/>
+                      </a:solidFill>
+                      <a:prstDash val="solid"/>
+                      <a:round/>
+                      <a:headEnd type="none" w="med" len="med"/>
+                      <a:tailEnd type="none" w="med" len="med"/>
+                    </a:lnT>
+                    <a:lnB w="19050" cap="flat" cmpd="sng" algn="ctr">
+                      <a:solidFill>
+                        <a:srgbClr val="000000"/>
+                      </a:solidFill>
+                      <a:prstDash val="solid"/>
+                      <a:round/>
+                      <a:headEnd type="none" w="med" len="med"/>
+                      <a:tailEnd type="none" w="med" len="med"/>
+                    </a:lnB>
+                  </a:tcPr>
+                </a:tc>
+                <a:tc>
+                  <a:txBody>
+                    <a:bodyPr/>
+                    <a:lstStyle/>
+                    <a:p>
+                      <a:pPr algn="ctr" fontAlgn="ctr"/>
+                      <a:r>
+                        <a:rPr lang="fr-FR" sz="900" b="0" i="0" u="none" strike="noStrike">
+                          <a:solidFill>
+                            <a:srgbClr val="000000"/>
+                          </a:solidFill>
+                          <a:latin typeface="Calibri"/>
+                        </a:rPr>
+                        <a:t>s8</a:t>
+                      </a:r>
+                    </a:p>
+                  </a:txBody>
+                  <a:tcPr marL="3950" marR="3950" marT="3950" marB="0" anchor="ctr">
+                    <a:lnL w="19050" cap="flat" cmpd="sng" algn="ctr">
+                      <a:solidFill>
+                        <a:srgbClr val="000000"/>
+                      </a:solidFill>
+                      <a:prstDash val="solid"/>
+                      <a:round/>
+                      <a:headEnd type="none" w="med" len="med"/>
+                      <a:tailEnd type="none" w="med" len="med"/>
+                    </a:lnL>
+                    <a:lnR w="19050" cap="flat" cmpd="sng" algn="ctr">
+                      <a:solidFill>
+                        <a:srgbClr val="000000"/>
+                      </a:solidFill>
+                      <a:prstDash val="solid"/>
+                      <a:round/>
+                      <a:headEnd type="none" w="med" len="med"/>
+                      <a:tailEnd type="none" w="med" len="med"/>
+                    </a:lnR>
+                    <a:lnT w="19050" cap="flat" cmpd="sng" algn="ctr">
+                      <a:solidFill>
+                        <a:srgbClr val="000000"/>
+                      </a:solidFill>
+                      <a:prstDash val="solid"/>
+                      <a:round/>
+                      <a:headEnd type="none" w="med" len="med"/>
+                      <a:tailEnd type="none" w="med" len="med"/>
+                    </a:lnT>
+                    <a:lnB w="19050" cap="flat" cmpd="sng" algn="ctr">
+                      <a:solidFill>
+                        <a:srgbClr val="000000"/>
+                      </a:solidFill>
+                      <a:prstDash val="solid"/>
+                      <a:round/>
+                      <a:headEnd type="none" w="med" len="med"/>
+                      <a:tailEnd type="none" w="med" len="med"/>
+                    </a:lnB>
+                  </a:tcPr>
+                </a:tc>
+                <a:tc>
+                  <a:txBody>
+                    <a:bodyPr/>
+                    <a:lstStyle/>
+                    <a:p>
+                      <a:pPr algn="ctr" fontAlgn="ctr"/>
+                      <a:r>
+                        <a:rPr lang="fr-FR" sz="900" b="0" i="0" u="none" strike="noStrike">
+                          <a:solidFill>
+                            <a:srgbClr val="000000"/>
+                          </a:solidFill>
+                          <a:latin typeface="Calibri"/>
+                        </a:rPr>
+                        <a:t>s9</a:t>
+                      </a:r>
+                    </a:p>
+                  </a:txBody>
+                  <a:tcPr marL="3950" marR="3950" marT="3950" marB="0" anchor="ctr">
+                    <a:lnL w="19050" cap="flat" cmpd="sng" algn="ctr">
+                      <a:solidFill>
+                        <a:srgbClr val="000000"/>
+                      </a:solidFill>
+                      <a:prstDash val="solid"/>
+                      <a:round/>
+                      <a:headEnd type="none" w="med" len="med"/>
+                      <a:tailEnd type="none" w="med" len="med"/>
+                    </a:lnL>
+                    <a:lnR w="19050" cap="flat" cmpd="sng" algn="ctr">
+                      <a:solidFill>
+                        <a:srgbClr val="000000"/>
+                      </a:solidFill>
+                      <a:prstDash val="solid"/>
+                      <a:round/>
+                      <a:headEnd type="none" w="med" len="med"/>
+                      <a:tailEnd type="none" w="med" len="med"/>
+                    </a:lnR>
+                    <a:lnT w="19050" cap="flat" cmpd="sng" algn="ctr">
+                      <a:solidFill>
+                        <a:srgbClr val="000000"/>
+                      </a:solidFill>
+                      <a:prstDash val="solid"/>
+                      <a:round/>
+                      <a:headEnd type="none" w="med" len="med"/>
+                      <a:tailEnd type="none" w="med" len="med"/>
+                    </a:lnT>
+                    <a:lnB w="19050" cap="flat" cmpd="sng" algn="ctr">
+                      <a:solidFill>
+                        <a:srgbClr val="000000"/>
+                      </a:solidFill>
+                      <a:prstDash val="solid"/>
+                      <a:round/>
+                      <a:headEnd type="none" w="med" len="med"/>
+                      <a:tailEnd type="none" w="med" len="med"/>
+                    </a:lnB>
+                  </a:tcPr>
+                </a:tc>
+                <a:tc gridSpan="2">
+                  <a:txBody>
+                    <a:bodyPr/>
+                    <a:lstStyle/>
+                    <a:p>
+                      <a:pPr algn="ctr" fontAlgn="ctr"/>
+                      <a:r>
+                        <a:rPr lang="fr-FR" sz="900" b="0" i="0" u="none" strike="noStrike">
+                          <a:solidFill>
+                            <a:srgbClr val="000000"/>
+                          </a:solidFill>
+                          <a:latin typeface="Calibri"/>
+                        </a:rPr>
+                        <a:t>s10</a:t>
+                      </a:r>
+                    </a:p>
+                  </a:txBody>
+                  <a:tcPr marL="3950" marR="3950" marT="3950" marB="0" anchor="ctr">
+                    <a:lnL w="19050" cap="flat" cmpd="sng" algn="ctr">
+                      <a:solidFill>
+                        <a:srgbClr val="000000"/>
+                      </a:solidFill>
+                      <a:prstDash val="solid"/>
+                      <a:round/>
+                      <a:headEnd type="none" w="med" len="med"/>
+                      <a:tailEnd type="none" w="med" len="med"/>
+                    </a:lnL>
+                    <a:lnR w="19050" cap="flat" cmpd="sng" algn="ctr">
+                      <a:solidFill>
+                        <a:srgbClr val="000000"/>
+                      </a:solidFill>
+                      <a:prstDash val="solid"/>
+                      <a:round/>
+                      <a:headEnd type="none" w="med" len="med"/>
+                      <a:tailEnd type="none" w="med" len="med"/>
+                    </a:lnR>
+                    <a:lnT w="19050" cap="flat" cmpd="sng" algn="ctr">
+                      <a:solidFill>
+                        <a:srgbClr val="000000"/>
+                      </a:solidFill>
+                      <a:prstDash val="solid"/>
+                      <a:round/>
+                      <a:headEnd type="none" w="med" len="med"/>
+                      <a:tailEnd type="none" w="med" len="med"/>
+                    </a:lnT>
+                    <a:lnB w="19050" cap="flat" cmpd="sng" algn="ctr">
+                      <a:solidFill>
+                        <a:srgbClr val="000000"/>
+                      </a:solidFill>
+                      <a:prstDash val="solid"/>
+                      <a:round/>
+                      <a:headEnd type="none" w="med" len="med"/>
+                      <a:tailEnd type="none" w="med" len="med"/>
+                    </a:lnB>
+                  </a:tcPr>
+                </a:tc>
+                <a:tc hMerge="1">
+                  <a:txBody>
+                    <a:bodyPr/>
+                    <a:lstStyle/>
+                    <a:p>
+                      <a:endParaRPr lang="fr-FR"/>
+                    </a:p>
+                  </a:txBody>
+                  <a:tcPr/>
+                </a:tc>
+                <a:tc>
+                  <a:txBody>
+                    <a:bodyPr/>
+                    <a:lstStyle/>
+                    <a:p>
+                      <a:pPr algn="ctr" fontAlgn="ctr"/>
+                      <a:r>
+                        <a:rPr lang="fr-FR" sz="900" b="0" i="0" u="none" strike="noStrike">
+                          <a:solidFill>
+                            <a:srgbClr val="000000"/>
+                          </a:solidFill>
+                          <a:latin typeface="Calibri"/>
+                        </a:rPr>
+                        <a:t>s11</a:t>
+                      </a:r>
+                    </a:p>
+                  </a:txBody>
+                  <a:tcPr marL="3950" marR="3950" marT="3950" marB="0" anchor="ctr">
+                    <a:lnL w="19050" cap="flat" cmpd="sng" algn="ctr">
+                      <a:solidFill>
+                        <a:srgbClr val="000000"/>
+                      </a:solidFill>
+                      <a:prstDash val="solid"/>
+                      <a:round/>
+                      <a:headEnd type="none" w="med" len="med"/>
+                      <a:tailEnd type="none" w="med" len="med"/>
+                    </a:lnL>
+                    <a:lnR w="19050" cap="flat" cmpd="sng" algn="ctr">
+                      <a:solidFill>
+                        <a:srgbClr val="000000"/>
+                      </a:solidFill>
+                      <a:prstDash val="solid"/>
+                      <a:round/>
+                      <a:headEnd type="none" w="med" len="med"/>
+                      <a:tailEnd type="none" w="med" len="med"/>
+                    </a:lnR>
+                    <a:lnT w="19050" cap="flat" cmpd="sng" algn="ctr">
+                      <a:solidFill>
+                        <a:srgbClr val="000000"/>
+                      </a:solidFill>
+                      <a:prstDash val="solid"/>
+                      <a:round/>
+                      <a:headEnd type="none" w="med" len="med"/>
+                      <a:tailEnd type="none" w="med" len="med"/>
+                    </a:lnT>
+                    <a:lnB w="19050" cap="flat" cmpd="sng" algn="ctr">
+                      <a:solidFill>
+                        <a:srgbClr val="000000"/>
+                      </a:solidFill>
+                      <a:prstDash val="solid"/>
+                      <a:round/>
+                      <a:headEnd type="none" w="med" len="med"/>
+                      <a:tailEnd type="none" w="med" len="med"/>
+                    </a:lnB>
+                  </a:tcPr>
+                </a:tc>
+                <a:tc>
+                  <a:txBody>
+                    <a:bodyPr/>
+                    <a:lstStyle/>
+                    <a:p>
+                      <a:pPr algn="ctr" fontAlgn="ctr"/>
+                      <a:r>
+                        <a:rPr lang="fr-FR" sz="900" b="0" i="0" u="none" strike="noStrike">
+                          <a:solidFill>
+                            <a:srgbClr val="000000"/>
+                          </a:solidFill>
+                          <a:latin typeface="Calibri"/>
+                        </a:rPr>
+                        <a:t>s12</a:t>
+                      </a:r>
+                    </a:p>
+                  </a:txBody>
+                  <a:tcPr marL="3950" marR="3950" marT="3950" marB="0" anchor="ctr">
+                    <a:lnL w="19050" cap="flat" cmpd="sng" algn="ctr">
+                      <a:solidFill>
+                        <a:srgbClr val="000000"/>
+                      </a:solidFill>
+                      <a:prstDash val="solid"/>
+                      <a:round/>
+                      <a:headEnd type="none" w="med" len="med"/>
+                      <a:tailEnd type="none" w="med" len="med"/>
+                    </a:lnL>
+                    <a:lnR w="19050" cap="flat" cmpd="sng" algn="ctr">
+                      <a:solidFill>
+                        <a:srgbClr val="000000"/>
+                      </a:solidFill>
+                      <a:prstDash val="solid"/>
+                      <a:round/>
+                      <a:headEnd type="none" w="med" len="med"/>
+                      <a:tailEnd type="none" w="med" len="med"/>
+                    </a:lnR>
+                    <a:lnT w="19050" cap="flat" cmpd="sng" algn="ctr">
+                      <a:solidFill>
+                        <a:srgbClr val="000000"/>
+                      </a:solidFill>
+                      <a:prstDash val="solid"/>
+                      <a:round/>
+                      <a:headEnd type="none" w="med" len="med"/>
+                      <a:tailEnd type="none" w="med" len="med"/>
+                    </a:lnT>
+                    <a:lnB w="19050" cap="flat" cmpd="sng" algn="ctr">
+                      <a:solidFill>
+                        <a:srgbClr val="000000"/>
+                      </a:solidFill>
+                      <a:prstDash val="solid"/>
+                      <a:round/>
+                      <a:headEnd type="none" w="med" len="med"/>
+                      <a:tailEnd type="none" w="med" len="med"/>
+                    </a:lnB>
+                  </a:tcPr>
+                </a:tc>
+                <a:tc>
+                  <a:txBody>
+                    <a:bodyPr/>
+                    <a:lstStyle/>
+                    <a:p>
+                      <a:pPr algn="ctr" fontAlgn="ctr"/>
+                      <a:r>
+                        <a:rPr lang="fr-FR" sz="900" b="0" i="0" u="none" strike="noStrike">
+                          <a:solidFill>
+                            <a:srgbClr val="000000"/>
+                          </a:solidFill>
+                          <a:latin typeface="Calibri"/>
+                        </a:rPr>
+                        <a:t>s13</a:t>
+                      </a:r>
+                    </a:p>
+                  </a:txBody>
+                  <a:tcPr marL="3950" marR="3950" marT="3950" marB="0" anchor="ctr">
+                    <a:lnL w="19050" cap="flat" cmpd="sng" algn="ctr">
+                      <a:solidFill>
+                        <a:srgbClr val="000000"/>
+                      </a:solidFill>
+                      <a:prstDash val="solid"/>
+                      <a:round/>
+                      <a:headEnd type="none" w="med" len="med"/>
+                      <a:tailEnd type="none" w="med" len="med"/>
+                    </a:lnL>
+                    <a:lnR w="19050" cap="flat" cmpd="sng" algn="ctr">
+                      <a:solidFill>
+                        <a:srgbClr val="000000"/>
+                      </a:solidFill>
+                      <a:prstDash val="solid"/>
+                      <a:round/>
+                      <a:headEnd type="none" w="med" len="med"/>
+                      <a:tailEnd type="none" w="med" len="med"/>
+                    </a:lnR>
+                    <a:lnT w="19050" cap="flat" cmpd="sng" algn="ctr">
+                      <a:solidFill>
+                        <a:srgbClr val="000000"/>
+                      </a:solidFill>
+                      <a:prstDash val="solid"/>
+                      <a:round/>
+                      <a:headEnd type="none" w="med" len="med"/>
+                      <a:tailEnd type="none" w="med" len="med"/>
+                    </a:lnT>
+                    <a:lnB w="19050" cap="flat" cmpd="sng" algn="ctr">
+                      <a:solidFill>
+                        <a:srgbClr val="000000"/>
+                      </a:solidFill>
+                      <a:prstDash val="solid"/>
+                      <a:round/>
+                      <a:headEnd type="none" w="med" len="med"/>
+                      <a:tailEnd type="none" w="med" len="med"/>
+                    </a:lnB>
+                  </a:tcPr>
+                </a:tc>
+                <a:tc gridSpan="2">
+                  <a:txBody>
+                    <a:bodyPr/>
+                    <a:lstStyle/>
+                    <a:p>
+                      <a:pPr algn="ctr" fontAlgn="ctr"/>
+                      <a:r>
+                        <a:rPr lang="fr-FR" sz="900" b="0" i="0" u="none" strike="noStrike">
+                          <a:solidFill>
+                            <a:srgbClr val="000000"/>
+                          </a:solidFill>
+                          <a:latin typeface="Calibri"/>
+                        </a:rPr>
+                        <a:t>s14</a:t>
+                      </a:r>
+                    </a:p>
+                  </a:txBody>
+                  <a:tcPr marL="3950" marR="3950" marT="3950" marB="0" anchor="ctr">
+                    <a:lnL w="19050" cap="flat" cmpd="sng" algn="ctr">
+                      <a:solidFill>
+                        <a:srgbClr val="000000"/>
+                      </a:solidFill>
+                      <a:prstDash val="solid"/>
+                      <a:round/>
+                      <a:headEnd type="none" w="med" len="med"/>
+                      <a:tailEnd type="none" w="med" len="med"/>
+                    </a:lnL>
+                    <a:lnR w="19050" cap="flat" cmpd="sng" algn="ctr">
+                      <a:solidFill>
+                        <a:srgbClr val="000000"/>
+                      </a:solidFill>
+                      <a:prstDash val="solid"/>
+                      <a:round/>
+                      <a:headEnd type="none" w="med" len="med"/>
+                      <a:tailEnd type="none" w="med" len="med"/>
+                    </a:lnR>
+                    <a:lnT w="19050" cap="flat" cmpd="sng" algn="ctr">
+                      <a:solidFill>
+                        <a:srgbClr val="000000"/>
+                      </a:solidFill>
+                      <a:prstDash val="solid"/>
+                      <a:round/>
+                      <a:headEnd type="none" w="med" len="med"/>
+                      <a:tailEnd type="none" w="med" len="med"/>
+                    </a:lnT>
+                    <a:lnB w="19050" cap="flat" cmpd="sng" algn="ctr">
+                      <a:solidFill>
+                        <a:srgbClr val="000000"/>
+                      </a:solidFill>
+                      <a:prstDash val="solid"/>
+                      <a:round/>
+                      <a:headEnd type="none" w="med" len="med"/>
+                      <a:tailEnd type="none" w="med" len="med"/>
+                    </a:lnB>
+                  </a:tcPr>
+                </a:tc>
+                <a:tc hMerge="1">
+                  <a:txBody>
+                    <a:bodyPr/>
+                    <a:lstStyle/>
+                    <a:p>
+                      <a:endParaRPr lang="fr-FR"/>
+                    </a:p>
+                  </a:txBody>
+                  <a:tcPr/>
+                </a:tc>
+                <a:tc>
+                  <a:txBody>
+                    <a:bodyPr/>
+                    <a:lstStyle/>
+                    <a:p>
+                      <a:pPr algn="ctr" fontAlgn="ctr"/>
+                      <a:r>
+                        <a:rPr lang="fr-FR" sz="900" b="0" i="0" u="none" strike="noStrike">
+                          <a:solidFill>
+                            <a:srgbClr val="000000"/>
+                          </a:solidFill>
+                          <a:latin typeface="Calibri"/>
+                        </a:rPr>
+                        <a:t>s15</a:t>
+                      </a:r>
+                    </a:p>
+                  </a:txBody>
+                  <a:tcPr marL="3950" marR="3950" marT="3950" marB="0" anchor="ctr">
+                    <a:lnL w="19050" cap="flat" cmpd="sng" algn="ctr">
+                      <a:solidFill>
+                        <a:srgbClr val="000000"/>
+                      </a:solidFill>
+                      <a:prstDash val="solid"/>
+                      <a:round/>
+                      <a:headEnd type="none" w="med" len="med"/>
+                      <a:tailEnd type="none" w="med" len="med"/>
+                    </a:lnL>
+                    <a:lnR w="19050" cap="flat" cmpd="sng" algn="ctr">
+                      <a:solidFill>
+                        <a:srgbClr val="000000"/>
+                      </a:solidFill>
+                      <a:prstDash val="solid"/>
+                      <a:round/>
+                      <a:headEnd type="none" w="med" len="med"/>
+                      <a:tailEnd type="none" w="med" len="med"/>
+                    </a:lnR>
+                    <a:lnT w="19050" cap="flat" cmpd="sng" algn="ctr">
+                      <a:solidFill>
+                        <a:srgbClr val="000000"/>
+                      </a:solidFill>
+                      <a:prstDash val="solid"/>
+                      <a:round/>
+                      <a:headEnd type="none" w="med" len="med"/>
+                      <a:tailEnd type="none" w="med" len="med"/>
+                    </a:lnT>
+                    <a:lnB w="19050" cap="flat" cmpd="sng" algn="ctr">
+                      <a:solidFill>
+                        <a:srgbClr val="000000"/>
+                      </a:solidFill>
+                      <a:prstDash val="solid"/>
+                      <a:round/>
+                      <a:headEnd type="none" w="med" len="med"/>
+                      <a:tailEnd type="none" w="med" len="med"/>
+                    </a:lnB>
+                  </a:tcPr>
+                </a:tc>
+                <a:tc>
+                  <a:txBody>
+                    <a:bodyPr/>
+                    <a:lstStyle/>
+                    <a:p>
+                      <a:pPr algn="ctr" fontAlgn="ctr"/>
+                      <a:r>
+                        <a:rPr lang="fr-FR" sz="900" b="0" i="0" u="none" strike="noStrike">
+                          <a:solidFill>
+                            <a:srgbClr val="000000"/>
+                          </a:solidFill>
+                          <a:latin typeface="Calibri"/>
+                        </a:rPr>
+                        <a:t>s16</a:t>
+                      </a:r>
+                    </a:p>
+                  </a:txBody>
+                  <a:tcPr marL="3950" marR="3950" marT="3950" marB="0" anchor="ctr">
+                    <a:lnL w="19050" cap="flat" cmpd="sng" algn="ctr">
+                      <a:solidFill>
+                        <a:srgbClr val="000000"/>
+                      </a:solidFill>
+                      <a:prstDash val="solid"/>
+                      <a:round/>
+                      <a:headEnd type="none" w="med" len="med"/>
+                      <a:tailEnd type="none" w="med" len="med"/>
+                    </a:lnL>
+                    <a:lnR w="19050" cap="flat" cmpd="sng" algn="ctr">
+                      <a:solidFill>
+                        <a:srgbClr val="000000"/>
+                      </a:solidFill>
+                      <a:prstDash val="solid"/>
+                      <a:round/>
+                      <a:headEnd type="none" w="med" len="med"/>
+                      <a:tailEnd type="none" w="med" len="med"/>
+                    </a:lnR>
+                    <a:lnT w="19050" cap="flat" cmpd="sng" algn="ctr">
+                      <a:solidFill>
+                        <a:srgbClr val="000000"/>
+                      </a:solidFill>
+                      <a:prstDash val="solid"/>
+                      <a:round/>
+                      <a:headEnd type="none" w="med" len="med"/>
+                      <a:tailEnd type="none" w="med" len="med"/>
+                    </a:lnT>
+                    <a:lnB w="19050" cap="flat" cmpd="sng" algn="ctr">
+                      <a:solidFill>
+                        <a:srgbClr val="000000"/>
+                      </a:solidFill>
+                      <a:prstDash val="solid"/>
+                      <a:round/>
+                      <a:headEnd type="none" w="med" len="med"/>
+                      <a:tailEnd type="none" w="med" len="med"/>
+                    </a:lnB>
+                  </a:tcPr>
+                </a:tc>
+                <a:tc>
+                  <a:txBody>
+                    <a:bodyPr/>
+                    <a:lstStyle/>
+                    <a:p>
+                      <a:pPr algn="ctr" fontAlgn="ctr"/>
+                      <a:r>
+                        <a:rPr lang="fr-FR" sz="900" b="0" i="0" u="none" strike="noStrike">
+                          <a:solidFill>
+                            <a:srgbClr val="000000"/>
+                          </a:solidFill>
+                          <a:latin typeface="Calibri"/>
+                        </a:rPr>
+                        <a:t>s18</a:t>
+                      </a:r>
+                    </a:p>
+                  </a:txBody>
+                  <a:tcPr marL="3950" marR="3950" marT="3950" marB="0" anchor="ctr">
+                    <a:lnL w="19050" cap="flat" cmpd="sng" algn="ctr">
+                      <a:solidFill>
+                        <a:srgbClr val="000000"/>
+                      </a:solidFill>
+                      <a:prstDash val="solid"/>
+                      <a:round/>
+                      <a:headEnd type="none" w="med" len="med"/>
+                      <a:tailEnd type="none" w="med" len="med"/>
+                    </a:lnL>
+                    <a:lnR w="19050" cap="flat" cmpd="sng" algn="ctr">
+                      <a:solidFill>
+                        <a:srgbClr val="000000"/>
+                      </a:solidFill>
+                      <a:prstDash val="solid"/>
+                      <a:round/>
+                      <a:headEnd type="none" w="med" len="med"/>
+                      <a:tailEnd type="none" w="med" len="med"/>
+                    </a:lnR>
+                    <a:lnT w="19050" cap="flat" cmpd="sng" algn="ctr">
+                      <a:solidFill>
+                        <a:srgbClr val="000000"/>
+                      </a:solidFill>
+                      <a:prstDash val="solid"/>
+                      <a:round/>
+                      <a:headEnd type="none" w="med" len="med"/>
+                      <a:tailEnd type="none" w="med" len="med"/>
+                    </a:lnT>
+                    <a:lnB w="19050" cap="flat" cmpd="sng" algn="ctr">
+                      <a:solidFill>
+                        <a:srgbClr val="000000"/>
+                      </a:solidFill>
+                      <a:prstDash val="solid"/>
+                      <a:round/>
+                      <a:headEnd type="none" w="med" len="med"/>
+                      <a:tailEnd type="none" w="med" len="med"/>
+                    </a:lnB>
+                  </a:tcPr>
+                </a:tc>
+                <a:tc>
+                  <a:txBody>
+                    <a:bodyPr/>
+                    <a:lstStyle/>
+                    <a:p>
+                      <a:pPr algn="ctr" fontAlgn="ctr"/>
+                      <a:r>
+                        <a:rPr lang="fr-FR" sz="900" b="0" i="0" u="none" strike="noStrike">
+                          <a:solidFill>
+                            <a:srgbClr val="000000"/>
+                          </a:solidFill>
+                          <a:latin typeface="Calibri"/>
+                        </a:rPr>
+                        <a:t>s19</a:t>
+                      </a:r>
+                    </a:p>
+                  </a:txBody>
+                  <a:tcPr marL="3950" marR="3950" marT="3950" marB="0" anchor="ctr">
+                    <a:lnL w="19050" cap="flat" cmpd="sng" algn="ctr">
+                      <a:solidFill>
+                        <a:srgbClr val="000000"/>
+                      </a:solidFill>
+                      <a:prstDash val="solid"/>
+                      <a:round/>
+                      <a:headEnd type="none" w="med" len="med"/>
+                      <a:tailEnd type="none" w="med" len="med"/>
+                    </a:lnL>
+                    <a:lnR w="19050" cap="flat" cmpd="sng" algn="ctr">
+                      <a:solidFill>
+                        <a:srgbClr val="000000"/>
+                      </a:solidFill>
+                      <a:prstDash val="solid"/>
+                      <a:round/>
+                      <a:headEnd type="none" w="med" len="med"/>
+                      <a:tailEnd type="none" w="med" len="med"/>
+                    </a:lnR>
+                    <a:lnT w="19050" cap="flat" cmpd="sng" algn="ctr">
+                      <a:solidFill>
+                        <a:srgbClr val="000000"/>
+                      </a:solidFill>
+                      <a:prstDash val="solid"/>
+                      <a:round/>
+                      <a:headEnd type="none" w="med" len="med"/>
+                      <a:tailEnd type="none" w="med" len="med"/>
+                    </a:lnT>
+                    <a:lnB w="19050" cap="flat" cmpd="sng" algn="ctr">
+                      <a:solidFill>
+                        <a:srgbClr val="000000"/>
+                      </a:solidFill>
+                      <a:prstDash val="solid"/>
+                      <a:round/>
+                      <a:headEnd type="none" w="med" len="med"/>
+                      <a:tailEnd type="none" w="med" len="med"/>
+                    </a:lnB>
+                  </a:tcPr>
+                </a:tc>
+              </a:tr>
+              <a:tr h="496790">
+                <a:tc>
+                  <a:txBody>
+                    <a:bodyPr/>
+                    <a:lstStyle/>
+                    <a:p>
+                      <a:pPr algn="ctr" fontAlgn="ctr"/>
+                      <a:r>
+                        <a:rPr lang="fr-FR" sz="700" b="1" i="0" u="none" strike="noStrike">
+                          <a:solidFill>
+                            <a:srgbClr val="000000"/>
+                          </a:solidFill>
+                          <a:latin typeface="Calibri"/>
+                        </a:rPr>
+                        <a:t> </a:t>
+                      </a:r>
+                    </a:p>
+                  </a:txBody>
+                  <a:tcPr marL="3950" marR="3950" marT="3950" marB="0" anchor="ctr">
+                    <a:lnL w="19050" cap="flat" cmpd="sng" algn="ctr">
+                      <a:solidFill>
+                        <a:srgbClr val="000000"/>
+                      </a:solidFill>
+                      <a:prstDash val="solid"/>
+                      <a:round/>
+                      <a:headEnd type="none" w="med" len="med"/>
+                      <a:tailEnd type="none" w="med" len="med"/>
+                    </a:lnL>
+                    <a:lnR w="19050" cap="flat" cmpd="sng" algn="ctr">
+                      <a:solidFill>
+                        <a:srgbClr val="000000"/>
+                      </a:solidFill>
+                      <a:prstDash val="solid"/>
+                      <a:round/>
+                      <a:headEnd type="none" w="med" len="med"/>
+                      <a:tailEnd type="none" w="med" len="med"/>
+                    </a:lnR>
+                    <a:lnT w="19050" cap="flat" cmpd="sng" algn="ctr">
+                      <a:solidFill>
+                        <a:srgbClr val="000000"/>
+                      </a:solidFill>
+                      <a:prstDash val="solid"/>
+                      <a:round/>
+                      <a:headEnd type="none" w="med" len="med"/>
+                      <a:tailEnd type="none" w="med" len="med"/>
+                    </a:lnT>
+                    <a:lnB w="19050" cap="flat" cmpd="sng" algn="ctr">
+                      <a:solidFill>
+                        <a:srgbClr val="000000"/>
+                      </a:solidFill>
+                      <a:prstDash val="solid"/>
+                      <a:round/>
+                      <a:headEnd type="none" w="med" len="med"/>
+                      <a:tailEnd type="none" w="med" len="med"/>
+                    </a:lnB>
+                  </a:tcPr>
+                </a:tc>
+                <a:tc>
+                  <a:txBody>
+                    <a:bodyPr/>
+                    <a:lstStyle/>
+                    <a:p>
+                      <a:pPr algn="ctr" fontAlgn="ctr"/>
+                      <a:r>
+                        <a:rPr lang="fr-FR" sz="700" b="1" i="0" u="none" strike="noStrike">
+                          <a:solidFill>
+                            <a:srgbClr val="000000"/>
+                          </a:solidFill>
+                          <a:latin typeface="Calibri"/>
+                        </a:rPr>
+                        <a:t> </a:t>
+                      </a:r>
+                    </a:p>
+                  </a:txBody>
+                  <a:tcPr marL="3950" marR="3950" marT="3950" marB="0" anchor="ctr">
+                    <a:lnL w="19050" cap="flat" cmpd="sng" algn="ctr">
+                      <a:solidFill>
+                        <a:srgbClr val="000000"/>
+                      </a:solidFill>
+                      <a:prstDash val="solid"/>
+                      <a:round/>
+                      <a:headEnd type="none" w="med" len="med"/>
+                      <a:tailEnd type="none" w="med" len="med"/>
+                    </a:lnL>
+                    <a:lnR w="19050" cap="flat" cmpd="sng" algn="ctr">
+                      <a:solidFill>
+                        <a:srgbClr val="000000"/>
+                      </a:solidFill>
+                      <a:prstDash val="solid"/>
+                      <a:round/>
+                      <a:headEnd type="none" w="med" len="med"/>
+                      <a:tailEnd type="none" w="med" len="med"/>
+                    </a:lnR>
+                    <a:lnT w="19050" cap="flat" cmpd="sng" algn="ctr">
+                      <a:solidFill>
+                        <a:srgbClr val="000000"/>
+                      </a:solidFill>
+                      <a:prstDash val="solid"/>
+                      <a:round/>
+                      <a:headEnd type="none" w="med" len="med"/>
+                      <a:tailEnd type="none" w="med" len="med"/>
+                    </a:lnT>
+                    <a:lnB w="19050" cap="flat" cmpd="sng" algn="ctr">
+                      <a:solidFill>
+                        <a:srgbClr val="000000"/>
+                      </a:solidFill>
+                      <a:prstDash val="solid"/>
+                      <a:round/>
+                      <a:headEnd type="none" w="med" len="med"/>
+                      <a:tailEnd type="none" w="med" len="med"/>
+                    </a:lnB>
+                  </a:tcPr>
+                </a:tc>
+                <a:tc>
+                  <a:txBody>
+                    <a:bodyPr/>
+                    <a:lstStyle/>
+                    <a:p>
+                      <a:pPr algn="ctr" fontAlgn="ctr"/>
+                      <a:r>
+                        <a:rPr lang="fr-FR" sz="700" b="1" i="0" u="none" strike="noStrike">
+                          <a:solidFill>
+                            <a:srgbClr val="000000"/>
+                          </a:solidFill>
+                          <a:latin typeface="Calibri"/>
+                        </a:rPr>
+                        <a:t> </a:t>
+                      </a:r>
+                    </a:p>
+                  </a:txBody>
+                  <a:tcPr marL="3950" marR="3950" marT="3950" marB="0" anchor="ctr">
+                    <a:lnL w="19050" cap="flat" cmpd="sng" algn="ctr">
+                      <a:solidFill>
+                        <a:srgbClr val="000000"/>
+                      </a:solidFill>
+                      <a:prstDash val="solid"/>
+                      <a:round/>
+                      <a:headEnd type="none" w="med" len="med"/>
+                      <a:tailEnd type="none" w="med" len="med"/>
+                    </a:lnL>
+                    <a:lnR w="19050" cap="flat" cmpd="sng" algn="ctr">
+                      <a:solidFill>
+                        <a:srgbClr val="000000"/>
+                      </a:solidFill>
+                      <a:prstDash val="solid"/>
+                      <a:round/>
+                      <a:headEnd type="none" w="med" len="med"/>
+                      <a:tailEnd type="none" w="med" len="med"/>
+                    </a:lnR>
+                    <a:lnT w="19050" cap="flat" cmpd="sng" algn="ctr">
+                      <a:solidFill>
+                        <a:srgbClr val="000000"/>
+                      </a:solidFill>
+                      <a:prstDash val="solid"/>
+                      <a:round/>
+                      <a:headEnd type="none" w="med" len="med"/>
+                      <a:tailEnd type="none" w="med" len="med"/>
+                    </a:lnT>
+                    <a:lnB w="19050" cap="flat" cmpd="sng" algn="ctr">
+                      <a:solidFill>
+                        <a:srgbClr val="000000"/>
+                      </a:solidFill>
+                      <a:prstDash val="solid"/>
+                      <a:round/>
+                      <a:headEnd type="none" w="med" len="med"/>
+                      <a:tailEnd type="none" w="med" len="med"/>
+                    </a:lnB>
+                  </a:tcPr>
+                </a:tc>
+                <a:tc>
+                  <a:txBody>
+                    <a:bodyPr/>
+                    <a:lstStyle/>
+                    <a:p>
+                      <a:pPr algn="ctr" fontAlgn="ctr"/>
+                      <a:r>
+                        <a:rPr lang="fr-FR" sz="700" b="1" i="0" u="none" strike="noStrike">
+                          <a:solidFill>
+                            <a:srgbClr val="000000"/>
+                          </a:solidFill>
+                          <a:latin typeface="Calibri"/>
+                        </a:rPr>
+                        <a:t> </a:t>
+                      </a:r>
+                    </a:p>
+                  </a:txBody>
+                  <a:tcPr marL="3950" marR="3950" marT="3950" marB="0" anchor="ctr">
+                    <a:lnL w="19050" cap="flat" cmpd="sng" algn="ctr">
+                      <a:solidFill>
+                        <a:srgbClr val="000000"/>
+                      </a:solidFill>
+                      <a:prstDash val="solid"/>
+                      <a:round/>
+                      <a:headEnd type="none" w="med" len="med"/>
+                      <a:tailEnd type="none" w="med" len="med"/>
+                    </a:lnL>
+                    <a:lnR w="19050" cap="flat" cmpd="sng" algn="ctr">
+                      <a:solidFill>
+                        <a:srgbClr val="000000"/>
+                      </a:solidFill>
+                      <a:prstDash val="solid"/>
+                      <a:round/>
+                      <a:headEnd type="none" w="med" len="med"/>
+                      <a:tailEnd type="none" w="med" len="med"/>
+                    </a:lnR>
+                    <a:lnT w="19050" cap="flat" cmpd="sng" algn="ctr">
+                      <a:solidFill>
+                        <a:srgbClr val="000000"/>
+                      </a:solidFill>
+                      <a:prstDash val="solid"/>
+                      <a:round/>
+                      <a:headEnd type="none" w="med" len="med"/>
+                      <a:tailEnd type="none" w="med" len="med"/>
+                    </a:lnT>
+                    <a:lnB w="19050" cap="flat" cmpd="sng" algn="ctr">
+                      <a:solidFill>
+                        <a:srgbClr val="000000"/>
+                      </a:solidFill>
+                      <a:prstDash val="solid"/>
+                      <a:round/>
+                      <a:headEnd type="none" w="med" len="med"/>
+                      <a:tailEnd type="none" w="med" len="med"/>
+                    </a:lnB>
+                  </a:tcPr>
+                </a:tc>
+                <a:tc gridSpan="2">
+                  <a:txBody>
+                    <a:bodyPr/>
+                    <a:lstStyle/>
+                    <a:p>
+                      <a:pPr algn="ctr" fontAlgn="ctr"/>
+                      <a:r>
+                        <a:rPr lang="fr-FR" sz="700" b="1" i="0" u="none" strike="noStrike">
+                          <a:solidFill>
+                            <a:srgbClr val="000000"/>
+                          </a:solidFill>
+                          <a:latin typeface="Calibri"/>
+                        </a:rPr>
+                        <a:t> </a:t>
+                      </a:r>
+                    </a:p>
+                  </a:txBody>
+                  <a:tcPr marL="3950" marR="3950" marT="3950" marB="0" anchor="ctr">
+                    <a:lnL w="19050" cap="flat" cmpd="sng" algn="ctr">
+                      <a:solidFill>
+                        <a:srgbClr val="000000"/>
+                      </a:solidFill>
+                      <a:prstDash val="solid"/>
+                      <a:round/>
+                      <a:headEnd type="none" w="med" len="med"/>
+                      <a:tailEnd type="none" w="med" len="med"/>
+                    </a:lnL>
+                    <a:lnR w="19050" cap="flat" cmpd="sng" algn="ctr">
+                      <a:solidFill>
+                        <a:srgbClr val="000000"/>
+                      </a:solidFill>
+                      <a:prstDash val="solid"/>
+                      <a:round/>
+                      <a:headEnd type="none" w="med" len="med"/>
+                      <a:tailEnd type="none" w="med" len="med"/>
+                    </a:lnR>
+                    <a:lnT w="19050" cap="flat" cmpd="sng" algn="ctr">
+                      <a:solidFill>
+                        <a:srgbClr val="000000"/>
+                      </a:solidFill>
+                      <a:prstDash val="solid"/>
+                      <a:round/>
+                      <a:headEnd type="none" w="med" len="med"/>
+                      <a:tailEnd type="none" w="med" len="med"/>
+                    </a:lnT>
+                    <a:lnB w="19050" cap="flat" cmpd="sng" algn="ctr">
+                      <a:solidFill>
+                        <a:srgbClr val="000000"/>
+                      </a:solidFill>
+                      <a:prstDash val="solid"/>
+                      <a:round/>
+                      <a:headEnd type="none" w="med" len="med"/>
+                      <a:tailEnd type="none" w="med" len="med"/>
+                    </a:lnB>
+                  </a:tcPr>
+                </a:tc>
+                <a:tc hMerge="1">
+                  <a:txBody>
+                    <a:bodyPr/>
+                    <a:lstStyle/>
+                    <a:p>
+                      <a:endParaRPr lang="fr-FR"/>
+                    </a:p>
+                  </a:txBody>
+                  <a:tcPr/>
+                </a:tc>
+                <a:tc>
+                  <a:txBody>
+                    <a:bodyPr/>
+                    <a:lstStyle/>
+                    <a:p>
+                      <a:pPr algn="ctr" fontAlgn="ctr"/>
+                      <a:r>
+                        <a:rPr lang="fr-FR" sz="700" b="1" i="0" u="none" strike="noStrike">
+                          <a:solidFill>
+                            <a:srgbClr val="000000"/>
+                          </a:solidFill>
+                          <a:latin typeface="Calibri"/>
+                        </a:rPr>
+                        <a:t> </a:t>
+                      </a:r>
+                    </a:p>
+                  </a:txBody>
+                  <a:tcPr marL="3950" marR="3950" marT="3950" marB="0" anchor="ctr">
+                    <a:lnL w="19050" cap="flat" cmpd="sng" algn="ctr">
+                      <a:solidFill>
+                        <a:srgbClr val="000000"/>
+                      </a:solidFill>
+                      <a:prstDash val="solid"/>
+                      <a:round/>
+                      <a:headEnd type="none" w="med" len="med"/>
+                      <a:tailEnd type="none" w="med" len="med"/>
+                    </a:lnL>
+                    <a:lnR w="19050" cap="flat" cmpd="sng" algn="ctr">
+                      <a:solidFill>
+                        <a:srgbClr val="000000"/>
+                      </a:solidFill>
+                      <a:prstDash val="solid"/>
+                      <a:round/>
+                      <a:headEnd type="none" w="med" len="med"/>
+                      <a:tailEnd type="none" w="med" len="med"/>
+                    </a:lnR>
+                    <a:lnT w="19050" cap="flat" cmpd="sng" algn="ctr">
+                      <a:solidFill>
+                        <a:srgbClr val="000000"/>
+                      </a:solidFill>
+                      <a:prstDash val="solid"/>
+                      <a:round/>
+                      <a:headEnd type="none" w="med" len="med"/>
+                      <a:tailEnd type="none" w="med" len="med"/>
+                    </a:lnT>
+                    <a:lnB w="19050" cap="flat" cmpd="sng" algn="ctr">
+                      <a:solidFill>
+                        <a:srgbClr val="000000"/>
+                      </a:solidFill>
+                      <a:prstDash val="solid"/>
+                      <a:round/>
+                      <a:headEnd type="none" w="med" len="med"/>
+                      <a:tailEnd type="none" w="med" len="med"/>
+                    </a:lnB>
+                  </a:tcPr>
+                </a:tc>
+                <a:tc>
+                  <a:txBody>
+                    <a:bodyPr/>
+                    <a:lstStyle/>
+                    <a:p>
+                      <a:pPr algn="ctr" fontAlgn="ctr"/>
+                      <a:r>
+                        <a:rPr lang="fr-FR" sz="700" b="1" i="0" u="none" strike="noStrike">
+                          <a:solidFill>
+                            <a:srgbClr val="000000"/>
+                          </a:solidFill>
+                          <a:latin typeface="Calibri"/>
+                        </a:rPr>
+                        <a:t> </a:t>
+                      </a:r>
+                    </a:p>
+                  </a:txBody>
+                  <a:tcPr marL="3950" marR="3950" marT="3950" marB="0" anchor="ctr">
+                    <a:lnL w="19050" cap="flat" cmpd="sng" algn="ctr">
+                      <a:solidFill>
+                        <a:srgbClr val="000000"/>
+                      </a:solidFill>
+                      <a:prstDash val="solid"/>
+                      <a:round/>
+                      <a:headEnd type="none" w="med" len="med"/>
+                      <a:tailEnd type="none" w="med" len="med"/>
+                    </a:lnL>
+                    <a:lnR w="19050" cap="flat" cmpd="sng" algn="ctr">
+                      <a:solidFill>
+                        <a:srgbClr val="000000"/>
+                      </a:solidFill>
+                      <a:prstDash val="solid"/>
+                      <a:round/>
+                      <a:headEnd type="none" w="med" len="med"/>
+                      <a:tailEnd type="none" w="med" len="med"/>
+                    </a:lnR>
+                    <a:lnT w="19050" cap="flat" cmpd="sng" algn="ctr">
+                      <a:solidFill>
+                        <a:srgbClr val="000000"/>
+                      </a:solidFill>
+                      <a:prstDash val="solid"/>
+                      <a:round/>
+                      <a:headEnd type="none" w="med" len="med"/>
+                      <a:tailEnd type="none" w="med" len="med"/>
+                    </a:lnT>
+                    <a:lnB w="19050" cap="flat" cmpd="sng" algn="ctr">
+                      <a:solidFill>
+                        <a:srgbClr val="000000"/>
+                      </a:solidFill>
+                      <a:prstDash val="solid"/>
+                      <a:round/>
+                      <a:headEnd type="none" w="med" len="med"/>
+                      <a:tailEnd type="none" w="med" len="med"/>
+                    </a:lnB>
+                  </a:tcPr>
+                </a:tc>
+                <a:tc>
+                  <a:txBody>
+                    <a:bodyPr/>
+                    <a:lstStyle/>
+                    <a:p>
+                      <a:pPr algn="ctr" fontAlgn="ctr"/>
+                      <a:r>
+                        <a:rPr lang="fr-FR" sz="700" b="1" i="0" u="none" strike="noStrike">
+                          <a:solidFill>
+                            <a:srgbClr val="000000"/>
+                          </a:solidFill>
+                          <a:latin typeface="Calibri"/>
+                        </a:rPr>
+                        <a:t> </a:t>
+                      </a:r>
+                    </a:p>
+                  </a:txBody>
+                  <a:tcPr marL="3950" marR="3950" marT="3950" marB="0" anchor="ctr">
+                    <a:lnL w="19050" cap="flat" cmpd="sng" algn="ctr">
+                      <a:solidFill>
+                        <a:srgbClr val="000000"/>
+                      </a:solidFill>
+                      <a:prstDash val="solid"/>
+                      <a:round/>
+                      <a:headEnd type="none" w="med" len="med"/>
+                      <a:tailEnd type="none" w="med" len="med"/>
+                    </a:lnL>
+                    <a:lnR w="19050" cap="flat" cmpd="sng" algn="ctr">
+                      <a:solidFill>
+                        <a:srgbClr val="000000"/>
+                      </a:solidFill>
+                      <a:prstDash val="solid"/>
+                      <a:round/>
+                      <a:headEnd type="none" w="med" len="med"/>
+                      <a:tailEnd type="none" w="med" len="med"/>
+                    </a:lnR>
+                    <a:lnT w="19050" cap="flat" cmpd="sng" algn="ctr">
+                      <a:solidFill>
+                        <a:srgbClr val="000000"/>
+                      </a:solidFill>
+                      <a:prstDash val="solid"/>
+                      <a:round/>
+                      <a:headEnd type="none" w="med" len="med"/>
+                      <a:tailEnd type="none" w="med" len="med"/>
+                    </a:lnT>
+                    <a:lnB w="19050" cap="flat" cmpd="sng" algn="ctr">
+                      <a:solidFill>
+                        <a:srgbClr val="000000"/>
+                      </a:solidFill>
+                      <a:prstDash val="solid"/>
+                      <a:round/>
+                      <a:headEnd type="none" w="med" len="med"/>
+                      <a:tailEnd type="none" w="med" len="med"/>
+                    </a:lnB>
+                  </a:tcPr>
+                </a:tc>
+                <a:tc>
+                  <a:txBody>
+                    <a:bodyPr/>
+                    <a:lstStyle/>
+                    <a:p>
+                      <a:pPr algn="ctr" fontAlgn="ctr"/>
+                      <a:r>
+                        <a:rPr lang="fr-FR" sz="700" b="1" i="0" u="none" strike="noStrike">
+                          <a:solidFill>
+                            <a:srgbClr val="000000"/>
+                          </a:solidFill>
+                          <a:latin typeface="Calibri"/>
+                        </a:rPr>
+                        <a:t> </a:t>
+                      </a:r>
+                    </a:p>
+                  </a:txBody>
+                  <a:tcPr marL="3950" marR="3950" marT="3950" marB="0" anchor="ctr">
+                    <a:lnL w="19050" cap="flat" cmpd="sng" algn="ctr">
+                      <a:solidFill>
+                        <a:srgbClr val="000000"/>
+                      </a:solidFill>
+                      <a:prstDash val="solid"/>
+                      <a:round/>
+                      <a:headEnd type="none" w="med" len="med"/>
+                      <a:tailEnd type="none" w="med" len="med"/>
+                    </a:lnL>
+                    <a:lnR w="19050" cap="flat" cmpd="sng" algn="ctr">
+                      <a:solidFill>
+                        <a:srgbClr val="000000"/>
+                      </a:solidFill>
+                      <a:prstDash val="solid"/>
+                      <a:round/>
+                      <a:headEnd type="none" w="med" len="med"/>
+                      <a:tailEnd type="none" w="med" len="med"/>
+                    </a:lnR>
+                    <a:lnT w="19050" cap="flat" cmpd="sng" algn="ctr">
+                      <a:solidFill>
+                        <a:srgbClr val="000000"/>
+                      </a:solidFill>
+                      <a:prstDash val="solid"/>
+                      <a:round/>
+                      <a:headEnd type="none" w="med" len="med"/>
+                      <a:tailEnd type="none" w="med" len="med"/>
+                    </a:lnT>
+                    <a:lnB w="19050" cap="flat" cmpd="sng" algn="ctr">
+                      <a:solidFill>
+                        <a:srgbClr val="000000"/>
+                      </a:solidFill>
+                      <a:prstDash val="solid"/>
+                      <a:round/>
+                      <a:headEnd type="none" w="med" len="med"/>
+                      <a:tailEnd type="none" w="med" len="med"/>
+                    </a:lnB>
+                  </a:tcPr>
+                </a:tc>
+                <a:tc gridSpan="2">
+                  <a:txBody>
+                    <a:bodyPr/>
+                    <a:lstStyle/>
+                    <a:p>
+                      <a:pPr algn="ctr" fontAlgn="ctr"/>
+                      <a:r>
+                        <a:rPr lang="fr-FR" sz="700" b="1" i="0" u="none" strike="noStrike">
+                          <a:solidFill>
+                            <a:srgbClr val="000000"/>
+                          </a:solidFill>
+                          <a:latin typeface="Calibri"/>
+                        </a:rPr>
+                        <a:t> </a:t>
+                      </a:r>
+                    </a:p>
+                  </a:txBody>
+                  <a:tcPr marL="3950" marR="3950" marT="3950" marB="0" anchor="ctr">
+                    <a:lnL w="19050" cap="flat" cmpd="sng" algn="ctr">
+                      <a:solidFill>
+                        <a:srgbClr val="000000"/>
+                      </a:solidFill>
+                      <a:prstDash val="solid"/>
+                      <a:round/>
+                      <a:headEnd type="none" w="med" len="med"/>
+                      <a:tailEnd type="none" w="med" len="med"/>
+                    </a:lnL>
+                    <a:lnR w="19050" cap="flat" cmpd="sng" algn="ctr">
+                      <a:solidFill>
+                        <a:srgbClr val="000000"/>
+                      </a:solidFill>
+                      <a:prstDash val="solid"/>
+                      <a:round/>
+                      <a:headEnd type="none" w="med" len="med"/>
+                      <a:tailEnd type="none" w="med" len="med"/>
+                    </a:lnR>
+                    <a:lnT w="19050" cap="flat" cmpd="sng" algn="ctr">
+                      <a:solidFill>
+                        <a:srgbClr val="000000"/>
+                      </a:solidFill>
+                      <a:prstDash val="solid"/>
+                      <a:round/>
+                      <a:headEnd type="none" w="med" len="med"/>
+                      <a:tailEnd type="none" w="med" len="med"/>
+                    </a:lnT>
+                    <a:lnB w="19050" cap="flat" cmpd="sng" algn="ctr">
+                      <a:solidFill>
+                        <a:srgbClr val="000000"/>
+                      </a:solidFill>
+                      <a:prstDash val="solid"/>
+                      <a:round/>
+                      <a:headEnd type="none" w="med" len="med"/>
+                      <a:tailEnd type="none" w="med" len="med"/>
+                    </a:lnB>
+                  </a:tcPr>
+                </a:tc>
+                <a:tc hMerge="1">
+                  <a:txBody>
+                    <a:bodyPr/>
+                    <a:lstStyle/>
+                    <a:p>
+                      <a:endParaRPr lang="fr-FR"/>
+                    </a:p>
+                  </a:txBody>
+                  <a:tcPr/>
+                </a:tc>
+                <a:tc>
+                  <a:txBody>
+                    <a:bodyPr/>
+                    <a:lstStyle/>
+                    <a:p>
+                      <a:pPr algn="ctr" fontAlgn="ctr"/>
+                      <a:r>
+                        <a:rPr lang="fr-FR" sz="700" b="1" i="0" u="none" strike="noStrike">
+                          <a:solidFill>
+                            <a:srgbClr val="000000"/>
+                          </a:solidFill>
+                          <a:latin typeface="Calibri"/>
+                        </a:rPr>
+                        <a:t> </a:t>
+                      </a:r>
+                    </a:p>
+                  </a:txBody>
+                  <a:tcPr marL="3950" marR="3950" marT="3950" marB="0" anchor="ctr">
+                    <a:lnL w="19050" cap="flat" cmpd="sng" algn="ctr">
+                      <a:solidFill>
+                        <a:srgbClr val="000000"/>
+                      </a:solidFill>
+                      <a:prstDash val="solid"/>
+                      <a:round/>
+                      <a:headEnd type="none" w="med" len="med"/>
+                      <a:tailEnd type="none" w="med" len="med"/>
+                    </a:lnL>
+                    <a:lnR w="19050" cap="flat" cmpd="sng" algn="ctr">
+                      <a:solidFill>
+                        <a:srgbClr val="000000"/>
+                      </a:solidFill>
+                      <a:prstDash val="solid"/>
+                      <a:round/>
+                      <a:headEnd type="none" w="med" len="med"/>
+                      <a:tailEnd type="none" w="med" len="med"/>
+                    </a:lnR>
+                    <a:lnT w="19050" cap="flat" cmpd="sng" algn="ctr">
+                      <a:solidFill>
+                        <a:srgbClr val="000000"/>
+                      </a:solidFill>
+                      <a:prstDash val="solid"/>
+                      <a:round/>
+                      <a:headEnd type="none" w="med" len="med"/>
+                      <a:tailEnd type="none" w="med" len="med"/>
+                    </a:lnT>
+                    <a:lnB w="19050" cap="flat" cmpd="sng" algn="ctr">
+                      <a:solidFill>
+                        <a:srgbClr val="000000"/>
+                      </a:solidFill>
+                      <a:prstDash val="solid"/>
+                      <a:round/>
+                      <a:headEnd type="none" w="med" len="med"/>
+                      <a:tailEnd type="none" w="med" len="med"/>
+                    </a:lnB>
+                  </a:tcPr>
+                </a:tc>
+                <a:tc>
+                  <a:txBody>
+                    <a:bodyPr/>
+                    <a:lstStyle/>
+                    <a:p>
+                      <a:pPr algn="ctr" fontAlgn="ctr"/>
+                      <a:r>
+                        <a:rPr lang="fr-FR" sz="700" b="1" i="0" u="none" strike="noStrike">
+                          <a:solidFill>
+                            <a:srgbClr val="000000"/>
+                          </a:solidFill>
+                          <a:latin typeface="Calibri"/>
+                        </a:rPr>
+                        <a:t> </a:t>
+                      </a:r>
+                    </a:p>
+                  </a:txBody>
+                  <a:tcPr marL="3950" marR="3950" marT="3950" marB="0" anchor="ctr">
+                    <a:lnL w="19050" cap="flat" cmpd="sng" algn="ctr">
+                      <a:solidFill>
+                        <a:srgbClr val="000000"/>
+                      </a:solidFill>
+                      <a:prstDash val="solid"/>
+                      <a:round/>
+                      <a:headEnd type="none" w="med" len="med"/>
+                      <a:tailEnd type="none" w="med" len="med"/>
+                    </a:lnL>
+                    <a:lnR w="19050" cap="flat" cmpd="sng" algn="ctr">
+                      <a:solidFill>
+                        <a:srgbClr val="000000"/>
+                      </a:solidFill>
+                      <a:prstDash val="solid"/>
+                      <a:round/>
+                      <a:headEnd type="none" w="med" len="med"/>
+                      <a:tailEnd type="none" w="med" len="med"/>
+                    </a:lnR>
+                    <a:lnT w="19050" cap="flat" cmpd="sng" algn="ctr">
+                      <a:solidFill>
+                        <a:srgbClr val="000000"/>
+                      </a:solidFill>
+                      <a:prstDash val="solid"/>
+                      <a:round/>
+                      <a:headEnd type="none" w="med" len="med"/>
+                      <a:tailEnd type="none" w="med" len="med"/>
+                    </a:lnT>
+                    <a:lnB w="19050" cap="flat" cmpd="sng" algn="ctr">
+                      <a:solidFill>
+                        <a:srgbClr val="000000"/>
+                      </a:solidFill>
+                      <a:prstDash val="solid"/>
+                      <a:round/>
+                      <a:headEnd type="none" w="med" len="med"/>
+                      <a:tailEnd type="none" w="med" len="med"/>
+                    </a:lnB>
+                  </a:tcPr>
+                </a:tc>
+                <a:tc>
+                  <a:txBody>
+                    <a:bodyPr/>
+                    <a:lstStyle/>
+                    <a:p>
+                      <a:pPr algn="ctr" fontAlgn="ctr"/>
+                      <a:r>
+                        <a:rPr lang="fr-FR" sz="700" b="1" i="0" u="none" strike="noStrike">
+                          <a:solidFill>
+                            <a:srgbClr val="000000"/>
+                          </a:solidFill>
+                          <a:latin typeface="Calibri"/>
+                        </a:rPr>
+                        <a:t> </a:t>
+                      </a:r>
+                    </a:p>
+                  </a:txBody>
+                  <a:tcPr marL="3950" marR="3950" marT="3950" marB="0" anchor="ctr">
+                    <a:lnL w="19050" cap="flat" cmpd="sng" algn="ctr">
+                      <a:solidFill>
+                        <a:srgbClr val="000000"/>
+                      </a:solidFill>
+                      <a:prstDash val="solid"/>
+                      <a:round/>
+                      <a:headEnd type="none" w="med" len="med"/>
+                      <a:tailEnd type="none" w="med" len="med"/>
+                    </a:lnL>
+                    <a:lnR w="19050" cap="flat" cmpd="sng" algn="ctr">
+                      <a:solidFill>
+                        <a:srgbClr val="000000"/>
+                      </a:solidFill>
+                      <a:prstDash val="solid"/>
+                      <a:round/>
+                      <a:headEnd type="none" w="med" len="med"/>
+                      <a:tailEnd type="none" w="med" len="med"/>
+                    </a:lnR>
+                    <a:lnT w="19050" cap="flat" cmpd="sng" algn="ctr">
+                      <a:solidFill>
+                        <a:srgbClr val="000000"/>
+                      </a:solidFill>
+                      <a:prstDash val="solid"/>
+                      <a:round/>
+                      <a:headEnd type="none" w="med" len="med"/>
+                      <a:tailEnd type="none" w="med" len="med"/>
+                    </a:lnT>
+                    <a:lnB w="19050" cap="flat" cmpd="sng" algn="ctr">
+                      <a:solidFill>
+                        <a:srgbClr val="000000"/>
+                      </a:solidFill>
+                      <a:prstDash val="solid"/>
+                      <a:round/>
+                      <a:headEnd type="none" w="med" len="med"/>
+                      <a:tailEnd type="none" w="med" len="med"/>
+                    </a:lnB>
+                  </a:tcPr>
+                </a:tc>
+                <a:tc gridSpan="2">
+                  <a:txBody>
+                    <a:bodyPr/>
+                    <a:lstStyle/>
+                    <a:p>
+                      <a:pPr algn="ctr" fontAlgn="ctr"/>
+                      <a:r>
+                        <a:rPr lang="fr-FR" sz="700" b="1" i="0" u="none" strike="noStrike">
+                          <a:solidFill>
+                            <a:srgbClr val="000000"/>
+                          </a:solidFill>
+                          <a:latin typeface="Calibri"/>
+                        </a:rPr>
+                        <a:t> </a:t>
+                      </a:r>
+                    </a:p>
+                  </a:txBody>
+                  <a:tcPr marL="3950" marR="3950" marT="3950" marB="0" anchor="ctr">
+                    <a:lnL w="19050" cap="flat" cmpd="sng" algn="ctr">
+                      <a:solidFill>
+                        <a:srgbClr val="000000"/>
+                      </a:solidFill>
+                      <a:prstDash val="solid"/>
+                      <a:round/>
+                      <a:headEnd type="none" w="med" len="med"/>
+                      <a:tailEnd type="none" w="med" len="med"/>
+                    </a:lnL>
+                    <a:lnR w="19050" cap="flat" cmpd="sng" algn="ctr">
+                      <a:solidFill>
+                        <a:srgbClr val="000000"/>
+                      </a:solidFill>
+                      <a:prstDash val="solid"/>
+                      <a:round/>
+                      <a:headEnd type="none" w="med" len="med"/>
+                      <a:tailEnd type="none" w="med" len="med"/>
+                    </a:lnR>
+                    <a:lnT w="19050" cap="flat" cmpd="sng" algn="ctr">
+                      <a:solidFill>
+                        <a:srgbClr val="000000"/>
+                      </a:solidFill>
+                      <a:prstDash val="solid"/>
+                      <a:round/>
+                      <a:headEnd type="none" w="med" len="med"/>
+                      <a:tailEnd type="none" w="med" len="med"/>
+                    </a:lnT>
+                    <a:lnB w="19050" cap="flat" cmpd="sng" algn="ctr">
+                      <a:solidFill>
+                        <a:srgbClr val="000000"/>
+                      </a:solidFill>
+                      <a:prstDash val="solid"/>
+                      <a:round/>
+                      <a:headEnd type="none" w="med" len="med"/>
+                      <a:tailEnd type="none" w="med" len="med"/>
+                    </a:lnB>
+                  </a:tcPr>
+                </a:tc>
+                <a:tc hMerge="1">
+                  <a:txBody>
+                    <a:bodyPr/>
+                    <a:lstStyle/>
+                    <a:p>
+                      <a:endParaRPr lang="fr-FR"/>
+                    </a:p>
+                  </a:txBody>
+                  <a:tcPr/>
+                </a:tc>
+                <a:tc>
+                  <a:txBody>
+                    <a:bodyPr/>
+                    <a:lstStyle/>
+                    <a:p>
+                      <a:pPr algn="ctr" fontAlgn="ctr"/>
+                      <a:r>
+                        <a:rPr lang="fr-FR" sz="700" b="1" i="0" u="none" strike="noStrike">
+                          <a:solidFill>
+                            <a:srgbClr val="000000"/>
+                          </a:solidFill>
+                          <a:latin typeface="Calibri"/>
+                        </a:rPr>
+                        <a:t> </a:t>
+                      </a:r>
+                    </a:p>
+                  </a:txBody>
+                  <a:tcPr marL="3950" marR="3950" marT="3950" marB="0" anchor="ctr">
+                    <a:lnL w="19050" cap="flat" cmpd="sng" algn="ctr">
+                      <a:solidFill>
+                        <a:srgbClr val="000000"/>
+                      </a:solidFill>
+                      <a:prstDash val="solid"/>
+                      <a:round/>
+                      <a:headEnd type="none" w="med" len="med"/>
+                      <a:tailEnd type="none" w="med" len="med"/>
+                    </a:lnL>
+                    <a:lnR w="19050" cap="flat" cmpd="sng" algn="ctr">
+                      <a:solidFill>
+                        <a:srgbClr val="000000"/>
+                      </a:solidFill>
+                      <a:prstDash val="solid"/>
+                      <a:round/>
+                      <a:headEnd type="none" w="med" len="med"/>
+                      <a:tailEnd type="none" w="med" len="med"/>
+                    </a:lnR>
+                    <a:lnT w="19050" cap="flat" cmpd="sng" algn="ctr">
+                      <a:solidFill>
+                        <a:srgbClr val="000000"/>
+                      </a:solidFill>
+                      <a:prstDash val="solid"/>
+                      <a:round/>
+                      <a:headEnd type="none" w="med" len="med"/>
+                      <a:tailEnd type="none" w="med" len="med"/>
+                    </a:lnT>
+                    <a:lnB w="19050" cap="flat" cmpd="sng" algn="ctr">
+                      <a:solidFill>
+                        <a:srgbClr val="000000"/>
+                      </a:solidFill>
+                      <a:prstDash val="solid"/>
+                      <a:round/>
+                      <a:headEnd type="none" w="med" len="med"/>
+                      <a:tailEnd type="none" w="med" len="med"/>
+                    </a:lnB>
+                  </a:tcPr>
+                </a:tc>
+                <a:tc>
+                  <a:txBody>
+                    <a:bodyPr/>
+                    <a:lstStyle/>
+                    <a:p>
+                      <a:pPr algn="ctr" fontAlgn="ctr"/>
+                      <a:r>
+                        <a:rPr lang="fr-FR" sz="700" b="0" i="0" u="none" strike="noStrike">
+                          <a:solidFill>
+                            <a:srgbClr val="000000"/>
+                          </a:solidFill>
+                          <a:latin typeface="Calibri"/>
+                        </a:rPr>
+                        <a:t>partiels</a:t>
+                      </a:r>
+                    </a:p>
+                  </a:txBody>
+                  <a:tcPr marL="3950" marR="3950" marT="3950" marB="0" anchor="ctr">
+                    <a:lnL w="19050" cap="flat" cmpd="sng" algn="ctr">
+                      <a:solidFill>
+                        <a:srgbClr val="000000"/>
+                      </a:solidFill>
+                      <a:prstDash val="solid"/>
+                      <a:round/>
+                      <a:headEnd type="none" w="med" len="med"/>
+                      <a:tailEnd type="none" w="med" len="med"/>
+                    </a:lnL>
+                    <a:lnR w="19050" cap="flat" cmpd="sng" algn="ctr">
+                      <a:solidFill>
+                        <a:srgbClr val="000000"/>
+                      </a:solidFill>
+                      <a:prstDash val="solid"/>
+                      <a:round/>
+                      <a:headEnd type="none" w="med" len="med"/>
+                      <a:tailEnd type="none" w="med" len="med"/>
+                    </a:lnR>
+                    <a:lnT w="19050" cap="flat" cmpd="sng" algn="ctr">
+                      <a:solidFill>
+                        <a:srgbClr val="000000"/>
+                      </a:solidFill>
+                      <a:prstDash val="solid"/>
+                      <a:round/>
+                      <a:headEnd type="none" w="med" len="med"/>
+                      <a:tailEnd type="none" w="med" len="med"/>
+                    </a:lnT>
+                    <a:lnB w="19050" cap="flat" cmpd="sng" algn="ctr">
+                      <a:solidFill>
+                        <a:srgbClr val="000000"/>
+                      </a:solidFill>
+                      <a:prstDash val="solid"/>
+                      <a:round/>
+                      <a:headEnd type="none" w="med" len="med"/>
+                      <a:tailEnd type="none" w="med" len="med"/>
+                    </a:lnB>
+                    <a:solidFill>
+                      <a:srgbClr val="9BBB59"/>
+                    </a:solidFill>
+                  </a:tcPr>
+                </a:tc>
+                <a:tc>
+                  <a:txBody>
+                    <a:bodyPr/>
+                    <a:lstStyle/>
+                    <a:p>
+                      <a:pPr algn="ctr" fontAlgn="ctr"/>
+                      <a:r>
+                        <a:rPr lang="fr-FR" sz="700" b="1" i="0" u="none" strike="noStrike">
+                          <a:solidFill>
+                            <a:srgbClr val="000000"/>
+                          </a:solidFill>
+                          <a:latin typeface="Calibri"/>
+                        </a:rPr>
+                        <a:t> </a:t>
+                      </a:r>
+                    </a:p>
+                  </a:txBody>
+                  <a:tcPr marL="3950" marR="3950" marT="3950" marB="0" anchor="ctr">
+                    <a:lnL w="19050" cap="flat" cmpd="sng" algn="ctr">
+                      <a:solidFill>
+                        <a:srgbClr val="000000"/>
+                      </a:solidFill>
+                      <a:prstDash val="solid"/>
+                      <a:round/>
+                      <a:headEnd type="none" w="med" len="med"/>
+                      <a:tailEnd type="none" w="med" len="med"/>
+                    </a:lnL>
+                    <a:lnR w="19050" cap="flat" cmpd="sng" algn="ctr">
+                      <a:solidFill>
+                        <a:srgbClr val="000000"/>
+                      </a:solidFill>
+                      <a:prstDash val="solid"/>
+                      <a:round/>
+                      <a:headEnd type="none" w="med" len="med"/>
+                      <a:tailEnd type="none" w="med" len="med"/>
+                    </a:lnR>
+                    <a:lnT w="19050" cap="flat" cmpd="sng" algn="ctr">
+                      <a:solidFill>
+                        <a:srgbClr val="000000"/>
+                      </a:solidFill>
+                      <a:prstDash val="solid"/>
+                      <a:round/>
+                      <a:headEnd type="none" w="med" len="med"/>
+                      <a:tailEnd type="none" w="med" len="med"/>
+                    </a:lnT>
+                    <a:lnB w="19050" cap="flat" cmpd="sng" algn="ctr">
+                      <a:solidFill>
+                        <a:srgbClr val="000000"/>
+                      </a:solidFill>
+                      <a:prstDash val="solid"/>
+                      <a:round/>
+                      <a:headEnd type="none" w="med" len="med"/>
+                      <a:tailEnd type="none" w="med" len="med"/>
+                    </a:lnB>
+                  </a:tcPr>
+                </a:tc>
+                <a:tc>
+                  <a:txBody>
+                    <a:bodyPr/>
+                    <a:lstStyle/>
+                    <a:p>
+                      <a:pPr algn="ctr" fontAlgn="ctr"/>
+                      <a:r>
+                        <a:rPr lang="fr-FR" sz="700" b="0" i="0" u="none" strike="noStrike">
+                          <a:solidFill>
+                            <a:srgbClr val="FF0000"/>
+                          </a:solidFill>
+                          <a:latin typeface="Calibri"/>
+                        </a:rPr>
+                        <a:t> </a:t>
+                      </a:r>
+                    </a:p>
+                  </a:txBody>
+                  <a:tcPr marL="3950" marR="3950" marT="3950" marB="0" anchor="ctr">
+                    <a:lnL w="19050" cap="flat" cmpd="sng" algn="ctr">
+                      <a:solidFill>
+                        <a:srgbClr val="000000"/>
+                      </a:solidFill>
+                      <a:prstDash val="solid"/>
+                      <a:round/>
+                      <a:headEnd type="none" w="med" len="med"/>
+                      <a:tailEnd type="none" w="med" len="med"/>
+                    </a:lnL>
+                    <a:lnR w="19050" cap="flat" cmpd="sng" algn="ctr">
+                      <a:solidFill>
+                        <a:srgbClr val="000000"/>
+                      </a:solidFill>
+                      <a:prstDash val="solid"/>
+                      <a:round/>
+                      <a:headEnd type="none" w="med" len="med"/>
+                      <a:tailEnd type="none" w="med" len="med"/>
+                    </a:lnR>
+                    <a:lnT w="19050" cap="flat" cmpd="sng" algn="ctr">
+                      <a:solidFill>
+                        <a:srgbClr val="000000"/>
+                      </a:solidFill>
+                      <a:prstDash val="solid"/>
+                      <a:round/>
+                      <a:headEnd type="none" w="med" len="med"/>
+                      <a:tailEnd type="none" w="med" len="med"/>
+                    </a:lnT>
+                    <a:lnB w="19050" cap="flat" cmpd="sng" algn="ctr">
+                      <a:solidFill>
+                        <a:srgbClr val="000000"/>
+                      </a:solidFill>
+                      <a:prstDash val="solid"/>
+                      <a:round/>
+                      <a:headEnd type="none" w="med" len="med"/>
+                      <a:tailEnd type="none" w="med" len="med"/>
+                    </a:lnB>
+                    <a:solidFill>
+                      <a:srgbClr val="FFFFFF"/>
+                    </a:solidFill>
+                  </a:tcPr>
+                </a:tc>
+              </a:tr>
+              <a:tr h="947582">
+                <a:tc>
+                  <a:txBody>
+                    <a:bodyPr/>
+                    <a:lstStyle/>
+                    <a:p>
+                      <a:pPr algn="ctr" fontAlgn="ctr"/>
+                      <a:r>
+                        <a:rPr lang="fr-FR" sz="700" b="1" i="0" u="none" strike="noStrike">
+                          <a:solidFill>
+                            <a:srgbClr val="000000"/>
+                          </a:solidFill>
+                          <a:latin typeface="Calibri"/>
+                        </a:rPr>
+                        <a:t> </a:t>
+                      </a:r>
+                    </a:p>
+                  </a:txBody>
+                  <a:tcPr marL="3950" marR="3950" marT="3950" marB="0" anchor="ctr">
+                    <a:lnL w="19050" cap="flat" cmpd="sng" algn="ctr">
+                      <a:solidFill>
+                        <a:srgbClr val="000000"/>
+                      </a:solidFill>
+                      <a:prstDash val="solid"/>
+                      <a:round/>
+                      <a:headEnd type="none" w="med" len="med"/>
+                      <a:tailEnd type="none" w="med" len="med"/>
+                    </a:lnL>
+                    <a:lnR w="19050" cap="flat" cmpd="sng" algn="ctr">
+                      <a:solidFill>
+                        <a:srgbClr val="000000"/>
+                      </a:solidFill>
+                      <a:prstDash val="solid"/>
+                      <a:round/>
+                      <a:headEnd type="none" w="med" len="med"/>
+                      <a:tailEnd type="none" w="med" len="med"/>
+                    </a:lnR>
+                    <a:lnT w="19050" cap="flat" cmpd="sng" algn="ctr">
+                      <a:solidFill>
+                        <a:srgbClr val="000000"/>
+                      </a:solidFill>
+                      <a:prstDash val="solid"/>
+                      <a:round/>
+                      <a:headEnd type="none" w="med" len="med"/>
+                      <a:tailEnd type="none" w="med" len="med"/>
+                    </a:lnT>
+                    <a:lnB w="19050" cap="flat" cmpd="sng" algn="ctr">
+                      <a:solidFill>
+                        <a:srgbClr val="000000"/>
+                      </a:solidFill>
+                      <a:prstDash val="solid"/>
+                      <a:round/>
+                      <a:headEnd type="none" w="med" len="med"/>
+                      <a:tailEnd type="none" w="med" len="med"/>
+                    </a:lnB>
+                  </a:tcPr>
+                </a:tc>
+                <a:tc>
+                  <a:txBody>
+                    <a:bodyPr/>
+                    <a:lstStyle/>
+                    <a:p>
+                      <a:pPr algn="ctr" fontAlgn="ctr"/>
+                      <a:r>
+                        <a:rPr lang="fr-FR" sz="700" b="0" i="0" u="none" strike="noStrike">
+                          <a:solidFill>
+                            <a:srgbClr val="000000"/>
+                          </a:solidFill>
+                          <a:latin typeface="Calibri"/>
+                        </a:rPr>
+                        <a:t>Rapport conception</a:t>
+                      </a:r>
+                    </a:p>
+                  </a:txBody>
+                  <a:tcPr marL="3950" marR="3950" marT="3950" marB="0" anchor="ctr">
+                    <a:lnL w="19050" cap="flat" cmpd="sng" algn="ctr">
+                      <a:solidFill>
+                        <a:srgbClr val="000000"/>
+                      </a:solidFill>
+                      <a:prstDash val="solid"/>
+                      <a:round/>
+                      <a:headEnd type="none" w="med" len="med"/>
+                      <a:tailEnd type="none" w="med" len="med"/>
+                    </a:lnL>
+                    <a:lnR w="19050" cap="flat" cmpd="sng" algn="ctr">
+                      <a:solidFill>
+                        <a:srgbClr val="000000"/>
+                      </a:solidFill>
+                      <a:prstDash val="solid"/>
+                      <a:round/>
+                      <a:headEnd type="none" w="med" len="med"/>
+                      <a:tailEnd type="none" w="med" len="med"/>
+                    </a:lnR>
+                    <a:lnT w="19050" cap="flat" cmpd="sng" algn="ctr">
+                      <a:solidFill>
+                        <a:srgbClr val="000000"/>
+                      </a:solidFill>
+                      <a:prstDash val="solid"/>
+                      <a:round/>
+                      <a:headEnd type="none" w="med" len="med"/>
+                      <a:tailEnd type="none" w="med" len="med"/>
+                    </a:lnT>
+                    <a:lnB w="19050" cap="flat" cmpd="sng" algn="ctr">
+                      <a:solidFill>
+                        <a:srgbClr val="000000"/>
+                      </a:solidFill>
+                      <a:prstDash val="solid"/>
+                      <a:round/>
+                      <a:headEnd type="none" w="med" len="med"/>
+                      <a:tailEnd type="none" w="med" len="med"/>
+                    </a:lnB>
+                    <a:solidFill>
+                      <a:srgbClr val="4BACC6"/>
+                    </a:solidFill>
+                  </a:tcPr>
+                </a:tc>
+                <a:tc>
+                  <a:txBody>
+                    <a:bodyPr/>
+                    <a:lstStyle/>
+                    <a:p>
+                      <a:pPr algn="ctr" fontAlgn="ctr"/>
+                      <a:r>
+                        <a:rPr lang="fr-FR" sz="700" b="1" i="0" u="none" strike="noStrike">
+                          <a:solidFill>
+                            <a:srgbClr val="000000"/>
+                          </a:solidFill>
+                          <a:latin typeface="Calibri"/>
+                        </a:rPr>
+                        <a:t> </a:t>
+                      </a:r>
+                    </a:p>
+                  </a:txBody>
+                  <a:tcPr marL="3950" marR="3950" marT="3950" marB="0" anchor="ctr">
+                    <a:lnL w="19050" cap="flat" cmpd="sng" algn="ctr">
+                      <a:solidFill>
+                        <a:srgbClr val="000000"/>
+                      </a:solidFill>
+                      <a:prstDash val="solid"/>
+                      <a:round/>
+                      <a:headEnd type="none" w="med" len="med"/>
+                      <a:tailEnd type="none" w="med" len="med"/>
+                    </a:lnL>
+                    <a:lnR w="19050" cap="flat" cmpd="sng" algn="ctr">
+                      <a:solidFill>
+                        <a:srgbClr val="000000"/>
+                      </a:solidFill>
+                      <a:prstDash val="solid"/>
+                      <a:round/>
+                      <a:headEnd type="none" w="med" len="med"/>
+                      <a:tailEnd type="none" w="med" len="med"/>
+                    </a:lnR>
+                    <a:lnT w="19050" cap="flat" cmpd="sng" algn="ctr">
+                      <a:solidFill>
+                        <a:srgbClr val="000000"/>
+                      </a:solidFill>
+                      <a:prstDash val="solid"/>
+                      <a:round/>
+                      <a:headEnd type="none" w="med" len="med"/>
+                      <a:tailEnd type="none" w="med" len="med"/>
+                    </a:lnT>
+                    <a:lnB w="19050" cap="flat" cmpd="sng" algn="ctr">
+                      <a:solidFill>
+                        <a:srgbClr val="000000"/>
+                      </a:solidFill>
+                      <a:prstDash val="solid"/>
+                      <a:round/>
+                      <a:headEnd type="none" w="med" len="med"/>
+                      <a:tailEnd type="none" w="med" len="med"/>
+                    </a:lnB>
+                  </a:tcPr>
+                </a:tc>
+                <a:tc>
+                  <a:txBody>
+                    <a:bodyPr/>
+                    <a:lstStyle/>
+                    <a:p>
+                      <a:pPr algn="ctr" fontAlgn="ctr"/>
+                      <a:r>
+                        <a:rPr lang="fr-FR" sz="700" b="1" i="0" u="none" strike="noStrike">
+                          <a:solidFill>
+                            <a:srgbClr val="000000"/>
+                          </a:solidFill>
+                          <a:latin typeface="Calibri"/>
+                        </a:rPr>
+                        <a:t> </a:t>
+                      </a:r>
+                    </a:p>
+                  </a:txBody>
+                  <a:tcPr marL="3950" marR="3950" marT="3950" marB="0" anchor="ctr">
+                    <a:lnL w="19050" cap="flat" cmpd="sng" algn="ctr">
+                      <a:solidFill>
+                        <a:srgbClr val="000000"/>
+                      </a:solidFill>
+                      <a:prstDash val="solid"/>
+                      <a:round/>
+                      <a:headEnd type="none" w="med" len="med"/>
+                      <a:tailEnd type="none" w="med" len="med"/>
+                    </a:lnL>
+                    <a:lnR w="19050" cap="flat" cmpd="sng" algn="ctr">
+                      <a:solidFill>
+                        <a:srgbClr val="000000"/>
+                      </a:solidFill>
+                      <a:prstDash val="solid"/>
+                      <a:round/>
+                      <a:headEnd type="none" w="med" len="med"/>
+                      <a:tailEnd type="none" w="med" len="med"/>
+                    </a:lnR>
+                    <a:lnT w="19050" cap="flat" cmpd="sng" algn="ctr">
+                      <a:solidFill>
+                        <a:srgbClr val="000000"/>
+                      </a:solidFill>
+                      <a:prstDash val="solid"/>
+                      <a:round/>
+                      <a:headEnd type="none" w="med" len="med"/>
+                      <a:tailEnd type="none" w="med" len="med"/>
+                    </a:lnT>
+                    <a:lnB w="19050" cap="flat" cmpd="sng" algn="ctr">
+                      <a:solidFill>
+                        <a:srgbClr val="000000"/>
+                      </a:solidFill>
+                      <a:prstDash val="solid"/>
+                      <a:round/>
+                      <a:headEnd type="none" w="med" len="med"/>
+                      <a:tailEnd type="none" w="med" len="med"/>
+                    </a:lnB>
+                  </a:tcPr>
+                </a:tc>
+                <a:tc gridSpan="2">
+                  <a:txBody>
+                    <a:bodyPr/>
+                    <a:lstStyle/>
+                    <a:p>
+                      <a:pPr algn="ctr" fontAlgn="ctr"/>
+                      <a:r>
+                        <a:rPr lang="fr-FR" sz="700" b="1" i="0" u="none" strike="noStrike">
+                          <a:solidFill>
+                            <a:srgbClr val="000000"/>
+                          </a:solidFill>
+                          <a:latin typeface="Calibri"/>
+                        </a:rPr>
+                        <a:t> </a:t>
+                      </a:r>
+                    </a:p>
+                  </a:txBody>
+                  <a:tcPr marL="3950" marR="3950" marT="3950" marB="0" anchor="ctr">
+                    <a:lnL w="19050" cap="flat" cmpd="sng" algn="ctr">
+                      <a:solidFill>
+                        <a:srgbClr val="000000"/>
+                      </a:solidFill>
+                      <a:prstDash val="solid"/>
+                      <a:round/>
+                      <a:headEnd type="none" w="med" len="med"/>
+                      <a:tailEnd type="none" w="med" len="med"/>
+                    </a:lnL>
+                    <a:lnR w="19050" cap="flat" cmpd="sng" algn="ctr">
+                      <a:solidFill>
+                        <a:srgbClr val="000000"/>
+                      </a:solidFill>
+                      <a:prstDash val="solid"/>
+                      <a:round/>
+                      <a:headEnd type="none" w="med" len="med"/>
+                      <a:tailEnd type="none" w="med" len="med"/>
+                    </a:lnR>
+                    <a:lnT w="19050" cap="flat" cmpd="sng" algn="ctr">
+                      <a:solidFill>
+                        <a:srgbClr val="000000"/>
+                      </a:solidFill>
+                      <a:prstDash val="solid"/>
+                      <a:round/>
+                      <a:headEnd type="none" w="med" len="med"/>
+                      <a:tailEnd type="none" w="med" len="med"/>
+                    </a:lnT>
+                    <a:lnB w="19050" cap="flat" cmpd="sng" algn="ctr">
+                      <a:solidFill>
+                        <a:srgbClr val="000000"/>
+                      </a:solidFill>
+                      <a:prstDash val="solid"/>
+                      <a:round/>
+                      <a:headEnd type="none" w="med" len="med"/>
+                      <a:tailEnd type="none" w="med" len="med"/>
+                    </a:lnB>
+                  </a:tcPr>
+                </a:tc>
+                <a:tc hMerge="1">
+                  <a:txBody>
+                    <a:bodyPr/>
+                    <a:lstStyle/>
+                    <a:p>
+                      <a:endParaRPr lang="fr-FR"/>
+                    </a:p>
+                  </a:txBody>
+                  <a:tcPr/>
+                </a:tc>
+                <a:tc>
+                  <a:txBody>
+                    <a:bodyPr/>
+                    <a:lstStyle/>
+                    <a:p>
+                      <a:pPr algn="ctr" fontAlgn="ctr"/>
+                      <a:r>
+                        <a:rPr lang="fr-FR" sz="700" b="1" i="0" u="none" strike="noStrike">
+                          <a:solidFill>
+                            <a:srgbClr val="000000"/>
+                          </a:solidFill>
+                          <a:latin typeface="Calibri"/>
+                        </a:rPr>
+                        <a:t> </a:t>
+                      </a:r>
+                    </a:p>
+                  </a:txBody>
+                  <a:tcPr marL="3950" marR="3950" marT="3950" marB="0" anchor="ctr">
+                    <a:lnL w="19050" cap="flat" cmpd="sng" algn="ctr">
+                      <a:solidFill>
+                        <a:srgbClr val="000000"/>
+                      </a:solidFill>
+                      <a:prstDash val="solid"/>
+                      <a:round/>
+                      <a:headEnd type="none" w="med" len="med"/>
+                      <a:tailEnd type="none" w="med" len="med"/>
+                    </a:lnL>
+                    <a:lnR w="19050" cap="flat" cmpd="sng" algn="ctr">
+                      <a:solidFill>
+                        <a:srgbClr val="000000"/>
+                      </a:solidFill>
+                      <a:prstDash val="solid"/>
+                      <a:round/>
+                      <a:headEnd type="none" w="med" len="med"/>
+                      <a:tailEnd type="none" w="med" len="med"/>
+                    </a:lnR>
+                    <a:lnT w="19050" cap="flat" cmpd="sng" algn="ctr">
+                      <a:solidFill>
+                        <a:srgbClr val="000000"/>
+                      </a:solidFill>
+                      <a:prstDash val="solid"/>
+                      <a:round/>
+                      <a:headEnd type="none" w="med" len="med"/>
+                      <a:tailEnd type="none" w="med" len="med"/>
+                    </a:lnT>
+                    <a:lnB w="19050" cap="flat" cmpd="sng" algn="ctr">
+                      <a:solidFill>
+                        <a:srgbClr val="000000"/>
+                      </a:solidFill>
+                      <a:prstDash val="solid"/>
+                      <a:round/>
+                      <a:headEnd type="none" w="med" len="med"/>
+                      <a:tailEnd type="none" w="med" len="med"/>
+                    </a:lnB>
+                  </a:tcPr>
+                </a:tc>
+                <a:tc>
+                  <a:txBody>
+                    <a:bodyPr/>
+                    <a:lstStyle/>
+                    <a:p>
+                      <a:pPr algn="ctr" fontAlgn="ctr"/>
+                      <a:r>
+                        <a:rPr lang="fr-FR" sz="700" b="1" i="0" u="none" strike="noStrike">
+                          <a:solidFill>
+                            <a:srgbClr val="000000"/>
+                          </a:solidFill>
+                          <a:latin typeface="Calibri"/>
+                        </a:rPr>
+                        <a:t> </a:t>
+                      </a:r>
+                    </a:p>
+                  </a:txBody>
+                  <a:tcPr marL="3950" marR="3950" marT="3950" marB="0" anchor="ctr">
+                    <a:lnL w="19050" cap="flat" cmpd="sng" algn="ctr">
+                      <a:solidFill>
+                        <a:srgbClr val="000000"/>
+                      </a:solidFill>
+                      <a:prstDash val="solid"/>
+                      <a:round/>
+                      <a:headEnd type="none" w="med" len="med"/>
+                      <a:tailEnd type="none" w="med" len="med"/>
+                    </a:lnL>
+                    <a:lnR w="19050" cap="flat" cmpd="sng" algn="ctr">
+                      <a:solidFill>
+                        <a:srgbClr val="000000"/>
+                      </a:solidFill>
+                      <a:prstDash val="solid"/>
+                      <a:round/>
+                      <a:headEnd type="none" w="med" len="med"/>
+                      <a:tailEnd type="none" w="med" len="med"/>
+                    </a:lnR>
+                    <a:lnT w="19050" cap="flat" cmpd="sng" algn="ctr">
+                      <a:solidFill>
+                        <a:srgbClr val="000000"/>
+                      </a:solidFill>
+                      <a:prstDash val="solid"/>
+                      <a:round/>
+                      <a:headEnd type="none" w="med" len="med"/>
+                      <a:tailEnd type="none" w="med" len="med"/>
+                    </a:lnT>
+                    <a:lnB w="19050" cap="flat" cmpd="sng" algn="ctr">
+                      <a:solidFill>
+                        <a:srgbClr val="000000"/>
+                      </a:solidFill>
+                      <a:prstDash val="solid"/>
+                      <a:round/>
+                      <a:headEnd type="none" w="med" len="med"/>
+                      <a:tailEnd type="none" w="med" len="med"/>
+                    </a:lnB>
+                  </a:tcPr>
+                </a:tc>
+                <a:tc>
+                  <a:txBody>
+                    <a:bodyPr/>
+                    <a:lstStyle/>
+                    <a:p>
+                      <a:pPr algn="ctr" fontAlgn="ctr"/>
+                      <a:r>
+                        <a:rPr lang="fr-FR" sz="700" b="1" i="0" u="none" strike="noStrike">
+                          <a:solidFill>
+                            <a:srgbClr val="000000"/>
+                          </a:solidFill>
+                          <a:latin typeface="Calibri"/>
+                        </a:rPr>
+                        <a:t> </a:t>
+                      </a:r>
+                    </a:p>
+                  </a:txBody>
+                  <a:tcPr marL="3950" marR="3950" marT="3950" marB="0" anchor="ctr">
+                    <a:lnL w="19050" cap="flat" cmpd="sng" algn="ctr">
+                      <a:solidFill>
+                        <a:srgbClr val="000000"/>
+                      </a:solidFill>
+                      <a:prstDash val="solid"/>
+                      <a:round/>
+                      <a:headEnd type="none" w="med" len="med"/>
+                      <a:tailEnd type="none" w="med" len="med"/>
+                    </a:lnL>
+                    <a:lnR w="19050" cap="flat" cmpd="sng" algn="ctr">
+                      <a:solidFill>
+                        <a:srgbClr val="000000"/>
+                      </a:solidFill>
+                      <a:prstDash val="solid"/>
+                      <a:round/>
+                      <a:headEnd type="none" w="med" len="med"/>
+                      <a:tailEnd type="none" w="med" len="med"/>
+                    </a:lnR>
+                    <a:lnT w="19050" cap="flat" cmpd="sng" algn="ctr">
+                      <a:solidFill>
+                        <a:srgbClr val="000000"/>
+                      </a:solidFill>
+                      <a:prstDash val="solid"/>
+                      <a:round/>
+                      <a:headEnd type="none" w="med" len="med"/>
+                      <a:tailEnd type="none" w="med" len="med"/>
+                    </a:lnT>
+                    <a:lnB w="19050" cap="flat" cmpd="sng" algn="ctr">
+                      <a:solidFill>
+                        <a:srgbClr val="000000"/>
+                      </a:solidFill>
+                      <a:prstDash val="solid"/>
+                      <a:round/>
+                      <a:headEnd type="none" w="med" len="med"/>
+                      <a:tailEnd type="none" w="med" len="med"/>
+                    </a:lnB>
+                  </a:tcPr>
+                </a:tc>
+                <a:tc>
+                  <a:txBody>
+                    <a:bodyPr/>
+                    <a:lstStyle/>
+                    <a:p>
+                      <a:pPr algn="ctr" fontAlgn="ctr"/>
+                      <a:r>
+                        <a:rPr lang="fr-FR" sz="700" b="1" i="0" u="none" strike="noStrike">
+                          <a:solidFill>
+                            <a:srgbClr val="000000"/>
+                          </a:solidFill>
+                          <a:latin typeface="Calibri"/>
+                        </a:rPr>
+                        <a:t> </a:t>
+                      </a:r>
+                    </a:p>
+                  </a:txBody>
+                  <a:tcPr marL="3950" marR="3950" marT="3950" marB="0" anchor="ctr">
+                    <a:lnL w="19050" cap="flat" cmpd="sng" algn="ctr">
+                      <a:solidFill>
+                        <a:srgbClr val="000000"/>
+                      </a:solidFill>
+                      <a:prstDash val="solid"/>
+                      <a:round/>
+                      <a:headEnd type="none" w="med" len="med"/>
+                      <a:tailEnd type="none" w="med" len="med"/>
+                    </a:lnL>
+                    <a:lnR w="19050" cap="flat" cmpd="sng" algn="ctr">
+                      <a:solidFill>
+                        <a:srgbClr val="000000"/>
+                      </a:solidFill>
+                      <a:prstDash val="solid"/>
+                      <a:round/>
+                      <a:headEnd type="none" w="med" len="med"/>
+                      <a:tailEnd type="none" w="med" len="med"/>
+                    </a:lnR>
+                    <a:lnT w="19050" cap="flat" cmpd="sng" algn="ctr">
+                      <a:solidFill>
+                        <a:srgbClr val="000000"/>
+                      </a:solidFill>
+                      <a:prstDash val="solid"/>
+                      <a:round/>
+                      <a:headEnd type="none" w="med" len="med"/>
+                      <a:tailEnd type="none" w="med" len="med"/>
+                    </a:lnT>
+                    <a:lnB w="19050" cap="flat" cmpd="sng" algn="ctr">
+                      <a:solidFill>
+                        <a:srgbClr val="000000"/>
+                      </a:solidFill>
+                      <a:prstDash val="solid"/>
+                      <a:round/>
+                      <a:headEnd type="none" w="med" len="med"/>
+                      <a:tailEnd type="none" w="med" len="med"/>
+                    </a:lnB>
+                  </a:tcPr>
+                </a:tc>
+                <a:tc gridSpan="2">
+                  <a:txBody>
+                    <a:bodyPr/>
+                    <a:lstStyle/>
+                    <a:p>
+                      <a:pPr algn="ctr" fontAlgn="ctr"/>
+                      <a:r>
+                        <a:rPr lang="fr-FR" sz="700" b="0" i="0" u="none" strike="noStrike">
+                          <a:solidFill>
+                            <a:srgbClr val="000000"/>
+                          </a:solidFill>
+                          <a:latin typeface="Calibri"/>
+                        </a:rPr>
+                        <a:t>Pages HTML</a:t>
+                      </a:r>
+                    </a:p>
+                  </a:txBody>
+                  <a:tcPr marL="3950" marR="3950" marT="3950" marB="0" anchor="ctr">
+                    <a:lnL w="19050" cap="flat" cmpd="sng" algn="ctr">
+                      <a:solidFill>
+                        <a:srgbClr val="000000"/>
+                      </a:solidFill>
+                      <a:prstDash val="solid"/>
+                      <a:round/>
+                      <a:headEnd type="none" w="med" len="med"/>
+                      <a:tailEnd type="none" w="med" len="med"/>
+                    </a:lnL>
+                    <a:lnR w="19050" cap="flat" cmpd="sng" algn="ctr">
+                      <a:solidFill>
+                        <a:srgbClr val="000000"/>
+                      </a:solidFill>
+                      <a:prstDash val="solid"/>
+                      <a:round/>
+                      <a:headEnd type="none" w="med" len="med"/>
+                      <a:tailEnd type="none" w="med" len="med"/>
+                    </a:lnR>
+                    <a:lnT w="19050" cap="flat" cmpd="sng" algn="ctr">
+                      <a:solidFill>
+                        <a:srgbClr val="000000"/>
+                      </a:solidFill>
+                      <a:prstDash val="solid"/>
+                      <a:round/>
+                      <a:headEnd type="none" w="med" len="med"/>
+                      <a:tailEnd type="none" w="med" len="med"/>
+                    </a:lnT>
+                    <a:lnB w="19050" cap="flat" cmpd="sng" algn="ctr">
+                      <a:solidFill>
+                        <a:srgbClr val="000000"/>
+                      </a:solidFill>
+                      <a:prstDash val="solid"/>
+                      <a:round/>
+                      <a:headEnd type="none" w="med" len="med"/>
+                      <a:tailEnd type="none" w="med" len="med"/>
+                    </a:lnB>
+                    <a:solidFill>
+                      <a:srgbClr val="4BACC6"/>
+                    </a:solidFill>
+                  </a:tcPr>
+                </a:tc>
+                <a:tc hMerge="1">
+                  <a:txBody>
+                    <a:bodyPr/>
+                    <a:lstStyle/>
+                    <a:p>
+                      <a:endParaRPr lang="fr-FR"/>
+                    </a:p>
+                  </a:txBody>
+                  <a:tcPr/>
+                </a:tc>
+                <a:tc>
+                  <a:txBody>
+                    <a:bodyPr/>
+                    <a:lstStyle/>
+                    <a:p>
+                      <a:pPr algn="ctr" fontAlgn="ctr"/>
+                      <a:r>
+                        <a:rPr lang="fr-FR" sz="700" b="1" i="0" u="none" strike="noStrike">
+                          <a:solidFill>
+                            <a:srgbClr val="000000"/>
+                          </a:solidFill>
+                          <a:latin typeface="Calibri"/>
+                        </a:rPr>
+                        <a:t> </a:t>
+                      </a:r>
+                    </a:p>
+                  </a:txBody>
+                  <a:tcPr marL="3950" marR="3950" marT="3950" marB="0" anchor="ctr">
+                    <a:lnL w="19050" cap="flat" cmpd="sng" algn="ctr">
+                      <a:solidFill>
+                        <a:srgbClr val="000000"/>
+                      </a:solidFill>
+                      <a:prstDash val="solid"/>
+                      <a:round/>
+                      <a:headEnd type="none" w="med" len="med"/>
+                      <a:tailEnd type="none" w="med" len="med"/>
+                    </a:lnL>
+                    <a:lnR w="19050" cap="flat" cmpd="sng" algn="ctr">
+                      <a:solidFill>
+                        <a:srgbClr val="000000"/>
+                      </a:solidFill>
+                      <a:prstDash val="solid"/>
+                      <a:round/>
+                      <a:headEnd type="none" w="med" len="med"/>
+                      <a:tailEnd type="none" w="med" len="med"/>
+                    </a:lnR>
+                    <a:lnT w="19050" cap="flat" cmpd="sng" algn="ctr">
+                      <a:solidFill>
+                        <a:srgbClr val="000000"/>
+                      </a:solidFill>
+                      <a:prstDash val="solid"/>
+                      <a:round/>
+                      <a:headEnd type="none" w="med" len="med"/>
+                      <a:tailEnd type="none" w="med" len="med"/>
+                    </a:lnT>
+                    <a:lnB w="19050" cap="flat" cmpd="sng" algn="ctr">
+                      <a:solidFill>
+                        <a:srgbClr val="000000"/>
+                      </a:solidFill>
+                      <a:prstDash val="solid"/>
+                      <a:round/>
+                      <a:headEnd type="none" w="med" len="med"/>
+                      <a:tailEnd type="none" w="med" len="med"/>
+                    </a:lnB>
+                  </a:tcPr>
+                </a:tc>
+                <a:tc>
+                  <a:txBody>
+                    <a:bodyPr/>
+                    <a:lstStyle/>
+                    <a:p>
+                      <a:pPr algn="ctr" fontAlgn="ctr"/>
+                      <a:r>
+                        <a:rPr lang="fr-FR" sz="700" b="1" i="0" u="none" strike="noStrike">
+                          <a:solidFill>
+                            <a:srgbClr val="000000"/>
+                          </a:solidFill>
+                          <a:latin typeface="Calibri"/>
+                        </a:rPr>
+                        <a:t> </a:t>
+                      </a:r>
+                    </a:p>
+                  </a:txBody>
+                  <a:tcPr marL="3950" marR="3950" marT="3950" marB="0" anchor="ctr">
+                    <a:lnL w="19050" cap="flat" cmpd="sng" algn="ctr">
+                      <a:solidFill>
+                        <a:srgbClr val="000000"/>
+                      </a:solidFill>
+                      <a:prstDash val="solid"/>
+                      <a:round/>
+                      <a:headEnd type="none" w="med" len="med"/>
+                      <a:tailEnd type="none" w="med" len="med"/>
+                    </a:lnL>
+                    <a:lnR w="19050" cap="flat" cmpd="sng" algn="ctr">
+                      <a:solidFill>
+                        <a:srgbClr val="000000"/>
+                      </a:solidFill>
+                      <a:prstDash val="solid"/>
+                      <a:round/>
+                      <a:headEnd type="none" w="med" len="med"/>
+                      <a:tailEnd type="none" w="med" len="med"/>
+                    </a:lnR>
+                    <a:lnT w="19050" cap="flat" cmpd="sng" algn="ctr">
+                      <a:solidFill>
+                        <a:srgbClr val="000000"/>
+                      </a:solidFill>
+                      <a:prstDash val="solid"/>
+                      <a:round/>
+                      <a:headEnd type="none" w="med" len="med"/>
+                      <a:tailEnd type="none" w="med" len="med"/>
+                    </a:lnT>
+                    <a:lnB w="19050" cap="flat" cmpd="sng" algn="ctr">
+                      <a:solidFill>
+                        <a:srgbClr val="000000"/>
+                      </a:solidFill>
+                      <a:prstDash val="solid"/>
+                      <a:round/>
+                      <a:headEnd type="none" w="med" len="med"/>
+                      <a:tailEnd type="none" w="med" len="med"/>
+                    </a:lnB>
+                  </a:tcPr>
+                </a:tc>
+                <a:tc>
+                  <a:txBody>
+                    <a:bodyPr/>
+                    <a:lstStyle/>
+                    <a:p>
+                      <a:pPr algn="ctr" fontAlgn="ctr"/>
+                      <a:r>
+                        <a:rPr lang="fr-FR" sz="700" b="1" i="0" u="none" strike="noStrike">
+                          <a:solidFill>
+                            <a:srgbClr val="000000"/>
+                          </a:solidFill>
+                          <a:latin typeface="Calibri"/>
+                        </a:rPr>
+                        <a:t> </a:t>
+                      </a:r>
+                    </a:p>
+                  </a:txBody>
+                  <a:tcPr marL="3950" marR="3950" marT="3950" marB="0" anchor="ctr">
+                    <a:lnL w="19050" cap="flat" cmpd="sng" algn="ctr">
+                      <a:solidFill>
+                        <a:srgbClr val="000000"/>
+                      </a:solidFill>
+                      <a:prstDash val="solid"/>
+                      <a:round/>
+                      <a:headEnd type="none" w="med" len="med"/>
+                      <a:tailEnd type="none" w="med" len="med"/>
+                    </a:lnL>
+                    <a:lnR w="19050" cap="flat" cmpd="sng" algn="ctr">
+                      <a:solidFill>
+                        <a:srgbClr val="000000"/>
+                      </a:solidFill>
+                      <a:prstDash val="solid"/>
+                      <a:round/>
+                      <a:headEnd type="none" w="med" len="med"/>
+                      <a:tailEnd type="none" w="med" len="med"/>
+                    </a:lnR>
+                    <a:lnT w="19050" cap="flat" cmpd="sng" algn="ctr">
+                      <a:solidFill>
+                        <a:srgbClr val="000000"/>
+                      </a:solidFill>
+                      <a:prstDash val="solid"/>
+                      <a:round/>
+                      <a:headEnd type="none" w="med" len="med"/>
+                      <a:tailEnd type="none" w="med" len="med"/>
+                    </a:lnT>
+                    <a:lnB w="19050" cap="flat" cmpd="sng" algn="ctr">
+                      <a:solidFill>
+                        <a:srgbClr val="000000"/>
+                      </a:solidFill>
+                      <a:prstDash val="solid"/>
+                      <a:round/>
+                      <a:headEnd type="none" w="med" len="med"/>
+                      <a:tailEnd type="none" w="med" len="med"/>
+                    </a:lnB>
+                  </a:tcPr>
+                </a:tc>
+                <a:tc gridSpan="2">
+                  <a:txBody>
+                    <a:bodyPr/>
+                    <a:lstStyle/>
+                    <a:p>
+                      <a:pPr algn="ctr" fontAlgn="ctr"/>
+                      <a:r>
+                        <a:rPr lang="fr-FR" sz="700" b="1" i="0" u="none" strike="noStrike">
+                          <a:solidFill>
+                            <a:srgbClr val="000000"/>
+                          </a:solidFill>
+                          <a:latin typeface="Calibri"/>
+                        </a:rPr>
+                        <a:t> </a:t>
+                      </a:r>
+                    </a:p>
+                  </a:txBody>
+                  <a:tcPr marL="3950" marR="3950" marT="3950" marB="0" anchor="ctr">
+                    <a:lnL w="19050" cap="flat" cmpd="sng" algn="ctr">
+                      <a:solidFill>
+                        <a:srgbClr val="000000"/>
+                      </a:solidFill>
+                      <a:prstDash val="solid"/>
+                      <a:round/>
+                      <a:headEnd type="none" w="med" len="med"/>
+                      <a:tailEnd type="none" w="med" len="med"/>
+                    </a:lnL>
+                    <a:lnR w="19050" cap="flat" cmpd="sng" algn="ctr">
+                      <a:solidFill>
+                        <a:srgbClr val="000000"/>
+                      </a:solidFill>
+                      <a:prstDash val="solid"/>
+                      <a:round/>
+                      <a:headEnd type="none" w="med" len="med"/>
+                      <a:tailEnd type="none" w="med" len="med"/>
+                    </a:lnR>
+                    <a:lnT w="19050" cap="flat" cmpd="sng" algn="ctr">
+                      <a:solidFill>
+                        <a:srgbClr val="000000"/>
+                      </a:solidFill>
+                      <a:prstDash val="solid"/>
+                      <a:round/>
+                      <a:headEnd type="none" w="med" len="med"/>
+                      <a:tailEnd type="none" w="med" len="med"/>
+                    </a:lnT>
+                    <a:lnB w="19050" cap="flat" cmpd="sng" algn="ctr">
+                      <a:solidFill>
+                        <a:srgbClr val="000000"/>
+                      </a:solidFill>
+                      <a:prstDash val="solid"/>
+                      <a:round/>
+                      <a:headEnd type="none" w="med" len="med"/>
+                      <a:tailEnd type="none" w="med" len="med"/>
+                    </a:lnB>
+                  </a:tcPr>
+                </a:tc>
+                <a:tc hMerge="1">
+                  <a:txBody>
+                    <a:bodyPr/>
+                    <a:lstStyle/>
+                    <a:p>
+                      <a:endParaRPr lang="fr-FR"/>
+                    </a:p>
+                  </a:txBody>
+                  <a:tcPr/>
+                </a:tc>
+                <a:tc>
+                  <a:txBody>
+                    <a:bodyPr/>
+                    <a:lstStyle/>
+                    <a:p>
+                      <a:pPr algn="ctr" fontAlgn="ctr"/>
+                      <a:r>
+                        <a:rPr lang="fr-FR" sz="700" b="1" i="0" u="none" strike="noStrike">
+                          <a:solidFill>
+                            <a:srgbClr val="000000"/>
+                          </a:solidFill>
+                          <a:latin typeface="Calibri"/>
+                        </a:rPr>
+                        <a:t> </a:t>
+                      </a:r>
+                    </a:p>
+                  </a:txBody>
+                  <a:tcPr marL="3950" marR="3950" marT="3950" marB="0" anchor="ctr">
+                    <a:lnL w="19050" cap="flat" cmpd="sng" algn="ctr">
+                      <a:solidFill>
+                        <a:srgbClr val="000000"/>
+                      </a:solidFill>
+                      <a:prstDash val="solid"/>
+                      <a:round/>
+                      <a:headEnd type="none" w="med" len="med"/>
+                      <a:tailEnd type="none" w="med" len="med"/>
+                    </a:lnL>
+                    <a:lnR w="19050" cap="flat" cmpd="sng" algn="ctr">
+                      <a:solidFill>
+                        <a:srgbClr val="000000"/>
+                      </a:solidFill>
+                      <a:prstDash val="solid"/>
+                      <a:round/>
+                      <a:headEnd type="none" w="med" len="med"/>
+                      <a:tailEnd type="none" w="med" len="med"/>
+                    </a:lnR>
+                    <a:lnT w="19050" cap="flat" cmpd="sng" algn="ctr">
+                      <a:solidFill>
+                        <a:srgbClr val="000000"/>
+                      </a:solidFill>
+                      <a:prstDash val="solid"/>
+                      <a:round/>
+                      <a:headEnd type="none" w="med" len="med"/>
+                      <a:tailEnd type="none" w="med" len="med"/>
+                    </a:lnT>
+                    <a:lnB w="19050" cap="flat" cmpd="sng" algn="ctr">
+                      <a:solidFill>
+                        <a:srgbClr val="000000"/>
+                      </a:solidFill>
+                      <a:prstDash val="solid"/>
+                      <a:round/>
+                      <a:headEnd type="none" w="med" len="med"/>
+                      <a:tailEnd type="none" w="med" len="med"/>
+                    </a:lnB>
+                  </a:tcPr>
+                </a:tc>
+                <a:tc>
+                  <a:txBody>
+                    <a:bodyPr/>
+                    <a:lstStyle/>
+                    <a:p>
+                      <a:pPr algn="ctr" fontAlgn="ctr"/>
+                      <a:r>
+                        <a:rPr lang="fr-FR" sz="700" b="1" i="0" u="none" strike="noStrike">
+                          <a:solidFill>
+                            <a:srgbClr val="000000"/>
+                          </a:solidFill>
+                          <a:latin typeface="Calibri"/>
+                        </a:rPr>
+                        <a:t> </a:t>
+                      </a:r>
+                    </a:p>
+                  </a:txBody>
+                  <a:tcPr marL="3950" marR="3950" marT="3950" marB="0" anchor="ctr">
+                    <a:lnL w="19050" cap="flat" cmpd="sng" algn="ctr">
+                      <a:solidFill>
+                        <a:srgbClr val="000000"/>
+                      </a:solidFill>
+                      <a:prstDash val="solid"/>
+                      <a:round/>
+                      <a:headEnd type="none" w="med" len="med"/>
+                      <a:tailEnd type="none" w="med" len="med"/>
+                    </a:lnL>
+                    <a:lnR w="19050" cap="flat" cmpd="sng" algn="ctr">
+                      <a:solidFill>
+                        <a:srgbClr val="000000"/>
+                      </a:solidFill>
+                      <a:prstDash val="solid"/>
+                      <a:round/>
+                      <a:headEnd type="none" w="med" len="med"/>
+                      <a:tailEnd type="none" w="med" len="med"/>
+                    </a:lnR>
+                    <a:lnT w="19050" cap="flat" cmpd="sng" algn="ctr">
+                      <a:solidFill>
+                        <a:srgbClr val="000000"/>
+                      </a:solidFill>
+                      <a:prstDash val="solid"/>
+                      <a:round/>
+                      <a:headEnd type="none" w="med" len="med"/>
+                      <a:tailEnd type="none" w="med" len="med"/>
+                    </a:lnT>
+                    <a:lnB w="19050" cap="flat" cmpd="sng" algn="ctr">
+                      <a:solidFill>
+                        <a:srgbClr val="000000"/>
+                      </a:solidFill>
+                      <a:prstDash val="solid"/>
+                      <a:round/>
+                      <a:headEnd type="none" w="med" len="med"/>
+                      <a:tailEnd type="none" w="med" len="med"/>
+                    </a:lnB>
+                  </a:tcPr>
+                </a:tc>
+                <a:tc>
+                  <a:txBody>
+                    <a:bodyPr/>
+                    <a:lstStyle/>
+                    <a:p>
+                      <a:pPr algn="ctr" fontAlgn="ctr"/>
+                      <a:r>
+                        <a:rPr lang="fr-FR" sz="700" b="1" i="0" u="none" strike="noStrike">
+                          <a:solidFill>
+                            <a:srgbClr val="000000"/>
+                          </a:solidFill>
+                          <a:latin typeface="Calibri"/>
+                        </a:rPr>
+                        <a:t> </a:t>
+                      </a:r>
+                    </a:p>
+                  </a:txBody>
+                  <a:tcPr marL="3950" marR="3950" marT="3950" marB="0" anchor="ctr">
+                    <a:lnL w="19050" cap="flat" cmpd="sng" algn="ctr">
+                      <a:solidFill>
+                        <a:srgbClr val="000000"/>
+                      </a:solidFill>
+                      <a:prstDash val="solid"/>
+                      <a:round/>
+                      <a:headEnd type="none" w="med" len="med"/>
+                      <a:tailEnd type="none" w="med" len="med"/>
+                    </a:lnL>
+                    <a:lnR w="19050" cap="flat" cmpd="sng" algn="ctr">
+                      <a:solidFill>
+                        <a:srgbClr val="000000"/>
+                      </a:solidFill>
+                      <a:prstDash val="solid"/>
+                      <a:round/>
+                      <a:headEnd type="none" w="med" len="med"/>
+                      <a:tailEnd type="none" w="med" len="med"/>
+                    </a:lnR>
+                    <a:lnT w="19050" cap="flat" cmpd="sng" algn="ctr">
+                      <a:solidFill>
+                        <a:srgbClr val="000000"/>
+                      </a:solidFill>
+                      <a:prstDash val="solid"/>
+                      <a:round/>
+                      <a:headEnd type="none" w="med" len="med"/>
+                      <a:tailEnd type="none" w="med" len="med"/>
+                    </a:lnT>
+                    <a:lnB w="19050" cap="flat" cmpd="sng" algn="ctr">
+                      <a:solidFill>
+                        <a:srgbClr val="000000"/>
+                      </a:solidFill>
+                      <a:prstDash val="solid"/>
+                      <a:round/>
+                      <a:headEnd type="none" w="med" len="med"/>
+                      <a:tailEnd type="none" w="med" len="med"/>
+                    </a:lnB>
+                  </a:tcPr>
+                </a:tc>
+                <a:tc>
+                  <a:txBody>
+                    <a:bodyPr/>
+                    <a:lstStyle/>
+                    <a:p>
+                      <a:pPr algn="ctr" fontAlgn="ctr"/>
+                      <a:r>
+                        <a:rPr lang="fr-FR" sz="700" b="0" i="0" u="none" strike="noStrike">
+                          <a:solidFill>
+                            <a:srgbClr val="000000"/>
+                          </a:solidFill>
+                          <a:latin typeface="Calibri"/>
+                        </a:rPr>
+                        <a:t>Rapport final et soutenances</a:t>
+                      </a:r>
+                    </a:p>
+                  </a:txBody>
+                  <a:tcPr marL="3950" marR="3950" marT="3950" marB="0" anchor="ctr">
+                    <a:lnL w="19050" cap="flat" cmpd="sng" algn="ctr">
+                      <a:solidFill>
+                        <a:srgbClr val="000000"/>
+                      </a:solidFill>
+                      <a:prstDash val="solid"/>
+                      <a:round/>
+                      <a:headEnd type="none" w="med" len="med"/>
+                      <a:tailEnd type="none" w="med" len="med"/>
+                    </a:lnL>
+                    <a:lnR w="19050" cap="flat" cmpd="sng" algn="ctr">
+                      <a:solidFill>
+                        <a:srgbClr val="000000"/>
+                      </a:solidFill>
+                      <a:prstDash val="solid"/>
+                      <a:round/>
+                      <a:headEnd type="none" w="med" len="med"/>
+                      <a:tailEnd type="none" w="med" len="med"/>
+                    </a:lnR>
+                    <a:lnT w="19050" cap="flat" cmpd="sng" algn="ctr">
+                      <a:solidFill>
+                        <a:srgbClr val="000000"/>
+                      </a:solidFill>
+                      <a:prstDash val="solid"/>
+                      <a:round/>
+                      <a:headEnd type="none" w="med" len="med"/>
+                      <a:tailEnd type="none" w="med" len="med"/>
+                    </a:lnT>
+                    <a:lnB w="19050" cap="flat" cmpd="sng" algn="ctr">
+                      <a:solidFill>
+                        <a:srgbClr val="000000"/>
+                      </a:solidFill>
+                      <a:prstDash val="solid"/>
+                      <a:round/>
+                      <a:headEnd type="none" w="med" len="med"/>
+                      <a:tailEnd type="none" w="med" len="med"/>
+                    </a:lnB>
+                    <a:solidFill>
+                      <a:srgbClr val="4BACC6"/>
+                    </a:solidFill>
+                  </a:tcPr>
+                </a:tc>
+              </a:tr>
+              <a:tr h="551988">
+                <a:tc>
+                  <a:txBody>
+                    <a:bodyPr/>
+                    <a:lstStyle/>
+                    <a:p>
+                      <a:pPr algn="ctr" fontAlgn="ctr"/>
+                      <a:r>
+                        <a:rPr lang="fr-FR" sz="700" b="0" i="0" u="none" strike="noStrike">
+                          <a:solidFill>
+                            <a:srgbClr val="000000"/>
+                          </a:solidFill>
+                          <a:latin typeface="Calibri"/>
+                        </a:rPr>
+                        <a:t> </a:t>
+                      </a:r>
+                    </a:p>
+                  </a:txBody>
+                  <a:tcPr marL="3950" marR="3950" marT="3950" marB="0" anchor="ctr">
+                    <a:lnL w="19050" cap="flat" cmpd="sng" algn="ctr">
+                      <a:solidFill>
+                        <a:srgbClr val="000000"/>
+                      </a:solidFill>
+                      <a:prstDash val="solid"/>
+                      <a:round/>
+                      <a:headEnd type="none" w="med" len="med"/>
+                      <a:tailEnd type="none" w="med" len="med"/>
+                    </a:lnL>
+                    <a:lnR w="19050" cap="flat" cmpd="sng" algn="ctr">
+                      <a:solidFill>
+                        <a:srgbClr val="000000"/>
+                      </a:solidFill>
+                      <a:prstDash val="solid"/>
+                      <a:round/>
+                      <a:headEnd type="none" w="med" len="med"/>
+                      <a:tailEnd type="none" w="med" len="med"/>
+                    </a:lnR>
+                    <a:lnT w="19050" cap="flat" cmpd="sng" algn="ctr">
+                      <a:solidFill>
+                        <a:srgbClr val="000000"/>
+                      </a:solidFill>
+                      <a:prstDash val="solid"/>
+                      <a:round/>
+                      <a:headEnd type="none" w="med" len="med"/>
+                      <a:tailEnd type="none" w="med" len="med"/>
+                    </a:lnT>
+                    <a:lnB w="19050" cap="flat" cmpd="sng" algn="ctr">
+                      <a:solidFill>
+                        <a:srgbClr val="000000"/>
+                      </a:solidFill>
+                      <a:prstDash val="solid"/>
+                      <a:round/>
+                      <a:headEnd type="none" w="med" len="med"/>
+                      <a:tailEnd type="none" w="med" len="med"/>
+                    </a:lnB>
+                  </a:tcPr>
+                </a:tc>
+                <a:tc>
+                  <a:txBody>
+                    <a:bodyPr/>
+                    <a:lstStyle/>
+                    <a:p>
+                      <a:pPr algn="ctr" fontAlgn="ctr"/>
+                      <a:r>
+                        <a:rPr lang="fr-FR" sz="700" b="0" i="0" u="none" strike="noStrike">
+                          <a:solidFill>
+                            <a:srgbClr val="000000"/>
+                          </a:solidFill>
+                          <a:latin typeface="Calibri"/>
+                        </a:rPr>
+                        <a:t> </a:t>
+                      </a:r>
+                    </a:p>
+                  </a:txBody>
+                  <a:tcPr marL="3950" marR="3950" marT="3950" marB="0" anchor="ctr">
+                    <a:lnL w="19050" cap="flat" cmpd="sng" algn="ctr">
+                      <a:solidFill>
+                        <a:srgbClr val="000000"/>
+                      </a:solidFill>
+                      <a:prstDash val="solid"/>
+                      <a:round/>
+                      <a:headEnd type="none" w="med" len="med"/>
+                      <a:tailEnd type="none" w="med" len="med"/>
+                    </a:lnL>
+                    <a:lnR w="19050" cap="flat" cmpd="sng" algn="ctr">
+                      <a:solidFill>
+                        <a:srgbClr val="000000"/>
+                      </a:solidFill>
+                      <a:prstDash val="solid"/>
+                      <a:round/>
+                      <a:headEnd type="none" w="med" len="med"/>
+                      <a:tailEnd type="none" w="med" len="med"/>
+                    </a:lnR>
+                    <a:lnT w="19050" cap="flat" cmpd="sng" algn="ctr">
+                      <a:solidFill>
+                        <a:srgbClr val="000000"/>
+                      </a:solidFill>
+                      <a:prstDash val="solid"/>
+                      <a:round/>
+                      <a:headEnd type="none" w="med" len="med"/>
+                      <a:tailEnd type="none" w="med" len="med"/>
+                    </a:lnT>
+                    <a:lnB w="19050" cap="flat" cmpd="sng" algn="ctr">
+                      <a:solidFill>
+                        <a:srgbClr val="000000"/>
+                      </a:solidFill>
+                      <a:prstDash val="solid"/>
+                      <a:round/>
+                      <a:headEnd type="none" w="med" len="med"/>
+                      <a:tailEnd type="none" w="med" len="med"/>
+                    </a:lnB>
+                  </a:tcPr>
+                </a:tc>
+                <a:tc>
+                  <a:txBody>
+                    <a:bodyPr/>
+                    <a:lstStyle/>
+                    <a:p>
+                      <a:pPr algn="ctr" fontAlgn="ctr"/>
+                      <a:r>
+                        <a:rPr lang="fr-FR" sz="700" b="0" i="0" u="none" strike="noStrike">
+                          <a:solidFill>
+                            <a:srgbClr val="000000"/>
+                          </a:solidFill>
+                          <a:latin typeface="Calibri"/>
+                        </a:rPr>
+                        <a:t>vacances</a:t>
+                      </a:r>
+                    </a:p>
+                  </a:txBody>
+                  <a:tcPr marL="3950" marR="3950" marT="3950" marB="0" anchor="ctr">
+                    <a:lnL w="19050" cap="flat" cmpd="sng" algn="ctr">
+                      <a:solidFill>
+                        <a:srgbClr val="000000"/>
+                      </a:solidFill>
+                      <a:prstDash val="solid"/>
+                      <a:round/>
+                      <a:headEnd type="none" w="med" len="med"/>
+                      <a:tailEnd type="none" w="med" len="med"/>
+                    </a:lnL>
+                    <a:lnR w="19050" cap="flat" cmpd="sng" algn="ctr">
+                      <a:solidFill>
+                        <a:srgbClr val="000000"/>
+                      </a:solidFill>
+                      <a:prstDash val="solid"/>
+                      <a:round/>
+                      <a:headEnd type="none" w="med" len="med"/>
+                      <a:tailEnd type="none" w="med" len="med"/>
+                    </a:lnR>
+                    <a:lnT w="19050" cap="flat" cmpd="sng" algn="ctr">
+                      <a:solidFill>
+                        <a:srgbClr val="000000"/>
+                      </a:solidFill>
+                      <a:prstDash val="solid"/>
+                      <a:round/>
+                      <a:headEnd type="none" w="med" len="med"/>
+                      <a:tailEnd type="none" w="med" len="med"/>
+                    </a:lnT>
+                    <a:lnB w="19050" cap="flat" cmpd="sng" algn="ctr">
+                      <a:solidFill>
+                        <a:srgbClr val="000000"/>
+                      </a:solidFill>
+                      <a:prstDash val="solid"/>
+                      <a:round/>
+                      <a:headEnd type="none" w="med" len="med"/>
+                      <a:tailEnd type="none" w="med" len="med"/>
+                    </a:lnB>
+                    <a:solidFill>
+                      <a:srgbClr val="F79646"/>
+                    </a:solidFill>
+                  </a:tcPr>
+                </a:tc>
+                <a:tc>
+                  <a:txBody>
+                    <a:bodyPr/>
+                    <a:lstStyle/>
+                    <a:p>
+                      <a:pPr algn="ctr" fontAlgn="ctr"/>
+                      <a:r>
+                        <a:rPr lang="fr-FR" sz="700" b="0" i="0" u="none" strike="noStrike">
+                          <a:solidFill>
+                            <a:srgbClr val="000000"/>
+                          </a:solidFill>
+                          <a:latin typeface="Calibri"/>
+                        </a:rPr>
+                        <a:t> </a:t>
+                      </a:r>
+                    </a:p>
+                  </a:txBody>
+                  <a:tcPr marL="3950" marR="3950" marT="3950" marB="0" anchor="ctr">
+                    <a:lnL w="19050" cap="flat" cmpd="sng" algn="ctr">
+                      <a:solidFill>
+                        <a:srgbClr val="000000"/>
+                      </a:solidFill>
+                      <a:prstDash val="solid"/>
+                      <a:round/>
+                      <a:headEnd type="none" w="med" len="med"/>
+                      <a:tailEnd type="none" w="med" len="med"/>
+                    </a:lnL>
+                    <a:lnR w="19050" cap="flat" cmpd="sng" algn="ctr">
+                      <a:solidFill>
+                        <a:srgbClr val="000000"/>
+                      </a:solidFill>
+                      <a:prstDash val="solid"/>
+                      <a:round/>
+                      <a:headEnd type="none" w="med" len="med"/>
+                      <a:tailEnd type="none" w="med" len="med"/>
+                    </a:lnR>
+                    <a:lnT w="19050" cap="flat" cmpd="sng" algn="ctr">
+                      <a:solidFill>
+                        <a:srgbClr val="000000"/>
+                      </a:solidFill>
+                      <a:prstDash val="solid"/>
+                      <a:round/>
+                      <a:headEnd type="none" w="med" len="med"/>
+                      <a:tailEnd type="none" w="med" len="med"/>
+                    </a:lnT>
+                    <a:lnB w="19050" cap="flat" cmpd="sng" algn="ctr">
+                      <a:solidFill>
+                        <a:srgbClr val="000000"/>
+                      </a:solidFill>
+                      <a:prstDash val="solid"/>
+                      <a:round/>
+                      <a:headEnd type="none" w="med" len="med"/>
+                      <a:tailEnd type="none" w="med" len="med"/>
+                    </a:lnB>
+                  </a:tcPr>
+                </a:tc>
+                <a:tc gridSpan="2">
+                  <a:txBody>
+                    <a:bodyPr/>
+                    <a:lstStyle/>
+                    <a:p>
+                      <a:pPr algn="ctr" fontAlgn="ctr"/>
+                      <a:r>
+                        <a:rPr lang="fr-FR" sz="700" b="0" i="0" u="none" strike="noStrike">
+                          <a:solidFill>
+                            <a:srgbClr val="000000"/>
+                          </a:solidFill>
+                          <a:latin typeface="Calibri"/>
+                        </a:rPr>
+                        <a:t> </a:t>
+                      </a:r>
+                    </a:p>
+                  </a:txBody>
+                  <a:tcPr marL="3950" marR="3950" marT="3950" marB="0" anchor="ctr">
+                    <a:lnL w="19050" cap="flat" cmpd="sng" algn="ctr">
+                      <a:solidFill>
+                        <a:srgbClr val="000000"/>
+                      </a:solidFill>
+                      <a:prstDash val="solid"/>
+                      <a:round/>
+                      <a:headEnd type="none" w="med" len="med"/>
+                      <a:tailEnd type="none" w="med" len="med"/>
+                    </a:lnL>
+                    <a:lnR w="19050" cap="flat" cmpd="sng" algn="ctr">
+                      <a:solidFill>
+                        <a:srgbClr val="000000"/>
+                      </a:solidFill>
+                      <a:prstDash val="solid"/>
+                      <a:round/>
+                      <a:headEnd type="none" w="med" len="med"/>
+                      <a:tailEnd type="none" w="med" len="med"/>
+                    </a:lnR>
+                    <a:lnT w="19050" cap="flat" cmpd="sng" algn="ctr">
+                      <a:solidFill>
+                        <a:srgbClr val="000000"/>
+                      </a:solidFill>
+                      <a:prstDash val="solid"/>
+                      <a:round/>
+                      <a:headEnd type="none" w="med" len="med"/>
+                      <a:tailEnd type="none" w="med" len="med"/>
+                    </a:lnT>
+                    <a:lnB w="19050" cap="flat" cmpd="sng" algn="ctr">
+                      <a:solidFill>
+                        <a:srgbClr val="000000"/>
+                      </a:solidFill>
+                      <a:prstDash val="solid"/>
+                      <a:round/>
+                      <a:headEnd type="none" w="med" len="med"/>
+                      <a:tailEnd type="none" w="med" len="med"/>
+                    </a:lnB>
+                  </a:tcPr>
+                </a:tc>
+                <a:tc hMerge="1">
+                  <a:txBody>
+                    <a:bodyPr/>
+                    <a:lstStyle/>
+                    <a:p>
+                      <a:endParaRPr lang="fr-FR"/>
+                    </a:p>
+                  </a:txBody>
+                  <a:tcPr/>
+                </a:tc>
+                <a:tc>
+                  <a:txBody>
+                    <a:bodyPr/>
+                    <a:lstStyle/>
+                    <a:p>
+                      <a:pPr algn="ctr" fontAlgn="ctr"/>
+                      <a:r>
+                        <a:rPr lang="fr-FR" sz="700" b="0" i="0" u="none" strike="noStrike">
+                          <a:solidFill>
+                            <a:srgbClr val="000000"/>
+                          </a:solidFill>
+                          <a:latin typeface="Calibri"/>
+                        </a:rPr>
+                        <a:t> </a:t>
+                      </a:r>
+                    </a:p>
+                  </a:txBody>
+                  <a:tcPr marL="3950" marR="3950" marT="3950" marB="0" anchor="ctr">
+                    <a:lnL w="19050" cap="flat" cmpd="sng" algn="ctr">
+                      <a:solidFill>
+                        <a:srgbClr val="000000"/>
+                      </a:solidFill>
+                      <a:prstDash val="solid"/>
+                      <a:round/>
+                      <a:headEnd type="none" w="med" len="med"/>
+                      <a:tailEnd type="none" w="med" len="med"/>
+                    </a:lnL>
+                    <a:lnR w="19050" cap="flat" cmpd="sng" algn="ctr">
+                      <a:solidFill>
+                        <a:srgbClr val="000000"/>
+                      </a:solidFill>
+                      <a:prstDash val="solid"/>
+                      <a:round/>
+                      <a:headEnd type="none" w="med" len="med"/>
+                      <a:tailEnd type="none" w="med" len="med"/>
+                    </a:lnR>
+                    <a:lnT w="19050" cap="flat" cmpd="sng" algn="ctr">
+                      <a:solidFill>
+                        <a:srgbClr val="000000"/>
+                      </a:solidFill>
+                      <a:prstDash val="solid"/>
+                      <a:round/>
+                      <a:headEnd type="none" w="med" len="med"/>
+                      <a:tailEnd type="none" w="med" len="med"/>
+                    </a:lnT>
+                    <a:lnB w="19050" cap="flat" cmpd="sng" algn="ctr">
+                      <a:solidFill>
+                        <a:srgbClr val="000000"/>
+                      </a:solidFill>
+                      <a:prstDash val="solid"/>
+                      <a:round/>
+                      <a:headEnd type="none" w="med" len="med"/>
+                      <a:tailEnd type="none" w="med" len="med"/>
+                    </a:lnB>
+                  </a:tcPr>
+                </a:tc>
+                <a:tc>
+                  <a:txBody>
+                    <a:bodyPr/>
+                    <a:lstStyle/>
+                    <a:p>
+                      <a:pPr algn="ctr" fontAlgn="ctr"/>
+                      <a:r>
+                        <a:rPr lang="fr-FR" sz="700" b="0" i="0" u="none" strike="noStrike">
+                          <a:solidFill>
+                            <a:srgbClr val="000000"/>
+                          </a:solidFill>
+                          <a:latin typeface="Calibri"/>
+                        </a:rPr>
+                        <a:t> </a:t>
+                      </a:r>
+                    </a:p>
+                  </a:txBody>
+                  <a:tcPr marL="3950" marR="3950" marT="3950" marB="0" anchor="ctr">
+                    <a:lnL w="19050" cap="flat" cmpd="sng" algn="ctr">
+                      <a:solidFill>
+                        <a:srgbClr val="000000"/>
+                      </a:solidFill>
+                      <a:prstDash val="solid"/>
+                      <a:round/>
+                      <a:headEnd type="none" w="med" len="med"/>
+                      <a:tailEnd type="none" w="med" len="med"/>
+                    </a:lnL>
+                    <a:lnR w="19050" cap="flat" cmpd="sng" algn="ctr">
+                      <a:solidFill>
+                        <a:srgbClr val="000000"/>
+                      </a:solidFill>
+                      <a:prstDash val="solid"/>
+                      <a:round/>
+                      <a:headEnd type="none" w="med" len="med"/>
+                      <a:tailEnd type="none" w="med" len="med"/>
+                    </a:lnR>
+                    <a:lnT w="19050" cap="flat" cmpd="sng" algn="ctr">
+                      <a:solidFill>
+                        <a:srgbClr val="000000"/>
+                      </a:solidFill>
+                      <a:prstDash val="solid"/>
+                      <a:round/>
+                      <a:headEnd type="none" w="med" len="med"/>
+                      <a:tailEnd type="none" w="med" len="med"/>
+                    </a:lnT>
+                    <a:lnB w="19050" cap="flat" cmpd="sng" algn="ctr">
+                      <a:solidFill>
+                        <a:srgbClr val="000000"/>
+                      </a:solidFill>
+                      <a:prstDash val="solid"/>
+                      <a:round/>
+                      <a:headEnd type="none" w="med" len="med"/>
+                      <a:tailEnd type="none" w="med" len="med"/>
+                    </a:lnB>
+                  </a:tcPr>
+                </a:tc>
+                <a:tc>
+                  <a:txBody>
+                    <a:bodyPr/>
+                    <a:lstStyle/>
+                    <a:p>
+                      <a:pPr algn="ctr" fontAlgn="ctr"/>
+                      <a:r>
+                        <a:rPr lang="fr-FR" sz="700" b="0" i="0" u="none" strike="noStrike">
+                          <a:solidFill>
+                            <a:srgbClr val="000000"/>
+                          </a:solidFill>
+                          <a:latin typeface="Calibri"/>
+                        </a:rPr>
+                        <a:t> </a:t>
+                      </a:r>
+                    </a:p>
+                  </a:txBody>
+                  <a:tcPr marL="3950" marR="3950" marT="3950" marB="0" anchor="ctr">
+                    <a:lnL w="19050" cap="flat" cmpd="sng" algn="ctr">
+                      <a:solidFill>
+                        <a:srgbClr val="000000"/>
+                      </a:solidFill>
+                      <a:prstDash val="solid"/>
+                      <a:round/>
+                      <a:headEnd type="none" w="med" len="med"/>
+                      <a:tailEnd type="none" w="med" len="med"/>
+                    </a:lnL>
+                    <a:lnR w="19050" cap="flat" cmpd="sng" algn="ctr">
+                      <a:solidFill>
+                        <a:srgbClr val="000000"/>
+                      </a:solidFill>
+                      <a:prstDash val="solid"/>
+                      <a:round/>
+                      <a:headEnd type="none" w="med" len="med"/>
+                      <a:tailEnd type="none" w="med" len="med"/>
+                    </a:lnR>
+                    <a:lnT w="19050" cap="flat" cmpd="sng" algn="ctr">
+                      <a:solidFill>
+                        <a:srgbClr val="000000"/>
+                      </a:solidFill>
+                      <a:prstDash val="solid"/>
+                      <a:round/>
+                      <a:headEnd type="none" w="med" len="med"/>
+                      <a:tailEnd type="none" w="med" len="med"/>
+                    </a:lnT>
+                    <a:lnB w="19050" cap="flat" cmpd="sng" algn="ctr">
+                      <a:solidFill>
+                        <a:srgbClr val="000000"/>
+                      </a:solidFill>
+                      <a:prstDash val="solid"/>
+                      <a:round/>
+                      <a:headEnd type="none" w="med" len="med"/>
+                      <a:tailEnd type="none" w="med" len="med"/>
+                    </a:lnB>
+                  </a:tcPr>
+                </a:tc>
+                <a:tc>
+                  <a:txBody>
+                    <a:bodyPr/>
+                    <a:lstStyle/>
+                    <a:p>
+                      <a:pPr algn="ctr" fontAlgn="ctr"/>
+                      <a:r>
+                        <a:rPr lang="fr-FR" sz="700" b="0" i="0" u="none" strike="noStrike">
+                          <a:solidFill>
+                            <a:srgbClr val="000000"/>
+                          </a:solidFill>
+                          <a:latin typeface="Calibri"/>
+                        </a:rPr>
+                        <a:t> </a:t>
+                      </a:r>
+                    </a:p>
+                  </a:txBody>
+                  <a:tcPr marL="3950" marR="3950" marT="3950" marB="0" anchor="ctr">
+                    <a:lnL w="19050" cap="flat" cmpd="sng" algn="ctr">
+                      <a:solidFill>
+                        <a:srgbClr val="000000"/>
+                      </a:solidFill>
+                      <a:prstDash val="solid"/>
+                      <a:round/>
+                      <a:headEnd type="none" w="med" len="med"/>
+                      <a:tailEnd type="none" w="med" len="med"/>
+                    </a:lnL>
+                    <a:lnR w="19050" cap="flat" cmpd="sng" algn="ctr">
+                      <a:solidFill>
+                        <a:srgbClr val="000000"/>
+                      </a:solidFill>
+                      <a:prstDash val="solid"/>
+                      <a:round/>
+                      <a:headEnd type="none" w="med" len="med"/>
+                      <a:tailEnd type="none" w="med" len="med"/>
+                    </a:lnR>
+                    <a:lnT w="19050" cap="flat" cmpd="sng" algn="ctr">
+                      <a:solidFill>
+                        <a:srgbClr val="000000"/>
+                      </a:solidFill>
+                      <a:prstDash val="solid"/>
+                      <a:round/>
+                      <a:headEnd type="none" w="med" len="med"/>
+                      <a:tailEnd type="none" w="med" len="med"/>
+                    </a:lnT>
+                    <a:lnB w="19050" cap="flat" cmpd="sng" algn="ctr">
+                      <a:solidFill>
+                        <a:srgbClr val="000000"/>
+                      </a:solidFill>
+                      <a:prstDash val="solid"/>
+                      <a:round/>
+                      <a:headEnd type="none" w="med" len="med"/>
+                      <a:tailEnd type="none" w="med" len="med"/>
+                    </a:lnB>
+                  </a:tcPr>
+                </a:tc>
+                <a:tc gridSpan="2">
+                  <a:txBody>
+                    <a:bodyPr/>
+                    <a:lstStyle/>
+                    <a:p>
+                      <a:pPr algn="ctr" fontAlgn="ctr"/>
+                      <a:r>
+                        <a:rPr lang="fr-FR" sz="700" b="0" i="0" u="none" strike="noStrike">
+                          <a:solidFill>
+                            <a:srgbClr val="000000"/>
+                          </a:solidFill>
+                          <a:latin typeface="Calibri"/>
+                        </a:rPr>
+                        <a:t> </a:t>
+                      </a:r>
+                    </a:p>
+                  </a:txBody>
+                  <a:tcPr marL="3950" marR="3950" marT="3950" marB="0" anchor="ctr">
+                    <a:lnL w="19050" cap="flat" cmpd="sng" algn="ctr">
+                      <a:solidFill>
+                        <a:srgbClr val="000000"/>
+                      </a:solidFill>
+                      <a:prstDash val="solid"/>
+                      <a:round/>
+                      <a:headEnd type="none" w="med" len="med"/>
+                      <a:tailEnd type="none" w="med" len="med"/>
+                    </a:lnL>
+                    <a:lnR w="19050" cap="flat" cmpd="sng" algn="ctr">
+                      <a:solidFill>
+                        <a:srgbClr val="000000"/>
+                      </a:solidFill>
+                      <a:prstDash val="solid"/>
+                      <a:round/>
+                      <a:headEnd type="none" w="med" len="med"/>
+                      <a:tailEnd type="none" w="med" len="med"/>
+                    </a:lnR>
+                    <a:lnT w="19050" cap="flat" cmpd="sng" algn="ctr">
+                      <a:solidFill>
+                        <a:srgbClr val="000000"/>
+                      </a:solidFill>
+                      <a:prstDash val="solid"/>
+                      <a:round/>
+                      <a:headEnd type="none" w="med" len="med"/>
+                      <a:tailEnd type="none" w="med" len="med"/>
+                    </a:lnT>
+                    <a:lnB w="19050" cap="flat" cmpd="sng" algn="ctr">
+                      <a:solidFill>
+                        <a:srgbClr val="000000"/>
+                      </a:solidFill>
+                      <a:prstDash val="solid"/>
+                      <a:round/>
+                      <a:headEnd type="none" w="med" len="med"/>
+                      <a:tailEnd type="none" w="med" len="med"/>
+                    </a:lnB>
+                  </a:tcPr>
+                </a:tc>
+                <a:tc hMerge="1">
+                  <a:txBody>
+                    <a:bodyPr/>
+                    <a:lstStyle/>
+                    <a:p>
+                      <a:endParaRPr lang="fr-FR"/>
+                    </a:p>
+                  </a:txBody>
+                  <a:tcPr/>
+                </a:tc>
+                <a:tc>
+                  <a:txBody>
+                    <a:bodyPr/>
+                    <a:lstStyle/>
+                    <a:p>
+                      <a:pPr algn="ctr" fontAlgn="ctr"/>
+                      <a:r>
+                        <a:rPr lang="fr-FR" sz="700" b="0" i="0" u="none" strike="noStrike">
+                          <a:solidFill>
+                            <a:srgbClr val="000000"/>
+                          </a:solidFill>
+                          <a:latin typeface="Calibri"/>
+                        </a:rPr>
+                        <a:t> </a:t>
+                      </a:r>
+                    </a:p>
+                  </a:txBody>
+                  <a:tcPr marL="3950" marR="3950" marT="3950" marB="0" anchor="ctr">
+                    <a:lnL w="19050" cap="flat" cmpd="sng" algn="ctr">
+                      <a:solidFill>
+                        <a:srgbClr val="000000"/>
+                      </a:solidFill>
+                      <a:prstDash val="solid"/>
+                      <a:round/>
+                      <a:headEnd type="none" w="med" len="med"/>
+                      <a:tailEnd type="none" w="med" len="med"/>
+                    </a:lnL>
+                    <a:lnR w="19050" cap="flat" cmpd="sng" algn="ctr">
+                      <a:solidFill>
+                        <a:srgbClr val="000000"/>
+                      </a:solidFill>
+                      <a:prstDash val="solid"/>
+                      <a:round/>
+                      <a:headEnd type="none" w="med" len="med"/>
+                      <a:tailEnd type="none" w="med" len="med"/>
+                    </a:lnR>
+                    <a:lnT w="19050" cap="flat" cmpd="sng" algn="ctr">
+                      <a:solidFill>
+                        <a:srgbClr val="000000"/>
+                      </a:solidFill>
+                      <a:prstDash val="solid"/>
+                      <a:round/>
+                      <a:headEnd type="none" w="med" len="med"/>
+                      <a:tailEnd type="none" w="med" len="med"/>
+                    </a:lnT>
+                    <a:lnB w="19050" cap="flat" cmpd="sng" algn="ctr">
+                      <a:solidFill>
+                        <a:srgbClr val="000000"/>
+                      </a:solidFill>
+                      <a:prstDash val="solid"/>
+                      <a:round/>
+                      <a:headEnd type="none" w="med" len="med"/>
+                      <a:tailEnd type="none" w="med" len="med"/>
+                    </a:lnB>
+                  </a:tcPr>
+                </a:tc>
+                <a:tc gridSpan="2">
+                  <a:txBody>
+                    <a:bodyPr/>
+                    <a:lstStyle/>
+                    <a:p>
+                      <a:pPr algn="ctr" fontAlgn="ctr"/>
+                      <a:r>
+                        <a:rPr lang="fr-FR" sz="700" b="0" i="0" u="none" strike="noStrike">
+                          <a:solidFill>
+                            <a:srgbClr val="000000"/>
+                          </a:solidFill>
+                          <a:latin typeface="Calibri"/>
+                        </a:rPr>
+                        <a:t>vacances</a:t>
+                      </a:r>
+                    </a:p>
+                  </a:txBody>
+                  <a:tcPr marL="3950" marR="3950" marT="3950" marB="0" anchor="ctr">
+                    <a:lnL w="19050" cap="flat" cmpd="sng" algn="ctr">
+                      <a:solidFill>
+                        <a:srgbClr val="000000"/>
+                      </a:solidFill>
+                      <a:prstDash val="solid"/>
+                      <a:round/>
+                      <a:headEnd type="none" w="med" len="med"/>
+                      <a:tailEnd type="none" w="med" len="med"/>
+                    </a:lnL>
+                    <a:lnR w="19050" cap="flat" cmpd="sng" algn="ctr">
+                      <a:solidFill>
+                        <a:srgbClr val="000000"/>
+                      </a:solidFill>
+                      <a:prstDash val="solid"/>
+                      <a:round/>
+                      <a:headEnd type="none" w="med" len="med"/>
+                      <a:tailEnd type="none" w="med" len="med"/>
+                    </a:lnR>
+                    <a:lnT w="19050" cap="flat" cmpd="sng" algn="ctr">
+                      <a:solidFill>
+                        <a:srgbClr val="000000"/>
+                      </a:solidFill>
+                      <a:prstDash val="solid"/>
+                      <a:round/>
+                      <a:headEnd type="none" w="med" len="med"/>
+                      <a:tailEnd type="none" w="med" len="med"/>
+                    </a:lnT>
+                    <a:lnB w="19050" cap="flat" cmpd="sng" algn="ctr">
+                      <a:solidFill>
+                        <a:srgbClr val="000000"/>
+                      </a:solidFill>
+                      <a:prstDash val="solid"/>
+                      <a:round/>
+                      <a:headEnd type="none" w="med" len="med"/>
+                      <a:tailEnd type="none" w="med" len="med"/>
+                    </a:lnB>
+                    <a:solidFill>
+                      <a:srgbClr val="F79646"/>
+                    </a:solidFill>
+                  </a:tcPr>
+                </a:tc>
+                <a:tc hMerge="1">
+                  <a:txBody>
+                    <a:bodyPr/>
+                    <a:lstStyle/>
+                    <a:p>
+                      <a:endParaRPr lang="fr-FR"/>
+                    </a:p>
+                  </a:txBody>
+                  <a:tcPr/>
+                </a:tc>
+                <a:tc gridSpan="2">
+                  <a:txBody>
+                    <a:bodyPr/>
+                    <a:lstStyle/>
+                    <a:p>
+                      <a:pPr algn="ctr" fontAlgn="ctr"/>
+                      <a:r>
+                        <a:rPr lang="fr-FR" sz="700" b="0" i="0" u="none" strike="noStrike">
+                          <a:solidFill>
+                            <a:srgbClr val="000000"/>
+                          </a:solidFill>
+                          <a:latin typeface="Calibri"/>
+                        </a:rPr>
+                        <a:t> </a:t>
+                      </a:r>
+                    </a:p>
+                  </a:txBody>
+                  <a:tcPr marL="3950" marR="3950" marT="3950" marB="0" anchor="ctr">
+                    <a:lnL w="19050" cap="flat" cmpd="sng" algn="ctr">
+                      <a:solidFill>
+                        <a:srgbClr val="000000"/>
+                      </a:solidFill>
+                      <a:prstDash val="solid"/>
+                      <a:round/>
+                      <a:headEnd type="none" w="med" len="med"/>
+                      <a:tailEnd type="none" w="med" len="med"/>
+                    </a:lnL>
+                    <a:lnR w="19050" cap="flat" cmpd="sng" algn="ctr">
+                      <a:solidFill>
+                        <a:srgbClr val="000000"/>
+                      </a:solidFill>
+                      <a:prstDash val="solid"/>
+                      <a:round/>
+                      <a:headEnd type="none" w="med" len="med"/>
+                      <a:tailEnd type="none" w="med" len="med"/>
+                    </a:lnR>
+                    <a:lnT w="19050" cap="flat" cmpd="sng" algn="ctr">
+                      <a:solidFill>
+                        <a:srgbClr val="000000"/>
+                      </a:solidFill>
+                      <a:prstDash val="solid"/>
+                      <a:round/>
+                      <a:headEnd type="none" w="med" len="med"/>
+                      <a:tailEnd type="none" w="med" len="med"/>
+                    </a:lnT>
+                    <a:lnB w="19050" cap="flat" cmpd="sng" algn="ctr">
+                      <a:solidFill>
+                        <a:srgbClr val="000000"/>
+                      </a:solidFill>
+                      <a:prstDash val="solid"/>
+                      <a:round/>
+                      <a:headEnd type="none" w="med" len="med"/>
+                      <a:tailEnd type="none" w="med" len="med"/>
+                    </a:lnB>
+                  </a:tcPr>
+                </a:tc>
+                <a:tc hMerge="1">
+                  <a:txBody>
+                    <a:bodyPr/>
+                    <a:lstStyle/>
+                    <a:p>
+                      <a:endParaRPr lang="fr-FR"/>
+                    </a:p>
+                  </a:txBody>
+                  <a:tcPr/>
+                </a:tc>
+                <a:tc>
+                  <a:txBody>
+                    <a:bodyPr/>
+                    <a:lstStyle/>
+                    <a:p>
+                      <a:pPr algn="ctr" fontAlgn="ctr"/>
+                      <a:r>
+                        <a:rPr lang="fr-FR" sz="700" b="0" i="0" u="none" strike="noStrike">
+                          <a:solidFill>
+                            <a:srgbClr val="000000"/>
+                          </a:solidFill>
+                          <a:latin typeface="Calibri"/>
+                        </a:rPr>
+                        <a:t> </a:t>
+                      </a:r>
+                    </a:p>
+                  </a:txBody>
+                  <a:tcPr marL="3950" marR="3950" marT="3950" marB="0" anchor="ctr">
+                    <a:lnL w="19050" cap="flat" cmpd="sng" algn="ctr">
+                      <a:solidFill>
+                        <a:srgbClr val="000000"/>
+                      </a:solidFill>
+                      <a:prstDash val="solid"/>
+                      <a:round/>
+                      <a:headEnd type="none" w="med" len="med"/>
+                      <a:tailEnd type="none" w="med" len="med"/>
+                    </a:lnL>
+                    <a:lnR w="19050" cap="flat" cmpd="sng" algn="ctr">
+                      <a:solidFill>
+                        <a:srgbClr val="000000"/>
+                      </a:solidFill>
+                      <a:prstDash val="solid"/>
+                      <a:round/>
+                      <a:headEnd type="none" w="med" len="med"/>
+                      <a:tailEnd type="none" w="med" len="med"/>
+                    </a:lnR>
+                    <a:lnT w="19050" cap="flat" cmpd="sng" algn="ctr">
+                      <a:solidFill>
+                        <a:srgbClr val="000000"/>
+                      </a:solidFill>
+                      <a:prstDash val="solid"/>
+                      <a:round/>
+                      <a:headEnd type="none" w="med" len="med"/>
+                      <a:tailEnd type="none" w="med" len="med"/>
+                    </a:lnT>
+                    <a:lnB w="19050" cap="flat" cmpd="sng" algn="ctr">
+                      <a:solidFill>
+                        <a:srgbClr val="000000"/>
+                      </a:solidFill>
+                      <a:prstDash val="solid"/>
+                      <a:round/>
+                      <a:headEnd type="none" w="med" len="med"/>
+                      <a:tailEnd type="none" w="med" len="med"/>
+                    </a:lnB>
+                  </a:tcPr>
+                </a:tc>
+                <a:tc>
+                  <a:txBody>
+                    <a:bodyPr/>
+                    <a:lstStyle/>
+                    <a:p>
+                      <a:pPr algn="ctr" fontAlgn="ctr"/>
+                      <a:r>
+                        <a:rPr lang="fr-FR" sz="700" b="0" i="0" u="none" strike="noStrike">
+                          <a:solidFill>
+                            <a:srgbClr val="000000"/>
+                          </a:solidFill>
+                          <a:latin typeface="Calibri"/>
+                        </a:rPr>
+                        <a:t> </a:t>
+                      </a:r>
+                    </a:p>
+                  </a:txBody>
+                  <a:tcPr marL="3950" marR="3950" marT="3950" marB="0" anchor="ctr">
+                    <a:lnL w="19050" cap="flat" cmpd="sng" algn="ctr">
+                      <a:solidFill>
+                        <a:srgbClr val="000000"/>
+                      </a:solidFill>
+                      <a:prstDash val="solid"/>
+                      <a:round/>
+                      <a:headEnd type="none" w="med" len="med"/>
+                      <a:tailEnd type="none" w="med" len="med"/>
+                    </a:lnL>
+                    <a:lnR w="19050" cap="flat" cmpd="sng" algn="ctr">
+                      <a:solidFill>
+                        <a:srgbClr val="000000"/>
+                      </a:solidFill>
+                      <a:prstDash val="solid"/>
+                      <a:round/>
+                      <a:headEnd type="none" w="med" len="med"/>
+                      <a:tailEnd type="none" w="med" len="med"/>
+                    </a:lnR>
+                    <a:lnT w="19050" cap="flat" cmpd="sng" algn="ctr">
+                      <a:solidFill>
+                        <a:srgbClr val="000000"/>
+                      </a:solidFill>
+                      <a:prstDash val="solid"/>
+                      <a:round/>
+                      <a:headEnd type="none" w="med" len="med"/>
+                      <a:tailEnd type="none" w="med" len="med"/>
+                    </a:lnT>
+                    <a:lnB w="19050" cap="flat" cmpd="sng" algn="ctr">
+                      <a:solidFill>
+                        <a:srgbClr val="000000"/>
+                      </a:solidFill>
+                      <a:prstDash val="solid"/>
+                      <a:round/>
+                      <a:headEnd type="none" w="med" len="med"/>
+                      <a:tailEnd type="none" w="med" len="med"/>
+                    </a:lnB>
+                  </a:tcPr>
+                </a:tc>
+                <a:tc gridSpan="2">
+                  <a:txBody>
+                    <a:bodyPr/>
+                    <a:lstStyle/>
+                    <a:p>
+                      <a:pPr algn="ctr" fontAlgn="ctr"/>
+                      <a:r>
+                        <a:rPr lang="fr-FR" sz="700" b="0" i="0" u="none" strike="noStrike" dirty="0">
+                          <a:solidFill>
+                            <a:srgbClr val="000000"/>
+                          </a:solidFill>
+                          <a:latin typeface="Calibri"/>
+                        </a:rPr>
+                        <a:t>semaines bloquées</a:t>
+                      </a:r>
+                    </a:p>
+                  </a:txBody>
+                  <a:tcPr marL="3950" marR="3950" marT="3950" marB="0" anchor="ctr">
+                    <a:lnL w="19050" cap="flat" cmpd="sng" algn="ctr">
+                      <a:solidFill>
+                        <a:srgbClr val="000000"/>
+                      </a:solidFill>
+                      <a:prstDash val="solid"/>
+                      <a:round/>
+                      <a:headEnd type="none" w="med" len="med"/>
+                      <a:tailEnd type="none" w="med" len="med"/>
+                    </a:lnL>
+                    <a:lnR w="19050" cap="flat" cmpd="sng" algn="ctr">
+                      <a:solidFill>
+                        <a:srgbClr val="000000"/>
+                      </a:solidFill>
+                      <a:prstDash val="solid"/>
+                      <a:round/>
+                      <a:headEnd type="none" w="med" len="med"/>
+                      <a:tailEnd type="none" w="med" len="med"/>
+                    </a:lnR>
+                    <a:lnT w="19050" cap="flat" cmpd="sng" algn="ctr">
+                      <a:solidFill>
+                        <a:srgbClr val="000000"/>
+                      </a:solidFill>
+                      <a:prstDash val="solid"/>
+                      <a:round/>
+                      <a:headEnd type="none" w="med" len="med"/>
+                      <a:tailEnd type="none" w="med" len="med"/>
+                    </a:lnT>
+                    <a:lnB w="19050" cap="flat" cmpd="sng" algn="ctr">
+                      <a:solidFill>
+                        <a:srgbClr val="000000"/>
+                      </a:solidFill>
+                      <a:prstDash val="solid"/>
+                      <a:round/>
+                      <a:headEnd type="none" w="med" len="med"/>
+                      <a:tailEnd type="none" w="med" len="med"/>
+                    </a:lnB>
+                    <a:solidFill>
+                      <a:srgbClr val="C0504D"/>
+                    </a:solidFill>
+                  </a:tcPr>
+                </a:tc>
+                <a:tc hMerge="1">
+                  <a:txBody>
+                    <a:bodyPr/>
+                    <a:lstStyle/>
+                    <a:p>
+                      <a:endParaRPr lang="fr-FR"/>
+                    </a:p>
+                  </a:txBody>
+                  <a:tcPr/>
+                </a:tc>
+              </a:tr>
+            </a:tbl>
+          </a:graphicData>
+        </a:graphic>
+      </p:graphicFrame>
     </p:spTree>
   </p:cSld>
   <p:clrMapOvr>
     <a:masterClrMapping/>
   </p:clrMapOvr>
-  <mc:AlternateContent xmlns:mc="http://schemas.openxmlformats.org/markup-compatibility/2006" xmlns:p14="http://schemas.microsoft.com/office/powerpoint/2010/main">
-    <mc:Choice Requires="p14">
+  <mc:AlternateContent xmlns:mc="http://schemas.openxmlformats.org/markup-compatibility/2006">
+    <mc:Choice xmlns:p14="http://schemas.microsoft.com/office/powerpoint/2010/main" xmlns="" Requires="p14">
       <p:transition p14:dur="250" advTm="2129">
         <p:pull/>
       </p:transition>
     </mc:Choice>
-    <mc:Fallback xmlns="">
+    <mc:Fallback>
       <p:transition advTm="2129">
         <p:pull/>
       </p:transition>
@@ -7725,13 +12127,13 @@
   <p:clrMapOvr>
     <a:masterClrMapping/>
   </p:clrMapOvr>
-  <mc:AlternateContent xmlns:mc="http://schemas.openxmlformats.org/markup-compatibility/2006" xmlns:p14="http://schemas.microsoft.com/office/powerpoint/2010/main">
-    <mc:Choice Requires="p14">
+  <mc:AlternateContent xmlns:mc="http://schemas.openxmlformats.org/markup-compatibility/2006">
+    <mc:Choice xmlns:p14="http://schemas.microsoft.com/office/powerpoint/2010/main" xmlns="" Requires="p14">
       <p:transition spd="slow" p14:dur="1500" advTm="722">
         <p14:vortex dir="r"/>
       </p:transition>
     </mc:Choice>
-    <mc:Fallback xmlns="">
+    <mc:Fallback>
       <p:transition spd="slow" advTm="722">
         <p:fade/>
       </p:transition>
@@ -8186,20 +12588,20 @@
     </p:spTree>
     <p:extLst>
       <p:ext uri="{BB962C8B-B14F-4D97-AF65-F5344CB8AC3E}">
-        <p14:creationId xmlns:p14="http://schemas.microsoft.com/office/powerpoint/2010/main" val="3174596176"/>
+        <p14:creationId xmlns:p14="http://schemas.microsoft.com/office/powerpoint/2010/main" xmlns="" val="3174596176"/>
       </p:ext>
     </p:extLst>
   </p:cSld>
   <p:clrMapOvr>
     <a:masterClrMapping/>
   </p:clrMapOvr>
-  <mc:AlternateContent xmlns:mc="http://schemas.openxmlformats.org/markup-compatibility/2006" xmlns:p14="http://schemas.microsoft.com/office/powerpoint/2010/main">
-    <mc:Choice Requires="p14">
+  <mc:AlternateContent xmlns:mc="http://schemas.openxmlformats.org/markup-compatibility/2006">
+    <mc:Choice xmlns:p14="http://schemas.microsoft.com/office/powerpoint/2010/main" xmlns="" Requires="p14">
       <p:transition p14:dur="250" advTm="13190">
         <p:pull/>
       </p:transition>
     </mc:Choice>
-    <mc:Fallback xmlns="">
+    <mc:Fallback>
       <p:transition advTm="13190">
         <p:pull/>
       </p:transition>
@@ -8306,10 +12708,10 @@
           <p:nvPr/>
         </p:nvPicPr>
         <p:blipFill>
-          <a:blip r:embed="rId2">
+          <a:blip r:embed="rId2" cstate="print">
             <a:extLst>
               <a:ext uri="{28A0092B-C50C-407E-A947-70E740481C1C}">
-                <a14:useLocalDpi xmlns:a14="http://schemas.microsoft.com/office/drawing/2010/main" val="0"/>
+                <a14:useLocalDpi xmlns:a14="http://schemas.microsoft.com/office/drawing/2010/main" xmlns="" val="0"/>
               </a:ext>
             </a:extLst>
           </a:blip>
@@ -8378,13 +12780,13 @@
   <p:clrMapOvr>
     <a:masterClrMapping/>
   </p:clrMapOvr>
-  <mc:AlternateContent xmlns:mc="http://schemas.openxmlformats.org/markup-compatibility/2006" xmlns:p14="http://schemas.microsoft.com/office/powerpoint/2010/main">
-    <mc:Choice Requires="p14">
+  <mc:AlternateContent xmlns:mc="http://schemas.openxmlformats.org/markup-compatibility/2006">
+    <mc:Choice xmlns:p14="http://schemas.microsoft.com/office/powerpoint/2010/main" xmlns="" Requires="p14">
       <p:transition p14:dur="250" advTm="5408">
         <p:pull/>
       </p:transition>
     </mc:Choice>
-    <mc:Fallback xmlns="">
+    <mc:Fallback>
       <p:transition advTm="5408">
         <p:pull/>
       </p:transition>
@@ -8489,7 +12891,7 @@
           <a:blip r:embed="rId3" cstate="print">
             <a:extLst>
               <a:ext uri="{28A0092B-C50C-407E-A947-70E740481C1C}">
-                <a14:useLocalDpi xmlns:a14="http://schemas.microsoft.com/office/drawing/2010/main" val="0"/>
+                <a14:useLocalDpi xmlns:a14="http://schemas.microsoft.com/office/drawing/2010/main" xmlns="" val="0"/>
               </a:ext>
             </a:extLst>
           </a:blip>
@@ -8519,7 +12921,7 @@
           <a:blip r:embed="rId4" cstate="print">
             <a:extLst>
               <a:ext uri="{28A0092B-C50C-407E-A947-70E740481C1C}">
-                <a14:useLocalDpi xmlns:a14="http://schemas.microsoft.com/office/drawing/2010/main" val="0"/>
+                <a14:useLocalDpi xmlns:a14="http://schemas.microsoft.com/office/drawing/2010/main" xmlns="" val="0"/>
               </a:ext>
             </a:extLst>
           </a:blip>
@@ -8721,7 +13123,7 @@
           <a:blip r:embed="rId5" cstate="print">
             <a:extLst>
               <a:ext uri="{28A0092B-C50C-407E-A947-70E740481C1C}">
-                <a14:useLocalDpi xmlns:a14="http://schemas.microsoft.com/office/drawing/2010/main" val="0"/>
+                <a14:useLocalDpi xmlns:a14="http://schemas.microsoft.com/office/drawing/2010/main" xmlns="" val="0"/>
               </a:ext>
             </a:extLst>
           </a:blip>
@@ -8747,13 +13149,13 @@
   <p:clrMapOvr>
     <a:masterClrMapping/>
   </p:clrMapOvr>
-  <mc:AlternateContent xmlns:mc="http://schemas.openxmlformats.org/markup-compatibility/2006" xmlns:p14="http://schemas.microsoft.com/office/powerpoint/2010/main">
-    <mc:Choice Requires="p14">
+  <mc:AlternateContent xmlns:mc="http://schemas.openxmlformats.org/markup-compatibility/2006">
+    <mc:Choice xmlns:p14="http://schemas.microsoft.com/office/powerpoint/2010/main" xmlns="" Requires="p14">
       <p:transition p14:dur="250" advTm="6354">
         <p:pull/>
       </p:transition>
     </mc:Choice>
-    <mc:Fallback xmlns="">
+    <mc:Fallback>
       <p:transition advTm="6354">
         <p:pull/>
       </p:transition>
@@ -9372,10 +13774,10 @@
           <p:nvPr/>
         </p:nvPicPr>
         <p:blipFill>
-          <a:blip r:embed="rId3">
+          <a:blip r:embed="rId3" cstate="print">
             <a:extLst>
               <a:ext uri="{28A0092B-C50C-407E-A947-70E740481C1C}">
-                <a14:useLocalDpi xmlns:a14="http://schemas.microsoft.com/office/drawing/2010/main" val="0"/>
+                <a14:useLocalDpi xmlns:a14="http://schemas.microsoft.com/office/drawing/2010/main" xmlns="" val="0"/>
               </a:ext>
             </a:extLst>
           </a:blip>
@@ -9398,13 +13800,13 @@
   <p:clrMapOvr>
     <a:masterClrMapping/>
   </p:clrMapOvr>
-  <mc:AlternateContent xmlns:mc="http://schemas.openxmlformats.org/markup-compatibility/2006" xmlns:p14="http://schemas.microsoft.com/office/powerpoint/2010/main">
-    <mc:Choice Requires="p14">
+  <mc:AlternateContent xmlns:mc="http://schemas.openxmlformats.org/markup-compatibility/2006">
+    <mc:Choice xmlns:p14="http://schemas.microsoft.com/office/powerpoint/2010/main" xmlns="" Requires="p14">
       <p:transition p14:dur="250" advTm="1182">
         <p:pull/>
       </p:transition>
     </mc:Choice>
-    <mc:Fallback xmlns="">
+    <mc:Fallback>
       <p:transition advTm="1182">
         <p:pull/>
       </p:transition>
@@ -9594,10 +13996,10 @@
           <p:nvPr/>
         </p:nvPicPr>
         <p:blipFill>
-          <a:blip r:embed="rId3">
+          <a:blip r:embed="rId3" cstate="print">
             <a:extLst>
               <a:ext uri="{28A0092B-C50C-407E-A947-70E740481C1C}">
-                <a14:useLocalDpi xmlns:a14="http://schemas.microsoft.com/office/drawing/2010/main" val="0"/>
+                <a14:useLocalDpi xmlns:a14="http://schemas.microsoft.com/office/drawing/2010/main" xmlns="" val="0"/>
               </a:ext>
             </a:extLst>
           </a:blip>
@@ -9618,20 +14020,20 @@
     </p:spTree>
     <p:extLst>
       <p:ext uri="{BB962C8B-B14F-4D97-AF65-F5344CB8AC3E}">
-        <p14:creationId xmlns:p14="http://schemas.microsoft.com/office/powerpoint/2010/main" val="3668769520"/>
+        <p14:creationId xmlns:p14="http://schemas.microsoft.com/office/powerpoint/2010/main" xmlns="" val="3668769520"/>
       </p:ext>
     </p:extLst>
   </p:cSld>
   <p:clrMapOvr>
     <a:masterClrMapping/>
   </p:clrMapOvr>
-  <mc:AlternateContent xmlns:mc="http://schemas.openxmlformats.org/markup-compatibility/2006" xmlns:p14="http://schemas.microsoft.com/office/powerpoint/2010/main">
-    <mc:Choice Requires="p14">
+  <mc:AlternateContent xmlns:mc="http://schemas.openxmlformats.org/markup-compatibility/2006">
+    <mc:Choice xmlns:p14="http://schemas.microsoft.com/office/powerpoint/2010/main" xmlns="" Requires="p14">
       <p:transition p14:dur="250" advTm="1182">
         <p:pull/>
       </p:transition>
     </mc:Choice>
-    <mc:Fallback xmlns="">
+    <mc:Fallback>
       <p:transition>
         <p:pull/>
       </p:transition>
@@ -9784,10 +14186,10 @@
           <p:nvPr/>
         </p:nvPicPr>
         <p:blipFill>
-          <a:blip r:embed="rId2">
+          <a:blip r:embed="rId2" cstate="print">
             <a:extLst>
               <a:ext uri="{28A0092B-C50C-407E-A947-70E740481C1C}">
-                <a14:useLocalDpi xmlns:a14="http://schemas.microsoft.com/office/drawing/2010/main" val="0"/>
+                <a14:useLocalDpi xmlns:a14="http://schemas.microsoft.com/office/drawing/2010/main" xmlns="" val="0"/>
               </a:ext>
             </a:extLst>
           </a:blip>
@@ -9851,13 +14253,6 @@
               </a:rPr>
               <a:t> </a:t>
             </a:r>
-            <a:endParaRPr lang="fr-FR" sz="2000" dirty="0">
-              <a:solidFill>
-                <a:schemeClr val="accent3">
-                  <a:lumMod val="75000"/>
-                </a:schemeClr>
-              </a:solidFill>
-            </a:endParaRPr>
           </a:p>
         </p:txBody>
       </p:sp>
@@ -9866,13 +14261,13 @@
   <p:clrMapOvr>
     <a:masterClrMapping/>
   </p:clrMapOvr>
-  <mc:AlternateContent xmlns:mc="http://schemas.openxmlformats.org/markup-compatibility/2006" xmlns:p14="http://schemas.microsoft.com/office/powerpoint/2010/main">
-    <mc:Choice Requires="p14">
+  <mc:AlternateContent xmlns:mc="http://schemas.openxmlformats.org/markup-compatibility/2006">
+    <mc:Choice xmlns:p14="http://schemas.microsoft.com/office/powerpoint/2010/main" xmlns="" Requires="p14">
       <p:transition p14:dur="250" advTm="8866">
         <p:pull/>
       </p:transition>
     </mc:Choice>
-    <mc:Fallback xmlns="">
+    <mc:Fallback>
       <p:transition advTm="8866">
         <p:pull/>
       </p:transition>
@@ -9978,13 +14373,13 @@
   <p:clrMapOvr>
     <a:masterClrMapping/>
   </p:clrMapOvr>
-  <mc:AlternateContent xmlns:mc="http://schemas.openxmlformats.org/markup-compatibility/2006" xmlns:p14="http://schemas.microsoft.com/office/powerpoint/2010/main">
-    <mc:Choice Requires="p14">
+  <mc:AlternateContent xmlns:mc="http://schemas.openxmlformats.org/markup-compatibility/2006">
+    <mc:Choice xmlns:p14="http://schemas.microsoft.com/office/powerpoint/2010/main" xmlns="" Requires="p14">
       <p:transition spd="slow" p14:dur="1500" advTm="1124">
         <p14:vortex dir="r"/>
       </p:transition>
     </mc:Choice>
-    <mc:Fallback xmlns="">
+    <mc:Fallback>
       <p:transition spd="slow" advTm="1124">
         <p:fade/>
       </p:transition>
@@ -10090,13 +14485,13 @@
   <p:clrMapOvr>
     <a:masterClrMapping/>
   </p:clrMapOvr>
-  <mc:AlternateContent xmlns:mc="http://schemas.openxmlformats.org/markup-compatibility/2006" xmlns:p14="http://schemas.microsoft.com/office/powerpoint/2010/main">
-    <mc:Choice Requires="p14">
+  <mc:AlternateContent xmlns:mc="http://schemas.openxmlformats.org/markup-compatibility/2006">
+    <mc:Choice xmlns:p14="http://schemas.microsoft.com/office/powerpoint/2010/main" xmlns="" Requires="p14">
       <p:transition spd="slow" p14:dur="1500" advTm="1117">
         <p14:vortex dir="r"/>
       </p:transition>
     </mc:Choice>
-    <mc:Fallback xmlns="">
+    <mc:Fallback>
       <p:transition spd="slow" advTm="1117">
         <p:fade/>
       </p:transition>
@@ -10211,7 +14606,7 @@
           <a:blip r:embed="rId3" cstate="print">
             <a:extLst>
               <a:ext uri="{28A0092B-C50C-407E-A947-70E740481C1C}">
-                <a14:useLocalDpi xmlns:a14="http://schemas.microsoft.com/office/drawing/2010/main" val="0"/>
+                <a14:useLocalDpi xmlns:a14="http://schemas.microsoft.com/office/drawing/2010/main" xmlns="" val="0"/>
               </a:ext>
             </a:extLst>
           </a:blip>
@@ -10364,13 +14759,13 @@
   <p:clrMapOvr>
     <a:masterClrMapping/>
   </p:clrMapOvr>
-  <mc:AlternateContent xmlns:mc="http://schemas.openxmlformats.org/markup-compatibility/2006" xmlns:p14="http://schemas.microsoft.com/office/powerpoint/2010/main">
-    <mc:Choice Requires="p14">
+  <mc:AlternateContent xmlns:mc="http://schemas.openxmlformats.org/markup-compatibility/2006">
+    <mc:Choice xmlns:p14="http://schemas.microsoft.com/office/powerpoint/2010/main" xmlns="" Requires="p14">
       <p:transition p14:dur="250" advTm="15500">
         <p:pull/>
       </p:transition>
     </mc:Choice>
-    <mc:Fallback xmlns="">
+    <mc:Fallback>
       <p:transition advTm="15500">
         <p:pull/>
       </p:transition>
@@ -10832,10 +15227,10 @@
           <p:nvPr/>
         </p:nvPicPr>
         <p:blipFill>
-          <a:blip r:embed="rId3">
+          <a:blip r:embed="rId3" cstate="print">
             <a:extLst>
               <a:ext uri="{28A0092B-C50C-407E-A947-70E740481C1C}">
-                <a14:useLocalDpi xmlns:a14="http://schemas.microsoft.com/office/drawing/2010/main" val="0"/>
+                <a14:useLocalDpi xmlns:a14="http://schemas.microsoft.com/office/drawing/2010/main" xmlns="" val="0"/>
               </a:ext>
             </a:extLst>
           </a:blip>
@@ -11006,13 +15401,13 @@
   <p:clrMapOvr>
     <a:masterClrMapping/>
   </p:clrMapOvr>
-  <mc:AlternateContent xmlns:mc="http://schemas.openxmlformats.org/markup-compatibility/2006" xmlns:p14="http://schemas.microsoft.com/office/powerpoint/2010/main">
-    <mc:Choice Requires="p14">
+  <mc:AlternateContent xmlns:mc="http://schemas.openxmlformats.org/markup-compatibility/2006">
+    <mc:Choice xmlns:p14="http://schemas.microsoft.com/office/powerpoint/2010/main" xmlns="" Requires="p14">
       <p:transition p14:dur="250" advTm="5569">
         <p:pull/>
       </p:transition>
     </mc:Choice>
-    <mc:Fallback xmlns="">
+    <mc:Fallback>
       <p:transition advTm="5569">
         <p:pull/>
       </p:transition>
@@ -11339,10 +15734,10 @@
           <p:nvPr/>
         </p:nvPicPr>
         <p:blipFill>
-          <a:blip r:embed="rId3">
+          <a:blip r:embed="rId3" cstate="print">
             <a:extLst>
               <a:ext uri="{28A0092B-C50C-407E-A947-70E740481C1C}">
-                <a14:useLocalDpi xmlns:a14="http://schemas.microsoft.com/office/drawing/2010/main" val="0"/>
+                <a14:useLocalDpi xmlns:a14="http://schemas.microsoft.com/office/drawing/2010/main" xmlns="" val="0"/>
               </a:ext>
             </a:extLst>
           </a:blip>
@@ -11363,20 +15758,20 @@
     </p:spTree>
     <p:extLst>
       <p:ext uri="{BB962C8B-B14F-4D97-AF65-F5344CB8AC3E}">
-        <p14:creationId xmlns:p14="http://schemas.microsoft.com/office/powerpoint/2010/main" val="2499581431"/>
+        <p14:creationId xmlns:p14="http://schemas.microsoft.com/office/powerpoint/2010/main" xmlns="" val="2499581431"/>
       </p:ext>
     </p:extLst>
   </p:cSld>
   <p:clrMapOvr>
     <a:masterClrMapping/>
   </p:clrMapOvr>
-  <mc:AlternateContent xmlns:mc="http://schemas.openxmlformats.org/markup-compatibility/2006" xmlns:p14="http://schemas.microsoft.com/office/powerpoint/2010/main">
-    <mc:Choice Requires="p14">
+  <mc:AlternateContent xmlns:mc="http://schemas.openxmlformats.org/markup-compatibility/2006">
+    <mc:Choice xmlns:p14="http://schemas.microsoft.com/office/powerpoint/2010/main" xmlns="" Requires="p14">
       <p:transition p14:dur="250" advTm="5569">
         <p:pull/>
       </p:transition>
     </mc:Choice>
-    <mc:Fallback xmlns="">
+    <mc:Fallback>
       <p:transition>
         <p:pull/>
       </p:transition>
@@ -11528,7 +15923,7 @@
           <a:blip r:embed="rId2" cstate="print">
             <a:extLst>
               <a:ext uri="{28A0092B-C50C-407E-A947-70E740481C1C}">
-                <a14:useLocalDpi xmlns:a14="http://schemas.microsoft.com/office/drawing/2010/main" val="0"/>
+                <a14:useLocalDpi xmlns:a14="http://schemas.microsoft.com/office/drawing/2010/main" xmlns="" val="0"/>
               </a:ext>
             </a:extLst>
           </a:blip>
@@ -11597,13 +15992,13 @@
   <p:clrMapOvr>
     <a:masterClrMapping/>
   </p:clrMapOvr>
-  <mc:AlternateContent xmlns:mc="http://schemas.openxmlformats.org/markup-compatibility/2006" xmlns:p14="http://schemas.microsoft.com/office/powerpoint/2010/main">
-    <mc:Choice Requires="p14">
+  <mc:AlternateContent xmlns:mc="http://schemas.openxmlformats.org/markup-compatibility/2006">
+    <mc:Choice xmlns:p14="http://schemas.microsoft.com/office/powerpoint/2010/main" xmlns="" Requires="p14">
       <p:transition p14:dur="250" advTm="1259">
         <p:pull/>
       </p:transition>
     </mc:Choice>
-    <mc:Fallback xmlns="">
+    <mc:Fallback>
       <p:transition advTm="1259">
         <p:pull/>
       </p:transition>
@@ -11707,20 +16102,20 @@
     </p:spTree>
     <p:extLst>
       <p:ext uri="{BB962C8B-B14F-4D97-AF65-F5344CB8AC3E}">
-        <p14:creationId xmlns:p14="http://schemas.microsoft.com/office/powerpoint/2010/main" val="1585855229"/>
+        <p14:creationId xmlns:p14="http://schemas.microsoft.com/office/powerpoint/2010/main" xmlns="" val="1585855229"/>
       </p:ext>
     </p:extLst>
   </p:cSld>
   <p:clrMapOvr>
     <a:masterClrMapping/>
   </p:clrMapOvr>
-  <mc:AlternateContent xmlns:mc="http://schemas.openxmlformats.org/markup-compatibility/2006" xmlns:p14="http://schemas.microsoft.com/office/powerpoint/2010/main">
-    <mc:Choice Requires="p14">
+  <mc:AlternateContent xmlns:mc="http://schemas.openxmlformats.org/markup-compatibility/2006">
+    <mc:Choice xmlns:p14="http://schemas.microsoft.com/office/powerpoint/2010/main" xmlns="" Requires="p14">
       <p:transition spd="slow" p14:dur="1500" advTm="594">
         <p14:vortex dir="r"/>
       </p:transition>
     </mc:Choice>
-    <mc:Fallback xmlns="">
+    <mc:Fallback>
       <p:transition spd="slow" advTm="594">
         <p:fade/>
       </p:transition>
@@ -11792,7 +16187,7 @@
           <a:blip r:embed="rId3" cstate="print">
             <a:extLst>
               <a:ext uri="{28A0092B-C50C-407E-A947-70E740481C1C}">
-                <a14:useLocalDpi xmlns:a14="http://schemas.microsoft.com/office/drawing/2010/main" val="0"/>
+                <a14:useLocalDpi xmlns:a14="http://schemas.microsoft.com/office/drawing/2010/main" xmlns="" val="0"/>
               </a:ext>
             </a:extLst>
           </a:blip>
@@ -11858,13 +16253,13 @@
   <p:clrMapOvr>
     <a:masterClrMapping/>
   </p:clrMapOvr>
-  <mc:AlternateContent xmlns:mc="http://schemas.openxmlformats.org/markup-compatibility/2006" xmlns:p14="http://schemas.microsoft.com/office/powerpoint/2010/main">
-    <mc:Choice Requires="p14">
+  <mc:AlternateContent xmlns:mc="http://schemas.openxmlformats.org/markup-compatibility/2006">
+    <mc:Choice xmlns:p14="http://schemas.microsoft.com/office/powerpoint/2010/main" xmlns="" Requires="p14">
       <p:transition spd="slow" p14:dur="7500" advTm="2716">
         <p14:honeycomb/>
       </p:transition>
     </mc:Choice>
-    <mc:Fallback xmlns="">
+    <mc:Fallback>
       <p:transition spd="slow" advTm="2716">
         <p:fade/>
       </p:transition>
@@ -11909,7 +16304,7 @@
           <a:blip r:embed="rId2" cstate="print">
             <a:extLst>
               <a:ext uri="{28A0092B-C50C-407E-A947-70E740481C1C}">
-                <a14:useLocalDpi xmlns:a14="http://schemas.microsoft.com/office/drawing/2010/main" val="0"/>
+                <a14:useLocalDpi xmlns:a14="http://schemas.microsoft.com/office/drawing/2010/main" xmlns="" val="0"/>
               </a:ext>
             </a:extLst>
           </a:blip>
@@ -12001,13 +16396,13 @@
   <p:clrMapOvr>
     <a:masterClrMapping/>
   </p:clrMapOvr>
-  <mc:AlternateContent xmlns:mc="http://schemas.openxmlformats.org/markup-compatibility/2006" xmlns:p14="http://schemas.microsoft.com/office/powerpoint/2010/main">
-    <mc:Choice Requires="p14">
+  <mc:AlternateContent xmlns:mc="http://schemas.openxmlformats.org/markup-compatibility/2006">
+    <mc:Choice xmlns:p14="http://schemas.microsoft.com/office/powerpoint/2010/main" xmlns="" Requires="p14">
       <p:transition p14:dur="250" advTm="4315">
         <p:pull/>
       </p:transition>
     </mc:Choice>
-    <mc:Fallback xmlns="">
+    <mc:Fallback>
       <p:transition advTm="4315">
         <p:pull/>
       </p:transition>
@@ -12216,13 +16611,13 @@
   <p:clrMapOvr>
     <a:masterClrMapping/>
   </p:clrMapOvr>
-  <mc:AlternateContent xmlns:mc="http://schemas.openxmlformats.org/markup-compatibility/2006" xmlns:p14="http://schemas.microsoft.com/office/powerpoint/2010/main">
-    <mc:Choice Requires="p14">
+  <mc:AlternateContent xmlns:mc="http://schemas.openxmlformats.org/markup-compatibility/2006">
+    <mc:Choice xmlns:p14="http://schemas.microsoft.com/office/powerpoint/2010/main" xmlns="" Requires="p14">
       <p:transition p14:dur="250" advTm="5602">
         <p:pull/>
       </p:transition>
     </mc:Choice>
-    <mc:Fallback xmlns="">
+    <mc:Fallback>
       <p:transition advTm="5602">
         <p:pull/>
       </p:transition>
@@ -12689,13 +17084,13 @@
   <p:clrMapOvr>
     <a:masterClrMapping/>
   </p:clrMapOvr>
-  <mc:AlternateContent xmlns:mc="http://schemas.openxmlformats.org/markup-compatibility/2006" xmlns:p14="http://schemas.microsoft.com/office/powerpoint/2010/main">
-    <mc:Choice Requires="p14">
+  <mc:AlternateContent xmlns:mc="http://schemas.openxmlformats.org/markup-compatibility/2006">
+    <mc:Choice xmlns:p14="http://schemas.microsoft.com/office/powerpoint/2010/main" xmlns="" Requires="p14">
       <p:transition p14:dur="250" advTm="4667">
         <p:pull/>
       </p:transition>
     </mc:Choice>
-    <mc:Fallback xmlns="">
+    <mc:Fallback>
       <p:transition advTm="4667">
         <p:pull/>
       </p:transition>
@@ -12964,13 +17359,13 @@
   <p:clrMapOvr>
     <a:masterClrMapping/>
   </p:clrMapOvr>
-  <mc:AlternateContent xmlns:mc="http://schemas.openxmlformats.org/markup-compatibility/2006" xmlns:p14="http://schemas.microsoft.com/office/powerpoint/2010/main">
-    <mc:Choice Requires="p14">
+  <mc:AlternateContent xmlns:mc="http://schemas.openxmlformats.org/markup-compatibility/2006">
+    <mc:Choice xmlns:p14="http://schemas.microsoft.com/office/powerpoint/2010/main" xmlns="" Requires="p14">
       <p:transition spd="slow" p14:dur="1500" advTm="4007">
         <p14:vortex dir="r"/>
       </p:transition>
     </mc:Choice>
-    <mc:Fallback xmlns="">
+    <mc:Fallback>
       <p:transition spd="slow" advTm="4007">
         <p:fade/>
       </p:transition>
@@ -13393,13 +17788,13 @@
   <p:clrMapOvr>
     <a:masterClrMapping/>
   </p:clrMapOvr>
-  <mc:AlternateContent xmlns:mc="http://schemas.openxmlformats.org/markup-compatibility/2006" xmlns:p14="http://schemas.microsoft.com/office/powerpoint/2010/main">
-    <mc:Choice Requires="p14">
+  <mc:AlternateContent xmlns:mc="http://schemas.openxmlformats.org/markup-compatibility/2006">
+    <mc:Choice xmlns:p14="http://schemas.microsoft.com/office/powerpoint/2010/main" xmlns="" Requires="p14">
       <p:transition p14:dur="250" advTm="4918">
         <p:pull/>
       </p:transition>
     </mc:Choice>
-    <mc:Fallback xmlns="">
+    <mc:Fallback>
       <p:transition advTm="4918">
         <p:pull/>
       </p:transition>
@@ -13983,13 +18378,13 @@
   <p:clrMapOvr>
     <a:masterClrMapping/>
   </p:clrMapOvr>
-  <mc:AlternateContent xmlns:mc="http://schemas.openxmlformats.org/markup-compatibility/2006" xmlns:p14="http://schemas.microsoft.com/office/powerpoint/2010/main">
-    <mc:Choice Requires="p14">
+  <mc:AlternateContent xmlns:mc="http://schemas.openxmlformats.org/markup-compatibility/2006">
+    <mc:Choice xmlns:p14="http://schemas.microsoft.com/office/powerpoint/2010/main" xmlns="" Requires="p14">
       <p:transition p14:dur="250" advTm="6783">
         <p:pull/>
       </p:transition>
     </mc:Choice>
-    <mc:Fallback xmlns="">
+    <mc:Fallback>
       <p:transition advTm="6783">
         <p:pull/>
       </p:transition>
@@ -14216,7 +18611,7 @@
           <p:nvPr/>
         </p:nvPicPr>
         <p:blipFill>
-          <a:blip r:embed="rId4" cstate="print"/>
+          <a:blip r:embed="rId3" cstate="print"/>
           <a:stretch>
             <a:fillRect/>
           </a:stretch>
@@ -14238,7 +18633,7 @@
           <p:nvPr/>
         </p:nvPicPr>
         <p:blipFill>
-          <a:blip r:embed="rId5" cstate="print"/>
+          <a:blip r:embed="rId4" cstate="print"/>
           <a:stretch/>
         </p:blipFill>
         <p:spPr>
@@ -14309,16 +18704,16 @@
             <a:picLocks noChangeAspect="1"/>
           </p:cNvPicPr>
           <p:nvPr>
-            <a:audioFile r:link="rId2"/>
+            <a:audioFile r:link="rId1"/>
             <p:extLst>
               <p:ext uri="{DAA4B4D4-6D71-4841-9C94-3DE7FCFB9230}">
-                <p14:media xmlns:p14="http://schemas.microsoft.com/office/powerpoint/2010/main" r:embed="rId1"/>
+                <p14:media xmlns:p14="http://schemas.microsoft.com/office/powerpoint/2010/main" xmlns="" r:embed="rId5"/>
               </p:ext>
             </p:extLst>
           </p:nvPr>
         </p:nvPicPr>
         <p:blipFill>
-          <a:blip r:embed="rId6"/>
+          <a:blip r:embed="rId6" cstate="print"/>
           <a:stretch>
             <a:fillRect/>
           </a:stretch>
@@ -14338,13 +18733,13 @@
   <p:clrMapOvr>
     <a:masterClrMapping/>
   </p:clrMapOvr>
-  <mc:AlternateContent xmlns:mc="http://schemas.openxmlformats.org/markup-compatibility/2006" xmlns:p14="http://schemas.microsoft.com/office/powerpoint/2010/main">
-    <mc:Choice Requires="p14">
+  <mc:AlternateContent xmlns:mc="http://schemas.openxmlformats.org/markup-compatibility/2006">
+    <mc:Choice xmlns:p14="http://schemas.microsoft.com/office/powerpoint/2010/main" xmlns="" Requires="p14">
       <p:transition p14:dur="250" advTm="6472">
         <p:pull/>
       </p:transition>
     </mc:Choice>
-    <mc:Fallback xmlns="">
+    <mc:Fallback>
       <p:transition advTm="6472">
         <p:pull/>
       </p:transition>

--- a/soutenances/planification/soutenance_planification.pptx
+++ b/soutenances/planification/soutenance_planification.pptx
@@ -134,7 +134,7 @@
   </p:defaultTextStyle>
   <p:extLst>
     <p:ext uri="{521415D9-36F7-43E2-AB2F-B90AF26B5E84}">
-      <p14:sectionLst xmlns:p14="http://schemas.microsoft.com/office/powerpoint/2010/main" xmlns="">
+      <p14:sectionLst xmlns:p14="http://schemas.microsoft.com/office/powerpoint/2010/main">
         <p14:section name="Cover" id="{015DB8C2-DE27-4FCA-BBB1-6936715B0C16}">
           <p14:sldIdLst>
             <p14:sldId id="256"/>
@@ -191,7 +191,7 @@
       </p14:sectionLst>
     </p:ext>
     <p:ext uri="{EFAFB233-063F-42B5-8137-9DF3F51BA10A}">
-      <p15:sldGuideLst xmlns:p15="http://schemas.microsoft.com/office/powerpoint/2012/main" xmlns="">
+      <p15:sldGuideLst xmlns:p15="http://schemas.microsoft.com/office/powerpoint/2012/main">
         <p15:guide id="1" orient="horz" pos="2160">
           <p15:clr>
             <a:srgbClr val="A4A3A4"/>
@@ -392,7 +392,7 @@
                 <a:latin typeface="Times New Roman"/>
               </a:rPr>
               <a:pPr algn="r"/>
-              <a:t>‹N°›</a:t>
+              <a:t>‹#›</a:t>
             </a:fld>
             <a:endParaRPr/>
           </a:p>
@@ -401,7 +401,7 @@
     </p:spTree>
     <p:extLst>
       <p:ext uri="{BB962C8B-B14F-4D97-AF65-F5344CB8AC3E}">
-        <p14:creationId xmlns:p14="http://schemas.microsoft.com/office/powerpoint/2010/main" xmlns="" val="1273415570"/>
+        <p14:creationId xmlns:p14="http://schemas.microsoft.com/office/powerpoint/2010/main" val="1273415570"/>
       </p:ext>
     </p:extLst>
   </p:cSld>
@@ -595,7 +595,7 @@
     </p:spTree>
     <p:extLst>
       <p:ext uri="{BB962C8B-B14F-4D97-AF65-F5344CB8AC3E}">
-        <p14:creationId xmlns:p14="http://schemas.microsoft.com/office/powerpoint/2010/main" xmlns="" val="2970785675"/>
+        <p14:creationId xmlns:p14="http://schemas.microsoft.com/office/powerpoint/2010/main" val="2970785675"/>
       </p:ext>
     </p:extLst>
   </p:cSld>
@@ -705,7 +705,7 @@
     </p:spTree>
     <p:extLst>
       <p:ext uri="{BB962C8B-B14F-4D97-AF65-F5344CB8AC3E}">
-        <p14:creationId xmlns:p14="http://schemas.microsoft.com/office/powerpoint/2010/main" xmlns="" val="1263906245"/>
+        <p14:creationId xmlns:p14="http://schemas.microsoft.com/office/powerpoint/2010/main" val="1263906245"/>
       </p:ext>
     </p:extLst>
   </p:cSld>
@@ -830,7 +830,7 @@
     </p:spTree>
     <p:extLst>
       <p:ext uri="{BB962C8B-B14F-4D97-AF65-F5344CB8AC3E}">
-        <p14:creationId xmlns:p14="http://schemas.microsoft.com/office/powerpoint/2010/main" xmlns="" val="3431012212"/>
+        <p14:creationId xmlns:p14="http://schemas.microsoft.com/office/powerpoint/2010/main" val="3431012212"/>
       </p:ext>
     </p:extLst>
   </p:cSld>
@@ -932,7 +932,7 @@
     </p:spTree>
     <p:extLst>
       <p:ext uri="{BB962C8B-B14F-4D97-AF65-F5344CB8AC3E}">
-        <p14:creationId xmlns:p14="http://schemas.microsoft.com/office/powerpoint/2010/main" xmlns="" val="4200597182"/>
+        <p14:creationId xmlns:p14="http://schemas.microsoft.com/office/powerpoint/2010/main" val="4200597182"/>
       </p:ext>
     </p:extLst>
   </p:cSld>
@@ -1046,7 +1046,7 @@
     </p:spTree>
     <p:extLst>
       <p:ext uri="{BB962C8B-B14F-4D97-AF65-F5344CB8AC3E}">
-        <p14:creationId xmlns:p14="http://schemas.microsoft.com/office/powerpoint/2010/main" xmlns="" val="1422932872"/>
+        <p14:creationId xmlns:p14="http://schemas.microsoft.com/office/powerpoint/2010/main" val="1422932872"/>
       </p:ext>
     </p:extLst>
   </p:cSld>
@@ -1148,7 +1148,7 @@
     </p:spTree>
     <p:extLst>
       <p:ext uri="{BB962C8B-B14F-4D97-AF65-F5344CB8AC3E}">
-        <p14:creationId xmlns:p14="http://schemas.microsoft.com/office/powerpoint/2010/main" xmlns="" val="1387414404"/>
+        <p14:creationId xmlns:p14="http://schemas.microsoft.com/office/powerpoint/2010/main" val="1387414404"/>
       </p:ext>
     </p:extLst>
   </p:cSld>
@@ -1258,7 +1258,7 @@
     </p:spTree>
     <p:extLst>
       <p:ext uri="{BB962C8B-B14F-4D97-AF65-F5344CB8AC3E}">
-        <p14:creationId xmlns:p14="http://schemas.microsoft.com/office/powerpoint/2010/main" xmlns="" val="1327807792"/>
+        <p14:creationId xmlns:p14="http://schemas.microsoft.com/office/powerpoint/2010/main" val="1327807792"/>
       </p:ext>
     </p:extLst>
   </p:cSld>
@@ -1360,7 +1360,7 @@
     </p:spTree>
     <p:extLst>
       <p:ext uri="{BB962C8B-B14F-4D97-AF65-F5344CB8AC3E}">
-        <p14:creationId xmlns:p14="http://schemas.microsoft.com/office/powerpoint/2010/main" xmlns="" val="677430824"/>
+        <p14:creationId xmlns:p14="http://schemas.microsoft.com/office/powerpoint/2010/main" val="677430824"/>
       </p:ext>
     </p:extLst>
   </p:cSld>
@@ -1484,7 +1484,7 @@
     </p:spTree>
     <p:extLst>
       <p:ext uri="{BB962C8B-B14F-4D97-AF65-F5344CB8AC3E}">
-        <p14:creationId xmlns:p14="http://schemas.microsoft.com/office/powerpoint/2010/main" xmlns="" val="3162141559"/>
+        <p14:creationId xmlns:p14="http://schemas.microsoft.com/office/powerpoint/2010/main" val="3162141559"/>
       </p:ext>
     </p:extLst>
   </p:cSld>
@@ -1588,7 +1588,7 @@
     </p:spTree>
     <p:extLst>
       <p:ext uri="{BB962C8B-B14F-4D97-AF65-F5344CB8AC3E}">
-        <p14:creationId xmlns:p14="http://schemas.microsoft.com/office/powerpoint/2010/main" xmlns="" val="2748619557"/>
+        <p14:creationId xmlns:p14="http://schemas.microsoft.com/office/powerpoint/2010/main" val="2748619557"/>
       </p:ext>
     </p:extLst>
   </p:cSld>
@@ -1714,7 +1714,7 @@
     </p:spTree>
     <p:extLst>
       <p:ext uri="{BB962C8B-B14F-4D97-AF65-F5344CB8AC3E}">
-        <p14:creationId xmlns:p14="http://schemas.microsoft.com/office/powerpoint/2010/main" xmlns="" val="1585364243"/>
+        <p14:creationId xmlns:p14="http://schemas.microsoft.com/office/powerpoint/2010/main" val="1585364243"/>
       </p:ext>
     </p:extLst>
   </p:cSld>
@@ -1840,7 +1840,7 @@
     </p:spTree>
     <p:extLst>
       <p:ext uri="{BB962C8B-B14F-4D97-AF65-F5344CB8AC3E}">
-        <p14:creationId xmlns:p14="http://schemas.microsoft.com/office/powerpoint/2010/main" xmlns="" val="4189495788"/>
+        <p14:creationId xmlns:p14="http://schemas.microsoft.com/office/powerpoint/2010/main" val="4189495788"/>
       </p:ext>
     </p:extLst>
   </p:cSld>
@@ -1942,7 +1942,7 @@
     </p:spTree>
     <p:extLst>
       <p:ext uri="{BB962C8B-B14F-4D97-AF65-F5344CB8AC3E}">
-        <p14:creationId xmlns:p14="http://schemas.microsoft.com/office/powerpoint/2010/main" xmlns="" val="2870550314"/>
+        <p14:creationId xmlns:p14="http://schemas.microsoft.com/office/powerpoint/2010/main" val="2870550314"/>
       </p:ext>
     </p:extLst>
   </p:cSld>
@@ -1974,18 +1974,9 @@
   <p:clrMapOvr>
     <a:masterClrMapping/>
   </p:clrMapOvr>
-  <mc:AlternateContent xmlns:mc="http://schemas.openxmlformats.org/markup-compatibility/2006">
-    <mc:Choice xmlns:p14="http://schemas.microsoft.com/office/powerpoint/2010/main" xmlns="" Requires="p14">
-      <p:transition p14:dur="250">
-        <p:pull/>
-      </p:transition>
-    </mc:Choice>
-    <mc:Fallback>
-      <p:transition>
-        <p:pull/>
-      </p:transition>
-    </mc:Fallback>
-  </mc:AlternateContent>
+  <p:transition advTm="1912">
+    <p:pull/>
+  </p:transition>
 </p:sldLayout>
 </file>
 
@@ -2092,18 +2083,9 @@
   <p:clrMapOvr>
     <a:masterClrMapping/>
   </p:clrMapOvr>
-  <mc:AlternateContent xmlns:mc="http://schemas.openxmlformats.org/markup-compatibility/2006">
-    <mc:Choice xmlns:p14="http://schemas.microsoft.com/office/powerpoint/2010/main" xmlns="" Requires="p14">
-      <p:transition p14:dur="250">
-        <p:pull/>
-      </p:transition>
-    </mc:Choice>
-    <mc:Fallback>
-      <p:transition>
-        <p:pull/>
-      </p:transition>
-    </mc:Fallback>
-  </mc:AlternateContent>
+  <p:transition advTm="1912">
+    <p:pull/>
+  </p:transition>
 </p:sldLayout>
 </file>
 
@@ -2264,18 +2246,9 @@
   <p:clrMapOvr>
     <a:masterClrMapping/>
   </p:clrMapOvr>
-  <mc:AlternateContent xmlns:mc="http://schemas.openxmlformats.org/markup-compatibility/2006">
-    <mc:Choice xmlns:p14="http://schemas.microsoft.com/office/powerpoint/2010/main" xmlns="" Requires="p14">
-      <p:transition p14:dur="250">
-        <p:pull/>
-      </p:transition>
-    </mc:Choice>
-    <mc:Fallback>
-      <p:transition>
-        <p:pull/>
-      </p:transition>
-    </mc:Fallback>
-  </mc:AlternateContent>
+  <p:transition advTm="1912">
+    <p:pull/>
+  </p:transition>
 </p:sldLayout>
 </file>
 
@@ -2428,18 +2401,9 @@
   <p:clrMapOvr>
     <a:masterClrMapping/>
   </p:clrMapOvr>
-  <mc:AlternateContent xmlns:mc="http://schemas.openxmlformats.org/markup-compatibility/2006">
-    <mc:Choice xmlns:p14="http://schemas.microsoft.com/office/powerpoint/2010/main" xmlns="" Requires="p14">
-      <p:transition p14:dur="250">
-        <p:pull/>
-      </p:transition>
-    </mc:Choice>
-    <mc:Fallback>
-      <p:transition>
-        <p:pull/>
-      </p:transition>
-    </mc:Fallback>
-  </mc:AlternateContent>
+  <p:transition advTm="1912">
+    <p:pull/>
+  </p:transition>
 </p:sldLayout>
 </file>
 
@@ -2465,18 +2429,9 @@
   <p:clrMapOvr>
     <a:masterClrMapping/>
   </p:clrMapOvr>
-  <mc:AlternateContent xmlns:mc="http://schemas.openxmlformats.org/markup-compatibility/2006">
-    <mc:Choice xmlns:p14="http://schemas.microsoft.com/office/powerpoint/2010/main" xmlns="" Requires="p14">
-      <p:transition p14:dur="250">
-        <p:pull/>
-      </p:transition>
-    </mc:Choice>
-    <mc:Fallback>
-      <p:transition>
-        <p:pull/>
-      </p:transition>
-    </mc:Fallback>
-  </mc:AlternateContent>
+  <p:transition advTm="1912">
+    <p:pull/>
+  </p:transition>
 </p:sldLayout>
 </file>
 
@@ -2557,18 +2512,9 @@
   <p:clrMapOvr>
     <a:masterClrMapping/>
   </p:clrMapOvr>
-  <mc:AlternateContent xmlns:mc="http://schemas.openxmlformats.org/markup-compatibility/2006">
-    <mc:Choice xmlns:p14="http://schemas.microsoft.com/office/powerpoint/2010/main" xmlns="" Requires="p14">
-      <p:transition p14:dur="250">
-        <p:pull/>
-      </p:transition>
-    </mc:Choice>
-    <mc:Fallback>
-      <p:transition>
-        <p:pull/>
-      </p:transition>
-    </mc:Fallback>
-  </mc:AlternateContent>
+  <p:transition advTm="1912">
+    <p:pull/>
+  </p:transition>
 </p:sldLayout>
 </file>
 
@@ -2648,18 +2594,9 @@
   <p:clrMapOvr>
     <a:masterClrMapping/>
   </p:clrMapOvr>
-  <mc:AlternateContent xmlns:mc="http://schemas.openxmlformats.org/markup-compatibility/2006">
-    <mc:Choice xmlns:p14="http://schemas.microsoft.com/office/powerpoint/2010/main" xmlns="" Requires="p14">
-      <p:transition p14:dur="250">
-        <p:pull/>
-      </p:transition>
-    </mc:Choice>
-    <mc:Fallback>
-      <p:transition>
-        <p:pull/>
-      </p:transition>
-    </mc:Fallback>
-  </mc:AlternateContent>
+  <p:transition advTm="1912">
+    <p:pull/>
+  </p:transition>
 </p:sldLayout>
 </file>
 
@@ -2766,18 +2703,9 @@
   <p:clrMapOvr>
     <a:masterClrMapping/>
   </p:clrMapOvr>
-  <mc:AlternateContent xmlns:mc="http://schemas.openxmlformats.org/markup-compatibility/2006">
-    <mc:Choice xmlns:p14="http://schemas.microsoft.com/office/powerpoint/2010/main" xmlns="" Requires="p14">
-      <p:transition p14:dur="250">
-        <p:pull/>
-      </p:transition>
-    </mc:Choice>
-    <mc:Fallback>
-      <p:transition>
-        <p:pull/>
-      </p:transition>
-    </mc:Fallback>
-  </mc:AlternateContent>
+  <p:transition advTm="1912">
+    <p:pull/>
+  </p:transition>
 </p:sldLayout>
 </file>
 
@@ -2830,18 +2758,9 @@
   <p:clrMapOvr>
     <a:masterClrMapping/>
   </p:clrMapOvr>
-  <mc:AlternateContent xmlns:mc="http://schemas.openxmlformats.org/markup-compatibility/2006">
-    <mc:Choice xmlns:p14="http://schemas.microsoft.com/office/powerpoint/2010/main" xmlns="" Requires="p14">
-      <p:transition p14:dur="250">
-        <p:pull/>
-      </p:transition>
-    </mc:Choice>
-    <mc:Fallback>
-      <p:transition>
-        <p:pull/>
-      </p:transition>
-    </mc:Fallback>
-  </mc:AlternateContent>
+  <p:transition advTm="1912">
+    <p:pull/>
+  </p:transition>
 </p:sldLayout>
 </file>
 
@@ -2895,18 +2814,9 @@
   <p:clrMapOvr>
     <a:masterClrMapping/>
   </p:clrMapOvr>
-  <mc:AlternateContent xmlns:mc="http://schemas.openxmlformats.org/markup-compatibility/2006">
-    <mc:Choice xmlns:p14="http://schemas.microsoft.com/office/powerpoint/2010/main" xmlns="" Requires="p14">
-      <p:transition p14:dur="250">
-        <p:pull/>
-      </p:transition>
-    </mc:Choice>
-    <mc:Fallback>
-      <p:transition>
-        <p:pull/>
-      </p:transition>
-    </mc:Fallback>
-  </mc:AlternateContent>
+  <p:transition advTm="1912">
+    <p:pull/>
+  </p:transition>
 </p:sldLayout>
 </file>
 
@@ -3040,18 +2950,9 @@
   <p:clrMapOvr>
     <a:masterClrMapping/>
   </p:clrMapOvr>
-  <mc:AlternateContent xmlns:mc="http://schemas.openxmlformats.org/markup-compatibility/2006">
-    <mc:Choice xmlns:p14="http://schemas.microsoft.com/office/powerpoint/2010/main" xmlns="" Requires="p14">
-      <p:transition p14:dur="250">
-        <p:pull/>
-      </p:transition>
-    </mc:Choice>
-    <mc:Fallback>
-      <p:transition>
-        <p:pull/>
-      </p:transition>
-    </mc:Fallback>
-  </mc:AlternateContent>
+  <p:transition advTm="1912">
+    <p:pull/>
+  </p:transition>
 </p:sldLayout>
 </file>
 
@@ -3132,18 +3033,9 @@
   <p:clrMapOvr>
     <a:masterClrMapping/>
   </p:clrMapOvr>
-  <mc:AlternateContent xmlns:mc="http://schemas.openxmlformats.org/markup-compatibility/2006">
-    <mc:Choice xmlns:p14="http://schemas.microsoft.com/office/powerpoint/2010/main" xmlns="" Requires="p14">
-      <p:transition p14:dur="250">
-        <p:pull/>
-      </p:transition>
-    </mc:Choice>
-    <mc:Fallback>
-      <p:transition>
-        <p:pull/>
-      </p:transition>
-    </mc:Fallback>
-  </mc:AlternateContent>
+  <p:transition advTm="1912">
+    <p:pull/>
+  </p:transition>
 </p:sldLayout>
 </file>
 
@@ -3277,18 +3169,9 @@
   <p:clrMapOvr>
     <a:masterClrMapping/>
   </p:clrMapOvr>
-  <mc:AlternateContent xmlns:mc="http://schemas.openxmlformats.org/markup-compatibility/2006">
-    <mc:Choice xmlns:p14="http://schemas.microsoft.com/office/powerpoint/2010/main" xmlns="" Requires="p14">
-      <p:transition p14:dur="250">
-        <p:pull/>
-      </p:transition>
-    </mc:Choice>
-    <mc:Fallback>
-      <p:transition>
-        <p:pull/>
-      </p:transition>
-    </mc:Fallback>
-  </mc:AlternateContent>
+  <p:transition advTm="1912">
+    <p:pull/>
+  </p:transition>
 </p:sldLayout>
 </file>
 
@@ -3422,18 +3305,9 @@
   <p:clrMapOvr>
     <a:masterClrMapping/>
   </p:clrMapOvr>
-  <mc:AlternateContent xmlns:mc="http://schemas.openxmlformats.org/markup-compatibility/2006">
-    <mc:Choice xmlns:p14="http://schemas.microsoft.com/office/powerpoint/2010/main" xmlns="" Requires="p14">
-      <p:transition p14:dur="250">
-        <p:pull/>
-      </p:transition>
-    </mc:Choice>
-    <mc:Fallback>
-      <p:transition>
-        <p:pull/>
-      </p:transition>
-    </mc:Fallback>
-  </mc:AlternateContent>
+  <p:transition advTm="1912">
+    <p:pull/>
+  </p:transition>
 </p:sldLayout>
 </file>
 
@@ -3540,18 +3414,9 @@
   <p:clrMapOvr>
     <a:masterClrMapping/>
   </p:clrMapOvr>
-  <mc:AlternateContent xmlns:mc="http://schemas.openxmlformats.org/markup-compatibility/2006">
-    <mc:Choice xmlns:p14="http://schemas.microsoft.com/office/powerpoint/2010/main" xmlns="" Requires="p14">
-      <p:transition p14:dur="250">
-        <p:pull/>
-      </p:transition>
-    </mc:Choice>
-    <mc:Fallback>
-      <p:transition>
-        <p:pull/>
-      </p:transition>
-    </mc:Fallback>
-  </mc:AlternateContent>
+  <p:transition advTm="1912">
+    <p:pull/>
+  </p:transition>
 </p:sldLayout>
 </file>
 
@@ -3712,18 +3577,9 @@
   <p:clrMapOvr>
     <a:masterClrMapping/>
   </p:clrMapOvr>
-  <mc:AlternateContent xmlns:mc="http://schemas.openxmlformats.org/markup-compatibility/2006">
-    <mc:Choice xmlns:p14="http://schemas.microsoft.com/office/powerpoint/2010/main" xmlns="" Requires="p14">
-      <p:transition p14:dur="250">
-        <p:pull/>
-      </p:transition>
-    </mc:Choice>
-    <mc:Fallback>
-      <p:transition>
-        <p:pull/>
-      </p:transition>
-    </mc:Fallback>
-  </mc:AlternateContent>
+  <p:transition advTm="1912">
+    <p:pull/>
+  </p:transition>
 </p:sldLayout>
 </file>
 
@@ -3876,18 +3732,9 @@
   <p:clrMapOvr>
     <a:masterClrMapping/>
   </p:clrMapOvr>
-  <mc:AlternateContent xmlns:mc="http://schemas.openxmlformats.org/markup-compatibility/2006">
-    <mc:Choice xmlns:p14="http://schemas.microsoft.com/office/powerpoint/2010/main" xmlns="" Requires="p14">
-      <p:transition p14:dur="250">
-        <p:pull/>
-      </p:transition>
-    </mc:Choice>
-    <mc:Fallback>
-      <p:transition>
-        <p:pull/>
-      </p:transition>
-    </mc:Fallback>
-  </mc:AlternateContent>
+  <p:transition advTm="1912">
+    <p:pull/>
+  </p:transition>
 </p:sldLayout>
 </file>
 
@@ -3967,18 +3814,9 @@
   <p:clrMapOvr>
     <a:masterClrMapping/>
   </p:clrMapOvr>
-  <mc:AlternateContent xmlns:mc="http://schemas.openxmlformats.org/markup-compatibility/2006">
-    <mc:Choice xmlns:p14="http://schemas.microsoft.com/office/powerpoint/2010/main" xmlns="" Requires="p14">
-      <p:transition p14:dur="250">
-        <p:pull/>
-      </p:transition>
-    </mc:Choice>
-    <mc:Fallback>
-      <p:transition>
-        <p:pull/>
-      </p:transition>
-    </mc:Fallback>
-  </mc:AlternateContent>
+  <p:transition advTm="1912">
+    <p:pull/>
+  </p:transition>
 </p:sldLayout>
 </file>
 
@@ -4085,18 +3923,9 @@
   <p:clrMapOvr>
     <a:masterClrMapping/>
   </p:clrMapOvr>
-  <mc:AlternateContent xmlns:mc="http://schemas.openxmlformats.org/markup-compatibility/2006">
-    <mc:Choice xmlns:p14="http://schemas.microsoft.com/office/powerpoint/2010/main" xmlns="" Requires="p14">
-      <p:transition p14:dur="250">
-        <p:pull/>
-      </p:transition>
-    </mc:Choice>
-    <mc:Fallback>
-      <p:transition>
-        <p:pull/>
-      </p:transition>
-    </mc:Fallback>
-  </mc:AlternateContent>
+  <p:transition advTm="1912">
+    <p:pull/>
+  </p:transition>
 </p:sldLayout>
 </file>
 
@@ -4149,18 +3978,9 @@
   <p:clrMapOvr>
     <a:masterClrMapping/>
   </p:clrMapOvr>
-  <mc:AlternateContent xmlns:mc="http://schemas.openxmlformats.org/markup-compatibility/2006">
-    <mc:Choice xmlns:p14="http://schemas.microsoft.com/office/powerpoint/2010/main" xmlns="" Requires="p14">
-      <p:transition p14:dur="250">
-        <p:pull/>
-      </p:transition>
-    </mc:Choice>
-    <mc:Fallback>
-      <p:transition>
-        <p:pull/>
-      </p:transition>
-    </mc:Fallback>
-  </mc:AlternateContent>
+  <p:transition advTm="1912">
+    <p:pull/>
+  </p:transition>
 </p:sldLayout>
 </file>
 
@@ -4214,18 +4034,9 @@
   <p:clrMapOvr>
     <a:masterClrMapping/>
   </p:clrMapOvr>
-  <mc:AlternateContent xmlns:mc="http://schemas.openxmlformats.org/markup-compatibility/2006">
-    <mc:Choice xmlns:p14="http://schemas.microsoft.com/office/powerpoint/2010/main" xmlns="" Requires="p14">
-      <p:transition p14:dur="250">
-        <p:pull/>
-      </p:transition>
-    </mc:Choice>
-    <mc:Fallback>
-      <p:transition>
-        <p:pull/>
-      </p:transition>
-    </mc:Fallback>
-  </mc:AlternateContent>
+  <p:transition advTm="1912">
+    <p:pull/>
+  </p:transition>
 </p:sldLayout>
 </file>
 
@@ -4359,18 +4170,9 @@
   <p:clrMapOvr>
     <a:masterClrMapping/>
   </p:clrMapOvr>
-  <mc:AlternateContent xmlns:mc="http://schemas.openxmlformats.org/markup-compatibility/2006">
-    <mc:Choice xmlns:p14="http://schemas.microsoft.com/office/powerpoint/2010/main" xmlns="" Requires="p14">
-      <p:transition p14:dur="250">
-        <p:pull/>
-      </p:transition>
-    </mc:Choice>
-    <mc:Fallback>
-      <p:transition>
-        <p:pull/>
-      </p:transition>
-    </mc:Fallback>
-  </mc:AlternateContent>
+  <p:transition advTm="1912">
+    <p:pull/>
+  </p:transition>
 </p:sldLayout>
 </file>
 
@@ -4504,18 +4306,9 @@
   <p:clrMapOvr>
     <a:masterClrMapping/>
   </p:clrMapOvr>
-  <mc:AlternateContent xmlns:mc="http://schemas.openxmlformats.org/markup-compatibility/2006">
-    <mc:Choice xmlns:p14="http://schemas.microsoft.com/office/powerpoint/2010/main" xmlns="" Requires="p14">
-      <p:transition p14:dur="250">
-        <p:pull/>
-      </p:transition>
-    </mc:Choice>
-    <mc:Fallback>
-      <p:transition>
-        <p:pull/>
-      </p:transition>
-    </mc:Fallback>
-  </mc:AlternateContent>
+  <p:transition advTm="1912">
+    <p:pull/>
+  </p:transition>
 </p:sldLayout>
 </file>
 
@@ -4649,18 +4442,9 @@
   <p:clrMapOvr>
     <a:masterClrMapping/>
   </p:clrMapOvr>
-  <mc:AlternateContent xmlns:mc="http://schemas.openxmlformats.org/markup-compatibility/2006">
-    <mc:Choice xmlns:p14="http://schemas.microsoft.com/office/powerpoint/2010/main" xmlns="" Requires="p14">
-      <p:transition p14:dur="250">
-        <p:pull/>
-      </p:transition>
-    </mc:Choice>
-    <mc:Fallback>
-      <p:transition>
-        <p:pull/>
-      </p:transition>
-    </mc:Fallback>
-  </mc:AlternateContent>
+  <p:transition advTm="1912">
+    <p:pull/>
+  </p:transition>
 </p:sldLayout>
 </file>
 
@@ -5049,7 +4833,7 @@
                   <a:spcPct val="100000"/>
                 </a:lnSpc>
               </a:pPr>
-              <a:t>‹N°›</a:t>
+              <a:t>‹#›</a:t>
             </a:fld>
             <a:endParaRPr/>
           </a:p>
@@ -5731,18 +5515,9 @@
     <p:sldLayoutId id="2147483659" r:id="rId11"/>
     <p:sldLayoutId id="2147483660" r:id="rId12"/>
   </p:sldLayoutIdLst>
-  <mc:AlternateContent xmlns:mc="http://schemas.openxmlformats.org/markup-compatibility/2006">
-    <mc:Choice xmlns:p14="http://schemas.microsoft.com/office/powerpoint/2010/main" xmlns="" Requires="p14">
-      <p:transition p14:dur="250">
-        <p:pull/>
-      </p:transition>
-    </mc:Choice>
-    <mc:Fallback>
-      <p:transition>
-        <p:pull/>
-      </p:transition>
-    </mc:Fallback>
-  </mc:AlternateContent>
+  <p:transition advTm="1912">
+    <p:pull/>
+  </p:transition>
   <p:txStyles>
     <p:titleStyle/>
     <p:bodyStyle/>
@@ -6136,7 +5911,7 @@
                   <a:spcPct val="100000"/>
                 </a:lnSpc>
               </a:pPr>
-              <a:t>‹N°›</a:t>
+              <a:t>‹#›</a:t>
             </a:fld>
             <a:endParaRPr/>
           </a:p>
@@ -6533,7 +6308,7 @@
                   <a:spcPct val="100000"/>
                 </a:lnSpc>
               </a:pPr>
-              <a:t>‹N°›</a:t>
+              <a:t>‹#›</a:t>
             </a:fld>
             <a:endParaRPr/>
           </a:p>
@@ -6556,18 +6331,9 @@
     <p:sldLayoutId id="2147483672" r:id="rId11"/>
     <p:sldLayoutId id="2147483673" r:id="rId12"/>
   </p:sldLayoutIdLst>
-  <mc:AlternateContent xmlns:mc="http://schemas.openxmlformats.org/markup-compatibility/2006">
-    <mc:Choice xmlns:p14="http://schemas.microsoft.com/office/powerpoint/2010/main" xmlns="" Requires="p14">
-      <p:transition p14:dur="250">
-        <p:pull/>
-      </p:transition>
-    </mc:Choice>
-    <mc:Fallback>
-      <p:transition>
-        <p:pull/>
-      </p:transition>
-    </mc:Fallback>
-  </mc:AlternateContent>
+  <p:transition advTm="1912">
+    <p:pull/>
+  </p:transition>
   <p:txStyles>
     <p:titleStyle/>
     <p:bodyStyle/>
@@ -7153,14 +6919,14 @@
     <a:masterClrMapping/>
   </p:clrMapOvr>
   <mc:AlternateContent xmlns:mc="http://schemas.openxmlformats.org/markup-compatibility/2006">
-    <mc:Choice xmlns:p14="http://schemas.microsoft.com/office/powerpoint/2010/main" xmlns="" Requires="p14">
-      <p:transition p14:dur="250" advTm="438">
-        <p:pull/>
+    <mc:Choice xmlns:p14="http://schemas.microsoft.com/office/powerpoint/2010/main" Requires="p14">
+      <p:transition spd="slow" advTm="9083">
+        <p14:vortex dir="r"/>
       </p:transition>
     </mc:Choice>
     <mc:Fallback>
-      <p:transition advTm="438">
-        <p:pull/>
+      <p:transition spd="slow" advTm="9083">
+        <p:fade/>
       </p:transition>
     </mc:Fallback>
   </mc:AlternateContent>
@@ -7306,7 +7072,7 @@
           <a:blip r:embed="rId2" cstate="print">
             <a:extLst>
               <a:ext uri="{28A0092B-C50C-407E-A947-70E740481C1C}">
-                <a14:useLocalDpi xmlns:a14="http://schemas.microsoft.com/office/drawing/2010/main" xmlns="" val="0"/>
+                <a14:useLocalDpi xmlns:a14="http://schemas.microsoft.com/office/drawing/2010/main" val="0"/>
               </a:ext>
             </a:extLst>
           </a:blip>
@@ -7329,18 +7095,9 @@
   <p:clrMapOvr>
     <a:masterClrMapping/>
   </p:clrMapOvr>
-  <mc:AlternateContent xmlns:mc="http://schemas.openxmlformats.org/markup-compatibility/2006">
-    <mc:Choice xmlns:p14="http://schemas.microsoft.com/office/powerpoint/2010/main" xmlns="" Requires="p14">
-      <p:transition p14:dur="250" advTm="1081">
-        <p:pull/>
-      </p:transition>
-    </mc:Choice>
-    <mc:Fallback>
-      <p:transition advTm="1081">
-        <p:pull/>
-      </p:transition>
-    </mc:Fallback>
-  </mc:AlternateContent>
+  <p:transition advTm="19428">
+    <p:pull/>
+  </p:transition>
   <p:timing>
     <p:tnLst>
       <p:par>
@@ -7481,44 +7238,50 @@
       </p:sp>
       <p:graphicFrame>
         <p:nvGraphicFramePr>
-          <p:cNvPr id="9" name="Tableau 8"/>
+          <p:cNvPr id="4" name="Table 3"/>
           <p:cNvGraphicFramePr>
             <a:graphicFrameLocks noGrp="1"/>
           </p:cNvGraphicFramePr>
-          <p:nvPr/>
+          <p:nvPr>
+            <p:extLst>
+              <p:ext uri="{D42A27DB-BD31-4B8C-83A1-F6EECF244321}">
+                <p14:modId xmlns:p14="http://schemas.microsoft.com/office/powerpoint/2010/main" val="4091624772"/>
+              </p:ext>
+            </p:extLst>
+          </p:nvPr>
         </p:nvGraphicFramePr>
         <p:xfrm>
-          <a:off x="899592" y="2492896"/>
-          <a:ext cx="7344816" cy="2750748"/>
+          <a:off x="0" y="1916832"/>
+          <a:ext cx="9143998" cy="3528392"/>
         </p:xfrm>
         <a:graphic>
           <a:graphicData uri="http://schemas.openxmlformats.org/drawingml/2006/table">
             <a:tbl>
               <a:tblPr/>
               <a:tblGrid>
-                <a:gridCol w="331564"/>
-                <a:gridCol w="707724"/>
-                <a:gridCol w="430451"/>
-                <a:gridCol w="349015"/>
-                <a:gridCol w="162874"/>
-                <a:gridCol w="157057"/>
-                <a:gridCol w="383916"/>
-                <a:gridCol w="372282"/>
-                <a:gridCol w="366465"/>
-                <a:gridCol w="343197"/>
-                <a:gridCol w="244310"/>
-                <a:gridCol w="314112"/>
-                <a:gridCol w="360648"/>
-                <a:gridCol w="383916"/>
-                <a:gridCol w="383916"/>
-                <a:gridCol w="186141"/>
-                <a:gridCol w="168690"/>
-                <a:gridCol w="360648"/>
-                <a:gridCol w="389733"/>
-                <a:gridCol w="354832"/>
-                <a:gridCol w="593325"/>
+                <a:gridCol w="265385"/>
+                <a:gridCol w="837438"/>
+                <a:gridCol w="999618"/>
+                <a:gridCol w="265385"/>
+                <a:gridCol w="238847"/>
+                <a:gridCol w="53077"/>
+                <a:gridCol w="265385"/>
+                <a:gridCol w="265385"/>
+                <a:gridCol w="265385"/>
+                <a:gridCol w="265385"/>
+                <a:gridCol w="353848"/>
+                <a:gridCol w="460002"/>
+                <a:gridCol w="371540"/>
+                <a:gridCol w="566155"/>
+                <a:gridCol w="371540"/>
+                <a:gridCol w="274231"/>
+                <a:gridCol w="79616"/>
+                <a:gridCol w="371540"/>
+                <a:gridCol w="813847"/>
+                <a:gridCol w="521924"/>
+                <a:gridCol w="1238465"/>
               </a:tblGrid>
-              <a:tr h="377194">
+              <a:tr h="365860">
                 <a:tc gridSpan="5">
                   <a:txBody>
                     <a:bodyPr/>
@@ -7526,17 +7289,18 @@
                     <a:p>
                       <a:pPr algn="ctr" fontAlgn="ctr"/>
                       <a:r>
-                        <a:rPr lang="fr-FR" sz="900" b="1" i="0" u="none" strike="noStrike">
+                        <a:rPr lang="fr-FR" sz="1700" b="1" i="0" u="none" strike="noStrike">
                           <a:solidFill>
                             <a:srgbClr val="000000"/>
                           </a:solidFill>
-                          <a:latin typeface="Calibri"/>
+                          <a:effectLst/>
+                          <a:latin typeface="Calibri" panose="020F0502020204030204" pitchFamily="34" charset="0"/>
                         </a:rPr>
                         <a:t>Février</a:t>
                       </a:r>
                     </a:p>
                   </a:txBody>
-                  <a:tcPr marL="3950" marR="3950" marT="3950" marB="0" anchor="ctr">
+                  <a:tcPr marL="7903" marR="7903" marT="7903" marB="0" anchor="ctr">
                     <a:lnL w="19050" cap="flat" cmpd="sng" algn="ctr">
                       <a:solidFill>
                         <a:srgbClr val="000000"/>
@@ -7622,17 +7386,18 @@
                     <a:p>
                       <a:pPr algn="ctr" fontAlgn="ctr"/>
                       <a:r>
-                        <a:rPr lang="fr-FR" sz="900" b="1" i="0" u="none" strike="noStrike">
+                        <a:rPr lang="fr-FR" sz="1700" b="1" i="0" u="none" strike="noStrike">
                           <a:solidFill>
                             <a:srgbClr val="000000"/>
                           </a:solidFill>
-                          <a:latin typeface="Calibri"/>
+                          <a:effectLst/>
+                          <a:latin typeface="Calibri" panose="020F0502020204030204" pitchFamily="34" charset="0"/>
                         </a:rPr>
                         <a:t>Mars</a:t>
                       </a:r>
                     </a:p>
                   </a:txBody>
-                  <a:tcPr marL="3950" marR="3950" marT="3950" marB="0" anchor="ctr">
+                  <a:tcPr marL="7903" marR="7903" marT="7903" marB="0" anchor="ctr">
                     <a:lnL w="19050" cap="flat" cmpd="sng" algn="ctr">
                       <a:solidFill>
                         <a:srgbClr val="000000"/>
@@ -7728,17 +7493,18 @@
                     <a:p>
                       <a:pPr algn="ctr" fontAlgn="ctr"/>
                       <a:r>
-                        <a:rPr lang="fr-FR" sz="900" b="1" i="0" u="none" strike="noStrike">
+                        <a:rPr lang="fr-FR" sz="1700" b="1" i="0" u="none" strike="noStrike">
                           <a:solidFill>
                             <a:srgbClr val="000000"/>
                           </a:solidFill>
-                          <a:latin typeface="Calibri"/>
+                          <a:effectLst/>
+                          <a:latin typeface="Calibri" panose="020F0502020204030204" pitchFamily="34" charset="0"/>
                         </a:rPr>
                         <a:t>Avril</a:t>
                       </a:r>
                     </a:p>
                   </a:txBody>
-                  <a:tcPr marL="3950" marR="3950" marT="3950" marB="0" anchor="ctr">
+                  <a:tcPr marL="7903" marR="7903" marT="7903" marB="0" anchor="ctr">
                     <a:lnL w="19050" cap="flat" cmpd="sng" algn="ctr">
                       <a:solidFill>
                         <a:srgbClr val="000000"/>
@@ -7824,17 +7590,18 @@
                     <a:p>
                       <a:pPr algn="ctr" fontAlgn="ctr"/>
                       <a:r>
-                        <a:rPr lang="fr-FR" sz="900" b="1" i="0" u="none" strike="noStrike">
+                        <a:rPr lang="fr-FR" sz="1700" b="1" i="0" u="none" strike="noStrike">
                           <a:solidFill>
                             <a:srgbClr val="000000"/>
                           </a:solidFill>
-                          <a:latin typeface="Calibri"/>
+                          <a:effectLst/>
+                          <a:latin typeface="Calibri" panose="020F0502020204030204" pitchFamily="34" charset="0"/>
                         </a:rPr>
                         <a:t>Mai</a:t>
                       </a:r>
                     </a:p>
                   </a:txBody>
-                  <a:tcPr marL="3950" marR="3950" marT="3950" marB="0" anchor="ctr">
+                  <a:tcPr marL="7903" marR="7903" marT="7903" marB="0" anchor="ctr">
                     <a:lnL w="19050" cap="flat" cmpd="sng" algn="ctr">
                       <a:solidFill>
                         <a:srgbClr val="000000"/>
@@ -7914,7 +7681,7 @@
                   <a:tcPr/>
                 </a:tc>
               </a:tr>
-              <a:tr h="377194">
+              <a:tr h="658206">
                 <a:tc>
                   <a:txBody>
                     <a:bodyPr/>
@@ -7922,17 +7689,18 @@
                     <a:p>
                       <a:pPr algn="ctr" fontAlgn="ctr"/>
                       <a:r>
-                        <a:rPr lang="fr-FR" sz="900" b="0" i="0" u="none" strike="noStrike">
+                        <a:rPr lang="fr-FR" sz="1700" b="0" i="0" u="none" strike="noStrike">
                           <a:solidFill>
                             <a:srgbClr val="000000"/>
                           </a:solidFill>
-                          <a:latin typeface="Calibri"/>
+                          <a:effectLst/>
+                          <a:latin typeface="Calibri" panose="020F0502020204030204" pitchFamily="34" charset="0"/>
                         </a:rPr>
                         <a:t>s1</a:t>
                       </a:r>
                     </a:p>
                   </a:txBody>
-                  <a:tcPr marL="3950" marR="3950" marT="3950" marB="0" anchor="ctr">
+                  <a:tcPr marL="7903" marR="7903" marT="7903" marB="0" anchor="ctr">
                     <a:lnL w="19050" cap="flat" cmpd="sng" algn="ctr">
                       <a:solidFill>
                         <a:srgbClr val="000000"/>
@@ -7978,17 +7746,18 @@
                     <a:p>
                       <a:pPr algn="ctr" fontAlgn="ctr"/>
                       <a:r>
-                        <a:rPr lang="fr-FR" sz="900" b="0" i="0" u="none" strike="noStrike">
+                        <a:rPr lang="fr-FR" sz="1700" b="0" i="0" u="none" strike="noStrike">
                           <a:solidFill>
                             <a:srgbClr val="000000"/>
                           </a:solidFill>
-                          <a:latin typeface="Calibri"/>
+                          <a:effectLst/>
+                          <a:latin typeface="Calibri" panose="020F0502020204030204" pitchFamily="34" charset="0"/>
                         </a:rPr>
                         <a:t>s2</a:t>
                       </a:r>
                     </a:p>
                   </a:txBody>
-                  <a:tcPr marL="3950" marR="3950" marT="3950" marB="0" anchor="ctr">
+                  <a:tcPr marL="7903" marR="7903" marT="7903" marB="0" anchor="ctr">
                     <a:lnL w="19050" cap="flat" cmpd="sng" algn="ctr">
                       <a:solidFill>
                         <a:srgbClr val="000000"/>
@@ -8034,17 +7803,18 @@
                     <a:p>
                       <a:pPr algn="ctr" fontAlgn="ctr"/>
                       <a:r>
-                        <a:rPr lang="fr-FR" sz="900" b="0" i="0" u="none" strike="noStrike">
+                        <a:rPr lang="fr-FR" sz="1700" b="0" i="0" u="none" strike="noStrike">
                           <a:solidFill>
                             <a:srgbClr val="000000"/>
                           </a:solidFill>
-                          <a:latin typeface="Calibri"/>
+                          <a:effectLst/>
+                          <a:latin typeface="Calibri" panose="020F0502020204030204" pitchFamily="34" charset="0"/>
                         </a:rPr>
                         <a:t>s3</a:t>
                       </a:r>
                     </a:p>
                   </a:txBody>
-                  <a:tcPr marL="3950" marR="3950" marT="3950" marB="0" anchor="ctr">
+                  <a:tcPr marL="7903" marR="7903" marT="7903" marB="0" anchor="ctr">
                     <a:lnL w="19050" cap="flat" cmpd="sng" algn="ctr">
                       <a:solidFill>
                         <a:srgbClr val="000000"/>
@@ -8090,17 +7860,18 @@
                     <a:p>
                       <a:pPr algn="ctr" fontAlgn="ctr"/>
                       <a:r>
-                        <a:rPr lang="fr-FR" sz="900" b="0" i="0" u="none" strike="noStrike">
+                        <a:rPr lang="fr-FR" sz="1700" b="0" i="0" u="none" strike="noStrike">
                           <a:solidFill>
                             <a:srgbClr val="000000"/>
                           </a:solidFill>
-                          <a:latin typeface="Calibri"/>
+                          <a:effectLst/>
+                          <a:latin typeface="Calibri" panose="020F0502020204030204" pitchFamily="34" charset="0"/>
                         </a:rPr>
                         <a:t>s4</a:t>
                       </a:r>
                     </a:p>
                   </a:txBody>
-                  <a:tcPr marL="3950" marR="3950" marT="3950" marB="0" anchor="ctr">
+                  <a:tcPr marL="7903" marR="7903" marT="7903" marB="0" anchor="ctr">
                     <a:lnL w="19050" cap="flat" cmpd="sng" algn="ctr">
                       <a:solidFill>
                         <a:srgbClr val="000000"/>
@@ -8146,17 +7917,18 @@
                     <a:p>
                       <a:pPr algn="ctr" fontAlgn="ctr"/>
                       <a:r>
-                        <a:rPr lang="fr-FR" sz="900" b="0" i="0" u="none" strike="noStrike">
+                        <a:rPr lang="fr-FR" sz="1700" b="0" i="0" u="none" strike="noStrike">
                           <a:solidFill>
                             <a:srgbClr val="000000"/>
                           </a:solidFill>
-                          <a:latin typeface="Calibri"/>
+                          <a:effectLst/>
+                          <a:latin typeface="Calibri" panose="020F0502020204030204" pitchFamily="34" charset="0"/>
                         </a:rPr>
                         <a:t>s5</a:t>
                       </a:r>
                     </a:p>
                   </a:txBody>
-                  <a:tcPr marL="3950" marR="3950" marT="3950" marB="0" anchor="ctr">
+                  <a:tcPr marL="7903" marR="7903" marT="7903" marB="0" anchor="ctr">
                     <a:lnL w="19050" cap="flat" cmpd="sng" algn="ctr">
                       <a:solidFill>
                         <a:srgbClr val="000000"/>
@@ -8212,17 +7984,18 @@
                     <a:p>
                       <a:pPr algn="ctr" fontAlgn="ctr"/>
                       <a:r>
-                        <a:rPr lang="fr-FR" sz="900" b="0" i="0" u="none" strike="noStrike">
+                        <a:rPr lang="fr-FR" sz="1700" b="0" i="0" u="none" strike="noStrike">
                           <a:solidFill>
                             <a:srgbClr val="000000"/>
                           </a:solidFill>
-                          <a:latin typeface="Calibri"/>
+                          <a:effectLst/>
+                          <a:latin typeface="Calibri" panose="020F0502020204030204" pitchFamily="34" charset="0"/>
                         </a:rPr>
                         <a:t>s6</a:t>
                       </a:r>
                     </a:p>
                   </a:txBody>
-                  <a:tcPr marL="3950" marR="3950" marT="3950" marB="0" anchor="ctr">
+                  <a:tcPr marL="7903" marR="7903" marT="7903" marB="0" anchor="ctr">
                     <a:lnL w="19050" cap="flat" cmpd="sng" algn="ctr">
                       <a:solidFill>
                         <a:srgbClr val="000000"/>
@@ -8268,17 +8041,18 @@
                     <a:p>
                       <a:pPr algn="ctr" fontAlgn="ctr"/>
                       <a:r>
-                        <a:rPr lang="fr-FR" sz="900" b="0" i="0" u="none" strike="noStrike">
+                        <a:rPr lang="fr-FR" sz="1700" b="0" i="0" u="none" strike="noStrike">
                           <a:solidFill>
                             <a:srgbClr val="000000"/>
                           </a:solidFill>
-                          <a:latin typeface="Calibri"/>
+                          <a:effectLst/>
+                          <a:latin typeface="Calibri" panose="020F0502020204030204" pitchFamily="34" charset="0"/>
                         </a:rPr>
                         <a:t>s7</a:t>
                       </a:r>
                     </a:p>
                   </a:txBody>
-                  <a:tcPr marL="3950" marR="3950" marT="3950" marB="0" anchor="ctr">
+                  <a:tcPr marL="7903" marR="7903" marT="7903" marB="0" anchor="ctr">
                     <a:lnL w="19050" cap="flat" cmpd="sng" algn="ctr">
                       <a:solidFill>
                         <a:srgbClr val="000000"/>
@@ -8324,17 +8098,18 @@
                     <a:p>
                       <a:pPr algn="ctr" fontAlgn="ctr"/>
                       <a:r>
-                        <a:rPr lang="fr-FR" sz="900" b="0" i="0" u="none" strike="noStrike">
+                        <a:rPr lang="fr-FR" sz="1700" b="0" i="0" u="none" strike="noStrike">
                           <a:solidFill>
                             <a:srgbClr val="000000"/>
                           </a:solidFill>
-                          <a:latin typeface="Calibri"/>
+                          <a:effectLst/>
+                          <a:latin typeface="Calibri" panose="020F0502020204030204" pitchFamily="34" charset="0"/>
                         </a:rPr>
                         <a:t>s8</a:t>
                       </a:r>
                     </a:p>
                   </a:txBody>
-                  <a:tcPr marL="3950" marR="3950" marT="3950" marB="0" anchor="ctr">
+                  <a:tcPr marL="7903" marR="7903" marT="7903" marB="0" anchor="ctr">
                     <a:lnL w="19050" cap="flat" cmpd="sng" algn="ctr">
                       <a:solidFill>
                         <a:srgbClr val="000000"/>
@@ -8380,17 +8155,18 @@
                     <a:p>
                       <a:pPr algn="ctr" fontAlgn="ctr"/>
                       <a:r>
-                        <a:rPr lang="fr-FR" sz="900" b="0" i="0" u="none" strike="noStrike">
+                        <a:rPr lang="fr-FR" sz="1700" b="0" i="0" u="none" strike="noStrike">
                           <a:solidFill>
                             <a:srgbClr val="000000"/>
                           </a:solidFill>
-                          <a:latin typeface="Calibri"/>
+                          <a:effectLst/>
+                          <a:latin typeface="Calibri" panose="020F0502020204030204" pitchFamily="34" charset="0"/>
                         </a:rPr>
                         <a:t>s9</a:t>
                       </a:r>
                     </a:p>
                   </a:txBody>
-                  <a:tcPr marL="3950" marR="3950" marT="3950" marB="0" anchor="ctr">
+                  <a:tcPr marL="7903" marR="7903" marT="7903" marB="0" anchor="ctr">
                     <a:lnL w="19050" cap="flat" cmpd="sng" algn="ctr">
                       <a:solidFill>
                         <a:srgbClr val="000000"/>
@@ -8436,17 +8212,18 @@
                     <a:p>
                       <a:pPr algn="ctr" fontAlgn="ctr"/>
                       <a:r>
-                        <a:rPr lang="fr-FR" sz="900" b="0" i="0" u="none" strike="noStrike">
+                        <a:rPr lang="fr-FR" sz="1700" b="0" i="0" u="none" strike="noStrike">
                           <a:solidFill>
                             <a:srgbClr val="000000"/>
                           </a:solidFill>
-                          <a:latin typeface="Calibri"/>
+                          <a:effectLst/>
+                          <a:latin typeface="Calibri" panose="020F0502020204030204" pitchFamily="34" charset="0"/>
                         </a:rPr>
                         <a:t>s10</a:t>
                       </a:r>
                     </a:p>
                   </a:txBody>
-                  <a:tcPr marL="3950" marR="3950" marT="3950" marB="0" anchor="ctr">
+                  <a:tcPr marL="7903" marR="7903" marT="7903" marB="0" anchor="ctr">
                     <a:lnL w="19050" cap="flat" cmpd="sng" algn="ctr">
                       <a:solidFill>
                         <a:srgbClr val="000000"/>
@@ -8502,17 +8279,18 @@
                     <a:p>
                       <a:pPr algn="ctr" fontAlgn="ctr"/>
                       <a:r>
-                        <a:rPr lang="fr-FR" sz="900" b="0" i="0" u="none" strike="noStrike">
+                        <a:rPr lang="fr-FR" sz="1700" b="0" i="0" u="none" strike="noStrike">
                           <a:solidFill>
                             <a:srgbClr val="000000"/>
                           </a:solidFill>
-                          <a:latin typeface="Calibri"/>
+                          <a:effectLst/>
+                          <a:latin typeface="Calibri" panose="020F0502020204030204" pitchFamily="34" charset="0"/>
                         </a:rPr>
                         <a:t>s11</a:t>
                       </a:r>
                     </a:p>
                   </a:txBody>
-                  <a:tcPr marL="3950" marR="3950" marT="3950" marB="0" anchor="ctr">
+                  <a:tcPr marL="7903" marR="7903" marT="7903" marB="0" anchor="ctr">
                     <a:lnL w="19050" cap="flat" cmpd="sng" algn="ctr">
                       <a:solidFill>
                         <a:srgbClr val="000000"/>
@@ -8558,17 +8336,18 @@
                     <a:p>
                       <a:pPr algn="ctr" fontAlgn="ctr"/>
                       <a:r>
-                        <a:rPr lang="fr-FR" sz="900" b="0" i="0" u="none" strike="noStrike">
+                        <a:rPr lang="fr-FR" sz="1700" b="0" i="0" u="none" strike="noStrike">
                           <a:solidFill>
                             <a:srgbClr val="000000"/>
                           </a:solidFill>
-                          <a:latin typeface="Calibri"/>
+                          <a:effectLst/>
+                          <a:latin typeface="Calibri" panose="020F0502020204030204" pitchFamily="34" charset="0"/>
                         </a:rPr>
                         <a:t>s12</a:t>
                       </a:r>
                     </a:p>
                   </a:txBody>
-                  <a:tcPr marL="3950" marR="3950" marT="3950" marB="0" anchor="ctr">
+                  <a:tcPr marL="7903" marR="7903" marT="7903" marB="0" anchor="ctr">
                     <a:lnL w="19050" cap="flat" cmpd="sng" algn="ctr">
                       <a:solidFill>
                         <a:srgbClr val="000000"/>
@@ -8614,17 +8393,18 @@
                     <a:p>
                       <a:pPr algn="ctr" fontAlgn="ctr"/>
                       <a:r>
-                        <a:rPr lang="fr-FR" sz="900" b="0" i="0" u="none" strike="noStrike">
+                        <a:rPr lang="fr-FR" sz="1700" b="0" i="0" u="none" strike="noStrike">
                           <a:solidFill>
                             <a:srgbClr val="000000"/>
                           </a:solidFill>
-                          <a:latin typeface="Calibri"/>
+                          <a:effectLst/>
+                          <a:latin typeface="Calibri" panose="020F0502020204030204" pitchFamily="34" charset="0"/>
                         </a:rPr>
                         <a:t>s13</a:t>
                       </a:r>
                     </a:p>
                   </a:txBody>
-                  <a:tcPr marL="3950" marR="3950" marT="3950" marB="0" anchor="ctr">
+                  <a:tcPr marL="7903" marR="7903" marT="7903" marB="0" anchor="ctr">
                     <a:lnL w="19050" cap="flat" cmpd="sng" algn="ctr">
                       <a:solidFill>
                         <a:srgbClr val="000000"/>
@@ -8670,17 +8450,18 @@
                     <a:p>
                       <a:pPr algn="ctr" fontAlgn="ctr"/>
                       <a:r>
-                        <a:rPr lang="fr-FR" sz="900" b="0" i="0" u="none" strike="noStrike">
+                        <a:rPr lang="fr-FR" sz="1700" b="0" i="0" u="none" strike="noStrike">
                           <a:solidFill>
                             <a:srgbClr val="000000"/>
                           </a:solidFill>
-                          <a:latin typeface="Calibri"/>
+                          <a:effectLst/>
+                          <a:latin typeface="Calibri" panose="020F0502020204030204" pitchFamily="34" charset="0"/>
                         </a:rPr>
                         <a:t>s14</a:t>
                       </a:r>
                     </a:p>
                   </a:txBody>
-                  <a:tcPr marL="3950" marR="3950" marT="3950" marB="0" anchor="ctr">
+                  <a:tcPr marL="7903" marR="7903" marT="7903" marB="0" anchor="ctr">
                     <a:lnL w="19050" cap="flat" cmpd="sng" algn="ctr">
                       <a:solidFill>
                         <a:srgbClr val="000000"/>
@@ -8736,17 +8517,18 @@
                     <a:p>
                       <a:pPr algn="ctr" fontAlgn="ctr"/>
                       <a:r>
-                        <a:rPr lang="fr-FR" sz="900" b="0" i="0" u="none" strike="noStrike">
+                        <a:rPr lang="fr-FR" sz="1700" b="0" i="0" u="none" strike="noStrike">
                           <a:solidFill>
                             <a:srgbClr val="000000"/>
                           </a:solidFill>
-                          <a:latin typeface="Calibri"/>
+                          <a:effectLst/>
+                          <a:latin typeface="Calibri" panose="020F0502020204030204" pitchFamily="34" charset="0"/>
                         </a:rPr>
                         <a:t>s15</a:t>
                       </a:r>
                     </a:p>
                   </a:txBody>
-                  <a:tcPr marL="3950" marR="3950" marT="3950" marB="0" anchor="ctr">
+                  <a:tcPr marL="7903" marR="7903" marT="7903" marB="0" anchor="ctr">
                     <a:lnL w="19050" cap="flat" cmpd="sng" algn="ctr">
                       <a:solidFill>
                         <a:srgbClr val="000000"/>
@@ -8792,17 +8574,18 @@
                     <a:p>
                       <a:pPr algn="ctr" fontAlgn="ctr"/>
                       <a:r>
-                        <a:rPr lang="fr-FR" sz="900" b="0" i="0" u="none" strike="noStrike">
+                        <a:rPr lang="fr-FR" sz="1700" b="0" i="0" u="none" strike="noStrike">
                           <a:solidFill>
                             <a:srgbClr val="000000"/>
                           </a:solidFill>
-                          <a:latin typeface="Calibri"/>
+                          <a:effectLst/>
+                          <a:latin typeface="Calibri" panose="020F0502020204030204" pitchFamily="34" charset="0"/>
                         </a:rPr>
                         <a:t>s16</a:t>
                       </a:r>
                     </a:p>
                   </a:txBody>
-                  <a:tcPr marL="3950" marR="3950" marT="3950" marB="0" anchor="ctr">
+                  <a:tcPr marL="7903" marR="7903" marT="7903" marB="0" anchor="ctr">
                     <a:lnL w="19050" cap="flat" cmpd="sng" algn="ctr">
                       <a:solidFill>
                         <a:srgbClr val="000000"/>
@@ -8848,17 +8631,18 @@
                     <a:p>
                       <a:pPr algn="ctr" fontAlgn="ctr"/>
                       <a:r>
-                        <a:rPr lang="fr-FR" sz="900" b="0" i="0" u="none" strike="noStrike">
+                        <a:rPr lang="fr-FR" sz="1700" b="0" i="0" u="none" strike="noStrike">
                           <a:solidFill>
                             <a:srgbClr val="000000"/>
                           </a:solidFill>
-                          <a:latin typeface="Calibri"/>
+                          <a:effectLst/>
+                          <a:latin typeface="Calibri" panose="020F0502020204030204" pitchFamily="34" charset="0"/>
                         </a:rPr>
                         <a:t>s18</a:t>
                       </a:r>
                     </a:p>
                   </a:txBody>
-                  <a:tcPr marL="3950" marR="3950" marT="3950" marB="0" anchor="ctr">
+                  <a:tcPr marL="7903" marR="7903" marT="7903" marB="0" anchor="ctr">
                     <a:lnL w="19050" cap="flat" cmpd="sng" algn="ctr">
                       <a:solidFill>
                         <a:srgbClr val="000000"/>
@@ -8904,17 +8688,18 @@
                     <a:p>
                       <a:pPr algn="ctr" fontAlgn="ctr"/>
                       <a:r>
-                        <a:rPr lang="fr-FR" sz="900" b="0" i="0" u="none" strike="noStrike">
+                        <a:rPr lang="fr-FR" sz="1700" b="0" i="0" u="none" strike="noStrike">
                           <a:solidFill>
                             <a:srgbClr val="000000"/>
                           </a:solidFill>
-                          <a:latin typeface="Calibri"/>
+                          <a:effectLst/>
+                          <a:latin typeface="Calibri" panose="020F0502020204030204" pitchFamily="34" charset="0"/>
                         </a:rPr>
                         <a:t>s19</a:t>
                       </a:r>
                     </a:p>
                   </a:txBody>
-                  <a:tcPr marL="3950" marR="3950" marT="3950" marB="0" anchor="ctr">
+                  <a:tcPr marL="7903" marR="7903" marT="7903" marB="0" anchor="ctr">
                     <a:lnL w="19050" cap="flat" cmpd="sng" algn="ctr">
                       <a:solidFill>
                         <a:srgbClr val="000000"/>
@@ -8954,7 +8739,7 @@
                   </a:tcPr>
                 </a:tc>
               </a:tr>
-              <a:tr h="496790">
+              <a:tr h="427825">
                 <a:tc>
                   <a:txBody>
                     <a:bodyPr/>
@@ -8962,17 +8747,18 @@
                     <a:p>
                       <a:pPr algn="ctr" fontAlgn="ctr"/>
                       <a:r>
-                        <a:rPr lang="fr-FR" sz="700" b="1" i="0" u="none" strike="noStrike">
+                        <a:rPr lang="fr-FR" sz="1700" b="1" i="0" u="none" strike="noStrike">
                           <a:solidFill>
                             <a:srgbClr val="000000"/>
                           </a:solidFill>
-                          <a:latin typeface="Calibri"/>
+                          <a:effectLst/>
+                          <a:latin typeface="Calibri" panose="020F0502020204030204" pitchFamily="34" charset="0"/>
                         </a:rPr>
                         <a:t> </a:t>
                       </a:r>
                     </a:p>
                   </a:txBody>
-                  <a:tcPr marL="3950" marR="3950" marT="3950" marB="0" anchor="ctr">
+                  <a:tcPr marL="7903" marR="7903" marT="7903" marB="0" anchor="ctr">
                     <a:lnL w="19050" cap="flat" cmpd="sng" algn="ctr">
                       <a:solidFill>
                         <a:srgbClr val="000000"/>
@@ -9018,17 +8804,18 @@
                     <a:p>
                       <a:pPr algn="ctr" fontAlgn="ctr"/>
                       <a:r>
-                        <a:rPr lang="fr-FR" sz="700" b="1" i="0" u="none" strike="noStrike">
+                        <a:rPr lang="fr-FR" sz="1700" b="1" i="0" u="none" strike="noStrike">
                           <a:solidFill>
                             <a:srgbClr val="000000"/>
                           </a:solidFill>
-                          <a:latin typeface="Calibri"/>
+                          <a:effectLst/>
+                          <a:latin typeface="Calibri" panose="020F0502020204030204" pitchFamily="34" charset="0"/>
                         </a:rPr>
                         <a:t> </a:t>
                       </a:r>
                     </a:p>
                   </a:txBody>
-                  <a:tcPr marL="3950" marR="3950" marT="3950" marB="0" anchor="ctr">
+                  <a:tcPr marL="7903" marR="7903" marT="7903" marB="0" anchor="ctr">
                     <a:lnL w="19050" cap="flat" cmpd="sng" algn="ctr">
                       <a:solidFill>
                         <a:srgbClr val="000000"/>
@@ -9074,17 +8861,18 @@
                     <a:p>
                       <a:pPr algn="ctr" fontAlgn="ctr"/>
                       <a:r>
-                        <a:rPr lang="fr-FR" sz="700" b="1" i="0" u="none" strike="noStrike">
+                        <a:rPr lang="fr-FR" sz="1700" b="1" i="0" u="none" strike="noStrike">
                           <a:solidFill>
                             <a:srgbClr val="000000"/>
                           </a:solidFill>
-                          <a:latin typeface="Calibri"/>
+                          <a:effectLst/>
+                          <a:latin typeface="Calibri" panose="020F0502020204030204" pitchFamily="34" charset="0"/>
                         </a:rPr>
                         <a:t> </a:t>
                       </a:r>
                     </a:p>
                   </a:txBody>
-                  <a:tcPr marL="3950" marR="3950" marT="3950" marB="0" anchor="ctr">
+                  <a:tcPr marL="7903" marR="7903" marT="7903" marB="0" anchor="ctr">
                     <a:lnL w="19050" cap="flat" cmpd="sng" algn="ctr">
                       <a:solidFill>
                         <a:srgbClr val="000000"/>
@@ -9130,17 +8918,18 @@
                     <a:p>
                       <a:pPr algn="ctr" fontAlgn="ctr"/>
                       <a:r>
-                        <a:rPr lang="fr-FR" sz="700" b="1" i="0" u="none" strike="noStrike">
+                        <a:rPr lang="fr-FR" sz="1700" b="1" i="0" u="none" strike="noStrike">
                           <a:solidFill>
                             <a:srgbClr val="000000"/>
                           </a:solidFill>
-                          <a:latin typeface="Calibri"/>
+                          <a:effectLst/>
+                          <a:latin typeface="Calibri" panose="020F0502020204030204" pitchFamily="34" charset="0"/>
                         </a:rPr>
                         <a:t> </a:t>
                       </a:r>
                     </a:p>
                   </a:txBody>
-                  <a:tcPr marL="3950" marR="3950" marT="3950" marB="0" anchor="ctr">
+                  <a:tcPr marL="7903" marR="7903" marT="7903" marB="0" anchor="ctr">
                     <a:lnL w="19050" cap="flat" cmpd="sng" algn="ctr">
                       <a:solidFill>
                         <a:srgbClr val="000000"/>
@@ -9186,17 +8975,18 @@
                     <a:p>
                       <a:pPr algn="ctr" fontAlgn="ctr"/>
                       <a:r>
-                        <a:rPr lang="fr-FR" sz="700" b="1" i="0" u="none" strike="noStrike">
+                        <a:rPr lang="fr-FR" sz="1700" b="1" i="0" u="none" strike="noStrike">
                           <a:solidFill>
                             <a:srgbClr val="000000"/>
                           </a:solidFill>
-                          <a:latin typeface="Calibri"/>
+                          <a:effectLst/>
+                          <a:latin typeface="Calibri" panose="020F0502020204030204" pitchFamily="34" charset="0"/>
                         </a:rPr>
                         <a:t> </a:t>
                       </a:r>
                     </a:p>
                   </a:txBody>
-                  <a:tcPr marL="3950" marR="3950" marT="3950" marB="0" anchor="ctr">
+                  <a:tcPr marL="7903" marR="7903" marT="7903" marB="0" anchor="ctr">
                     <a:lnL w="19050" cap="flat" cmpd="sng" algn="ctr">
                       <a:solidFill>
                         <a:srgbClr val="000000"/>
@@ -9252,17 +9042,18 @@
                     <a:p>
                       <a:pPr algn="ctr" fontAlgn="ctr"/>
                       <a:r>
-                        <a:rPr lang="fr-FR" sz="700" b="1" i="0" u="none" strike="noStrike">
+                        <a:rPr lang="fr-FR" sz="1700" b="1" i="0" u="none" strike="noStrike">
                           <a:solidFill>
                             <a:srgbClr val="000000"/>
                           </a:solidFill>
-                          <a:latin typeface="Calibri"/>
+                          <a:effectLst/>
+                          <a:latin typeface="Calibri" panose="020F0502020204030204" pitchFamily="34" charset="0"/>
                         </a:rPr>
                         <a:t> </a:t>
                       </a:r>
                     </a:p>
                   </a:txBody>
-                  <a:tcPr marL="3950" marR="3950" marT="3950" marB="0" anchor="ctr">
+                  <a:tcPr marL="7903" marR="7903" marT="7903" marB="0" anchor="ctr">
                     <a:lnL w="19050" cap="flat" cmpd="sng" algn="ctr">
                       <a:solidFill>
                         <a:srgbClr val="000000"/>
@@ -9308,17 +9099,18 @@
                     <a:p>
                       <a:pPr algn="ctr" fontAlgn="ctr"/>
                       <a:r>
-                        <a:rPr lang="fr-FR" sz="700" b="1" i="0" u="none" strike="noStrike">
+                        <a:rPr lang="fr-FR" sz="1700" b="1" i="0" u="none" strike="noStrike">
                           <a:solidFill>
                             <a:srgbClr val="000000"/>
                           </a:solidFill>
-                          <a:latin typeface="Calibri"/>
+                          <a:effectLst/>
+                          <a:latin typeface="Calibri" panose="020F0502020204030204" pitchFamily="34" charset="0"/>
                         </a:rPr>
                         <a:t> </a:t>
                       </a:r>
                     </a:p>
                   </a:txBody>
-                  <a:tcPr marL="3950" marR="3950" marT="3950" marB="0" anchor="ctr">
+                  <a:tcPr marL="7903" marR="7903" marT="7903" marB="0" anchor="ctr">
                     <a:lnL w="19050" cap="flat" cmpd="sng" algn="ctr">
                       <a:solidFill>
                         <a:srgbClr val="000000"/>
@@ -9364,17 +9156,18 @@
                     <a:p>
                       <a:pPr algn="ctr" fontAlgn="ctr"/>
                       <a:r>
-                        <a:rPr lang="fr-FR" sz="700" b="1" i="0" u="none" strike="noStrike">
+                        <a:rPr lang="fr-FR" sz="1700" b="1" i="0" u="none" strike="noStrike">
                           <a:solidFill>
                             <a:srgbClr val="000000"/>
                           </a:solidFill>
-                          <a:latin typeface="Calibri"/>
+                          <a:effectLst/>
+                          <a:latin typeface="Calibri" panose="020F0502020204030204" pitchFamily="34" charset="0"/>
                         </a:rPr>
                         <a:t> </a:t>
                       </a:r>
                     </a:p>
                   </a:txBody>
-                  <a:tcPr marL="3950" marR="3950" marT="3950" marB="0" anchor="ctr">
+                  <a:tcPr marL="7903" marR="7903" marT="7903" marB="0" anchor="ctr">
                     <a:lnL w="19050" cap="flat" cmpd="sng" algn="ctr">
                       <a:solidFill>
                         <a:srgbClr val="000000"/>
@@ -9420,17 +9213,18 @@
                     <a:p>
                       <a:pPr algn="ctr" fontAlgn="ctr"/>
                       <a:r>
-                        <a:rPr lang="fr-FR" sz="700" b="1" i="0" u="none" strike="noStrike">
+                        <a:rPr lang="fr-FR" sz="1700" b="1" i="0" u="none" strike="noStrike">
                           <a:solidFill>
                             <a:srgbClr val="000000"/>
                           </a:solidFill>
-                          <a:latin typeface="Calibri"/>
+                          <a:effectLst/>
+                          <a:latin typeface="Calibri" panose="020F0502020204030204" pitchFamily="34" charset="0"/>
                         </a:rPr>
                         <a:t> </a:t>
                       </a:r>
                     </a:p>
                   </a:txBody>
-                  <a:tcPr marL="3950" marR="3950" marT="3950" marB="0" anchor="ctr">
+                  <a:tcPr marL="7903" marR="7903" marT="7903" marB="0" anchor="ctr">
                     <a:lnL w="19050" cap="flat" cmpd="sng" algn="ctr">
                       <a:solidFill>
                         <a:srgbClr val="000000"/>
@@ -9476,17 +9270,18 @@
                     <a:p>
                       <a:pPr algn="ctr" fontAlgn="ctr"/>
                       <a:r>
-                        <a:rPr lang="fr-FR" sz="700" b="1" i="0" u="none" strike="noStrike">
+                        <a:rPr lang="fr-FR" sz="1700" b="1" i="0" u="none" strike="noStrike">
                           <a:solidFill>
                             <a:srgbClr val="000000"/>
                           </a:solidFill>
-                          <a:latin typeface="Calibri"/>
+                          <a:effectLst/>
+                          <a:latin typeface="Calibri" panose="020F0502020204030204" pitchFamily="34" charset="0"/>
                         </a:rPr>
                         <a:t> </a:t>
                       </a:r>
                     </a:p>
                   </a:txBody>
-                  <a:tcPr marL="3950" marR="3950" marT="3950" marB="0" anchor="ctr">
+                  <a:tcPr marL="7903" marR="7903" marT="7903" marB="0" anchor="ctr">
                     <a:lnL w="19050" cap="flat" cmpd="sng" algn="ctr">
                       <a:solidFill>
                         <a:srgbClr val="000000"/>
@@ -9542,17 +9337,18 @@
                     <a:p>
                       <a:pPr algn="ctr" fontAlgn="ctr"/>
                       <a:r>
-                        <a:rPr lang="fr-FR" sz="700" b="1" i="0" u="none" strike="noStrike">
+                        <a:rPr lang="fr-FR" sz="1700" b="1" i="0" u="none" strike="noStrike">
                           <a:solidFill>
                             <a:srgbClr val="000000"/>
                           </a:solidFill>
-                          <a:latin typeface="Calibri"/>
+                          <a:effectLst/>
+                          <a:latin typeface="Calibri" panose="020F0502020204030204" pitchFamily="34" charset="0"/>
                         </a:rPr>
                         <a:t> </a:t>
                       </a:r>
                     </a:p>
                   </a:txBody>
-                  <a:tcPr marL="3950" marR="3950" marT="3950" marB="0" anchor="ctr">
+                  <a:tcPr marL="7903" marR="7903" marT="7903" marB="0" anchor="ctr">
                     <a:lnL w="19050" cap="flat" cmpd="sng" algn="ctr">
                       <a:solidFill>
                         <a:srgbClr val="000000"/>
@@ -9598,17 +9394,18 @@
                     <a:p>
                       <a:pPr algn="ctr" fontAlgn="ctr"/>
                       <a:r>
-                        <a:rPr lang="fr-FR" sz="700" b="1" i="0" u="none" strike="noStrike">
+                        <a:rPr lang="fr-FR" sz="1700" b="1" i="0" u="none" strike="noStrike">
                           <a:solidFill>
                             <a:srgbClr val="000000"/>
                           </a:solidFill>
-                          <a:latin typeface="Calibri"/>
+                          <a:effectLst/>
+                          <a:latin typeface="Calibri" panose="020F0502020204030204" pitchFamily="34" charset="0"/>
                         </a:rPr>
                         <a:t> </a:t>
                       </a:r>
                     </a:p>
                   </a:txBody>
-                  <a:tcPr marL="3950" marR="3950" marT="3950" marB="0" anchor="ctr">
+                  <a:tcPr marL="7903" marR="7903" marT="7903" marB="0" anchor="ctr">
                     <a:lnL w="19050" cap="flat" cmpd="sng" algn="ctr">
                       <a:solidFill>
                         <a:srgbClr val="000000"/>
@@ -9654,17 +9451,18 @@
                     <a:p>
                       <a:pPr algn="ctr" fontAlgn="ctr"/>
                       <a:r>
-                        <a:rPr lang="fr-FR" sz="700" b="1" i="0" u="none" strike="noStrike">
+                        <a:rPr lang="fr-FR" sz="1700" b="1" i="0" u="none" strike="noStrike">
                           <a:solidFill>
                             <a:srgbClr val="000000"/>
                           </a:solidFill>
-                          <a:latin typeface="Calibri"/>
+                          <a:effectLst/>
+                          <a:latin typeface="Calibri" panose="020F0502020204030204" pitchFamily="34" charset="0"/>
                         </a:rPr>
                         <a:t> </a:t>
                       </a:r>
                     </a:p>
                   </a:txBody>
-                  <a:tcPr marL="3950" marR="3950" marT="3950" marB="0" anchor="ctr">
+                  <a:tcPr marL="7903" marR="7903" marT="7903" marB="0" anchor="ctr">
                     <a:lnL w="19050" cap="flat" cmpd="sng" algn="ctr">
                       <a:solidFill>
                         <a:srgbClr val="000000"/>
@@ -9710,17 +9508,18 @@
                     <a:p>
                       <a:pPr algn="ctr" fontAlgn="ctr"/>
                       <a:r>
-                        <a:rPr lang="fr-FR" sz="700" b="1" i="0" u="none" strike="noStrike">
+                        <a:rPr lang="fr-FR" sz="1700" b="1" i="0" u="none" strike="noStrike">
                           <a:solidFill>
                             <a:srgbClr val="000000"/>
                           </a:solidFill>
-                          <a:latin typeface="Calibri"/>
+                          <a:effectLst/>
+                          <a:latin typeface="Calibri" panose="020F0502020204030204" pitchFamily="34" charset="0"/>
                         </a:rPr>
                         <a:t> </a:t>
                       </a:r>
                     </a:p>
                   </a:txBody>
-                  <a:tcPr marL="3950" marR="3950" marT="3950" marB="0" anchor="ctr">
+                  <a:tcPr marL="7903" marR="7903" marT="7903" marB="0" anchor="ctr">
                     <a:lnL w="19050" cap="flat" cmpd="sng" algn="ctr">
                       <a:solidFill>
                         <a:srgbClr val="000000"/>
@@ -9776,17 +9575,18 @@
                     <a:p>
                       <a:pPr algn="ctr" fontAlgn="ctr"/>
                       <a:r>
-                        <a:rPr lang="fr-FR" sz="700" b="1" i="0" u="none" strike="noStrike">
+                        <a:rPr lang="fr-FR" sz="1700" b="1" i="0" u="none" strike="noStrike">
                           <a:solidFill>
                             <a:srgbClr val="000000"/>
                           </a:solidFill>
-                          <a:latin typeface="Calibri"/>
+                          <a:effectLst/>
+                          <a:latin typeface="Calibri" panose="020F0502020204030204" pitchFamily="34" charset="0"/>
                         </a:rPr>
                         <a:t> </a:t>
                       </a:r>
                     </a:p>
                   </a:txBody>
-                  <a:tcPr marL="3950" marR="3950" marT="3950" marB="0" anchor="ctr">
+                  <a:tcPr marL="7903" marR="7903" marT="7903" marB="0" anchor="ctr">
                     <a:lnL w="19050" cap="flat" cmpd="sng" algn="ctr">
                       <a:solidFill>
                         <a:srgbClr val="000000"/>
@@ -9832,17 +9632,18 @@
                     <a:p>
                       <a:pPr algn="ctr" fontAlgn="ctr"/>
                       <a:r>
-                        <a:rPr lang="fr-FR" sz="700" b="0" i="0" u="none" strike="noStrike">
+                        <a:rPr lang="fr-FR" sz="1700" b="0" i="0" u="none" strike="noStrike">
                           <a:solidFill>
                             <a:srgbClr val="000000"/>
                           </a:solidFill>
-                          <a:latin typeface="Calibri"/>
+                          <a:effectLst/>
+                          <a:latin typeface="Calibri" panose="020F0502020204030204" pitchFamily="34" charset="0"/>
                         </a:rPr>
-                        <a:t>partiels</a:t>
+                        <a:t>Partiels</a:t>
                       </a:r>
                     </a:p>
                   </a:txBody>
-                  <a:tcPr marL="3950" marR="3950" marT="3950" marB="0" anchor="ctr">
+                  <a:tcPr marL="7903" marR="7903" marT="7903" marB="0" anchor="ctr">
                     <a:lnL w="19050" cap="flat" cmpd="sng" algn="ctr">
                       <a:solidFill>
                         <a:srgbClr val="000000"/>
@@ -9891,17 +9692,18 @@
                     <a:p>
                       <a:pPr algn="ctr" fontAlgn="ctr"/>
                       <a:r>
-                        <a:rPr lang="fr-FR" sz="700" b="1" i="0" u="none" strike="noStrike">
+                        <a:rPr lang="fr-FR" sz="1700" b="1" i="0" u="none" strike="noStrike">
                           <a:solidFill>
                             <a:srgbClr val="000000"/>
                           </a:solidFill>
-                          <a:latin typeface="Calibri"/>
+                          <a:effectLst/>
+                          <a:latin typeface="Calibri" panose="020F0502020204030204" pitchFamily="34" charset="0"/>
                         </a:rPr>
                         <a:t> </a:t>
                       </a:r>
                     </a:p>
                   </a:txBody>
-                  <a:tcPr marL="3950" marR="3950" marT="3950" marB="0" anchor="ctr">
+                  <a:tcPr marL="7903" marR="7903" marT="7903" marB="0" anchor="ctr">
                     <a:lnL w="19050" cap="flat" cmpd="sng" algn="ctr">
                       <a:solidFill>
                         <a:srgbClr val="000000"/>
@@ -9947,17 +9749,18 @@
                     <a:p>
                       <a:pPr algn="ctr" fontAlgn="ctr"/>
                       <a:r>
-                        <a:rPr lang="fr-FR" sz="700" b="0" i="0" u="none" strike="noStrike">
+                        <a:rPr lang="fr-FR" sz="1700" b="0" i="0" u="none" strike="noStrike">
                           <a:solidFill>
                             <a:srgbClr val="FF0000"/>
                           </a:solidFill>
-                          <a:latin typeface="Calibri"/>
+                          <a:effectLst/>
+                          <a:latin typeface="Calibri" panose="020F0502020204030204" pitchFamily="34" charset="0"/>
                         </a:rPr>
                         <a:t> </a:t>
                       </a:r>
                     </a:p>
                   </a:txBody>
-                  <a:tcPr marL="3950" marR="3950" marT="3950" marB="0" anchor="ctr">
+                  <a:tcPr marL="7903" marR="7903" marT="7903" marB="0" anchor="ctr">
                     <a:lnL w="19050" cap="flat" cmpd="sng" algn="ctr">
                       <a:solidFill>
                         <a:srgbClr val="000000"/>
@@ -10000,7 +9803,7 @@
                   </a:tcPr>
                 </a:tc>
               </a:tr>
-              <a:tr h="947582">
+              <a:tr h="1404111">
                 <a:tc>
                   <a:txBody>
                     <a:bodyPr/>
@@ -10008,17 +9811,18 @@
                     <a:p>
                       <a:pPr algn="ctr" fontAlgn="ctr"/>
                       <a:r>
-                        <a:rPr lang="fr-FR" sz="700" b="1" i="0" u="none" strike="noStrike">
+                        <a:rPr lang="fr-FR" sz="1700" b="1" i="0" u="none" strike="noStrike">
                           <a:solidFill>
                             <a:srgbClr val="000000"/>
                           </a:solidFill>
-                          <a:latin typeface="Calibri"/>
+                          <a:effectLst/>
+                          <a:latin typeface="Calibri" panose="020F0502020204030204" pitchFamily="34" charset="0"/>
                         </a:rPr>
                         <a:t> </a:t>
                       </a:r>
                     </a:p>
                   </a:txBody>
-                  <a:tcPr marL="3950" marR="3950" marT="3950" marB="0" anchor="ctr">
+                  <a:tcPr marL="7903" marR="7903" marT="7903" marB="0" anchor="ctr">
                     <a:lnL w="19050" cap="flat" cmpd="sng" algn="ctr">
                       <a:solidFill>
                         <a:srgbClr val="000000"/>
@@ -10064,17 +9868,18 @@
                     <a:p>
                       <a:pPr algn="ctr" fontAlgn="ctr"/>
                       <a:r>
-                        <a:rPr lang="fr-FR" sz="700" b="0" i="0" u="none" strike="noStrike">
+                        <a:rPr lang="fr-FR" sz="1700" b="0" i="0" u="none" strike="noStrike">
                           <a:solidFill>
                             <a:srgbClr val="000000"/>
                           </a:solidFill>
-                          <a:latin typeface="Calibri"/>
+                          <a:effectLst/>
+                          <a:latin typeface="Calibri" panose="020F0502020204030204" pitchFamily="34" charset="0"/>
                         </a:rPr>
                         <a:t>Rapport conception</a:t>
                       </a:r>
                     </a:p>
                   </a:txBody>
-                  <a:tcPr marL="3950" marR="3950" marT="3950" marB="0" anchor="ctr">
+                  <a:tcPr marL="7903" marR="7903" marT="7903" marB="0" anchor="ctr">
                     <a:lnL w="19050" cap="flat" cmpd="sng" algn="ctr">
                       <a:solidFill>
                         <a:srgbClr val="000000"/>
@@ -10123,17 +9928,18 @@
                     <a:p>
                       <a:pPr algn="ctr" fontAlgn="ctr"/>
                       <a:r>
-                        <a:rPr lang="fr-FR" sz="700" b="1" i="0" u="none" strike="noStrike">
+                        <a:rPr lang="fr-FR" sz="1700" b="1" i="0" u="none" strike="noStrike">
                           <a:solidFill>
                             <a:srgbClr val="000000"/>
                           </a:solidFill>
-                          <a:latin typeface="Calibri"/>
+                          <a:effectLst/>
+                          <a:latin typeface="Calibri" panose="020F0502020204030204" pitchFamily="34" charset="0"/>
                         </a:rPr>
                         <a:t> </a:t>
                       </a:r>
                     </a:p>
                   </a:txBody>
-                  <a:tcPr marL="3950" marR="3950" marT="3950" marB="0" anchor="ctr">
+                  <a:tcPr marL="7903" marR="7903" marT="7903" marB="0" anchor="ctr">
                     <a:lnL w="19050" cap="flat" cmpd="sng" algn="ctr">
                       <a:solidFill>
                         <a:srgbClr val="000000"/>
@@ -10179,17 +9985,18 @@
                     <a:p>
                       <a:pPr algn="ctr" fontAlgn="ctr"/>
                       <a:r>
-                        <a:rPr lang="fr-FR" sz="700" b="1" i="0" u="none" strike="noStrike">
+                        <a:rPr lang="fr-FR" sz="1700" b="1" i="0" u="none" strike="noStrike">
                           <a:solidFill>
                             <a:srgbClr val="000000"/>
                           </a:solidFill>
-                          <a:latin typeface="Calibri"/>
+                          <a:effectLst/>
+                          <a:latin typeface="Calibri" panose="020F0502020204030204" pitchFamily="34" charset="0"/>
                         </a:rPr>
                         <a:t> </a:t>
                       </a:r>
                     </a:p>
                   </a:txBody>
-                  <a:tcPr marL="3950" marR="3950" marT="3950" marB="0" anchor="ctr">
+                  <a:tcPr marL="7903" marR="7903" marT="7903" marB="0" anchor="ctr">
                     <a:lnL w="19050" cap="flat" cmpd="sng" algn="ctr">
                       <a:solidFill>
                         <a:srgbClr val="000000"/>
@@ -10235,17 +10042,18 @@
                     <a:p>
                       <a:pPr algn="ctr" fontAlgn="ctr"/>
                       <a:r>
-                        <a:rPr lang="fr-FR" sz="700" b="1" i="0" u="none" strike="noStrike">
+                        <a:rPr lang="fr-FR" sz="1700" b="1" i="0" u="none" strike="noStrike">
                           <a:solidFill>
                             <a:srgbClr val="000000"/>
                           </a:solidFill>
-                          <a:latin typeface="Calibri"/>
+                          <a:effectLst/>
+                          <a:latin typeface="Calibri" panose="020F0502020204030204" pitchFamily="34" charset="0"/>
                         </a:rPr>
                         <a:t> </a:t>
                       </a:r>
                     </a:p>
                   </a:txBody>
-                  <a:tcPr marL="3950" marR="3950" marT="3950" marB="0" anchor="ctr">
+                  <a:tcPr marL="7903" marR="7903" marT="7903" marB="0" anchor="ctr">
                     <a:lnL w="19050" cap="flat" cmpd="sng" algn="ctr">
                       <a:solidFill>
                         <a:srgbClr val="000000"/>
@@ -10301,17 +10109,18 @@
                     <a:p>
                       <a:pPr algn="ctr" fontAlgn="ctr"/>
                       <a:r>
-                        <a:rPr lang="fr-FR" sz="700" b="1" i="0" u="none" strike="noStrike">
+                        <a:rPr lang="fr-FR" sz="1700" b="1" i="0" u="none" strike="noStrike">
                           <a:solidFill>
                             <a:srgbClr val="000000"/>
                           </a:solidFill>
-                          <a:latin typeface="Calibri"/>
+                          <a:effectLst/>
+                          <a:latin typeface="Calibri" panose="020F0502020204030204" pitchFamily="34" charset="0"/>
                         </a:rPr>
                         <a:t> </a:t>
                       </a:r>
                     </a:p>
                   </a:txBody>
-                  <a:tcPr marL="3950" marR="3950" marT="3950" marB="0" anchor="ctr">
+                  <a:tcPr marL="7903" marR="7903" marT="7903" marB="0" anchor="ctr">
                     <a:lnL w="19050" cap="flat" cmpd="sng" algn="ctr">
                       <a:solidFill>
                         <a:srgbClr val="000000"/>
@@ -10357,17 +10166,18 @@
                     <a:p>
                       <a:pPr algn="ctr" fontAlgn="ctr"/>
                       <a:r>
-                        <a:rPr lang="fr-FR" sz="700" b="1" i="0" u="none" strike="noStrike">
+                        <a:rPr lang="fr-FR" sz="1700" b="1" i="0" u="none" strike="noStrike">
                           <a:solidFill>
                             <a:srgbClr val="000000"/>
                           </a:solidFill>
-                          <a:latin typeface="Calibri"/>
+                          <a:effectLst/>
+                          <a:latin typeface="Calibri" panose="020F0502020204030204" pitchFamily="34" charset="0"/>
                         </a:rPr>
                         <a:t> </a:t>
                       </a:r>
                     </a:p>
                   </a:txBody>
-                  <a:tcPr marL="3950" marR="3950" marT="3950" marB="0" anchor="ctr">
+                  <a:tcPr marL="7903" marR="7903" marT="7903" marB="0" anchor="ctr">
                     <a:lnL w="19050" cap="flat" cmpd="sng" algn="ctr">
                       <a:solidFill>
                         <a:srgbClr val="000000"/>
@@ -10413,17 +10223,18 @@
                     <a:p>
                       <a:pPr algn="ctr" fontAlgn="ctr"/>
                       <a:r>
-                        <a:rPr lang="fr-FR" sz="700" b="1" i="0" u="none" strike="noStrike">
+                        <a:rPr lang="fr-FR" sz="1700" b="1" i="0" u="none" strike="noStrike">
                           <a:solidFill>
                             <a:srgbClr val="000000"/>
                           </a:solidFill>
-                          <a:latin typeface="Calibri"/>
+                          <a:effectLst/>
+                          <a:latin typeface="Calibri" panose="020F0502020204030204" pitchFamily="34" charset="0"/>
                         </a:rPr>
                         <a:t> </a:t>
                       </a:r>
                     </a:p>
                   </a:txBody>
-                  <a:tcPr marL="3950" marR="3950" marT="3950" marB="0" anchor="ctr">
+                  <a:tcPr marL="7903" marR="7903" marT="7903" marB="0" anchor="ctr">
                     <a:lnL w="19050" cap="flat" cmpd="sng" algn="ctr">
                       <a:solidFill>
                         <a:srgbClr val="000000"/>
@@ -10469,17 +10280,18 @@
                     <a:p>
                       <a:pPr algn="ctr" fontAlgn="ctr"/>
                       <a:r>
-                        <a:rPr lang="fr-FR" sz="700" b="1" i="0" u="none" strike="noStrike">
+                        <a:rPr lang="fr-FR" sz="1700" b="1" i="0" u="none" strike="noStrike">
                           <a:solidFill>
                             <a:srgbClr val="000000"/>
                           </a:solidFill>
-                          <a:latin typeface="Calibri"/>
+                          <a:effectLst/>
+                          <a:latin typeface="Calibri" panose="020F0502020204030204" pitchFamily="34" charset="0"/>
                         </a:rPr>
                         <a:t> </a:t>
                       </a:r>
                     </a:p>
                   </a:txBody>
-                  <a:tcPr marL="3950" marR="3950" marT="3950" marB="0" anchor="ctr">
+                  <a:tcPr marL="7903" marR="7903" marT="7903" marB="0" anchor="ctr">
                     <a:lnL w="19050" cap="flat" cmpd="sng" algn="ctr">
                       <a:solidFill>
                         <a:srgbClr val="000000"/>
@@ -10525,17 +10337,18 @@
                     <a:p>
                       <a:pPr algn="ctr" fontAlgn="ctr"/>
                       <a:r>
-                        <a:rPr lang="fr-FR" sz="700" b="0" i="0" u="none" strike="noStrike">
+                        <a:rPr lang="fr-FR" sz="1700" b="0" i="0" u="none" strike="noStrike">
                           <a:solidFill>
                             <a:srgbClr val="000000"/>
                           </a:solidFill>
-                          <a:latin typeface="Calibri"/>
+                          <a:effectLst/>
+                          <a:latin typeface="Calibri" panose="020F0502020204030204" pitchFamily="34" charset="0"/>
                         </a:rPr>
                         <a:t>Pages HTML</a:t>
                       </a:r>
                     </a:p>
                   </a:txBody>
-                  <a:tcPr marL="3950" marR="3950" marT="3950" marB="0" anchor="ctr">
+                  <a:tcPr marL="7903" marR="7903" marT="7903" marB="0" anchor="ctr">
                     <a:lnL w="19050" cap="flat" cmpd="sng" algn="ctr">
                       <a:solidFill>
                         <a:srgbClr val="000000"/>
@@ -10594,17 +10407,18 @@
                     <a:p>
                       <a:pPr algn="ctr" fontAlgn="ctr"/>
                       <a:r>
-                        <a:rPr lang="fr-FR" sz="700" b="1" i="0" u="none" strike="noStrike">
+                        <a:rPr lang="fr-FR" sz="1700" b="1" i="0" u="none" strike="noStrike">
                           <a:solidFill>
                             <a:srgbClr val="000000"/>
                           </a:solidFill>
-                          <a:latin typeface="Calibri"/>
+                          <a:effectLst/>
+                          <a:latin typeface="Calibri" panose="020F0502020204030204" pitchFamily="34" charset="0"/>
                         </a:rPr>
                         <a:t> </a:t>
                       </a:r>
                     </a:p>
                   </a:txBody>
-                  <a:tcPr marL="3950" marR="3950" marT="3950" marB="0" anchor="ctr">
+                  <a:tcPr marL="7903" marR="7903" marT="7903" marB="0" anchor="ctr">
                     <a:lnL w="19050" cap="flat" cmpd="sng" algn="ctr">
                       <a:solidFill>
                         <a:srgbClr val="000000"/>
@@ -10650,17 +10464,18 @@
                     <a:p>
                       <a:pPr algn="ctr" fontAlgn="ctr"/>
                       <a:r>
-                        <a:rPr lang="fr-FR" sz="700" b="1" i="0" u="none" strike="noStrike">
+                        <a:rPr lang="fr-FR" sz="1700" b="1" i="0" u="none" strike="noStrike">
                           <a:solidFill>
                             <a:srgbClr val="000000"/>
                           </a:solidFill>
-                          <a:latin typeface="Calibri"/>
+                          <a:effectLst/>
+                          <a:latin typeface="Calibri" panose="020F0502020204030204" pitchFamily="34" charset="0"/>
                         </a:rPr>
                         <a:t> </a:t>
                       </a:r>
                     </a:p>
                   </a:txBody>
-                  <a:tcPr marL="3950" marR="3950" marT="3950" marB="0" anchor="ctr">
+                  <a:tcPr marL="7903" marR="7903" marT="7903" marB="0" anchor="ctr">
                     <a:lnL w="19050" cap="flat" cmpd="sng" algn="ctr">
                       <a:solidFill>
                         <a:srgbClr val="000000"/>
@@ -10706,17 +10521,18 @@
                     <a:p>
                       <a:pPr algn="ctr" fontAlgn="ctr"/>
                       <a:r>
-                        <a:rPr lang="fr-FR" sz="700" b="1" i="0" u="none" strike="noStrike">
+                        <a:rPr lang="fr-FR" sz="1700" b="1" i="0" u="none" strike="noStrike">
                           <a:solidFill>
                             <a:srgbClr val="000000"/>
                           </a:solidFill>
-                          <a:latin typeface="Calibri"/>
+                          <a:effectLst/>
+                          <a:latin typeface="Calibri" panose="020F0502020204030204" pitchFamily="34" charset="0"/>
                         </a:rPr>
                         <a:t> </a:t>
                       </a:r>
                     </a:p>
                   </a:txBody>
-                  <a:tcPr marL="3950" marR="3950" marT="3950" marB="0" anchor="ctr">
+                  <a:tcPr marL="7903" marR="7903" marT="7903" marB="0" anchor="ctr">
                     <a:lnL w="19050" cap="flat" cmpd="sng" algn="ctr">
                       <a:solidFill>
                         <a:srgbClr val="000000"/>
@@ -10762,17 +10578,18 @@
                     <a:p>
                       <a:pPr algn="ctr" fontAlgn="ctr"/>
                       <a:r>
-                        <a:rPr lang="fr-FR" sz="700" b="1" i="0" u="none" strike="noStrike">
+                        <a:rPr lang="fr-FR" sz="1700" b="1" i="0" u="none" strike="noStrike">
                           <a:solidFill>
                             <a:srgbClr val="000000"/>
                           </a:solidFill>
-                          <a:latin typeface="Calibri"/>
+                          <a:effectLst/>
+                          <a:latin typeface="Calibri" panose="020F0502020204030204" pitchFamily="34" charset="0"/>
                         </a:rPr>
                         <a:t> </a:t>
                       </a:r>
                     </a:p>
                   </a:txBody>
-                  <a:tcPr marL="3950" marR="3950" marT="3950" marB="0" anchor="ctr">
+                  <a:tcPr marL="7903" marR="7903" marT="7903" marB="0" anchor="ctr">
                     <a:lnL w="19050" cap="flat" cmpd="sng" algn="ctr">
                       <a:solidFill>
                         <a:srgbClr val="000000"/>
@@ -10828,17 +10645,18 @@
                     <a:p>
                       <a:pPr algn="ctr" fontAlgn="ctr"/>
                       <a:r>
-                        <a:rPr lang="fr-FR" sz="700" b="1" i="0" u="none" strike="noStrike">
+                        <a:rPr lang="fr-FR" sz="1700" b="1" i="0" u="none" strike="noStrike">
                           <a:solidFill>
                             <a:srgbClr val="000000"/>
                           </a:solidFill>
-                          <a:latin typeface="Calibri"/>
+                          <a:effectLst/>
+                          <a:latin typeface="Calibri" panose="020F0502020204030204" pitchFamily="34" charset="0"/>
                         </a:rPr>
                         <a:t> </a:t>
                       </a:r>
                     </a:p>
                   </a:txBody>
-                  <a:tcPr marL="3950" marR="3950" marT="3950" marB="0" anchor="ctr">
+                  <a:tcPr marL="7903" marR="7903" marT="7903" marB="0" anchor="ctr">
                     <a:lnL w="19050" cap="flat" cmpd="sng" algn="ctr">
                       <a:solidFill>
                         <a:srgbClr val="000000"/>
@@ -10884,17 +10702,18 @@
                     <a:p>
                       <a:pPr algn="ctr" fontAlgn="ctr"/>
                       <a:r>
-                        <a:rPr lang="fr-FR" sz="700" b="1" i="0" u="none" strike="noStrike">
+                        <a:rPr lang="fr-FR" sz="1700" b="1" i="0" u="none" strike="noStrike">
                           <a:solidFill>
                             <a:srgbClr val="000000"/>
                           </a:solidFill>
-                          <a:latin typeface="Calibri"/>
+                          <a:effectLst/>
+                          <a:latin typeface="Calibri" panose="020F0502020204030204" pitchFamily="34" charset="0"/>
                         </a:rPr>
                         <a:t> </a:t>
                       </a:r>
                     </a:p>
                   </a:txBody>
-                  <a:tcPr marL="3950" marR="3950" marT="3950" marB="0" anchor="ctr">
+                  <a:tcPr marL="7903" marR="7903" marT="7903" marB="0" anchor="ctr">
                     <a:lnL w="19050" cap="flat" cmpd="sng" algn="ctr">
                       <a:solidFill>
                         <a:srgbClr val="000000"/>
@@ -10940,17 +10759,18 @@
                     <a:p>
                       <a:pPr algn="ctr" fontAlgn="ctr"/>
                       <a:r>
-                        <a:rPr lang="fr-FR" sz="700" b="1" i="0" u="none" strike="noStrike">
+                        <a:rPr lang="fr-FR" sz="1700" b="1" i="0" u="none" strike="noStrike">
                           <a:solidFill>
                             <a:srgbClr val="000000"/>
                           </a:solidFill>
-                          <a:latin typeface="Calibri"/>
+                          <a:effectLst/>
+                          <a:latin typeface="Calibri" panose="020F0502020204030204" pitchFamily="34" charset="0"/>
                         </a:rPr>
                         <a:t> </a:t>
                       </a:r>
                     </a:p>
                   </a:txBody>
-                  <a:tcPr marL="3950" marR="3950" marT="3950" marB="0" anchor="ctr">
+                  <a:tcPr marL="7903" marR="7903" marT="7903" marB="0" anchor="ctr">
                     <a:lnL w="19050" cap="flat" cmpd="sng" algn="ctr">
                       <a:solidFill>
                         <a:srgbClr val="000000"/>
@@ -10996,17 +10816,18 @@
                     <a:p>
                       <a:pPr algn="ctr" fontAlgn="ctr"/>
                       <a:r>
-                        <a:rPr lang="fr-FR" sz="700" b="0" i="0" u="none" strike="noStrike">
+                        <a:rPr lang="fr-FR" sz="1700" b="0" i="0" u="none" strike="noStrike">
                           <a:solidFill>
                             <a:srgbClr val="000000"/>
                           </a:solidFill>
-                          <a:latin typeface="Calibri"/>
+                          <a:effectLst/>
+                          <a:latin typeface="Calibri" panose="020F0502020204030204" pitchFamily="34" charset="0"/>
                         </a:rPr>
-                        <a:t>Rapport final et soutenances</a:t>
+                        <a:t>Rapport final et soutenance</a:t>
                       </a:r>
                     </a:p>
                   </a:txBody>
-                  <a:tcPr marL="3950" marR="3950" marT="3950" marB="0" anchor="ctr">
+                  <a:tcPr marL="7903" marR="7903" marT="7903" marB="0" anchor="ctr">
                     <a:lnL w="19050" cap="flat" cmpd="sng" algn="ctr">
                       <a:solidFill>
                         <a:srgbClr val="000000"/>
@@ -11049,7 +10870,7 @@
                   </a:tcPr>
                 </a:tc>
               </a:tr>
-              <a:tr h="551988">
+              <a:tr h="672390">
                 <a:tc>
                   <a:txBody>
                     <a:bodyPr/>
@@ -11057,17 +10878,18 @@
                     <a:p>
                       <a:pPr algn="ctr" fontAlgn="ctr"/>
                       <a:r>
-                        <a:rPr lang="fr-FR" sz="700" b="0" i="0" u="none" strike="noStrike">
+                        <a:rPr lang="fr-FR" sz="1700" b="0" i="0" u="none" strike="noStrike">
                           <a:solidFill>
                             <a:srgbClr val="000000"/>
                           </a:solidFill>
-                          <a:latin typeface="Calibri"/>
+                          <a:effectLst/>
+                          <a:latin typeface="Calibri" panose="020F0502020204030204" pitchFamily="34" charset="0"/>
                         </a:rPr>
                         <a:t> </a:t>
                       </a:r>
                     </a:p>
                   </a:txBody>
-                  <a:tcPr marL="3950" marR="3950" marT="3950" marB="0" anchor="ctr">
+                  <a:tcPr marL="7903" marR="7903" marT="7903" marB="0" anchor="ctr">
                     <a:lnL w="19050" cap="flat" cmpd="sng" algn="ctr">
                       <a:solidFill>
                         <a:srgbClr val="000000"/>
@@ -11113,17 +10935,18 @@
                     <a:p>
                       <a:pPr algn="ctr" fontAlgn="ctr"/>
                       <a:r>
-                        <a:rPr lang="fr-FR" sz="700" b="0" i="0" u="none" strike="noStrike">
+                        <a:rPr lang="fr-FR" sz="1700" b="0" i="0" u="none" strike="noStrike">
                           <a:solidFill>
                             <a:srgbClr val="000000"/>
                           </a:solidFill>
-                          <a:latin typeface="Calibri"/>
+                          <a:effectLst/>
+                          <a:latin typeface="Calibri" panose="020F0502020204030204" pitchFamily="34" charset="0"/>
                         </a:rPr>
                         <a:t> </a:t>
                       </a:r>
                     </a:p>
                   </a:txBody>
-                  <a:tcPr marL="3950" marR="3950" marT="3950" marB="0" anchor="ctr">
+                  <a:tcPr marL="7903" marR="7903" marT="7903" marB="0" anchor="ctr">
                     <a:lnL w="19050" cap="flat" cmpd="sng" algn="ctr">
                       <a:solidFill>
                         <a:srgbClr val="000000"/>
@@ -11169,17 +10992,18 @@
                     <a:p>
                       <a:pPr algn="ctr" fontAlgn="ctr"/>
                       <a:r>
-                        <a:rPr lang="fr-FR" sz="700" b="0" i="0" u="none" strike="noStrike">
+                        <a:rPr lang="fr-FR" sz="1700" b="0" i="0" u="none" strike="noStrike">
                           <a:solidFill>
                             <a:srgbClr val="000000"/>
                           </a:solidFill>
-                          <a:latin typeface="Calibri"/>
+                          <a:effectLst/>
+                          <a:latin typeface="Calibri" panose="020F0502020204030204" pitchFamily="34" charset="0"/>
                         </a:rPr>
-                        <a:t>vacances</a:t>
+                        <a:t>Vacances</a:t>
                       </a:r>
                     </a:p>
                   </a:txBody>
-                  <a:tcPr marL="3950" marR="3950" marT="3950" marB="0" anchor="ctr">
+                  <a:tcPr marL="7903" marR="7903" marT="7903" marB="0" anchor="ctr">
                     <a:lnL w="19050" cap="flat" cmpd="sng" algn="ctr">
                       <a:solidFill>
                         <a:srgbClr val="000000"/>
@@ -11228,17 +11052,18 @@
                     <a:p>
                       <a:pPr algn="ctr" fontAlgn="ctr"/>
                       <a:r>
-                        <a:rPr lang="fr-FR" sz="700" b="0" i="0" u="none" strike="noStrike">
+                        <a:rPr lang="fr-FR" sz="1700" b="0" i="0" u="none" strike="noStrike">
                           <a:solidFill>
                             <a:srgbClr val="000000"/>
                           </a:solidFill>
-                          <a:latin typeface="Calibri"/>
+                          <a:effectLst/>
+                          <a:latin typeface="Calibri" panose="020F0502020204030204" pitchFamily="34" charset="0"/>
                         </a:rPr>
                         <a:t> </a:t>
                       </a:r>
                     </a:p>
                   </a:txBody>
-                  <a:tcPr marL="3950" marR="3950" marT="3950" marB="0" anchor="ctr">
+                  <a:tcPr marL="7903" marR="7903" marT="7903" marB="0" anchor="ctr">
                     <a:lnL w="19050" cap="flat" cmpd="sng" algn="ctr">
                       <a:solidFill>
                         <a:srgbClr val="000000"/>
@@ -11284,17 +11109,18 @@
                     <a:p>
                       <a:pPr algn="ctr" fontAlgn="ctr"/>
                       <a:r>
-                        <a:rPr lang="fr-FR" sz="700" b="0" i="0" u="none" strike="noStrike">
+                        <a:rPr lang="fr-FR" sz="1700" b="0" i="0" u="none" strike="noStrike">
                           <a:solidFill>
                             <a:srgbClr val="000000"/>
                           </a:solidFill>
-                          <a:latin typeface="Calibri"/>
+                          <a:effectLst/>
+                          <a:latin typeface="Calibri" panose="020F0502020204030204" pitchFamily="34" charset="0"/>
                         </a:rPr>
                         <a:t> </a:t>
                       </a:r>
                     </a:p>
                   </a:txBody>
-                  <a:tcPr marL="3950" marR="3950" marT="3950" marB="0" anchor="ctr">
+                  <a:tcPr marL="7903" marR="7903" marT="7903" marB="0" anchor="ctr">
                     <a:lnL w="19050" cap="flat" cmpd="sng" algn="ctr">
                       <a:solidFill>
                         <a:srgbClr val="000000"/>
@@ -11350,17 +11176,18 @@
                     <a:p>
                       <a:pPr algn="ctr" fontAlgn="ctr"/>
                       <a:r>
-                        <a:rPr lang="fr-FR" sz="700" b="0" i="0" u="none" strike="noStrike">
+                        <a:rPr lang="fr-FR" sz="1700" b="0" i="0" u="none" strike="noStrike">
                           <a:solidFill>
                             <a:srgbClr val="000000"/>
                           </a:solidFill>
-                          <a:latin typeface="Calibri"/>
+                          <a:effectLst/>
+                          <a:latin typeface="Calibri" panose="020F0502020204030204" pitchFamily="34" charset="0"/>
                         </a:rPr>
                         <a:t> </a:t>
                       </a:r>
                     </a:p>
                   </a:txBody>
-                  <a:tcPr marL="3950" marR="3950" marT="3950" marB="0" anchor="ctr">
+                  <a:tcPr marL="7903" marR="7903" marT="7903" marB="0" anchor="ctr">
                     <a:lnL w="19050" cap="flat" cmpd="sng" algn="ctr">
                       <a:solidFill>
                         <a:srgbClr val="000000"/>
@@ -11406,17 +11233,18 @@
                     <a:p>
                       <a:pPr algn="ctr" fontAlgn="ctr"/>
                       <a:r>
-                        <a:rPr lang="fr-FR" sz="700" b="0" i="0" u="none" strike="noStrike">
+                        <a:rPr lang="fr-FR" sz="1700" b="0" i="0" u="none" strike="noStrike">
                           <a:solidFill>
                             <a:srgbClr val="000000"/>
                           </a:solidFill>
-                          <a:latin typeface="Calibri"/>
+                          <a:effectLst/>
+                          <a:latin typeface="Calibri" panose="020F0502020204030204" pitchFamily="34" charset="0"/>
                         </a:rPr>
                         <a:t> </a:t>
                       </a:r>
                     </a:p>
                   </a:txBody>
-                  <a:tcPr marL="3950" marR="3950" marT="3950" marB="0" anchor="ctr">
+                  <a:tcPr marL="7903" marR="7903" marT="7903" marB="0" anchor="ctr">
                     <a:lnL w="19050" cap="flat" cmpd="sng" algn="ctr">
                       <a:solidFill>
                         <a:srgbClr val="000000"/>
@@ -11462,17 +11290,18 @@
                     <a:p>
                       <a:pPr algn="ctr" fontAlgn="ctr"/>
                       <a:r>
-                        <a:rPr lang="fr-FR" sz="700" b="0" i="0" u="none" strike="noStrike">
+                        <a:rPr lang="fr-FR" sz="1700" b="0" i="0" u="none" strike="noStrike">
                           <a:solidFill>
                             <a:srgbClr val="000000"/>
                           </a:solidFill>
-                          <a:latin typeface="Calibri"/>
+                          <a:effectLst/>
+                          <a:latin typeface="Calibri" panose="020F0502020204030204" pitchFamily="34" charset="0"/>
                         </a:rPr>
                         <a:t> </a:t>
                       </a:r>
                     </a:p>
                   </a:txBody>
-                  <a:tcPr marL="3950" marR="3950" marT="3950" marB="0" anchor="ctr">
+                  <a:tcPr marL="7903" marR="7903" marT="7903" marB="0" anchor="ctr">
                     <a:lnL w="19050" cap="flat" cmpd="sng" algn="ctr">
                       <a:solidFill>
                         <a:srgbClr val="000000"/>
@@ -11518,17 +11347,18 @@
                     <a:p>
                       <a:pPr algn="ctr" fontAlgn="ctr"/>
                       <a:r>
-                        <a:rPr lang="fr-FR" sz="700" b="0" i="0" u="none" strike="noStrike">
+                        <a:rPr lang="fr-FR" sz="1700" b="0" i="0" u="none" strike="noStrike">
                           <a:solidFill>
                             <a:srgbClr val="000000"/>
                           </a:solidFill>
-                          <a:latin typeface="Calibri"/>
+                          <a:effectLst/>
+                          <a:latin typeface="Calibri" panose="020F0502020204030204" pitchFamily="34" charset="0"/>
                         </a:rPr>
                         <a:t> </a:t>
                       </a:r>
                     </a:p>
                   </a:txBody>
-                  <a:tcPr marL="3950" marR="3950" marT="3950" marB="0" anchor="ctr">
+                  <a:tcPr marL="7903" marR="7903" marT="7903" marB="0" anchor="ctr">
                     <a:lnL w="19050" cap="flat" cmpd="sng" algn="ctr">
                       <a:solidFill>
                         <a:srgbClr val="000000"/>
@@ -11574,17 +11404,18 @@
                     <a:p>
                       <a:pPr algn="ctr" fontAlgn="ctr"/>
                       <a:r>
-                        <a:rPr lang="fr-FR" sz="700" b="0" i="0" u="none" strike="noStrike">
+                        <a:rPr lang="fr-FR" sz="1700" b="0" i="0" u="none" strike="noStrike">
                           <a:solidFill>
                             <a:srgbClr val="000000"/>
                           </a:solidFill>
-                          <a:latin typeface="Calibri"/>
+                          <a:effectLst/>
+                          <a:latin typeface="Calibri" panose="020F0502020204030204" pitchFamily="34" charset="0"/>
                         </a:rPr>
                         <a:t> </a:t>
                       </a:r>
                     </a:p>
                   </a:txBody>
-                  <a:tcPr marL="3950" marR="3950" marT="3950" marB="0" anchor="ctr">
+                  <a:tcPr marL="7903" marR="7903" marT="7903" marB="0" anchor="ctr">
                     <a:lnL w="19050" cap="flat" cmpd="sng" algn="ctr">
                       <a:solidFill>
                         <a:srgbClr val="000000"/>
@@ -11640,17 +11471,18 @@
                     <a:p>
                       <a:pPr algn="ctr" fontAlgn="ctr"/>
                       <a:r>
-                        <a:rPr lang="fr-FR" sz="700" b="0" i="0" u="none" strike="noStrike">
+                        <a:rPr lang="fr-FR" sz="1700" b="0" i="0" u="none" strike="noStrike">
                           <a:solidFill>
                             <a:srgbClr val="000000"/>
                           </a:solidFill>
-                          <a:latin typeface="Calibri"/>
+                          <a:effectLst/>
+                          <a:latin typeface="Calibri" panose="020F0502020204030204" pitchFamily="34" charset="0"/>
                         </a:rPr>
                         <a:t> </a:t>
                       </a:r>
                     </a:p>
                   </a:txBody>
-                  <a:tcPr marL="3950" marR="3950" marT="3950" marB="0" anchor="ctr">
+                  <a:tcPr marL="7903" marR="7903" marT="7903" marB="0" anchor="ctr">
                     <a:lnL w="19050" cap="flat" cmpd="sng" algn="ctr">
                       <a:solidFill>
                         <a:srgbClr val="000000"/>
@@ -11696,17 +11528,18 @@
                     <a:p>
                       <a:pPr algn="ctr" fontAlgn="ctr"/>
                       <a:r>
-                        <a:rPr lang="fr-FR" sz="700" b="0" i="0" u="none" strike="noStrike">
+                        <a:rPr lang="fr-FR" sz="1700" b="0" i="0" u="none" strike="noStrike">
                           <a:solidFill>
                             <a:srgbClr val="000000"/>
                           </a:solidFill>
-                          <a:latin typeface="Calibri"/>
+                          <a:effectLst/>
+                          <a:latin typeface="Calibri" panose="020F0502020204030204" pitchFamily="34" charset="0"/>
                         </a:rPr>
-                        <a:t>vacances</a:t>
+                        <a:t>Vacances</a:t>
                       </a:r>
                     </a:p>
                   </a:txBody>
-                  <a:tcPr marL="3950" marR="3950" marT="3950" marB="0" anchor="ctr">
+                  <a:tcPr marL="7903" marR="7903" marT="7903" marB="0" anchor="ctr">
                     <a:lnL w="19050" cap="flat" cmpd="sng" algn="ctr">
                       <a:solidFill>
                         <a:srgbClr val="000000"/>
@@ -11765,17 +11598,18 @@
                     <a:p>
                       <a:pPr algn="ctr" fontAlgn="ctr"/>
                       <a:r>
-                        <a:rPr lang="fr-FR" sz="700" b="0" i="0" u="none" strike="noStrike">
+                        <a:rPr lang="fr-FR" sz="1700" b="0" i="0" u="none" strike="noStrike">
                           <a:solidFill>
                             <a:srgbClr val="000000"/>
                           </a:solidFill>
-                          <a:latin typeface="Calibri"/>
+                          <a:effectLst/>
+                          <a:latin typeface="Calibri" panose="020F0502020204030204" pitchFamily="34" charset="0"/>
                         </a:rPr>
                         <a:t> </a:t>
                       </a:r>
                     </a:p>
                   </a:txBody>
-                  <a:tcPr marL="3950" marR="3950" marT="3950" marB="0" anchor="ctr">
+                  <a:tcPr marL="7903" marR="7903" marT="7903" marB="0" anchor="ctr">
                     <a:lnL w="19050" cap="flat" cmpd="sng" algn="ctr">
                       <a:solidFill>
                         <a:srgbClr val="000000"/>
@@ -11831,17 +11665,18 @@
                     <a:p>
                       <a:pPr algn="ctr" fontAlgn="ctr"/>
                       <a:r>
-                        <a:rPr lang="fr-FR" sz="700" b="0" i="0" u="none" strike="noStrike">
+                        <a:rPr lang="fr-FR" sz="1700" b="0" i="0" u="none" strike="noStrike">
                           <a:solidFill>
                             <a:srgbClr val="000000"/>
                           </a:solidFill>
-                          <a:latin typeface="Calibri"/>
+                          <a:effectLst/>
+                          <a:latin typeface="Calibri" panose="020F0502020204030204" pitchFamily="34" charset="0"/>
                         </a:rPr>
                         <a:t> </a:t>
                       </a:r>
                     </a:p>
                   </a:txBody>
-                  <a:tcPr marL="3950" marR="3950" marT="3950" marB="0" anchor="ctr">
+                  <a:tcPr marL="7903" marR="7903" marT="7903" marB="0" anchor="ctr">
                     <a:lnL w="19050" cap="flat" cmpd="sng" algn="ctr">
                       <a:solidFill>
                         <a:srgbClr val="000000"/>
@@ -11887,17 +11722,18 @@
                     <a:p>
                       <a:pPr algn="ctr" fontAlgn="ctr"/>
                       <a:r>
-                        <a:rPr lang="fr-FR" sz="700" b="0" i="0" u="none" strike="noStrike">
+                        <a:rPr lang="fr-FR" sz="1700" b="0" i="0" u="none" strike="noStrike">
                           <a:solidFill>
                             <a:srgbClr val="000000"/>
                           </a:solidFill>
-                          <a:latin typeface="Calibri"/>
+                          <a:effectLst/>
+                          <a:latin typeface="Calibri" panose="020F0502020204030204" pitchFamily="34" charset="0"/>
                         </a:rPr>
                         <a:t> </a:t>
                       </a:r>
                     </a:p>
                   </a:txBody>
-                  <a:tcPr marL="3950" marR="3950" marT="3950" marB="0" anchor="ctr">
+                  <a:tcPr marL="7903" marR="7903" marT="7903" marB="0" anchor="ctr">
                     <a:lnL w="19050" cap="flat" cmpd="sng" algn="ctr">
                       <a:solidFill>
                         <a:srgbClr val="000000"/>
@@ -11943,17 +11779,18 @@
                     <a:p>
                       <a:pPr algn="ctr" fontAlgn="ctr"/>
                       <a:r>
-                        <a:rPr lang="fr-FR" sz="700" b="0" i="0" u="none" strike="noStrike" dirty="0">
+                        <a:rPr lang="fr-FR" sz="1700" b="0" i="0" u="none" strike="noStrike" dirty="0">
                           <a:solidFill>
                             <a:srgbClr val="000000"/>
                           </a:solidFill>
-                          <a:latin typeface="Calibri"/>
+                          <a:effectLst/>
+                          <a:latin typeface="Calibri" panose="020F0502020204030204" pitchFamily="34" charset="0"/>
                         </a:rPr>
-                        <a:t>semaines bloquées</a:t>
+                        <a:t>Semaines bloquées</a:t>
                       </a:r>
                     </a:p>
                   </a:txBody>
-                  <a:tcPr marL="3950" marR="3950" marT="3950" marB="0" anchor="ctr">
+                  <a:tcPr marL="7903" marR="7903" marT="7903" marB="0" anchor="ctr">
                     <a:lnL w="19050" cap="flat" cmpd="sng" algn="ctr">
                       <a:solidFill>
                         <a:srgbClr val="000000"/>
@@ -12015,18 +11852,9 @@
   <p:clrMapOvr>
     <a:masterClrMapping/>
   </p:clrMapOvr>
-  <mc:AlternateContent xmlns:mc="http://schemas.openxmlformats.org/markup-compatibility/2006">
-    <mc:Choice xmlns:p14="http://schemas.microsoft.com/office/powerpoint/2010/main" xmlns="" Requires="p14">
-      <p:transition p14:dur="250" advTm="2129">
-        <p:pull/>
-      </p:transition>
-    </mc:Choice>
-    <mc:Fallback>
-      <p:transition advTm="2129">
-        <p:pull/>
-      </p:transition>
-    </mc:Fallback>
-  </mc:AlternateContent>
+  <p:transition advTm="34300">
+    <p:pull/>
+  </p:transition>
   <p:timing>
     <p:tnLst>
       <p:par>
@@ -12128,13 +11956,13 @@
     <a:masterClrMapping/>
   </p:clrMapOvr>
   <mc:AlternateContent xmlns:mc="http://schemas.openxmlformats.org/markup-compatibility/2006">
-    <mc:Choice xmlns:p14="http://schemas.microsoft.com/office/powerpoint/2010/main" xmlns="" Requires="p14">
-      <p:transition spd="slow" p14:dur="1500" advTm="722">
+    <mc:Choice xmlns:p14="http://schemas.microsoft.com/office/powerpoint/2010/main" Requires="p14">
+      <p:transition spd="slow" advTm="7234">
         <p14:vortex dir="r"/>
       </p:transition>
     </mc:Choice>
     <mc:Fallback>
-      <p:transition spd="slow" advTm="722">
+      <p:transition spd="slow" advTm="7234">
         <p:fade/>
       </p:transition>
     </mc:Fallback>
@@ -12588,25 +12416,16 @@
     </p:spTree>
     <p:extLst>
       <p:ext uri="{BB962C8B-B14F-4D97-AF65-F5344CB8AC3E}">
-        <p14:creationId xmlns:p14="http://schemas.microsoft.com/office/powerpoint/2010/main" xmlns="" val="3174596176"/>
+        <p14:creationId xmlns:p14="http://schemas.microsoft.com/office/powerpoint/2010/main" val="3174596176"/>
       </p:ext>
     </p:extLst>
   </p:cSld>
   <p:clrMapOvr>
     <a:masterClrMapping/>
   </p:clrMapOvr>
-  <mc:AlternateContent xmlns:mc="http://schemas.openxmlformats.org/markup-compatibility/2006">
-    <mc:Choice xmlns:p14="http://schemas.microsoft.com/office/powerpoint/2010/main" xmlns="" Requires="p14">
-      <p:transition p14:dur="250" advTm="13190">
-        <p:pull/>
-      </p:transition>
-    </mc:Choice>
-    <mc:Fallback>
-      <p:transition advTm="13190">
-        <p:pull/>
-      </p:transition>
-    </mc:Fallback>
-  </mc:AlternateContent>
+  <p:transition advTm="27907">
+    <p:pull/>
+  </p:transition>
   <p:timing>
     <p:tnLst>
       <p:par>
@@ -12711,7 +12530,7 @@
           <a:blip r:embed="rId2" cstate="print">
             <a:extLst>
               <a:ext uri="{28A0092B-C50C-407E-A947-70E740481C1C}">
-                <a14:useLocalDpi xmlns:a14="http://schemas.microsoft.com/office/drawing/2010/main" xmlns="" val="0"/>
+                <a14:useLocalDpi xmlns:a14="http://schemas.microsoft.com/office/drawing/2010/main" val="0"/>
               </a:ext>
             </a:extLst>
           </a:blip>
@@ -12780,18 +12599,9 @@
   <p:clrMapOvr>
     <a:masterClrMapping/>
   </p:clrMapOvr>
-  <mc:AlternateContent xmlns:mc="http://schemas.openxmlformats.org/markup-compatibility/2006">
-    <mc:Choice xmlns:p14="http://schemas.microsoft.com/office/powerpoint/2010/main" xmlns="" Requires="p14">
-      <p:transition p14:dur="250" advTm="5408">
-        <p:pull/>
-      </p:transition>
-    </mc:Choice>
-    <mc:Fallback>
-      <p:transition advTm="5408">
-        <p:pull/>
-      </p:transition>
-    </mc:Fallback>
-  </mc:AlternateContent>
+  <p:transition advTm="44975">
+    <p:pull/>
+  </p:transition>
   <p:timing>
     <p:tnLst>
       <p:par>
@@ -12891,7 +12701,7 @@
           <a:blip r:embed="rId3" cstate="print">
             <a:extLst>
               <a:ext uri="{28A0092B-C50C-407E-A947-70E740481C1C}">
-                <a14:useLocalDpi xmlns:a14="http://schemas.microsoft.com/office/drawing/2010/main" xmlns="" val="0"/>
+                <a14:useLocalDpi xmlns:a14="http://schemas.microsoft.com/office/drawing/2010/main" val="0"/>
               </a:ext>
             </a:extLst>
           </a:blip>
@@ -12921,7 +12731,7 @@
           <a:blip r:embed="rId4" cstate="print">
             <a:extLst>
               <a:ext uri="{28A0092B-C50C-407E-A947-70E740481C1C}">
-                <a14:useLocalDpi xmlns:a14="http://schemas.microsoft.com/office/drawing/2010/main" xmlns="" val="0"/>
+                <a14:useLocalDpi xmlns:a14="http://schemas.microsoft.com/office/drawing/2010/main" val="0"/>
               </a:ext>
             </a:extLst>
           </a:blip>
@@ -12931,8 +12741,8 @@
         </p:blipFill>
         <p:spPr>
           <a:xfrm>
-            <a:off x="3347864" y="2636912"/>
-            <a:ext cx="2458667" cy="2801357"/>
+            <a:off x="3520582" y="2996952"/>
+            <a:ext cx="2020061" cy="2301618"/>
           </a:xfrm>
           <a:prstGeom prst="rect">
             <a:avLst/>
@@ -13113,7 +12923,7 @@
       </p:sp>
       <p:pic>
         <p:nvPicPr>
-          <p:cNvPr id="8" name="Picture 7"/>
+          <p:cNvPr id="4" name="Picture 3"/>
           <p:cNvPicPr>
             <a:picLocks noChangeAspect="1"/>
           </p:cNvPicPr>
@@ -13123,7 +12933,7 @@
           <a:blip r:embed="rId5" cstate="print">
             <a:extLst>
               <a:ext uri="{28A0092B-C50C-407E-A947-70E740481C1C}">
-                <a14:useLocalDpi xmlns:a14="http://schemas.microsoft.com/office/drawing/2010/main" xmlns="" val="0"/>
+                <a14:useLocalDpi xmlns:a14="http://schemas.microsoft.com/office/drawing/2010/main" val="0"/>
               </a:ext>
             </a:extLst>
           </a:blip>
@@ -13133,8 +12943,8 @@
         </p:blipFill>
         <p:spPr>
           <a:xfrm>
-            <a:off x="6228184" y="2985694"/>
-            <a:ext cx="2312876" cy="2312876"/>
+            <a:off x="6421840" y="2996952"/>
+            <a:ext cx="2047738" cy="2301618"/>
           </a:xfrm>
           <a:prstGeom prst="rect">
             <a:avLst/>
@@ -13149,18 +12959,9 @@
   <p:clrMapOvr>
     <a:masterClrMapping/>
   </p:clrMapOvr>
-  <mc:AlternateContent xmlns:mc="http://schemas.openxmlformats.org/markup-compatibility/2006">
-    <mc:Choice xmlns:p14="http://schemas.microsoft.com/office/powerpoint/2010/main" xmlns="" Requires="p14">
-      <p:transition p14:dur="250" advTm="6354">
-        <p:pull/>
-      </p:transition>
-    </mc:Choice>
-    <mc:Fallback>
-      <p:transition advTm="6354">
-        <p:pull/>
-      </p:transition>
-    </mc:Fallback>
-  </mc:AlternateContent>
+  <p:transition advTm="29541">
+    <p:pull/>
+  </p:transition>
   <p:timing>
     <p:tnLst>
       <p:par>
@@ -13491,15 +13292,33 @@
                                   </p:childTnLst>
                                 </p:cTn>
                               </p:par>
+                            </p:childTnLst>
+                          </p:cTn>
+                        </p:par>
+                      </p:childTnLst>
+                    </p:cTn>
+                  </p:par>
+                  <p:par>
+                    <p:cTn id="23" fill="hold">
+                      <p:stCondLst>
+                        <p:cond delay="indefinite"/>
+                      </p:stCondLst>
+                      <p:childTnLst>
+                        <p:par>
+                          <p:cTn id="24" fill="hold">
+                            <p:stCondLst>
+                              <p:cond delay="0"/>
+                            </p:stCondLst>
+                            <p:childTnLst>
                               <p:par>
-                                <p:cTn id="23" presetID="2" presetClass="entr" presetSubtype="4" fill="hold" grpId="0" nodeType="withEffect">
+                                <p:cTn id="25" presetID="2" presetClass="entr" presetSubtype="4" fill="hold" grpId="0" nodeType="clickEffect">
                                   <p:stCondLst>
                                     <p:cond delay="0"/>
                                   </p:stCondLst>
                                   <p:childTnLst>
                                     <p:set>
                                       <p:cBhvr>
-                                        <p:cTn id="24" dur="1" fill="hold">
+                                        <p:cTn id="26" dur="1" fill="hold">
                                           <p:stCondLst>
                                             <p:cond delay="0"/>
                                           </p:stCondLst>
@@ -13517,7 +13336,7 @@
                                     </p:set>
                                     <p:anim calcmode="lin" valueType="num">
                                       <p:cBhvr additive="base">
-                                        <p:cTn id="25" dur="500" fill="hold"/>
+                                        <p:cTn id="27" dur="500" fill="hold"/>
                                         <p:tgtEl>
                                           <p:spTgt spid="6"/>
                                         </p:tgtEl>
@@ -13540,9 +13359,82 @@
                                     </p:anim>
                                     <p:anim calcmode="lin" valueType="num">
                                       <p:cBhvr additive="base">
-                                        <p:cTn id="26" dur="500" fill="hold"/>
+                                        <p:cTn id="28" dur="500" fill="hold"/>
                                         <p:tgtEl>
                                           <p:spTgt spid="6"/>
+                                        </p:tgtEl>
+                                        <p:attrNameLst>
+                                          <p:attrName>ppt_y</p:attrName>
+                                        </p:attrNameLst>
+                                      </p:cBhvr>
+                                      <p:tavLst>
+                                        <p:tav tm="0">
+                                          <p:val>
+                                            <p:strVal val="1+#ppt_h/2"/>
+                                          </p:val>
+                                        </p:tav>
+                                        <p:tav tm="100000">
+                                          <p:val>
+                                            <p:strVal val="#ppt_y"/>
+                                          </p:val>
+                                        </p:tav>
+                                      </p:tavLst>
+                                    </p:anim>
+                                  </p:childTnLst>
+                                </p:cTn>
+                              </p:par>
+                              <p:par>
+                                <p:cTn id="29" presetID="2" presetClass="entr" presetSubtype="4" fill="hold" nodeType="withEffect">
+                                  <p:stCondLst>
+                                    <p:cond delay="0"/>
+                                  </p:stCondLst>
+                                  <p:childTnLst>
+                                    <p:set>
+                                      <p:cBhvr>
+                                        <p:cTn id="30" dur="1" fill="hold">
+                                          <p:stCondLst>
+                                            <p:cond delay="0"/>
+                                          </p:stCondLst>
+                                        </p:cTn>
+                                        <p:tgtEl>
+                                          <p:spTgt spid="4"/>
+                                        </p:tgtEl>
+                                        <p:attrNameLst>
+                                          <p:attrName>style.visibility</p:attrName>
+                                        </p:attrNameLst>
+                                      </p:cBhvr>
+                                      <p:to>
+                                        <p:strVal val="visible"/>
+                                      </p:to>
+                                    </p:set>
+                                    <p:anim calcmode="lin" valueType="num">
+                                      <p:cBhvr additive="base">
+                                        <p:cTn id="31" dur="500" fill="hold"/>
+                                        <p:tgtEl>
+                                          <p:spTgt spid="4"/>
+                                        </p:tgtEl>
+                                        <p:attrNameLst>
+                                          <p:attrName>ppt_x</p:attrName>
+                                        </p:attrNameLst>
+                                      </p:cBhvr>
+                                      <p:tavLst>
+                                        <p:tav tm="0">
+                                          <p:val>
+                                            <p:strVal val="#ppt_x"/>
+                                          </p:val>
+                                        </p:tav>
+                                        <p:tav tm="100000">
+                                          <p:val>
+                                            <p:strVal val="#ppt_x"/>
+                                          </p:val>
+                                        </p:tav>
+                                      </p:tavLst>
+                                    </p:anim>
+                                    <p:anim calcmode="lin" valueType="num">
+                                      <p:cBhvr additive="base">
+                                        <p:cTn id="32" dur="500" fill="hold"/>
+                                        <p:tgtEl>
+                                          <p:spTgt spid="4"/>
                                         </p:tgtEl>
                                         <p:attrNameLst>
                                           <p:attrName>ppt_y</p:attrName>
@@ -13777,7 +13669,7 @@
           <a:blip r:embed="rId3" cstate="print">
             <a:extLst>
               <a:ext uri="{28A0092B-C50C-407E-A947-70E740481C1C}">
-                <a14:useLocalDpi xmlns:a14="http://schemas.microsoft.com/office/drawing/2010/main" xmlns="" val="0"/>
+                <a14:useLocalDpi xmlns:a14="http://schemas.microsoft.com/office/drawing/2010/main" val="0"/>
               </a:ext>
             </a:extLst>
           </a:blip>
@@ -13800,18 +13692,9 @@
   <p:clrMapOvr>
     <a:masterClrMapping/>
   </p:clrMapOvr>
-  <mc:AlternateContent xmlns:mc="http://schemas.openxmlformats.org/markup-compatibility/2006">
-    <mc:Choice xmlns:p14="http://schemas.microsoft.com/office/powerpoint/2010/main" xmlns="" Requires="p14">
-      <p:transition p14:dur="250" advTm="1182">
-        <p:pull/>
-      </p:transition>
-    </mc:Choice>
-    <mc:Fallback>
-      <p:transition advTm="1182">
-        <p:pull/>
-      </p:transition>
-    </mc:Fallback>
-  </mc:AlternateContent>
+  <p:transition advTm="25164">
+    <p:pull/>
+  </p:transition>
   <p:timing>
     <p:tnLst>
       <p:par>
@@ -13999,7 +13882,7 @@
           <a:blip r:embed="rId3" cstate="print">
             <a:extLst>
               <a:ext uri="{28A0092B-C50C-407E-A947-70E740481C1C}">
-                <a14:useLocalDpi xmlns:a14="http://schemas.microsoft.com/office/drawing/2010/main" xmlns="" val="0"/>
+                <a14:useLocalDpi xmlns:a14="http://schemas.microsoft.com/office/drawing/2010/main" val="0"/>
               </a:ext>
             </a:extLst>
           </a:blip>
@@ -14020,25 +13903,16 @@
     </p:spTree>
     <p:extLst>
       <p:ext uri="{BB962C8B-B14F-4D97-AF65-F5344CB8AC3E}">
-        <p14:creationId xmlns:p14="http://schemas.microsoft.com/office/powerpoint/2010/main" xmlns="" val="3668769520"/>
+        <p14:creationId xmlns:p14="http://schemas.microsoft.com/office/powerpoint/2010/main" val="3668769520"/>
       </p:ext>
     </p:extLst>
   </p:cSld>
   <p:clrMapOvr>
     <a:masterClrMapping/>
   </p:clrMapOvr>
-  <mc:AlternateContent xmlns:mc="http://schemas.openxmlformats.org/markup-compatibility/2006">
-    <mc:Choice xmlns:p14="http://schemas.microsoft.com/office/powerpoint/2010/main" xmlns="" Requires="p14">
-      <p:transition p14:dur="250" advTm="1182">
-        <p:pull/>
-      </p:transition>
-    </mc:Choice>
-    <mc:Fallback>
-      <p:transition>
-        <p:pull/>
-      </p:transition>
-    </mc:Fallback>
-  </mc:AlternateContent>
+  <p:transition advTm="16916">
+    <p:pull/>
+  </p:transition>
   <p:timing>
     <p:tnLst>
       <p:par>
@@ -14189,7 +14063,7 @@
           <a:blip r:embed="rId2" cstate="print">
             <a:extLst>
               <a:ext uri="{28A0092B-C50C-407E-A947-70E740481C1C}">
-                <a14:useLocalDpi xmlns:a14="http://schemas.microsoft.com/office/drawing/2010/main" xmlns="" val="0"/>
+                <a14:useLocalDpi xmlns:a14="http://schemas.microsoft.com/office/drawing/2010/main" val="0"/>
               </a:ext>
             </a:extLst>
           </a:blip>
@@ -14261,18 +14135,9 @@
   <p:clrMapOvr>
     <a:masterClrMapping/>
   </p:clrMapOvr>
-  <mc:AlternateContent xmlns:mc="http://schemas.openxmlformats.org/markup-compatibility/2006">
-    <mc:Choice xmlns:p14="http://schemas.microsoft.com/office/powerpoint/2010/main" xmlns="" Requires="p14">
-      <p:transition p14:dur="250" advTm="8866">
-        <p:pull/>
-      </p:transition>
-    </mc:Choice>
-    <mc:Fallback>
-      <p:transition advTm="8866">
-        <p:pull/>
-      </p:transition>
-    </mc:Fallback>
-  </mc:AlternateContent>
+  <p:transition advTm="21899">
+    <p:pull/>
+  </p:transition>
   <p:timing>
     <p:tnLst>
       <p:par>
@@ -14374,13 +14239,13 @@
     <a:masterClrMapping/>
   </p:clrMapOvr>
   <mc:AlternateContent xmlns:mc="http://schemas.openxmlformats.org/markup-compatibility/2006">
-    <mc:Choice xmlns:p14="http://schemas.microsoft.com/office/powerpoint/2010/main" xmlns="" Requires="p14">
-      <p:transition spd="slow" p14:dur="1500" advTm="1124">
+    <mc:Choice xmlns:p14="http://schemas.microsoft.com/office/powerpoint/2010/main" Requires="p14">
+      <p:transition spd="slow" advTm="4860">
         <p14:vortex dir="r"/>
       </p:transition>
     </mc:Choice>
     <mc:Fallback>
-      <p:transition spd="slow" advTm="1124">
+      <p:transition spd="slow" advTm="4860">
         <p:fade/>
       </p:transition>
     </mc:Fallback>
@@ -14486,13 +14351,13 @@
     <a:masterClrMapping/>
   </p:clrMapOvr>
   <mc:AlternateContent xmlns:mc="http://schemas.openxmlformats.org/markup-compatibility/2006">
-    <mc:Choice xmlns:p14="http://schemas.microsoft.com/office/powerpoint/2010/main" xmlns="" Requires="p14">
-      <p:transition spd="slow" p14:dur="1500" advTm="1117">
+    <mc:Choice xmlns:p14="http://schemas.microsoft.com/office/powerpoint/2010/main" Requires="p14">
+      <p:transition spd="slow" advTm="1641">
         <p14:vortex dir="r"/>
       </p:transition>
     </mc:Choice>
     <mc:Fallback>
-      <p:transition spd="slow" advTm="1117">
+      <p:transition spd="slow" advTm="1641">
         <p:fade/>
       </p:transition>
     </mc:Fallback>
@@ -14606,7 +14471,7 @@
           <a:blip r:embed="rId3" cstate="print">
             <a:extLst>
               <a:ext uri="{28A0092B-C50C-407E-A947-70E740481C1C}">
-                <a14:useLocalDpi xmlns:a14="http://schemas.microsoft.com/office/drawing/2010/main" xmlns="" val="0"/>
+                <a14:useLocalDpi xmlns:a14="http://schemas.microsoft.com/office/drawing/2010/main" val="0"/>
               </a:ext>
             </a:extLst>
           </a:blip>
@@ -14759,18 +14624,9 @@
   <p:clrMapOvr>
     <a:masterClrMapping/>
   </p:clrMapOvr>
-  <mc:AlternateContent xmlns:mc="http://schemas.openxmlformats.org/markup-compatibility/2006">
-    <mc:Choice xmlns:p14="http://schemas.microsoft.com/office/powerpoint/2010/main" xmlns="" Requires="p14">
-      <p:transition p14:dur="250" advTm="15500">
-        <p:pull/>
-      </p:transition>
-    </mc:Choice>
-    <mc:Fallback>
-      <p:transition advTm="15500">
-        <p:pull/>
-      </p:transition>
-    </mc:Fallback>
-  </mc:AlternateContent>
+  <p:transition advTm="32299">
+    <p:pull/>
+  </p:transition>
   <p:timing>
     <p:tnLst>
       <p:par>
@@ -15227,10 +15083,10 @@
           <p:nvPr/>
         </p:nvPicPr>
         <p:blipFill>
-          <a:blip r:embed="rId3" cstate="print">
+          <a:blip r:embed="rId4" cstate="print">
             <a:extLst>
               <a:ext uri="{28A0092B-C50C-407E-A947-70E740481C1C}">
-                <a14:useLocalDpi xmlns:a14="http://schemas.microsoft.com/office/drawing/2010/main" xmlns="" val="0"/>
+                <a14:useLocalDpi xmlns:a14="http://schemas.microsoft.com/office/drawing/2010/main" val="0"/>
               </a:ext>
             </a:extLst>
           </a:blip>
@@ -15312,8 +15168,8 @@
         </p:nvSpPr>
         <p:spPr>
           <a:xfrm>
-            <a:off x="2946383" y="4932860"/>
-            <a:ext cx="3244799" cy="400110"/>
+            <a:off x="2923143" y="4932860"/>
+            <a:ext cx="3291287" cy="400110"/>
           </a:xfrm>
           <a:prstGeom prst="rect">
             <a:avLst/>
@@ -15330,6 +15186,16 @@
                 <a:spcPct val="100000"/>
               </a:lnSpc>
             </a:pPr>
+            <a:r>
+              <a:rPr lang="fr-FR" sz="2000" b="1" smtClean="0">
+                <a:solidFill>
+                  <a:schemeClr val="accent3">
+                    <a:lumMod val="75000"/>
+                  </a:schemeClr>
+                </a:solidFill>
+              </a:rPr>
+              <a:t>21h/semaine </a:t>
+            </a:r>
             <a:r>
               <a:rPr lang="fr-FR" sz="2000" b="1" dirty="0" smtClean="0">
                 <a:solidFill>
@@ -15338,7 +15204,7 @@
                   </a:schemeClr>
                 </a:solidFill>
               </a:rPr>
-              <a:t>22.5h - semaine normale</a:t>
+              <a:t>en moyenne</a:t>
             </a:r>
             <a:endParaRPr lang="fr-FR" sz="2000" b="1" dirty="0">
               <a:solidFill>
@@ -15350,69 +15216,17 @@
           </a:p>
         </p:txBody>
       </p:sp>
-      <p:sp>
-        <p:nvSpPr>
-          <p:cNvPr id="10" name="Rectangle 9"/>
-          <p:cNvSpPr/>
-          <p:nvPr/>
-        </p:nvSpPr>
-        <p:spPr>
-          <a:xfrm>
-            <a:off x="3101876" y="5445224"/>
-            <a:ext cx="2933816" cy="400110"/>
-          </a:xfrm>
-          <a:prstGeom prst="rect">
-            <a:avLst/>
-          </a:prstGeom>
-        </p:spPr>
-        <p:txBody>
-          <a:bodyPr wrap="none">
-            <a:spAutoFit/>
-          </a:bodyPr>
-          <a:lstStyle/>
-          <a:p>
-            <a:pPr algn="ctr">
-              <a:lnSpc>
-                <a:spcPct val="100000"/>
-              </a:lnSpc>
-            </a:pPr>
-            <a:r>
-              <a:rPr lang="fr-FR" sz="2000" b="1" dirty="0" smtClean="0">
-                <a:solidFill>
-                  <a:schemeClr val="accent3">
-                    <a:lumMod val="75000"/>
-                  </a:schemeClr>
-                </a:solidFill>
-              </a:rPr>
-              <a:t>60h - semaine bloquée</a:t>
-            </a:r>
-            <a:endParaRPr lang="fr-FR" sz="2000" b="1" dirty="0">
-              <a:solidFill>
-                <a:schemeClr val="accent3">
-                  <a:lumMod val="75000"/>
-                </a:schemeClr>
-              </a:solidFill>
-            </a:endParaRPr>
-          </a:p>
-        </p:txBody>
-      </p:sp>
     </p:spTree>
+    <p:custDataLst>
+      <p:tags r:id="rId1"/>
+    </p:custDataLst>
   </p:cSld>
   <p:clrMapOvr>
     <a:masterClrMapping/>
   </p:clrMapOvr>
-  <mc:AlternateContent xmlns:mc="http://schemas.openxmlformats.org/markup-compatibility/2006">
-    <mc:Choice xmlns:p14="http://schemas.microsoft.com/office/powerpoint/2010/main" xmlns="" Requires="p14">
-      <p:transition p14:dur="250" advTm="5569">
-        <p:pull/>
-      </p:transition>
-    </mc:Choice>
-    <mc:Fallback>
-      <p:transition advTm="5569">
-        <p:pull/>
-      </p:transition>
-    </mc:Fallback>
-  </mc:AlternateContent>
+  <p:transition advTm="51201">
+    <p:pull/>
+  </p:transition>
   <p:timing>
     <p:tnLst>
       <p:par>
@@ -15505,33 +15319,6 @@
                                   </p:childTnLst>
                                 </p:cTn>
                               </p:par>
-                              <p:par>
-                                <p:cTn id="11" presetID="1" presetClass="entr" presetSubtype="0" fill="hold" grpId="0" nodeType="withEffect">
-                                  <p:stCondLst>
-                                    <p:cond delay="0"/>
-                                  </p:stCondLst>
-                                  <p:childTnLst>
-                                    <p:set>
-                                      <p:cBhvr>
-                                        <p:cTn id="12" dur="1" fill="hold">
-                                          <p:stCondLst>
-                                            <p:cond delay="0"/>
-                                          </p:stCondLst>
-                                        </p:cTn>
-                                        <p:tgtEl>
-                                          <p:spTgt spid="10"/>
-                                        </p:tgtEl>
-                                        <p:attrNameLst>
-                                          <p:attrName>style.visibility</p:attrName>
-                                        </p:attrNameLst>
-                                      </p:cBhvr>
-                                      <p:to>
-                                        <p:strVal val="visible"/>
-                                      </p:to>
-                                    </p:set>
-                                  </p:childTnLst>
-                                </p:cTn>
-                              </p:par>
                             </p:childTnLst>
                           </p:cTn>
                         </p:par>
@@ -15561,7 +15348,6 @@
     </p:tnLst>
     <p:bldLst>
       <p:bldP spid="9" grpId="0"/>
-      <p:bldP spid="10" grpId="0"/>
     </p:bldLst>
   </p:timing>
 </p:sld>
@@ -15737,7 +15523,7 @@
           <a:blip r:embed="rId3" cstate="print">
             <a:extLst>
               <a:ext uri="{28A0092B-C50C-407E-A947-70E740481C1C}">
-                <a14:useLocalDpi xmlns:a14="http://schemas.microsoft.com/office/drawing/2010/main" xmlns="" val="0"/>
+                <a14:useLocalDpi xmlns:a14="http://schemas.microsoft.com/office/drawing/2010/main" val="0"/>
               </a:ext>
             </a:extLst>
           </a:blip>
@@ -15758,25 +15544,16 @@
     </p:spTree>
     <p:extLst>
       <p:ext uri="{BB962C8B-B14F-4D97-AF65-F5344CB8AC3E}">
-        <p14:creationId xmlns:p14="http://schemas.microsoft.com/office/powerpoint/2010/main" xmlns="" val="2499581431"/>
+        <p14:creationId xmlns:p14="http://schemas.microsoft.com/office/powerpoint/2010/main" val="2499581431"/>
       </p:ext>
     </p:extLst>
   </p:cSld>
   <p:clrMapOvr>
     <a:masterClrMapping/>
   </p:clrMapOvr>
-  <mc:AlternateContent xmlns:mc="http://schemas.openxmlformats.org/markup-compatibility/2006">
-    <mc:Choice xmlns:p14="http://schemas.microsoft.com/office/powerpoint/2010/main" xmlns="" Requires="p14">
-      <p:transition p14:dur="250" advTm="5569">
-        <p:pull/>
-      </p:transition>
-    </mc:Choice>
-    <mc:Fallback>
-      <p:transition>
-        <p:pull/>
-      </p:transition>
-    </mc:Fallback>
-  </mc:AlternateContent>
+  <p:transition advTm="22198">
+    <p:pull/>
+  </p:transition>
   <p:timing>
     <p:tnLst>
       <p:par>
@@ -15923,7 +15700,7 @@
           <a:blip r:embed="rId2" cstate="print">
             <a:extLst>
               <a:ext uri="{28A0092B-C50C-407E-A947-70E740481C1C}">
-                <a14:useLocalDpi xmlns:a14="http://schemas.microsoft.com/office/drawing/2010/main" xmlns="" val="0"/>
+                <a14:useLocalDpi xmlns:a14="http://schemas.microsoft.com/office/drawing/2010/main" val="0"/>
               </a:ext>
             </a:extLst>
           </a:blip>
@@ -15992,18 +15769,9 @@
   <p:clrMapOvr>
     <a:masterClrMapping/>
   </p:clrMapOvr>
-  <mc:AlternateContent xmlns:mc="http://schemas.openxmlformats.org/markup-compatibility/2006">
-    <mc:Choice xmlns:p14="http://schemas.microsoft.com/office/powerpoint/2010/main" xmlns="" Requires="p14">
-      <p:transition p14:dur="250" advTm="1259">
-        <p:pull/>
-      </p:transition>
-    </mc:Choice>
-    <mc:Fallback>
-      <p:transition advTm="1259">
-        <p:pull/>
-      </p:transition>
-    </mc:Fallback>
-  </mc:AlternateContent>
+  <p:transition advTm="11270">
+    <p:pull/>
+  </p:transition>
   <p:timing>
     <p:tnLst>
       <p:par>
@@ -16102,7 +15870,7 @@
     </p:spTree>
     <p:extLst>
       <p:ext uri="{BB962C8B-B14F-4D97-AF65-F5344CB8AC3E}">
-        <p14:creationId xmlns:p14="http://schemas.microsoft.com/office/powerpoint/2010/main" xmlns="" val="1585855229"/>
+        <p14:creationId xmlns:p14="http://schemas.microsoft.com/office/powerpoint/2010/main" val="1585855229"/>
       </p:ext>
     </p:extLst>
   </p:cSld>
@@ -16110,13 +15878,13 @@
     <a:masterClrMapping/>
   </p:clrMapOvr>
   <mc:AlternateContent xmlns:mc="http://schemas.openxmlformats.org/markup-compatibility/2006">
-    <mc:Choice xmlns:p14="http://schemas.microsoft.com/office/powerpoint/2010/main" xmlns="" Requires="p14">
-      <p:transition spd="slow" p14:dur="1500" advTm="594">
+    <mc:Choice xmlns:p14="http://schemas.microsoft.com/office/powerpoint/2010/main" Requires="p14">
+      <p:transition spd="slow" advTm="11483">
         <p14:vortex dir="r"/>
       </p:transition>
     </mc:Choice>
     <mc:Fallback>
-      <p:transition spd="slow" advTm="594">
+      <p:transition spd="slow" advTm="11483">
         <p:fade/>
       </p:transition>
     </mc:Fallback>
@@ -16175,36 +15943,6 @@
           </a:p>
         </p:txBody>
       </p:sp>
-      <p:pic>
-        <p:nvPicPr>
-          <p:cNvPr id="2" name="Picture 1"/>
-          <p:cNvPicPr>
-            <a:picLocks noChangeAspect="1"/>
-          </p:cNvPicPr>
-          <p:nvPr/>
-        </p:nvPicPr>
-        <p:blipFill>
-          <a:blip r:embed="rId3" cstate="print">
-            <a:extLst>
-              <a:ext uri="{28A0092B-C50C-407E-A947-70E740481C1C}">
-                <a14:useLocalDpi xmlns:a14="http://schemas.microsoft.com/office/drawing/2010/main" xmlns="" val="0"/>
-              </a:ext>
-            </a:extLst>
-          </a:blip>
-          <a:stretch>
-            <a:fillRect/>
-          </a:stretch>
-        </p:blipFill>
-        <p:spPr>
-          <a:xfrm>
-            <a:off x="0" y="1412776"/>
-            <a:ext cx="9144000" cy="5143500"/>
-          </a:xfrm>
-          <a:prstGeom prst="rect">
-            <a:avLst/>
-          </a:prstGeom>
-        </p:spPr>
-      </p:pic>
       <p:sp>
         <p:nvSpPr>
           <p:cNvPr id="3" name="TextBox 2"/>
@@ -16248,19 +15986,72 @@
           </a:p>
         </p:txBody>
       </p:sp>
+      <p:pic>
+        <p:nvPicPr>
+          <p:cNvPr id="5" name="Picture 4"/>
+          <p:cNvPicPr>
+            <a:picLocks noChangeAspect="1"/>
+          </p:cNvPicPr>
+          <p:nvPr/>
+        </p:nvPicPr>
+        <p:blipFill>
+          <a:blip r:embed="rId3" cstate="print">
+            <a:extLst>
+              <a:ext uri="{28A0092B-C50C-407E-A947-70E740481C1C}">
+                <a14:useLocalDpi xmlns:a14="http://schemas.microsoft.com/office/drawing/2010/main" val="0"/>
+              </a:ext>
+            </a:extLst>
+          </a:blip>
+          <a:stretch>
+            <a:fillRect/>
+          </a:stretch>
+        </p:blipFill>
+        <p:spPr>
+          <a:xfrm>
+            <a:off x="2008884" y="1528988"/>
+            <a:ext cx="5126232" cy="4800032"/>
+          </a:xfrm>
+          <a:prstGeom prst="ellipse">
+            <a:avLst/>
+          </a:prstGeom>
+          <a:ln w="190500" cap="rnd">
+            <a:solidFill>
+              <a:srgbClr val="C8C6BD"/>
+            </a:solidFill>
+            <a:prstDash val="solid"/>
+          </a:ln>
+          <a:effectLst>
+            <a:outerShdw blurRad="127000" algn="bl" rotWithShape="0">
+              <a:srgbClr val="000000"/>
+            </a:outerShdw>
+          </a:effectLst>
+          <a:scene3d>
+            <a:camera prst="perspectiveFront" fov="5400000"/>
+            <a:lightRig rig="threePt" dir="t">
+              <a:rot lat="0" lon="0" rev="19200000"/>
+            </a:lightRig>
+          </a:scene3d>
+          <a:sp3d extrusionH="25400">
+            <a:bevelT w="304800" h="152400" prst="hardEdge"/>
+            <a:extrusionClr>
+              <a:srgbClr val="000000"/>
+            </a:extrusionClr>
+          </a:sp3d>
+        </p:spPr>
+      </p:pic>
     </p:spTree>
   </p:cSld>
   <p:clrMapOvr>
     <a:masterClrMapping/>
   </p:clrMapOvr>
   <mc:AlternateContent xmlns:mc="http://schemas.openxmlformats.org/markup-compatibility/2006">
-    <mc:Choice xmlns:p14="http://schemas.microsoft.com/office/powerpoint/2010/main" xmlns="" Requires="p14">
-      <p:transition spd="slow" p14:dur="7500" advTm="2716">
-        <p14:honeycomb/>
+    <mc:Choice xmlns:p14="http://schemas.microsoft.com/office/powerpoint/2010/main" Requires="p14">
+      <p:transition spd="slow" p14:dur="1500" advTm="8356">
+        <p14:window dir="vert"/>
       </p:transition>
     </mc:Choice>
     <mc:Fallback>
-      <p:transition spd="slow" advTm="2716">
+      <p:transition spd="slow" advTm="8356">
         <p:fade/>
       </p:transition>
     </mc:Fallback>
@@ -16304,7 +16095,7 @@
           <a:blip r:embed="rId2" cstate="print">
             <a:extLst>
               <a:ext uri="{28A0092B-C50C-407E-A947-70E740481C1C}">
-                <a14:useLocalDpi xmlns:a14="http://schemas.microsoft.com/office/drawing/2010/main" xmlns="" val="0"/>
+                <a14:useLocalDpi xmlns:a14="http://schemas.microsoft.com/office/drawing/2010/main" val="0"/>
               </a:ext>
             </a:extLst>
           </a:blip>
@@ -16396,18 +16187,9 @@
   <p:clrMapOvr>
     <a:masterClrMapping/>
   </p:clrMapOvr>
-  <mc:AlternateContent xmlns:mc="http://schemas.openxmlformats.org/markup-compatibility/2006">
-    <mc:Choice xmlns:p14="http://schemas.microsoft.com/office/powerpoint/2010/main" xmlns="" Requires="p14">
-      <p:transition p14:dur="250" advTm="4315">
-        <p:pull/>
-      </p:transition>
-    </mc:Choice>
-    <mc:Fallback>
-      <p:transition advTm="4315">
-        <p:pull/>
-      </p:transition>
-    </mc:Fallback>
-  </mc:AlternateContent>
+  <p:transition advTm="14476">
+    <p:pull/>
+  </p:transition>
   <p:timing>
     <p:tnLst>
       <p:par>
@@ -16611,18 +16393,9 @@
   <p:clrMapOvr>
     <a:masterClrMapping/>
   </p:clrMapOvr>
-  <mc:AlternateContent xmlns:mc="http://schemas.openxmlformats.org/markup-compatibility/2006">
-    <mc:Choice xmlns:p14="http://schemas.microsoft.com/office/powerpoint/2010/main" xmlns="" Requires="p14">
-      <p:transition p14:dur="250" advTm="5602">
-        <p:pull/>
-      </p:transition>
-    </mc:Choice>
-    <mc:Fallback>
-      <p:transition advTm="5602">
-        <p:pull/>
-      </p:transition>
-    </mc:Fallback>
-  </mc:AlternateContent>
+  <p:transition advTm="7576">
+    <p:pull/>
+  </p:transition>
   <p:timing>
     <p:tnLst>
       <p:par>
@@ -17085,14 +16858,14 @@
     <a:masterClrMapping/>
   </p:clrMapOvr>
   <mc:AlternateContent xmlns:mc="http://schemas.openxmlformats.org/markup-compatibility/2006">
-    <mc:Choice xmlns:p14="http://schemas.microsoft.com/office/powerpoint/2010/main" xmlns="" Requires="p14">
-      <p:transition p14:dur="250" advTm="4667">
-        <p:pull/>
+    <mc:Choice xmlns:p14="http://schemas.microsoft.com/office/powerpoint/2010/main" Requires="p14">
+      <p:transition spd="slow" advTm="32552">
+        <p14:vortex dir="r"/>
       </p:transition>
     </mc:Choice>
     <mc:Fallback>
-      <p:transition advTm="4667">
-        <p:pull/>
+      <p:transition spd="slow" advTm="32552">
+        <p:fade/>
       </p:transition>
     </mc:Fallback>
   </mc:AlternateContent>
@@ -17360,13 +17133,13 @@
     <a:masterClrMapping/>
   </p:clrMapOvr>
   <mc:AlternateContent xmlns:mc="http://schemas.openxmlformats.org/markup-compatibility/2006">
-    <mc:Choice xmlns:p14="http://schemas.microsoft.com/office/powerpoint/2010/main" xmlns="" Requires="p14">
-      <p:transition spd="slow" p14:dur="1500" advTm="4007">
+    <mc:Choice xmlns:p14="http://schemas.microsoft.com/office/powerpoint/2010/main" Requires="p14">
+      <p:transition spd="slow" advTm="4931">
         <p14:vortex dir="r"/>
       </p:transition>
     </mc:Choice>
     <mc:Fallback>
-      <p:transition spd="slow" advTm="4007">
+      <p:transition spd="slow" advTm="4931">
         <p:fade/>
       </p:transition>
     </mc:Fallback>
@@ -17788,18 +17561,9 @@
   <p:clrMapOvr>
     <a:masterClrMapping/>
   </p:clrMapOvr>
-  <mc:AlternateContent xmlns:mc="http://schemas.openxmlformats.org/markup-compatibility/2006">
-    <mc:Choice xmlns:p14="http://schemas.microsoft.com/office/powerpoint/2010/main" xmlns="" Requires="p14">
-      <p:transition p14:dur="250" advTm="4918">
-        <p:pull/>
-      </p:transition>
-    </mc:Choice>
-    <mc:Fallback>
-      <p:transition advTm="4918">
-        <p:pull/>
-      </p:transition>
-    </mc:Fallback>
-  </mc:AlternateContent>
+  <p:transition advTm="17810">
+    <p:pull/>
+  </p:transition>
   <p:timing>
     <p:tnLst>
       <p:par>
@@ -18374,22 +18138,16 @@
         </p:txBody>
       </p:sp>
     </p:spTree>
+    <p:custDataLst>
+      <p:tags r:id="rId1"/>
+    </p:custDataLst>
   </p:cSld>
   <p:clrMapOvr>
     <a:masterClrMapping/>
   </p:clrMapOvr>
-  <mc:AlternateContent xmlns:mc="http://schemas.openxmlformats.org/markup-compatibility/2006">
-    <mc:Choice xmlns:p14="http://schemas.microsoft.com/office/powerpoint/2010/main" xmlns="" Requires="p14">
-      <p:transition p14:dur="250" advTm="6783">
-        <p:pull/>
-      </p:transition>
-    </mc:Choice>
-    <mc:Fallback>
-      <p:transition advTm="6783">
-        <p:pull/>
-      </p:transition>
-    </mc:Fallback>
-  </mc:AlternateContent>
+  <p:transition advTm="24221">
+    <p:pull/>
+  </p:transition>
   <p:timing>
     <p:tnLst>
       <p:par>
@@ -18611,7 +18369,7 @@
           <p:nvPr/>
         </p:nvPicPr>
         <p:blipFill>
-          <a:blip r:embed="rId3" cstate="print"/>
+          <a:blip r:embed="rId4" cstate="print"/>
           <a:stretch>
             <a:fillRect/>
           </a:stretch>
@@ -18633,7 +18391,7 @@
           <p:nvPr/>
         </p:nvPicPr>
         <p:blipFill>
-          <a:blip r:embed="rId4" cstate="print"/>
+          <a:blip r:embed="rId5" cstate="print"/>
           <a:stretch/>
         </p:blipFill>
         <p:spPr>
@@ -18704,10 +18462,10 @@
             <a:picLocks noChangeAspect="1"/>
           </p:cNvPicPr>
           <p:nvPr>
-            <a:audioFile r:link="rId1"/>
+            <a:audioFile r:link="rId2"/>
             <p:extLst>
               <p:ext uri="{DAA4B4D4-6D71-4841-9C94-3DE7FCFB9230}">
-                <p14:media xmlns:p14="http://schemas.microsoft.com/office/powerpoint/2010/main" xmlns="" r:embed="rId5"/>
+                <p14:media xmlns:p14="http://schemas.microsoft.com/office/powerpoint/2010/main" r:embed="rId1"/>
               </p:ext>
             </p:extLst>
           </p:nvPr>
@@ -18733,18 +18491,9 @@
   <p:clrMapOvr>
     <a:masterClrMapping/>
   </p:clrMapOvr>
-  <mc:AlternateContent xmlns:mc="http://schemas.openxmlformats.org/markup-compatibility/2006">
-    <mc:Choice xmlns:p14="http://schemas.microsoft.com/office/powerpoint/2010/main" xmlns="" Requires="p14">
-      <p:transition p14:dur="250" advTm="6472">
-        <p:pull/>
-      </p:transition>
-    </mc:Choice>
-    <mc:Fallback>
-      <p:transition advTm="6472">
-        <p:pull/>
-      </p:transition>
-    </mc:Fallback>
-  </mc:AlternateContent>
+  <p:transition advTm="19116">
+    <p:pull/>
+  </p:transition>
   <p:timing>
     <p:tnLst>
       <p:par>
@@ -18837,19 +18586,31 @@
 
 <file path=ppt/tags/tag1.xml><?xml version="1.0" encoding="utf-8"?>
 <p:tagLst xmlns:a="http://schemas.openxmlformats.org/drawingml/2006/main" xmlns:r="http://schemas.openxmlformats.org/officeDocument/2006/relationships" xmlns:p="http://schemas.openxmlformats.org/presentationml/2006/main">
-  <p:tag name="TIMING" val="|0.9|1.5|0.8"/>
+  <p:tag name="TIMING" val="|2.1|14.3|6.8"/>
 </p:tagLst>
 </file>
 
 <file path=ppt/tags/tag2.xml><?xml version="1.0" encoding="utf-8"?>
 <p:tagLst xmlns:a="http://schemas.openxmlformats.org/drawingml/2006/main" xmlns:r="http://schemas.openxmlformats.org/officeDocument/2006/relationships" xmlns:p="http://schemas.openxmlformats.org/presentationml/2006/main">
-  <p:tag name="TIMING" val="|2.7|1"/>
+  <p:tag name="TIMING" val="|6.8|5.8"/>
 </p:tagLst>
 </file>
 
 <file path=ppt/tags/tag3.xml><?xml version="1.0" encoding="utf-8"?>
 <p:tagLst xmlns:a="http://schemas.openxmlformats.org/drawingml/2006/main" xmlns:r="http://schemas.openxmlformats.org/officeDocument/2006/relationships" xmlns:p="http://schemas.openxmlformats.org/presentationml/2006/main">
-  <p:tag name="TIMING" val="|2.3|0.9|0.9"/>
+  <p:tag name="TIMING" val="|4.3|6.1"/>
+</p:tagLst>
+</file>
+
+<file path=ppt/tags/tag4.xml><?xml version="1.0" encoding="utf-8"?>
+<p:tagLst xmlns:a="http://schemas.openxmlformats.org/drawingml/2006/main" xmlns:r="http://schemas.openxmlformats.org/officeDocument/2006/relationships" xmlns:p="http://schemas.openxmlformats.org/presentationml/2006/main">
+  <p:tag name="TIMING" val="|13|5.1|5.6"/>
+</p:tagLst>
+</file>
+
+<file path=ppt/tags/tag5.xml><?xml version="1.0" encoding="utf-8"?>
+<p:tagLst xmlns:a="http://schemas.openxmlformats.org/drawingml/2006/main" xmlns:r="http://schemas.openxmlformats.org/officeDocument/2006/relationships" xmlns:p="http://schemas.openxmlformats.org/presentationml/2006/main">
+  <p:tag name="TIMING" val="|8.2|26.8"/>
 </p:tagLst>
 </file>
 
